--- a/packages/Packages.pptx
+++ b/packages/Packages.pptx
@@ -5488,7 +5488,7 @@
       </p:grpSpPr>
       <p:sp>
         <p:nvSpPr>
-          <p:cNvPr id="546" name="Title 6"/>
+          <p:cNvPr id="549" name="Title 6"/>
           <p:cNvSpPr txBox="1"/>
           <p:nvPr>
             <p:ph type="title"/>
@@ -5524,7 +5524,7 @@
       </p:sp>
       <p:pic>
         <p:nvPicPr>
-          <p:cNvPr id="547" name="cubes.png" descr="cubes.png"/>
+          <p:cNvPr id="550" name="cubes.png" descr="cubes.png"/>
           <p:cNvPicPr>
             <a:picLocks noChangeAspect="1"/>
           </p:cNvPicPr>
@@ -5553,7 +5553,7 @@
       </p:pic>
       <p:grpSp>
         <p:nvGrpSpPr>
-          <p:cNvPr id="550" name="Group"/>
+          <p:cNvPr id="553" name="Group"/>
           <p:cNvGrpSpPr/>
           <p:nvPr/>
         </p:nvGrpSpPr>
@@ -5561,133 +5561,6 @@
           <a:xfrm>
             <a:off x="1270000" y="5840511"/>
             <a:ext cx="5162495" cy="2971254"/>
-            <a:chOff x="0" y="0"/>
-            <a:chExt cx="5162494" cy="2971253"/>
-          </a:xfrm>
-        </p:grpSpPr>
-        <p:sp>
-          <p:nvSpPr>
-            <p:cNvPr id="548" name="Rectangle"/>
-            <p:cNvSpPr/>
-            <p:nvPr/>
-          </p:nvSpPr>
-          <p:spPr>
-            <a:xfrm>
-              <a:off x="0" y="0"/>
-              <a:ext cx="5162495" cy="2971254"/>
-            </a:xfrm>
-            <a:prstGeom prst="rect">
-              <a:avLst/>
-            </a:prstGeom>
-            <a:solidFill>
-              <a:srgbClr val="03A9F4"/>
-            </a:solidFill>
-            <a:ln w="12700" cap="flat">
-              <a:noFill/>
-              <a:miter lim="400000"/>
-            </a:ln>
-            <a:effectLst>
-              <a:outerShdw sx="100000" sy="100000" kx="0" ky="0" algn="b" rotWithShape="0" blurRad="635000" dist="63500" dir="5400000">
-                <a:srgbClr val="000000">
-                  <a:alpha val="50000"/>
-                </a:srgbClr>
-              </a:outerShdw>
-            </a:effectLst>
-          </p:spPr>
-          <p:txBody>
-            <a:bodyPr wrap="square" lIns="71437" tIns="71437" rIns="71437" bIns="71437" numCol="1" anchor="ctr">
-              <a:noAutofit/>
-            </a:bodyPr>
-            <a:lstStyle/>
-            <a:p>
-              <a:pPr algn="ctr">
-                <a:lnSpc>
-                  <a:spcPct val="80000"/>
-                </a:lnSpc>
-                <a:spcBef>
-                  <a:spcPts val="0"/>
-                </a:spcBef>
-                <a:defRPr cap="all" sz="3800">
-                  <a:solidFill>
-                    <a:srgbClr val="FFFFFF"/>
-                  </a:solidFill>
-                  <a:latin typeface="+mn-lt"/>
-                  <a:ea typeface="+mn-ea"/>
-                  <a:cs typeface="+mn-cs"/>
-                  <a:sym typeface="DIN Condensed"/>
-                </a:defRPr>
-              </a:pPr>
-            </a:p>
-          </p:txBody>
-        </p:sp>
-        <p:sp>
-          <p:nvSpPr>
-            <p:cNvPr id="549" name="package p1"/>
-            <p:cNvSpPr/>
-            <p:nvPr/>
-          </p:nvSpPr>
-          <p:spPr>
-            <a:xfrm>
-              <a:off x="2581247" y="1485626"/>
-              <a:ext cx="1270001" cy="1270001"/>
-            </a:xfrm>
-            <a:prstGeom prst="line">
-              <a:avLst/>
-            </a:prstGeom>
-            <a:noFill/>
-            <a:ln w="12700" cap="flat">
-              <a:noFill/>
-              <a:miter lim="400000"/>
-            </a:ln>
-            <a:effectLst/>
-            <a:extLst>
-              <a:ext uri="{C572A759-6A51-4108-AA02-DFA0A04FC94B}">
-                <ma14:wrappingTextBoxFlag xmlns:ma14="http://schemas.microsoft.com/office/mac/drawingml/2011/main" val="1"/>
-              </a:ext>
-            </a:extLst>
-          </p:spPr>
-          <p:txBody>
-            <a:bodyPr wrap="none" lIns="71437" tIns="71437" rIns="71437" bIns="71437" numCol="1" anchor="ctr">
-              <a:spAutoFit/>
-            </a:bodyPr>
-            <a:lstStyle/>
-            <a:p>
-              <a:pPr algn="ctr">
-                <a:defRPr sz="4000">
-                  <a:solidFill>
-                    <a:srgbClr val="FFFFFF"/>
-                  </a:solidFill>
-                  <a:latin typeface="Meslo LG M for Powerline"/>
-                  <a:ea typeface="Meslo LG M for Powerline"/>
-                  <a:cs typeface="Meslo LG M for Powerline"/>
-                  <a:sym typeface="Meslo LG M for Powerline"/>
-                </a:defRPr>
-              </a:pPr>
-              <a:r>
-                <a:rPr>
-                  <a:solidFill>
-                    <a:srgbClr val="9C27B0"/>
-                  </a:solidFill>
-                </a:rPr>
-                <a:t>package</a:t>
-              </a:r>
-              <a:r>
-                <a:t> p1</a:t>
-              </a:r>
-            </a:p>
-          </p:txBody>
-        </p:sp>
-      </p:grpSp>
-      <p:grpSp>
-        <p:nvGrpSpPr>
-          <p:cNvPr id="553" name="Group"/>
-          <p:cNvGrpSpPr/>
-          <p:nvPr/>
-        </p:nvGrpSpPr>
-        <p:grpSpPr>
-          <a:xfrm>
-            <a:off x="9988602" y="5840511"/>
-            <a:ext cx="5162496" cy="2971254"/>
             <a:chOff x="0" y="0"/>
             <a:chExt cx="5162494" cy="2971253"/>
           </a:xfrm>
@@ -5749,7 +5622,134 @@
         </p:sp>
         <p:sp>
           <p:nvSpPr>
-            <p:cNvPr id="552" name="package p2"/>
+            <p:cNvPr id="552" name="package p1"/>
+            <p:cNvSpPr/>
+            <p:nvPr/>
+          </p:nvSpPr>
+          <p:spPr>
+            <a:xfrm>
+              <a:off x="2581247" y="1485626"/>
+              <a:ext cx="1270001" cy="1270001"/>
+            </a:xfrm>
+            <a:prstGeom prst="line">
+              <a:avLst/>
+            </a:prstGeom>
+            <a:noFill/>
+            <a:ln w="12700" cap="flat">
+              <a:noFill/>
+              <a:miter lim="400000"/>
+            </a:ln>
+            <a:effectLst/>
+            <a:extLst>
+              <a:ext uri="{C572A759-6A51-4108-AA02-DFA0A04FC94B}">
+                <ma14:wrappingTextBoxFlag xmlns:ma14="http://schemas.microsoft.com/office/mac/drawingml/2011/main" val="1"/>
+              </a:ext>
+            </a:extLst>
+          </p:spPr>
+          <p:txBody>
+            <a:bodyPr wrap="none" lIns="71437" tIns="71437" rIns="71437" bIns="71437" numCol="1" anchor="ctr">
+              <a:spAutoFit/>
+            </a:bodyPr>
+            <a:lstStyle/>
+            <a:p>
+              <a:pPr algn="ctr">
+                <a:defRPr sz="4000">
+                  <a:solidFill>
+                    <a:srgbClr val="FFFFFF"/>
+                  </a:solidFill>
+                  <a:latin typeface="Meslo LG M for Powerline"/>
+                  <a:ea typeface="Meslo LG M for Powerline"/>
+                  <a:cs typeface="Meslo LG M for Powerline"/>
+                  <a:sym typeface="Meslo LG M for Powerline"/>
+                </a:defRPr>
+              </a:pPr>
+              <a:r>
+                <a:rPr>
+                  <a:solidFill>
+                    <a:srgbClr val="9C27B0"/>
+                  </a:solidFill>
+                </a:rPr>
+                <a:t>package</a:t>
+              </a:r>
+              <a:r>
+                <a:t> p1</a:t>
+              </a:r>
+            </a:p>
+          </p:txBody>
+        </p:sp>
+      </p:grpSp>
+      <p:grpSp>
+        <p:nvGrpSpPr>
+          <p:cNvPr id="556" name="Group"/>
+          <p:cNvGrpSpPr/>
+          <p:nvPr/>
+        </p:nvGrpSpPr>
+        <p:grpSpPr>
+          <a:xfrm>
+            <a:off x="9988602" y="5840511"/>
+            <a:ext cx="5162496" cy="2971254"/>
+            <a:chOff x="0" y="0"/>
+            <a:chExt cx="5162494" cy="2971253"/>
+          </a:xfrm>
+        </p:grpSpPr>
+        <p:sp>
+          <p:nvSpPr>
+            <p:cNvPr id="554" name="Rectangle"/>
+            <p:cNvSpPr/>
+            <p:nvPr/>
+          </p:nvSpPr>
+          <p:spPr>
+            <a:xfrm>
+              <a:off x="0" y="0"/>
+              <a:ext cx="5162495" cy="2971254"/>
+            </a:xfrm>
+            <a:prstGeom prst="rect">
+              <a:avLst/>
+            </a:prstGeom>
+            <a:solidFill>
+              <a:srgbClr val="03A9F4"/>
+            </a:solidFill>
+            <a:ln w="12700" cap="flat">
+              <a:noFill/>
+              <a:miter lim="400000"/>
+            </a:ln>
+            <a:effectLst>
+              <a:outerShdw sx="100000" sy="100000" kx="0" ky="0" algn="b" rotWithShape="0" blurRad="635000" dist="63500" dir="5400000">
+                <a:srgbClr val="000000">
+                  <a:alpha val="50000"/>
+                </a:srgbClr>
+              </a:outerShdw>
+            </a:effectLst>
+          </p:spPr>
+          <p:txBody>
+            <a:bodyPr wrap="square" lIns="71437" tIns="71437" rIns="71437" bIns="71437" numCol="1" anchor="ctr">
+              <a:noAutofit/>
+            </a:bodyPr>
+            <a:lstStyle/>
+            <a:p>
+              <a:pPr algn="ctr">
+                <a:lnSpc>
+                  <a:spcPct val="80000"/>
+                </a:lnSpc>
+                <a:spcBef>
+                  <a:spcPts val="0"/>
+                </a:spcBef>
+                <a:defRPr cap="all" sz="3800">
+                  <a:solidFill>
+                    <a:srgbClr val="FFFFFF"/>
+                  </a:solidFill>
+                  <a:latin typeface="+mn-lt"/>
+                  <a:ea typeface="+mn-ea"/>
+                  <a:cs typeface="+mn-cs"/>
+                  <a:sym typeface="DIN Condensed"/>
+                </a:defRPr>
+              </a:pPr>
+            </a:p>
+          </p:txBody>
+        </p:sp>
+        <p:sp>
+          <p:nvSpPr>
+            <p:cNvPr id="555" name="package p2"/>
             <p:cNvSpPr/>
             <p:nvPr/>
           </p:nvSpPr>
@@ -5807,7 +5807,7 @@
       </p:grpSp>
       <p:grpSp>
         <p:nvGrpSpPr>
-          <p:cNvPr id="556" name="Group"/>
+          <p:cNvPr id="559" name="Group"/>
           <p:cNvGrpSpPr/>
           <p:nvPr/>
         </p:nvGrpSpPr>
@@ -5821,7 +5821,7 @@
         </p:grpSpPr>
         <p:sp>
           <p:nvSpPr>
-            <p:cNvPr id="554" name="p1_test.go"/>
+            <p:cNvPr id="557" name="p1_test.go"/>
             <p:cNvSpPr/>
             <p:nvPr/>
           </p:nvSpPr>
@@ -5866,121 +5866,6 @@
               <a:pPr/>
               <a:r>
                 <a:t>p1_test.go</a:t>
-              </a:r>
-            </a:p>
-          </p:txBody>
-        </p:sp>
-        <p:sp>
-          <p:nvSpPr>
-            <p:cNvPr id="555" name="Rectangle"/>
-            <p:cNvSpPr/>
-            <p:nvPr/>
-          </p:nvSpPr>
-          <p:spPr>
-            <a:xfrm>
-              <a:off x="112336" y="722112"/>
-              <a:ext cx="2947821" cy="127882"/>
-            </a:xfrm>
-            <a:prstGeom prst="rect">
-              <a:avLst/>
-            </a:prstGeom>
-            <a:solidFill>
-              <a:srgbClr val="00BCD4"/>
-            </a:solidFill>
-            <a:ln w="12700" cap="flat">
-              <a:noFill/>
-              <a:miter lim="400000"/>
-            </a:ln>
-            <a:effectLst/>
-          </p:spPr>
-          <p:txBody>
-            <a:bodyPr wrap="square" lIns="71437" tIns="71437" rIns="71437" bIns="71437" numCol="1" anchor="ctr">
-              <a:noAutofit/>
-            </a:bodyPr>
-            <a:lstStyle/>
-            <a:p>
-              <a:pPr algn="ctr">
-                <a:lnSpc>
-                  <a:spcPct val="80000"/>
-                </a:lnSpc>
-                <a:spcBef>
-                  <a:spcPts val="0"/>
-                </a:spcBef>
-                <a:defRPr cap="all" sz="3800">
-                  <a:solidFill>
-                    <a:srgbClr val="FFFFFF"/>
-                  </a:solidFill>
-                  <a:latin typeface="+mn-lt"/>
-                  <a:ea typeface="+mn-ea"/>
-                  <a:cs typeface="+mn-cs"/>
-                  <a:sym typeface="DIN Condensed"/>
-                </a:defRPr>
-              </a:pPr>
-            </a:p>
-          </p:txBody>
-        </p:sp>
-      </p:grpSp>
-      <p:grpSp>
-        <p:nvGrpSpPr>
-          <p:cNvPr id="559" name="Group"/>
-          <p:cNvGrpSpPr/>
-          <p:nvPr/>
-        </p:nvGrpSpPr>
-        <p:grpSpPr>
-          <a:xfrm>
-            <a:off x="9876297" y="5117435"/>
-            <a:ext cx="3060157" cy="1270001"/>
-            <a:chOff x="0" y="376237"/>
-            <a:chExt cx="3060156" cy="1270000"/>
-          </a:xfrm>
-        </p:grpSpPr>
-        <p:sp>
-          <p:nvSpPr>
-            <p:cNvPr id="557" name="p2_test.go"/>
-            <p:cNvSpPr/>
-            <p:nvPr/>
-          </p:nvSpPr>
-          <p:spPr>
-            <a:xfrm>
-              <a:off x="0" y="376237"/>
-              <a:ext cx="1270000" cy="1270001"/>
-            </a:xfrm>
-            <a:prstGeom prst="line">
-              <a:avLst/>
-            </a:prstGeom>
-            <a:noFill/>
-            <a:ln w="12700" cap="flat">
-              <a:noFill/>
-              <a:miter lim="400000"/>
-            </a:ln>
-            <a:effectLst/>
-            <a:extLst>
-              <a:ext uri="{C572A759-6A51-4108-AA02-DFA0A04FC94B}">
-                <ma14:wrappingTextBoxFlag xmlns:ma14="http://schemas.microsoft.com/office/mac/drawingml/2011/main" val="1"/>
-              </a:ext>
-            </a:extLst>
-          </p:spPr>
-          <p:txBody>
-            <a:bodyPr wrap="none" lIns="71437" tIns="71437" rIns="71437" bIns="71437" numCol="1" anchor="ctr">
-              <a:spAutoFit/>
-            </a:bodyPr>
-            <a:lstStyle>
-              <a:lvl1pPr>
-                <a:defRPr sz="3500">
-                  <a:solidFill>
-                    <a:srgbClr val="FFFFFF"/>
-                  </a:solidFill>
-                  <a:latin typeface="Meslo LG M for Powerline"/>
-                  <a:ea typeface="Meslo LG M for Powerline"/>
-                  <a:cs typeface="Meslo LG M for Powerline"/>
-                  <a:sym typeface="Meslo LG M for Powerline"/>
-                </a:defRPr>
-              </a:lvl1pPr>
-            </a:lstStyle>
-            <a:p>
-              <a:pPr/>
-              <a:r>
-                <a:t>p2_test.go</a:t>
               </a:r>
             </a:p>
           </p:txBody>
@@ -6035,9 +5920,124 @@
           </p:txBody>
         </p:sp>
       </p:grpSp>
+      <p:grpSp>
+        <p:nvGrpSpPr>
+          <p:cNvPr id="562" name="Group"/>
+          <p:cNvGrpSpPr/>
+          <p:nvPr/>
+        </p:nvGrpSpPr>
+        <p:grpSpPr>
+          <a:xfrm>
+            <a:off x="9876297" y="5117435"/>
+            <a:ext cx="3060157" cy="1270001"/>
+            <a:chOff x="0" y="376237"/>
+            <a:chExt cx="3060156" cy="1270000"/>
+          </a:xfrm>
+        </p:grpSpPr>
+        <p:sp>
+          <p:nvSpPr>
+            <p:cNvPr id="560" name="p2_test.go"/>
+            <p:cNvSpPr/>
+            <p:nvPr/>
+          </p:nvSpPr>
+          <p:spPr>
+            <a:xfrm>
+              <a:off x="0" y="376237"/>
+              <a:ext cx="1270000" cy="1270001"/>
+            </a:xfrm>
+            <a:prstGeom prst="line">
+              <a:avLst/>
+            </a:prstGeom>
+            <a:noFill/>
+            <a:ln w="12700" cap="flat">
+              <a:noFill/>
+              <a:miter lim="400000"/>
+            </a:ln>
+            <a:effectLst/>
+            <a:extLst>
+              <a:ext uri="{C572A759-6A51-4108-AA02-DFA0A04FC94B}">
+                <ma14:wrappingTextBoxFlag xmlns:ma14="http://schemas.microsoft.com/office/mac/drawingml/2011/main" val="1"/>
+              </a:ext>
+            </a:extLst>
+          </p:spPr>
+          <p:txBody>
+            <a:bodyPr wrap="none" lIns="71437" tIns="71437" rIns="71437" bIns="71437" numCol="1" anchor="ctr">
+              <a:spAutoFit/>
+            </a:bodyPr>
+            <a:lstStyle>
+              <a:lvl1pPr>
+                <a:defRPr sz="3500">
+                  <a:solidFill>
+                    <a:srgbClr val="FFFFFF"/>
+                  </a:solidFill>
+                  <a:latin typeface="Meslo LG M for Powerline"/>
+                  <a:ea typeface="Meslo LG M for Powerline"/>
+                  <a:cs typeface="Meslo LG M for Powerline"/>
+                  <a:sym typeface="Meslo LG M for Powerline"/>
+                </a:defRPr>
+              </a:lvl1pPr>
+            </a:lstStyle>
+            <a:p>
+              <a:pPr/>
+              <a:r>
+                <a:t>p2_test.go</a:t>
+              </a:r>
+            </a:p>
+          </p:txBody>
+        </p:sp>
+        <p:sp>
+          <p:nvSpPr>
+            <p:cNvPr id="561" name="Rectangle"/>
+            <p:cNvSpPr/>
+            <p:nvPr/>
+          </p:nvSpPr>
+          <p:spPr>
+            <a:xfrm>
+              <a:off x="112336" y="722112"/>
+              <a:ext cx="2947821" cy="127882"/>
+            </a:xfrm>
+            <a:prstGeom prst="rect">
+              <a:avLst/>
+            </a:prstGeom>
+            <a:solidFill>
+              <a:srgbClr val="00BCD4"/>
+            </a:solidFill>
+            <a:ln w="12700" cap="flat">
+              <a:noFill/>
+              <a:miter lim="400000"/>
+            </a:ln>
+            <a:effectLst/>
+          </p:spPr>
+          <p:txBody>
+            <a:bodyPr wrap="square" lIns="71437" tIns="71437" rIns="71437" bIns="71437" numCol="1" anchor="ctr">
+              <a:noAutofit/>
+            </a:bodyPr>
+            <a:lstStyle/>
+            <a:p>
+              <a:pPr algn="ctr">
+                <a:lnSpc>
+                  <a:spcPct val="80000"/>
+                </a:lnSpc>
+                <a:spcBef>
+                  <a:spcPts val="0"/>
+                </a:spcBef>
+                <a:defRPr cap="all" sz="3800">
+                  <a:solidFill>
+                    <a:srgbClr val="FFFFFF"/>
+                  </a:solidFill>
+                  <a:latin typeface="+mn-lt"/>
+                  <a:ea typeface="+mn-ea"/>
+                  <a:cs typeface="+mn-cs"/>
+                  <a:sym typeface="DIN Condensed"/>
+                </a:defRPr>
+              </a:pPr>
+            </a:p>
+          </p:txBody>
+        </p:sp>
+      </p:grpSp>
       <p:pic>
         <p:nvPicPr>
-          <p:cNvPr id="560" name="Line Line" descr="Line Line"/>
+          <p:cNvPr id="563" name="Line Line" descr="Line Line"/>
           <p:cNvPicPr>
             <a:picLocks noChangeAspect="0"/>
           </p:cNvPicPr>
@@ -6063,7 +6063,7 @@
       </p:pic>
       <p:pic>
         <p:nvPicPr>
-          <p:cNvPr id="562" name="no-entry.png" descr="no-entry.png"/>
+          <p:cNvPr id="565" name="no-entry.png" descr="no-entry.png"/>
           <p:cNvPicPr>
             <a:picLocks noChangeAspect="1"/>
           </p:cNvPicPr>
@@ -6079,7 +6079,7 @@
         </p:blipFill>
         <p:spPr>
           <a:xfrm>
-            <a:off x="7629171" y="5743802"/>
+            <a:off x="7629170" y="5743802"/>
             <a:ext cx="1162756" cy="1162756"/>
           </a:xfrm>
           <a:prstGeom prst="rect">
@@ -6097,7 +6097,7 @@
   </p:clrMapOvr>
   <mc:AlternateContent xmlns:mc="http://schemas.openxmlformats.org/markup-compatibility/2006">
     <mc:Choice xmlns:p14="http://schemas.microsoft.com/office/powerpoint/2010/main" Requires="p14">
-      <p:transition spd="fast" advClick="1" p14:dur="700">
+      <p:transition spd="fast" advClick="1" p14:dur="699">
         <p:push dir="u"/>
       </p:transition>
     </mc:Choice>
@@ -6143,7 +6143,7 @@
                                       <p:cBhvr>
                                         <p:cTn id="6" fill="hold"/>
                                         <p:tgtEl>
-                                          <p:spTgt spid="556"/>
+                                          <p:spTgt spid="559"/>
                                         </p:tgtEl>
                                         <p:attrNameLst>
                                           <p:attrName>style.visibility</p:attrName>
@@ -6157,7 +6157,7 @@
                                       <p:cBhvr>
                                         <p:cTn id="7" dur="700" fill="hold"/>
                                         <p:tgtEl>
-                                          <p:spTgt spid="556"/>
+                                          <p:spTgt spid="559"/>
                                         </p:tgtEl>
                                         <p:attrNameLst>
                                           <p:attrName>ppt_x</p:attrName>
@@ -6180,7 +6180,7 @@
                                       <p:cBhvr>
                                         <p:cTn id="8" dur="700" fill="hold"/>
                                         <p:tgtEl>
-                                          <p:spTgt spid="556"/>
+                                          <p:spTgt spid="559"/>
                                         </p:tgtEl>
                                         <p:attrNameLst>
                                           <p:attrName>ppt_y</p:attrName>
@@ -6224,7 +6224,7 @@
                                       <p:cBhvr>
                                         <p:cTn id="11" fill="hold"/>
                                         <p:tgtEl>
-                                          <p:spTgt spid="550"/>
+                                          <p:spTgt spid="553"/>
                                         </p:tgtEl>
                                         <p:attrNameLst>
                                           <p:attrName>style.visibility</p:attrName>
@@ -6238,7 +6238,7 @@
                                       <p:cBhvr>
                                         <p:cTn id="12" dur="700"/>
                                         <p:tgtEl>
-                                          <p:spTgt spid="550"/>
+                                          <p:spTgt spid="553"/>
                                         </p:tgtEl>
                                       </p:cBhvr>
                                     </p:animEffect>
@@ -6267,7 +6267,7 @@
                                       <p:cBhvr>
                                         <p:cTn id="15" fill="hold"/>
                                         <p:tgtEl>
-                                          <p:spTgt spid="559"/>
+                                          <p:spTgt spid="562"/>
                                         </p:tgtEl>
                                         <p:attrNameLst>
                                           <p:attrName>style.visibility</p:attrName>
@@ -6281,7 +6281,7 @@
                                       <p:cBhvr>
                                         <p:cTn id="16" dur="700" fill="hold"/>
                                         <p:tgtEl>
-                                          <p:spTgt spid="559"/>
+                                          <p:spTgt spid="562"/>
                                         </p:tgtEl>
                                         <p:attrNameLst>
                                           <p:attrName>ppt_x</p:attrName>
@@ -6304,7 +6304,7 @@
                                       <p:cBhvr>
                                         <p:cTn id="17" dur="700" fill="hold"/>
                                         <p:tgtEl>
-                                          <p:spTgt spid="559"/>
+                                          <p:spTgt spid="562"/>
                                         </p:tgtEl>
                                         <p:attrNameLst>
                                           <p:attrName>ppt_y</p:attrName>
@@ -6348,7 +6348,7 @@
                                       <p:cBhvr>
                                         <p:cTn id="20" fill="hold"/>
                                         <p:tgtEl>
-                                          <p:spTgt spid="553"/>
+                                          <p:spTgt spid="556"/>
                                         </p:tgtEl>
                                         <p:attrNameLst>
                                           <p:attrName>style.visibility</p:attrName>
@@ -6362,7 +6362,7 @@
                                       <p:cBhvr>
                                         <p:cTn id="21" dur="700"/>
                                         <p:tgtEl>
-                                          <p:spTgt spid="553"/>
+                                          <p:spTgt spid="556"/>
                                         </p:tgtEl>
                                       </p:cBhvr>
                                     </p:animEffect>
@@ -6391,7 +6391,7 @@
                                       <p:cBhvr>
                                         <p:cTn id="24" fill="hold"/>
                                         <p:tgtEl>
-                                          <p:spTgt spid="560"/>
+                                          <p:spTgt spid="563"/>
                                         </p:tgtEl>
                                         <p:attrNameLst>
                                           <p:attrName>style.visibility</p:attrName>
@@ -6405,7 +6405,7 @@
                                       <p:cBhvr>
                                         <p:cTn id="25" dur="500"/>
                                         <p:tgtEl>
-                                          <p:spTgt spid="560"/>
+                                          <p:spTgt spid="563"/>
                                         </p:tgtEl>
                                       </p:cBhvr>
                                     </p:animEffect>
@@ -6434,7 +6434,7 @@
                                       <p:cBhvr>
                                         <p:cTn id="28" fill="hold"/>
                                         <p:tgtEl>
-                                          <p:spTgt spid="562"/>
+                                          <p:spTgt spid="565"/>
                                         </p:tgtEl>
                                         <p:attrNameLst>
                                           <p:attrName>style.visibility</p:attrName>
@@ -6466,7 +6466,7 @@
                                       <p:cBhvr>
                                         <p:cTn id="31" dur="700" fill="hold"/>
                                         <p:tgtEl>
-                                          <p:spTgt spid="562"/>
+                                          <p:spTgt spid="565"/>
                                         </p:tgtEl>
                                         <p:attrNameLst>
                                           <p:attrName>style.visibility</p:attrName>
@@ -6516,13 +6516,13 @@
       </p:par>
     </p:tnLst>
     <p:bldLst>
-      <p:bldP build="whole" bldLvl="1" animBg="1" rev="0" advAuto="0" spid="553" grpId="4"/>
-      <p:bldP build="whole" bldLvl="1" animBg="1" rev="0" advAuto="0" spid="560" grpId="5"/>
-      <p:bldP build="whole" bldLvl="1" animBg="1" rev="0" advAuto="0" spid="559" grpId="3"/>
-      <p:bldP build="whole" bldLvl="1" animBg="1" rev="0" advAuto="0" spid="550" grpId="2"/>
-      <p:bldP build="whole" bldLvl="1" animBg="1" rev="0" advAuto="0" spid="556" grpId="1"/>
-      <p:bldP build="whole" bldLvl="1" animBg="1" rev="0" advAuto="0" spid="562" grpId="6"/>
-      <p:bldP build="whole" bldLvl="1" animBg="1" rev="0" advAuto="0" spid="562" grpId="7"/>
+      <p:bldP build="whole" bldLvl="1" animBg="1" rev="0" advAuto="0" spid="562" grpId="3"/>
+      <p:bldP build="whole" bldLvl="1" animBg="1" rev="0" advAuto="0" spid="559" grpId="1"/>
+      <p:bldP build="whole" bldLvl="1" animBg="1" rev="0" advAuto="0" spid="565" grpId="6"/>
+      <p:bldP build="whole" bldLvl="1" animBg="1" rev="0" advAuto="0" spid="553" grpId="2"/>
+      <p:bldP build="whole" bldLvl="1" animBg="1" rev="0" advAuto="0" spid="565" grpId="7"/>
+      <p:bldP build="whole" bldLvl="1" animBg="1" rev="0" advAuto="0" spid="563" grpId="5"/>
+      <p:bldP build="whole" bldLvl="1" animBg="1" rev="0" advAuto="0" spid="556" grpId="4"/>
     </p:bldLst>
   </p:timing>
 </p:sld>
@@ -6554,7 +6554,7 @@
       </p:grpSpPr>
       <p:sp>
         <p:nvSpPr>
-          <p:cNvPr id="564" name="Title 6"/>
+          <p:cNvPr id="567" name="Title 6"/>
           <p:cNvSpPr txBox="1"/>
           <p:nvPr>
             <p:ph type="title"/>
@@ -6590,7 +6590,7 @@
       </p:sp>
       <p:pic>
         <p:nvPicPr>
-          <p:cNvPr id="565" name="cubes.png" descr="cubes.png"/>
+          <p:cNvPr id="568" name="cubes.png" descr="cubes.png"/>
           <p:cNvPicPr>
             <a:picLocks noChangeAspect="1"/>
           </p:cNvPicPr>
@@ -6619,7 +6619,7 @@
       </p:pic>
       <p:sp>
         <p:nvSpPr>
-          <p:cNvPr id="566" name="Exported"/>
+          <p:cNvPr id="569" name="Exported"/>
           <p:cNvSpPr txBox="1"/>
           <p:nvPr/>
         </p:nvSpPr>
@@ -6667,7 +6667,7 @@
       </p:sp>
       <p:sp>
         <p:nvSpPr>
-          <p:cNvPr id="567" name="unExported"/>
+          <p:cNvPr id="570" name="unExported"/>
           <p:cNvSpPr txBox="1"/>
           <p:nvPr/>
         </p:nvSpPr>
@@ -6715,7 +6715,7 @@
       </p:sp>
       <p:sp>
         <p:nvSpPr>
-          <p:cNvPr id="568" name="Visible &amp; accessible in all files…"/>
+          <p:cNvPr id="571" name="Visible &amp; accessible in all files…"/>
           <p:cNvSpPr txBox="1"/>
           <p:nvPr/>
         </p:nvSpPr>
@@ -6775,7 +6775,7 @@
       </p:sp>
       <p:sp>
         <p:nvSpPr>
-          <p:cNvPr id="569" name="Visible &amp; accessible inside the package, and…"/>
+          <p:cNvPr id="572" name="Visible &amp; accessible inside the package, and…"/>
           <p:cNvSpPr txBox="1"/>
           <p:nvPr/>
         </p:nvSpPr>
@@ -6835,7 +6835,7 @@
       </p:sp>
       <p:sp>
         <p:nvSpPr>
-          <p:cNvPr id="570" name="Rectangle"/>
+          <p:cNvPr id="573" name="Rectangle"/>
           <p:cNvSpPr/>
           <p:nvPr/>
         </p:nvSpPr>
@@ -6880,14 +6880,14 @@
       </p:sp>
       <p:sp>
         <p:nvSpPr>
-          <p:cNvPr id="571" name="Rectangle"/>
+          <p:cNvPr id="574" name="Rectangle"/>
           <p:cNvSpPr/>
           <p:nvPr/>
         </p:nvSpPr>
         <p:spPr>
           <a:xfrm>
-            <a:off x="2243566" y="9874637"/>
-            <a:ext cx="13972778" cy="204964"/>
+            <a:off x="2243566" y="9874636"/>
+            <a:ext cx="13972778" cy="204965"/>
           </a:xfrm>
           <a:prstGeom prst="rect">
             <a:avLst/>
@@ -6930,7 +6930,7 @@
   </p:clrMapOvr>
   <mc:AlternateContent xmlns:mc="http://schemas.openxmlformats.org/markup-compatibility/2006">
     <mc:Choice xmlns:p14="http://schemas.microsoft.com/office/powerpoint/2010/main" Requires="p14">
-      <p:transition spd="fast" advClick="1" p14:dur="700">
+      <p:transition spd="fast" advClick="1" p14:dur="699">
         <p:push dir="u"/>
       </p:transition>
     </mc:Choice>
@@ -6976,7 +6976,7 @@
                                       <p:cBhvr>
                                         <p:cTn id="6" fill="hold"/>
                                         <p:tgtEl>
-                                          <p:spTgt spid="566"/>
+                                          <p:spTgt spid="569"/>
                                         </p:tgtEl>
                                         <p:attrNameLst>
                                           <p:attrName>style.visibility</p:attrName>
@@ -6990,7 +6990,7 @@
                                       <p:cBhvr>
                                         <p:cTn id="7" dur="800" fill="hold"/>
                                         <p:tgtEl>
-                                          <p:spTgt spid="566"/>
+                                          <p:spTgt spid="569"/>
                                         </p:tgtEl>
                                         <p:attrNameLst>
                                           <p:attrName>ppt_x</p:attrName>
@@ -7013,7 +7013,7 @@
                                       <p:cBhvr>
                                         <p:cTn id="8" dur="800" fill="hold"/>
                                         <p:tgtEl>
-                                          <p:spTgt spid="566"/>
+                                          <p:spTgt spid="569"/>
                                         </p:tgtEl>
                                         <p:attrNameLst>
                                           <p:attrName>ppt_y</p:attrName>
@@ -7057,7 +7057,7 @@
                                       <p:cBhvr>
                                         <p:cTn id="11" fill="hold"/>
                                         <p:tgtEl>
-                                          <p:spTgt spid="570"/>
+                                          <p:spTgt spid="573"/>
                                         </p:tgtEl>
                                         <p:attrNameLst>
                                           <p:attrName>style.visibility</p:attrName>
@@ -7071,7 +7071,7 @@
                                       <p:cBhvr>
                                         <p:cTn id="12" dur="700" fill="hold"/>
                                         <p:tgtEl>
-                                          <p:spTgt spid="570"/>
+                                          <p:spTgt spid="573"/>
                                         </p:tgtEl>
                                         <p:attrNameLst>
                                           <p:attrName>ppt_x</p:attrName>
@@ -7094,7 +7094,7 @@
                                       <p:cBhvr>
                                         <p:cTn id="13" dur="700" fill="hold"/>
                                         <p:tgtEl>
-                                          <p:spTgt spid="570"/>
+                                          <p:spTgt spid="573"/>
                                         </p:tgtEl>
                                         <p:attrNameLst>
                                           <p:attrName>ppt_y</p:attrName>
@@ -7138,7 +7138,7 @@
                                       <p:cBhvr>
                                         <p:cTn id="16" fill="hold"/>
                                         <p:tgtEl>
-                                          <p:spTgt spid="568"/>
+                                          <p:spTgt spid="571"/>
                                         </p:tgtEl>
                                         <p:attrNameLst>
                                           <p:attrName>style.visibility</p:attrName>
@@ -7152,7 +7152,7 @@
                                       <p:cBhvr>
                                         <p:cTn id="17" dur="700"/>
                                         <p:tgtEl>
-                                          <p:spTgt spid="568"/>
+                                          <p:spTgt spid="571"/>
                                         </p:tgtEl>
                                       </p:cBhvr>
                                     </p:animEffect>
@@ -7181,7 +7181,7 @@
                                       <p:cBhvr>
                                         <p:cTn id="20" fill="hold"/>
                                         <p:tgtEl>
-                                          <p:spTgt spid="567"/>
+                                          <p:spTgt spid="570"/>
                                         </p:tgtEl>
                                         <p:attrNameLst>
                                           <p:attrName>style.visibility</p:attrName>
@@ -7195,7 +7195,7 @@
                                       <p:cBhvr>
                                         <p:cTn id="21" dur="800" fill="hold"/>
                                         <p:tgtEl>
-                                          <p:spTgt spid="567"/>
+                                          <p:spTgt spid="570"/>
                                         </p:tgtEl>
                                         <p:attrNameLst>
                                           <p:attrName>ppt_x</p:attrName>
@@ -7218,7 +7218,7 @@
                                       <p:cBhvr>
                                         <p:cTn id="22" dur="800" fill="hold"/>
                                         <p:tgtEl>
-                                          <p:spTgt spid="567"/>
+                                          <p:spTgt spid="570"/>
                                         </p:tgtEl>
                                         <p:attrNameLst>
                                           <p:attrName>ppt_y</p:attrName>
@@ -7262,7 +7262,7 @@
                                       <p:cBhvr>
                                         <p:cTn id="25" fill="hold"/>
                                         <p:tgtEl>
-                                          <p:spTgt spid="571"/>
+                                          <p:spTgt spid="574"/>
                                         </p:tgtEl>
                                         <p:attrNameLst>
                                           <p:attrName>style.visibility</p:attrName>
@@ -7276,7 +7276,7 @@
                                       <p:cBhvr>
                                         <p:cTn id="26" dur="700" fill="hold"/>
                                         <p:tgtEl>
-                                          <p:spTgt spid="571"/>
+                                          <p:spTgt spid="574"/>
                                         </p:tgtEl>
                                         <p:attrNameLst>
                                           <p:attrName>ppt_x</p:attrName>
@@ -7299,7 +7299,7 @@
                                       <p:cBhvr>
                                         <p:cTn id="27" dur="700" fill="hold"/>
                                         <p:tgtEl>
-                                          <p:spTgt spid="571"/>
+                                          <p:spTgt spid="574"/>
                                         </p:tgtEl>
                                         <p:attrNameLst>
                                           <p:attrName>ppt_y</p:attrName>
@@ -7343,7 +7343,7 @@
                                       <p:cBhvr>
                                         <p:cTn id="30" fill="hold"/>
                                         <p:tgtEl>
-                                          <p:spTgt spid="569"/>
+                                          <p:spTgt spid="572"/>
                                         </p:tgtEl>
                                         <p:attrNameLst>
                                           <p:attrName>style.visibility</p:attrName>
@@ -7357,7 +7357,7 @@
                                       <p:cBhvr>
                                         <p:cTn id="31" dur="700"/>
                                         <p:tgtEl>
-                                          <p:spTgt spid="569"/>
+                                          <p:spTgt spid="572"/>
                                         </p:tgtEl>
                                       </p:cBhvr>
                                     </p:animEffect>
@@ -7392,12 +7392,12 @@
       </p:par>
     </p:tnLst>
     <p:bldLst>
-      <p:bldP build="whole" bldLvl="1" animBg="1" rev="0" advAuto="0" spid="566" grpId="1"/>
-      <p:bldP build="whole" bldLvl="1" animBg="1" rev="0" advAuto="0" spid="570" grpId="2"/>
-      <p:bldP build="whole" bldLvl="1" animBg="1" rev="0" advAuto="0" spid="567" grpId="4"/>
-      <p:bldP build="whole" bldLvl="1" animBg="1" rev="0" advAuto="0" spid="571" grpId="5"/>
-      <p:bldP build="whole" bldLvl="1" animBg="1" rev="0" advAuto="0" spid="569" grpId="6"/>
-      <p:bldP build="whole" bldLvl="1" animBg="1" rev="0" advAuto="0" spid="568" grpId="3"/>
+      <p:bldP build="whole" bldLvl="1" animBg="1" rev="0" advAuto="0" spid="574" grpId="5"/>
+      <p:bldP build="whole" bldLvl="1" animBg="1" rev="0" advAuto="0" spid="569" grpId="1"/>
+      <p:bldP build="whole" bldLvl="1" animBg="1" rev="0" advAuto="0" spid="573" grpId="2"/>
+      <p:bldP build="whole" bldLvl="1" animBg="1" rev="0" advAuto="0" spid="571" grpId="3"/>
+      <p:bldP build="whole" bldLvl="1" animBg="1" rev="0" advAuto="0" spid="570" grpId="4"/>
+      <p:bldP build="whole" bldLvl="1" animBg="1" rev="0" advAuto="0" spid="572" grpId="6"/>
     </p:bldLst>
   </p:timing>
 </p:sld>
@@ -7429,7 +7429,7 @@
       </p:grpSpPr>
       <p:sp>
         <p:nvSpPr>
-          <p:cNvPr id="573" name="Title 6"/>
+          <p:cNvPr id="576" name="Title 6"/>
           <p:cNvSpPr txBox="1"/>
           <p:nvPr>
             <p:ph type="title"/>
@@ -7465,7 +7465,7 @@
       </p:sp>
       <p:pic>
         <p:nvPicPr>
-          <p:cNvPr id="574" name="cubes.png" descr="cubes.png"/>
+          <p:cNvPr id="577" name="cubes.png" descr="cubes.png"/>
           <p:cNvPicPr>
             <a:picLocks noChangeAspect="1"/>
           </p:cNvPicPr>
@@ -7494,21 +7494,21 @@
       </p:pic>
       <p:grpSp>
         <p:nvGrpSpPr>
-          <p:cNvPr id="580" name="Group"/>
+          <p:cNvPr id="583" name="Group"/>
           <p:cNvGrpSpPr/>
           <p:nvPr/>
         </p:nvGrpSpPr>
         <p:grpSpPr>
           <a:xfrm>
-            <a:off x="1269999" y="8898191"/>
-            <a:ext cx="3137269" cy="2500688"/>
+            <a:off x="1270000" y="8898190"/>
+            <a:ext cx="3137268" cy="2500689"/>
             <a:chOff x="0" y="0"/>
             <a:chExt cx="3137267" cy="2500687"/>
           </a:xfrm>
         </p:grpSpPr>
         <p:sp>
           <p:nvSpPr>
-            <p:cNvPr id="575" name="Rounded Rectangle"/>
+            <p:cNvPr id="578" name="Rounded Rectangle"/>
             <p:cNvSpPr/>
             <p:nvPr/>
           </p:nvSpPr>
@@ -7559,7 +7559,7 @@
         </p:sp>
         <p:sp>
           <p:nvSpPr>
-            <p:cNvPr id="576" name="Circle"/>
+            <p:cNvPr id="579" name="Circle"/>
             <p:cNvSpPr/>
             <p:nvPr/>
           </p:nvSpPr>
@@ -7608,7 +7608,7 @@
         </p:sp>
         <p:sp>
           <p:nvSpPr>
-            <p:cNvPr id="577" name="Circle"/>
+            <p:cNvPr id="580" name="Circle"/>
             <p:cNvSpPr/>
             <p:nvPr/>
           </p:nvSpPr>
@@ -7657,7 +7657,7 @@
         </p:sp>
         <p:sp>
           <p:nvSpPr>
-            <p:cNvPr id="578" name="Circle"/>
+            <p:cNvPr id="581" name="Circle"/>
             <p:cNvSpPr/>
             <p:nvPr/>
           </p:nvSpPr>
@@ -7706,7 +7706,7 @@
         </p:sp>
         <p:sp>
           <p:nvSpPr>
-            <p:cNvPr id="579" name="Rectangle"/>
+            <p:cNvPr id="582" name="Rectangle"/>
             <p:cNvSpPr/>
             <p:nvPr/>
           </p:nvSpPr>
@@ -7756,7 +7756,7 @@
       </p:grpSp>
       <p:pic>
         <p:nvPicPr>
-          <p:cNvPr id="581" name="server.png" descr="server.png"/>
+          <p:cNvPr id="584" name="server.png" descr="server.png"/>
           <p:cNvPicPr>
             <a:picLocks noChangeAspect="1"/>
           </p:cNvPicPr>
@@ -7772,8 +7772,8 @@
         </p:blipFill>
         <p:spPr>
           <a:xfrm>
-            <a:off x="1269999" y="2949283"/>
-            <a:ext cx="3137269" cy="3137268"/>
+            <a:off x="1270000" y="2949283"/>
+            <a:ext cx="3137268" cy="3137268"/>
           </a:xfrm>
           <a:prstGeom prst="rect">
             <a:avLst/>
@@ -7785,7 +7785,7 @@
       </p:pic>
       <p:pic>
         <p:nvPicPr>
-          <p:cNvPr id="582" name="folder.png" descr="folder.png"/>
+          <p:cNvPr id="585" name="folder.png" descr="folder.png"/>
           <p:cNvPicPr>
             <a:picLocks noChangeAspect="1"/>
           </p:cNvPicPr>
@@ -7802,7 +7802,7 @@
         <p:spPr>
           <a:xfrm>
             <a:off x="8022421" y="8898190"/>
-            <a:ext cx="2500689" cy="2500688"/>
+            <a:ext cx="2500689" cy="2500689"/>
           </a:xfrm>
           <a:prstGeom prst="rect">
             <a:avLst/>
@@ -7814,7 +7814,7 @@
       </p:pic>
       <p:sp>
         <p:nvSpPr>
-          <p:cNvPr id="583" name="$GOPATH/src"/>
+          <p:cNvPr id="586" name="$GOPATH/src"/>
           <p:cNvSpPr txBox="1"/>
           <p:nvPr/>
         </p:nvSpPr>
@@ -7862,21 +7862,21 @@
       </p:sp>
       <p:grpSp>
         <p:nvGrpSpPr>
-          <p:cNvPr id="587" name="Group"/>
+          <p:cNvPr id="590" name="Group"/>
           <p:cNvGrpSpPr/>
           <p:nvPr/>
         </p:nvGrpSpPr>
         <p:grpSpPr>
           <a:xfrm>
-            <a:off x="1290469" y="11876026"/>
-            <a:ext cx="5003216" cy="1765653"/>
+            <a:off x="1290469" y="11876027"/>
+            <a:ext cx="5003216" cy="1765652"/>
             <a:chOff x="0" y="0"/>
             <a:chExt cx="5003215" cy="1765651"/>
           </a:xfrm>
         </p:grpSpPr>
         <p:sp>
           <p:nvSpPr>
-            <p:cNvPr id="584" name="Rectangle"/>
+            <p:cNvPr id="587" name="Rectangle"/>
             <p:cNvSpPr/>
             <p:nvPr/>
           </p:nvSpPr>
@@ -7925,7 +7925,7 @@
         </p:sp>
         <p:sp>
           <p:nvSpPr>
-            <p:cNvPr id="585" name="go get ./..."/>
+            <p:cNvPr id="588" name="go get ./..."/>
             <p:cNvSpPr/>
             <p:nvPr/>
           </p:nvSpPr>
@@ -7976,7 +7976,7 @@
         </p:sp>
         <p:sp>
           <p:nvSpPr>
-            <p:cNvPr id="586" name="Rectangle"/>
+            <p:cNvPr id="589" name="Rectangle"/>
             <p:cNvSpPr/>
             <p:nvPr/>
           </p:nvSpPr>
@@ -8026,7 +8026,7 @@
       </p:grpSp>
       <p:sp>
         <p:nvSpPr>
-          <p:cNvPr id="588" name="github.com"/>
+          <p:cNvPr id="591" name="github.com"/>
           <p:cNvSpPr txBox="1"/>
           <p:nvPr/>
         </p:nvSpPr>
@@ -8074,7 +8074,7 @@
       </p:sp>
       <p:pic>
         <p:nvPicPr>
-          <p:cNvPr id="589" name="man.png" descr="man.png"/>
+          <p:cNvPr id="592" name="man.png" descr="man.png"/>
           <p:cNvPicPr>
             <a:picLocks noChangeAspect="1"/>
           </p:cNvPicPr>
@@ -8103,7 +8103,7 @@
       </p:pic>
       <p:pic>
         <p:nvPicPr>
-          <p:cNvPr id="590" name="cloud.png" descr="cloud.png"/>
+          <p:cNvPr id="593" name="cloud.png" descr="cloud.png"/>
           <p:cNvPicPr>
             <a:picLocks noChangeAspect="1"/>
           </p:cNvPicPr>
@@ -8120,7 +8120,7 @@
         <p:spPr>
           <a:xfrm>
             <a:off x="11113289" y="3267573"/>
-            <a:ext cx="2500689" cy="2500688"/>
+            <a:ext cx="2500688" cy="2500688"/>
           </a:xfrm>
           <a:prstGeom prst="rect">
             <a:avLst/>
@@ -8132,7 +8132,7 @@
       </p:pic>
       <p:pic>
         <p:nvPicPr>
-          <p:cNvPr id="591" name="Line Line" descr="Line Line"/>
+          <p:cNvPr id="594" name="Line Line" descr="Line Line"/>
           <p:cNvPicPr>
             <a:picLocks noChangeAspect="0"/>
           </p:cNvPicPr>
@@ -8148,8 +8148,8 @@
         </p:blipFill>
         <p:spPr>
           <a:xfrm rot="16200000">
-            <a:off x="2134616" y="7525577"/>
-            <a:ext cx="1408345" cy="499189"/>
+            <a:off x="2134616" y="7525576"/>
+            <a:ext cx="1408345" cy="499190"/>
           </a:xfrm>
           <a:prstGeom prst="rect">
             <a:avLst/>
@@ -8158,7 +8158,7 @@
       </p:pic>
       <p:pic>
         <p:nvPicPr>
-          <p:cNvPr id="593" name="Line Line" descr="Line Line"/>
+          <p:cNvPr id="596" name="Line Line" descr="Line Line"/>
           <p:cNvPicPr>
             <a:picLocks noChangeAspect="0"/>
           </p:cNvPicPr>
@@ -8184,7 +8184,7 @@
       </p:pic>
       <p:pic>
         <p:nvPicPr>
-          <p:cNvPr id="595" name="Line Line" descr="Line Line"/>
+          <p:cNvPr id="598" name="Line Line" descr="Line Line"/>
           <p:cNvPicPr>
             <a:picLocks noChangeAspect="0"/>
           </p:cNvPicPr>
@@ -8200,8 +8200,8 @@
         </p:blipFill>
         <p:spPr>
           <a:xfrm>
-            <a:off x="4863116" y="4268322"/>
-            <a:ext cx="1608147" cy="499190"/>
+            <a:off x="4863116" y="4268323"/>
+            <a:ext cx="1608147" cy="499189"/>
           </a:xfrm>
           <a:prstGeom prst="rect">
             <a:avLst/>
@@ -8210,7 +8210,7 @@
       </p:pic>
       <p:pic>
         <p:nvPicPr>
-          <p:cNvPr id="597" name="Line Line" descr="Line Line"/>
+          <p:cNvPr id="600" name="Line Line" descr="Line Line"/>
           <p:cNvPicPr>
             <a:picLocks noChangeAspect="0"/>
           </p:cNvPicPr>
@@ -8227,7 +8227,7 @@
         <p:spPr>
           <a:xfrm>
             <a:off x="9286404" y="4268323"/>
-            <a:ext cx="1608147" cy="499189"/>
+            <a:ext cx="1608146" cy="499189"/>
           </a:xfrm>
           <a:prstGeom prst="rect">
             <a:avLst/>
@@ -8236,7 +8236,7 @@
       </p:pic>
       <p:sp>
         <p:nvSpPr>
-          <p:cNvPr id="599" name="steevehook"/>
+          <p:cNvPr id="602" name="steevehook"/>
           <p:cNvSpPr txBox="1"/>
           <p:nvPr/>
         </p:nvSpPr>
@@ -8284,7 +8284,7 @@
       </p:sp>
       <p:sp>
         <p:nvSpPr>
-          <p:cNvPr id="600" name="repo"/>
+          <p:cNvPr id="603" name="repo"/>
           <p:cNvSpPr txBox="1"/>
           <p:nvPr/>
         </p:nvSpPr>
@@ -8337,7 +8337,7 @@
   </p:clrMapOvr>
   <mc:AlternateContent xmlns:mc="http://schemas.openxmlformats.org/markup-compatibility/2006">
     <mc:Choice xmlns:p14="http://schemas.microsoft.com/office/powerpoint/2010/main" Requires="p14">
-      <p:transition spd="fast" advClick="1" p14:dur="700">
+      <p:transition spd="fast" advClick="1" p14:dur="699">
         <p:push dir="u"/>
       </p:transition>
     </mc:Choice>
@@ -8383,7 +8383,7 @@
                                       <p:cBhvr>
                                         <p:cTn id="6" fill="hold"/>
                                         <p:tgtEl>
-                                          <p:spTgt spid="580"/>
+                                          <p:spTgt spid="583"/>
                                         </p:tgtEl>
                                         <p:attrNameLst>
                                           <p:attrName>style.visibility</p:attrName>
@@ -8397,7 +8397,7 @@
                                       <p:cBhvr>
                                         <p:cTn id="7" dur="700"/>
                                         <p:tgtEl>
-                                          <p:spTgt spid="580"/>
+                                          <p:spTgt spid="583"/>
                                         </p:tgtEl>
                                       </p:cBhvr>
                                     </p:animEffect>
@@ -8426,7 +8426,7 @@
                                       <p:cBhvr>
                                         <p:cTn id="10" fill="hold"/>
                                         <p:tgtEl>
-                                          <p:spTgt spid="587"/>
+                                          <p:spTgt spid="590"/>
                                         </p:tgtEl>
                                         <p:attrNameLst>
                                           <p:attrName>style.visibility</p:attrName>
@@ -8440,7 +8440,7 @@
                                       <p:cBhvr>
                                         <p:cTn id="11" dur="700" fill="hold"/>
                                         <p:tgtEl>
-                                          <p:spTgt spid="587"/>
+                                          <p:spTgt spid="590"/>
                                         </p:tgtEl>
                                         <p:attrNameLst>
                                           <p:attrName>ppt_x</p:attrName>
@@ -8463,7 +8463,7 @@
                                       <p:cBhvr>
                                         <p:cTn id="12" dur="700" fill="hold"/>
                                         <p:tgtEl>
-                                          <p:spTgt spid="587"/>
+                                          <p:spTgt spid="590"/>
                                         </p:tgtEl>
                                         <p:attrNameLst>
                                           <p:attrName>ppt_y</p:attrName>
@@ -8507,7 +8507,7 @@
                                       <p:cBhvr>
                                         <p:cTn id="15" fill="hold"/>
                                         <p:tgtEl>
-                                          <p:spTgt spid="591"/>
+                                          <p:spTgt spid="594"/>
                                         </p:tgtEl>
                                         <p:attrNameLst>
                                           <p:attrName>style.visibility</p:attrName>
@@ -8521,7 +8521,7 @@
                                       <p:cBhvr>
                                         <p:cTn id="16" dur="500"/>
                                         <p:tgtEl>
-                                          <p:spTgt spid="591"/>
+                                          <p:spTgt spid="594"/>
                                         </p:tgtEl>
                                       </p:cBhvr>
                                     </p:animEffect>
@@ -8550,7 +8550,7 @@
                                       <p:cBhvr>
                                         <p:cTn id="19" fill="hold"/>
                                         <p:tgtEl>
-                                          <p:spTgt spid="581"/>
+                                          <p:spTgt spid="584"/>
                                         </p:tgtEl>
                                         <p:attrNameLst>
                                           <p:attrName>style.visibility</p:attrName>
@@ -8564,7 +8564,7 @@
                                       <p:cBhvr>
                                         <p:cTn id="20" dur="700"/>
                                         <p:tgtEl>
-                                          <p:spTgt spid="581"/>
+                                          <p:spTgt spid="584"/>
                                         </p:tgtEl>
                                       </p:cBhvr>
                                     </p:animEffect>
@@ -8593,7 +8593,7 @@
                                       <p:cBhvr>
                                         <p:cTn id="23" fill="hold"/>
                                         <p:tgtEl>
-                                          <p:spTgt spid="588"/>
+                                          <p:spTgt spid="591"/>
                                         </p:tgtEl>
                                         <p:attrNameLst>
                                           <p:attrName>style.visibility</p:attrName>
@@ -8628,7 +8628,7 @@
                                       <p:cBhvr>
                                         <p:cTn id="26" fill="hold"/>
                                         <p:tgtEl>
-                                          <p:spTgt spid="595"/>
+                                          <p:spTgt spid="598"/>
                                         </p:tgtEl>
                                         <p:attrNameLst>
                                           <p:attrName>style.visibility</p:attrName>
@@ -8642,7 +8642,7 @@
                                       <p:cBhvr>
                                         <p:cTn id="27" dur="500"/>
                                         <p:tgtEl>
-                                          <p:spTgt spid="595"/>
+                                          <p:spTgt spid="598"/>
                                         </p:tgtEl>
                                       </p:cBhvr>
                                     </p:animEffect>
@@ -8671,7 +8671,7 @@
                                       <p:cBhvr>
                                         <p:cTn id="30" fill="hold"/>
                                         <p:tgtEl>
-                                          <p:spTgt spid="589"/>
+                                          <p:spTgt spid="592"/>
                                         </p:tgtEl>
                                         <p:attrNameLst>
                                           <p:attrName>style.visibility</p:attrName>
@@ -8685,7 +8685,7 @@
                                       <p:cBhvr>
                                         <p:cTn id="31" dur="700"/>
                                         <p:tgtEl>
-                                          <p:spTgt spid="589"/>
+                                          <p:spTgt spid="592"/>
                                         </p:tgtEl>
                                       </p:cBhvr>
                                     </p:animEffect>
@@ -8714,7 +8714,7 @@
                                       <p:cBhvr>
                                         <p:cTn id="34" fill="hold"/>
                                         <p:tgtEl>
-                                          <p:spTgt spid="599"/>
+                                          <p:spTgt spid="602"/>
                                         </p:tgtEl>
                                         <p:attrNameLst>
                                           <p:attrName>style.visibility</p:attrName>
@@ -8749,7 +8749,7 @@
                                       <p:cBhvr>
                                         <p:cTn id="37" fill="hold"/>
                                         <p:tgtEl>
-                                          <p:spTgt spid="597"/>
+                                          <p:spTgt spid="600"/>
                                         </p:tgtEl>
                                         <p:attrNameLst>
                                           <p:attrName>style.visibility</p:attrName>
@@ -8763,7 +8763,7 @@
                                       <p:cBhvr>
                                         <p:cTn id="38" dur="500"/>
                                         <p:tgtEl>
-                                          <p:spTgt spid="597"/>
+                                          <p:spTgt spid="600"/>
                                         </p:tgtEl>
                                       </p:cBhvr>
                                     </p:animEffect>
@@ -8792,7 +8792,7 @@
                                       <p:cBhvr>
                                         <p:cTn id="41" fill="hold"/>
                                         <p:tgtEl>
-                                          <p:spTgt spid="590"/>
+                                          <p:spTgt spid="593"/>
                                         </p:tgtEl>
                                         <p:attrNameLst>
                                           <p:attrName>style.visibility</p:attrName>
@@ -8806,7 +8806,7 @@
                                       <p:cBhvr>
                                         <p:cTn id="42" dur="700"/>
                                         <p:tgtEl>
-                                          <p:spTgt spid="590"/>
+                                          <p:spTgt spid="593"/>
                                         </p:tgtEl>
                                       </p:cBhvr>
                                     </p:animEffect>
@@ -8835,7 +8835,7 @@
                                       <p:cBhvr>
                                         <p:cTn id="45" fill="hold"/>
                                         <p:tgtEl>
-                                          <p:spTgt spid="600"/>
+                                          <p:spTgt spid="603"/>
                                         </p:tgtEl>
                                         <p:attrNameLst>
                                           <p:attrName>style.visibility</p:attrName>
@@ -8870,7 +8870,7 @@
                                       <p:cBhvr>
                                         <p:cTn id="48" fill="hold"/>
                                         <p:tgtEl>
-                                          <p:spTgt spid="593"/>
+                                          <p:spTgt spid="596"/>
                                         </p:tgtEl>
                                         <p:attrNameLst>
                                           <p:attrName>style.visibility</p:attrName>
@@ -8884,7 +8884,7 @@
                                       <p:cBhvr>
                                         <p:cTn id="49" dur="500"/>
                                         <p:tgtEl>
-                                          <p:spTgt spid="593"/>
+                                          <p:spTgt spid="596"/>
                                         </p:tgtEl>
                                       </p:cBhvr>
                                     </p:animEffect>
@@ -8913,7 +8913,7 @@
                                       <p:cBhvr>
                                         <p:cTn id="52" fill="hold"/>
                                         <p:tgtEl>
-                                          <p:spTgt spid="582"/>
+                                          <p:spTgt spid="585"/>
                                         </p:tgtEl>
                                         <p:attrNameLst>
                                           <p:attrName>style.visibility</p:attrName>
@@ -8927,7 +8927,7 @@
                                       <p:cBhvr>
                                         <p:cTn id="53" dur="700"/>
                                         <p:tgtEl>
-                                          <p:spTgt spid="582"/>
+                                          <p:spTgt spid="585"/>
                                         </p:tgtEl>
                                       </p:cBhvr>
                                     </p:animEffect>
@@ -8956,7 +8956,7 @@
                                       <p:cBhvr>
                                         <p:cTn id="56" fill="hold"/>
                                         <p:tgtEl>
-                                          <p:spTgt spid="583"/>
+                                          <p:spTgt spid="586"/>
                                         </p:tgtEl>
                                         <p:attrNameLst>
                                           <p:attrName>style.visibility</p:attrName>
@@ -8997,20 +8997,20 @@
       </p:par>
     </p:tnLst>
     <p:bldLst>
-      <p:bldP build="whole" bldLvl="1" animBg="1" rev="0" advAuto="0" spid="591" grpId="3"/>
-      <p:bldP build="whole" bldLvl="1" animBg="1" rev="0" advAuto="0" spid="587" grpId="2"/>
-      <p:bldP build="whole" bldLvl="1" animBg="1" rev="0" advAuto="0" spid="593" grpId="12"/>
-      <p:bldP build="whole" bldLvl="1" animBg="1" rev="0" advAuto="0" spid="582" grpId="13"/>
-      <p:bldP build="whole" bldLvl="1" animBg="1" rev="0" advAuto="0" spid="597" grpId="9"/>
-      <p:bldP build="whole" bldLvl="1" animBg="1" rev="0" advAuto="0" spid="595" grpId="6"/>
-      <p:bldP build="whole" bldLvl="1" animBg="1" rev="0" advAuto="0" spid="589" grpId="7"/>
-      <p:bldP build="whole" bldLvl="1" animBg="1" rev="0" advAuto="0" spid="581" grpId="4"/>
-      <p:bldP build="whole" bldLvl="1" animBg="1" rev="0" advAuto="0" spid="590" grpId="10"/>
-      <p:bldP build="whole" bldLvl="1" animBg="1" rev="0" advAuto="0" spid="599" grpId="8"/>
-      <p:bldP build="whole" bldLvl="1" animBg="1" rev="0" advAuto="0" spid="583" grpId="14"/>
-      <p:bldP build="whole" bldLvl="1" animBg="1" rev="0" advAuto="0" spid="600" grpId="11"/>
-      <p:bldP build="whole" bldLvl="1" animBg="1" rev="0" advAuto="0" spid="580" grpId="1"/>
-      <p:bldP build="whole" bldLvl="1" animBg="1" rev="0" advAuto="0" spid="588" grpId="5"/>
+      <p:bldP build="whole" bldLvl="1" animBg="1" rev="0" advAuto="0" spid="584" grpId="4"/>
+      <p:bldP build="whole" bldLvl="1" animBg="1" rev="0" advAuto="0" spid="600" grpId="9"/>
+      <p:bldP build="whole" bldLvl="1" animBg="1" rev="0" advAuto="0" spid="598" grpId="6"/>
+      <p:bldP build="whole" bldLvl="1" animBg="1" rev="0" advAuto="0" spid="593" grpId="10"/>
+      <p:bldP build="whole" bldLvl="1" animBg="1" rev="0" advAuto="0" spid="591" grpId="5"/>
+      <p:bldP build="whole" bldLvl="1" animBg="1" rev="0" advAuto="0" spid="596" grpId="12"/>
+      <p:bldP build="whole" bldLvl="1" animBg="1" rev="0" advAuto="0" spid="585" grpId="13"/>
+      <p:bldP build="whole" bldLvl="1" animBg="1" rev="0" advAuto="0" spid="592" grpId="7"/>
+      <p:bldP build="whole" bldLvl="1" animBg="1" rev="0" advAuto="0" spid="590" grpId="2"/>
+      <p:bldP build="whole" bldLvl="1" animBg="1" rev="0" advAuto="0" spid="586" grpId="14"/>
+      <p:bldP build="whole" bldLvl="1" animBg="1" rev="0" advAuto="0" spid="602" grpId="8"/>
+      <p:bldP build="whole" bldLvl="1" animBg="1" rev="0" advAuto="0" spid="583" grpId="1"/>
+      <p:bldP build="whole" bldLvl="1" animBg="1" rev="0" advAuto="0" spid="603" grpId="11"/>
+      <p:bldP build="whole" bldLvl="1" animBg="1" rev="0" advAuto="0" spid="594" grpId="3"/>
     </p:bldLst>
   </p:timing>
 </p:sld>
@@ -9259,7 +9259,7 @@
   </p:clrMapOvr>
   <mc:AlternateContent xmlns:mc="http://schemas.openxmlformats.org/markup-compatibility/2006">
     <mc:Choice xmlns:p14="http://schemas.microsoft.com/office/powerpoint/2010/main" Requires="p14">
-      <p:transition spd="fast" advClick="1" p14:dur="700">
+      <p:transition spd="fast" advClick="1" p14:dur="699">
         <p:push dir="u"/>
       </p:transition>
     </mc:Choice>
@@ -10359,7 +10359,7 @@
         <p:grpSpPr>
           <a:xfrm>
             <a:off x="11309504" y="7785100"/>
-            <a:ext cx="2161031" cy="2161030"/>
+            <a:ext cx="2161030" cy="2161030"/>
             <a:chOff x="0" y="0"/>
             <a:chExt cx="2161029" cy="2161029"/>
           </a:xfrm>
@@ -10472,7 +10472,7 @@
   </p:clrMapOvr>
   <mc:AlternateContent xmlns:mc="http://schemas.openxmlformats.org/markup-compatibility/2006">
     <mc:Choice xmlns:p14="http://schemas.microsoft.com/office/powerpoint/2010/main" Requires="p14">
-      <p:transition spd="fast" advClick="1" p14:dur="700">
+      <p:transition spd="fast" advClick="1" p14:dur="699">
         <p:push dir="u"/>
       </p:transition>
     </mc:Choice>
@@ -11105,14 +11105,14 @@
       </p:par>
     </p:tnLst>
     <p:bldLst>
+      <p:bldP build="whole" bldLvl="1" animBg="1" rev="0" advAuto="0" spid="209" grpId="2"/>
+      <p:bldP build="whole" bldLvl="1" animBg="1" rev="0" advAuto="0" spid="200" grpId="7"/>
+      <p:bldP build="whole" bldLvl="1" animBg="1" rev="0" advAuto="0" spid="203" grpId="8"/>
+      <p:bldP build="whole" bldLvl="1" animBg="1" rev="0" advAuto="0" spid="206" grpId="1"/>
       <p:bldP build="whole" bldLvl="1" animBg="1" rev="0" advAuto="0" spid="194" grpId="5"/>
       <p:bldP build="whole" bldLvl="1" animBg="1" rev="0" advAuto="0" spid="212" grpId="4"/>
-      <p:bldP build="whole" bldLvl="1" animBg="1" rev="0" advAuto="0" spid="206" grpId="1"/>
-      <p:bldP build="whole" bldLvl="1" animBg="1" rev="0" advAuto="0" spid="200" grpId="7"/>
+      <p:bldP build="whole" bldLvl="1" animBg="1" rev="0" advAuto="0" spid="197" grpId="6"/>
       <p:bldP build="whole" bldLvl="1" animBg="1" rev="0" advAuto="0" spid="215" grpId="3"/>
-      <p:bldP build="whole" bldLvl="1" animBg="1" rev="0" advAuto="0" spid="203" grpId="8"/>
-      <p:bldP build="whole" bldLvl="1" animBg="1" rev="0" advAuto="0" spid="209" grpId="2"/>
-      <p:bldP build="whole" bldLvl="1" animBg="1" rev="0" advAuto="0" spid="197" grpId="6"/>
     </p:bldLst>
   </p:timing>
 </p:sld>
@@ -11279,7 +11279,7 @@
           <p:spPr>
             <a:xfrm>
               <a:off x="867310" y="0"/>
-              <a:ext cx="6884620" cy="1196975"/>
+              <a:ext cx="6884620" cy="1196976"/>
             </a:xfrm>
             <a:prstGeom prst="rect">
               <a:avLst/>
@@ -11394,7 +11394,7 @@
           <p:spPr>
             <a:xfrm>
               <a:off x="867310" y="0"/>
-              <a:ext cx="10160052" cy="1196975"/>
+              <a:ext cx="10160052" cy="1196976"/>
             </a:xfrm>
             <a:prstGeom prst="rect">
               <a:avLst/>
@@ -11445,8 +11445,8 @@
         </p:nvGrpSpPr>
         <p:grpSpPr>
           <a:xfrm>
-            <a:off x="1269999" y="5557131"/>
-            <a:ext cx="6748883" cy="991305"/>
+            <a:off x="1270000" y="5557132"/>
+            <a:ext cx="6748882" cy="991304"/>
             <a:chOff x="0" y="0"/>
             <a:chExt cx="6748881" cy="991303"/>
           </a:xfrm>
@@ -11609,8 +11609,8 @@
         </p:nvGrpSpPr>
         <p:grpSpPr>
           <a:xfrm>
-            <a:off x="1269999" y="6964542"/>
-            <a:ext cx="6748883" cy="991305"/>
+            <a:off x="1270000" y="6964542"/>
+            <a:ext cx="6748882" cy="991305"/>
             <a:chOff x="0" y="0"/>
             <a:chExt cx="6748881" cy="991303"/>
           </a:xfrm>
@@ -11929,6 +11929,121 @@
           </p:txBody>
         </p:sp>
       </p:grpSp>
+      <p:grpSp>
+        <p:nvGrpSpPr>
+          <p:cNvPr id="239" name="Group"/>
+          <p:cNvGrpSpPr/>
+          <p:nvPr/>
+        </p:nvGrpSpPr>
+        <p:grpSpPr>
+          <a:xfrm>
+            <a:off x="9538916" y="6109779"/>
+            <a:ext cx="5306168" cy="1496442"/>
+            <a:chOff x="0" y="0"/>
+            <a:chExt cx="5306167" cy="1496441"/>
+          </a:xfrm>
+        </p:grpSpPr>
+        <p:sp>
+          <p:nvSpPr>
+            <p:cNvPr id="237" name="Rectangle"/>
+            <p:cNvSpPr/>
+            <p:nvPr/>
+          </p:nvSpPr>
+          <p:spPr>
+            <a:xfrm>
+              <a:off x="0" y="0"/>
+              <a:ext cx="5306168" cy="1496442"/>
+            </a:xfrm>
+            <a:prstGeom prst="rect">
+              <a:avLst/>
+            </a:prstGeom>
+            <a:solidFill>
+              <a:srgbClr val="04A9F4"/>
+            </a:solidFill>
+            <a:ln w="12700" cap="flat">
+              <a:noFill/>
+              <a:miter lim="400000"/>
+            </a:ln>
+            <a:effectLst/>
+          </p:spPr>
+          <p:txBody>
+            <a:bodyPr wrap="square" lIns="71437" tIns="71437" rIns="71437" bIns="71437" numCol="1" anchor="ctr">
+              <a:noAutofit/>
+            </a:bodyPr>
+            <a:lstStyle/>
+            <a:p>
+              <a:pPr algn="ctr">
+                <a:lnSpc>
+                  <a:spcPct val="80000"/>
+                </a:lnSpc>
+                <a:spcBef>
+                  <a:spcPts val="0"/>
+                </a:spcBef>
+                <a:defRPr cap="all" sz="3800">
+                  <a:solidFill>
+                    <a:srgbClr val="04A9F4"/>
+                  </a:solidFill>
+                  <a:latin typeface="+mn-lt"/>
+                  <a:ea typeface="+mn-ea"/>
+                  <a:cs typeface="+mn-cs"/>
+                  <a:sym typeface="DIN Condensed"/>
+                </a:defRPr>
+              </a:pPr>
+            </a:p>
+          </p:txBody>
+        </p:sp>
+        <p:sp>
+          <p:nvSpPr>
+            <p:cNvPr id="238" name="func main"/>
+            <p:cNvSpPr txBox="1"/>
+            <p:nvPr/>
+          </p:nvSpPr>
+          <p:spPr>
+            <a:xfrm>
+              <a:off x="735771" y="149733"/>
+              <a:ext cx="3834626" cy="1196976"/>
+            </a:xfrm>
+            <a:prstGeom prst="rect">
+              <a:avLst/>
+            </a:prstGeom>
+            <a:noFill/>
+            <a:ln w="12700" cap="flat">
+              <a:noFill/>
+              <a:miter lim="400000"/>
+            </a:ln>
+            <a:effectLst/>
+            <a:extLst>
+              <a:ext uri="{C572A759-6A51-4108-AA02-DFA0A04FC94B}">
+                <ma14:wrappingTextBoxFlag xmlns:ma14="http://schemas.microsoft.com/office/mac/drawingml/2011/main" val="1"/>
+              </a:ext>
+            </a:extLst>
+          </p:spPr>
+          <p:txBody>
+            <a:bodyPr wrap="none" lIns="71437" tIns="71437" rIns="71437" bIns="71437" numCol="1" anchor="ctr">
+              <a:spAutoFit/>
+            </a:bodyPr>
+            <a:lstStyle>
+              <a:lvl1pPr>
+                <a:defRPr b="1" sz="6100">
+                  <a:solidFill>
+                    <a:srgbClr val="FFFFFF"/>
+                  </a:solidFill>
+                  <a:latin typeface="Avenir Next"/>
+                  <a:ea typeface="Avenir Next"/>
+                  <a:cs typeface="Avenir Next"/>
+                  <a:sym typeface="Avenir Next"/>
+                </a:defRPr>
+              </a:lvl1pPr>
+            </a:lstStyle>
+            <a:p>
+              <a:pPr/>
+              <a:r>
+                <a:t>func main</a:t>
+              </a:r>
+            </a:p>
+          </p:txBody>
+        </p:sp>
+      </p:grpSp>
     </p:spTree>
   </p:cSld>
   <p:clrMapOvr>
@@ -11936,7 +12051,7 @@
   </p:clrMapOvr>
   <mc:AlternateContent xmlns:mc="http://schemas.openxmlformats.org/markup-compatibility/2006">
     <mc:Choice xmlns:p14="http://schemas.microsoft.com/office/powerpoint/2010/main" Requires="p14">
-      <p:transition spd="fast" advClick="1" p14:dur="700">
+      <p:transition spd="fast" advClick="1" p14:dur="699">
         <p:push dir="u"/>
       </p:transition>
     </mc:Choice>
@@ -12326,10 +12441,10 @@
       </p:par>
     </p:tnLst>
     <p:bldLst>
+      <p:bldP build="whole" bldLvl="1" animBg="1" rev="0" advAuto="0" spid="221" grpId="1"/>
+      <p:bldP build="whole" bldLvl="1" animBg="1" rev="0" advAuto="0" spid="224" grpId="4"/>
+      <p:bldP build="whole" bldLvl="1" animBg="1" rev="0" advAuto="0" spid="232" grpId="3"/>
       <p:bldP build="whole" bldLvl="1" animBg="1" rev="0" advAuto="0" spid="228" grpId="2"/>
-      <p:bldP build="whole" bldLvl="1" animBg="1" rev="0" advAuto="0" spid="224" grpId="4"/>
-      <p:bldP build="whole" bldLvl="1" animBg="1" rev="0" advAuto="0" spid="221" grpId="1"/>
-      <p:bldP build="whole" bldLvl="1" animBg="1" rev="0" advAuto="0" spid="232" grpId="3"/>
       <p:bldP build="whole" bldLvl="1" animBg="1" rev="0" advAuto="0" spid="236" grpId="5"/>
     </p:bldLst>
   </p:timing>
@@ -12362,7 +12477,7 @@
       </p:grpSpPr>
       <p:sp>
         <p:nvSpPr>
-          <p:cNvPr id="238" name="Title 6"/>
+          <p:cNvPr id="241" name="Title 6"/>
           <p:cNvSpPr txBox="1"/>
           <p:nvPr>
             <p:ph type="title"/>
@@ -12398,7 +12513,7 @@
       </p:sp>
       <p:pic>
         <p:nvPicPr>
-          <p:cNvPr id="239" name="cubes.png" descr="cubes.png"/>
+          <p:cNvPr id="242" name="cubes.png" descr="cubes.png"/>
           <p:cNvPicPr>
             <a:picLocks noChangeAspect="1"/>
           </p:cNvPicPr>
@@ -12427,7 +12542,7 @@
       </p:pic>
       <p:pic>
         <p:nvPicPr>
-          <p:cNvPr id="240" name="checked.png" descr="checked.png"/>
+          <p:cNvPr id="243" name="checked.png" descr="checked.png"/>
           <p:cNvPicPr>
             <a:picLocks noChangeAspect="1"/>
           </p:cNvPicPr>
@@ -12456,7 +12571,7 @@
       </p:pic>
       <p:grpSp>
         <p:nvGrpSpPr>
-          <p:cNvPr id="247" name="Group"/>
+          <p:cNvPr id="250" name="Group"/>
           <p:cNvGrpSpPr/>
           <p:nvPr/>
         </p:nvGrpSpPr>
@@ -12470,7 +12585,7 @@
         </p:grpSpPr>
         <p:grpSp>
           <p:nvGrpSpPr>
-            <p:cNvPr id="243" name="Group"/>
+            <p:cNvPr id="246" name="Group"/>
             <p:cNvGrpSpPr/>
             <p:nvPr/>
           </p:nvGrpSpPr>
@@ -12484,7 +12599,7 @@
           </p:grpSpPr>
           <p:sp>
             <p:nvSpPr>
-              <p:cNvPr id="241" name="Rectangle"/>
+              <p:cNvPr id="244" name="Rectangle"/>
               <p:cNvSpPr/>
               <p:nvPr/>
             </p:nvSpPr>
@@ -12533,7 +12648,7 @@
           </p:sp>
           <p:sp>
             <p:nvSpPr>
-              <p:cNvPr id="242" name="package network"/>
+              <p:cNvPr id="245" name="package network"/>
               <p:cNvSpPr txBox="1"/>
               <p:nvPr/>
             </p:nvSpPr>
@@ -12591,7 +12706,7 @@
         </p:grpSp>
         <p:grpSp>
           <p:nvGrpSpPr>
-            <p:cNvPr id="246" name="Group"/>
+            <p:cNvPr id="249" name="Group"/>
             <p:cNvGrpSpPr/>
             <p:nvPr/>
           </p:nvGrpSpPr>
@@ -12605,7 +12720,7 @@
           </p:grpSpPr>
           <p:pic>
             <p:nvPicPr>
-              <p:cNvPr id="244" name="folder.png" descr="folder.png"/>
+              <p:cNvPr id="247" name="folder.png" descr="folder.png"/>
               <p:cNvPicPr>
                 <a:picLocks noChangeAspect="1"/>
               </p:cNvPicPr>
@@ -12636,7 +12751,7 @@
           </p:pic>
           <p:sp>
             <p:nvSpPr>
-              <p:cNvPr id="245" name="src/network"/>
+              <p:cNvPr id="248" name="src/network"/>
               <p:cNvSpPr txBox="1"/>
               <p:nvPr/>
             </p:nvSpPr>
@@ -12689,7 +12804,7 @@
       </p:grpSp>
       <p:pic>
         <p:nvPicPr>
-          <p:cNvPr id="248" name="checked copy.png" descr="checked copy.png"/>
+          <p:cNvPr id="251" name="checked copy.png" descr="checked copy.png"/>
           <p:cNvPicPr>
             <a:picLocks noChangeAspect="1"/>
           </p:cNvPicPr>
@@ -12718,7 +12833,7 @@
       </p:pic>
       <p:grpSp>
         <p:nvGrpSpPr>
-          <p:cNvPr id="255" name="Group"/>
+          <p:cNvPr id="258" name="Group"/>
           <p:cNvGrpSpPr/>
           <p:nvPr/>
         </p:nvGrpSpPr>
@@ -12732,7 +12847,7 @@
         </p:grpSpPr>
         <p:grpSp>
           <p:nvGrpSpPr>
-            <p:cNvPr id="251" name="Group"/>
+            <p:cNvPr id="254" name="Group"/>
             <p:cNvGrpSpPr/>
             <p:nvPr/>
           </p:nvGrpSpPr>
@@ -12746,7 +12861,7 @@
           </p:grpSpPr>
           <p:sp>
             <p:nvSpPr>
-              <p:cNvPr id="249" name="Rectangle"/>
+              <p:cNvPr id="252" name="Rectangle"/>
               <p:cNvSpPr/>
               <p:nvPr/>
             </p:nvSpPr>
@@ -12795,7 +12910,7 @@
           </p:sp>
           <p:sp>
             <p:nvSpPr>
-              <p:cNvPr id="250" name="package network"/>
+              <p:cNvPr id="253" name="package network"/>
               <p:cNvSpPr txBox="1"/>
               <p:nvPr/>
             </p:nvSpPr>
@@ -12853,7 +12968,7 @@
         </p:grpSp>
         <p:grpSp>
           <p:nvGrpSpPr>
-            <p:cNvPr id="254" name="Group"/>
+            <p:cNvPr id="257" name="Group"/>
             <p:cNvGrpSpPr/>
             <p:nvPr/>
           </p:nvGrpSpPr>
@@ -12867,7 +12982,7 @@
           </p:grpSpPr>
           <p:pic>
             <p:nvPicPr>
-              <p:cNvPr id="252" name="folder.png" descr="folder.png"/>
+              <p:cNvPr id="255" name="folder.png" descr="folder.png"/>
               <p:cNvPicPr>
                 <a:picLocks noChangeAspect="1"/>
               </p:cNvPicPr>
@@ -12898,7 +13013,7 @@
           </p:pic>
           <p:sp>
             <p:nvSpPr>
-              <p:cNvPr id="253" name="src/net"/>
+              <p:cNvPr id="256" name="src/net"/>
               <p:cNvSpPr/>
               <p:nvPr/>
             </p:nvSpPr>
@@ -12951,7 +13066,7 @@
       </p:grpSp>
       <p:pic>
         <p:nvPicPr>
-          <p:cNvPr id="256" name="checked copy.png" descr="checked copy.png"/>
+          <p:cNvPr id="259" name="checked copy.png" descr="checked copy.png"/>
           <p:cNvPicPr>
             <a:picLocks noChangeAspect="1"/>
           </p:cNvPicPr>
@@ -12980,7 +13095,7 @@
       </p:pic>
       <p:grpSp>
         <p:nvGrpSpPr>
-          <p:cNvPr id="263" name="Group"/>
+          <p:cNvPr id="266" name="Group"/>
           <p:cNvGrpSpPr/>
           <p:nvPr/>
         </p:nvGrpSpPr>
@@ -12994,7 +13109,7 @@
         </p:grpSpPr>
         <p:grpSp>
           <p:nvGrpSpPr>
-            <p:cNvPr id="259" name="Group"/>
+            <p:cNvPr id="262" name="Group"/>
             <p:cNvGrpSpPr/>
             <p:nvPr/>
           </p:nvGrpSpPr>
@@ -13008,7 +13123,7 @@
           </p:grpSpPr>
           <p:sp>
             <p:nvSpPr>
-              <p:cNvPr id="257" name="Rectangle"/>
+              <p:cNvPr id="260" name="Rectangle"/>
               <p:cNvSpPr/>
               <p:nvPr/>
             </p:nvSpPr>
@@ -13057,7 +13172,7 @@
           </p:sp>
           <p:sp>
             <p:nvSpPr>
-              <p:cNvPr id="258" name="package net_err"/>
+              <p:cNvPr id="261" name="package net_err"/>
               <p:cNvSpPr txBox="1"/>
               <p:nvPr/>
             </p:nvSpPr>
@@ -13115,7 +13230,7 @@
         </p:grpSp>
         <p:grpSp>
           <p:nvGrpSpPr>
-            <p:cNvPr id="262" name="Group"/>
+            <p:cNvPr id="265" name="Group"/>
             <p:cNvGrpSpPr/>
             <p:nvPr/>
           </p:nvGrpSpPr>
@@ -13129,7 +13244,7 @@
           </p:grpSpPr>
           <p:pic>
             <p:nvPicPr>
-              <p:cNvPr id="260" name="folder.png" descr="folder.png"/>
+              <p:cNvPr id="263" name="folder.png" descr="folder.png"/>
               <p:cNvPicPr>
                 <a:picLocks noChangeAspect="1"/>
               </p:cNvPicPr>
@@ -13160,7 +13275,7 @@
           </p:pic>
           <p:sp>
             <p:nvSpPr>
-              <p:cNvPr id="261" name="src/net_err"/>
+              <p:cNvPr id="264" name="src/net_err"/>
               <p:cNvSpPr txBox="1"/>
               <p:nvPr/>
             </p:nvSpPr>
@@ -13213,7 +13328,7 @@
       </p:grpSp>
       <p:pic>
         <p:nvPicPr>
-          <p:cNvPr id="264" name="checked copy.png" descr="checked copy.png"/>
+          <p:cNvPr id="267" name="checked copy.png" descr="checked copy.png"/>
           <p:cNvPicPr>
             <a:picLocks noChangeAspect="1"/>
           </p:cNvPicPr>
@@ -13242,7 +13357,7 @@
       </p:pic>
       <p:grpSp>
         <p:nvGrpSpPr>
-          <p:cNvPr id="271" name="Group"/>
+          <p:cNvPr id="274" name="Group"/>
           <p:cNvGrpSpPr/>
           <p:nvPr/>
         </p:nvGrpSpPr>
@@ -13256,7 +13371,7 @@
         </p:grpSpPr>
         <p:grpSp>
           <p:nvGrpSpPr>
-            <p:cNvPr id="267" name="Group"/>
+            <p:cNvPr id="270" name="Group"/>
             <p:cNvGrpSpPr/>
             <p:nvPr/>
           </p:nvGrpSpPr>
@@ -13270,7 +13385,7 @@
           </p:grpSpPr>
           <p:sp>
             <p:nvSpPr>
-              <p:cNvPr id="265" name="Rectangle"/>
+              <p:cNvPr id="268" name="Rectangle"/>
               <p:cNvSpPr/>
               <p:nvPr/>
             </p:nvSpPr>
@@ -13319,7 +13434,7 @@
           </p:sp>
           <p:sp>
             <p:nvSpPr>
-              <p:cNvPr id="266" name="package netErr"/>
+              <p:cNvPr id="269" name="package netErr"/>
               <p:cNvSpPr txBox="1"/>
               <p:nvPr/>
             </p:nvSpPr>
@@ -13377,7 +13492,7 @@
         </p:grpSp>
         <p:grpSp>
           <p:nvGrpSpPr>
-            <p:cNvPr id="270" name="Group"/>
+            <p:cNvPr id="273" name="Group"/>
             <p:cNvGrpSpPr/>
             <p:nvPr/>
           </p:nvGrpSpPr>
@@ -13391,7 +13506,7 @@
           </p:grpSpPr>
           <p:pic>
             <p:nvPicPr>
-              <p:cNvPr id="268" name="folder.png" descr="folder.png"/>
+              <p:cNvPr id="271" name="folder.png" descr="folder.png"/>
               <p:cNvPicPr>
                 <a:picLocks noChangeAspect="1"/>
               </p:cNvPicPr>
@@ -13422,7 +13537,7 @@
           </p:pic>
           <p:sp>
             <p:nvSpPr>
-              <p:cNvPr id="269" name="src/netErr"/>
+              <p:cNvPr id="272" name="src/netErr"/>
               <p:cNvSpPr/>
               <p:nvPr/>
             </p:nvSpPr>
@@ -13475,7 +13590,7 @@
       </p:grpSp>
       <p:pic>
         <p:nvPicPr>
-          <p:cNvPr id="272" name="checked copy.png" descr="checked copy.png"/>
+          <p:cNvPr id="275" name="checked copy.png" descr="checked copy.png"/>
           <p:cNvPicPr>
             <a:picLocks noChangeAspect="1"/>
           </p:cNvPicPr>
@@ -13504,7 +13619,7 @@
       </p:pic>
       <p:grpSp>
         <p:nvGrpSpPr>
-          <p:cNvPr id="279" name="Group"/>
+          <p:cNvPr id="282" name="Group"/>
           <p:cNvGrpSpPr/>
           <p:nvPr/>
         </p:nvGrpSpPr>
@@ -13518,7 +13633,7 @@
         </p:grpSpPr>
         <p:grpSp>
           <p:nvGrpSpPr>
-            <p:cNvPr id="275" name="Group"/>
+            <p:cNvPr id="278" name="Group"/>
             <p:cNvGrpSpPr/>
             <p:nvPr/>
           </p:nvGrpSpPr>
@@ -13532,7 +13647,7 @@
           </p:grpSpPr>
           <p:sp>
             <p:nvSpPr>
-              <p:cNvPr id="273" name="Rectangle"/>
+              <p:cNvPr id="276" name="Rectangle"/>
               <p:cNvSpPr/>
               <p:nvPr/>
             </p:nvSpPr>
@@ -13581,7 +13696,7 @@
           </p:sp>
           <p:sp>
             <p:nvSpPr>
-              <p:cNvPr id="274" name="package utils"/>
+              <p:cNvPr id="277" name="package utils"/>
               <p:cNvSpPr txBox="1"/>
               <p:nvPr/>
             </p:nvSpPr>
@@ -13639,7 +13754,7 @@
         </p:grpSp>
         <p:grpSp>
           <p:nvGrpSpPr>
-            <p:cNvPr id="278" name="Group"/>
+            <p:cNvPr id="281" name="Group"/>
             <p:cNvGrpSpPr/>
             <p:nvPr/>
           </p:nvGrpSpPr>
@@ -13653,7 +13768,7 @@
           </p:grpSpPr>
           <p:pic>
             <p:nvPicPr>
-              <p:cNvPr id="276" name="folder.png" descr="folder.png"/>
+              <p:cNvPr id="279" name="folder.png" descr="folder.png"/>
               <p:cNvPicPr>
                 <a:picLocks noChangeAspect="1"/>
               </p:cNvPicPr>
@@ -13684,7 +13799,7 @@
           </p:pic>
           <p:sp>
             <p:nvSpPr>
-              <p:cNvPr id="277" name="src/utils"/>
+              <p:cNvPr id="280" name="src/utils"/>
               <p:cNvSpPr/>
               <p:nvPr/>
             </p:nvSpPr>
@@ -13737,7 +13852,7 @@
       </p:grpSp>
       <p:grpSp>
         <p:nvGrpSpPr>
-          <p:cNvPr id="292" name="Group"/>
+          <p:cNvPr id="295" name="Group"/>
           <p:cNvGrpSpPr/>
           <p:nvPr/>
         </p:nvGrpSpPr>
@@ -13751,7 +13866,7 @@
         </p:grpSpPr>
         <p:grpSp>
           <p:nvGrpSpPr>
-            <p:cNvPr id="282" name="Group"/>
+            <p:cNvPr id="285" name="Group"/>
             <p:cNvGrpSpPr/>
             <p:nvPr/>
           </p:nvGrpSpPr>
@@ -13765,7 +13880,7 @@
           </p:grpSpPr>
           <p:pic>
             <p:nvPicPr>
-              <p:cNvPr id="280" name="folder.png" descr="folder.png"/>
+              <p:cNvPr id="283" name="folder.png" descr="folder.png"/>
               <p:cNvPicPr>
                 <a:picLocks noChangeAspect="1"/>
               </p:cNvPicPr>
@@ -13796,7 +13911,7 @@
           </p:pic>
           <p:sp>
             <p:nvSpPr>
-              <p:cNvPr id="281" name="src/pkg"/>
+              <p:cNvPr id="284" name="src/pkg"/>
               <p:cNvSpPr/>
               <p:nvPr/>
             </p:nvSpPr>
@@ -13848,7 +13963,7 @@
         </p:grpSp>
         <p:grpSp>
           <p:nvGrpSpPr>
-            <p:cNvPr id="285" name="Group"/>
+            <p:cNvPr id="288" name="Group"/>
             <p:cNvGrpSpPr/>
             <p:nvPr/>
           </p:nvGrpSpPr>
@@ -13856,103 +13971,6 @@
             <a:xfrm>
               <a:off x="692008" y="661920"/>
               <a:ext cx="3401087" cy="723027"/>
-              <a:chOff x="0" y="0"/>
-              <a:chExt cx="3401086" cy="723025"/>
-            </a:xfrm>
-          </p:grpSpPr>
-          <p:pic>
-            <p:nvPicPr>
-              <p:cNvPr id="283" name="folder.png" descr="folder.png"/>
-              <p:cNvPicPr>
-                <a:picLocks noChangeAspect="1"/>
-              </p:cNvPicPr>
-              <p:nvPr/>
-            </p:nvPicPr>
-            <p:blipFill>
-              <a:blip r:embed="rId4">
-                <a:extLst/>
-              </a:blip>
-              <a:stretch>
-                <a:fillRect/>
-              </a:stretch>
-            </p:blipFill>
-            <p:spPr>
-              <a:xfrm>
-                <a:off x="0" y="0"/>
-                <a:ext cx="723026" cy="723026"/>
-              </a:xfrm>
-              <a:prstGeom prst="rect">
-                <a:avLst/>
-              </a:prstGeom>
-              <a:ln w="12700" cap="flat">
-                <a:noFill/>
-                <a:miter lim="400000"/>
-              </a:ln>
-              <a:effectLst/>
-            </p:spPr>
-          </p:pic>
-          <p:sp>
-            <p:nvSpPr>
-              <p:cNvPr id="284" name="src/sub_pkg"/>
-              <p:cNvSpPr txBox="1"/>
-              <p:nvPr/>
-            </p:nvSpPr>
-            <p:spPr>
-              <a:xfrm>
-                <a:off x="890529" y="48774"/>
-                <a:ext cx="2510558" cy="625476"/>
-              </a:xfrm>
-              <a:prstGeom prst="rect">
-                <a:avLst/>
-              </a:prstGeom>
-              <a:noFill/>
-              <a:ln w="12700" cap="flat">
-                <a:noFill/>
-                <a:miter lim="400000"/>
-              </a:ln>
-              <a:effectLst/>
-              <a:extLst>
-                <a:ext uri="{C572A759-6A51-4108-AA02-DFA0A04FC94B}">
-                  <ma14:wrappingTextBoxFlag xmlns:ma14="http://schemas.microsoft.com/office/mac/drawingml/2011/main" val="1"/>
-                </a:ext>
-              </a:extLst>
-            </p:spPr>
-            <p:txBody>
-              <a:bodyPr wrap="none" lIns="71437" tIns="71437" rIns="71437" bIns="71437" numCol="1" anchor="ctr">
-                <a:spAutoFit/>
-              </a:bodyPr>
-              <a:lstStyle>
-                <a:lvl1pPr>
-                  <a:defRPr>
-                    <a:solidFill>
-                      <a:srgbClr val="FFFFFF"/>
-                    </a:solidFill>
-                    <a:latin typeface="Meslo LG M for Powerline"/>
-                    <a:ea typeface="Meslo LG M for Powerline"/>
-                    <a:cs typeface="Meslo LG M for Powerline"/>
-                    <a:sym typeface="Meslo LG M for Powerline"/>
-                  </a:defRPr>
-                </a:lvl1pPr>
-              </a:lstStyle>
-              <a:p>
-                <a:pPr/>
-                <a:r>
-                  <a:t>src/sub_pkg</a:t>
-                </a:r>
-              </a:p>
-            </p:txBody>
-          </p:sp>
-        </p:grpSp>
-        <p:grpSp>
-          <p:nvGrpSpPr>
-            <p:cNvPr id="288" name="Group"/>
-            <p:cNvGrpSpPr/>
-            <p:nvPr/>
-          </p:nvGrpSpPr>
-          <p:grpSpPr>
-            <a:xfrm>
-              <a:off x="1414103" y="1323841"/>
-              <a:ext cx="3401087" cy="723026"/>
               <a:chOff x="0" y="0"/>
               <a:chExt cx="3401086" cy="723025"/>
             </a:xfrm>
@@ -14048,8 +14066,8 @@
           </p:nvGrpSpPr>
           <p:grpSpPr>
             <a:xfrm>
-              <a:off x="2166286" y="1971580"/>
-              <a:ext cx="3401087" cy="723027"/>
+              <a:off x="1414103" y="1323841"/>
+              <a:ext cx="3401087" cy="723026"/>
               <a:chOff x="0" y="0"/>
               <a:chExt cx="3401086" cy="723025"/>
             </a:xfrm>
@@ -14137,96 +14155,23 @@
             </p:txBody>
           </p:sp>
         </p:grpSp>
-      </p:grpSp>
-      <p:pic>
-        <p:nvPicPr>
-          <p:cNvPr id="293" name="checked copy.png" descr="checked copy.png"/>
-          <p:cNvPicPr>
-            <a:picLocks noChangeAspect="1"/>
-          </p:cNvPicPr>
-          <p:nvPr/>
-        </p:nvPicPr>
-        <p:blipFill>
-          <a:blip r:embed="rId5">
-            <a:extLst/>
-          </a:blip>
-          <a:stretch>
-            <a:fillRect/>
-          </a:stretch>
-        </p:blipFill>
-        <p:spPr>
-          <a:xfrm>
-            <a:off x="13174682" y="3549630"/>
-            <a:ext cx="1016001" cy="1016001"/>
-          </a:xfrm>
-          <a:prstGeom prst="rect">
-            <a:avLst/>
-          </a:prstGeom>
-          <a:ln w="12700">
-            <a:miter lim="400000"/>
-          </a:ln>
-        </p:spPr>
-      </p:pic>
-      <p:pic>
-        <p:nvPicPr>
-          <p:cNvPr id="294" name="checked.png" descr="checked.png"/>
-          <p:cNvPicPr>
-            <a:picLocks noChangeAspect="1"/>
-          </p:cNvPicPr>
-          <p:nvPr/>
-        </p:nvPicPr>
-        <p:blipFill>
-          <a:blip r:embed="rId3">
-            <a:extLst/>
-          </a:blip>
-          <a:stretch>
-            <a:fillRect/>
-          </a:stretch>
-        </p:blipFill>
-        <p:spPr>
-          <a:xfrm>
-            <a:off x="13174682" y="6830453"/>
-            <a:ext cx="1016001" cy="1016001"/>
-          </a:xfrm>
-          <a:prstGeom prst="rect">
-            <a:avLst/>
-          </a:prstGeom>
-          <a:ln w="12700">
-            <a:miter lim="400000"/>
-          </a:ln>
-        </p:spPr>
-      </p:pic>
-      <p:grpSp>
-        <p:nvGrpSpPr>
-          <p:cNvPr id="301" name="Group"/>
-          <p:cNvGrpSpPr/>
-          <p:nvPr/>
-        </p:nvGrpSpPr>
-        <p:grpSpPr>
-          <a:xfrm>
-            <a:off x="8050060" y="5991150"/>
-            <a:ext cx="3401087" cy="2404910"/>
-            <a:chOff x="0" y="0"/>
-            <a:chExt cx="3401086" cy="2404909"/>
-          </a:xfrm>
-        </p:grpSpPr>
         <p:grpSp>
           <p:nvGrpSpPr>
-            <p:cNvPr id="297" name="Group"/>
+            <p:cNvPr id="294" name="Group"/>
             <p:cNvGrpSpPr/>
             <p:nvPr/>
           </p:nvGrpSpPr>
           <p:grpSpPr>
             <a:xfrm>
-              <a:off x="0" y="0"/>
-              <a:ext cx="3401087" cy="723026"/>
+              <a:off x="2166286" y="1971580"/>
+              <a:ext cx="3401087" cy="723027"/>
               <a:chOff x="0" y="0"/>
               <a:chExt cx="3401086" cy="723025"/>
             </a:xfrm>
           </p:grpSpPr>
           <p:pic>
             <p:nvPicPr>
-              <p:cNvPr id="295" name="folder.png" descr="folder.png"/>
+              <p:cNvPr id="292" name="folder.png" descr="folder.png"/>
               <p:cNvPicPr>
                 <a:picLocks noChangeAspect="1"/>
               </p:cNvPicPr>
@@ -14257,7 +14202,177 @@
           </p:pic>
           <p:sp>
             <p:nvSpPr>
-              <p:cNvPr id="296" name="src/network"/>
+              <p:cNvPr id="293" name="src/sub_pkg"/>
+              <p:cNvSpPr txBox="1"/>
+              <p:nvPr/>
+            </p:nvSpPr>
+            <p:spPr>
+              <a:xfrm>
+                <a:off x="890529" y="48774"/>
+                <a:ext cx="2510558" cy="625476"/>
+              </a:xfrm>
+              <a:prstGeom prst="rect">
+                <a:avLst/>
+              </a:prstGeom>
+              <a:noFill/>
+              <a:ln w="12700" cap="flat">
+                <a:noFill/>
+                <a:miter lim="400000"/>
+              </a:ln>
+              <a:effectLst/>
+              <a:extLst>
+                <a:ext uri="{C572A759-6A51-4108-AA02-DFA0A04FC94B}">
+                  <ma14:wrappingTextBoxFlag xmlns:ma14="http://schemas.microsoft.com/office/mac/drawingml/2011/main" val="1"/>
+                </a:ext>
+              </a:extLst>
+            </p:spPr>
+            <p:txBody>
+              <a:bodyPr wrap="none" lIns="71437" tIns="71437" rIns="71437" bIns="71437" numCol="1" anchor="ctr">
+                <a:spAutoFit/>
+              </a:bodyPr>
+              <a:lstStyle>
+                <a:lvl1pPr>
+                  <a:defRPr>
+                    <a:solidFill>
+                      <a:srgbClr val="FFFFFF"/>
+                    </a:solidFill>
+                    <a:latin typeface="Meslo LG M for Powerline"/>
+                    <a:ea typeface="Meslo LG M for Powerline"/>
+                    <a:cs typeface="Meslo LG M for Powerline"/>
+                    <a:sym typeface="Meslo LG M for Powerline"/>
+                  </a:defRPr>
+                </a:lvl1pPr>
+              </a:lstStyle>
+              <a:p>
+                <a:pPr/>
+                <a:r>
+                  <a:t>src/sub_pkg</a:t>
+                </a:r>
+              </a:p>
+            </p:txBody>
+          </p:sp>
+        </p:grpSp>
+      </p:grpSp>
+      <p:pic>
+        <p:nvPicPr>
+          <p:cNvPr id="296" name="checked copy.png" descr="checked copy.png"/>
+          <p:cNvPicPr>
+            <a:picLocks noChangeAspect="1"/>
+          </p:cNvPicPr>
+          <p:nvPr/>
+        </p:nvPicPr>
+        <p:blipFill>
+          <a:blip r:embed="rId5">
+            <a:extLst/>
+          </a:blip>
+          <a:stretch>
+            <a:fillRect/>
+          </a:stretch>
+        </p:blipFill>
+        <p:spPr>
+          <a:xfrm>
+            <a:off x="13174682" y="3549630"/>
+            <a:ext cx="1016001" cy="1016001"/>
+          </a:xfrm>
+          <a:prstGeom prst="rect">
+            <a:avLst/>
+          </a:prstGeom>
+          <a:ln w="12700">
+            <a:miter lim="400000"/>
+          </a:ln>
+        </p:spPr>
+      </p:pic>
+      <p:pic>
+        <p:nvPicPr>
+          <p:cNvPr id="297" name="checked.png" descr="checked.png"/>
+          <p:cNvPicPr>
+            <a:picLocks noChangeAspect="1"/>
+          </p:cNvPicPr>
+          <p:nvPr/>
+        </p:nvPicPr>
+        <p:blipFill>
+          <a:blip r:embed="rId3">
+            <a:extLst/>
+          </a:blip>
+          <a:stretch>
+            <a:fillRect/>
+          </a:stretch>
+        </p:blipFill>
+        <p:spPr>
+          <a:xfrm>
+            <a:off x="13174682" y="6830453"/>
+            <a:ext cx="1016001" cy="1016001"/>
+          </a:xfrm>
+          <a:prstGeom prst="rect">
+            <a:avLst/>
+          </a:prstGeom>
+          <a:ln w="12700">
+            <a:miter lim="400000"/>
+          </a:ln>
+        </p:spPr>
+      </p:pic>
+      <p:grpSp>
+        <p:nvGrpSpPr>
+          <p:cNvPr id="304" name="Group"/>
+          <p:cNvGrpSpPr/>
+          <p:nvPr/>
+        </p:nvGrpSpPr>
+        <p:grpSpPr>
+          <a:xfrm>
+            <a:off x="8050060" y="5991150"/>
+            <a:ext cx="3401087" cy="2404910"/>
+            <a:chOff x="0" y="0"/>
+            <a:chExt cx="3401086" cy="2404909"/>
+          </a:xfrm>
+        </p:grpSpPr>
+        <p:grpSp>
+          <p:nvGrpSpPr>
+            <p:cNvPr id="300" name="Group"/>
+            <p:cNvGrpSpPr/>
+            <p:nvPr/>
+          </p:nvGrpSpPr>
+          <p:grpSpPr>
+            <a:xfrm>
+              <a:off x="0" y="0"/>
+              <a:ext cx="3401087" cy="723026"/>
+              <a:chOff x="0" y="0"/>
+              <a:chExt cx="3401086" cy="723025"/>
+            </a:xfrm>
+          </p:grpSpPr>
+          <p:pic>
+            <p:nvPicPr>
+              <p:cNvPr id="298" name="folder.png" descr="folder.png"/>
+              <p:cNvPicPr>
+                <a:picLocks noChangeAspect="1"/>
+              </p:cNvPicPr>
+              <p:nvPr/>
+            </p:nvPicPr>
+            <p:blipFill>
+              <a:blip r:embed="rId4">
+                <a:extLst/>
+              </a:blip>
+              <a:stretch>
+                <a:fillRect/>
+              </a:stretch>
+            </p:blipFill>
+            <p:spPr>
+              <a:xfrm>
+                <a:off x="0" y="0"/>
+                <a:ext cx="723026" cy="723026"/>
+              </a:xfrm>
+              <a:prstGeom prst="rect">
+                <a:avLst/>
+              </a:prstGeom>
+              <a:ln w="12700" cap="flat">
+                <a:noFill/>
+                <a:miter lim="400000"/>
+              </a:ln>
+              <a:effectLst/>
+            </p:spPr>
+          </p:pic>
+          <p:sp>
+            <p:nvSpPr>
+              <p:cNvPr id="299" name="src/network"/>
               <p:cNvSpPr txBox="1"/>
               <p:nvPr/>
             </p:nvSpPr>
@@ -14309,7 +14424,7 @@
         </p:grpSp>
         <p:sp>
           <p:nvSpPr>
-            <p:cNvPr id="298" name="network.go"/>
+            <p:cNvPr id="301" name="network.go"/>
             <p:cNvSpPr txBox="1"/>
             <p:nvPr/>
           </p:nvSpPr>
@@ -14360,7 +14475,7 @@
         </p:sp>
         <p:sp>
           <p:nvSpPr>
-            <p:cNvPr id="299" name="tcp.go"/>
+            <p:cNvPr id="302" name="tcp.go"/>
             <p:cNvSpPr txBox="1"/>
             <p:nvPr/>
           </p:nvSpPr>
@@ -14411,7 +14526,7 @@
         </p:sp>
         <p:sp>
           <p:nvSpPr>
-            <p:cNvPr id="300" name="udp.go"/>
+            <p:cNvPr id="303" name="udp.go"/>
             <p:cNvSpPr txBox="1"/>
             <p:nvPr/>
           </p:nvSpPr>
@@ -14468,7 +14583,7 @@
   </p:clrMapOvr>
   <mc:AlternateContent xmlns:mc="http://schemas.openxmlformats.org/markup-compatibility/2006">
     <mc:Choice xmlns:p14="http://schemas.microsoft.com/office/powerpoint/2010/main" Requires="p14">
-      <p:transition spd="fast" advClick="1" p14:dur="700">
+      <p:transition spd="fast" advClick="1" p14:dur="699">
         <p:push dir="u"/>
       </p:transition>
     </mc:Choice>
@@ -14514,7 +14629,7 @@
                                       <p:cBhvr>
                                         <p:cTn id="6" fill="hold"/>
                                         <p:tgtEl>
-                                          <p:spTgt spid="247"/>
+                                          <p:spTgt spid="250"/>
                                         </p:tgtEl>
                                         <p:attrNameLst>
                                           <p:attrName>style.visibility</p:attrName>
@@ -14528,7 +14643,7 @@
                                       <p:cBhvr>
                                         <p:cTn id="7" dur="700"/>
                                         <p:tgtEl>
-                                          <p:spTgt spid="247"/>
+                                          <p:spTgt spid="250"/>
                                         </p:tgtEl>
                                       </p:cBhvr>
                                     </p:animEffect>
@@ -14557,7 +14672,7 @@
                                       <p:cBhvr>
                                         <p:cTn id="10" fill="hold"/>
                                         <p:tgtEl>
-                                          <p:spTgt spid="240"/>
+                                          <p:spTgt spid="243"/>
                                         </p:tgtEl>
                                         <p:attrNameLst>
                                           <p:attrName>style.visibility</p:attrName>
@@ -14571,7 +14686,7 @@
                                       <p:cBhvr>
                                         <p:cTn id="11" dur="500" fill="hold"/>
                                         <p:tgtEl>
-                                          <p:spTgt spid="240"/>
+                                          <p:spTgt spid="243"/>
                                         </p:tgtEl>
                                         <p:attrNameLst>
                                           <p:attrName>ppt_w</p:attrName>
@@ -14594,7 +14709,7 @@
                                       <p:cBhvr>
                                         <p:cTn id="12" dur="500" fill="hold"/>
                                         <p:tgtEl>
-                                          <p:spTgt spid="240"/>
+                                          <p:spTgt spid="243"/>
                                         </p:tgtEl>
                                         <p:attrNameLst>
                                           <p:attrName>ppt_h</p:attrName>
@@ -14617,7 +14732,7 @@
                                       <p:cBhvr>
                                         <p:cTn id="13" dur="500" fill="hold"/>
                                         <p:tgtEl>
-                                          <p:spTgt spid="240"/>
+                                          <p:spTgt spid="243"/>
                                         </p:tgtEl>
                                         <p:attrNameLst>
                                           <p:attrName>ppt_x</p:attrName>
@@ -14640,7 +14755,7 @@
                                       <p:cBhvr>
                                         <p:cTn id="14" dur="500" fill="hold"/>
                                         <p:tgtEl>
-                                          <p:spTgt spid="240"/>
+                                          <p:spTgt spid="243"/>
                                         </p:tgtEl>
                                         <p:attrNameLst>
                                           <p:attrName>ppt_y</p:attrName>
@@ -14693,7 +14808,7 @@
                                       <p:cBhvr>
                                         <p:cTn id="18" fill="hold"/>
                                         <p:tgtEl>
-                                          <p:spTgt spid="255"/>
+                                          <p:spTgt spid="258"/>
                                         </p:tgtEl>
                                         <p:attrNameLst>
                                           <p:attrName>style.visibility</p:attrName>
@@ -14707,7 +14822,7 @@
                                       <p:cBhvr>
                                         <p:cTn id="19" dur="700"/>
                                         <p:tgtEl>
-                                          <p:spTgt spid="255"/>
+                                          <p:spTgt spid="258"/>
                                         </p:tgtEl>
                                       </p:cBhvr>
                                     </p:animEffect>
@@ -14736,7 +14851,7 @@
                                       <p:cBhvr>
                                         <p:cTn id="22" fill="hold"/>
                                         <p:tgtEl>
-                                          <p:spTgt spid="248"/>
+                                          <p:spTgt spid="251"/>
                                         </p:tgtEl>
                                         <p:attrNameLst>
                                           <p:attrName>style.visibility</p:attrName>
@@ -14768,7 +14883,7 @@
                                       <p:cBhvr>
                                         <p:cTn id="25" dur="700" fill="hold"/>
                                         <p:tgtEl>
-                                          <p:spTgt spid="248"/>
+                                          <p:spTgt spid="251"/>
                                         </p:tgtEl>
                                         <p:attrNameLst>
                                           <p:attrName>style.visibility</p:attrName>
@@ -14821,7 +14936,7 @@
                                       <p:cBhvr>
                                         <p:cTn id="29" fill="hold"/>
                                         <p:tgtEl>
-                                          <p:spTgt spid="263"/>
+                                          <p:spTgt spid="266"/>
                                         </p:tgtEl>
                                         <p:attrNameLst>
                                           <p:attrName>style.visibility</p:attrName>
@@ -14835,7 +14950,7 @@
                                       <p:cBhvr>
                                         <p:cTn id="30" dur="700"/>
                                         <p:tgtEl>
-                                          <p:spTgt spid="263"/>
+                                          <p:spTgt spid="266"/>
                                         </p:tgtEl>
                                       </p:cBhvr>
                                     </p:animEffect>
@@ -14864,7 +14979,7 @@
                                       <p:cBhvr>
                                         <p:cTn id="33" fill="hold"/>
                                         <p:tgtEl>
-                                          <p:spTgt spid="256"/>
+                                          <p:spTgt spid="259"/>
                                         </p:tgtEl>
                                         <p:attrNameLst>
                                           <p:attrName>style.visibility</p:attrName>
@@ -14896,7 +15011,7 @@
                                       <p:cBhvr>
                                         <p:cTn id="36" dur="700" fill="hold"/>
                                         <p:tgtEl>
-                                          <p:spTgt spid="256"/>
+                                          <p:spTgt spid="259"/>
                                         </p:tgtEl>
                                         <p:attrNameLst>
                                           <p:attrName>style.visibility</p:attrName>
@@ -14949,7 +15064,7 @@
                                       <p:cBhvr>
                                         <p:cTn id="40" fill="hold"/>
                                         <p:tgtEl>
-                                          <p:spTgt spid="271"/>
+                                          <p:spTgt spid="274"/>
                                         </p:tgtEl>
                                         <p:attrNameLst>
                                           <p:attrName>style.visibility</p:attrName>
@@ -14963,7 +15078,7 @@
                                       <p:cBhvr>
                                         <p:cTn id="41" dur="700"/>
                                         <p:tgtEl>
-                                          <p:spTgt spid="271"/>
+                                          <p:spTgt spid="274"/>
                                         </p:tgtEl>
                                       </p:cBhvr>
                                     </p:animEffect>
@@ -14992,7 +15107,7 @@
                                       <p:cBhvr>
                                         <p:cTn id="44" fill="hold"/>
                                         <p:tgtEl>
-                                          <p:spTgt spid="264"/>
+                                          <p:spTgt spid="267"/>
                                         </p:tgtEl>
                                         <p:attrNameLst>
                                           <p:attrName>style.visibility</p:attrName>
@@ -15024,7 +15139,7 @@
                                       <p:cBhvr>
                                         <p:cTn id="47" dur="700" fill="hold"/>
                                         <p:tgtEl>
-                                          <p:spTgt spid="264"/>
+                                          <p:spTgt spid="267"/>
                                         </p:tgtEl>
                                         <p:attrNameLst>
                                           <p:attrName>style.visibility</p:attrName>
@@ -15077,7 +15192,7 @@
                                       <p:cBhvr>
                                         <p:cTn id="51" fill="hold"/>
                                         <p:tgtEl>
-                                          <p:spTgt spid="279"/>
+                                          <p:spTgt spid="282"/>
                                         </p:tgtEl>
                                         <p:attrNameLst>
                                           <p:attrName>style.visibility</p:attrName>
@@ -15091,7 +15206,7 @@
                                       <p:cBhvr>
                                         <p:cTn id="52" dur="700"/>
                                         <p:tgtEl>
-                                          <p:spTgt spid="279"/>
+                                          <p:spTgt spid="282"/>
                                         </p:tgtEl>
                                       </p:cBhvr>
                                     </p:animEffect>
@@ -15120,7 +15235,7 @@
                                       <p:cBhvr>
                                         <p:cTn id="55" fill="hold"/>
                                         <p:tgtEl>
-                                          <p:spTgt spid="272"/>
+                                          <p:spTgt spid="275"/>
                                         </p:tgtEl>
                                         <p:attrNameLst>
                                           <p:attrName>style.visibility</p:attrName>
@@ -15152,7 +15267,7 @@
                                       <p:cBhvr>
                                         <p:cTn id="58" dur="700" fill="hold"/>
                                         <p:tgtEl>
-                                          <p:spTgt spid="272"/>
+                                          <p:spTgt spid="275"/>
                                         </p:tgtEl>
                                         <p:attrNameLst>
                                           <p:attrName>style.visibility</p:attrName>
@@ -15205,7 +15320,7 @@
                                       <p:cBhvr>
                                         <p:cTn id="62" fill="hold"/>
                                         <p:tgtEl>
-                                          <p:spTgt spid="292"/>
+                                          <p:spTgt spid="295"/>
                                         </p:tgtEl>
                                         <p:attrNameLst>
                                           <p:attrName>style.visibility</p:attrName>
@@ -15219,7 +15334,7 @@
                                       <p:cBhvr>
                                         <p:cTn id="63" dur="700"/>
                                         <p:tgtEl>
-                                          <p:spTgt spid="292"/>
+                                          <p:spTgt spid="295"/>
                                         </p:tgtEl>
                                       </p:cBhvr>
                                     </p:animEffect>
@@ -15248,7 +15363,7 @@
                                       <p:cBhvr>
                                         <p:cTn id="66" fill="hold"/>
                                         <p:tgtEl>
-                                          <p:spTgt spid="293"/>
+                                          <p:spTgt spid="296"/>
                                         </p:tgtEl>
                                         <p:attrNameLst>
                                           <p:attrName>style.visibility</p:attrName>
@@ -15280,7 +15395,7 @@
                                       <p:cBhvr>
                                         <p:cTn id="69" dur="700" fill="hold"/>
                                         <p:tgtEl>
-                                          <p:spTgt spid="293"/>
+                                          <p:spTgt spid="296"/>
                                         </p:tgtEl>
                                         <p:attrNameLst>
                                           <p:attrName>style.visibility</p:attrName>
@@ -15333,7 +15448,7 @@
                                       <p:cBhvr>
                                         <p:cTn id="73" fill="hold"/>
                                         <p:tgtEl>
-                                          <p:spTgt spid="301"/>
+                                          <p:spTgt spid="304"/>
                                         </p:tgtEl>
                                         <p:attrNameLst>
                                           <p:attrName>style.visibility</p:attrName>
@@ -15347,7 +15462,7 @@
                                       <p:cBhvr>
                                         <p:cTn id="74" dur="700"/>
                                         <p:tgtEl>
-                                          <p:spTgt spid="301"/>
+                                          <p:spTgt spid="304"/>
                                         </p:tgtEl>
                                       </p:cBhvr>
                                     </p:animEffect>
@@ -15376,7 +15491,7 @@
                                       <p:cBhvr>
                                         <p:cTn id="77" fill="hold"/>
                                         <p:tgtEl>
-                                          <p:spTgt spid="294"/>
+                                          <p:spTgt spid="297"/>
                                         </p:tgtEl>
                                         <p:attrNameLst>
                                           <p:attrName>style.visibility</p:attrName>
@@ -15390,7 +15505,7 @@
                                       <p:cBhvr>
                                         <p:cTn id="78" dur="500" fill="hold"/>
                                         <p:tgtEl>
-                                          <p:spTgt spid="294"/>
+                                          <p:spTgt spid="297"/>
                                         </p:tgtEl>
                                         <p:attrNameLst>
                                           <p:attrName>ppt_w</p:attrName>
@@ -15413,7 +15528,7 @@
                                       <p:cBhvr>
                                         <p:cTn id="79" dur="500" fill="hold"/>
                                         <p:tgtEl>
-                                          <p:spTgt spid="294"/>
+                                          <p:spTgt spid="297"/>
                                         </p:tgtEl>
                                         <p:attrNameLst>
                                           <p:attrName>ppt_h</p:attrName>
@@ -15436,7 +15551,7 @@
                                       <p:cBhvr>
                                         <p:cTn id="80" dur="500" fill="hold"/>
                                         <p:tgtEl>
-                                          <p:spTgt spid="294"/>
+                                          <p:spTgt spid="297"/>
                                         </p:tgtEl>
                                         <p:attrNameLst>
                                           <p:attrName>ppt_x</p:attrName>
@@ -15459,7 +15574,7 @@
                                       <p:cBhvr>
                                         <p:cTn id="81" dur="500" fill="hold"/>
                                         <p:tgtEl>
-                                          <p:spTgt spid="294"/>
+                                          <p:spTgt spid="297"/>
                                         </p:tgtEl>
                                         <p:attrNameLst>
                                           <p:attrName>ppt_y</p:attrName>
@@ -15509,25 +15624,25 @@
       </p:par>
     </p:tnLst>
     <p:bldLst>
-      <p:bldP build="whole" bldLvl="1" animBg="1" rev="0" advAuto="0" spid="263" grpId="6"/>
-      <p:bldP build="whole" bldLvl="1" animBg="1" rev="0" advAuto="0" spid="255" grpId="3"/>
-      <p:bldP build="whole" bldLvl="1" animBg="1" rev="0" advAuto="0" spid="272" grpId="13"/>
-      <p:bldP build="whole" bldLvl="1" animBg="1" rev="0" advAuto="0" spid="272" grpId="14"/>
-      <p:bldP build="whole" bldLvl="1" animBg="1" rev="0" advAuto="0" spid="292" grpId="15"/>
-      <p:bldP build="whole" bldLvl="1" animBg="1" rev="0" advAuto="0" spid="247" grpId="1"/>
-      <p:bldP build="whole" bldLvl="1" animBg="1" rev="0" advAuto="0" spid="248" grpId="4"/>
-      <p:bldP build="whole" bldLvl="1" animBg="1" rev="0" advAuto="0" spid="248" grpId="5"/>
-      <p:bldP build="whole" bldLvl="1" animBg="1" rev="0" advAuto="0" spid="279" grpId="12"/>
-      <p:bldP build="whole" bldLvl="1" animBg="1" rev="0" advAuto="0" spid="293" grpId="16"/>
-      <p:bldP build="whole" bldLvl="1" animBg="1" rev="0" advAuto="0" spid="256" grpId="7"/>
-      <p:bldP build="whole" bldLvl="1" animBg="1" rev="0" advAuto="0" spid="256" grpId="8"/>
-      <p:bldP build="whole" bldLvl="1" animBg="1" rev="0" advAuto="0" spid="271" grpId="9"/>
-      <p:bldP build="whole" bldLvl="1" animBg="1" rev="0" advAuto="0" spid="264" grpId="10"/>
-      <p:bldP build="whole" bldLvl="1" animBg="1" rev="0" advAuto="0" spid="240" grpId="2"/>
-      <p:bldP build="whole" bldLvl="1" animBg="1" rev="0" advAuto="0" spid="264" grpId="11"/>
-      <p:bldP build="whole" bldLvl="1" animBg="1" rev="0" advAuto="0" spid="293" grpId="17"/>
-      <p:bldP build="whole" bldLvl="1" animBg="1" rev="0" advAuto="0" spid="301" grpId="18"/>
-      <p:bldP build="whole" bldLvl="1" animBg="1" rev="0" advAuto="0" spid="294" grpId="19"/>
+      <p:bldP build="whole" bldLvl="1" animBg="1" rev="0" advAuto="0" spid="297" grpId="19"/>
+      <p:bldP build="whole" bldLvl="1" animBg="1" rev="0" advAuto="0" spid="282" grpId="12"/>
+      <p:bldP build="whole" bldLvl="1" animBg="1" rev="0" advAuto="0" spid="275" grpId="13"/>
+      <p:bldP build="whole" bldLvl="1" animBg="1" rev="0" advAuto="0" spid="275" grpId="14"/>
+      <p:bldP build="whole" bldLvl="1" animBg="1" rev="0" advAuto="0" spid="259" grpId="7"/>
+      <p:bldP build="whole" bldLvl="1" animBg="1" rev="0" advAuto="0" spid="274" grpId="9"/>
+      <p:bldP build="whole" bldLvl="1" animBg="1" rev="0" advAuto="0" spid="259" grpId="8"/>
+      <p:bldP build="whole" bldLvl="1" animBg="1" rev="0" advAuto="0" spid="296" grpId="16"/>
+      <p:bldP build="whole" bldLvl="1" animBg="1" rev="0" advAuto="0" spid="296" grpId="17"/>
+      <p:bldP build="whole" bldLvl="1" animBg="1" rev="0" advAuto="0" spid="250" grpId="1"/>
+      <p:bldP build="whole" bldLvl="1" animBg="1" rev="0" advAuto="0" spid="266" grpId="6"/>
+      <p:bldP build="whole" bldLvl="1" animBg="1" rev="0" advAuto="0" spid="251" grpId="4"/>
+      <p:bldP build="whole" bldLvl="1" animBg="1" rev="0" advAuto="0" spid="267" grpId="10"/>
+      <p:bldP build="whole" bldLvl="1" animBg="1" rev="0" advAuto="0" spid="267" grpId="11"/>
+      <p:bldP build="whole" bldLvl="1" animBg="1" rev="0" advAuto="0" spid="243" grpId="2"/>
+      <p:bldP build="whole" bldLvl="1" animBg="1" rev="0" advAuto="0" spid="258" grpId="3"/>
+      <p:bldP build="whole" bldLvl="1" animBg="1" rev="0" advAuto="0" spid="251" grpId="5"/>
+      <p:bldP build="whole" bldLvl="1" animBg="1" rev="0" advAuto="0" spid="295" grpId="15"/>
+      <p:bldP build="whole" bldLvl="1" animBg="1" rev="0" advAuto="0" spid="304" grpId="18"/>
     </p:bldLst>
   </p:timing>
 </p:sld>
@@ -15559,7 +15674,7 @@
       </p:grpSpPr>
       <p:sp>
         <p:nvSpPr>
-          <p:cNvPr id="303" name="Title 6"/>
+          <p:cNvPr id="306" name="Title 6"/>
           <p:cNvSpPr txBox="1"/>
           <p:nvPr>
             <p:ph type="title"/>
@@ -15595,7 +15710,7 @@
       </p:sp>
       <p:pic>
         <p:nvPicPr>
-          <p:cNvPr id="304" name="cubes.png" descr="cubes.png"/>
+          <p:cNvPr id="307" name="cubes.png" descr="cubes.png"/>
           <p:cNvPicPr>
             <a:picLocks noChangeAspect="1"/>
           </p:cNvPicPr>
@@ -15624,21 +15739,21 @@
       </p:pic>
       <p:grpSp>
         <p:nvGrpSpPr>
-          <p:cNvPr id="308" name="Group"/>
+          <p:cNvPr id="311" name="Group"/>
           <p:cNvGrpSpPr/>
           <p:nvPr/>
         </p:nvGrpSpPr>
         <p:grpSpPr>
           <a:xfrm>
-            <a:off x="1270000" y="3669150"/>
-            <a:ext cx="17974305" cy="3437533"/>
+            <a:off x="1269999" y="3669150"/>
+            <a:ext cx="17974306" cy="3437533"/>
             <a:chOff x="0" y="0"/>
             <a:chExt cx="17974304" cy="3437532"/>
           </a:xfrm>
         </p:grpSpPr>
         <p:sp>
           <p:nvSpPr>
-            <p:cNvPr id="305" name="Rectangle"/>
+            <p:cNvPr id="308" name="Rectangle"/>
             <p:cNvSpPr/>
             <p:nvPr/>
           </p:nvSpPr>
@@ -15687,7 +15802,7 @@
         </p:sp>
         <p:sp>
           <p:nvSpPr>
-            <p:cNvPr id="306" name="package pkg"/>
+            <p:cNvPr id="309" name="package pkg"/>
             <p:cNvSpPr/>
             <p:nvPr/>
           </p:nvSpPr>
@@ -15744,7 +15859,7 @@
         </p:sp>
         <p:sp>
           <p:nvSpPr>
-            <p:cNvPr id="307" name="import &quot;github.com/gophertuts/go-basics/net&quot;"/>
+            <p:cNvPr id="310" name="import &quot;github.com/gophertuts/go-basics/net&quot;"/>
             <p:cNvSpPr/>
             <p:nvPr/>
           </p:nvSpPr>
@@ -15834,7 +15949,7 @@
       </p:grpSp>
       <p:pic>
         <p:nvPicPr>
-          <p:cNvPr id="309" name="Line Line" descr="Line Line"/>
+          <p:cNvPr id="312" name="Line Line" descr="Line Line"/>
           <p:cNvPicPr>
             <a:picLocks noChangeAspect="0"/>
           </p:cNvPicPr>
@@ -15860,7 +15975,7 @@
       </p:pic>
       <p:pic>
         <p:nvPicPr>
-          <p:cNvPr id="311" name="Line Line" descr="Line Line"/>
+          <p:cNvPr id="314" name="Line Line" descr="Line Line"/>
           <p:cNvPicPr>
             <a:picLocks noChangeAspect="0"/>
           </p:cNvPicPr>
@@ -15876,8 +15991,8 @@
         </p:blipFill>
         <p:spPr>
           <a:xfrm rot="5400000">
-            <a:off x="8207161" y="7318364"/>
-            <a:ext cx="2192052" cy="405591"/>
+            <a:off x="8207162" y="7318364"/>
+            <a:ext cx="2192051" cy="405591"/>
           </a:xfrm>
           <a:prstGeom prst="rect">
             <a:avLst/>
@@ -15886,7 +16001,7 @@
       </p:pic>
       <p:pic>
         <p:nvPicPr>
-          <p:cNvPr id="313" name="Line Line" descr="Line Line"/>
+          <p:cNvPr id="316" name="Line Line" descr="Line Line"/>
           <p:cNvPicPr>
             <a:picLocks noChangeAspect="0"/>
           </p:cNvPicPr>
@@ -15902,8 +16017,8 @@
         </p:blipFill>
         <p:spPr>
           <a:xfrm rot="5400000">
-            <a:off x="11765906" y="7956646"/>
-            <a:ext cx="3468617" cy="405592"/>
+            <a:off x="11765906" y="7956647"/>
+            <a:ext cx="3468617" cy="405591"/>
           </a:xfrm>
           <a:prstGeom prst="rect">
             <a:avLst/>
@@ -15912,7 +16027,7 @@
       </p:pic>
       <p:pic>
         <p:nvPicPr>
-          <p:cNvPr id="315" name="Line Line" descr="Line Line"/>
+          <p:cNvPr id="318" name="Line Line" descr="Line Line"/>
           <p:cNvPicPr>
             <a:picLocks noChangeAspect="0"/>
           </p:cNvPicPr>
@@ -15938,7 +16053,7 @@
       </p:pic>
       <p:sp>
         <p:nvSpPr>
-          <p:cNvPr id="317" name="Rectangle"/>
+          <p:cNvPr id="320" name="Rectangle"/>
           <p:cNvSpPr/>
           <p:nvPr/>
         </p:nvSpPr>
@@ -15983,7 +16098,7 @@
       </p:sp>
       <p:sp>
         <p:nvSpPr>
-          <p:cNvPr id="318" name="Rectangle"/>
+          <p:cNvPr id="321" name="Rectangle"/>
           <p:cNvSpPr/>
           <p:nvPr/>
         </p:nvSpPr>
@@ -16028,7 +16143,7 @@
       </p:sp>
       <p:sp>
         <p:nvSpPr>
-          <p:cNvPr id="319" name="Rectangle"/>
+          <p:cNvPr id="322" name="Rectangle"/>
           <p:cNvSpPr/>
           <p:nvPr/>
         </p:nvSpPr>
@@ -16073,14 +16188,14 @@
       </p:sp>
       <p:sp>
         <p:nvSpPr>
-          <p:cNvPr id="320" name="Rectangle"/>
+          <p:cNvPr id="323" name="Rectangle"/>
           <p:cNvSpPr/>
           <p:nvPr/>
         </p:nvSpPr>
         <p:spPr>
           <a:xfrm>
             <a:off x="17077525" y="5514468"/>
-            <a:ext cx="1182570" cy="735376"/>
+            <a:ext cx="1182571" cy="735376"/>
           </a:xfrm>
           <a:prstGeom prst="rect">
             <a:avLst/>
@@ -16118,21 +16233,21 @@
       </p:sp>
       <p:grpSp>
         <p:nvGrpSpPr>
-          <p:cNvPr id="324" name="Group"/>
+          <p:cNvPr id="327" name="Group"/>
           <p:cNvGrpSpPr/>
           <p:nvPr/>
         </p:nvGrpSpPr>
         <p:grpSpPr>
           <a:xfrm>
             <a:off x="3815691" y="7563574"/>
-            <a:ext cx="2580939" cy="1765653"/>
+            <a:ext cx="2580938" cy="1765653"/>
             <a:chOff x="0" y="0"/>
             <a:chExt cx="2580937" cy="1765651"/>
           </a:xfrm>
         </p:grpSpPr>
         <p:sp>
           <p:nvSpPr>
-            <p:cNvPr id="321" name="Rectangle"/>
+            <p:cNvPr id="324" name="Rectangle"/>
             <p:cNvSpPr/>
             <p:nvPr/>
           </p:nvSpPr>
@@ -16181,13 +16296,13 @@
         </p:sp>
         <p:sp>
           <p:nvSpPr>
-            <p:cNvPr id="322" name="HOST"/>
+            <p:cNvPr id="325" name="HOST"/>
             <p:cNvSpPr/>
             <p:nvPr/>
           </p:nvSpPr>
           <p:spPr>
             <a:xfrm>
-              <a:off x="844183" y="495651"/>
+              <a:off x="844184" y="495651"/>
               <a:ext cx="1270001" cy="1270001"/>
             </a:xfrm>
             <a:prstGeom prst="line">
@@ -16232,7 +16347,7 @@
         </p:sp>
         <p:sp>
           <p:nvSpPr>
-            <p:cNvPr id="323" name="Rectangle"/>
+            <p:cNvPr id="326" name="Rectangle"/>
             <p:cNvSpPr/>
             <p:nvPr/>
           </p:nvSpPr>
@@ -16282,7 +16397,7 @@
       </p:grpSp>
       <p:grpSp>
         <p:nvGrpSpPr>
-          <p:cNvPr id="328" name="Group"/>
+          <p:cNvPr id="331" name="Group"/>
           <p:cNvGrpSpPr/>
           <p:nvPr/>
         </p:nvGrpSpPr>
@@ -16296,7 +16411,7 @@
         </p:grpSpPr>
         <p:sp>
           <p:nvSpPr>
-            <p:cNvPr id="325" name="Rectangle"/>
+            <p:cNvPr id="328" name="Rectangle"/>
             <p:cNvSpPr/>
             <p:nvPr/>
           </p:nvSpPr>
@@ -16345,7 +16460,7 @@
         </p:sp>
         <p:sp>
           <p:nvSpPr>
-            <p:cNvPr id="326" name="PROJECT/REPO"/>
+            <p:cNvPr id="329" name="PROJECT/REPO"/>
             <p:cNvSpPr/>
             <p:nvPr/>
           </p:nvSpPr>
@@ -16396,7 +16511,7 @@
         </p:sp>
         <p:sp>
           <p:nvSpPr>
-            <p:cNvPr id="327" name="Rectangle"/>
+            <p:cNvPr id="330" name="Rectangle"/>
             <p:cNvSpPr/>
             <p:nvPr/>
           </p:nvSpPr>
@@ -16446,7 +16561,7 @@
       </p:grpSp>
       <p:grpSp>
         <p:nvGrpSpPr>
-          <p:cNvPr id="332" name="Group"/>
+          <p:cNvPr id="335" name="Group"/>
           <p:cNvGrpSpPr/>
           <p:nvPr/>
         </p:nvGrpSpPr>
@@ -16460,7 +16575,7 @@
         </p:grpSpPr>
         <p:sp>
           <p:nvSpPr>
-            <p:cNvPr id="329" name="Rectangle"/>
+            <p:cNvPr id="332" name="Rectangle"/>
             <p:cNvSpPr/>
             <p:nvPr/>
           </p:nvSpPr>
@@ -16509,7 +16624,7 @@
         </p:sp>
         <p:sp>
           <p:nvSpPr>
-            <p:cNvPr id="330" name="USER/ORGANIZATION"/>
+            <p:cNvPr id="333" name="USER/ORGANIZATION"/>
             <p:cNvSpPr txBox="1"/>
             <p:nvPr/>
           </p:nvSpPr>
@@ -16560,7 +16675,7 @@
         </p:sp>
         <p:sp>
           <p:nvSpPr>
-            <p:cNvPr id="331" name="Rectangle"/>
+            <p:cNvPr id="334" name="Rectangle"/>
             <p:cNvSpPr/>
             <p:nvPr/>
           </p:nvSpPr>
@@ -16610,7 +16725,7 @@
       </p:grpSp>
       <p:grpSp>
         <p:nvGrpSpPr>
-          <p:cNvPr id="336" name="Group"/>
+          <p:cNvPr id="339" name="Group"/>
           <p:cNvGrpSpPr/>
           <p:nvPr/>
         </p:nvGrpSpPr>
@@ -16624,7 +16739,7 @@
         </p:grpSpPr>
         <p:sp>
           <p:nvSpPr>
-            <p:cNvPr id="333" name="Rectangle"/>
+            <p:cNvPr id="336" name="Rectangle"/>
             <p:cNvSpPr/>
             <p:nvPr/>
           </p:nvSpPr>
@@ -16673,7 +16788,7 @@
         </p:sp>
         <p:sp>
           <p:nvSpPr>
-            <p:cNvPr id="334" name="PACKAGE"/>
+            <p:cNvPr id="337" name="PACKAGE"/>
             <p:cNvSpPr/>
             <p:nvPr/>
           </p:nvSpPr>
@@ -16724,7 +16839,7 @@
         </p:sp>
         <p:sp>
           <p:nvSpPr>
-            <p:cNvPr id="335" name="Rectangle"/>
+            <p:cNvPr id="338" name="Rectangle"/>
             <p:cNvSpPr/>
             <p:nvPr/>
           </p:nvSpPr>
@@ -16779,7 +16894,7 @@
   </p:clrMapOvr>
   <mc:AlternateContent xmlns:mc="http://schemas.openxmlformats.org/markup-compatibility/2006">
     <mc:Choice xmlns:p14="http://schemas.microsoft.com/office/powerpoint/2010/main" Requires="p14">
-      <p:transition spd="fast" advClick="1" p14:dur="700">
+      <p:transition spd="fast" advClick="1" p14:dur="699">
         <p:push dir="u"/>
       </p:transition>
     </mc:Choice>
@@ -16825,7 +16940,7 @@
                                       <p:cBhvr>
                                         <p:cTn id="6" fill="hold"/>
                                         <p:tgtEl>
-                                          <p:spTgt spid="308"/>
+                                          <p:spTgt spid="311"/>
                                         </p:tgtEl>
                                         <p:attrNameLst>
                                           <p:attrName>style.visibility</p:attrName>
@@ -16839,7 +16954,7 @@
                                       <p:cBhvr>
                                         <p:cTn id="7" dur="700"/>
                                         <p:tgtEl>
-                                          <p:spTgt spid="308"/>
+                                          <p:spTgt spid="311"/>
                                         </p:tgtEl>
                                       </p:cBhvr>
                                     </p:animEffect>
@@ -16868,7 +16983,7 @@
                                       <p:cBhvr>
                                         <p:cTn id="10" fill="hold"/>
                                         <p:tgtEl>
-                                          <p:spTgt spid="317"/>
+                                          <p:spTgt spid="320"/>
                                         </p:tgtEl>
                                         <p:attrNameLst>
                                           <p:attrName>style.visibility</p:attrName>
@@ -16882,7 +16997,7 @@
                                       <p:cBhvr>
                                         <p:cTn id="11" dur="500"/>
                                         <p:tgtEl>
-                                          <p:spTgt spid="317"/>
+                                          <p:spTgt spid="320"/>
                                         </p:tgtEl>
                                       </p:cBhvr>
                                     </p:animEffect>
@@ -16911,7 +17026,7 @@
                                       <p:cBhvr>
                                         <p:cTn id="14" fill="hold"/>
                                         <p:tgtEl>
-                                          <p:spTgt spid="309"/>
+                                          <p:spTgt spid="312"/>
                                         </p:tgtEl>
                                         <p:attrNameLst>
                                           <p:attrName>style.visibility</p:attrName>
@@ -16925,7 +17040,7 @@
                                       <p:cBhvr>
                                         <p:cTn id="15" dur="500"/>
                                         <p:tgtEl>
-                                          <p:spTgt spid="309"/>
+                                          <p:spTgt spid="312"/>
                                         </p:tgtEl>
                                       </p:cBhvr>
                                     </p:animEffect>
@@ -16954,7 +17069,7 @@
                                       <p:cBhvr>
                                         <p:cTn id="18" fill="hold"/>
                                         <p:tgtEl>
-                                          <p:spTgt spid="324"/>
+                                          <p:spTgt spid="327"/>
                                         </p:tgtEl>
                                         <p:attrNameLst>
                                           <p:attrName>style.visibility</p:attrName>
@@ -16968,7 +17083,7 @@
                                       <p:cBhvr>
                                         <p:cTn id="19" dur="700" fill="hold"/>
                                         <p:tgtEl>
-                                          <p:spTgt spid="324"/>
+                                          <p:spTgt spid="327"/>
                                         </p:tgtEl>
                                         <p:attrNameLst>
                                           <p:attrName>ppt_x</p:attrName>
@@ -16991,7 +17106,7 @@
                                       <p:cBhvr>
                                         <p:cTn id="20" dur="700" fill="hold"/>
                                         <p:tgtEl>
-                                          <p:spTgt spid="324"/>
+                                          <p:spTgt spid="327"/>
                                         </p:tgtEl>
                                         <p:attrNameLst>
                                           <p:attrName>ppt_y</p:attrName>
@@ -17035,7 +17150,7 @@
                                       <p:cBhvr>
                                         <p:cTn id="23" fill="hold"/>
                                         <p:tgtEl>
-                                          <p:spTgt spid="318"/>
+                                          <p:spTgt spid="321"/>
                                         </p:tgtEl>
                                         <p:attrNameLst>
                                           <p:attrName>style.visibility</p:attrName>
@@ -17049,7 +17164,7 @@
                                       <p:cBhvr>
                                         <p:cTn id="24" dur="500"/>
                                         <p:tgtEl>
-                                          <p:spTgt spid="318"/>
+                                          <p:spTgt spid="321"/>
                                         </p:tgtEl>
                                       </p:cBhvr>
                                     </p:animEffect>
@@ -17078,7 +17193,7 @@
                                       <p:cBhvr>
                                         <p:cTn id="27" fill="hold"/>
                                         <p:tgtEl>
-                                          <p:spTgt spid="311"/>
+                                          <p:spTgt spid="314"/>
                                         </p:tgtEl>
                                         <p:attrNameLst>
                                           <p:attrName>style.visibility</p:attrName>
@@ -17092,7 +17207,7 @@
                                       <p:cBhvr>
                                         <p:cTn id="28" dur="500"/>
                                         <p:tgtEl>
-                                          <p:spTgt spid="311"/>
+                                          <p:spTgt spid="314"/>
                                         </p:tgtEl>
                                       </p:cBhvr>
                                     </p:animEffect>
@@ -17121,7 +17236,7 @@
                                       <p:cBhvr>
                                         <p:cTn id="31" fill="hold"/>
                                         <p:tgtEl>
-                                          <p:spTgt spid="332"/>
+                                          <p:spTgt spid="335"/>
                                         </p:tgtEl>
                                         <p:attrNameLst>
                                           <p:attrName>style.visibility</p:attrName>
@@ -17135,7 +17250,7 @@
                                       <p:cBhvr>
                                         <p:cTn id="32" dur="700" fill="hold"/>
                                         <p:tgtEl>
-                                          <p:spTgt spid="332"/>
+                                          <p:spTgt spid="335"/>
                                         </p:tgtEl>
                                         <p:attrNameLst>
                                           <p:attrName>ppt_x</p:attrName>
@@ -17158,7 +17273,7 @@
                                       <p:cBhvr>
                                         <p:cTn id="33" dur="700" fill="hold"/>
                                         <p:tgtEl>
-                                          <p:spTgt spid="332"/>
+                                          <p:spTgt spid="335"/>
                                         </p:tgtEl>
                                         <p:attrNameLst>
                                           <p:attrName>ppt_y</p:attrName>
@@ -17202,7 +17317,7 @@
                                       <p:cBhvr>
                                         <p:cTn id="36" fill="hold"/>
                                         <p:tgtEl>
-                                          <p:spTgt spid="319"/>
+                                          <p:spTgt spid="322"/>
                                         </p:tgtEl>
                                         <p:attrNameLst>
                                           <p:attrName>style.visibility</p:attrName>
@@ -17216,7 +17331,7 @@
                                       <p:cBhvr>
                                         <p:cTn id="37" dur="500"/>
                                         <p:tgtEl>
-                                          <p:spTgt spid="319"/>
+                                          <p:spTgt spid="322"/>
                                         </p:tgtEl>
                                       </p:cBhvr>
                                     </p:animEffect>
@@ -17245,7 +17360,7 @@
                                       <p:cBhvr>
                                         <p:cTn id="40" fill="hold"/>
                                         <p:tgtEl>
-                                          <p:spTgt spid="313"/>
+                                          <p:spTgt spid="316"/>
                                         </p:tgtEl>
                                         <p:attrNameLst>
                                           <p:attrName>style.visibility</p:attrName>
@@ -17259,7 +17374,7 @@
                                       <p:cBhvr>
                                         <p:cTn id="41" dur="500"/>
                                         <p:tgtEl>
-                                          <p:spTgt spid="313"/>
+                                          <p:spTgt spid="316"/>
                                         </p:tgtEl>
                                       </p:cBhvr>
                                     </p:animEffect>
@@ -17288,7 +17403,7 @@
                                       <p:cBhvr>
                                         <p:cTn id="44" fill="hold"/>
                                         <p:tgtEl>
-                                          <p:spTgt spid="328"/>
+                                          <p:spTgt spid="331"/>
                                         </p:tgtEl>
                                         <p:attrNameLst>
                                           <p:attrName>style.visibility</p:attrName>
@@ -17302,7 +17417,7 @@
                                       <p:cBhvr>
                                         <p:cTn id="45" dur="700" fill="hold"/>
                                         <p:tgtEl>
-                                          <p:spTgt spid="328"/>
+                                          <p:spTgt spid="331"/>
                                         </p:tgtEl>
                                         <p:attrNameLst>
                                           <p:attrName>ppt_x</p:attrName>
@@ -17325,7 +17440,7 @@
                                       <p:cBhvr>
                                         <p:cTn id="46" dur="700" fill="hold"/>
                                         <p:tgtEl>
-                                          <p:spTgt spid="328"/>
+                                          <p:spTgt spid="331"/>
                                         </p:tgtEl>
                                         <p:attrNameLst>
                                           <p:attrName>ppt_y</p:attrName>
@@ -17369,7 +17484,7 @@
                                       <p:cBhvr>
                                         <p:cTn id="49" fill="hold"/>
                                         <p:tgtEl>
-                                          <p:spTgt spid="320"/>
+                                          <p:spTgt spid="323"/>
                                         </p:tgtEl>
                                         <p:attrNameLst>
                                           <p:attrName>style.visibility</p:attrName>
@@ -17383,7 +17498,7 @@
                                       <p:cBhvr>
                                         <p:cTn id="50" dur="500"/>
                                         <p:tgtEl>
-                                          <p:spTgt spid="320"/>
+                                          <p:spTgt spid="323"/>
                                         </p:tgtEl>
                                       </p:cBhvr>
                                     </p:animEffect>
@@ -17412,7 +17527,7 @@
                                       <p:cBhvr>
                                         <p:cTn id="53" fill="hold"/>
                                         <p:tgtEl>
-                                          <p:spTgt spid="315"/>
+                                          <p:spTgt spid="318"/>
                                         </p:tgtEl>
                                         <p:attrNameLst>
                                           <p:attrName>style.visibility</p:attrName>
@@ -17426,7 +17541,7 @@
                                       <p:cBhvr>
                                         <p:cTn id="54" dur="500"/>
                                         <p:tgtEl>
-                                          <p:spTgt spid="315"/>
+                                          <p:spTgt spid="318"/>
                                         </p:tgtEl>
                                       </p:cBhvr>
                                     </p:animEffect>
@@ -17455,7 +17570,7 @@
                                       <p:cBhvr>
                                         <p:cTn id="57" fill="hold"/>
                                         <p:tgtEl>
-                                          <p:spTgt spid="336"/>
+                                          <p:spTgt spid="339"/>
                                         </p:tgtEl>
                                         <p:attrNameLst>
                                           <p:attrName>style.visibility</p:attrName>
@@ -17469,7 +17584,7 @@
                                       <p:cBhvr>
                                         <p:cTn id="58" dur="700" fill="hold"/>
                                         <p:tgtEl>
-                                          <p:spTgt spid="336"/>
+                                          <p:spTgt spid="339"/>
                                         </p:tgtEl>
                                         <p:attrNameLst>
                                           <p:attrName>ppt_x</p:attrName>
@@ -17492,7 +17607,7 @@
                                       <p:cBhvr>
                                         <p:cTn id="59" dur="700" fill="hold"/>
                                         <p:tgtEl>
-                                          <p:spTgt spid="336"/>
+                                          <p:spTgt spid="339"/>
                                         </p:tgtEl>
                                         <p:attrNameLst>
                                           <p:attrName>ppt_y</p:attrName>
@@ -17542,19 +17657,19 @@
       </p:par>
     </p:tnLst>
     <p:bldLst>
-      <p:bldP build="whole" bldLvl="1" animBg="1" rev="0" advAuto="0" spid="332" grpId="7"/>
-      <p:bldP build="whole" bldLvl="1" animBg="1" rev="0" advAuto="0" spid="311" grpId="6"/>
-      <p:bldP build="whole" bldLvl="1" animBg="1" rev="0" advAuto="0" spid="315" grpId="12"/>
-      <p:bldP build="whole" bldLvl="1" animBg="1" rev="0" advAuto="0" spid="336" grpId="13"/>
-      <p:bldP build="whole" bldLvl="1" animBg="1" rev="0" advAuto="0" spid="328" grpId="10"/>
-      <p:bldP build="whole" bldLvl="1" animBg="1" rev="0" advAuto="0" spid="320" grpId="11"/>
-      <p:bldP build="whole" bldLvl="1" animBg="1" rev="0" advAuto="0" spid="309" grpId="3"/>
-      <p:bldP build="whole" bldLvl="1" animBg="1" rev="0" advAuto="0" spid="313" grpId="9"/>
-      <p:bldP build="whole" bldLvl="1" animBg="1" rev="0" advAuto="0" spid="318" grpId="5"/>
-      <p:bldP build="whole" bldLvl="1" animBg="1" rev="0" advAuto="0" spid="324" grpId="4"/>
-      <p:bldP build="whole" bldLvl="1" animBg="1" rev="0" advAuto="0" spid="317" grpId="2"/>
-      <p:bldP build="whole" bldLvl="1" animBg="1" rev="0" advAuto="0" spid="319" grpId="8"/>
-      <p:bldP build="whole" bldLvl="1" animBg="1" rev="0" advAuto="0" spid="308" grpId="1"/>
+      <p:bldP build="whole" bldLvl="1" animBg="1" rev="0" advAuto="0" spid="327" grpId="4"/>
+      <p:bldP build="whole" bldLvl="1" animBg="1" rev="0" advAuto="0" spid="314" grpId="6"/>
+      <p:bldP build="whole" bldLvl="1" animBg="1" rev="0" advAuto="0" spid="318" grpId="12"/>
+      <p:bldP build="whole" bldLvl="1" animBg="1" rev="0" advAuto="0" spid="339" grpId="13"/>
+      <p:bldP build="whole" bldLvl="1" animBg="1" rev="0" advAuto="0" spid="331" grpId="10"/>
+      <p:bldP build="whole" bldLvl="1" animBg="1" rev="0" advAuto="0" spid="316" grpId="9"/>
+      <p:bldP build="whole" bldLvl="1" animBg="1" rev="0" advAuto="0" spid="322" grpId="8"/>
+      <p:bldP build="whole" bldLvl="1" animBg="1" rev="0" advAuto="0" spid="323" grpId="11"/>
+      <p:bldP build="whole" bldLvl="1" animBg="1" rev="0" advAuto="0" spid="312" grpId="3"/>
+      <p:bldP build="whole" bldLvl="1" animBg="1" rev="0" advAuto="0" spid="311" grpId="1"/>
+      <p:bldP build="whole" bldLvl="1" animBg="1" rev="0" advAuto="0" spid="320" grpId="2"/>
+      <p:bldP build="whole" bldLvl="1" animBg="1" rev="0" advAuto="0" spid="321" grpId="5"/>
+      <p:bldP build="whole" bldLvl="1" animBg="1" rev="0" advAuto="0" spid="335" grpId="7"/>
     </p:bldLst>
   </p:timing>
 </p:sld>
@@ -17586,7 +17701,7 @@
       </p:grpSpPr>
       <p:sp>
         <p:nvSpPr>
-          <p:cNvPr id="338" name="Title 6"/>
+          <p:cNvPr id="341" name="Title 6"/>
           <p:cNvSpPr txBox="1"/>
           <p:nvPr>
             <p:ph type="title"/>
@@ -17622,7 +17737,7 @@
       </p:sp>
       <p:pic>
         <p:nvPicPr>
-          <p:cNvPr id="339" name="cubes.png" descr="cubes.png"/>
+          <p:cNvPr id="342" name="cubes.png" descr="cubes.png"/>
           <p:cNvPicPr>
             <a:picLocks noChangeAspect="1"/>
           </p:cNvPicPr>
@@ -17651,7 +17766,7 @@
       </p:pic>
       <p:sp>
         <p:nvSpPr>
-          <p:cNvPr id="340" name="Rectangle"/>
+          <p:cNvPr id="343" name="Rectangle"/>
           <p:cNvSpPr/>
           <p:nvPr/>
         </p:nvSpPr>
@@ -17696,7 +17811,7 @@
       </p:sp>
       <p:grpSp>
         <p:nvGrpSpPr>
-          <p:cNvPr id="343" name="Group"/>
+          <p:cNvPr id="346" name="Group"/>
           <p:cNvGrpSpPr/>
           <p:nvPr/>
         </p:nvGrpSpPr>
@@ -17710,7 +17825,7 @@
         </p:grpSpPr>
         <p:sp>
           <p:nvSpPr>
-            <p:cNvPr id="341" name="Rectangle"/>
+            <p:cNvPr id="344" name="Rectangle"/>
             <p:cNvSpPr/>
             <p:nvPr/>
           </p:nvSpPr>
@@ -17759,7 +17874,7 @@
         </p:sp>
         <p:sp>
           <p:nvSpPr>
-            <p:cNvPr id="342" name="$GOPATH"/>
+            <p:cNvPr id="345" name="$GOPATH"/>
             <p:cNvSpPr txBox="1"/>
             <p:nvPr/>
           </p:nvSpPr>
@@ -17811,7 +17926,7 @@
       </p:grpSp>
       <p:grpSp>
         <p:nvGrpSpPr>
-          <p:cNvPr id="346" name="Group"/>
+          <p:cNvPr id="349" name="Group"/>
           <p:cNvGrpSpPr/>
           <p:nvPr/>
         </p:nvGrpSpPr>
@@ -17825,7 +17940,7 @@
         </p:grpSpPr>
         <p:sp>
           <p:nvSpPr>
-            <p:cNvPr id="344" name="Rectangle"/>
+            <p:cNvPr id="347" name="Rectangle"/>
             <p:cNvSpPr/>
             <p:nvPr/>
           </p:nvSpPr>
@@ -17874,7 +17989,7 @@
         </p:sp>
         <p:sp>
           <p:nvSpPr>
-            <p:cNvPr id="345" name="bin"/>
+            <p:cNvPr id="348" name="bin"/>
             <p:cNvSpPr txBox="1"/>
             <p:nvPr/>
           </p:nvSpPr>
@@ -17926,7 +18041,7 @@
       </p:grpSp>
       <p:grpSp>
         <p:nvGrpSpPr>
-          <p:cNvPr id="349" name="Group"/>
+          <p:cNvPr id="352" name="Group"/>
           <p:cNvGrpSpPr/>
           <p:nvPr/>
         </p:nvGrpSpPr>
@@ -17940,7 +18055,7 @@
         </p:grpSpPr>
         <p:sp>
           <p:nvSpPr>
-            <p:cNvPr id="347" name="Rectangle"/>
+            <p:cNvPr id="350" name="Rectangle"/>
             <p:cNvSpPr/>
             <p:nvPr/>
           </p:nvSpPr>
@@ -17989,7 +18104,7 @@
         </p:sp>
         <p:sp>
           <p:nvSpPr>
-            <p:cNvPr id="348" name="src"/>
+            <p:cNvPr id="351" name="src"/>
             <p:cNvSpPr txBox="1"/>
             <p:nvPr/>
           </p:nvSpPr>
@@ -18041,7 +18156,7 @@
       </p:grpSp>
       <p:grpSp>
         <p:nvGrpSpPr>
-          <p:cNvPr id="352" name="Group"/>
+          <p:cNvPr id="355" name="Group"/>
           <p:cNvGrpSpPr/>
           <p:nvPr/>
         </p:nvGrpSpPr>
@@ -18055,7 +18170,7 @@
         </p:grpSpPr>
         <p:sp>
           <p:nvSpPr>
-            <p:cNvPr id="350" name="Rectangle"/>
+            <p:cNvPr id="353" name="Rectangle"/>
             <p:cNvSpPr/>
             <p:nvPr/>
           </p:nvSpPr>
@@ -18104,7 +18219,7 @@
         </p:sp>
         <p:sp>
           <p:nvSpPr>
-            <p:cNvPr id="351" name="pkg"/>
+            <p:cNvPr id="354" name="pkg"/>
             <p:cNvSpPr txBox="1"/>
             <p:nvPr/>
           </p:nvSpPr>
@@ -18156,7 +18271,7 @@
       </p:grpSp>
       <p:grpSp>
         <p:nvGrpSpPr>
-          <p:cNvPr id="355" name="Group"/>
+          <p:cNvPr id="358" name="Group"/>
           <p:cNvGrpSpPr/>
           <p:nvPr/>
         </p:nvGrpSpPr>
@@ -18170,7 +18285,7 @@
         </p:grpSpPr>
         <p:sp>
           <p:nvSpPr>
-            <p:cNvPr id="353" name="Rectangle"/>
+            <p:cNvPr id="356" name="Rectangle"/>
             <p:cNvSpPr/>
             <p:nvPr/>
           </p:nvSpPr>
@@ -18219,7 +18334,7 @@
         </p:sp>
         <p:sp>
           <p:nvSpPr>
-            <p:cNvPr id="354" name="mod"/>
+            <p:cNvPr id="357" name="mod"/>
             <p:cNvSpPr txBox="1"/>
             <p:nvPr/>
           </p:nvSpPr>
@@ -18271,7 +18386,7 @@
       </p:grpSp>
       <p:grpSp>
         <p:nvGrpSpPr>
-          <p:cNvPr id="358" name="Group"/>
+          <p:cNvPr id="361" name="Group"/>
           <p:cNvGrpSpPr/>
           <p:nvPr/>
         </p:nvGrpSpPr>
@@ -18285,7 +18400,7 @@
         </p:grpSpPr>
         <p:sp>
           <p:nvSpPr>
-            <p:cNvPr id="356" name="Rectangle"/>
+            <p:cNvPr id="359" name="Rectangle"/>
             <p:cNvSpPr/>
             <p:nvPr/>
           </p:nvSpPr>
@@ -18334,7 +18449,7 @@
         </p:sp>
         <p:sp>
           <p:nvSpPr>
-            <p:cNvPr id="357" name="darwin_amd64"/>
+            <p:cNvPr id="360" name="darwin_amd64"/>
             <p:cNvSpPr txBox="1"/>
             <p:nvPr/>
           </p:nvSpPr>
@@ -18386,7 +18501,7 @@
       </p:grpSp>
       <p:grpSp>
         <p:nvGrpSpPr>
-          <p:cNvPr id="361" name="Group"/>
+          <p:cNvPr id="364" name="Group"/>
           <p:cNvGrpSpPr/>
           <p:nvPr/>
         </p:nvGrpSpPr>
@@ -18400,7 +18515,7 @@
         </p:grpSpPr>
         <p:sp>
           <p:nvSpPr>
-            <p:cNvPr id="359" name="Rectangle"/>
+            <p:cNvPr id="362" name="Rectangle"/>
             <p:cNvSpPr/>
             <p:nvPr/>
           </p:nvSpPr>
@@ -18449,7 +18564,7 @@
         </p:sp>
         <p:sp>
           <p:nvSpPr>
-            <p:cNvPr id="360" name="dep"/>
+            <p:cNvPr id="363" name="dep"/>
             <p:cNvSpPr txBox="1"/>
             <p:nvPr/>
           </p:nvSpPr>
@@ -18501,7 +18616,7 @@
       </p:grpSp>
       <p:grpSp>
         <p:nvGrpSpPr>
-          <p:cNvPr id="364" name="Group"/>
+          <p:cNvPr id="367" name="Group"/>
           <p:cNvGrpSpPr/>
           <p:nvPr/>
         </p:nvGrpSpPr>
@@ -18515,7 +18630,7 @@
         </p:grpSpPr>
         <p:sp>
           <p:nvSpPr>
-            <p:cNvPr id="362" name="Rectangle"/>
+            <p:cNvPr id="365" name="Rectangle"/>
             <p:cNvSpPr/>
             <p:nvPr/>
           </p:nvSpPr>
@@ -18564,7 +18679,7 @@
         </p:sp>
         <p:sp>
           <p:nvSpPr>
-            <p:cNvPr id="363" name="bin1"/>
+            <p:cNvPr id="366" name="bin1"/>
             <p:cNvSpPr txBox="1"/>
             <p:nvPr/>
           </p:nvSpPr>
@@ -18616,7 +18731,7 @@
       </p:grpSp>
       <p:grpSp>
         <p:nvGrpSpPr>
-          <p:cNvPr id="367" name="Group"/>
+          <p:cNvPr id="370" name="Group"/>
           <p:cNvGrpSpPr/>
           <p:nvPr/>
         </p:nvGrpSpPr>
@@ -18624,121 +18739,6 @@
           <a:xfrm>
             <a:off x="6157045" y="6836511"/>
             <a:ext cx="2523144" cy="1730235"/>
-            <a:chOff x="0" y="0"/>
-            <a:chExt cx="2523142" cy="1730233"/>
-          </a:xfrm>
-        </p:grpSpPr>
-        <p:sp>
-          <p:nvSpPr>
-            <p:cNvPr id="365" name="Rectangle"/>
-            <p:cNvSpPr/>
-            <p:nvPr/>
-          </p:nvSpPr>
-          <p:spPr>
-            <a:xfrm>
-              <a:off x="0" y="0"/>
-              <a:ext cx="2506286" cy="920468"/>
-            </a:xfrm>
-            <a:prstGeom prst="rect">
-              <a:avLst/>
-            </a:prstGeom>
-            <a:solidFill>
-              <a:srgbClr val="BA68C8"/>
-            </a:solidFill>
-            <a:ln w="12700" cap="flat">
-              <a:noFill/>
-              <a:miter lim="400000"/>
-            </a:ln>
-            <a:effectLst/>
-          </p:spPr>
-          <p:txBody>
-            <a:bodyPr wrap="square" lIns="71437" tIns="71437" rIns="71437" bIns="71437" numCol="1" anchor="ctr">
-              <a:noAutofit/>
-            </a:bodyPr>
-            <a:lstStyle/>
-            <a:p>
-              <a:pPr algn="ctr">
-                <a:lnSpc>
-                  <a:spcPct val="80000"/>
-                </a:lnSpc>
-                <a:spcBef>
-                  <a:spcPts val="0"/>
-                </a:spcBef>
-                <a:defRPr cap="all" sz="3800">
-                  <a:solidFill>
-                    <a:srgbClr val="222222"/>
-                  </a:solidFill>
-                  <a:latin typeface="+mn-lt"/>
-                  <a:ea typeface="+mn-ea"/>
-                  <a:cs typeface="+mn-cs"/>
-                  <a:sym typeface="DIN Condensed"/>
-                </a:defRPr>
-              </a:pPr>
-            </a:p>
-          </p:txBody>
-        </p:sp>
-        <p:sp>
-          <p:nvSpPr>
-            <p:cNvPr id="366" name="gitlab.com"/>
-            <p:cNvSpPr/>
-            <p:nvPr/>
-          </p:nvSpPr>
-          <p:spPr>
-            <a:xfrm>
-              <a:off x="1253142" y="460233"/>
-              <a:ext cx="1270001" cy="1270001"/>
-            </a:xfrm>
-            <a:prstGeom prst="line">
-              <a:avLst/>
-            </a:prstGeom>
-            <a:noFill/>
-            <a:ln w="12700" cap="flat">
-              <a:noFill/>
-              <a:miter lim="400000"/>
-            </a:ln>
-            <a:effectLst/>
-            <a:extLst>
-              <a:ext uri="{C572A759-6A51-4108-AA02-DFA0A04FC94B}">
-                <ma14:wrappingTextBoxFlag xmlns:ma14="http://schemas.microsoft.com/office/mac/drawingml/2011/main" val="1"/>
-              </a:ext>
-            </a:extLst>
-          </p:spPr>
-          <p:txBody>
-            <a:bodyPr wrap="none" lIns="71437" tIns="71437" rIns="71437" bIns="71437" numCol="1" anchor="ctr">
-              <a:spAutoFit/>
-            </a:bodyPr>
-            <a:lstStyle>
-              <a:lvl1pPr algn="ctr">
-                <a:defRPr>
-                  <a:solidFill>
-                    <a:srgbClr val="FFFFFF"/>
-                  </a:solidFill>
-                  <a:latin typeface="Meslo LG M for Powerline"/>
-                  <a:ea typeface="Meslo LG M for Powerline"/>
-                  <a:cs typeface="Meslo LG M for Powerline"/>
-                  <a:sym typeface="Meslo LG M for Powerline"/>
-                </a:defRPr>
-              </a:lvl1pPr>
-            </a:lstStyle>
-            <a:p>
-              <a:pPr/>
-              <a:r>
-                <a:t>gitlab.com</a:t>
-              </a:r>
-            </a:p>
-          </p:txBody>
-        </p:sp>
-      </p:grpSp>
-      <p:grpSp>
-        <p:nvGrpSpPr>
-          <p:cNvPr id="370" name="Group"/>
-          <p:cNvGrpSpPr/>
-          <p:nvPr/>
-        </p:nvGrpSpPr>
-        <p:grpSpPr>
-          <a:xfrm>
-            <a:off x="9042755" y="6836511"/>
-            <a:ext cx="2523143" cy="1730235"/>
             <a:chOff x="0" y="0"/>
             <a:chExt cx="2523142" cy="1730233"/>
           </a:xfrm>
@@ -18794,7 +18794,122 @@
         </p:sp>
         <p:sp>
           <p:nvSpPr>
-            <p:cNvPr id="369" name="github.com"/>
+            <p:cNvPr id="369" name="gitlab.com"/>
+            <p:cNvSpPr/>
+            <p:nvPr/>
+          </p:nvSpPr>
+          <p:spPr>
+            <a:xfrm>
+              <a:off x="1253142" y="460233"/>
+              <a:ext cx="1270001" cy="1270001"/>
+            </a:xfrm>
+            <a:prstGeom prst="line">
+              <a:avLst/>
+            </a:prstGeom>
+            <a:noFill/>
+            <a:ln w="12700" cap="flat">
+              <a:noFill/>
+              <a:miter lim="400000"/>
+            </a:ln>
+            <a:effectLst/>
+            <a:extLst>
+              <a:ext uri="{C572A759-6A51-4108-AA02-DFA0A04FC94B}">
+                <ma14:wrappingTextBoxFlag xmlns:ma14="http://schemas.microsoft.com/office/mac/drawingml/2011/main" val="1"/>
+              </a:ext>
+            </a:extLst>
+          </p:spPr>
+          <p:txBody>
+            <a:bodyPr wrap="none" lIns="71437" tIns="71437" rIns="71437" bIns="71437" numCol="1" anchor="ctr">
+              <a:spAutoFit/>
+            </a:bodyPr>
+            <a:lstStyle>
+              <a:lvl1pPr algn="ctr">
+                <a:defRPr>
+                  <a:solidFill>
+                    <a:srgbClr val="FFFFFF"/>
+                  </a:solidFill>
+                  <a:latin typeface="Meslo LG M for Powerline"/>
+                  <a:ea typeface="Meslo LG M for Powerline"/>
+                  <a:cs typeface="Meslo LG M for Powerline"/>
+                  <a:sym typeface="Meslo LG M for Powerline"/>
+                </a:defRPr>
+              </a:lvl1pPr>
+            </a:lstStyle>
+            <a:p>
+              <a:pPr/>
+              <a:r>
+                <a:t>gitlab.com</a:t>
+              </a:r>
+            </a:p>
+          </p:txBody>
+        </p:sp>
+      </p:grpSp>
+      <p:grpSp>
+        <p:nvGrpSpPr>
+          <p:cNvPr id="373" name="Group"/>
+          <p:cNvGrpSpPr/>
+          <p:nvPr/>
+        </p:nvGrpSpPr>
+        <p:grpSpPr>
+          <a:xfrm>
+            <a:off x="9042755" y="6836511"/>
+            <a:ext cx="2523143" cy="1730235"/>
+            <a:chOff x="0" y="0"/>
+            <a:chExt cx="2523142" cy="1730233"/>
+          </a:xfrm>
+        </p:grpSpPr>
+        <p:sp>
+          <p:nvSpPr>
+            <p:cNvPr id="371" name="Rectangle"/>
+            <p:cNvSpPr/>
+            <p:nvPr/>
+          </p:nvSpPr>
+          <p:spPr>
+            <a:xfrm>
+              <a:off x="0" y="0"/>
+              <a:ext cx="2506286" cy="920468"/>
+            </a:xfrm>
+            <a:prstGeom prst="rect">
+              <a:avLst/>
+            </a:prstGeom>
+            <a:solidFill>
+              <a:srgbClr val="BA68C8"/>
+            </a:solidFill>
+            <a:ln w="12700" cap="flat">
+              <a:noFill/>
+              <a:miter lim="400000"/>
+            </a:ln>
+            <a:effectLst/>
+          </p:spPr>
+          <p:txBody>
+            <a:bodyPr wrap="square" lIns="71437" tIns="71437" rIns="71437" bIns="71437" numCol="1" anchor="ctr">
+              <a:noAutofit/>
+            </a:bodyPr>
+            <a:lstStyle/>
+            <a:p>
+              <a:pPr algn="ctr">
+                <a:lnSpc>
+                  <a:spcPct val="80000"/>
+                </a:lnSpc>
+                <a:spcBef>
+                  <a:spcPts val="0"/>
+                </a:spcBef>
+                <a:defRPr cap="all" sz="3800">
+                  <a:solidFill>
+                    <a:srgbClr val="222222"/>
+                  </a:solidFill>
+                  <a:latin typeface="+mn-lt"/>
+                  <a:ea typeface="+mn-ea"/>
+                  <a:cs typeface="+mn-cs"/>
+                  <a:sym typeface="DIN Condensed"/>
+                </a:defRPr>
+              </a:pPr>
+            </a:p>
+          </p:txBody>
+        </p:sp>
+        <p:sp>
+          <p:nvSpPr>
+            <p:cNvPr id="372" name="github.com"/>
             <p:cNvSpPr/>
             <p:nvPr/>
           </p:nvSpPr>
@@ -18846,7 +18961,7 @@
       </p:grpSp>
       <p:grpSp>
         <p:nvGrpSpPr>
-          <p:cNvPr id="373" name="Group"/>
+          <p:cNvPr id="376" name="Group"/>
           <p:cNvGrpSpPr/>
           <p:nvPr/>
         </p:nvGrpSpPr>
@@ -18854,121 +18969,6 @@
           <a:xfrm>
             <a:off x="9042755" y="8643384"/>
             <a:ext cx="2523143" cy="1730234"/>
-            <a:chOff x="0" y="0"/>
-            <a:chExt cx="2523142" cy="1730233"/>
-          </a:xfrm>
-        </p:grpSpPr>
-        <p:sp>
-          <p:nvSpPr>
-            <p:cNvPr id="371" name="Rectangle"/>
-            <p:cNvSpPr/>
-            <p:nvPr/>
-          </p:nvSpPr>
-          <p:spPr>
-            <a:xfrm>
-              <a:off x="0" y="0"/>
-              <a:ext cx="2506286" cy="920468"/>
-            </a:xfrm>
-            <a:prstGeom prst="rect">
-              <a:avLst/>
-            </a:prstGeom>
-            <a:solidFill>
-              <a:srgbClr val="00BCD4"/>
-            </a:solidFill>
-            <a:ln w="12700" cap="flat">
-              <a:noFill/>
-              <a:miter lim="400000"/>
-            </a:ln>
-            <a:effectLst/>
-          </p:spPr>
-          <p:txBody>
-            <a:bodyPr wrap="square" lIns="71437" tIns="71437" rIns="71437" bIns="71437" numCol="1" anchor="ctr">
-              <a:noAutofit/>
-            </a:bodyPr>
-            <a:lstStyle/>
-            <a:p>
-              <a:pPr algn="ctr">
-                <a:lnSpc>
-                  <a:spcPct val="80000"/>
-                </a:lnSpc>
-                <a:spcBef>
-                  <a:spcPts val="0"/>
-                </a:spcBef>
-                <a:defRPr cap="all" sz="3800">
-                  <a:solidFill>
-                    <a:srgbClr val="222222"/>
-                  </a:solidFill>
-                  <a:latin typeface="+mn-lt"/>
-                  <a:ea typeface="+mn-ea"/>
-                  <a:cs typeface="+mn-cs"/>
-                  <a:sym typeface="DIN Condensed"/>
-                </a:defRPr>
-              </a:pPr>
-            </a:p>
-          </p:txBody>
-        </p:sp>
-        <p:sp>
-          <p:nvSpPr>
-            <p:cNvPr id="372" name="user1"/>
-            <p:cNvSpPr/>
-            <p:nvPr/>
-          </p:nvSpPr>
-          <p:spPr>
-            <a:xfrm>
-              <a:off x="1253142" y="460233"/>
-              <a:ext cx="1270001" cy="1270001"/>
-            </a:xfrm>
-            <a:prstGeom prst="line">
-              <a:avLst/>
-            </a:prstGeom>
-            <a:noFill/>
-            <a:ln w="12700" cap="flat">
-              <a:noFill/>
-              <a:miter lim="400000"/>
-            </a:ln>
-            <a:effectLst/>
-            <a:extLst>
-              <a:ext uri="{C572A759-6A51-4108-AA02-DFA0A04FC94B}">
-                <ma14:wrappingTextBoxFlag xmlns:ma14="http://schemas.microsoft.com/office/mac/drawingml/2011/main" val="1"/>
-              </a:ext>
-            </a:extLst>
-          </p:spPr>
-          <p:txBody>
-            <a:bodyPr wrap="none" lIns="71437" tIns="71437" rIns="71437" bIns="71437" numCol="1" anchor="ctr">
-              <a:spAutoFit/>
-            </a:bodyPr>
-            <a:lstStyle>
-              <a:lvl1pPr algn="ctr">
-                <a:defRPr>
-                  <a:solidFill>
-                    <a:srgbClr val="FFFFFF"/>
-                  </a:solidFill>
-                  <a:latin typeface="Meslo LG M for Powerline"/>
-                  <a:ea typeface="Meslo LG M for Powerline"/>
-                  <a:cs typeface="Meslo LG M for Powerline"/>
-                  <a:sym typeface="Meslo LG M for Powerline"/>
-                </a:defRPr>
-              </a:lvl1pPr>
-            </a:lstStyle>
-            <a:p>
-              <a:pPr/>
-              <a:r>
-                <a:t>user1</a:t>
-              </a:r>
-            </a:p>
-          </p:txBody>
-        </p:sp>
-      </p:grpSp>
-      <p:grpSp>
-        <p:nvGrpSpPr>
-          <p:cNvPr id="376" name="Group"/>
-          <p:cNvGrpSpPr/>
-          <p:nvPr/>
-        </p:nvGrpSpPr>
-        <p:grpSpPr>
-          <a:xfrm>
-            <a:off x="6157045" y="8643384"/>
-            <a:ext cx="2523144" cy="1730234"/>
             <a:chOff x="0" y="0"/>
             <a:chExt cx="2523142" cy="1730233"/>
           </a:xfrm>
@@ -19024,7 +19024,122 @@
         </p:sp>
         <p:sp>
           <p:nvSpPr>
-            <p:cNvPr id="375" name="user2"/>
+            <p:cNvPr id="375" name="user1"/>
+            <p:cNvSpPr/>
+            <p:nvPr/>
+          </p:nvSpPr>
+          <p:spPr>
+            <a:xfrm>
+              <a:off x="1253142" y="460233"/>
+              <a:ext cx="1270001" cy="1270001"/>
+            </a:xfrm>
+            <a:prstGeom prst="line">
+              <a:avLst/>
+            </a:prstGeom>
+            <a:noFill/>
+            <a:ln w="12700" cap="flat">
+              <a:noFill/>
+              <a:miter lim="400000"/>
+            </a:ln>
+            <a:effectLst/>
+            <a:extLst>
+              <a:ext uri="{C572A759-6A51-4108-AA02-DFA0A04FC94B}">
+                <ma14:wrappingTextBoxFlag xmlns:ma14="http://schemas.microsoft.com/office/mac/drawingml/2011/main" val="1"/>
+              </a:ext>
+            </a:extLst>
+          </p:spPr>
+          <p:txBody>
+            <a:bodyPr wrap="none" lIns="71437" tIns="71437" rIns="71437" bIns="71437" numCol="1" anchor="ctr">
+              <a:spAutoFit/>
+            </a:bodyPr>
+            <a:lstStyle>
+              <a:lvl1pPr algn="ctr">
+                <a:defRPr>
+                  <a:solidFill>
+                    <a:srgbClr val="FFFFFF"/>
+                  </a:solidFill>
+                  <a:latin typeface="Meslo LG M for Powerline"/>
+                  <a:ea typeface="Meslo LG M for Powerline"/>
+                  <a:cs typeface="Meslo LG M for Powerline"/>
+                  <a:sym typeface="Meslo LG M for Powerline"/>
+                </a:defRPr>
+              </a:lvl1pPr>
+            </a:lstStyle>
+            <a:p>
+              <a:pPr/>
+              <a:r>
+                <a:t>user1</a:t>
+              </a:r>
+            </a:p>
+          </p:txBody>
+        </p:sp>
+      </p:grpSp>
+      <p:grpSp>
+        <p:nvGrpSpPr>
+          <p:cNvPr id="379" name="Group"/>
+          <p:cNvGrpSpPr/>
+          <p:nvPr/>
+        </p:nvGrpSpPr>
+        <p:grpSpPr>
+          <a:xfrm>
+            <a:off x="6157045" y="8643384"/>
+            <a:ext cx="2523144" cy="1730234"/>
+            <a:chOff x="0" y="0"/>
+            <a:chExt cx="2523142" cy="1730233"/>
+          </a:xfrm>
+        </p:grpSpPr>
+        <p:sp>
+          <p:nvSpPr>
+            <p:cNvPr id="377" name="Rectangle"/>
+            <p:cNvSpPr/>
+            <p:nvPr/>
+          </p:nvSpPr>
+          <p:spPr>
+            <a:xfrm>
+              <a:off x="0" y="0"/>
+              <a:ext cx="2506286" cy="920468"/>
+            </a:xfrm>
+            <a:prstGeom prst="rect">
+              <a:avLst/>
+            </a:prstGeom>
+            <a:solidFill>
+              <a:srgbClr val="00BCD4"/>
+            </a:solidFill>
+            <a:ln w="12700" cap="flat">
+              <a:noFill/>
+              <a:miter lim="400000"/>
+            </a:ln>
+            <a:effectLst/>
+          </p:spPr>
+          <p:txBody>
+            <a:bodyPr wrap="square" lIns="71437" tIns="71437" rIns="71437" bIns="71437" numCol="1" anchor="ctr">
+              <a:noAutofit/>
+            </a:bodyPr>
+            <a:lstStyle/>
+            <a:p>
+              <a:pPr algn="ctr">
+                <a:lnSpc>
+                  <a:spcPct val="80000"/>
+                </a:lnSpc>
+                <a:spcBef>
+                  <a:spcPts val="0"/>
+                </a:spcBef>
+                <a:defRPr cap="all" sz="3800">
+                  <a:solidFill>
+                    <a:srgbClr val="222222"/>
+                  </a:solidFill>
+                  <a:latin typeface="+mn-lt"/>
+                  <a:ea typeface="+mn-ea"/>
+                  <a:cs typeface="+mn-cs"/>
+                  <a:sym typeface="DIN Condensed"/>
+                </a:defRPr>
+              </a:pPr>
+            </a:p>
+          </p:txBody>
+        </p:sp>
+        <p:sp>
+          <p:nvSpPr>
+            <p:cNvPr id="378" name="user2"/>
             <p:cNvSpPr/>
             <p:nvPr/>
           </p:nvSpPr>
@@ -19076,7 +19191,7 @@
       </p:grpSp>
       <p:grpSp>
         <p:nvGrpSpPr>
-          <p:cNvPr id="379" name="Group"/>
+          <p:cNvPr id="382" name="Group"/>
           <p:cNvGrpSpPr/>
           <p:nvPr/>
         </p:nvGrpSpPr>
@@ -19086,121 +19201,6 @@
             <a:ext cx="2523143" cy="1730235"/>
             <a:chOff x="0" y="0"/>
             <a:chExt cx="2523142" cy="1730233"/>
-          </a:xfrm>
-        </p:grpSpPr>
-        <p:sp>
-          <p:nvSpPr>
-            <p:cNvPr id="377" name="Rectangle"/>
-            <p:cNvSpPr/>
-            <p:nvPr/>
-          </p:nvSpPr>
-          <p:spPr>
-            <a:xfrm>
-              <a:off x="0" y="0"/>
-              <a:ext cx="2506286" cy="920468"/>
-            </a:xfrm>
-            <a:prstGeom prst="rect">
-              <a:avLst/>
-            </a:prstGeom>
-            <a:solidFill>
-              <a:srgbClr val="FFC107"/>
-            </a:solidFill>
-            <a:ln w="12700" cap="flat">
-              <a:noFill/>
-              <a:miter lim="400000"/>
-            </a:ln>
-            <a:effectLst/>
-          </p:spPr>
-          <p:txBody>
-            <a:bodyPr wrap="square" lIns="71437" tIns="71437" rIns="71437" bIns="71437" numCol="1" anchor="ctr">
-              <a:noAutofit/>
-            </a:bodyPr>
-            <a:lstStyle/>
-            <a:p>
-              <a:pPr algn="ctr">
-                <a:lnSpc>
-                  <a:spcPct val="80000"/>
-                </a:lnSpc>
-                <a:spcBef>
-                  <a:spcPts val="0"/>
-                </a:spcBef>
-                <a:defRPr cap="all" sz="3800">
-                  <a:solidFill>
-                    <a:srgbClr val="222222"/>
-                  </a:solidFill>
-                  <a:latin typeface="+mn-lt"/>
-                  <a:ea typeface="+mn-ea"/>
-                  <a:cs typeface="+mn-cs"/>
-                  <a:sym typeface="DIN Condensed"/>
-                </a:defRPr>
-              </a:pPr>
-            </a:p>
-          </p:txBody>
-        </p:sp>
-        <p:sp>
-          <p:nvSpPr>
-            <p:cNvPr id="378" name="pkg1"/>
-            <p:cNvSpPr/>
-            <p:nvPr/>
-          </p:nvSpPr>
-          <p:spPr>
-            <a:xfrm>
-              <a:off x="1253142" y="460233"/>
-              <a:ext cx="1270001" cy="1270001"/>
-            </a:xfrm>
-            <a:prstGeom prst="line">
-              <a:avLst/>
-            </a:prstGeom>
-            <a:noFill/>
-            <a:ln w="12700" cap="flat">
-              <a:noFill/>
-              <a:miter lim="400000"/>
-            </a:ln>
-            <a:effectLst/>
-            <a:extLst>
-              <a:ext uri="{C572A759-6A51-4108-AA02-DFA0A04FC94B}">
-                <ma14:wrappingTextBoxFlag xmlns:ma14="http://schemas.microsoft.com/office/mac/drawingml/2011/main" val="1"/>
-              </a:ext>
-            </a:extLst>
-          </p:spPr>
-          <p:txBody>
-            <a:bodyPr wrap="none" lIns="71437" tIns="71437" rIns="71437" bIns="71437" numCol="1" anchor="ctr">
-              <a:spAutoFit/>
-            </a:bodyPr>
-            <a:lstStyle>
-              <a:lvl1pPr algn="ctr">
-                <a:defRPr>
-                  <a:solidFill>
-                    <a:srgbClr val="FFFFFF"/>
-                  </a:solidFill>
-                  <a:latin typeface="Meslo LG M for Powerline"/>
-                  <a:ea typeface="Meslo LG M for Powerline"/>
-                  <a:cs typeface="Meslo LG M for Powerline"/>
-                  <a:sym typeface="Meslo LG M for Powerline"/>
-                </a:defRPr>
-              </a:lvl1pPr>
-            </a:lstStyle>
-            <a:p>
-              <a:pPr/>
-              <a:r>
-                <a:t>pkg1</a:t>
-              </a:r>
-            </a:p>
-          </p:txBody>
-        </p:sp>
-      </p:grpSp>
-      <p:grpSp>
-        <p:nvGrpSpPr>
-          <p:cNvPr id="382" name="Group"/>
-          <p:cNvGrpSpPr/>
-          <p:nvPr/>
-        </p:nvGrpSpPr>
-        <p:grpSpPr>
-          <a:xfrm>
-            <a:off x="12202506" y="10252888"/>
-            <a:ext cx="2506287" cy="920469"/>
-            <a:chOff x="0" y="0"/>
-            <a:chExt cx="2506285" cy="920467"/>
           </a:xfrm>
         </p:grpSpPr>
         <p:sp>
@@ -19254,7 +19254,122 @@
         </p:sp>
         <p:sp>
           <p:nvSpPr>
-            <p:cNvPr id="381" name="pkg2"/>
+            <p:cNvPr id="381" name="pkg1"/>
+            <p:cNvSpPr/>
+            <p:nvPr/>
+          </p:nvSpPr>
+          <p:spPr>
+            <a:xfrm>
+              <a:off x="1253142" y="460233"/>
+              <a:ext cx="1270001" cy="1270001"/>
+            </a:xfrm>
+            <a:prstGeom prst="line">
+              <a:avLst/>
+            </a:prstGeom>
+            <a:noFill/>
+            <a:ln w="12700" cap="flat">
+              <a:noFill/>
+              <a:miter lim="400000"/>
+            </a:ln>
+            <a:effectLst/>
+            <a:extLst>
+              <a:ext uri="{C572A759-6A51-4108-AA02-DFA0A04FC94B}">
+                <ma14:wrappingTextBoxFlag xmlns:ma14="http://schemas.microsoft.com/office/mac/drawingml/2011/main" val="1"/>
+              </a:ext>
+            </a:extLst>
+          </p:spPr>
+          <p:txBody>
+            <a:bodyPr wrap="none" lIns="71437" tIns="71437" rIns="71437" bIns="71437" numCol="1" anchor="ctr">
+              <a:spAutoFit/>
+            </a:bodyPr>
+            <a:lstStyle>
+              <a:lvl1pPr algn="ctr">
+                <a:defRPr>
+                  <a:solidFill>
+                    <a:srgbClr val="FFFFFF"/>
+                  </a:solidFill>
+                  <a:latin typeface="Meslo LG M for Powerline"/>
+                  <a:ea typeface="Meslo LG M for Powerline"/>
+                  <a:cs typeface="Meslo LG M for Powerline"/>
+                  <a:sym typeface="Meslo LG M for Powerline"/>
+                </a:defRPr>
+              </a:lvl1pPr>
+            </a:lstStyle>
+            <a:p>
+              <a:pPr/>
+              <a:r>
+                <a:t>pkg1</a:t>
+              </a:r>
+            </a:p>
+          </p:txBody>
+        </p:sp>
+      </p:grpSp>
+      <p:grpSp>
+        <p:nvGrpSpPr>
+          <p:cNvPr id="385" name="Group"/>
+          <p:cNvGrpSpPr/>
+          <p:nvPr/>
+        </p:nvGrpSpPr>
+        <p:grpSpPr>
+          <a:xfrm>
+            <a:off x="12202506" y="10252888"/>
+            <a:ext cx="2506287" cy="920469"/>
+            <a:chOff x="0" y="0"/>
+            <a:chExt cx="2506285" cy="920467"/>
+          </a:xfrm>
+        </p:grpSpPr>
+        <p:sp>
+          <p:nvSpPr>
+            <p:cNvPr id="383" name="Rectangle"/>
+            <p:cNvSpPr/>
+            <p:nvPr/>
+          </p:nvSpPr>
+          <p:spPr>
+            <a:xfrm>
+              <a:off x="0" y="0"/>
+              <a:ext cx="2506286" cy="920468"/>
+            </a:xfrm>
+            <a:prstGeom prst="rect">
+              <a:avLst/>
+            </a:prstGeom>
+            <a:solidFill>
+              <a:srgbClr val="FFC107"/>
+            </a:solidFill>
+            <a:ln w="12700" cap="flat">
+              <a:noFill/>
+              <a:miter lim="400000"/>
+            </a:ln>
+            <a:effectLst/>
+          </p:spPr>
+          <p:txBody>
+            <a:bodyPr wrap="square" lIns="71437" tIns="71437" rIns="71437" bIns="71437" numCol="1" anchor="ctr">
+              <a:noAutofit/>
+            </a:bodyPr>
+            <a:lstStyle/>
+            <a:p>
+              <a:pPr algn="ctr">
+                <a:lnSpc>
+                  <a:spcPct val="80000"/>
+                </a:lnSpc>
+                <a:spcBef>
+                  <a:spcPts val="0"/>
+                </a:spcBef>
+                <a:defRPr cap="all" sz="3800">
+                  <a:solidFill>
+                    <a:srgbClr val="222222"/>
+                  </a:solidFill>
+                  <a:latin typeface="+mn-lt"/>
+                  <a:ea typeface="+mn-ea"/>
+                  <a:cs typeface="+mn-cs"/>
+                  <a:sym typeface="DIN Condensed"/>
+                </a:defRPr>
+              </a:pPr>
+            </a:p>
+          </p:txBody>
+        </p:sp>
+        <p:sp>
+          <p:nvSpPr>
+            <p:cNvPr id="384" name="pkg2"/>
             <p:cNvSpPr txBox="1"/>
             <p:nvPr/>
           </p:nvSpPr>
@@ -19306,7 +19421,7 @@
       </p:grpSp>
       <p:grpSp>
         <p:nvGrpSpPr>
-          <p:cNvPr id="385" name="Group"/>
+          <p:cNvPr id="388" name="Group"/>
           <p:cNvGrpSpPr/>
           <p:nvPr/>
         </p:nvGrpSpPr>
@@ -19320,7 +19435,7 @@
         </p:grpSpPr>
         <p:sp>
           <p:nvSpPr>
-            <p:cNvPr id="383" name="Rectangle"/>
+            <p:cNvPr id="386" name="Rectangle"/>
             <p:cNvSpPr/>
             <p:nvPr/>
           </p:nvSpPr>
@@ -19369,7 +19484,7 @@
         </p:sp>
         <p:sp>
           <p:nvSpPr>
-            <p:cNvPr id="384" name="pkg1"/>
+            <p:cNvPr id="387" name="pkg1"/>
             <p:cNvSpPr/>
             <p:nvPr/>
           </p:nvSpPr>
@@ -19421,128 +19536,13 @@
       </p:grpSp>
       <p:grpSp>
         <p:nvGrpSpPr>
-          <p:cNvPr id="388" name="Group"/>
+          <p:cNvPr id="391" name="Group"/>
           <p:cNvGrpSpPr/>
           <p:nvPr/>
         </p:nvGrpSpPr>
         <p:grpSpPr>
           <a:xfrm>
             <a:off x="12202506" y="8617984"/>
-            <a:ext cx="2506287" cy="920468"/>
-            <a:chOff x="0" y="0"/>
-            <a:chExt cx="2506285" cy="920467"/>
-          </a:xfrm>
-        </p:grpSpPr>
-        <p:sp>
-          <p:nvSpPr>
-            <p:cNvPr id="386" name="Rectangle"/>
-            <p:cNvSpPr/>
-            <p:nvPr/>
-          </p:nvSpPr>
-          <p:spPr>
-            <a:xfrm>
-              <a:off x="0" y="0"/>
-              <a:ext cx="2506286" cy="920468"/>
-            </a:xfrm>
-            <a:prstGeom prst="rect">
-              <a:avLst/>
-            </a:prstGeom>
-            <a:solidFill>
-              <a:srgbClr val="F06292"/>
-            </a:solidFill>
-            <a:ln w="12700" cap="flat">
-              <a:noFill/>
-              <a:miter lim="400000"/>
-            </a:ln>
-            <a:effectLst/>
-          </p:spPr>
-          <p:txBody>
-            <a:bodyPr wrap="square" lIns="71437" tIns="71437" rIns="71437" bIns="71437" numCol="1" anchor="ctr">
-              <a:noAutofit/>
-            </a:bodyPr>
-            <a:lstStyle/>
-            <a:p>
-              <a:pPr algn="ctr">
-                <a:lnSpc>
-                  <a:spcPct val="80000"/>
-                </a:lnSpc>
-                <a:spcBef>
-                  <a:spcPts val="0"/>
-                </a:spcBef>
-                <a:defRPr cap="all" sz="3800">
-                  <a:solidFill>
-                    <a:srgbClr val="222222"/>
-                  </a:solidFill>
-                  <a:latin typeface="+mn-lt"/>
-                  <a:ea typeface="+mn-ea"/>
-                  <a:cs typeface="+mn-cs"/>
-                  <a:sym typeface="DIN Condensed"/>
-                </a:defRPr>
-              </a:pPr>
-            </a:p>
-          </p:txBody>
-        </p:sp>
-        <p:sp>
-          <p:nvSpPr>
-            <p:cNvPr id="387" name="lib1@v1"/>
-            <p:cNvSpPr txBox="1"/>
-            <p:nvPr/>
-          </p:nvSpPr>
-          <p:spPr>
-            <a:xfrm>
-              <a:off x="123569" y="147496"/>
-              <a:ext cx="2259148" cy="625476"/>
-            </a:xfrm>
-            <a:prstGeom prst="rect">
-              <a:avLst/>
-            </a:prstGeom>
-            <a:noFill/>
-            <a:ln w="12700" cap="flat">
-              <a:noFill/>
-              <a:miter lim="400000"/>
-            </a:ln>
-            <a:effectLst/>
-            <a:extLst>
-              <a:ext uri="{C572A759-6A51-4108-AA02-DFA0A04FC94B}">
-                <ma14:wrappingTextBoxFlag xmlns:ma14="http://schemas.microsoft.com/office/mac/drawingml/2011/main" val="1"/>
-              </a:ext>
-            </a:extLst>
-          </p:spPr>
-          <p:txBody>
-            <a:bodyPr wrap="square" lIns="71437" tIns="71437" rIns="71437" bIns="71437" numCol="1" anchor="ctr">
-              <a:noAutofit/>
-            </a:bodyPr>
-            <a:lstStyle>
-              <a:lvl1pPr algn="ctr">
-                <a:defRPr>
-                  <a:solidFill>
-                    <a:srgbClr val="FFFFFF"/>
-                  </a:solidFill>
-                  <a:latin typeface="Meslo LG M for Powerline"/>
-                  <a:ea typeface="Meslo LG M for Powerline"/>
-                  <a:cs typeface="Meslo LG M for Powerline"/>
-                  <a:sym typeface="Meslo LG M for Powerline"/>
-                </a:defRPr>
-              </a:lvl1pPr>
-            </a:lstStyle>
-            <a:p>
-              <a:pPr/>
-              <a:r>
-                <a:t>lib1@v1</a:t>
-              </a:r>
-            </a:p>
-          </p:txBody>
-        </p:sp>
-      </p:grpSp>
-      <p:grpSp>
-        <p:nvGrpSpPr>
-          <p:cNvPr id="391" name="Group"/>
-          <p:cNvGrpSpPr/>
-          <p:nvPr/>
-        </p:nvGrpSpPr>
-        <p:grpSpPr>
-          <a:xfrm>
-            <a:off x="14967165" y="8617984"/>
             <a:ext cx="2506287" cy="920468"/>
             <a:chOff x="0" y="0"/>
             <a:chExt cx="2506285" cy="920467"/>
@@ -19563,7 +19563,7 @@
               <a:avLst/>
             </a:prstGeom>
             <a:solidFill>
-              <a:srgbClr val="E91E63"/>
+              <a:srgbClr val="F06292"/>
             </a:solidFill>
             <a:ln w="12700" cap="flat">
               <a:noFill/>
@@ -19657,6 +19657,121 @@
         </p:nvGrpSpPr>
         <p:grpSpPr>
           <a:xfrm>
+            <a:off x="14967165" y="8617984"/>
+            <a:ext cx="2506287" cy="920468"/>
+            <a:chOff x="0" y="0"/>
+            <a:chExt cx="2506285" cy="920467"/>
+          </a:xfrm>
+        </p:grpSpPr>
+        <p:sp>
+          <p:nvSpPr>
+            <p:cNvPr id="392" name="Rectangle"/>
+            <p:cNvSpPr/>
+            <p:nvPr/>
+          </p:nvSpPr>
+          <p:spPr>
+            <a:xfrm>
+              <a:off x="0" y="0"/>
+              <a:ext cx="2506286" cy="920468"/>
+            </a:xfrm>
+            <a:prstGeom prst="rect">
+              <a:avLst/>
+            </a:prstGeom>
+            <a:solidFill>
+              <a:srgbClr val="E91E63"/>
+            </a:solidFill>
+            <a:ln w="12700" cap="flat">
+              <a:noFill/>
+              <a:miter lim="400000"/>
+            </a:ln>
+            <a:effectLst/>
+          </p:spPr>
+          <p:txBody>
+            <a:bodyPr wrap="square" lIns="71437" tIns="71437" rIns="71437" bIns="71437" numCol="1" anchor="ctr">
+              <a:noAutofit/>
+            </a:bodyPr>
+            <a:lstStyle/>
+            <a:p>
+              <a:pPr algn="ctr">
+                <a:lnSpc>
+                  <a:spcPct val="80000"/>
+                </a:lnSpc>
+                <a:spcBef>
+                  <a:spcPts val="0"/>
+                </a:spcBef>
+                <a:defRPr cap="all" sz="3800">
+                  <a:solidFill>
+                    <a:srgbClr val="222222"/>
+                  </a:solidFill>
+                  <a:latin typeface="+mn-lt"/>
+                  <a:ea typeface="+mn-ea"/>
+                  <a:cs typeface="+mn-cs"/>
+                  <a:sym typeface="DIN Condensed"/>
+                </a:defRPr>
+              </a:pPr>
+            </a:p>
+          </p:txBody>
+        </p:sp>
+        <p:sp>
+          <p:nvSpPr>
+            <p:cNvPr id="393" name="lib1@v1"/>
+            <p:cNvSpPr txBox="1"/>
+            <p:nvPr/>
+          </p:nvSpPr>
+          <p:spPr>
+            <a:xfrm>
+              <a:off x="123569" y="147496"/>
+              <a:ext cx="2259148" cy="625476"/>
+            </a:xfrm>
+            <a:prstGeom prst="rect">
+              <a:avLst/>
+            </a:prstGeom>
+            <a:noFill/>
+            <a:ln w="12700" cap="flat">
+              <a:noFill/>
+              <a:miter lim="400000"/>
+            </a:ln>
+            <a:effectLst/>
+            <a:extLst>
+              <a:ext uri="{C572A759-6A51-4108-AA02-DFA0A04FC94B}">
+                <ma14:wrappingTextBoxFlag xmlns:ma14="http://schemas.microsoft.com/office/mac/drawingml/2011/main" val="1"/>
+              </a:ext>
+            </a:extLst>
+          </p:spPr>
+          <p:txBody>
+            <a:bodyPr wrap="square" lIns="71437" tIns="71437" rIns="71437" bIns="71437" numCol="1" anchor="ctr">
+              <a:noAutofit/>
+            </a:bodyPr>
+            <a:lstStyle>
+              <a:lvl1pPr algn="ctr">
+                <a:defRPr>
+                  <a:solidFill>
+                    <a:srgbClr val="FFFFFF"/>
+                  </a:solidFill>
+                  <a:latin typeface="Meslo LG M for Powerline"/>
+                  <a:ea typeface="Meslo LG M for Powerline"/>
+                  <a:cs typeface="Meslo LG M for Powerline"/>
+                  <a:sym typeface="Meslo LG M for Powerline"/>
+                </a:defRPr>
+              </a:lvl1pPr>
+            </a:lstStyle>
+            <a:p>
+              <a:pPr/>
+              <a:r>
+                <a:t>lib1@v1</a:t>
+              </a:r>
+            </a:p>
+          </p:txBody>
+        </p:sp>
+      </p:grpSp>
+      <p:grpSp>
+        <p:nvGrpSpPr>
+          <p:cNvPr id="397" name="Group"/>
+          <p:cNvGrpSpPr/>
+          <p:nvPr/>
+        </p:nvGrpSpPr>
+        <p:grpSpPr>
+          <a:xfrm>
             <a:off x="17731824" y="8617984"/>
             <a:ext cx="2987381" cy="920468"/>
             <a:chOff x="0" y="0"/>
@@ -19665,7 +19780,7 @@
         </p:grpSpPr>
         <p:sp>
           <p:nvSpPr>
-            <p:cNvPr id="392" name="Rectangle"/>
+            <p:cNvPr id="395" name="Rectangle"/>
             <p:cNvSpPr/>
             <p:nvPr/>
           </p:nvSpPr>
@@ -19714,7 +19829,7 @@
         </p:sp>
         <p:sp>
           <p:nvSpPr>
-            <p:cNvPr id="393" name="lib1@v2"/>
+            <p:cNvPr id="396" name="lib1@v2"/>
             <p:cNvSpPr txBox="1"/>
             <p:nvPr/>
           </p:nvSpPr>
@@ -19766,128 +19881,13 @@
       </p:grpSp>
       <p:grpSp>
         <p:nvGrpSpPr>
-          <p:cNvPr id="397" name="Group"/>
+          <p:cNvPr id="400" name="Group"/>
           <p:cNvGrpSpPr/>
           <p:nvPr/>
         </p:nvGrpSpPr>
         <p:grpSpPr>
           <a:xfrm>
             <a:off x="2315692" y="6836511"/>
-            <a:ext cx="1559169" cy="920468"/>
-            <a:chOff x="0" y="0"/>
-            <a:chExt cx="1559168" cy="920467"/>
-          </a:xfrm>
-        </p:grpSpPr>
-        <p:sp>
-          <p:nvSpPr>
-            <p:cNvPr id="395" name="Rectangle"/>
-            <p:cNvSpPr/>
-            <p:nvPr/>
-          </p:nvSpPr>
-          <p:spPr>
-            <a:xfrm>
-              <a:off x="0" y="0"/>
-              <a:ext cx="1559169" cy="920468"/>
-            </a:xfrm>
-            <a:prstGeom prst="rect">
-              <a:avLst/>
-            </a:prstGeom>
-            <a:solidFill>
-              <a:srgbClr val="00E676"/>
-            </a:solidFill>
-            <a:ln w="12700" cap="flat">
-              <a:noFill/>
-              <a:miter lim="400000"/>
-            </a:ln>
-            <a:effectLst/>
-          </p:spPr>
-          <p:txBody>
-            <a:bodyPr wrap="square" lIns="71437" tIns="71437" rIns="71437" bIns="71437" numCol="1" anchor="ctr">
-              <a:noAutofit/>
-            </a:bodyPr>
-            <a:lstStyle/>
-            <a:p>
-              <a:pPr algn="ctr">
-                <a:lnSpc>
-                  <a:spcPct val="80000"/>
-                </a:lnSpc>
-                <a:spcBef>
-                  <a:spcPts val="0"/>
-                </a:spcBef>
-                <a:defRPr cap="all" sz="3800">
-                  <a:solidFill>
-                    <a:srgbClr val="222222"/>
-                  </a:solidFill>
-                  <a:latin typeface="+mn-lt"/>
-                  <a:ea typeface="+mn-ea"/>
-                  <a:cs typeface="+mn-cs"/>
-                  <a:sym typeface="DIN Condensed"/>
-                </a:defRPr>
-              </a:pPr>
-            </a:p>
-          </p:txBody>
-        </p:sp>
-        <p:sp>
-          <p:nvSpPr>
-            <p:cNvPr id="396" name="bin2"/>
-            <p:cNvSpPr txBox="1"/>
-            <p:nvPr/>
-          </p:nvSpPr>
-          <p:spPr>
-            <a:xfrm>
-              <a:off x="275743" y="147496"/>
-              <a:ext cx="1007683" cy="625476"/>
-            </a:xfrm>
-            <a:prstGeom prst="rect">
-              <a:avLst/>
-            </a:prstGeom>
-            <a:noFill/>
-            <a:ln w="12700" cap="flat">
-              <a:noFill/>
-              <a:miter lim="400000"/>
-            </a:ln>
-            <a:effectLst/>
-            <a:extLst>
-              <a:ext uri="{C572A759-6A51-4108-AA02-DFA0A04FC94B}">
-                <ma14:wrappingTextBoxFlag xmlns:ma14="http://schemas.microsoft.com/office/mac/drawingml/2011/main" val="1"/>
-              </a:ext>
-            </a:extLst>
-          </p:spPr>
-          <p:txBody>
-            <a:bodyPr wrap="square" lIns="71437" tIns="71437" rIns="71437" bIns="71437" numCol="1" anchor="ctr">
-              <a:noAutofit/>
-            </a:bodyPr>
-            <a:lstStyle>
-              <a:lvl1pPr algn="ctr">
-                <a:defRPr>
-                  <a:solidFill>
-                    <a:srgbClr val="FFFFFF"/>
-                  </a:solidFill>
-                  <a:latin typeface="Meslo LG M for Powerline"/>
-                  <a:ea typeface="Meslo LG M for Powerline"/>
-                  <a:cs typeface="Meslo LG M for Powerline"/>
-                  <a:sym typeface="Meslo LG M for Powerline"/>
-                </a:defRPr>
-              </a:lvl1pPr>
-            </a:lstStyle>
-            <a:p>
-              <a:pPr/>
-              <a:r>
-                <a:t>bin2</a:t>
-              </a:r>
-            </a:p>
-          </p:txBody>
-        </p:sp>
-      </p:grpSp>
-      <p:grpSp>
-        <p:nvGrpSpPr>
-          <p:cNvPr id="400" name="Group"/>
-          <p:cNvGrpSpPr/>
-          <p:nvPr/>
-        </p:nvGrpSpPr>
-        <p:grpSpPr>
-          <a:xfrm>
-            <a:off x="3979500" y="6836511"/>
             <a:ext cx="1559169" cy="920468"/>
             <a:chOff x="0" y="0"/>
             <a:chExt cx="1559168" cy="920467"/>
@@ -19944,7 +19944,122 @@
         </p:sp>
         <p:sp>
           <p:nvSpPr>
-            <p:cNvPr id="399" name="bin3"/>
+            <p:cNvPr id="399" name="bin2"/>
+            <p:cNvSpPr txBox="1"/>
+            <p:nvPr/>
+          </p:nvSpPr>
+          <p:spPr>
+            <a:xfrm>
+              <a:off x="275743" y="147496"/>
+              <a:ext cx="1007683" cy="625476"/>
+            </a:xfrm>
+            <a:prstGeom prst="rect">
+              <a:avLst/>
+            </a:prstGeom>
+            <a:noFill/>
+            <a:ln w="12700" cap="flat">
+              <a:noFill/>
+              <a:miter lim="400000"/>
+            </a:ln>
+            <a:effectLst/>
+            <a:extLst>
+              <a:ext uri="{C572A759-6A51-4108-AA02-DFA0A04FC94B}">
+                <ma14:wrappingTextBoxFlag xmlns:ma14="http://schemas.microsoft.com/office/mac/drawingml/2011/main" val="1"/>
+              </a:ext>
+            </a:extLst>
+          </p:spPr>
+          <p:txBody>
+            <a:bodyPr wrap="square" lIns="71437" tIns="71437" rIns="71437" bIns="71437" numCol="1" anchor="ctr">
+              <a:noAutofit/>
+            </a:bodyPr>
+            <a:lstStyle>
+              <a:lvl1pPr algn="ctr">
+                <a:defRPr>
+                  <a:solidFill>
+                    <a:srgbClr val="FFFFFF"/>
+                  </a:solidFill>
+                  <a:latin typeface="Meslo LG M for Powerline"/>
+                  <a:ea typeface="Meslo LG M for Powerline"/>
+                  <a:cs typeface="Meslo LG M for Powerline"/>
+                  <a:sym typeface="Meslo LG M for Powerline"/>
+                </a:defRPr>
+              </a:lvl1pPr>
+            </a:lstStyle>
+            <a:p>
+              <a:pPr/>
+              <a:r>
+                <a:t>bin2</a:t>
+              </a:r>
+            </a:p>
+          </p:txBody>
+        </p:sp>
+      </p:grpSp>
+      <p:grpSp>
+        <p:nvGrpSpPr>
+          <p:cNvPr id="403" name="Group"/>
+          <p:cNvGrpSpPr/>
+          <p:nvPr/>
+        </p:nvGrpSpPr>
+        <p:grpSpPr>
+          <a:xfrm>
+            <a:off x="3979500" y="6836511"/>
+            <a:ext cx="1559169" cy="920468"/>
+            <a:chOff x="0" y="0"/>
+            <a:chExt cx="1559168" cy="920467"/>
+          </a:xfrm>
+        </p:grpSpPr>
+        <p:sp>
+          <p:nvSpPr>
+            <p:cNvPr id="401" name="Rectangle"/>
+            <p:cNvSpPr/>
+            <p:nvPr/>
+          </p:nvSpPr>
+          <p:spPr>
+            <a:xfrm>
+              <a:off x="0" y="0"/>
+              <a:ext cx="1559169" cy="920468"/>
+            </a:xfrm>
+            <a:prstGeom prst="rect">
+              <a:avLst/>
+            </a:prstGeom>
+            <a:solidFill>
+              <a:srgbClr val="00E676"/>
+            </a:solidFill>
+            <a:ln w="12700" cap="flat">
+              <a:noFill/>
+              <a:miter lim="400000"/>
+            </a:ln>
+            <a:effectLst/>
+          </p:spPr>
+          <p:txBody>
+            <a:bodyPr wrap="square" lIns="71437" tIns="71437" rIns="71437" bIns="71437" numCol="1" anchor="ctr">
+              <a:noAutofit/>
+            </a:bodyPr>
+            <a:lstStyle/>
+            <a:p>
+              <a:pPr algn="ctr">
+                <a:lnSpc>
+                  <a:spcPct val="80000"/>
+                </a:lnSpc>
+                <a:spcBef>
+                  <a:spcPts val="0"/>
+                </a:spcBef>
+                <a:defRPr cap="all" sz="3800">
+                  <a:solidFill>
+                    <a:srgbClr val="222222"/>
+                  </a:solidFill>
+                  <a:latin typeface="+mn-lt"/>
+                  <a:ea typeface="+mn-ea"/>
+                  <a:cs typeface="+mn-cs"/>
+                  <a:sym typeface="DIN Condensed"/>
+                </a:defRPr>
+              </a:pPr>
+            </a:p>
+          </p:txBody>
+        </p:sp>
+        <p:sp>
+          <p:nvSpPr>
+            <p:cNvPr id="402" name="bin3"/>
             <p:cNvSpPr txBox="1"/>
             <p:nvPr/>
           </p:nvSpPr>
@@ -19996,7 +20111,7 @@
       </p:grpSp>
       <p:grpSp>
         <p:nvGrpSpPr>
-          <p:cNvPr id="403" name="Group"/>
+          <p:cNvPr id="406" name="Group"/>
           <p:cNvGrpSpPr/>
           <p:nvPr/>
         </p:nvGrpSpPr>
@@ -20010,7 +20125,7 @@
         </p:grpSpPr>
         <p:sp>
           <p:nvSpPr>
-            <p:cNvPr id="401" name="Rectangle"/>
+            <p:cNvPr id="404" name="Rectangle"/>
             <p:cNvSpPr/>
             <p:nvPr/>
           </p:nvSpPr>
@@ -20059,7 +20174,7 @@
         </p:sp>
         <p:sp>
           <p:nvSpPr>
-            <p:cNvPr id="402" name="user1"/>
+            <p:cNvPr id="405" name="user1"/>
             <p:cNvSpPr/>
             <p:nvPr/>
           </p:nvSpPr>
@@ -20111,7 +20226,7 @@
       </p:grpSp>
       <p:grpSp>
         <p:nvGrpSpPr>
-          <p:cNvPr id="406" name="Group"/>
+          <p:cNvPr id="409" name="Group"/>
           <p:cNvGrpSpPr/>
           <p:nvPr/>
         </p:nvGrpSpPr>
@@ -20125,7 +20240,7 @@
         </p:grpSpPr>
         <p:sp>
           <p:nvSpPr>
-            <p:cNvPr id="404" name="Rectangle"/>
+            <p:cNvPr id="407" name="Rectangle"/>
             <p:cNvSpPr/>
             <p:nvPr/>
           </p:nvSpPr>
@@ -20174,7 +20289,7 @@
         </p:sp>
         <p:sp>
           <p:nvSpPr>
-            <p:cNvPr id="405" name="pkg1"/>
+            <p:cNvPr id="408" name="pkg1"/>
             <p:cNvSpPr/>
             <p:nvPr/>
           </p:nvSpPr>
@@ -20226,7 +20341,7 @@
       </p:grpSp>
       <p:grpSp>
         <p:nvGrpSpPr>
-          <p:cNvPr id="409" name="Group"/>
+          <p:cNvPr id="412" name="Group"/>
           <p:cNvGrpSpPr/>
           <p:nvPr/>
         </p:nvGrpSpPr>
@@ -20240,7 +20355,7 @@
         </p:grpSpPr>
         <p:sp>
           <p:nvSpPr>
-            <p:cNvPr id="407" name="Rectangle"/>
+            <p:cNvPr id="410" name="Rectangle"/>
             <p:cNvSpPr/>
             <p:nvPr/>
           </p:nvSpPr>
@@ -20289,7 +20404,7 @@
         </p:sp>
         <p:sp>
           <p:nvSpPr>
-            <p:cNvPr id="408" name="github.com"/>
+            <p:cNvPr id="411" name="github.com"/>
             <p:cNvSpPr txBox="1"/>
             <p:nvPr/>
           </p:nvSpPr>
@@ -20341,7 +20456,7 @@
       </p:grpSp>
       <p:grpSp>
         <p:nvGrpSpPr>
-          <p:cNvPr id="412" name="Group"/>
+          <p:cNvPr id="415" name="Group"/>
           <p:cNvGrpSpPr/>
           <p:nvPr/>
         </p:nvGrpSpPr>
@@ -20355,7 +20470,7 @@
         </p:grpSpPr>
         <p:sp>
           <p:nvSpPr>
-            <p:cNvPr id="410" name="Rectangle"/>
+            <p:cNvPr id="413" name="Rectangle"/>
             <p:cNvSpPr/>
             <p:nvPr/>
           </p:nvSpPr>
@@ -20404,7 +20519,7 @@
         </p:sp>
         <p:sp>
           <p:nvSpPr>
-            <p:cNvPr id="411" name="user2"/>
+            <p:cNvPr id="414" name="user2"/>
             <p:cNvSpPr txBox="1"/>
             <p:nvPr/>
           </p:nvSpPr>
@@ -20456,7 +20571,7 @@
       </p:grpSp>
       <p:grpSp>
         <p:nvGrpSpPr>
-          <p:cNvPr id="415" name="Group"/>
+          <p:cNvPr id="418" name="Group"/>
           <p:cNvGrpSpPr/>
           <p:nvPr/>
         </p:nvGrpSpPr>
@@ -20470,7 +20585,7 @@
         </p:grpSpPr>
         <p:sp>
           <p:nvSpPr>
-            <p:cNvPr id="413" name="Rectangle"/>
+            <p:cNvPr id="416" name="Rectangle"/>
             <p:cNvSpPr/>
             <p:nvPr/>
           </p:nvSpPr>
@@ -20519,7 +20634,7 @@
         </p:sp>
         <p:sp>
           <p:nvSpPr>
-            <p:cNvPr id="414" name="pkg1"/>
+            <p:cNvPr id="417" name="pkg1"/>
             <p:cNvSpPr txBox="1"/>
             <p:nvPr/>
           </p:nvSpPr>
@@ -20571,7 +20686,7 @@
       </p:grpSp>
       <p:grpSp>
         <p:nvGrpSpPr>
-          <p:cNvPr id="418" name="Group"/>
+          <p:cNvPr id="421" name="Group"/>
           <p:cNvGrpSpPr/>
           <p:nvPr/>
         </p:nvGrpSpPr>
@@ -20585,7 +20700,7 @@
         </p:grpSpPr>
         <p:sp>
           <p:nvSpPr>
-            <p:cNvPr id="416" name="Rectangle"/>
+            <p:cNvPr id="419" name="Rectangle"/>
             <p:cNvSpPr/>
             <p:nvPr/>
           </p:nvSpPr>
@@ -20634,7 +20749,7 @@
         </p:sp>
         <p:sp>
           <p:nvSpPr>
-            <p:cNvPr id="417" name="subpkg.a"/>
+            <p:cNvPr id="420" name="subpkg.a"/>
             <p:cNvSpPr txBox="1"/>
             <p:nvPr/>
           </p:nvSpPr>
@@ -20686,7 +20801,7 @@
       </p:grpSp>
       <p:grpSp>
         <p:nvGrpSpPr>
-          <p:cNvPr id="421" name="Group"/>
+          <p:cNvPr id="424" name="Group"/>
           <p:cNvGrpSpPr/>
           <p:nvPr/>
         </p:nvGrpSpPr>
@@ -20700,7 +20815,7 @@
         </p:grpSpPr>
         <p:sp>
           <p:nvSpPr>
-            <p:cNvPr id="419" name="Rectangle"/>
+            <p:cNvPr id="422" name="Rectangle"/>
             <p:cNvSpPr/>
             <p:nvPr/>
           </p:nvSpPr>
@@ -20749,7 +20864,7 @@
         </p:sp>
         <p:sp>
           <p:nvSpPr>
-            <p:cNvPr id="420" name="file.go"/>
+            <p:cNvPr id="423" name="file.go"/>
             <p:cNvSpPr/>
             <p:nvPr/>
           </p:nvSpPr>
@@ -20801,7 +20916,7 @@
       </p:grpSp>
       <p:pic>
         <p:nvPicPr>
-          <p:cNvPr id="422" name="Line Line" descr="Line Line"/>
+          <p:cNvPr id="425" name="Line Line" descr="Line Line"/>
           <p:cNvPicPr>
             <a:picLocks noChangeAspect="0"/>
           </p:cNvPicPr>
@@ -20817,8 +20932,8 @@
         </p:blipFill>
         <p:spPr>
           <a:xfrm rot="16200000">
-            <a:off x="10817749" y="3822699"/>
-            <a:ext cx="1969031" cy="177801"/>
+            <a:off x="10817748" y="3822700"/>
+            <a:ext cx="1969032" cy="177801"/>
           </a:xfrm>
           <a:prstGeom prst="rect">
             <a:avLst/>
@@ -20827,7 +20942,7 @@
       </p:pic>
       <p:pic>
         <p:nvPicPr>
-          <p:cNvPr id="424" name="Line Line" descr="Line Line"/>
+          <p:cNvPr id="427" name="Line Line" descr="Line Line"/>
           <p:cNvPicPr>
             <a:picLocks noChangeAspect="0"/>
           </p:cNvPicPr>
@@ -20843,7 +20958,7 @@
         </p:blipFill>
         <p:spPr>
           <a:xfrm rot="16200000">
-            <a:off x="7805016" y="3822699"/>
+            <a:off x="7805015" y="3822700"/>
             <a:ext cx="1969031" cy="177801"/>
           </a:xfrm>
           <a:prstGeom prst="rect">
@@ -20853,7 +20968,7 @@
       </p:pic>
       <p:pic>
         <p:nvPicPr>
-          <p:cNvPr id="426" name="Line Line" descr="Line Line"/>
+          <p:cNvPr id="429" name="Line Line" descr="Line Line"/>
           <p:cNvPicPr>
             <a:picLocks noChangeAspect="0"/>
           </p:cNvPicPr>
@@ -20879,7 +20994,7 @@
       </p:pic>
       <p:pic>
         <p:nvPicPr>
-          <p:cNvPr id="428" name="Line Line" descr="Line Line"/>
+          <p:cNvPr id="431" name="Line Line" descr="Line Line"/>
           <p:cNvPicPr>
             <a:picLocks noChangeAspect="0"/>
           </p:cNvPicPr>
@@ -20905,7 +21020,7 @@
       </p:pic>
       <p:pic>
         <p:nvPicPr>
-          <p:cNvPr id="430" name="Line Line" descr="Line Line"/>
+          <p:cNvPr id="433" name="Line Line" descr="Line Line"/>
           <p:cNvPicPr>
             <a:picLocks noChangeAspect="0"/>
           </p:cNvPicPr>
@@ -20931,7 +21046,7 @@
       </p:pic>
       <p:pic>
         <p:nvPicPr>
-          <p:cNvPr id="432" name="Line Line" descr="Line Line"/>
+          <p:cNvPr id="435" name="Line Line" descr="Line Line"/>
           <p:cNvPicPr>
             <a:picLocks noChangeAspect="0"/>
           </p:cNvPicPr>
@@ -20957,7 +21072,7 @@
       </p:pic>
       <p:pic>
         <p:nvPicPr>
-          <p:cNvPr id="434" name="Line Line" descr="Line Line"/>
+          <p:cNvPr id="437" name="Line Line" descr="Line Line"/>
           <p:cNvPicPr>
             <a:picLocks noChangeAspect="0"/>
           </p:cNvPicPr>
@@ -20983,7 +21098,7 @@
       </p:pic>
       <p:pic>
         <p:nvPicPr>
-          <p:cNvPr id="436" name="Line Line" descr="Line Line"/>
+          <p:cNvPr id="439" name="Line Line" descr="Line Line"/>
           <p:cNvPicPr>
             <a:picLocks noChangeAspect="0"/>
           </p:cNvPicPr>
@@ -21009,7 +21124,7 @@
       </p:pic>
       <p:pic>
         <p:nvPicPr>
-          <p:cNvPr id="438" name="Line Line" descr="Line Line"/>
+          <p:cNvPr id="441" name="Line Line" descr="Line Line"/>
           <p:cNvPicPr>
             <a:picLocks noChangeAspect="0"/>
           </p:cNvPicPr>
@@ -21035,7 +21150,7 @@
       </p:pic>
       <p:pic>
         <p:nvPicPr>
-          <p:cNvPr id="440" name="Line Line" descr="Line Line"/>
+          <p:cNvPr id="443" name="Line Line" descr="Line Line"/>
           <p:cNvPicPr>
             <a:picLocks noChangeAspect="0"/>
           </p:cNvPicPr>
@@ -21061,7 +21176,7 @@
       </p:pic>
       <p:pic>
         <p:nvPicPr>
-          <p:cNvPr id="442" name="Line Line" descr="Line Line"/>
+          <p:cNvPr id="445" name="Line Line" descr="Line Line"/>
           <p:cNvPicPr>
             <a:picLocks noChangeAspect="0"/>
           </p:cNvPicPr>
@@ -21087,7 +21202,7 @@
       </p:pic>
       <p:pic>
         <p:nvPicPr>
-          <p:cNvPr id="444" name="Line Line" descr="Line Line"/>
+          <p:cNvPr id="447" name="Line Line" descr="Line Line"/>
           <p:cNvPicPr>
             <a:picLocks noChangeAspect="0"/>
           </p:cNvPicPr>
@@ -21113,7 +21228,7 @@
       </p:pic>
       <p:pic>
         <p:nvPicPr>
-          <p:cNvPr id="446" name="Line Line" descr="Line Line"/>
+          <p:cNvPr id="449" name="Line Line" descr="Line Line"/>
           <p:cNvPicPr>
             <a:picLocks noChangeAspect="0"/>
           </p:cNvPicPr>
@@ -21139,7 +21254,7 @@
       </p:pic>
       <p:pic>
         <p:nvPicPr>
-          <p:cNvPr id="448" name="Line Line" descr="Line Line"/>
+          <p:cNvPr id="451" name="Line Line" descr="Line Line"/>
           <p:cNvPicPr>
             <a:picLocks noChangeAspect="0"/>
           </p:cNvPicPr>
@@ -21165,7 +21280,7 @@
       </p:pic>
       <p:pic>
         <p:nvPicPr>
-          <p:cNvPr id="450" name="Line Line" descr="Line Line"/>
+          <p:cNvPr id="453" name="Line Line" descr="Line Line"/>
           <p:cNvPicPr>
             <a:picLocks noChangeAspect="0"/>
           </p:cNvPicPr>
@@ -21191,7 +21306,7 @@
       </p:pic>
       <p:pic>
         <p:nvPicPr>
-          <p:cNvPr id="452" name="Line Line" descr="Line Line"/>
+          <p:cNvPr id="455" name="Line Line" descr="Line Line"/>
           <p:cNvPicPr>
             <a:picLocks noChangeAspect="0"/>
           </p:cNvPicPr>
@@ -21217,7 +21332,7 @@
       </p:pic>
       <p:pic>
         <p:nvPicPr>
-          <p:cNvPr id="454" name="Line Line" descr="Line Line"/>
+          <p:cNvPr id="457" name="Line Line" descr="Line Line"/>
           <p:cNvPicPr>
             <a:picLocks noChangeAspect="0"/>
           </p:cNvPicPr>
@@ -21243,7 +21358,7 @@
       </p:pic>
       <p:pic>
         <p:nvPicPr>
-          <p:cNvPr id="456" name="Line Line" descr="Line Line"/>
+          <p:cNvPr id="459" name="Line Line" descr="Line Line"/>
           <p:cNvPicPr>
             <a:picLocks noChangeAspect="0"/>
           </p:cNvPicPr>
@@ -21269,7 +21384,7 @@
       </p:pic>
       <p:pic>
         <p:nvPicPr>
-          <p:cNvPr id="458" name="Line Line" descr="Line Line"/>
+          <p:cNvPr id="461" name="Line Line" descr="Line Line"/>
           <p:cNvPicPr>
             <a:picLocks noChangeAspect="0"/>
           </p:cNvPicPr>
@@ -21295,7 +21410,7 @@
       </p:pic>
       <p:pic>
         <p:nvPicPr>
-          <p:cNvPr id="460" name="Line Line" descr="Line Line"/>
+          <p:cNvPr id="463" name="Line Line" descr="Line Line"/>
           <p:cNvPicPr>
             <a:picLocks noChangeAspect="0"/>
           </p:cNvPicPr>
@@ -21321,7 +21436,7 @@
       </p:pic>
       <p:pic>
         <p:nvPicPr>
-          <p:cNvPr id="462" name="Line Line" descr="Line Line"/>
+          <p:cNvPr id="465" name="Line Line" descr="Line Line"/>
           <p:cNvPicPr>
             <a:picLocks noChangeAspect="0"/>
           </p:cNvPicPr>
@@ -21347,7 +21462,7 @@
       </p:pic>
       <p:pic>
         <p:nvPicPr>
-          <p:cNvPr id="464" name="Line Line" descr="Line Line"/>
+          <p:cNvPr id="467" name="Line Line" descr="Line Line"/>
           <p:cNvPicPr>
             <a:picLocks noChangeAspect="0"/>
           </p:cNvPicPr>
@@ -21373,7 +21488,7 @@
       </p:pic>
       <p:pic>
         <p:nvPicPr>
-          <p:cNvPr id="466" name="Line Line" descr="Line Line"/>
+          <p:cNvPr id="469" name="Line Line" descr="Line Line"/>
           <p:cNvPicPr>
             <a:picLocks noChangeAspect="0"/>
           </p:cNvPicPr>
@@ -21399,7 +21514,7 @@
       </p:pic>
       <p:pic>
         <p:nvPicPr>
-          <p:cNvPr id="468" name="Line Line" descr="Line Line"/>
+          <p:cNvPr id="471" name="Line Line" descr="Line Line"/>
           <p:cNvPicPr>
             <a:picLocks noChangeAspect="0"/>
           </p:cNvPicPr>
@@ -21425,7 +21540,7 @@
       </p:pic>
       <p:pic>
         <p:nvPicPr>
-          <p:cNvPr id="470" name="Line Line" descr="Line Line"/>
+          <p:cNvPr id="473" name="Line Line" descr="Line Line"/>
           <p:cNvPicPr>
             <a:picLocks noChangeAspect="0"/>
           </p:cNvPicPr>
@@ -21451,7 +21566,7 @@
       </p:pic>
       <p:pic>
         <p:nvPicPr>
-          <p:cNvPr id="472" name="Line Line" descr="Line Line"/>
+          <p:cNvPr id="475" name="Line Line" descr="Line Line"/>
           <p:cNvPicPr>
             <a:picLocks noChangeAspect="0"/>
           </p:cNvPicPr>
@@ -21477,7 +21592,7 @@
       </p:pic>
       <p:pic>
         <p:nvPicPr>
-          <p:cNvPr id="474" name="Line Line" descr="Line Line"/>
+          <p:cNvPr id="477" name="Line Line" descr="Line Line"/>
           <p:cNvPicPr>
             <a:picLocks noChangeAspect="0"/>
           </p:cNvPicPr>
@@ -21503,7 +21618,7 @@
       </p:pic>
       <p:pic>
         <p:nvPicPr>
-          <p:cNvPr id="476" name="Line Line" descr="Line Line"/>
+          <p:cNvPr id="479" name="Line Line" descr="Line Line"/>
           <p:cNvPicPr>
             <a:picLocks noChangeAspect="0"/>
           </p:cNvPicPr>
@@ -21529,7 +21644,7 @@
       </p:pic>
       <p:pic>
         <p:nvPicPr>
-          <p:cNvPr id="478" name="Line Line" descr="Line Line"/>
+          <p:cNvPr id="481" name="Line Line" descr="Line Line"/>
           <p:cNvPicPr>
             <a:picLocks noChangeAspect="0"/>
           </p:cNvPicPr>
@@ -21555,7 +21670,7 @@
       </p:pic>
       <p:pic>
         <p:nvPicPr>
-          <p:cNvPr id="480" name="Line Line" descr="Line Line"/>
+          <p:cNvPr id="483" name="Line Line" descr="Line Line"/>
           <p:cNvPicPr>
             <a:picLocks noChangeAspect="0"/>
           </p:cNvPicPr>
@@ -21581,7 +21696,7 @@
       </p:pic>
       <p:pic>
         <p:nvPicPr>
-          <p:cNvPr id="482" name="Line Line" descr="Line Line"/>
+          <p:cNvPr id="485" name="Line Line" descr="Line Line"/>
           <p:cNvPicPr>
             <a:picLocks noChangeAspect="0"/>
           </p:cNvPicPr>
@@ -21607,7 +21722,7 @@
       </p:pic>
       <p:pic>
         <p:nvPicPr>
-          <p:cNvPr id="484" name="Line Line" descr="Line Line"/>
+          <p:cNvPr id="487" name="Line Line" descr="Line Line"/>
           <p:cNvPicPr>
             <a:picLocks noChangeAspect="0"/>
           </p:cNvPicPr>
@@ -21633,7 +21748,7 @@
       </p:pic>
       <p:pic>
         <p:nvPicPr>
-          <p:cNvPr id="486" name="Line Line" descr="Line Line"/>
+          <p:cNvPr id="489" name="Line Line" descr="Line Line"/>
           <p:cNvPicPr>
             <a:picLocks noChangeAspect="0"/>
           </p:cNvPicPr>
@@ -21659,7 +21774,7 @@
       </p:pic>
       <p:pic>
         <p:nvPicPr>
-          <p:cNvPr id="488" name="Line Line" descr="Line Line"/>
+          <p:cNvPr id="491" name="Line Line" descr="Line Line"/>
           <p:cNvPicPr>
             <a:picLocks noChangeAspect="0"/>
           </p:cNvPicPr>
@@ -21685,7 +21800,7 @@
       </p:pic>
       <p:pic>
         <p:nvPicPr>
-          <p:cNvPr id="490" name="Line Line" descr="Line Line"/>
+          <p:cNvPr id="493" name="Line Line" descr="Line Line"/>
           <p:cNvPicPr>
             <a:picLocks noChangeAspect="0"/>
           </p:cNvPicPr>
@@ -21711,7 +21826,7 @@
       </p:pic>
       <p:pic>
         <p:nvPicPr>
-          <p:cNvPr id="492" name="Line Line" descr="Line Line"/>
+          <p:cNvPr id="495" name="Line Line" descr="Line Line"/>
           <p:cNvPicPr>
             <a:picLocks noChangeAspect="0"/>
           </p:cNvPicPr>
@@ -21742,7 +21857,7 @@
   </p:clrMapOvr>
   <mc:AlternateContent xmlns:mc="http://schemas.openxmlformats.org/markup-compatibility/2006">
     <mc:Choice xmlns:p14="http://schemas.microsoft.com/office/powerpoint/2010/main" Requires="p14">
-      <p:transition spd="fast" advClick="1" p14:dur="700">
+      <p:transition spd="fast" advClick="1" p14:dur="699">
         <p:push dir="u"/>
       </p:transition>
     </mc:Choice>
@@ -21788,7 +21903,7 @@
                                       <p:cBhvr>
                                         <p:cTn id="6" fill="hold"/>
                                         <p:tgtEl>
-                                          <p:spTgt spid="343"/>
+                                          <p:spTgt spid="346"/>
                                         </p:tgtEl>
                                         <p:attrNameLst>
                                           <p:attrName>style.visibility</p:attrName>
@@ -21802,7 +21917,7 @@
                                       <p:cBhvr>
                                         <p:cTn id="7" dur="500" fill="hold"/>
                                         <p:tgtEl>
-                                          <p:spTgt spid="343"/>
+                                          <p:spTgt spid="346"/>
                                         </p:tgtEl>
                                         <p:attrNameLst>
                                           <p:attrName>ppt_w</p:attrName>
@@ -21825,7 +21940,7 @@
                                       <p:cBhvr>
                                         <p:cTn id="8" dur="500" fill="hold"/>
                                         <p:tgtEl>
-                                          <p:spTgt spid="343"/>
+                                          <p:spTgt spid="346"/>
                                         </p:tgtEl>
                                         <p:attrNameLst>
                                           <p:attrName>ppt_h</p:attrName>
@@ -21869,7 +21984,7 @@
                                       <p:cBhvr>
                                         <p:cTn id="11" fill="hold"/>
                                         <p:tgtEl>
-                                          <p:spTgt spid="346"/>
+                                          <p:spTgt spid="349"/>
                                         </p:tgtEl>
                                         <p:attrNameLst>
                                           <p:attrName>style.visibility</p:attrName>
@@ -21883,7 +21998,7 @@
                                       <p:cBhvr>
                                         <p:cTn id="12" dur="400" fill="hold"/>
                                         <p:tgtEl>
-                                          <p:spTgt spid="346"/>
+                                          <p:spTgt spid="349"/>
                                         </p:tgtEl>
                                         <p:attrNameLst>
                                           <p:attrName>ppt_w</p:attrName>
@@ -21906,7 +22021,7 @@
                                       <p:cBhvr>
                                         <p:cTn id="13" dur="400" fill="hold"/>
                                         <p:tgtEl>
-                                          <p:spTgt spid="346"/>
+                                          <p:spTgt spid="349"/>
                                         </p:tgtEl>
                                         <p:attrNameLst>
                                           <p:attrName>ppt_h</p:attrName>
@@ -21950,7 +22065,7 @@
                                       <p:cBhvr>
                                         <p:cTn id="16" fill="hold"/>
                                         <p:tgtEl>
-                                          <p:spTgt spid="349"/>
+                                          <p:spTgt spid="352"/>
                                         </p:tgtEl>
                                         <p:attrNameLst>
                                           <p:attrName>style.visibility</p:attrName>
@@ -21964,7 +22079,7 @@
                                       <p:cBhvr>
                                         <p:cTn id="17" dur="400" fill="hold"/>
                                         <p:tgtEl>
-                                          <p:spTgt spid="349"/>
+                                          <p:spTgt spid="352"/>
                                         </p:tgtEl>
                                         <p:attrNameLst>
                                           <p:attrName>ppt_w</p:attrName>
@@ -21987,7 +22102,7 @@
                                       <p:cBhvr>
                                         <p:cTn id="18" dur="400" fill="hold"/>
                                         <p:tgtEl>
-                                          <p:spTgt spid="349"/>
+                                          <p:spTgt spid="352"/>
                                         </p:tgtEl>
                                         <p:attrNameLst>
                                           <p:attrName>ppt_h</p:attrName>
@@ -22031,7 +22146,7 @@
                                       <p:cBhvr>
                                         <p:cTn id="21" fill="hold"/>
                                         <p:tgtEl>
-                                          <p:spTgt spid="352"/>
+                                          <p:spTgt spid="355"/>
                                         </p:tgtEl>
                                         <p:attrNameLst>
                                           <p:attrName>style.visibility</p:attrName>
@@ -22045,7 +22160,7 @@
                                       <p:cBhvr>
                                         <p:cTn id="22" dur="400" fill="hold"/>
                                         <p:tgtEl>
-                                          <p:spTgt spid="352"/>
+                                          <p:spTgt spid="355"/>
                                         </p:tgtEl>
                                         <p:attrNameLst>
                                           <p:attrName>ppt_w</p:attrName>
@@ -22068,7 +22183,7 @@
                                       <p:cBhvr>
                                         <p:cTn id="23" dur="400" fill="hold"/>
                                         <p:tgtEl>
-                                          <p:spTgt spid="352"/>
+                                          <p:spTgt spid="355"/>
                                         </p:tgtEl>
                                         <p:attrNameLst>
                                           <p:attrName>ppt_h</p:attrName>
@@ -22112,7 +22227,7 @@
                                       <p:cBhvr>
                                         <p:cTn id="26" fill="hold"/>
                                         <p:tgtEl>
-                                          <p:spTgt spid="426"/>
+                                          <p:spTgt spid="429"/>
                                         </p:tgtEl>
                                         <p:attrNameLst>
                                           <p:attrName>style.visibility</p:attrName>
@@ -22126,7 +22241,7 @@
                                       <p:cBhvr>
                                         <p:cTn id="27" dur="300"/>
                                         <p:tgtEl>
-                                          <p:spTgt spid="426"/>
+                                          <p:spTgt spid="429"/>
                                         </p:tgtEl>
                                       </p:cBhvr>
                                     </p:animEffect>
@@ -22155,7 +22270,7 @@
                                       <p:cBhvr>
                                         <p:cTn id="30" fill="hold"/>
                                         <p:tgtEl>
-                                          <p:spTgt spid="422"/>
+                                          <p:spTgt spid="425"/>
                                         </p:tgtEl>
                                         <p:attrNameLst>
                                           <p:attrName>style.visibility</p:attrName>
@@ -22169,7 +22284,7 @@
                                       <p:cBhvr>
                                         <p:cTn id="31" dur="300"/>
                                         <p:tgtEl>
-                                          <p:spTgt spid="422"/>
+                                          <p:spTgt spid="425"/>
                                         </p:tgtEl>
                                       </p:cBhvr>
                                     </p:animEffect>
@@ -22198,7 +22313,7 @@
                                       <p:cBhvr>
                                         <p:cTn id="34" fill="hold"/>
                                         <p:tgtEl>
-                                          <p:spTgt spid="424"/>
+                                          <p:spTgt spid="427"/>
                                         </p:tgtEl>
                                         <p:attrNameLst>
                                           <p:attrName>style.visibility</p:attrName>
@@ -22212,7 +22327,7 @@
                                       <p:cBhvr>
                                         <p:cTn id="35" dur="300"/>
                                         <p:tgtEl>
-                                          <p:spTgt spid="424"/>
+                                          <p:spTgt spid="427"/>
                                         </p:tgtEl>
                                       </p:cBhvr>
                                     </p:animEffect>
@@ -22241,7 +22356,7 @@
                                       <p:cBhvr>
                                         <p:cTn id="38" fill="hold"/>
                                         <p:tgtEl>
-                                          <p:spTgt spid="430"/>
+                                          <p:spTgt spid="433"/>
                                         </p:tgtEl>
                                         <p:attrNameLst>
                                           <p:attrName>style.visibility</p:attrName>
@@ -22255,7 +22370,7 @@
                                       <p:cBhvr>
                                         <p:cTn id="39" dur="300"/>
                                         <p:tgtEl>
-                                          <p:spTgt spid="430"/>
+                                          <p:spTgt spid="433"/>
                                         </p:tgtEl>
                                       </p:cBhvr>
                                     </p:animEffect>
@@ -22284,7 +22399,7 @@
                                       <p:cBhvr>
                                         <p:cTn id="42" fill="hold"/>
                                         <p:tgtEl>
-                                          <p:spTgt spid="428"/>
+                                          <p:spTgt spid="431"/>
                                         </p:tgtEl>
                                         <p:attrNameLst>
                                           <p:attrName>style.visibility</p:attrName>
@@ -22298,7 +22413,7 @@
                                       <p:cBhvr>
                                         <p:cTn id="43" dur="300"/>
                                         <p:tgtEl>
-                                          <p:spTgt spid="428"/>
+                                          <p:spTgt spid="431"/>
                                         </p:tgtEl>
                                       </p:cBhvr>
                                     </p:animEffect>
@@ -22327,7 +22442,7 @@
                                       <p:cBhvr>
                                         <p:cTn id="46" fill="hold"/>
                                         <p:tgtEl>
-                                          <p:spTgt spid="432"/>
+                                          <p:spTgt spid="435"/>
                                         </p:tgtEl>
                                         <p:attrNameLst>
                                           <p:attrName>style.visibility</p:attrName>
@@ -22341,7 +22456,7 @@
                                       <p:cBhvr>
                                         <p:cTn id="47" dur="300"/>
                                         <p:tgtEl>
-                                          <p:spTgt spid="432"/>
+                                          <p:spTgt spid="435"/>
                                         </p:tgtEl>
                                       </p:cBhvr>
                                     </p:animEffect>
@@ -22370,7 +22485,7 @@
                                       <p:cBhvr>
                                         <p:cTn id="50" fill="hold"/>
                                         <p:tgtEl>
-                                          <p:spTgt spid="434"/>
+                                          <p:spTgt spid="437"/>
                                         </p:tgtEl>
                                         <p:attrNameLst>
                                           <p:attrName>style.visibility</p:attrName>
@@ -22384,7 +22499,7 @@
                                       <p:cBhvr>
                                         <p:cTn id="51" dur="300"/>
                                         <p:tgtEl>
-                                          <p:spTgt spid="434"/>
+                                          <p:spTgt spid="437"/>
                                         </p:tgtEl>
                                       </p:cBhvr>
                                     </p:animEffect>
@@ -22413,7 +22528,7 @@
                                       <p:cBhvr>
                                         <p:cTn id="54" fill="hold"/>
                                         <p:tgtEl>
-                                          <p:spTgt spid="436"/>
+                                          <p:spTgt spid="439"/>
                                         </p:tgtEl>
                                         <p:attrNameLst>
                                           <p:attrName>style.visibility</p:attrName>
@@ -22427,7 +22542,7 @@
                                       <p:cBhvr>
                                         <p:cTn id="55" dur="300"/>
                                         <p:tgtEl>
-                                          <p:spTgt spid="436"/>
+                                          <p:spTgt spid="439"/>
                                         </p:tgtEl>
                                       </p:cBhvr>
                                     </p:animEffect>
@@ -22465,7 +22580,7 @@
                                       <p:cBhvr>
                                         <p:cTn id="59" fill="hold"/>
                                         <p:tgtEl>
-                                          <p:spTgt spid="367"/>
+                                          <p:spTgt spid="370"/>
                                         </p:tgtEl>
                                         <p:attrNameLst>
                                           <p:attrName>style.visibility</p:attrName>
@@ -22479,7 +22594,7 @@
                                       <p:cBhvr>
                                         <p:cTn id="60" dur="400" fill="hold"/>
                                         <p:tgtEl>
-                                          <p:spTgt spid="367"/>
+                                          <p:spTgt spid="370"/>
                                         </p:tgtEl>
                                         <p:attrNameLst>
                                           <p:attrName>ppt_w</p:attrName>
@@ -22502,7 +22617,7 @@
                                       <p:cBhvr>
                                         <p:cTn id="61" dur="400" fill="hold"/>
                                         <p:tgtEl>
-                                          <p:spTgt spid="367"/>
+                                          <p:spTgt spid="370"/>
                                         </p:tgtEl>
                                         <p:attrNameLst>
                                           <p:attrName>ppt_h</p:attrName>
@@ -22546,7 +22661,7 @@
                                       <p:cBhvr>
                                         <p:cTn id="64" fill="hold"/>
                                         <p:tgtEl>
-                                          <p:spTgt spid="403"/>
+                                          <p:spTgt spid="406"/>
                                         </p:tgtEl>
                                         <p:attrNameLst>
                                           <p:attrName>style.visibility</p:attrName>
@@ -22560,7 +22675,7 @@
                                       <p:cBhvr>
                                         <p:cTn id="65" dur="400" fill="hold"/>
                                         <p:tgtEl>
-                                          <p:spTgt spid="403"/>
+                                          <p:spTgt spid="406"/>
                                         </p:tgtEl>
                                         <p:attrNameLst>
                                           <p:attrName>ppt_w</p:attrName>
@@ -22583,7 +22698,7 @@
                                       <p:cBhvr>
                                         <p:cTn id="66" dur="400" fill="hold"/>
                                         <p:tgtEl>
-                                          <p:spTgt spid="403"/>
+                                          <p:spTgt spid="406"/>
                                         </p:tgtEl>
                                         <p:attrNameLst>
                                           <p:attrName>ppt_h</p:attrName>
@@ -22627,7 +22742,7 @@
                                       <p:cBhvr>
                                         <p:cTn id="69" fill="hold"/>
                                         <p:tgtEl>
-                                          <p:spTgt spid="406"/>
+                                          <p:spTgt spid="409"/>
                                         </p:tgtEl>
                                         <p:attrNameLst>
                                           <p:attrName>style.visibility</p:attrName>
@@ -22641,7 +22756,7 @@
                                       <p:cBhvr>
                                         <p:cTn id="70" dur="400" fill="hold"/>
                                         <p:tgtEl>
-                                          <p:spTgt spid="406"/>
+                                          <p:spTgt spid="409"/>
                                         </p:tgtEl>
                                         <p:attrNameLst>
                                           <p:attrName>ppt_w</p:attrName>
@@ -22664,7 +22779,7 @@
                                       <p:cBhvr>
                                         <p:cTn id="71" dur="400" fill="hold"/>
                                         <p:tgtEl>
-                                          <p:spTgt spid="406"/>
+                                          <p:spTgt spid="409"/>
                                         </p:tgtEl>
                                         <p:attrNameLst>
                                           <p:attrName>ppt_h</p:attrName>
@@ -22708,7 +22823,7 @@
                                       <p:cBhvr>
                                         <p:cTn id="74" fill="hold"/>
                                         <p:tgtEl>
-                                          <p:spTgt spid="376"/>
+                                          <p:spTgt spid="379"/>
                                         </p:tgtEl>
                                         <p:attrNameLst>
                                           <p:attrName>style.visibility</p:attrName>
@@ -22722,7 +22837,7 @@
                                       <p:cBhvr>
                                         <p:cTn id="75" dur="400" fill="hold"/>
                                         <p:tgtEl>
-                                          <p:spTgt spid="376"/>
+                                          <p:spTgt spid="379"/>
                                         </p:tgtEl>
                                         <p:attrNameLst>
                                           <p:attrName>ppt_w</p:attrName>
@@ -22745,7 +22860,7 @@
                                       <p:cBhvr>
                                         <p:cTn id="76" dur="400" fill="hold"/>
                                         <p:tgtEl>
-                                          <p:spTgt spid="376"/>
+                                          <p:spTgt spid="379"/>
                                         </p:tgtEl>
                                         <p:attrNameLst>
                                           <p:attrName>ppt_h</p:attrName>
@@ -22789,7 +22904,7 @@
                                       <p:cBhvr>
                                         <p:cTn id="79" fill="hold"/>
                                         <p:tgtEl>
-                                          <p:spTgt spid="385"/>
+                                          <p:spTgt spid="388"/>
                                         </p:tgtEl>
                                         <p:attrNameLst>
                                           <p:attrName>style.visibility</p:attrName>
@@ -22803,7 +22918,7 @@
                                       <p:cBhvr>
                                         <p:cTn id="80" dur="400" fill="hold"/>
                                         <p:tgtEl>
-                                          <p:spTgt spid="385"/>
+                                          <p:spTgt spid="388"/>
                                         </p:tgtEl>
                                         <p:attrNameLst>
                                           <p:attrName>ppt_w</p:attrName>
@@ -22826,7 +22941,7 @@
                                       <p:cBhvr>
                                         <p:cTn id="81" dur="400" fill="hold"/>
                                         <p:tgtEl>
-                                          <p:spTgt spid="385"/>
+                                          <p:spTgt spid="388"/>
                                         </p:tgtEl>
                                         <p:attrNameLst>
                                           <p:attrName>ppt_h</p:attrName>
@@ -22870,7 +22985,7 @@
                                       <p:cBhvr>
                                         <p:cTn id="84" fill="hold"/>
                                         <p:tgtEl>
-                                          <p:spTgt spid="370"/>
+                                          <p:spTgt spid="373"/>
                                         </p:tgtEl>
                                         <p:attrNameLst>
                                           <p:attrName>style.visibility</p:attrName>
@@ -22884,7 +22999,7 @@
                                       <p:cBhvr>
                                         <p:cTn id="85" dur="400" fill="hold"/>
                                         <p:tgtEl>
-                                          <p:spTgt spid="370"/>
+                                          <p:spTgt spid="373"/>
                                         </p:tgtEl>
                                         <p:attrNameLst>
                                           <p:attrName>ppt_w</p:attrName>
@@ -22907,7 +23022,7 @@
                                       <p:cBhvr>
                                         <p:cTn id="86" dur="400" fill="hold"/>
                                         <p:tgtEl>
-                                          <p:spTgt spid="370"/>
+                                          <p:spTgt spid="373"/>
                                         </p:tgtEl>
                                         <p:attrNameLst>
                                           <p:attrName>ppt_h</p:attrName>
@@ -22951,7 +23066,7 @@
                                       <p:cBhvr>
                                         <p:cTn id="89" fill="hold"/>
                                         <p:tgtEl>
-                                          <p:spTgt spid="373"/>
+                                          <p:spTgt spid="376"/>
                                         </p:tgtEl>
                                         <p:attrNameLst>
                                           <p:attrName>style.visibility</p:attrName>
@@ -22965,7 +23080,7 @@
                                       <p:cBhvr>
                                         <p:cTn id="90" dur="400" fill="hold"/>
                                         <p:tgtEl>
-                                          <p:spTgt spid="373"/>
+                                          <p:spTgt spid="376"/>
                                         </p:tgtEl>
                                         <p:attrNameLst>
                                           <p:attrName>ppt_w</p:attrName>
@@ -22988,7 +23103,7 @@
                                       <p:cBhvr>
                                         <p:cTn id="91" dur="400" fill="hold"/>
                                         <p:tgtEl>
-                                          <p:spTgt spid="373"/>
+                                          <p:spTgt spid="376"/>
                                         </p:tgtEl>
                                         <p:attrNameLst>
                                           <p:attrName>ppt_h</p:attrName>
@@ -23032,7 +23147,7 @@
                                       <p:cBhvr>
                                         <p:cTn id="94" fill="hold"/>
                                         <p:tgtEl>
-                                          <p:spTgt spid="379"/>
+                                          <p:spTgt spid="382"/>
                                         </p:tgtEl>
                                         <p:attrNameLst>
                                           <p:attrName>style.visibility</p:attrName>
@@ -23046,7 +23161,7 @@
                                       <p:cBhvr>
                                         <p:cTn id="95" dur="400" fill="hold"/>
                                         <p:tgtEl>
-                                          <p:spTgt spid="379"/>
+                                          <p:spTgt spid="382"/>
                                         </p:tgtEl>
                                         <p:attrNameLst>
                                           <p:attrName>ppt_w</p:attrName>
@@ -23069,7 +23184,7 @@
                                       <p:cBhvr>
                                         <p:cTn id="96" dur="400" fill="hold"/>
                                         <p:tgtEl>
-                                          <p:spTgt spid="379"/>
+                                          <p:spTgt spid="382"/>
                                         </p:tgtEl>
                                         <p:attrNameLst>
                                           <p:attrName>ppt_h</p:attrName>
@@ -23113,7 +23228,7 @@
                                       <p:cBhvr>
                                         <p:cTn id="99" fill="hold"/>
                                         <p:tgtEl>
-                                          <p:spTgt spid="421"/>
+                                          <p:spTgt spid="424"/>
                                         </p:tgtEl>
                                         <p:attrNameLst>
                                           <p:attrName>style.visibility</p:attrName>
@@ -23127,7 +23242,7 @@
                                       <p:cBhvr>
                                         <p:cTn id="100" dur="400" fill="hold"/>
                                         <p:tgtEl>
-                                          <p:spTgt spid="421"/>
+                                          <p:spTgt spid="424"/>
                                         </p:tgtEl>
                                         <p:attrNameLst>
                                           <p:attrName>ppt_w</p:attrName>
@@ -23150,7 +23265,7 @@
                                       <p:cBhvr>
                                         <p:cTn id="101" dur="400" fill="hold"/>
                                         <p:tgtEl>
-                                          <p:spTgt spid="421"/>
+                                          <p:spTgt spid="424"/>
                                         </p:tgtEl>
                                         <p:attrNameLst>
                                           <p:attrName>ppt_h</p:attrName>
@@ -23194,7 +23309,7 @@
                                       <p:cBhvr>
                                         <p:cTn id="104" fill="hold"/>
                                         <p:tgtEl>
-                                          <p:spTgt spid="456"/>
+                                          <p:spTgt spid="459"/>
                                         </p:tgtEl>
                                         <p:attrNameLst>
                                           <p:attrName>style.visibility</p:attrName>
@@ -23208,7 +23323,7 @@
                                       <p:cBhvr>
                                         <p:cTn id="105" dur="300"/>
                                         <p:tgtEl>
-                                          <p:spTgt spid="456"/>
+                                          <p:spTgt spid="459"/>
                                         </p:tgtEl>
                                       </p:cBhvr>
                                     </p:animEffect>
@@ -23237,7 +23352,7 @@
                                       <p:cBhvr>
                                         <p:cTn id="108" fill="hold"/>
                                         <p:tgtEl>
-                                          <p:spTgt spid="452"/>
+                                          <p:spTgt spid="455"/>
                                         </p:tgtEl>
                                         <p:attrNameLst>
                                           <p:attrName>style.visibility</p:attrName>
@@ -23251,7 +23366,7 @@
                                       <p:cBhvr>
                                         <p:cTn id="109" dur="300"/>
                                         <p:tgtEl>
-                                          <p:spTgt spid="452"/>
+                                          <p:spTgt spid="455"/>
                                         </p:tgtEl>
                                       </p:cBhvr>
                                     </p:animEffect>
@@ -23280,7 +23395,7 @@
                                       <p:cBhvr>
                                         <p:cTn id="112" fill="hold"/>
                                         <p:tgtEl>
-                                          <p:spTgt spid="450"/>
+                                          <p:spTgt spid="453"/>
                                         </p:tgtEl>
                                         <p:attrNameLst>
                                           <p:attrName>style.visibility</p:attrName>
@@ -23294,7 +23409,7 @@
                                       <p:cBhvr>
                                         <p:cTn id="113" dur="300"/>
                                         <p:tgtEl>
-                                          <p:spTgt spid="450"/>
+                                          <p:spTgt spid="453"/>
                                         </p:tgtEl>
                                       </p:cBhvr>
                                     </p:animEffect>
@@ -23323,7 +23438,7 @@
                                       <p:cBhvr>
                                         <p:cTn id="116" fill="hold"/>
                                         <p:tgtEl>
-                                          <p:spTgt spid="446"/>
+                                          <p:spTgt spid="449"/>
                                         </p:tgtEl>
                                         <p:attrNameLst>
                                           <p:attrName>style.visibility</p:attrName>
@@ -23337,7 +23452,7 @@
                                       <p:cBhvr>
                                         <p:cTn id="117" dur="300"/>
                                         <p:tgtEl>
-                                          <p:spTgt spid="446"/>
+                                          <p:spTgt spid="449"/>
                                         </p:tgtEl>
                                       </p:cBhvr>
                                     </p:animEffect>
@@ -23366,7 +23481,7 @@
                                       <p:cBhvr>
                                         <p:cTn id="120" fill="hold"/>
                                         <p:tgtEl>
-                                          <p:spTgt spid="448"/>
+                                          <p:spTgt spid="451"/>
                                         </p:tgtEl>
                                         <p:attrNameLst>
                                           <p:attrName>style.visibility</p:attrName>
@@ -23380,7 +23495,7 @@
                                       <p:cBhvr>
                                         <p:cTn id="121" dur="300"/>
                                         <p:tgtEl>
-                                          <p:spTgt spid="448"/>
+                                          <p:spTgt spid="451"/>
                                         </p:tgtEl>
                                       </p:cBhvr>
                                     </p:animEffect>
@@ -23409,7 +23524,7 @@
                                       <p:cBhvr>
                                         <p:cTn id="124" fill="hold"/>
                                         <p:tgtEl>
-                                          <p:spTgt spid="454"/>
+                                          <p:spTgt spid="457"/>
                                         </p:tgtEl>
                                         <p:attrNameLst>
                                           <p:attrName>style.visibility</p:attrName>
@@ -23423,7 +23538,7 @@
                                       <p:cBhvr>
                                         <p:cTn id="125" dur="300"/>
                                         <p:tgtEl>
-                                          <p:spTgt spid="454"/>
+                                          <p:spTgt spid="457"/>
                                         </p:tgtEl>
                                       </p:cBhvr>
                                     </p:animEffect>
@@ -23452,7 +23567,7 @@
                                       <p:cBhvr>
                                         <p:cTn id="128" fill="hold"/>
                                         <p:tgtEl>
-                                          <p:spTgt spid="466"/>
+                                          <p:spTgt spid="469"/>
                                         </p:tgtEl>
                                         <p:attrNameLst>
                                           <p:attrName>style.visibility</p:attrName>
@@ -23466,7 +23581,7 @@
                                       <p:cBhvr>
                                         <p:cTn id="129" dur="300"/>
                                         <p:tgtEl>
-                                          <p:spTgt spid="466"/>
+                                          <p:spTgt spid="469"/>
                                         </p:tgtEl>
                                       </p:cBhvr>
                                     </p:animEffect>
@@ -23495,7 +23610,7 @@
                                       <p:cBhvr>
                                         <p:cTn id="132" fill="hold"/>
                                         <p:tgtEl>
-                                          <p:spTgt spid="468"/>
+                                          <p:spTgt spid="471"/>
                                         </p:tgtEl>
                                         <p:attrNameLst>
                                           <p:attrName>style.visibility</p:attrName>
@@ -23509,7 +23624,7 @@
                                       <p:cBhvr>
                                         <p:cTn id="133" dur="300"/>
                                         <p:tgtEl>
-                                          <p:spTgt spid="468"/>
+                                          <p:spTgt spid="471"/>
                                         </p:tgtEl>
                                       </p:cBhvr>
                                     </p:animEffect>
@@ -23538,7 +23653,7 @@
                                       <p:cBhvr>
                                         <p:cTn id="136" fill="hold"/>
                                         <p:tgtEl>
-                                          <p:spTgt spid="470"/>
+                                          <p:spTgt spid="473"/>
                                         </p:tgtEl>
                                         <p:attrNameLst>
                                           <p:attrName>style.visibility</p:attrName>
@@ -23552,7 +23667,7 @@
                                       <p:cBhvr>
                                         <p:cTn id="137" dur="300"/>
                                         <p:tgtEl>
-                                          <p:spTgt spid="470"/>
+                                          <p:spTgt spid="473"/>
                                         </p:tgtEl>
                                       </p:cBhvr>
                                     </p:animEffect>
@@ -23581,7 +23696,7 @@
                                       <p:cBhvr>
                                         <p:cTn id="140" fill="hold"/>
                                         <p:tgtEl>
-                                          <p:spTgt spid="472"/>
+                                          <p:spTgt spid="475"/>
                                         </p:tgtEl>
                                         <p:attrNameLst>
                                           <p:attrName>style.visibility</p:attrName>
@@ -23595,7 +23710,7 @@
                                       <p:cBhvr>
                                         <p:cTn id="141" dur="300"/>
                                         <p:tgtEl>
-                                          <p:spTgt spid="472"/>
+                                          <p:spTgt spid="475"/>
                                         </p:tgtEl>
                                       </p:cBhvr>
                                     </p:animEffect>
@@ -23633,7 +23748,7 @@
                                       <p:cBhvr>
                                         <p:cTn id="145" fill="hold"/>
                                         <p:tgtEl>
-                                          <p:spTgt spid="340"/>
+                                          <p:spTgt spid="343"/>
                                         </p:tgtEl>
                                         <p:attrNameLst>
                                           <p:attrName>style.visibility</p:attrName>
@@ -23647,7 +23762,7 @@
                                       <p:cBhvr>
                                         <p:cTn id="146" dur="400" fill="hold"/>
                                         <p:tgtEl>
-                                          <p:spTgt spid="340"/>
+                                          <p:spTgt spid="343"/>
                                         </p:tgtEl>
                                         <p:attrNameLst>
                                           <p:attrName>ppt_w</p:attrName>
@@ -23670,7 +23785,7 @@
                                       <p:cBhvr>
                                         <p:cTn id="147" dur="400" fill="hold"/>
                                         <p:tgtEl>
-                                          <p:spTgt spid="340"/>
+                                          <p:spTgt spid="343"/>
                                         </p:tgtEl>
                                         <p:attrNameLst>
                                           <p:attrName>ppt_h</p:attrName>
@@ -23714,7 +23829,7 @@
                                       <p:cBhvr>
                                         <p:cTn id="150" fill="hold"/>
                                         <p:tgtEl>
-                                          <p:spTgt spid="364"/>
+                                          <p:spTgt spid="367"/>
                                         </p:tgtEl>
                                         <p:attrNameLst>
                                           <p:attrName>style.visibility</p:attrName>
@@ -23728,7 +23843,7 @@
                                       <p:cBhvr>
                                         <p:cTn id="151" dur="400" fill="hold"/>
                                         <p:tgtEl>
-                                          <p:spTgt spid="364"/>
+                                          <p:spTgt spid="367"/>
                                         </p:tgtEl>
                                         <p:attrNameLst>
                                           <p:attrName>ppt_w</p:attrName>
@@ -23751,7 +23866,7 @@
                                       <p:cBhvr>
                                         <p:cTn id="152" dur="400" fill="hold"/>
                                         <p:tgtEl>
-                                          <p:spTgt spid="364"/>
+                                          <p:spTgt spid="367"/>
                                         </p:tgtEl>
                                         <p:attrNameLst>
                                           <p:attrName>ppt_h</p:attrName>
@@ -23795,7 +23910,7 @@
                                       <p:cBhvr>
                                         <p:cTn id="155" fill="hold"/>
                                         <p:tgtEl>
-                                          <p:spTgt spid="397"/>
+                                          <p:spTgt spid="400"/>
                                         </p:tgtEl>
                                         <p:attrNameLst>
                                           <p:attrName>style.visibility</p:attrName>
@@ -23809,7 +23924,7 @@
                                       <p:cBhvr>
                                         <p:cTn id="156" dur="400" fill="hold"/>
                                         <p:tgtEl>
-                                          <p:spTgt spid="397"/>
+                                          <p:spTgt spid="400"/>
                                         </p:tgtEl>
                                         <p:attrNameLst>
                                           <p:attrName>ppt_w</p:attrName>
@@ -23832,7 +23947,7 @@
                                       <p:cBhvr>
                                         <p:cTn id="157" dur="400" fill="hold"/>
                                         <p:tgtEl>
-                                          <p:spTgt spid="397"/>
+                                          <p:spTgt spid="400"/>
                                         </p:tgtEl>
                                         <p:attrNameLst>
                                           <p:attrName>ppt_h</p:attrName>
@@ -23876,7 +23991,7 @@
                                       <p:cBhvr>
                                         <p:cTn id="160" fill="hold"/>
                                         <p:tgtEl>
-                                          <p:spTgt spid="400"/>
+                                          <p:spTgt spid="403"/>
                                         </p:tgtEl>
                                         <p:attrNameLst>
                                           <p:attrName>style.visibility</p:attrName>
@@ -23890,7 +24005,7 @@
                                       <p:cBhvr>
                                         <p:cTn id="161" dur="400" fill="hold"/>
                                         <p:tgtEl>
-                                          <p:spTgt spid="400"/>
+                                          <p:spTgt spid="403"/>
                                         </p:tgtEl>
                                         <p:attrNameLst>
                                           <p:attrName>ppt_w</p:attrName>
@@ -23913,7 +24028,7 @@
                                       <p:cBhvr>
                                         <p:cTn id="162" dur="400" fill="hold"/>
                                         <p:tgtEl>
-                                          <p:spTgt spid="400"/>
+                                          <p:spTgt spid="403"/>
                                         </p:tgtEl>
                                         <p:attrNameLst>
                                           <p:attrName>ppt_h</p:attrName>
@@ -23957,7 +24072,7 @@
                                       <p:cBhvr>
                                         <p:cTn id="165" fill="hold"/>
                                         <p:tgtEl>
-                                          <p:spTgt spid="460"/>
+                                          <p:spTgt spid="463"/>
                                         </p:tgtEl>
                                         <p:attrNameLst>
                                           <p:attrName>style.visibility</p:attrName>
@@ -23971,7 +24086,7 @@
                                       <p:cBhvr>
                                         <p:cTn id="166" dur="300"/>
                                         <p:tgtEl>
-                                          <p:spTgt spid="460"/>
+                                          <p:spTgt spid="463"/>
                                         </p:tgtEl>
                                       </p:cBhvr>
                                     </p:animEffect>
@@ -24000,7 +24115,7 @@
                                       <p:cBhvr>
                                         <p:cTn id="169" fill="hold"/>
                                         <p:tgtEl>
-                                          <p:spTgt spid="464"/>
+                                          <p:spTgt spid="467"/>
                                         </p:tgtEl>
                                         <p:attrNameLst>
                                           <p:attrName>style.visibility</p:attrName>
@@ -24014,7 +24129,7 @@
                                       <p:cBhvr>
                                         <p:cTn id="170" dur="300"/>
                                         <p:tgtEl>
-                                          <p:spTgt spid="464"/>
+                                          <p:spTgt spid="467"/>
                                         </p:tgtEl>
                                       </p:cBhvr>
                                     </p:animEffect>
@@ -24043,7 +24158,7 @@
                                       <p:cBhvr>
                                         <p:cTn id="173" fill="hold"/>
                                         <p:tgtEl>
-                                          <p:spTgt spid="462"/>
+                                          <p:spTgt spid="465"/>
                                         </p:tgtEl>
                                         <p:attrNameLst>
                                           <p:attrName>style.visibility</p:attrName>
@@ -24057,7 +24172,7 @@
                                       <p:cBhvr>
                                         <p:cTn id="174" dur="300"/>
                                         <p:tgtEl>
-                                          <p:spTgt spid="462"/>
+                                          <p:spTgt spid="465"/>
                                         </p:tgtEl>
                                       </p:cBhvr>
                                     </p:animEffect>
@@ -24086,7 +24201,7 @@
                                       <p:cBhvr>
                                         <p:cTn id="177" fill="hold"/>
                                         <p:tgtEl>
-                                          <p:spTgt spid="458"/>
+                                          <p:spTgt spid="461"/>
                                         </p:tgtEl>
                                         <p:attrNameLst>
                                           <p:attrName>style.visibility</p:attrName>
@@ -24100,7 +24215,7 @@
                                       <p:cBhvr>
                                         <p:cTn id="178" dur="300"/>
                                         <p:tgtEl>
-                                          <p:spTgt spid="458"/>
+                                          <p:spTgt spid="461"/>
                                         </p:tgtEl>
                                       </p:cBhvr>
                                     </p:animEffect>
@@ -24129,7 +24244,7 @@
                                       <p:cBhvr>
                                         <p:cTn id="181" fill="hold"/>
                                         <p:tgtEl>
-                                          <p:spTgt spid="442"/>
+                                          <p:spTgt spid="445"/>
                                         </p:tgtEl>
                                         <p:attrNameLst>
                                           <p:attrName>style.visibility</p:attrName>
@@ -24143,7 +24258,7 @@
                                       <p:cBhvr>
                                         <p:cTn id="182" dur="300"/>
                                         <p:tgtEl>
-                                          <p:spTgt spid="442"/>
+                                          <p:spTgt spid="445"/>
                                         </p:tgtEl>
                                       </p:cBhvr>
                                     </p:animEffect>
@@ -24172,7 +24287,7 @@
                                       <p:cBhvr>
                                         <p:cTn id="185" fill="hold"/>
                                         <p:tgtEl>
-                                          <p:spTgt spid="438"/>
+                                          <p:spTgt spid="441"/>
                                         </p:tgtEl>
                                         <p:attrNameLst>
                                           <p:attrName>style.visibility</p:attrName>
@@ -24186,7 +24301,7 @@
                                       <p:cBhvr>
                                         <p:cTn id="186" dur="300"/>
                                         <p:tgtEl>
-                                          <p:spTgt spid="438"/>
+                                          <p:spTgt spid="441"/>
                                         </p:tgtEl>
                                       </p:cBhvr>
                                     </p:animEffect>
@@ -24215,7 +24330,7 @@
                                       <p:cBhvr>
                                         <p:cTn id="189" fill="hold"/>
                                         <p:tgtEl>
-                                          <p:spTgt spid="440"/>
+                                          <p:spTgt spid="443"/>
                                         </p:tgtEl>
                                         <p:attrNameLst>
                                           <p:attrName>style.visibility</p:attrName>
@@ -24229,7 +24344,7 @@
                                       <p:cBhvr>
                                         <p:cTn id="190" dur="300"/>
                                         <p:tgtEl>
-                                          <p:spTgt spid="440"/>
+                                          <p:spTgt spid="443"/>
                                         </p:tgtEl>
                                       </p:cBhvr>
                                     </p:animEffect>
@@ -24258,7 +24373,7 @@
                                       <p:cBhvr>
                                         <p:cTn id="193" fill="hold"/>
                                         <p:tgtEl>
-                                          <p:spTgt spid="444"/>
+                                          <p:spTgt spid="447"/>
                                         </p:tgtEl>
                                         <p:attrNameLst>
                                           <p:attrName>style.visibility</p:attrName>
@@ -24272,7 +24387,7 @@
                                       <p:cBhvr>
                                         <p:cTn id="194" dur="300"/>
                                         <p:tgtEl>
-                                          <p:spTgt spid="444"/>
+                                          <p:spTgt spid="447"/>
                                         </p:tgtEl>
                                       </p:cBhvr>
                                     </p:animEffect>
@@ -24310,7 +24425,7 @@
                                       <p:cBhvr>
                                         <p:cTn id="198" fill="hold"/>
                                         <p:tgtEl>
-                                          <p:spTgt spid="361"/>
+                                          <p:spTgt spid="364"/>
                                         </p:tgtEl>
                                         <p:attrNameLst>
                                           <p:attrName>style.visibility</p:attrName>
@@ -24324,7 +24439,7 @@
                                       <p:cBhvr>
                                         <p:cTn id="199" dur="400" fill="hold"/>
                                         <p:tgtEl>
-                                          <p:spTgt spid="361"/>
+                                          <p:spTgt spid="364"/>
                                         </p:tgtEl>
                                         <p:attrNameLst>
                                           <p:attrName>ppt_w</p:attrName>
@@ -24347,7 +24462,7 @@
                                       <p:cBhvr>
                                         <p:cTn id="200" dur="400" fill="hold"/>
                                         <p:tgtEl>
-                                          <p:spTgt spid="361"/>
+                                          <p:spTgt spid="364"/>
                                         </p:tgtEl>
                                         <p:attrNameLst>
                                           <p:attrName>ppt_h</p:attrName>
@@ -24391,7 +24506,7 @@
                                       <p:cBhvr>
                                         <p:cTn id="203" fill="hold"/>
                                         <p:tgtEl>
-                                          <p:spTgt spid="388"/>
+                                          <p:spTgt spid="391"/>
                                         </p:tgtEl>
                                         <p:attrNameLst>
                                           <p:attrName>style.visibility</p:attrName>
@@ -24405,7 +24520,7 @@
                                       <p:cBhvr>
                                         <p:cTn id="204" dur="400" fill="hold"/>
                                         <p:tgtEl>
-                                          <p:spTgt spid="388"/>
+                                          <p:spTgt spid="391"/>
                                         </p:tgtEl>
                                         <p:attrNameLst>
                                           <p:attrName>ppt_w</p:attrName>
@@ -24428,7 +24543,7 @@
                                       <p:cBhvr>
                                         <p:cTn id="205" dur="400" fill="hold"/>
                                         <p:tgtEl>
-                                          <p:spTgt spid="388"/>
+                                          <p:spTgt spid="391"/>
                                         </p:tgtEl>
                                         <p:attrNameLst>
                                           <p:attrName>ppt_h</p:attrName>
@@ -24472,7 +24587,7 @@
                                       <p:cBhvr>
                                         <p:cTn id="208" fill="hold"/>
                                         <p:tgtEl>
-                                          <p:spTgt spid="382"/>
+                                          <p:spTgt spid="385"/>
                                         </p:tgtEl>
                                         <p:attrNameLst>
                                           <p:attrName>style.visibility</p:attrName>
@@ -24486,7 +24601,7 @@
                                       <p:cBhvr>
                                         <p:cTn id="209" dur="400" fill="hold"/>
                                         <p:tgtEl>
-                                          <p:spTgt spid="382"/>
+                                          <p:spTgt spid="385"/>
                                         </p:tgtEl>
                                         <p:attrNameLst>
                                           <p:attrName>ppt_w</p:attrName>
@@ -24509,7 +24624,7 @@
                                       <p:cBhvr>
                                         <p:cTn id="210" dur="400" fill="hold"/>
                                         <p:tgtEl>
-                                          <p:spTgt spid="382"/>
+                                          <p:spTgt spid="385"/>
                                         </p:tgtEl>
                                         <p:attrNameLst>
                                           <p:attrName>ppt_h</p:attrName>
@@ -24553,7 +24668,7 @@
                                       <p:cBhvr>
                                         <p:cTn id="213" fill="hold"/>
                                         <p:tgtEl>
-                                          <p:spTgt spid="355"/>
+                                          <p:spTgt spid="358"/>
                                         </p:tgtEl>
                                         <p:attrNameLst>
                                           <p:attrName>style.visibility</p:attrName>
@@ -24567,7 +24682,7 @@
                                       <p:cBhvr>
                                         <p:cTn id="214" dur="400" fill="hold"/>
                                         <p:tgtEl>
-                                          <p:spTgt spid="355"/>
+                                          <p:spTgt spid="358"/>
                                         </p:tgtEl>
                                         <p:attrNameLst>
                                           <p:attrName>ppt_w</p:attrName>
@@ -24590,7 +24705,7 @@
                                       <p:cBhvr>
                                         <p:cTn id="215" dur="400" fill="hold"/>
                                         <p:tgtEl>
-                                          <p:spTgt spid="355"/>
+                                          <p:spTgt spid="358"/>
                                         </p:tgtEl>
                                         <p:attrNameLst>
                                           <p:attrName>ppt_h</p:attrName>
@@ -24634,7 +24749,7 @@
                                       <p:cBhvr>
                                         <p:cTn id="218" fill="hold"/>
                                         <p:tgtEl>
-                                          <p:spTgt spid="391"/>
+                                          <p:spTgt spid="394"/>
                                         </p:tgtEl>
                                         <p:attrNameLst>
                                           <p:attrName>style.visibility</p:attrName>
@@ -24648,7 +24763,7 @@
                                       <p:cBhvr>
                                         <p:cTn id="219" dur="400" fill="hold"/>
                                         <p:tgtEl>
-                                          <p:spTgt spid="391"/>
+                                          <p:spTgt spid="394"/>
                                         </p:tgtEl>
                                         <p:attrNameLst>
                                           <p:attrName>ppt_w</p:attrName>
@@ -24671,7 +24786,7 @@
                                       <p:cBhvr>
                                         <p:cTn id="220" dur="400" fill="hold"/>
                                         <p:tgtEl>
-                                          <p:spTgt spid="391"/>
+                                          <p:spTgt spid="394"/>
                                         </p:tgtEl>
                                         <p:attrNameLst>
                                           <p:attrName>ppt_h</p:attrName>
@@ -24715,7 +24830,7 @@
                                       <p:cBhvr>
                                         <p:cTn id="223" fill="hold"/>
                                         <p:tgtEl>
-                                          <p:spTgt spid="394"/>
+                                          <p:spTgt spid="397"/>
                                         </p:tgtEl>
                                         <p:attrNameLst>
                                           <p:attrName>style.visibility</p:attrName>
@@ -24729,7 +24844,7 @@
                                       <p:cBhvr>
                                         <p:cTn id="224" dur="400" fill="hold"/>
                                         <p:tgtEl>
-                                          <p:spTgt spid="394"/>
+                                          <p:spTgt spid="397"/>
                                         </p:tgtEl>
                                         <p:attrNameLst>
                                           <p:attrName>ppt_w</p:attrName>
@@ -24752,7 +24867,7 @@
                                       <p:cBhvr>
                                         <p:cTn id="225" dur="400" fill="hold"/>
                                         <p:tgtEl>
-                                          <p:spTgt spid="394"/>
+                                          <p:spTgt spid="397"/>
                                         </p:tgtEl>
                                         <p:attrNameLst>
                                           <p:attrName>ppt_h</p:attrName>
@@ -24796,7 +24911,7 @@
                                       <p:cBhvr>
                                         <p:cTn id="228" fill="hold"/>
                                         <p:tgtEl>
-                                          <p:spTgt spid="358"/>
+                                          <p:spTgt spid="361"/>
                                         </p:tgtEl>
                                         <p:attrNameLst>
                                           <p:attrName>style.visibility</p:attrName>
@@ -24810,7 +24925,7 @@
                                       <p:cBhvr>
                                         <p:cTn id="229" dur="400" fill="hold"/>
                                         <p:tgtEl>
-                                          <p:spTgt spid="358"/>
+                                          <p:spTgt spid="361"/>
                                         </p:tgtEl>
                                         <p:attrNameLst>
                                           <p:attrName>ppt_w</p:attrName>
@@ -24833,7 +24948,7 @@
                                       <p:cBhvr>
                                         <p:cTn id="230" dur="400" fill="hold"/>
                                         <p:tgtEl>
-                                          <p:spTgt spid="358"/>
+                                          <p:spTgt spid="361"/>
                                         </p:tgtEl>
                                         <p:attrNameLst>
                                           <p:attrName>ppt_h</p:attrName>
@@ -24877,7 +24992,7 @@
                                       <p:cBhvr>
                                         <p:cTn id="233" fill="hold"/>
                                         <p:tgtEl>
-                                          <p:spTgt spid="409"/>
+                                          <p:spTgt spid="412"/>
                                         </p:tgtEl>
                                         <p:attrNameLst>
                                           <p:attrName>style.visibility</p:attrName>
@@ -24891,7 +25006,7 @@
                                       <p:cBhvr>
                                         <p:cTn id="234" dur="400" fill="hold"/>
                                         <p:tgtEl>
-                                          <p:spTgt spid="409"/>
+                                          <p:spTgt spid="412"/>
                                         </p:tgtEl>
                                         <p:attrNameLst>
                                           <p:attrName>ppt_w</p:attrName>
@@ -24914,7 +25029,7 @@
                                       <p:cBhvr>
                                         <p:cTn id="235" dur="400" fill="hold"/>
                                         <p:tgtEl>
-                                          <p:spTgt spid="409"/>
+                                          <p:spTgt spid="412"/>
                                         </p:tgtEl>
                                         <p:attrNameLst>
                                           <p:attrName>ppt_h</p:attrName>
@@ -24958,7 +25073,7 @@
                                       <p:cBhvr>
                                         <p:cTn id="238" fill="hold"/>
                                         <p:tgtEl>
-                                          <p:spTgt spid="412"/>
+                                          <p:spTgt spid="415"/>
                                         </p:tgtEl>
                                         <p:attrNameLst>
                                           <p:attrName>style.visibility</p:attrName>
@@ -24972,7 +25087,7 @@
                                       <p:cBhvr>
                                         <p:cTn id="239" dur="400" fill="hold"/>
                                         <p:tgtEl>
-                                          <p:spTgt spid="412"/>
+                                          <p:spTgt spid="415"/>
                                         </p:tgtEl>
                                         <p:attrNameLst>
                                           <p:attrName>ppt_w</p:attrName>
@@ -24995,7 +25110,7 @@
                                       <p:cBhvr>
                                         <p:cTn id="240" dur="400" fill="hold"/>
                                         <p:tgtEl>
-                                          <p:spTgt spid="412"/>
+                                          <p:spTgt spid="415"/>
                                         </p:tgtEl>
                                         <p:attrNameLst>
                                           <p:attrName>ppt_h</p:attrName>
@@ -25039,7 +25154,7 @@
                                       <p:cBhvr>
                                         <p:cTn id="243" fill="hold"/>
                                         <p:tgtEl>
-                                          <p:spTgt spid="415"/>
+                                          <p:spTgt spid="418"/>
                                         </p:tgtEl>
                                         <p:attrNameLst>
                                           <p:attrName>style.visibility</p:attrName>
@@ -25053,7 +25168,7 @@
                                       <p:cBhvr>
                                         <p:cTn id="244" dur="400" fill="hold"/>
                                         <p:tgtEl>
-                                          <p:spTgt spid="415"/>
+                                          <p:spTgt spid="418"/>
                                         </p:tgtEl>
                                         <p:attrNameLst>
                                           <p:attrName>ppt_w</p:attrName>
@@ -25076,7 +25191,7 @@
                                       <p:cBhvr>
                                         <p:cTn id="245" dur="400" fill="hold"/>
                                         <p:tgtEl>
-                                          <p:spTgt spid="415"/>
+                                          <p:spTgt spid="418"/>
                                         </p:tgtEl>
                                         <p:attrNameLst>
                                           <p:attrName>ppt_h</p:attrName>
@@ -25120,7 +25235,7 @@
                                       <p:cBhvr>
                                         <p:cTn id="248" fill="hold"/>
                                         <p:tgtEl>
-                                          <p:spTgt spid="418"/>
+                                          <p:spTgt spid="421"/>
                                         </p:tgtEl>
                                         <p:attrNameLst>
                                           <p:attrName>style.visibility</p:attrName>
@@ -25134,7 +25249,7 @@
                                       <p:cBhvr>
                                         <p:cTn id="249" dur="400" fill="hold"/>
                                         <p:tgtEl>
-                                          <p:spTgt spid="418"/>
+                                          <p:spTgt spid="421"/>
                                         </p:tgtEl>
                                         <p:attrNameLst>
                                           <p:attrName>ppt_w</p:attrName>
@@ -25157,7 +25272,7 @@
                                       <p:cBhvr>
                                         <p:cTn id="250" dur="400" fill="hold"/>
                                         <p:tgtEl>
-                                          <p:spTgt spid="418"/>
+                                          <p:spTgt spid="421"/>
                                         </p:tgtEl>
                                         <p:attrNameLst>
                                           <p:attrName>ppt_h</p:attrName>
@@ -25201,7 +25316,7 @@
                                       <p:cBhvr>
                                         <p:cTn id="253" fill="hold"/>
                                         <p:tgtEl>
-                                          <p:spTgt spid="478"/>
+                                          <p:spTgt spid="481"/>
                                         </p:tgtEl>
                                         <p:attrNameLst>
                                           <p:attrName>style.visibility</p:attrName>
@@ -25215,7 +25330,7 @@
                                       <p:cBhvr>
                                         <p:cTn id="254" dur="300"/>
                                         <p:tgtEl>
-                                          <p:spTgt spid="478"/>
+                                          <p:spTgt spid="481"/>
                                         </p:tgtEl>
                                       </p:cBhvr>
                                     </p:animEffect>
@@ -25244,7 +25359,7 @@
                                       <p:cBhvr>
                                         <p:cTn id="257" fill="hold"/>
                                         <p:tgtEl>
-                                          <p:spTgt spid="480"/>
+                                          <p:spTgt spid="483"/>
                                         </p:tgtEl>
                                         <p:attrNameLst>
                                           <p:attrName>style.visibility</p:attrName>
@@ -25258,7 +25373,7 @@
                                       <p:cBhvr>
                                         <p:cTn id="258" dur="300"/>
                                         <p:tgtEl>
-                                          <p:spTgt spid="480"/>
+                                          <p:spTgt spid="483"/>
                                         </p:tgtEl>
                                       </p:cBhvr>
                                     </p:animEffect>
@@ -25287,7 +25402,7 @@
                                       <p:cBhvr>
                                         <p:cTn id="261" fill="hold"/>
                                         <p:tgtEl>
-                                          <p:spTgt spid="482"/>
+                                          <p:spTgt spid="485"/>
                                         </p:tgtEl>
                                         <p:attrNameLst>
                                           <p:attrName>style.visibility</p:attrName>
@@ -25301,7 +25416,7 @@
                                       <p:cBhvr>
                                         <p:cTn id="262" dur="300"/>
                                         <p:tgtEl>
-                                          <p:spTgt spid="482"/>
+                                          <p:spTgt spid="485"/>
                                         </p:tgtEl>
                                       </p:cBhvr>
                                     </p:animEffect>
@@ -25330,7 +25445,7 @@
                                       <p:cBhvr>
                                         <p:cTn id="265" fill="hold"/>
                                         <p:tgtEl>
-                                          <p:spTgt spid="474"/>
+                                          <p:spTgt spid="477"/>
                                         </p:tgtEl>
                                         <p:attrNameLst>
                                           <p:attrName>style.visibility</p:attrName>
@@ -25344,7 +25459,7 @@
                                       <p:cBhvr>
                                         <p:cTn id="266" dur="300"/>
                                         <p:tgtEl>
-                                          <p:spTgt spid="474"/>
+                                          <p:spTgt spid="477"/>
                                         </p:tgtEl>
                                       </p:cBhvr>
                                     </p:animEffect>
@@ -25373,7 +25488,7 @@
                                       <p:cBhvr>
                                         <p:cTn id="269" fill="hold"/>
                                         <p:tgtEl>
-                                          <p:spTgt spid="484"/>
+                                          <p:spTgt spid="487"/>
                                         </p:tgtEl>
                                         <p:attrNameLst>
                                           <p:attrName>style.visibility</p:attrName>
@@ -25387,7 +25502,7 @@
                                       <p:cBhvr>
                                         <p:cTn id="270" dur="300"/>
                                         <p:tgtEl>
-                                          <p:spTgt spid="484"/>
+                                          <p:spTgt spid="487"/>
                                         </p:tgtEl>
                                       </p:cBhvr>
                                     </p:animEffect>
@@ -25416,7 +25531,7 @@
                                       <p:cBhvr>
                                         <p:cTn id="273" fill="hold"/>
                                         <p:tgtEl>
-                                          <p:spTgt spid="490"/>
+                                          <p:spTgt spid="493"/>
                                         </p:tgtEl>
                                         <p:attrNameLst>
                                           <p:attrName>style.visibility</p:attrName>
@@ -25430,7 +25545,7 @@
                                       <p:cBhvr>
                                         <p:cTn id="274" dur="300"/>
                                         <p:tgtEl>
-                                          <p:spTgt spid="490"/>
+                                          <p:spTgt spid="493"/>
                                         </p:tgtEl>
                                       </p:cBhvr>
                                     </p:animEffect>
@@ -25459,7 +25574,7 @@
                                       <p:cBhvr>
                                         <p:cTn id="277" fill="hold"/>
                                         <p:tgtEl>
-                                          <p:spTgt spid="486"/>
+                                          <p:spTgt spid="489"/>
                                         </p:tgtEl>
                                         <p:attrNameLst>
                                           <p:attrName>style.visibility</p:attrName>
@@ -25473,7 +25588,7 @@
                                       <p:cBhvr>
                                         <p:cTn id="278" dur="300"/>
                                         <p:tgtEl>
-                                          <p:spTgt spid="486"/>
+                                          <p:spTgt spid="489"/>
                                         </p:tgtEl>
                                       </p:cBhvr>
                                     </p:animEffect>
@@ -25502,7 +25617,7 @@
                                       <p:cBhvr>
                                         <p:cTn id="281" fill="hold"/>
                                         <p:tgtEl>
-                                          <p:spTgt spid="488"/>
+                                          <p:spTgt spid="491"/>
                                         </p:tgtEl>
                                         <p:attrNameLst>
                                           <p:attrName>style.visibility</p:attrName>
@@ -25516,7 +25631,7 @@
                                       <p:cBhvr>
                                         <p:cTn id="282" dur="300"/>
                                         <p:tgtEl>
-                                          <p:spTgt spid="488"/>
+                                          <p:spTgt spid="491"/>
                                         </p:tgtEl>
                                       </p:cBhvr>
                                     </p:animEffect>
@@ -25545,7 +25660,7 @@
                                       <p:cBhvr>
                                         <p:cTn id="285" fill="hold"/>
                                         <p:tgtEl>
-                                          <p:spTgt spid="476"/>
+                                          <p:spTgt spid="479"/>
                                         </p:tgtEl>
                                         <p:attrNameLst>
                                           <p:attrName>style.visibility</p:attrName>
@@ -25559,7 +25674,7 @@
                                       <p:cBhvr>
                                         <p:cTn id="286" dur="300"/>
                                         <p:tgtEl>
-                                          <p:spTgt spid="476"/>
+                                          <p:spTgt spid="479"/>
                                         </p:tgtEl>
                                       </p:cBhvr>
                                     </p:animEffect>
@@ -25588,7 +25703,7 @@
                                       <p:cBhvr>
                                         <p:cTn id="289" fill="hold"/>
                                         <p:tgtEl>
-                                          <p:spTgt spid="492"/>
+                                          <p:spTgt spid="495"/>
                                         </p:tgtEl>
                                         <p:attrNameLst>
                                           <p:attrName>style.visibility</p:attrName>
@@ -25602,7 +25717,7 @@
                                       <p:cBhvr>
                                         <p:cTn id="290" dur="300"/>
                                         <p:tgtEl>
-                                          <p:spTgt spid="492"/>
+                                          <p:spTgt spid="495"/>
                                         </p:tgtEl>
                                       </p:cBhvr>
                                     </p:animEffect>
@@ -25637,70 +25752,70 @@
       </p:par>
     </p:tnLst>
     <p:bldLst>
-      <p:bldP build="whole" bldLvl="1" animBg="1" rev="0" advAuto="0" spid="472" grpId="31"/>
-      <p:bldP build="whole" bldLvl="1" animBg="1" rev="0" advAuto="0" spid="432" grpId="10"/>
-      <p:bldP build="whole" bldLvl="1" animBg="1" rev="0" advAuto="0" spid="486" grpId="61"/>
-      <p:bldP build="whole" bldLvl="1" animBg="1" rev="0" advAuto="0" spid="403" grpId="14"/>
-      <p:bldP build="whole" bldLvl="1" animBg="1" rev="0" advAuto="0" spid="424" grpId="7"/>
-      <p:bldP build="whole" bldLvl="1" animBg="1" rev="0" advAuto="0" spid="428" grpId="9"/>
-      <p:bldP build="whole" bldLvl="1" animBg="1" rev="0" advAuto="0" spid="340" grpId="32"/>
-      <p:bldP build="whole" bldLvl="1" animBg="1" rev="0" advAuto="0" spid="391" grpId="48"/>
-      <p:bldP build="whole" bldLvl="1" animBg="1" rev="0" advAuto="0" spid="482" grpId="57"/>
-      <p:bldP build="whole" bldLvl="1" animBg="1" rev="0" advAuto="0" spid="409" grpId="51"/>
-      <p:bldP build="whole" bldLvl="1" animBg="1" rev="0" advAuto="0" spid="364" grpId="33"/>
-      <p:bldP build="whole" bldLvl="1" animBg="1" rev="0" advAuto="0" spid="484" grpId="59"/>
-      <p:bldP build="whole" bldLvl="1" animBg="1" rev="0" advAuto="0" spid="468" grpId="29"/>
-      <p:bldP build="whole" bldLvl="1" animBg="1" rev="0" advAuto="0" spid="436" grpId="12"/>
-      <p:bldP build="whole" bldLvl="1" animBg="1" rev="0" advAuto="0" spid="450" grpId="24"/>
-      <p:bldP build="whole" bldLvl="1" animBg="1" rev="0" advAuto="0" spid="352" grpId="4"/>
-      <p:bldP build="whole" bldLvl="1" animBg="1" rev="0" advAuto="0" spid="370" grpId="18"/>
-      <p:bldP build="whole" bldLvl="1" animBg="1" rev="0" advAuto="0" spid="452" grpId="23"/>
-      <p:bldP build="whole" bldLvl="1" animBg="1" rev="0" advAuto="0" spid="476" grpId="63"/>
-      <p:bldP build="whole" bldLvl="1" animBg="1" rev="0" advAuto="0" spid="382" grpId="46"/>
-      <p:bldP build="whole" bldLvl="1" animBg="1" rev="0" advAuto="0" spid="421" grpId="21"/>
-      <p:bldP build="whole" bldLvl="1" animBg="1" rev="0" advAuto="0" spid="474" grpId="58"/>
-      <p:bldP build="whole" bldLvl="1" animBg="1" rev="0" advAuto="0" spid="438" grpId="41"/>
-      <p:bldP build="whole" bldLvl="1" animBg="1" rev="0" advAuto="0" spid="367" grpId="13"/>
-      <p:bldP build="whole" bldLvl="1" animBg="1" rev="0" advAuto="0" spid="415" grpId="53"/>
-      <p:bldP build="whole" bldLvl="1" animBg="1" rev="0" advAuto="0" spid="343" grpId="1"/>
-      <p:bldP build="whole" bldLvl="1" animBg="1" rev="0" advAuto="0" spid="388" grpId="45"/>
-      <p:bldP build="whole" bldLvl="1" animBg="1" rev="0" advAuto="0" spid="440" grpId="42"/>
-      <p:bldP build="whole" bldLvl="1" animBg="1" rev="0" advAuto="0" spid="346" grpId="2"/>
-      <p:bldP build="whole" bldLvl="1" animBg="1" rev="0" advAuto="0" spid="460" grpId="36"/>
-      <p:bldP build="whole" bldLvl="1" animBg="1" rev="0" advAuto="0" spid="422" grpId="6"/>
-      <p:bldP build="whole" bldLvl="1" animBg="1" rev="0" advAuto="0" spid="478" grpId="55"/>
-      <p:bldP build="whole" bldLvl="1" animBg="1" rev="0" advAuto="0" spid="361" grpId="44"/>
-      <p:bldP build="whole" bldLvl="1" animBg="1" rev="0" advAuto="0" spid="490" grpId="60"/>
-      <p:bldP build="whole" bldLvl="1" animBg="1" rev="0" advAuto="0" spid="355" grpId="47"/>
-      <p:bldP build="whole" bldLvl="1" animBg="1" rev="0" advAuto="0" spid="464" grpId="37"/>
-      <p:bldP build="whole" bldLvl="1" animBg="1" rev="0" advAuto="0" spid="373" grpId="19"/>
-      <p:bldP build="whole" bldLvl="1" animBg="1" rev="0" advAuto="0" spid="462" grpId="38"/>
-      <p:bldP build="whole" bldLvl="1" animBg="1" rev="0" advAuto="0" spid="466" grpId="28"/>
-      <p:bldP build="whole" bldLvl="1" animBg="1" rev="0" advAuto="0" spid="394" grpId="49"/>
-      <p:bldP build="whole" bldLvl="1" animBg="1" rev="0" advAuto="0" spid="397" grpId="34"/>
-      <p:bldP build="whole" bldLvl="1" animBg="1" rev="0" advAuto="0" spid="418" grpId="54"/>
-      <p:bldP build="whole" bldLvl="1" animBg="1" rev="0" advAuto="0" spid="434" grpId="11"/>
-      <p:bldP build="whole" bldLvl="1" animBg="1" rev="0" advAuto="0" spid="430" grpId="8"/>
-      <p:bldP build="whole" bldLvl="1" animBg="1" rev="0" advAuto="0" spid="448" grpId="26"/>
-      <p:bldP build="whole" bldLvl="1" animBg="1" rev="0" advAuto="0" spid="376" grpId="16"/>
-      <p:bldP build="whole" bldLvl="1" animBg="1" rev="0" advAuto="0" spid="426" grpId="5"/>
-      <p:bldP build="whole" bldLvl="1" animBg="1" rev="0" advAuto="0" spid="406" grpId="15"/>
-      <p:bldP build="whole" bldLvl="1" animBg="1" rev="0" advAuto="0" spid="492" grpId="64"/>
-      <p:bldP build="whole" bldLvl="1" animBg="1" rev="0" advAuto="0" spid="488" grpId="62"/>
-      <p:bldP build="whole" bldLvl="1" animBg="1" rev="0" advAuto="0" spid="470" grpId="30"/>
-      <p:bldP build="whole" bldLvl="1" animBg="1" rev="0" advAuto="0" spid="400" grpId="35"/>
-      <p:bldP build="whole" bldLvl="1" animBg="1" rev="0" advAuto="0" spid="454" grpId="27"/>
-      <p:bldP build="whole" bldLvl="1" animBg="1" rev="0" advAuto="0" spid="349" grpId="3"/>
-      <p:bldP build="whole" bldLvl="1" animBg="1" rev="0" advAuto="0" spid="458" grpId="39"/>
-      <p:bldP build="whole" bldLvl="1" animBg="1" rev="0" advAuto="0" spid="444" grpId="43"/>
-      <p:bldP build="whole" bldLvl="1" animBg="1" rev="0" advAuto="0" spid="358" grpId="50"/>
-      <p:bldP build="whole" bldLvl="1" animBg="1" rev="0" advAuto="0" spid="456" grpId="22"/>
-      <p:bldP build="whole" bldLvl="1" animBg="1" rev="0" advAuto="0" spid="385" grpId="17"/>
-      <p:bldP build="whole" bldLvl="1" animBg="1" rev="0" advAuto="0" spid="412" grpId="52"/>
-      <p:bldP build="whole" bldLvl="1" animBg="1" rev="0" advAuto="0" spid="379" grpId="20"/>
-      <p:bldP build="whole" bldLvl="1" animBg="1" rev="0" advAuto="0" spid="442" grpId="40"/>
-      <p:bldP build="whole" bldLvl="1" animBg="1" rev="0" advAuto="0" spid="480" grpId="56"/>
-      <p:bldP build="whole" bldLvl="1" animBg="1" rev="0" advAuto="0" spid="446" grpId="25"/>
+      <p:bldP build="whole" bldLvl="1" animBg="1" rev="0" advAuto="0" spid="445" grpId="40"/>
+      <p:bldP build="whole" bldLvl="1" animBg="1" rev="0" advAuto="0" spid="367" grpId="33"/>
+      <p:bldP build="whole" bldLvl="1" animBg="1" rev="0" advAuto="0" spid="394" grpId="48"/>
+      <p:bldP build="whole" bldLvl="1" animBg="1" rev="0" advAuto="0" spid="453" grpId="24"/>
+      <p:bldP build="whole" bldLvl="1" animBg="1" rev="0" advAuto="0" spid="443" grpId="42"/>
+      <p:bldP build="whole" bldLvl="1" animBg="1" rev="0" advAuto="0" spid="376" grpId="19"/>
+      <p:bldP build="whole" bldLvl="1" animBg="1" rev="0" advAuto="0" spid="481" grpId="55"/>
+      <p:bldP build="whole" bldLvl="1" animBg="1" rev="0" advAuto="0" spid="491" grpId="62"/>
+      <p:bldP build="whole" bldLvl="1" animBg="1" rev="0" advAuto="0" spid="355" grpId="4"/>
+      <p:bldP build="whole" bldLvl="1" animBg="1" rev="0" advAuto="0" spid="385" grpId="46"/>
+      <p:bldP build="whole" bldLvl="1" animBg="1" rev="0" advAuto="0" spid="370" grpId="13"/>
+      <p:bldP build="whole" bldLvl="1" animBg="1" rev="0" advAuto="0" spid="431" grpId="9"/>
+      <p:bldP build="whole" bldLvl="1" animBg="1" rev="0" advAuto="0" spid="412" grpId="51"/>
+      <p:bldP build="whole" bldLvl="1" animBg="1" rev="0" advAuto="0" spid="451" grpId="26"/>
+      <p:bldP build="whole" bldLvl="1" animBg="1" rev="0" advAuto="0" spid="388" grpId="17"/>
+      <p:bldP build="whole" bldLvl="1" animBg="1" rev="0" advAuto="0" spid="409" grpId="15"/>
+      <p:bldP build="whole" bldLvl="1" animBg="1" rev="0" advAuto="0" spid="477" grpId="58"/>
+      <p:bldP build="whole" bldLvl="1" animBg="1" rev="0" advAuto="0" spid="425" grpId="6"/>
+      <p:bldP build="whole" bldLvl="1" animBg="1" rev="0" advAuto="0" spid="358" grpId="47"/>
+      <p:bldP build="whole" bldLvl="1" animBg="1" rev="0" advAuto="0" spid="459" grpId="22"/>
+      <p:bldP build="whole" bldLvl="1" animBg="1" rev="0" advAuto="0" spid="346" grpId="1"/>
+      <p:bldP build="whole" bldLvl="1" animBg="1" rev="0" advAuto="0" spid="379" grpId="16"/>
+      <p:bldP build="whole" bldLvl="1" animBg="1" rev="0" advAuto="0" spid="461" grpId="39"/>
+      <p:bldP build="whole" bldLvl="1" animBg="1" rev="0" advAuto="0" spid="397" grpId="49"/>
+      <p:bldP build="whole" bldLvl="1" animBg="1" rev="0" advAuto="0" spid="495" grpId="64"/>
+      <p:bldP build="whole" bldLvl="1" animBg="1" rev="0" advAuto="0" spid="469" grpId="28"/>
+      <p:bldP build="whole" bldLvl="1" animBg="1" rev="0" advAuto="0" spid="421" grpId="54"/>
+      <p:bldP build="whole" bldLvl="1" animBg="1" rev="0" advAuto="0" spid="433" grpId="8"/>
+      <p:bldP build="whole" bldLvl="1" animBg="1" rev="0" advAuto="0" spid="424" grpId="21"/>
+      <p:bldP build="whole" bldLvl="1" animBg="1" rev="0" advAuto="0" spid="439" grpId="12"/>
+      <p:bldP build="whole" bldLvl="1" animBg="1" rev="0" advAuto="0" spid="352" grpId="3"/>
+      <p:bldP build="whole" bldLvl="1" animBg="1" rev="0" advAuto="0" spid="447" grpId="43"/>
+      <p:bldP build="whole" bldLvl="1" animBg="1" rev="0" advAuto="0" spid="473" grpId="30"/>
+      <p:bldP build="whole" bldLvl="1" animBg="1" rev="0" advAuto="0" spid="483" grpId="56"/>
+      <p:bldP build="whole" bldLvl="1" animBg="1" rev="0" advAuto="0" spid="441" grpId="41"/>
+      <p:bldP build="whole" bldLvl="1" animBg="1" rev="0" advAuto="0" spid="343" grpId="32"/>
+      <p:bldP build="whole" bldLvl="1" animBg="1" rev="0" advAuto="0" spid="373" grpId="18"/>
+      <p:bldP build="whole" bldLvl="1" animBg="1" rev="0" advAuto="0" spid="400" grpId="34"/>
+      <p:bldP build="whole" bldLvl="1" animBg="1" rev="0" advAuto="0" spid="465" grpId="38"/>
+      <p:bldP build="whole" bldLvl="1" animBg="1" rev="0" advAuto="0" spid="415" grpId="52"/>
+      <p:bldP build="whole" bldLvl="1" animBg="1" rev="0" advAuto="0" spid="435" grpId="10"/>
+      <p:bldP build="whole" bldLvl="1" animBg="1" rev="0" advAuto="0" spid="349" grpId="2"/>
+      <p:bldP build="whole" bldLvl="1" animBg="1" rev="0" advAuto="0" spid="361" grpId="50"/>
+      <p:bldP build="whole" bldLvl="1" animBg="1" rev="0" advAuto="0" spid="455" grpId="23"/>
+      <p:bldP build="whole" bldLvl="1" animBg="1" rev="0" advAuto="0" spid="427" grpId="7"/>
+      <p:bldP build="whole" bldLvl="1" animBg="1" rev="0" advAuto="0" spid="382" grpId="20"/>
+      <p:bldP build="whole" bldLvl="1" animBg="1" rev="0" advAuto="0" spid="487" grpId="59"/>
+      <p:bldP build="whole" bldLvl="1" animBg="1" rev="0" advAuto="0" spid="479" grpId="63"/>
+      <p:bldP build="whole" bldLvl="1" animBg="1" rev="0" advAuto="0" spid="457" grpId="27"/>
+      <p:bldP build="whole" bldLvl="1" animBg="1" rev="0" advAuto="0" spid="391" grpId="45"/>
+      <p:bldP build="whole" bldLvl="1" animBg="1" rev="0" advAuto="0" spid="463" grpId="36"/>
+      <p:bldP build="whole" bldLvl="1" animBg="1" rev="0" advAuto="0" spid="475" grpId="31"/>
+      <p:bldP build="whole" bldLvl="1" animBg="1" rev="0" advAuto="0" spid="467" grpId="37"/>
+      <p:bldP build="whole" bldLvl="1" animBg="1" rev="0" advAuto="0" spid="485" grpId="57"/>
+      <p:bldP build="whole" bldLvl="1" animBg="1" rev="0" advAuto="0" spid="403" grpId="35"/>
+      <p:bldP build="whole" bldLvl="1" animBg="1" rev="0" advAuto="0" spid="364" grpId="44"/>
+      <p:bldP build="whole" bldLvl="1" animBg="1" rev="0" advAuto="0" spid="418" grpId="53"/>
+      <p:bldP build="whole" bldLvl="1" animBg="1" rev="0" advAuto="0" spid="449" grpId="25"/>
+      <p:bldP build="whole" bldLvl="1" animBg="1" rev="0" advAuto="0" spid="493" grpId="60"/>
+      <p:bldP build="whole" bldLvl="1" animBg="1" rev="0" advAuto="0" spid="429" grpId="5"/>
+      <p:bldP build="whole" bldLvl="1" animBg="1" rev="0" advAuto="0" spid="406" grpId="14"/>
+      <p:bldP build="whole" bldLvl="1" animBg="1" rev="0" advAuto="0" spid="489" grpId="61"/>
+      <p:bldP build="whole" bldLvl="1" animBg="1" rev="0" advAuto="0" spid="471" grpId="29"/>
+      <p:bldP build="whole" bldLvl="1" animBg="1" rev="0" advAuto="0" spid="437" grpId="11"/>
     </p:bldLst>
   </p:timing>
 </p:sld>
@@ -25732,7 +25847,7 @@
       </p:grpSpPr>
       <p:sp>
         <p:nvSpPr>
-          <p:cNvPr id="495" name="Title 6"/>
+          <p:cNvPr id="498" name="Title 6"/>
           <p:cNvSpPr txBox="1"/>
           <p:nvPr>
             <p:ph type="title"/>
@@ -25768,7 +25883,7 @@
       </p:sp>
       <p:pic>
         <p:nvPicPr>
-          <p:cNvPr id="496" name="cubes.png" descr="cubes.png"/>
+          <p:cNvPr id="499" name="cubes.png" descr="cubes.png"/>
           <p:cNvPicPr>
             <a:picLocks noChangeAspect="1"/>
           </p:cNvPicPr>
@@ -25797,7 +25912,7 @@
       </p:pic>
       <p:grpSp>
         <p:nvGrpSpPr>
-          <p:cNvPr id="499" name="Group"/>
+          <p:cNvPr id="502" name="Group"/>
           <p:cNvGrpSpPr/>
           <p:nvPr/>
         </p:nvGrpSpPr>
@@ -25805,133 +25920,6 @@
           <a:xfrm>
             <a:off x="1270000" y="4302323"/>
             <a:ext cx="5162495" cy="2971254"/>
-            <a:chOff x="0" y="0"/>
-            <a:chExt cx="5162494" cy="2971253"/>
-          </a:xfrm>
-        </p:grpSpPr>
-        <p:sp>
-          <p:nvSpPr>
-            <p:cNvPr id="497" name="Rectangle"/>
-            <p:cNvSpPr/>
-            <p:nvPr/>
-          </p:nvSpPr>
-          <p:spPr>
-            <a:xfrm>
-              <a:off x="0" y="0"/>
-              <a:ext cx="5162495" cy="2971254"/>
-            </a:xfrm>
-            <a:prstGeom prst="rect">
-              <a:avLst/>
-            </a:prstGeom>
-            <a:solidFill>
-              <a:srgbClr val="03A9F4"/>
-            </a:solidFill>
-            <a:ln w="12700" cap="flat">
-              <a:noFill/>
-              <a:miter lim="400000"/>
-            </a:ln>
-            <a:effectLst>
-              <a:outerShdw sx="100000" sy="100000" kx="0" ky="0" algn="b" rotWithShape="0" blurRad="635000" dist="63500" dir="5400000">
-                <a:srgbClr val="000000">
-                  <a:alpha val="50000"/>
-                </a:srgbClr>
-              </a:outerShdw>
-            </a:effectLst>
-          </p:spPr>
-          <p:txBody>
-            <a:bodyPr wrap="square" lIns="71437" tIns="71437" rIns="71437" bIns="71437" numCol="1" anchor="ctr">
-              <a:noAutofit/>
-            </a:bodyPr>
-            <a:lstStyle/>
-            <a:p>
-              <a:pPr algn="ctr">
-                <a:lnSpc>
-                  <a:spcPct val="80000"/>
-                </a:lnSpc>
-                <a:spcBef>
-                  <a:spcPts val="0"/>
-                </a:spcBef>
-                <a:defRPr cap="all" sz="3800">
-                  <a:solidFill>
-                    <a:srgbClr val="FFFFFF"/>
-                  </a:solidFill>
-                  <a:latin typeface="+mn-lt"/>
-                  <a:ea typeface="+mn-ea"/>
-                  <a:cs typeface="+mn-cs"/>
-                  <a:sym typeface="DIN Condensed"/>
-                </a:defRPr>
-              </a:pPr>
-            </a:p>
-          </p:txBody>
-        </p:sp>
-        <p:sp>
-          <p:nvSpPr>
-            <p:cNvPr id="498" name="package p2"/>
-            <p:cNvSpPr/>
-            <p:nvPr/>
-          </p:nvSpPr>
-          <p:spPr>
-            <a:xfrm>
-              <a:off x="2581247" y="1485626"/>
-              <a:ext cx="1270001" cy="1270001"/>
-            </a:xfrm>
-            <a:prstGeom prst="line">
-              <a:avLst/>
-            </a:prstGeom>
-            <a:noFill/>
-            <a:ln w="12700" cap="flat">
-              <a:noFill/>
-              <a:miter lim="400000"/>
-            </a:ln>
-            <a:effectLst/>
-            <a:extLst>
-              <a:ext uri="{C572A759-6A51-4108-AA02-DFA0A04FC94B}">
-                <ma14:wrappingTextBoxFlag xmlns:ma14="http://schemas.microsoft.com/office/mac/drawingml/2011/main" val="1"/>
-              </a:ext>
-            </a:extLst>
-          </p:spPr>
-          <p:txBody>
-            <a:bodyPr wrap="none" lIns="71437" tIns="71437" rIns="71437" bIns="71437" numCol="1" anchor="ctr">
-              <a:spAutoFit/>
-            </a:bodyPr>
-            <a:lstStyle/>
-            <a:p>
-              <a:pPr algn="ctr">
-                <a:defRPr sz="4000">
-                  <a:solidFill>
-                    <a:srgbClr val="FFFFFF"/>
-                  </a:solidFill>
-                  <a:latin typeface="Meslo LG M for Powerline"/>
-                  <a:ea typeface="Meslo LG M for Powerline"/>
-                  <a:cs typeface="Meslo LG M for Powerline"/>
-                  <a:sym typeface="Meslo LG M for Powerline"/>
-                </a:defRPr>
-              </a:pPr>
-              <a:r>
-                <a:rPr>
-                  <a:solidFill>
-                    <a:srgbClr val="9C27B0"/>
-                  </a:solidFill>
-                </a:rPr>
-                <a:t>package</a:t>
-              </a:r>
-              <a:r>
-                <a:t> p2</a:t>
-              </a:r>
-            </a:p>
-          </p:txBody>
-        </p:sp>
-      </p:grpSp>
-      <p:grpSp>
-        <p:nvGrpSpPr>
-          <p:cNvPr id="502" name="Group"/>
-          <p:cNvGrpSpPr/>
-          <p:nvPr/>
-        </p:nvGrpSpPr>
-        <p:grpSpPr>
-          <a:xfrm>
-            <a:off x="7533861" y="4302323"/>
-            <a:ext cx="5162496" cy="2971254"/>
             <a:chOff x="0" y="0"/>
             <a:chExt cx="5162494" cy="2971253"/>
           </a:xfrm>
@@ -25993,7 +25981,7 @@
         </p:sp>
         <p:sp>
           <p:nvSpPr>
-            <p:cNvPr id="501" name="package p1"/>
+            <p:cNvPr id="501" name="package p2"/>
             <p:cNvSpPr/>
             <p:nvPr/>
           </p:nvSpPr>
@@ -26043,7 +26031,7 @@
                 <a:t>package</a:t>
               </a:r>
               <a:r>
-                <a:t> p1</a:t>
+                <a:t> p2</a:t>
               </a:r>
             </a:p>
           </p:txBody>
@@ -26057,7 +26045,7 @@
         </p:nvGrpSpPr>
         <p:grpSpPr>
           <a:xfrm>
-            <a:off x="7533861" y="9180051"/>
+            <a:off x="7533861" y="4302323"/>
             <a:ext cx="5162496" cy="2971254"/>
             <a:chOff x="0" y="0"/>
             <a:chExt cx="5162494" cy="2971253"/>
@@ -26120,7 +26108,134 @@
         </p:sp>
         <p:sp>
           <p:nvSpPr>
-            <p:cNvPr id="504" name="package main"/>
+            <p:cNvPr id="504" name="package p1"/>
+            <p:cNvSpPr/>
+            <p:nvPr/>
+          </p:nvSpPr>
+          <p:spPr>
+            <a:xfrm>
+              <a:off x="2581247" y="1485626"/>
+              <a:ext cx="1270001" cy="1270001"/>
+            </a:xfrm>
+            <a:prstGeom prst="line">
+              <a:avLst/>
+            </a:prstGeom>
+            <a:noFill/>
+            <a:ln w="12700" cap="flat">
+              <a:noFill/>
+              <a:miter lim="400000"/>
+            </a:ln>
+            <a:effectLst/>
+            <a:extLst>
+              <a:ext uri="{C572A759-6A51-4108-AA02-DFA0A04FC94B}">
+                <ma14:wrappingTextBoxFlag xmlns:ma14="http://schemas.microsoft.com/office/mac/drawingml/2011/main" val="1"/>
+              </a:ext>
+            </a:extLst>
+          </p:spPr>
+          <p:txBody>
+            <a:bodyPr wrap="none" lIns="71437" tIns="71437" rIns="71437" bIns="71437" numCol="1" anchor="ctr">
+              <a:spAutoFit/>
+            </a:bodyPr>
+            <a:lstStyle/>
+            <a:p>
+              <a:pPr algn="ctr">
+                <a:defRPr sz="4000">
+                  <a:solidFill>
+                    <a:srgbClr val="FFFFFF"/>
+                  </a:solidFill>
+                  <a:latin typeface="Meslo LG M for Powerline"/>
+                  <a:ea typeface="Meslo LG M for Powerline"/>
+                  <a:cs typeface="Meslo LG M for Powerline"/>
+                  <a:sym typeface="Meslo LG M for Powerline"/>
+                </a:defRPr>
+              </a:pPr>
+              <a:r>
+                <a:rPr>
+                  <a:solidFill>
+                    <a:srgbClr val="9C27B0"/>
+                  </a:solidFill>
+                </a:rPr>
+                <a:t>package</a:t>
+              </a:r>
+              <a:r>
+                <a:t> p1</a:t>
+              </a:r>
+            </a:p>
+          </p:txBody>
+        </p:sp>
+      </p:grpSp>
+      <p:grpSp>
+        <p:nvGrpSpPr>
+          <p:cNvPr id="508" name="Group"/>
+          <p:cNvGrpSpPr/>
+          <p:nvPr/>
+        </p:nvGrpSpPr>
+        <p:grpSpPr>
+          <a:xfrm>
+            <a:off x="7533861" y="9180052"/>
+            <a:ext cx="5162496" cy="2971254"/>
+            <a:chOff x="0" y="0"/>
+            <a:chExt cx="5162494" cy="2971253"/>
+          </a:xfrm>
+        </p:grpSpPr>
+        <p:sp>
+          <p:nvSpPr>
+            <p:cNvPr id="506" name="Rectangle"/>
+            <p:cNvSpPr/>
+            <p:nvPr/>
+          </p:nvSpPr>
+          <p:spPr>
+            <a:xfrm>
+              <a:off x="0" y="0"/>
+              <a:ext cx="5162495" cy="2971254"/>
+            </a:xfrm>
+            <a:prstGeom prst="rect">
+              <a:avLst/>
+            </a:prstGeom>
+            <a:solidFill>
+              <a:srgbClr val="03A9F4"/>
+            </a:solidFill>
+            <a:ln w="12700" cap="flat">
+              <a:noFill/>
+              <a:miter lim="400000"/>
+            </a:ln>
+            <a:effectLst>
+              <a:outerShdw sx="100000" sy="100000" kx="0" ky="0" algn="b" rotWithShape="0" blurRad="635000" dist="63500" dir="5400000">
+                <a:srgbClr val="000000">
+                  <a:alpha val="50000"/>
+                </a:srgbClr>
+              </a:outerShdw>
+            </a:effectLst>
+          </p:spPr>
+          <p:txBody>
+            <a:bodyPr wrap="square" lIns="71437" tIns="71437" rIns="71437" bIns="71437" numCol="1" anchor="ctr">
+              <a:noAutofit/>
+            </a:bodyPr>
+            <a:lstStyle/>
+            <a:p>
+              <a:pPr algn="ctr">
+                <a:lnSpc>
+                  <a:spcPct val="80000"/>
+                </a:lnSpc>
+                <a:spcBef>
+                  <a:spcPts val="0"/>
+                </a:spcBef>
+                <a:defRPr cap="all" sz="3800">
+                  <a:solidFill>
+                    <a:srgbClr val="FFFFFF"/>
+                  </a:solidFill>
+                  <a:latin typeface="+mn-lt"/>
+                  <a:ea typeface="+mn-ea"/>
+                  <a:cs typeface="+mn-cs"/>
+                  <a:sym typeface="DIN Condensed"/>
+                </a:defRPr>
+              </a:pPr>
+            </a:p>
+          </p:txBody>
+        </p:sp>
+        <p:sp>
+          <p:nvSpPr>
+            <p:cNvPr id="507" name="package main"/>
             <p:cNvSpPr/>
             <p:nvPr/>
           </p:nvSpPr>
@@ -26178,7 +26293,7 @@
       </p:grpSp>
       <p:pic>
         <p:nvPicPr>
-          <p:cNvPr id="510" name="Connection Line" descr="Connection Line"/>
+          <p:cNvPr id="513" name="Connection Line" descr="Connection Line"/>
           <p:cNvPicPr>
             <a:picLocks noChangeAspect="0"/>
           </p:cNvPicPr>
@@ -26204,7 +26319,7 @@
       </p:pic>
       <p:pic>
         <p:nvPicPr>
-          <p:cNvPr id="512" name="Connection Line" descr="Connection Line"/>
+          <p:cNvPr id="515" name="Connection Line" descr="Connection Line"/>
           <p:cNvPicPr>
             <a:picLocks noChangeAspect="0"/>
           </p:cNvPicPr>
@@ -26230,7 +26345,7 @@
       </p:pic>
       <p:pic>
         <p:nvPicPr>
-          <p:cNvPr id="514" name="Connection Line" descr="Connection Line"/>
+          <p:cNvPr id="517" name="Connection Line" descr="Connection Line"/>
           <p:cNvPicPr>
             <a:picLocks noChangeAspect="0"/>
           </p:cNvPicPr>
@@ -26256,7 +26371,7 @@
       </p:pic>
       <p:pic>
         <p:nvPicPr>
-          <p:cNvPr id="509" name="checked copy.png" descr="checked copy.png"/>
+          <p:cNvPr id="512" name="checked copy.png" descr="checked copy.png"/>
           <p:cNvPicPr>
             <a:picLocks noChangeAspect="1"/>
           </p:cNvPicPr>
@@ -26272,7 +26387,7 @@
         </p:blipFill>
         <p:spPr>
           <a:xfrm>
-            <a:off x="14524692" y="7037154"/>
+            <a:off x="14524691" y="7037154"/>
             <a:ext cx="1016001" cy="1016001"/>
           </a:xfrm>
           <a:prstGeom prst="rect">
@@ -26290,7 +26405,7 @@
   </p:clrMapOvr>
   <mc:AlternateContent xmlns:mc="http://schemas.openxmlformats.org/markup-compatibility/2006">
     <mc:Choice xmlns:p14="http://schemas.microsoft.com/office/powerpoint/2010/main" Requires="p14">
-      <p:transition spd="fast" advClick="1" p14:dur="700">
+      <p:transition spd="fast" advClick="1" p14:dur="699">
         <p:push dir="u"/>
       </p:transition>
     </mc:Choice>
@@ -26336,7 +26451,7 @@
                                       <p:cBhvr>
                                         <p:cTn id="6" fill="hold"/>
                                         <p:tgtEl>
-                                          <p:spTgt spid="505"/>
+                                          <p:spTgt spid="508"/>
                                         </p:tgtEl>
                                         <p:attrNameLst>
                                           <p:attrName>style.visibility</p:attrName>
@@ -26350,7 +26465,7 @@
                                       <p:cBhvr>
                                         <p:cTn id="7" dur="700"/>
                                         <p:tgtEl>
-                                          <p:spTgt spid="505"/>
+                                          <p:spTgt spid="508"/>
                                         </p:tgtEl>
                                       </p:cBhvr>
                                     </p:animEffect>
@@ -26379,7 +26494,7 @@
                                       <p:cBhvr>
                                         <p:cTn id="10" fill="hold"/>
                                         <p:tgtEl>
-                                          <p:spTgt spid="514"/>
+                                          <p:spTgt spid="517"/>
                                         </p:tgtEl>
                                         <p:attrNameLst>
                                           <p:attrName>style.visibility</p:attrName>
@@ -26393,7 +26508,7 @@
                                       <p:cBhvr>
                                         <p:cTn id="11" dur="600"/>
                                         <p:tgtEl>
-                                          <p:spTgt spid="514"/>
+                                          <p:spTgt spid="517"/>
                                         </p:tgtEl>
                                       </p:cBhvr>
                                     </p:animEffect>
@@ -26422,7 +26537,7 @@
                                       <p:cBhvr>
                                         <p:cTn id="14" fill="hold"/>
                                         <p:tgtEl>
-                                          <p:spTgt spid="502"/>
+                                          <p:spTgt spid="505"/>
                                         </p:tgtEl>
                                         <p:attrNameLst>
                                           <p:attrName>style.visibility</p:attrName>
@@ -26436,7 +26551,7 @@
                                       <p:cBhvr>
                                         <p:cTn id="15" dur="700"/>
                                         <p:tgtEl>
-                                          <p:spTgt spid="502"/>
+                                          <p:spTgt spid="505"/>
                                         </p:tgtEl>
                                       </p:cBhvr>
                                     </p:animEffect>
@@ -26465,7 +26580,7 @@
                                       <p:cBhvr>
                                         <p:cTn id="18" fill="hold"/>
                                         <p:tgtEl>
-                                          <p:spTgt spid="510"/>
+                                          <p:spTgt spid="513"/>
                                         </p:tgtEl>
                                         <p:attrNameLst>
                                           <p:attrName>style.visibility</p:attrName>
@@ -26479,7 +26594,7 @@
                                       <p:cBhvr>
                                         <p:cTn id="19" dur="600"/>
                                         <p:tgtEl>
-                                          <p:spTgt spid="510"/>
+                                          <p:spTgt spid="513"/>
                                         </p:tgtEl>
                                       </p:cBhvr>
                                     </p:animEffect>
@@ -26508,7 +26623,7 @@
                                       <p:cBhvr>
                                         <p:cTn id="22" fill="hold"/>
                                         <p:tgtEl>
-                                          <p:spTgt spid="499"/>
+                                          <p:spTgt spid="502"/>
                                         </p:tgtEl>
                                         <p:attrNameLst>
                                           <p:attrName>style.visibility</p:attrName>
@@ -26522,7 +26637,7 @@
                                       <p:cBhvr>
                                         <p:cTn id="23" dur="700"/>
                                         <p:tgtEl>
-                                          <p:spTgt spid="499"/>
+                                          <p:spTgt spid="502"/>
                                         </p:tgtEl>
                                       </p:cBhvr>
                                     </p:animEffect>
@@ -26551,7 +26666,7 @@
                                       <p:cBhvr>
                                         <p:cTn id="26" fill="hold"/>
                                         <p:tgtEl>
-                                          <p:spTgt spid="512"/>
+                                          <p:spTgt spid="515"/>
                                         </p:tgtEl>
                                         <p:attrNameLst>
                                           <p:attrName>style.visibility</p:attrName>
@@ -26565,7 +26680,7 @@
                                       <p:cBhvr>
                                         <p:cTn id="27" dur="600"/>
                                         <p:tgtEl>
-                                          <p:spTgt spid="512"/>
+                                          <p:spTgt spid="515"/>
                                         </p:tgtEl>
                                       </p:cBhvr>
                                     </p:animEffect>
@@ -26594,7 +26709,7 @@
                                       <p:cBhvr>
                                         <p:cTn id="30" fill="hold"/>
                                         <p:tgtEl>
-                                          <p:spTgt spid="509"/>
+                                          <p:spTgt spid="512"/>
                                         </p:tgtEl>
                                         <p:attrNameLst>
                                           <p:attrName>style.visibility</p:attrName>
@@ -26626,7 +26741,7 @@
                                       <p:cBhvr>
                                         <p:cTn id="33" dur="700" fill="hold"/>
                                         <p:tgtEl>
-                                          <p:spTgt spid="509"/>
+                                          <p:spTgt spid="512"/>
                                         </p:tgtEl>
                                         <p:attrNameLst>
                                           <p:attrName>style.visibility</p:attrName>
@@ -26676,14 +26791,14 @@
       </p:par>
     </p:tnLst>
     <p:bldLst>
-      <p:bldP build="whole" bldLvl="1" animBg="1" rev="0" advAuto="0" spid="512" grpId="6"/>
-      <p:bldP build="whole" bldLvl="1" animBg="1" rev="0" advAuto="0" spid="510" grpId="4"/>
-      <p:bldP build="whole" bldLvl="1" animBg="1" rev="0" advAuto="0" spid="499" grpId="5"/>
-      <p:bldP build="whole" bldLvl="1" animBg="1" rev="0" advAuto="0" spid="514" grpId="2"/>
-      <p:bldP build="whole" bldLvl="1" animBg="1" rev="0" advAuto="0" spid="509" grpId="7"/>
-      <p:bldP build="whole" bldLvl="1" animBg="1" rev="0" advAuto="0" spid="502" grpId="3"/>
-      <p:bldP build="whole" bldLvl="1" animBg="1" rev="0" advAuto="0" spid="509" grpId="8"/>
-      <p:bldP build="whole" bldLvl="1" animBg="1" rev="0" advAuto="0" spid="505" grpId="1"/>
+      <p:bldP build="whole" bldLvl="1" animBg="1" rev="0" advAuto="0" spid="508" grpId="1"/>
+      <p:bldP build="whole" bldLvl="1" animBg="1" rev="0" advAuto="0" spid="512" grpId="7"/>
+      <p:bldP build="whole" bldLvl="1" animBg="1" rev="0" advAuto="0" spid="513" grpId="4"/>
+      <p:bldP build="whole" bldLvl="1" animBg="1" rev="0" advAuto="0" spid="515" grpId="6"/>
+      <p:bldP build="whole" bldLvl="1" animBg="1" rev="0" advAuto="0" spid="502" grpId="5"/>
+      <p:bldP build="whole" bldLvl="1" animBg="1" rev="0" advAuto="0" spid="512" grpId="8"/>
+      <p:bldP build="whole" bldLvl="1" animBg="1" rev="0" advAuto="0" spid="517" grpId="2"/>
+      <p:bldP build="whole" bldLvl="1" animBg="1" rev="0" advAuto="0" spid="505" grpId="3"/>
     </p:bldLst>
   </p:timing>
 </p:sld>
@@ -26715,7 +26830,7 @@
       </p:grpSpPr>
       <p:sp>
         <p:nvSpPr>
-          <p:cNvPr id="517" name="Title 6"/>
+          <p:cNvPr id="520" name="Title 6"/>
           <p:cNvSpPr txBox="1"/>
           <p:nvPr>
             <p:ph type="title"/>
@@ -26751,7 +26866,7 @@
       </p:sp>
       <p:pic>
         <p:nvPicPr>
-          <p:cNvPr id="518" name="cubes.png" descr="cubes.png"/>
+          <p:cNvPr id="521" name="cubes.png" descr="cubes.png"/>
           <p:cNvPicPr>
             <a:picLocks noChangeAspect="1"/>
           </p:cNvPicPr>
@@ -26780,21 +26895,21 @@
       </p:pic>
       <p:grpSp>
         <p:nvGrpSpPr>
-          <p:cNvPr id="522" name="Group"/>
+          <p:cNvPr id="525" name="Group"/>
           <p:cNvGrpSpPr/>
           <p:nvPr/>
         </p:nvGrpSpPr>
         <p:grpSpPr>
           <a:xfrm>
-            <a:off x="1270000" y="4317292"/>
-            <a:ext cx="5071915" cy="1765653"/>
+            <a:off x="1270000" y="4317293"/>
+            <a:ext cx="5071915" cy="1765652"/>
             <a:chOff x="0" y="0"/>
             <a:chExt cx="5071914" cy="1765651"/>
           </a:xfrm>
         </p:grpSpPr>
         <p:sp>
           <p:nvSpPr>
-            <p:cNvPr id="519" name="Rectangle"/>
+            <p:cNvPr id="522" name="Rectangle"/>
             <p:cNvSpPr/>
             <p:nvPr/>
           </p:nvSpPr>
@@ -26843,7 +26958,7 @@
         </p:sp>
         <p:sp>
           <p:nvSpPr>
-            <p:cNvPr id="520" name="package name"/>
+            <p:cNvPr id="523" name="package name"/>
             <p:cNvSpPr/>
             <p:nvPr/>
           </p:nvSpPr>
@@ -26894,7 +27009,7 @@
         </p:sp>
         <p:sp>
           <p:nvSpPr>
-            <p:cNvPr id="521" name="Rectangle"/>
+            <p:cNvPr id="524" name="Rectangle"/>
             <p:cNvSpPr/>
             <p:nvPr/>
           </p:nvSpPr>
@@ -26944,7 +27059,7 @@
       </p:grpSp>
       <p:grpSp>
         <p:nvGrpSpPr>
-          <p:cNvPr id="526" name="Group"/>
+          <p:cNvPr id="529" name="Group"/>
           <p:cNvGrpSpPr/>
           <p:nvPr/>
         </p:nvGrpSpPr>
@@ -26958,7 +27073,7 @@
         </p:grpSpPr>
         <p:sp>
           <p:nvSpPr>
-            <p:cNvPr id="523" name="Rectangle"/>
+            <p:cNvPr id="526" name="Rectangle"/>
             <p:cNvSpPr/>
             <p:nvPr/>
           </p:nvSpPr>
@@ -27007,7 +27122,7 @@
         </p:sp>
         <p:sp>
           <p:nvSpPr>
-            <p:cNvPr id="524" name="imports"/>
+            <p:cNvPr id="527" name="imports"/>
             <p:cNvSpPr/>
             <p:nvPr/>
           </p:nvSpPr>
@@ -27058,7 +27173,7 @@
         </p:sp>
         <p:sp>
           <p:nvSpPr>
-            <p:cNvPr id="525" name="Rectangle"/>
+            <p:cNvPr id="528" name="Rectangle"/>
             <p:cNvSpPr/>
             <p:nvPr/>
           </p:nvSpPr>
@@ -27108,7 +27223,7 @@
       </p:grpSp>
       <p:grpSp>
         <p:nvGrpSpPr>
-          <p:cNvPr id="530" name="Group"/>
+          <p:cNvPr id="533" name="Group"/>
           <p:cNvGrpSpPr/>
           <p:nvPr/>
         </p:nvGrpSpPr>
@@ -27122,7 +27237,7 @@
         </p:grpSpPr>
         <p:sp>
           <p:nvSpPr>
-            <p:cNvPr id="527" name="Rectangle"/>
+            <p:cNvPr id="530" name="Rectangle"/>
             <p:cNvSpPr/>
             <p:nvPr/>
           </p:nvSpPr>
@@ -27171,7 +27286,7 @@
         </p:sp>
         <p:sp>
           <p:nvSpPr>
-            <p:cNvPr id="528" name="constants"/>
+            <p:cNvPr id="531" name="constants"/>
             <p:cNvSpPr/>
             <p:nvPr/>
           </p:nvSpPr>
@@ -27222,7 +27337,7 @@
         </p:sp>
         <p:sp>
           <p:nvSpPr>
-            <p:cNvPr id="529" name="Rectangle"/>
+            <p:cNvPr id="532" name="Rectangle"/>
             <p:cNvSpPr/>
             <p:nvPr/>
           </p:nvSpPr>
@@ -27272,7 +27387,7 @@
       </p:grpSp>
       <p:grpSp>
         <p:nvGrpSpPr>
-          <p:cNvPr id="534" name="Group"/>
+          <p:cNvPr id="537" name="Group"/>
           <p:cNvGrpSpPr/>
           <p:nvPr/>
         </p:nvGrpSpPr>
@@ -27286,7 +27401,7 @@
         </p:grpSpPr>
         <p:sp>
           <p:nvSpPr>
-            <p:cNvPr id="531" name="Rectangle"/>
+            <p:cNvPr id="534" name="Rectangle"/>
             <p:cNvSpPr/>
             <p:nvPr/>
           </p:nvSpPr>
@@ -27335,7 +27450,7 @@
         </p:sp>
         <p:sp>
           <p:nvSpPr>
-            <p:cNvPr id="532" name="variables"/>
+            <p:cNvPr id="535" name="variables"/>
             <p:cNvSpPr/>
             <p:nvPr/>
           </p:nvSpPr>
@@ -27386,171 +27501,7 @@
         </p:sp>
         <p:sp>
           <p:nvSpPr>
-            <p:cNvPr id="533" name="Rectangle"/>
-            <p:cNvSpPr/>
-            <p:nvPr/>
-          </p:nvSpPr>
-          <p:spPr>
-            <a:xfrm>
-              <a:off x="0" y="0"/>
-              <a:ext cx="530148" cy="991304"/>
-            </a:xfrm>
-            <a:prstGeom prst="rect">
-              <a:avLst/>
-            </a:prstGeom>
-            <a:solidFill>
-              <a:srgbClr val="03A9F4"/>
-            </a:solidFill>
-            <a:ln w="12700" cap="flat">
-              <a:noFill/>
-              <a:miter lim="400000"/>
-            </a:ln>
-            <a:effectLst/>
-          </p:spPr>
-          <p:txBody>
-            <a:bodyPr wrap="square" lIns="71437" tIns="71437" rIns="71437" bIns="71437" numCol="1" anchor="ctr">
-              <a:noAutofit/>
-            </a:bodyPr>
-            <a:lstStyle/>
-            <a:p>
-              <a:pPr algn="ctr">
-                <a:lnSpc>
-                  <a:spcPct val="80000"/>
-                </a:lnSpc>
-                <a:spcBef>
-                  <a:spcPts val="0"/>
-                </a:spcBef>
-                <a:defRPr cap="all" sz="3800">
-                  <a:solidFill>
-                    <a:srgbClr val="FFFFFF"/>
-                  </a:solidFill>
-                  <a:latin typeface="+mn-lt"/>
-                  <a:ea typeface="+mn-ea"/>
-                  <a:cs typeface="+mn-cs"/>
-                  <a:sym typeface="DIN Condensed"/>
-                </a:defRPr>
-              </a:pPr>
-            </a:p>
-          </p:txBody>
-        </p:sp>
-      </p:grpSp>
-      <p:grpSp>
-        <p:nvGrpSpPr>
-          <p:cNvPr id="538" name="Group"/>
-          <p:cNvGrpSpPr/>
-          <p:nvPr/>
-        </p:nvGrpSpPr>
-        <p:grpSpPr>
-          <a:xfrm>
-            <a:off x="1270000" y="11546092"/>
-            <a:ext cx="5071915" cy="1765653"/>
-            <a:chOff x="0" y="0"/>
-            <a:chExt cx="5071914" cy="1765651"/>
-          </a:xfrm>
-        </p:grpSpPr>
-        <p:sp>
-          <p:nvSpPr>
-            <p:cNvPr id="535" name="Rectangle"/>
-            <p:cNvSpPr/>
-            <p:nvPr/>
-          </p:nvSpPr>
-          <p:spPr>
-            <a:xfrm>
-              <a:off x="1038" y="-1"/>
-              <a:ext cx="5070877" cy="991305"/>
-            </a:xfrm>
-            <a:prstGeom prst="rect">
-              <a:avLst/>
-            </a:prstGeom>
-            <a:solidFill>
-              <a:srgbClr val="263238"/>
-            </a:solidFill>
-            <a:ln w="12700" cap="flat">
-              <a:noFill/>
-              <a:miter lim="400000"/>
-            </a:ln>
-            <a:effectLst/>
-          </p:spPr>
-          <p:txBody>
-            <a:bodyPr wrap="square" lIns="71437" tIns="71437" rIns="71437" bIns="71437" numCol="1" anchor="ctr">
-              <a:noAutofit/>
-            </a:bodyPr>
-            <a:lstStyle/>
-            <a:p>
-              <a:pPr algn="ctr">
-                <a:lnSpc>
-                  <a:spcPct val="80000"/>
-                </a:lnSpc>
-                <a:spcBef>
-                  <a:spcPts val="0"/>
-                </a:spcBef>
-                <a:defRPr cap="all" sz="3800">
-                  <a:solidFill>
-                    <a:srgbClr val="263238"/>
-                  </a:solidFill>
-                  <a:latin typeface="+mn-lt"/>
-                  <a:ea typeface="+mn-ea"/>
-                  <a:cs typeface="+mn-cs"/>
-                  <a:sym typeface="DIN Condensed"/>
-                </a:defRPr>
-              </a:pPr>
-            </a:p>
-          </p:txBody>
-        </p:sp>
-        <p:sp>
-          <p:nvSpPr>
-            <p:cNvPr id="536" name="functions"/>
-            <p:cNvSpPr/>
-            <p:nvPr/>
-          </p:nvSpPr>
-          <p:spPr>
-            <a:xfrm>
-              <a:off x="844184" y="495651"/>
-              <a:ext cx="1270001" cy="1270001"/>
-            </a:xfrm>
-            <a:prstGeom prst="line">
-              <a:avLst/>
-            </a:prstGeom>
-            <a:noFill/>
-            <a:ln w="12700" cap="flat">
-              <a:noFill/>
-              <a:miter lim="400000"/>
-            </a:ln>
-            <a:effectLst/>
-            <a:extLst>
-              <a:ext uri="{C572A759-6A51-4108-AA02-DFA0A04FC94B}">
-                <ma14:wrappingTextBoxFlag xmlns:ma14="http://schemas.microsoft.com/office/mac/drawingml/2011/main" val="1"/>
-              </a:ext>
-            </a:extLst>
-          </p:spPr>
-          <p:txBody>
-            <a:bodyPr wrap="none" lIns="71437" tIns="71437" rIns="71437" bIns="71437" numCol="1" anchor="ctr">
-              <a:spAutoFit/>
-            </a:bodyPr>
-            <a:lstStyle>
-              <a:lvl1pPr>
-                <a:defRPr sz="4200">
-                  <a:solidFill>
-                    <a:srgbClr val="FFFFFF"/>
-                  </a:solidFill>
-                  <a:latin typeface="Meslo LG M for Powerline"/>
-                  <a:ea typeface="Meslo LG M for Powerline"/>
-                  <a:cs typeface="Meslo LG M for Powerline"/>
-                  <a:sym typeface="Meslo LG M for Powerline"/>
-                </a:defRPr>
-              </a:lvl1pPr>
-            </a:lstStyle>
-            <a:p>
-              <a:pPr/>
-              <a:r>
-                <a:t>functions</a:t>
-              </a:r>
-            </a:p>
-          </p:txBody>
-        </p:sp>
-        <p:sp>
-          <p:nvSpPr>
-            <p:cNvPr id="537" name="Rectangle"/>
+            <p:cNvPr id="536" name="Rectangle"/>
             <p:cNvSpPr/>
             <p:nvPr/>
           </p:nvSpPr>
@@ -27606,6 +27557,170 @@
         </p:nvGrpSpPr>
         <p:grpSpPr>
           <a:xfrm>
+            <a:off x="1270000" y="11546092"/>
+            <a:ext cx="5071915" cy="1765653"/>
+            <a:chOff x="0" y="0"/>
+            <a:chExt cx="5071914" cy="1765651"/>
+          </a:xfrm>
+        </p:grpSpPr>
+        <p:sp>
+          <p:nvSpPr>
+            <p:cNvPr id="538" name="Rectangle"/>
+            <p:cNvSpPr/>
+            <p:nvPr/>
+          </p:nvSpPr>
+          <p:spPr>
+            <a:xfrm>
+              <a:off x="1038" y="-1"/>
+              <a:ext cx="5070877" cy="991305"/>
+            </a:xfrm>
+            <a:prstGeom prst="rect">
+              <a:avLst/>
+            </a:prstGeom>
+            <a:solidFill>
+              <a:srgbClr val="263238"/>
+            </a:solidFill>
+            <a:ln w="12700" cap="flat">
+              <a:noFill/>
+              <a:miter lim="400000"/>
+            </a:ln>
+            <a:effectLst/>
+          </p:spPr>
+          <p:txBody>
+            <a:bodyPr wrap="square" lIns="71437" tIns="71437" rIns="71437" bIns="71437" numCol="1" anchor="ctr">
+              <a:noAutofit/>
+            </a:bodyPr>
+            <a:lstStyle/>
+            <a:p>
+              <a:pPr algn="ctr">
+                <a:lnSpc>
+                  <a:spcPct val="80000"/>
+                </a:lnSpc>
+                <a:spcBef>
+                  <a:spcPts val="0"/>
+                </a:spcBef>
+                <a:defRPr cap="all" sz="3800">
+                  <a:solidFill>
+                    <a:srgbClr val="263238"/>
+                  </a:solidFill>
+                  <a:latin typeface="+mn-lt"/>
+                  <a:ea typeface="+mn-ea"/>
+                  <a:cs typeface="+mn-cs"/>
+                  <a:sym typeface="DIN Condensed"/>
+                </a:defRPr>
+              </a:pPr>
+            </a:p>
+          </p:txBody>
+        </p:sp>
+        <p:sp>
+          <p:nvSpPr>
+            <p:cNvPr id="539" name="functions"/>
+            <p:cNvSpPr/>
+            <p:nvPr/>
+          </p:nvSpPr>
+          <p:spPr>
+            <a:xfrm>
+              <a:off x="844184" y="495651"/>
+              <a:ext cx="1270001" cy="1270001"/>
+            </a:xfrm>
+            <a:prstGeom prst="line">
+              <a:avLst/>
+            </a:prstGeom>
+            <a:noFill/>
+            <a:ln w="12700" cap="flat">
+              <a:noFill/>
+              <a:miter lim="400000"/>
+            </a:ln>
+            <a:effectLst/>
+            <a:extLst>
+              <a:ext uri="{C572A759-6A51-4108-AA02-DFA0A04FC94B}">
+                <ma14:wrappingTextBoxFlag xmlns:ma14="http://schemas.microsoft.com/office/mac/drawingml/2011/main" val="1"/>
+              </a:ext>
+            </a:extLst>
+          </p:spPr>
+          <p:txBody>
+            <a:bodyPr wrap="none" lIns="71437" tIns="71437" rIns="71437" bIns="71437" numCol="1" anchor="ctr">
+              <a:spAutoFit/>
+            </a:bodyPr>
+            <a:lstStyle>
+              <a:lvl1pPr>
+                <a:defRPr sz="4200">
+                  <a:solidFill>
+                    <a:srgbClr val="FFFFFF"/>
+                  </a:solidFill>
+                  <a:latin typeface="Meslo LG M for Powerline"/>
+                  <a:ea typeface="Meslo LG M for Powerline"/>
+                  <a:cs typeface="Meslo LG M for Powerline"/>
+                  <a:sym typeface="Meslo LG M for Powerline"/>
+                </a:defRPr>
+              </a:lvl1pPr>
+            </a:lstStyle>
+            <a:p>
+              <a:pPr/>
+              <a:r>
+                <a:t>functions</a:t>
+              </a:r>
+            </a:p>
+          </p:txBody>
+        </p:sp>
+        <p:sp>
+          <p:nvSpPr>
+            <p:cNvPr id="540" name="Rectangle"/>
+            <p:cNvSpPr/>
+            <p:nvPr/>
+          </p:nvSpPr>
+          <p:spPr>
+            <a:xfrm>
+              <a:off x="0" y="0"/>
+              <a:ext cx="530148" cy="991304"/>
+            </a:xfrm>
+            <a:prstGeom prst="rect">
+              <a:avLst/>
+            </a:prstGeom>
+            <a:solidFill>
+              <a:srgbClr val="03A9F4"/>
+            </a:solidFill>
+            <a:ln w="12700" cap="flat">
+              <a:noFill/>
+              <a:miter lim="400000"/>
+            </a:ln>
+            <a:effectLst/>
+          </p:spPr>
+          <p:txBody>
+            <a:bodyPr wrap="square" lIns="71437" tIns="71437" rIns="71437" bIns="71437" numCol="1" anchor="ctr">
+              <a:noAutofit/>
+            </a:bodyPr>
+            <a:lstStyle/>
+            <a:p>
+              <a:pPr algn="ctr">
+                <a:lnSpc>
+                  <a:spcPct val="80000"/>
+                </a:lnSpc>
+                <a:spcBef>
+                  <a:spcPts val="0"/>
+                </a:spcBef>
+                <a:defRPr cap="all" sz="3800">
+                  <a:solidFill>
+                    <a:srgbClr val="FFFFFF"/>
+                  </a:solidFill>
+                  <a:latin typeface="+mn-lt"/>
+                  <a:ea typeface="+mn-ea"/>
+                  <a:cs typeface="+mn-cs"/>
+                  <a:sym typeface="DIN Condensed"/>
+                </a:defRPr>
+              </a:pPr>
+            </a:p>
+          </p:txBody>
+        </p:sp>
+      </p:grpSp>
+      <p:grpSp>
+        <p:nvGrpSpPr>
+          <p:cNvPr id="544" name="Group"/>
+          <p:cNvGrpSpPr/>
+          <p:nvPr/>
+        </p:nvGrpSpPr>
+        <p:grpSpPr>
+          <a:xfrm>
             <a:off x="1139726" y="3536041"/>
             <a:ext cx="2579838" cy="1270001"/>
             <a:chOff x="0" y="503237"/>
@@ -27614,7 +27729,7 @@
         </p:grpSpPr>
         <p:sp>
           <p:nvSpPr>
-            <p:cNvPr id="539" name="Locals"/>
+            <p:cNvPr id="542" name="Locals"/>
             <p:cNvSpPr/>
             <p:nvPr/>
           </p:nvSpPr>
@@ -27665,7 +27780,7 @@
         </p:sp>
         <p:sp>
           <p:nvSpPr>
-            <p:cNvPr id="540" name="Rectangle"/>
+            <p:cNvPr id="543" name="Rectangle"/>
             <p:cNvSpPr/>
             <p:nvPr/>
           </p:nvSpPr>
@@ -27715,7 +27830,7 @@
       </p:grpSp>
       <p:grpSp>
         <p:nvGrpSpPr>
-          <p:cNvPr id="544" name="Group"/>
+          <p:cNvPr id="547" name="Group"/>
           <p:cNvGrpSpPr/>
           <p:nvPr/>
         </p:nvGrpSpPr>
@@ -27729,7 +27844,7 @@
         </p:grpSpPr>
         <p:sp>
           <p:nvSpPr>
-            <p:cNvPr id="542" name="Globals"/>
+            <p:cNvPr id="545" name="Globals"/>
             <p:cNvSpPr/>
             <p:nvPr/>
           </p:nvSpPr>
@@ -27780,7 +27895,7 @@
         </p:sp>
         <p:sp>
           <p:nvSpPr>
-            <p:cNvPr id="543" name="Rectangle"/>
+            <p:cNvPr id="546" name="Rectangle"/>
             <p:cNvSpPr/>
             <p:nvPr/>
           </p:nvSpPr>
@@ -27835,7 +27950,7 @@
   </p:clrMapOvr>
   <mc:AlternateContent xmlns:mc="http://schemas.openxmlformats.org/markup-compatibility/2006">
     <mc:Choice xmlns:p14="http://schemas.microsoft.com/office/powerpoint/2010/main" Requires="p14">
-      <p:transition spd="fast" advClick="1" p14:dur="700">
+      <p:transition spd="fast" advClick="1" p14:dur="699">
         <p:push dir="u"/>
       </p:transition>
     </mc:Choice>
@@ -27881,7 +27996,7 @@
                                       <p:cBhvr>
                                         <p:cTn id="6" fill="hold"/>
                                         <p:tgtEl>
-                                          <p:spTgt spid="541"/>
+                                          <p:spTgt spid="544"/>
                                         </p:tgtEl>
                                         <p:attrNameLst>
                                           <p:attrName>style.visibility</p:attrName>
@@ -27895,7 +28010,7 @@
                                       <p:cBhvr>
                                         <p:cTn id="7" dur="700"/>
                                         <p:tgtEl>
-                                          <p:spTgt spid="541"/>
+                                          <p:spTgt spid="544"/>
                                         </p:tgtEl>
                                       </p:cBhvr>
                                     </p:animEffect>
@@ -27924,7 +28039,7 @@
                                       <p:cBhvr>
                                         <p:cTn id="10" fill="hold"/>
                                         <p:tgtEl>
-                                          <p:spTgt spid="522"/>
+                                          <p:spTgt spid="525"/>
                                         </p:tgtEl>
                                         <p:attrNameLst>
                                           <p:attrName>style.visibility</p:attrName>
@@ -27938,7 +28053,7 @@
                                       <p:cBhvr>
                                         <p:cTn id="11" dur="700" fill="hold"/>
                                         <p:tgtEl>
-                                          <p:spTgt spid="522"/>
+                                          <p:spTgt spid="525"/>
                                         </p:tgtEl>
                                         <p:attrNameLst>
                                           <p:attrName>ppt_x</p:attrName>
@@ -27961,7 +28076,7 @@
                                       <p:cBhvr>
                                         <p:cTn id="12" dur="700" fill="hold"/>
                                         <p:tgtEl>
-                                          <p:spTgt spid="522"/>
+                                          <p:spTgt spid="525"/>
                                         </p:tgtEl>
                                         <p:attrNameLst>
                                           <p:attrName>ppt_y</p:attrName>
@@ -28005,7 +28120,7 @@
                                       <p:cBhvr>
                                         <p:cTn id="15" fill="hold"/>
                                         <p:tgtEl>
-                                          <p:spTgt spid="526"/>
+                                          <p:spTgt spid="529"/>
                                         </p:tgtEl>
                                         <p:attrNameLst>
                                           <p:attrName>style.visibility</p:attrName>
@@ -28019,7 +28134,7 @@
                                       <p:cBhvr>
                                         <p:cTn id="16" dur="700" fill="hold"/>
                                         <p:tgtEl>
-                                          <p:spTgt spid="526"/>
+                                          <p:spTgt spid="529"/>
                                         </p:tgtEl>
                                         <p:attrNameLst>
                                           <p:attrName>ppt_x</p:attrName>
@@ -28042,7 +28157,7 @@
                                       <p:cBhvr>
                                         <p:cTn id="17" dur="700" fill="hold"/>
                                         <p:tgtEl>
-                                          <p:spTgt spid="526"/>
+                                          <p:spTgt spid="529"/>
                                         </p:tgtEl>
                                         <p:attrNameLst>
                                           <p:attrName>ppt_y</p:attrName>
@@ -28095,7 +28210,7 @@
                                       <p:cBhvr>
                                         <p:cTn id="21" fill="hold"/>
                                         <p:tgtEl>
-                                          <p:spTgt spid="544"/>
+                                          <p:spTgt spid="547"/>
                                         </p:tgtEl>
                                         <p:attrNameLst>
                                           <p:attrName>style.visibility</p:attrName>
@@ -28109,7 +28224,7 @@
                                       <p:cBhvr>
                                         <p:cTn id="22" dur="700"/>
                                         <p:tgtEl>
-                                          <p:spTgt spid="544"/>
+                                          <p:spTgt spid="547"/>
                                         </p:tgtEl>
                                       </p:cBhvr>
                                     </p:animEffect>
@@ -28138,7 +28253,7 @@
                                       <p:cBhvr>
                                         <p:cTn id="25" fill="hold"/>
                                         <p:tgtEl>
-                                          <p:spTgt spid="530"/>
+                                          <p:spTgt spid="533"/>
                                         </p:tgtEl>
                                         <p:attrNameLst>
                                           <p:attrName>style.visibility</p:attrName>
@@ -28152,7 +28267,7 @@
                                       <p:cBhvr>
                                         <p:cTn id="26" dur="700" fill="hold"/>
                                         <p:tgtEl>
-                                          <p:spTgt spid="530"/>
+                                          <p:spTgt spid="533"/>
                                         </p:tgtEl>
                                         <p:attrNameLst>
                                           <p:attrName>ppt_x</p:attrName>
@@ -28175,7 +28290,7 @@
                                       <p:cBhvr>
                                         <p:cTn id="27" dur="700" fill="hold"/>
                                         <p:tgtEl>
-                                          <p:spTgt spid="530"/>
+                                          <p:spTgt spid="533"/>
                                         </p:tgtEl>
                                         <p:attrNameLst>
                                           <p:attrName>ppt_y</p:attrName>
@@ -28219,7 +28334,7 @@
                                       <p:cBhvr>
                                         <p:cTn id="30" fill="hold"/>
                                         <p:tgtEl>
-                                          <p:spTgt spid="534"/>
+                                          <p:spTgt spid="537"/>
                                         </p:tgtEl>
                                         <p:attrNameLst>
                                           <p:attrName>style.visibility</p:attrName>
@@ -28233,7 +28348,7 @@
                                       <p:cBhvr>
                                         <p:cTn id="31" dur="700" fill="hold"/>
                                         <p:tgtEl>
-                                          <p:spTgt spid="534"/>
+                                          <p:spTgt spid="537"/>
                                         </p:tgtEl>
                                         <p:attrNameLst>
                                           <p:attrName>ppt_x</p:attrName>
@@ -28256,7 +28371,7 @@
                                       <p:cBhvr>
                                         <p:cTn id="32" dur="700" fill="hold"/>
                                         <p:tgtEl>
-                                          <p:spTgt spid="534"/>
+                                          <p:spTgt spid="537"/>
                                         </p:tgtEl>
                                         <p:attrNameLst>
                                           <p:attrName>ppt_y</p:attrName>
@@ -28300,7 +28415,7 @@
                                       <p:cBhvr>
                                         <p:cTn id="35" fill="hold"/>
                                         <p:tgtEl>
-                                          <p:spTgt spid="538"/>
+                                          <p:spTgt spid="541"/>
                                         </p:tgtEl>
                                         <p:attrNameLst>
                                           <p:attrName>style.visibility</p:attrName>
@@ -28314,7 +28429,7 @@
                                       <p:cBhvr>
                                         <p:cTn id="36" dur="700" fill="hold"/>
                                         <p:tgtEl>
-                                          <p:spTgt spid="538"/>
+                                          <p:spTgt spid="541"/>
                                         </p:tgtEl>
                                         <p:attrNameLst>
                                           <p:attrName>ppt_x</p:attrName>
@@ -28337,7 +28452,7 @@
                                       <p:cBhvr>
                                         <p:cTn id="37" dur="700" fill="hold"/>
                                         <p:tgtEl>
-                                          <p:spTgt spid="538"/>
+                                          <p:spTgt spid="541"/>
                                         </p:tgtEl>
                                         <p:attrNameLst>
                                           <p:attrName>ppt_y</p:attrName>
@@ -28387,13 +28502,13 @@
       </p:par>
     </p:tnLst>
     <p:bldLst>
-      <p:bldP build="whole" bldLvl="1" animBg="1" rev="0" advAuto="0" spid="538" grpId="7"/>
-      <p:bldP build="whole" bldLvl="1" animBg="1" rev="0" advAuto="0" spid="534" grpId="6"/>
-      <p:bldP build="whole" bldLvl="1" animBg="1" rev="0" advAuto="0" spid="530" grpId="5"/>
-      <p:bldP build="whole" bldLvl="1" animBg="1" rev="0" advAuto="0" spid="541" grpId="1"/>
-      <p:bldP build="whole" bldLvl="1" animBg="1" rev="0" advAuto="0" spid="544" grpId="4"/>
-      <p:bldP build="whole" bldLvl="1" animBg="1" rev="0" advAuto="0" spid="522" grpId="2"/>
-      <p:bldP build="whole" bldLvl="1" animBg="1" rev="0" advAuto="0" spid="526" grpId="3"/>
+      <p:bldP build="whole" bldLvl="1" animBg="1" rev="0" advAuto="0" spid="529" grpId="3"/>
+      <p:bldP build="whole" bldLvl="1" animBg="1" rev="0" advAuto="0" spid="547" grpId="4"/>
+      <p:bldP build="whole" bldLvl="1" animBg="1" rev="0" advAuto="0" spid="533" grpId="5"/>
+      <p:bldP build="whole" bldLvl="1" animBg="1" rev="0" advAuto="0" spid="525" grpId="2"/>
+      <p:bldP build="whole" bldLvl="1" animBg="1" rev="0" advAuto="0" spid="541" grpId="7"/>
+      <p:bldP build="whole" bldLvl="1" animBg="1" rev="0" advAuto="0" spid="544" grpId="1"/>
+      <p:bldP build="whole" bldLvl="1" animBg="1" rev="0" advAuto="0" spid="537" grpId="6"/>
     </p:bldLst>
   </p:timing>
 </p:sld>

--- a/packages/Packages.pptx
+++ b/packages/Packages.pptx
@@ -5488,7 +5488,7 @@
       </p:grpSpPr>
       <p:sp>
         <p:nvSpPr>
-          <p:cNvPr id="549" name="Title 6"/>
+          <p:cNvPr id="563" name="Title 6"/>
           <p:cNvSpPr txBox="1"/>
           <p:nvPr>
             <p:ph type="title"/>
@@ -5524,7 +5524,7 @@
       </p:sp>
       <p:pic>
         <p:nvPicPr>
-          <p:cNvPr id="550" name="cubes.png" descr="cubes.png"/>
+          <p:cNvPr id="564" name="cubes.png" descr="cubes.png"/>
           <p:cNvPicPr>
             <a:picLocks noChangeAspect="1"/>
           </p:cNvPicPr>
@@ -5553,7 +5553,7 @@
       </p:pic>
       <p:grpSp>
         <p:nvGrpSpPr>
-          <p:cNvPr id="553" name="Group"/>
+          <p:cNvPr id="567" name="Group"/>
           <p:cNvGrpSpPr/>
           <p:nvPr/>
         </p:nvGrpSpPr>
@@ -5567,7 +5567,7 @@
         </p:grpSpPr>
         <p:sp>
           <p:nvSpPr>
-            <p:cNvPr id="551" name="Rectangle"/>
+            <p:cNvPr id="565" name="Rectangle"/>
             <p:cNvSpPr/>
             <p:nvPr/>
           </p:nvSpPr>
@@ -5622,7 +5622,7 @@
         </p:sp>
         <p:sp>
           <p:nvSpPr>
-            <p:cNvPr id="552" name="package p1"/>
+            <p:cNvPr id="566" name="package p1"/>
             <p:cNvSpPr/>
             <p:nvPr/>
           </p:nvSpPr>
@@ -5680,7 +5680,7 @@
       </p:grpSp>
       <p:grpSp>
         <p:nvGrpSpPr>
-          <p:cNvPr id="556" name="Group"/>
+          <p:cNvPr id="570" name="Group"/>
           <p:cNvGrpSpPr/>
           <p:nvPr/>
         </p:nvGrpSpPr>
@@ -5694,7 +5694,7 @@
         </p:grpSpPr>
         <p:sp>
           <p:nvSpPr>
-            <p:cNvPr id="554" name="Rectangle"/>
+            <p:cNvPr id="568" name="Rectangle"/>
             <p:cNvSpPr/>
             <p:nvPr/>
           </p:nvSpPr>
@@ -5749,7 +5749,7 @@
         </p:sp>
         <p:sp>
           <p:nvSpPr>
-            <p:cNvPr id="555" name="package p2"/>
+            <p:cNvPr id="569" name="package p2"/>
             <p:cNvSpPr/>
             <p:nvPr/>
           </p:nvSpPr>
@@ -5807,7 +5807,7 @@
       </p:grpSp>
       <p:grpSp>
         <p:nvGrpSpPr>
-          <p:cNvPr id="559" name="Group"/>
+          <p:cNvPr id="573" name="Group"/>
           <p:cNvGrpSpPr/>
           <p:nvPr/>
         </p:nvGrpSpPr>
@@ -5821,7 +5821,7 @@
         </p:grpSpPr>
         <p:sp>
           <p:nvSpPr>
-            <p:cNvPr id="557" name="p1_test.go"/>
+            <p:cNvPr id="571" name="p1_test.go"/>
             <p:cNvSpPr/>
             <p:nvPr/>
           </p:nvSpPr>
@@ -5872,7 +5872,7 @@
         </p:sp>
         <p:sp>
           <p:nvSpPr>
-            <p:cNvPr id="558" name="Rectangle"/>
+            <p:cNvPr id="572" name="Rectangle"/>
             <p:cNvSpPr/>
             <p:nvPr/>
           </p:nvSpPr>
@@ -5922,7 +5922,7 @@
       </p:grpSp>
       <p:grpSp>
         <p:nvGrpSpPr>
-          <p:cNvPr id="562" name="Group"/>
+          <p:cNvPr id="576" name="Group"/>
           <p:cNvGrpSpPr/>
           <p:nvPr/>
         </p:nvGrpSpPr>
@@ -5936,7 +5936,7 @@
         </p:grpSpPr>
         <p:sp>
           <p:nvSpPr>
-            <p:cNvPr id="560" name="p2_test.go"/>
+            <p:cNvPr id="574" name="p2_test.go"/>
             <p:cNvSpPr/>
             <p:nvPr/>
           </p:nvSpPr>
@@ -5987,7 +5987,7 @@
         </p:sp>
         <p:sp>
           <p:nvSpPr>
-            <p:cNvPr id="561" name="Rectangle"/>
+            <p:cNvPr id="575" name="Rectangle"/>
             <p:cNvSpPr/>
             <p:nvPr/>
           </p:nvSpPr>
@@ -6037,7 +6037,7 @@
       </p:grpSp>
       <p:pic>
         <p:nvPicPr>
-          <p:cNvPr id="563" name="Line Line" descr="Line Line"/>
+          <p:cNvPr id="577" name="Line Line" descr="Line Line"/>
           <p:cNvPicPr>
             <a:picLocks noChangeAspect="0"/>
           </p:cNvPicPr>
@@ -6063,7 +6063,7 @@
       </p:pic>
       <p:pic>
         <p:nvPicPr>
-          <p:cNvPr id="565" name="no-entry.png" descr="no-entry.png"/>
+          <p:cNvPr id="579" name="no-entry.png" descr="no-entry.png"/>
           <p:cNvPicPr>
             <a:picLocks noChangeAspect="1"/>
           </p:cNvPicPr>
@@ -6143,7 +6143,7 @@
                                       <p:cBhvr>
                                         <p:cTn id="6" fill="hold"/>
                                         <p:tgtEl>
-                                          <p:spTgt spid="559"/>
+                                          <p:spTgt spid="573"/>
                                         </p:tgtEl>
                                         <p:attrNameLst>
                                           <p:attrName>style.visibility</p:attrName>
@@ -6157,7 +6157,7 @@
                                       <p:cBhvr>
                                         <p:cTn id="7" dur="700" fill="hold"/>
                                         <p:tgtEl>
-                                          <p:spTgt spid="559"/>
+                                          <p:spTgt spid="573"/>
                                         </p:tgtEl>
                                         <p:attrNameLst>
                                           <p:attrName>ppt_x</p:attrName>
@@ -6180,7 +6180,7 @@
                                       <p:cBhvr>
                                         <p:cTn id="8" dur="700" fill="hold"/>
                                         <p:tgtEl>
-                                          <p:spTgt spid="559"/>
+                                          <p:spTgt spid="573"/>
                                         </p:tgtEl>
                                         <p:attrNameLst>
                                           <p:attrName>ppt_y</p:attrName>
@@ -6224,7 +6224,7 @@
                                       <p:cBhvr>
                                         <p:cTn id="11" fill="hold"/>
                                         <p:tgtEl>
-                                          <p:spTgt spid="553"/>
+                                          <p:spTgt spid="567"/>
                                         </p:tgtEl>
                                         <p:attrNameLst>
                                           <p:attrName>style.visibility</p:attrName>
@@ -6238,7 +6238,7 @@
                                       <p:cBhvr>
                                         <p:cTn id="12" dur="700"/>
                                         <p:tgtEl>
-                                          <p:spTgt spid="553"/>
+                                          <p:spTgt spid="567"/>
                                         </p:tgtEl>
                                       </p:cBhvr>
                                     </p:animEffect>
@@ -6267,7 +6267,7 @@
                                       <p:cBhvr>
                                         <p:cTn id="15" fill="hold"/>
                                         <p:tgtEl>
-                                          <p:spTgt spid="562"/>
+                                          <p:spTgt spid="576"/>
                                         </p:tgtEl>
                                         <p:attrNameLst>
                                           <p:attrName>style.visibility</p:attrName>
@@ -6281,7 +6281,7 @@
                                       <p:cBhvr>
                                         <p:cTn id="16" dur="700" fill="hold"/>
                                         <p:tgtEl>
-                                          <p:spTgt spid="562"/>
+                                          <p:spTgt spid="576"/>
                                         </p:tgtEl>
                                         <p:attrNameLst>
                                           <p:attrName>ppt_x</p:attrName>
@@ -6304,7 +6304,7 @@
                                       <p:cBhvr>
                                         <p:cTn id="17" dur="700" fill="hold"/>
                                         <p:tgtEl>
-                                          <p:spTgt spid="562"/>
+                                          <p:spTgt spid="576"/>
                                         </p:tgtEl>
                                         <p:attrNameLst>
                                           <p:attrName>ppt_y</p:attrName>
@@ -6348,7 +6348,7 @@
                                       <p:cBhvr>
                                         <p:cTn id="20" fill="hold"/>
                                         <p:tgtEl>
-                                          <p:spTgt spid="556"/>
+                                          <p:spTgt spid="570"/>
                                         </p:tgtEl>
                                         <p:attrNameLst>
                                           <p:attrName>style.visibility</p:attrName>
@@ -6362,7 +6362,7 @@
                                       <p:cBhvr>
                                         <p:cTn id="21" dur="700"/>
                                         <p:tgtEl>
-                                          <p:spTgt spid="556"/>
+                                          <p:spTgt spid="570"/>
                                         </p:tgtEl>
                                       </p:cBhvr>
                                     </p:animEffect>
@@ -6391,7 +6391,7 @@
                                       <p:cBhvr>
                                         <p:cTn id="24" fill="hold"/>
                                         <p:tgtEl>
-                                          <p:spTgt spid="563"/>
+                                          <p:spTgt spid="577"/>
                                         </p:tgtEl>
                                         <p:attrNameLst>
                                           <p:attrName>style.visibility</p:attrName>
@@ -6405,7 +6405,7 @@
                                       <p:cBhvr>
                                         <p:cTn id="25" dur="500"/>
                                         <p:tgtEl>
-                                          <p:spTgt spid="563"/>
+                                          <p:spTgt spid="577"/>
                                         </p:tgtEl>
                                       </p:cBhvr>
                                     </p:animEffect>
@@ -6434,7 +6434,7 @@
                                       <p:cBhvr>
                                         <p:cTn id="28" fill="hold"/>
                                         <p:tgtEl>
-                                          <p:spTgt spid="565"/>
+                                          <p:spTgt spid="579"/>
                                         </p:tgtEl>
                                         <p:attrNameLst>
                                           <p:attrName>style.visibility</p:attrName>
@@ -6466,7 +6466,7 @@
                                       <p:cBhvr>
                                         <p:cTn id="31" dur="700" fill="hold"/>
                                         <p:tgtEl>
-                                          <p:spTgt spid="565"/>
+                                          <p:spTgt spid="579"/>
                                         </p:tgtEl>
                                         <p:attrNameLst>
                                           <p:attrName>style.visibility</p:attrName>
@@ -6516,13 +6516,13 @@
       </p:par>
     </p:tnLst>
     <p:bldLst>
-      <p:bldP build="whole" bldLvl="1" animBg="1" rev="0" advAuto="0" spid="562" grpId="3"/>
-      <p:bldP build="whole" bldLvl="1" animBg="1" rev="0" advAuto="0" spid="559" grpId="1"/>
-      <p:bldP build="whole" bldLvl="1" animBg="1" rev="0" advAuto="0" spid="565" grpId="6"/>
-      <p:bldP build="whole" bldLvl="1" animBg="1" rev="0" advAuto="0" spid="553" grpId="2"/>
-      <p:bldP build="whole" bldLvl="1" animBg="1" rev="0" advAuto="0" spid="565" grpId="7"/>
-      <p:bldP build="whole" bldLvl="1" animBg="1" rev="0" advAuto="0" spid="563" grpId="5"/>
-      <p:bldP build="whole" bldLvl="1" animBg="1" rev="0" advAuto="0" spid="556" grpId="4"/>
+      <p:bldP build="whole" bldLvl="1" animBg="1" rev="0" advAuto="0" spid="579" grpId="6"/>
+      <p:bldP build="whole" bldLvl="1" animBg="1" rev="0" advAuto="0" spid="579" grpId="7"/>
+      <p:bldP build="whole" bldLvl="1" animBg="1" rev="0" advAuto="0" spid="570" grpId="4"/>
+      <p:bldP build="whole" bldLvl="1" animBg="1" rev="0" advAuto="0" spid="577" grpId="5"/>
+      <p:bldP build="whole" bldLvl="1" animBg="1" rev="0" advAuto="0" spid="576" grpId="3"/>
+      <p:bldP build="whole" bldLvl="1" animBg="1" rev="0" advAuto="0" spid="567" grpId="2"/>
+      <p:bldP build="whole" bldLvl="1" animBg="1" rev="0" advAuto="0" spid="573" grpId="1"/>
     </p:bldLst>
   </p:timing>
 </p:sld>
@@ -6554,7 +6554,7 @@
       </p:grpSpPr>
       <p:sp>
         <p:nvSpPr>
-          <p:cNvPr id="567" name="Title 6"/>
+          <p:cNvPr id="581" name="Title 6"/>
           <p:cNvSpPr txBox="1"/>
           <p:nvPr>
             <p:ph type="title"/>
@@ -6590,7 +6590,7 @@
       </p:sp>
       <p:pic>
         <p:nvPicPr>
-          <p:cNvPr id="568" name="cubes.png" descr="cubes.png"/>
+          <p:cNvPr id="582" name="cubes.png" descr="cubes.png"/>
           <p:cNvPicPr>
             <a:picLocks noChangeAspect="1"/>
           </p:cNvPicPr>
@@ -6619,7 +6619,7 @@
       </p:pic>
       <p:sp>
         <p:nvSpPr>
-          <p:cNvPr id="569" name="Exported"/>
+          <p:cNvPr id="583" name="Exported"/>
           <p:cNvSpPr txBox="1"/>
           <p:nvPr/>
         </p:nvSpPr>
@@ -6667,7 +6667,7 @@
       </p:sp>
       <p:sp>
         <p:nvSpPr>
-          <p:cNvPr id="570" name="unExported"/>
+          <p:cNvPr id="584" name="unExported"/>
           <p:cNvSpPr txBox="1"/>
           <p:nvPr/>
         </p:nvSpPr>
@@ -6715,7 +6715,7 @@
       </p:sp>
       <p:sp>
         <p:nvSpPr>
-          <p:cNvPr id="571" name="Visible &amp; accessible in all files…"/>
+          <p:cNvPr id="585" name="Visible &amp; accessible in all files…"/>
           <p:cNvSpPr txBox="1"/>
           <p:nvPr/>
         </p:nvSpPr>
@@ -6775,7 +6775,7 @@
       </p:sp>
       <p:sp>
         <p:nvSpPr>
-          <p:cNvPr id="572" name="Visible &amp; accessible inside the package, and…"/>
+          <p:cNvPr id="586" name="Visible &amp; accessible inside the package, and…"/>
           <p:cNvSpPr txBox="1"/>
           <p:nvPr/>
         </p:nvSpPr>
@@ -6835,7 +6835,7 @@
       </p:sp>
       <p:sp>
         <p:nvSpPr>
-          <p:cNvPr id="573" name="Rectangle"/>
+          <p:cNvPr id="587" name="Rectangle"/>
           <p:cNvSpPr/>
           <p:nvPr/>
         </p:nvSpPr>
@@ -6880,7 +6880,7 @@
       </p:sp>
       <p:sp>
         <p:nvSpPr>
-          <p:cNvPr id="574" name="Rectangle"/>
+          <p:cNvPr id="588" name="Rectangle"/>
           <p:cNvSpPr/>
           <p:nvPr/>
         </p:nvSpPr>
@@ -6976,7 +6976,7 @@
                                       <p:cBhvr>
                                         <p:cTn id="6" fill="hold"/>
                                         <p:tgtEl>
-                                          <p:spTgt spid="569"/>
+                                          <p:spTgt spid="583"/>
                                         </p:tgtEl>
                                         <p:attrNameLst>
                                           <p:attrName>style.visibility</p:attrName>
@@ -6990,7 +6990,7 @@
                                       <p:cBhvr>
                                         <p:cTn id="7" dur="800" fill="hold"/>
                                         <p:tgtEl>
-                                          <p:spTgt spid="569"/>
+                                          <p:spTgt spid="583"/>
                                         </p:tgtEl>
                                         <p:attrNameLst>
                                           <p:attrName>ppt_x</p:attrName>
@@ -7013,7 +7013,7 @@
                                       <p:cBhvr>
                                         <p:cTn id="8" dur="800" fill="hold"/>
                                         <p:tgtEl>
-                                          <p:spTgt spid="569"/>
+                                          <p:spTgt spid="583"/>
                                         </p:tgtEl>
                                         <p:attrNameLst>
                                           <p:attrName>ppt_y</p:attrName>
@@ -7057,7 +7057,7 @@
                                       <p:cBhvr>
                                         <p:cTn id="11" fill="hold"/>
                                         <p:tgtEl>
-                                          <p:spTgt spid="573"/>
+                                          <p:spTgt spid="587"/>
                                         </p:tgtEl>
                                         <p:attrNameLst>
                                           <p:attrName>style.visibility</p:attrName>
@@ -7071,7 +7071,7 @@
                                       <p:cBhvr>
                                         <p:cTn id="12" dur="700" fill="hold"/>
                                         <p:tgtEl>
-                                          <p:spTgt spid="573"/>
+                                          <p:spTgt spid="587"/>
                                         </p:tgtEl>
                                         <p:attrNameLst>
                                           <p:attrName>ppt_x</p:attrName>
@@ -7094,7 +7094,7 @@
                                       <p:cBhvr>
                                         <p:cTn id="13" dur="700" fill="hold"/>
                                         <p:tgtEl>
-                                          <p:spTgt spid="573"/>
+                                          <p:spTgt spid="587"/>
                                         </p:tgtEl>
                                         <p:attrNameLst>
                                           <p:attrName>ppt_y</p:attrName>
@@ -7138,7 +7138,7 @@
                                       <p:cBhvr>
                                         <p:cTn id="16" fill="hold"/>
                                         <p:tgtEl>
-                                          <p:spTgt spid="571"/>
+                                          <p:spTgt spid="585"/>
                                         </p:tgtEl>
                                         <p:attrNameLst>
                                           <p:attrName>style.visibility</p:attrName>
@@ -7152,7 +7152,7 @@
                                       <p:cBhvr>
                                         <p:cTn id="17" dur="700"/>
                                         <p:tgtEl>
-                                          <p:spTgt spid="571"/>
+                                          <p:spTgt spid="585"/>
                                         </p:tgtEl>
                                       </p:cBhvr>
                                     </p:animEffect>
@@ -7181,7 +7181,7 @@
                                       <p:cBhvr>
                                         <p:cTn id="20" fill="hold"/>
                                         <p:tgtEl>
-                                          <p:spTgt spid="570"/>
+                                          <p:spTgt spid="584"/>
                                         </p:tgtEl>
                                         <p:attrNameLst>
                                           <p:attrName>style.visibility</p:attrName>
@@ -7195,7 +7195,7 @@
                                       <p:cBhvr>
                                         <p:cTn id="21" dur="800" fill="hold"/>
                                         <p:tgtEl>
-                                          <p:spTgt spid="570"/>
+                                          <p:spTgt spid="584"/>
                                         </p:tgtEl>
                                         <p:attrNameLst>
                                           <p:attrName>ppt_x</p:attrName>
@@ -7218,7 +7218,7 @@
                                       <p:cBhvr>
                                         <p:cTn id="22" dur="800" fill="hold"/>
                                         <p:tgtEl>
-                                          <p:spTgt spid="570"/>
+                                          <p:spTgt spid="584"/>
                                         </p:tgtEl>
                                         <p:attrNameLst>
                                           <p:attrName>ppt_y</p:attrName>
@@ -7262,7 +7262,7 @@
                                       <p:cBhvr>
                                         <p:cTn id="25" fill="hold"/>
                                         <p:tgtEl>
-                                          <p:spTgt spid="574"/>
+                                          <p:spTgt spid="588"/>
                                         </p:tgtEl>
                                         <p:attrNameLst>
                                           <p:attrName>style.visibility</p:attrName>
@@ -7276,7 +7276,7 @@
                                       <p:cBhvr>
                                         <p:cTn id="26" dur="700" fill="hold"/>
                                         <p:tgtEl>
-                                          <p:spTgt spid="574"/>
+                                          <p:spTgt spid="588"/>
                                         </p:tgtEl>
                                         <p:attrNameLst>
                                           <p:attrName>ppt_x</p:attrName>
@@ -7299,7 +7299,7 @@
                                       <p:cBhvr>
                                         <p:cTn id="27" dur="700" fill="hold"/>
                                         <p:tgtEl>
-                                          <p:spTgt spid="574"/>
+                                          <p:spTgt spid="588"/>
                                         </p:tgtEl>
                                         <p:attrNameLst>
                                           <p:attrName>ppt_y</p:attrName>
@@ -7343,7 +7343,7 @@
                                       <p:cBhvr>
                                         <p:cTn id="30" fill="hold"/>
                                         <p:tgtEl>
-                                          <p:spTgt spid="572"/>
+                                          <p:spTgt spid="586"/>
                                         </p:tgtEl>
                                         <p:attrNameLst>
                                           <p:attrName>style.visibility</p:attrName>
@@ -7357,7 +7357,7 @@
                                       <p:cBhvr>
                                         <p:cTn id="31" dur="700"/>
                                         <p:tgtEl>
-                                          <p:spTgt spid="572"/>
+                                          <p:spTgt spid="586"/>
                                         </p:tgtEl>
                                       </p:cBhvr>
                                     </p:animEffect>
@@ -7392,12 +7392,12 @@
       </p:par>
     </p:tnLst>
     <p:bldLst>
-      <p:bldP build="whole" bldLvl="1" animBg="1" rev="0" advAuto="0" spid="574" grpId="5"/>
-      <p:bldP build="whole" bldLvl="1" animBg="1" rev="0" advAuto="0" spid="569" grpId="1"/>
-      <p:bldP build="whole" bldLvl="1" animBg="1" rev="0" advAuto="0" spid="573" grpId="2"/>
-      <p:bldP build="whole" bldLvl="1" animBg="1" rev="0" advAuto="0" spid="571" grpId="3"/>
-      <p:bldP build="whole" bldLvl="1" animBg="1" rev="0" advAuto="0" spid="570" grpId="4"/>
-      <p:bldP build="whole" bldLvl="1" animBg="1" rev="0" advAuto="0" spid="572" grpId="6"/>
+      <p:bldP build="whole" bldLvl="1" animBg="1" rev="0" advAuto="0" spid="586" grpId="6"/>
+      <p:bldP build="whole" bldLvl="1" animBg="1" rev="0" advAuto="0" spid="583" grpId="1"/>
+      <p:bldP build="whole" bldLvl="1" animBg="1" rev="0" advAuto="0" spid="585" grpId="3"/>
+      <p:bldP build="whole" bldLvl="1" animBg="1" rev="0" advAuto="0" spid="587" grpId="2"/>
+      <p:bldP build="whole" bldLvl="1" animBg="1" rev="0" advAuto="0" spid="584" grpId="4"/>
+      <p:bldP build="whole" bldLvl="1" animBg="1" rev="0" advAuto="0" spid="588" grpId="5"/>
     </p:bldLst>
   </p:timing>
 </p:sld>
@@ -7429,7 +7429,7 @@
       </p:grpSpPr>
       <p:sp>
         <p:nvSpPr>
-          <p:cNvPr id="576" name="Title 6"/>
+          <p:cNvPr id="590" name="Title 6"/>
           <p:cNvSpPr txBox="1"/>
           <p:nvPr>
             <p:ph type="title"/>
@@ -7465,7 +7465,7 @@
       </p:sp>
       <p:pic>
         <p:nvPicPr>
-          <p:cNvPr id="577" name="cubes.png" descr="cubes.png"/>
+          <p:cNvPr id="591" name="cubes.png" descr="cubes.png"/>
           <p:cNvPicPr>
             <a:picLocks noChangeAspect="1"/>
           </p:cNvPicPr>
@@ -7494,7 +7494,7 @@
       </p:pic>
       <p:grpSp>
         <p:nvGrpSpPr>
-          <p:cNvPr id="583" name="Group"/>
+          <p:cNvPr id="597" name="Group"/>
           <p:cNvGrpSpPr/>
           <p:nvPr/>
         </p:nvGrpSpPr>
@@ -7508,7 +7508,7 @@
         </p:grpSpPr>
         <p:sp>
           <p:nvSpPr>
-            <p:cNvPr id="578" name="Rounded Rectangle"/>
+            <p:cNvPr id="592" name="Rounded Rectangle"/>
             <p:cNvSpPr/>
             <p:nvPr/>
           </p:nvSpPr>
@@ -7559,7 +7559,7 @@
         </p:sp>
         <p:sp>
           <p:nvSpPr>
-            <p:cNvPr id="579" name="Circle"/>
+            <p:cNvPr id="593" name="Circle"/>
             <p:cNvSpPr/>
             <p:nvPr/>
           </p:nvSpPr>
@@ -7608,7 +7608,7 @@
         </p:sp>
         <p:sp>
           <p:nvSpPr>
-            <p:cNvPr id="580" name="Circle"/>
+            <p:cNvPr id="594" name="Circle"/>
             <p:cNvSpPr/>
             <p:nvPr/>
           </p:nvSpPr>
@@ -7657,7 +7657,7 @@
         </p:sp>
         <p:sp>
           <p:nvSpPr>
-            <p:cNvPr id="581" name="Circle"/>
+            <p:cNvPr id="595" name="Circle"/>
             <p:cNvSpPr/>
             <p:nvPr/>
           </p:nvSpPr>
@@ -7706,7 +7706,7 @@
         </p:sp>
         <p:sp>
           <p:nvSpPr>
-            <p:cNvPr id="582" name="Rectangle"/>
+            <p:cNvPr id="596" name="Rectangle"/>
             <p:cNvSpPr/>
             <p:nvPr/>
           </p:nvSpPr>
@@ -7756,7 +7756,7 @@
       </p:grpSp>
       <p:pic>
         <p:nvPicPr>
-          <p:cNvPr id="584" name="server.png" descr="server.png"/>
+          <p:cNvPr id="598" name="server.png" descr="server.png"/>
           <p:cNvPicPr>
             <a:picLocks noChangeAspect="1"/>
           </p:cNvPicPr>
@@ -7785,7 +7785,7 @@
       </p:pic>
       <p:pic>
         <p:nvPicPr>
-          <p:cNvPr id="585" name="folder.png" descr="folder.png"/>
+          <p:cNvPr id="599" name="folder.png" descr="folder.png"/>
           <p:cNvPicPr>
             <a:picLocks noChangeAspect="1"/>
           </p:cNvPicPr>
@@ -7814,7 +7814,7 @@
       </p:pic>
       <p:sp>
         <p:nvSpPr>
-          <p:cNvPr id="586" name="$GOPATH/src"/>
+          <p:cNvPr id="600" name="$GOPATH/src"/>
           <p:cNvSpPr txBox="1"/>
           <p:nvPr/>
         </p:nvSpPr>
@@ -7862,7 +7862,7 @@
       </p:sp>
       <p:grpSp>
         <p:nvGrpSpPr>
-          <p:cNvPr id="590" name="Group"/>
+          <p:cNvPr id="604" name="Group"/>
           <p:cNvGrpSpPr/>
           <p:nvPr/>
         </p:nvGrpSpPr>
@@ -7876,7 +7876,7 @@
         </p:grpSpPr>
         <p:sp>
           <p:nvSpPr>
-            <p:cNvPr id="587" name="Rectangle"/>
+            <p:cNvPr id="601" name="Rectangle"/>
             <p:cNvSpPr/>
             <p:nvPr/>
           </p:nvSpPr>
@@ -7925,7 +7925,7 @@
         </p:sp>
         <p:sp>
           <p:nvSpPr>
-            <p:cNvPr id="588" name="go get ./..."/>
+            <p:cNvPr id="602" name="go get ./..."/>
             <p:cNvSpPr/>
             <p:nvPr/>
           </p:nvSpPr>
@@ -7976,7 +7976,7 @@
         </p:sp>
         <p:sp>
           <p:nvSpPr>
-            <p:cNvPr id="589" name="Rectangle"/>
+            <p:cNvPr id="603" name="Rectangle"/>
             <p:cNvSpPr/>
             <p:nvPr/>
           </p:nvSpPr>
@@ -8026,7 +8026,7 @@
       </p:grpSp>
       <p:sp>
         <p:nvSpPr>
-          <p:cNvPr id="591" name="github.com"/>
+          <p:cNvPr id="605" name="github.com"/>
           <p:cNvSpPr txBox="1"/>
           <p:nvPr/>
         </p:nvSpPr>
@@ -8074,7 +8074,7 @@
       </p:sp>
       <p:pic>
         <p:nvPicPr>
-          <p:cNvPr id="592" name="man.png" descr="man.png"/>
+          <p:cNvPr id="606" name="man.png" descr="man.png"/>
           <p:cNvPicPr>
             <a:picLocks noChangeAspect="1"/>
           </p:cNvPicPr>
@@ -8103,7 +8103,7 @@
       </p:pic>
       <p:pic>
         <p:nvPicPr>
-          <p:cNvPr id="593" name="cloud.png" descr="cloud.png"/>
+          <p:cNvPr id="607" name="cloud.png" descr="cloud.png"/>
           <p:cNvPicPr>
             <a:picLocks noChangeAspect="1"/>
           </p:cNvPicPr>
@@ -8132,7 +8132,7 @@
       </p:pic>
       <p:pic>
         <p:nvPicPr>
-          <p:cNvPr id="594" name="Line Line" descr="Line Line"/>
+          <p:cNvPr id="608" name="Line Line" descr="Line Line"/>
           <p:cNvPicPr>
             <a:picLocks noChangeAspect="0"/>
           </p:cNvPicPr>
@@ -8158,7 +8158,7 @@
       </p:pic>
       <p:pic>
         <p:nvPicPr>
-          <p:cNvPr id="596" name="Line Line" descr="Line Line"/>
+          <p:cNvPr id="610" name="Line Line" descr="Line Line"/>
           <p:cNvPicPr>
             <a:picLocks noChangeAspect="0"/>
           </p:cNvPicPr>
@@ -8184,7 +8184,7 @@
       </p:pic>
       <p:pic>
         <p:nvPicPr>
-          <p:cNvPr id="598" name="Line Line" descr="Line Line"/>
+          <p:cNvPr id="612" name="Line Line" descr="Line Line"/>
           <p:cNvPicPr>
             <a:picLocks noChangeAspect="0"/>
           </p:cNvPicPr>
@@ -8210,7 +8210,7 @@
       </p:pic>
       <p:pic>
         <p:nvPicPr>
-          <p:cNvPr id="600" name="Line Line" descr="Line Line"/>
+          <p:cNvPr id="614" name="Line Line" descr="Line Line"/>
           <p:cNvPicPr>
             <a:picLocks noChangeAspect="0"/>
           </p:cNvPicPr>
@@ -8236,7 +8236,7 @@
       </p:pic>
       <p:sp>
         <p:nvSpPr>
-          <p:cNvPr id="602" name="steevehook"/>
+          <p:cNvPr id="616" name="steevehook"/>
           <p:cNvSpPr txBox="1"/>
           <p:nvPr/>
         </p:nvSpPr>
@@ -8284,7 +8284,7 @@
       </p:sp>
       <p:sp>
         <p:nvSpPr>
-          <p:cNvPr id="603" name="repo"/>
+          <p:cNvPr id="617" name="repo"/>
           <p:cNvSpPr txBox="1"/>
           <p:nvPr/>
         </p:nvSpPr>
@@ -8383,7 +8383,7 @@
                                       <p:cBhvr>
                                         <p:cTn id="6" fill="hold"/>
                                         <p:tgtEl>
-                                          <p:spTgt spid="583"/>
+                                          <p:spTgt spid="597"/>
                                         </p:tgtEl>
                                         <p:attrNameLst>
                                           <p:attrName>style.visibility</p:attrName>
@@ -8397,7 +8397,7 @@
                                       <p:cBhvr>
                                         <p:cTn id="7" dur="700"/>
                                         <p:tgtEl>
-                                          <p:spTgt spid="583"/>
+                                          <p:spTgt spid="597"/>
                                         </p:tgtEl>
                                       </p:cBhvr>
                                     </p:animEffect>
@@ -8426,7 +8426,7 @@
                                       <p:cBhvr>
                                         <p:cTn id="10" fill="hold"/>
                                         <p:tgtEl>
-                                          <p:spTgt spid="590"/>
+                                          <p:spTgt spid="604"/>
                                         </p:tgtEl>
                                         <p:attrNameLst>
                                           <p:attrName>style.visibility</p:attrName>
@@ -8440,7 +8440,7 @@
                                       <p:cBhvr>
                                         <p:cTn id="11" dur="700" fill="hold"/>
                                         <p:tgtEl>
-                                          <p:spTgt spid="590"/>
+                                          <p:spTgt spid="604"/>
                                         </p:tgtEl>
                                         <p:attrNameLst>
                                           <p:attrName>ppt_x</p:attrName>
@@ -8463,7 +8463,7 @@
                                       <p:cBhvr>
                                         <p:cTn id="12" dur="700" fill="hold"/>
                                         <p:tgtEl>
-                                          <p:spTgt spid="590"/>
+                                          <p:spTgt spid="604"/>
                                         </p:tgtEl>
                                         <p:attrNameLst>
                                           <p:attrName>ppt_y</p:attrName>
@@ -8507,7 +8507,7 @@
                                       <p:cBhvr>
                                         <p:cTn id="15" fill="hold"/>
                                         <p:tgtEl>
-                                          <p:spTgt spid="594"/>
+                                          <p:spTgt spid="608"/>
                                         </p:tgtEl>
                                         <p:attrNameLst>
                                           <p:attrName>style.visibility</p:attrName>
@@ -8521,7 +8521,7 @@
                                       <p:cBhvr>
                                         <p:cTn id="16" dur="500"/>
                                         <p:tgtEl>
-                                          <p:spTgt spid="594"/>
+                                          <p:spTgt spid="608"/>
                                         </p:tgtEl>
                                       </p:cBhvr>
                                     </p:animEffect>
@@ -8550,7 +8550,7 @@
                                       <p:cBhvr>
                                         <p:cTn id="19" fill="hold"/>
                                         <p:tgtEl>
-                                          <p:spTgt spid="584"/>
+                                          <p:spTgt spid="598"/>
                                         </p:tgtEl>
                                         <p:attrNameLst>
                                           <p:attrName>style.visibility</p:attrName>
@@ -8564,7 +8564,7 @@
                                       <p:cBhvr>
                                         <p:cTn id="20" dur="700"/>
                                         <p:tgtEl>
-                                          <p:spTgt spid="584"/>
+                                          <p:spTgt spid="598"/>
                                         </p:tgtEl>
                                       </p:cBhvr>
                                     </p:animEffect>
@@ -8593,7 +8593,7 @@
                                       <p:cBhvr>
                                         <p:cTn id="23" fill="hold"/>
                                         <p:tgtEl>
-                                          <p:spTgt spid="591"/>
+                                          <p:spTgt spid="605"/>
                                         </p:tgtEl>
                                         <p:attrNameLst>
                                           <p:attrName>style.visibility</p:attrName>
@@ -8628,7 +8628,7 @@
                                       <p:cBhvr>
                                         <p:cTn id="26" fill="hold"/>
                                         <p:tgtEl>
-                                          <p:spTgt spid="598"/>
+                                          <p:spTgt spid="612"/>
                                         </p:tgtEl>
                                         <p:attrNameLst>
                                           <p:attrName>style.visibility</p:attrName>
@@ -8642,7 +8642,7 @@
                                       <p:cBhvr>
                                         <p:cTn id="27" dur="500"/>
                                         <p:tgtEl>
-                                          <p:spTgt spid="598"/>
+                                          <p:spTgt spid="612"/>
                                         </p:tgtEl>
                                       </p:cBhvr>
                                     </p:animEffect>
@@ -8671,7 +8671,7 @@
                                       <p:cBhvr>
                                         <p:cTn id="30" fill="hold"/>
                                         <p:tgtEl>
-                                          <p:spTgt spid="592"/>
+                                          <p:spTgt spid="606"/>
                                         </p:tgtEl>
                                         <p:attrNameLst>
                                           <p:attrName>style.visibility</p:attrName>
@@ -8685,7 +8685,7 @@
                                       <p:cBhvr>
                                         <p:cTn id="31" dur="700"/>
                                         <p:tgtEl>
-                                          <p:spTgt spid="592"/>
+                                          <p:spTgt spid="606"/>
                                         </p:tgtEl>
                                       </p:cBhvr>
                                     </p:animEffect>
@@ -8714,7 +8714,7 @@
                                       <p:cBhvr>
                                         <p:cTn id="34" fill="hold"/>
                                         <p:tgtEl>
-                                          <p:spTgt spid="602"/>
+                                          <p:spTgt spid="616"/>
                                         </p:tgtEl>
                                         <p:attrNameLst>
                                           <p:attrName>style.visibility</p:attrName>
@@ -8749,7 +8749,7 @@
                                       <p:cBhvr>
                                         <p:cTn id="37" fill="hold"/>
                                         <p:tgtEl>
-                                          <p:spTgt spid="600"/>
+                                          <p:spTgt spid="614"/>
                                         </p:tgtEl>
                                         <p:attrNameLst>
                                           <p:attrName>style.visibility</p:attrName>
@@ -8763,7 +8763,7 @@
                                       <p:cBhvr>
                                         <p:cTn id="38" dur="500"/>
                                         <p:tgtEl>
-                                          <p:spTgt spid="600"/>
+                                          <p:spTgt spid="614"/>
                                         </p:tgtEl>
                                       </p:cBhvr>
                                     </p:animEffect>
@@ -8792,7 +8792,7 @@
                                       <p:cBhvr>
                                         <p:cTn id="41" fill="hold"/>
                                         <p:tgtEl>
-                                          <p:spTgt spid="593"/>
+                                          <p:spTgt spid="607"/>
                                         </p:tgtEl>
                                         <p:attrNameLst>
                                           <p:attrName>style.visibility</p:attrName>
@@ -8806,7 +8806,7 @@
                                       <p:cBhvr>
                                         <p:cTn id="42" dur="700"/>
                                         <p:tgtEl>
-                                          <p:spTgt spid="593"/>
+                                          <p:spTgt spid="607"/>
                                         </p:tgtEl>
                                       </p:cBhvr>
                                     </p:animEffect>
@@ -8835,7 +8835,7 @@
                                       <p:cBhvr>
                                         <p:cTn id="45" fill="hold"/>
                                         <p:tgtEl>
-                                          <p:spTgt spid="603"/>
+                                          <p:spTgt spid="617"/>
                                         </p:tgtEl>
                                         <p:attrNameLst>
                                           <p:attrName>style.visibility</p:attrName>
@@ -8870,7 +8870,7 @@
                                       <p:cBhvr>
                                         <p:cTn id="48" fill="hold"/>
                                         <p:tgtEl>
-                                          <p:spTgt spid="596"/>
+                                          <p:spTgt spid="610"/>
                                         </p:tgtEl>
                                         <p:attrNameLst>
                                           <p:attrName>style.visibility</p:attrName>
@@ -8884,7 +8884,7 @@
                                       <p:cBhvr>
                                         <p:cTn id="49" dur="500"/>
                                         <p:tgtEl>
-                                          <p:spTgt spid="596"/>
+                                          <p:spTgt spid="610"/>
                                         </p:tgtEl>
                                       </p:cBhvr>
                                     </p:animEffect>
@@ -8913,7 +8913,7 @@
                                       <p:cBhvr>
                                         <p:cTn id="52" fill="hold"/>
                                         <p:tgtEl>
-                                          <p:spTgt spid="585"/>
+                                          <p:spTgt spid="599"/>
                                         </p:tgtEl>
                                         <p:attrNameLst>
                                           <p:attrName>style.visibility</p:attrName>
@@ -8927,7 +8927,7 @@
                                       <p:cBhvr>
                                         <p:cTn id="53" dur="700"/>
                                         <p:tgtEl>
-                                          <p:spTgt spid="585"/>
+                                          <p:spTgt spid="599"/>
                                         </p:tgtEl>
                                       </p:cBhvr>
                                     </p:animEffect>
@@ -8956,7 +8956,7 @@
                                       <p:cBhvr>
                                         <p:cTn id="56" fill="hold"/>
                                         <p:tgtEl>
-                                          <p:spTgt spid="586"/>
+                                          <p:spTgt spid="600"/>
                                         </p:tgtEl>
                                         <p:attrNameLst>
                                           <p:attrName>style.visibility</p:attrName>
@@ -8997,20 +8997,20 @@
       </p:par>
     </p:tnLst>
     <p:bldLst>
-      <p:bldP build="whole" bldLvl="1" animBg="1" rev="0" advAuto="0" spid="584" grpId="4"/>
-      <p:bldP build="whole" bldLvl="1" animBg="1" rev="0" advAuto="0" spid="600" grpId="9"/>
-      <p:bldP build="whole" bldLvl="1" animBg="1" rev="0" advAuto="0" spid="598" grpId="6"/>
-      <p:bldP build="whole" bldLvl="1" animBg="1" rev="0" advAuto="0" spid="593" grpId="10"/>
-      <p:bldP build="whole" bldLvl="1" animBg="1" rev="0" advAuto="0" spid="591" grpId="5"/>
-      <p:bldP build="whole" bldLvl="1" animBg="1" rev="0" advAuto="0" spid="596" grpId="12"/>
-      <p:bldP build="whole" bldLvl="1" animBg="1" rev="0" advAuto="0" spid="585" grpId="13"/>
-      <p:bldP build="whole" bldLvl="1" animBg="1" rev="0" advAuto="0" spid="592" grpId="7"/>
-      <p:bldP build="whole" bldLvl="1" animBg="1" rev="0" advAuto="0" spid="590" grpId="2"/>
-      <p:bldP build="whole" bldLvl="1" animBg="1" rev="0" advAuto="0" spid="586" grpId="14"/>
-      <p:bldP build="whole" bldLvl="1" animBg="1" rev="0" advAuto="0" spid="602" grpId="8"/>
-      <p:bldP build="whole" bldLvl="1" animBg="1" rev="0" advAuto="0" spid="583" grpId="1"/>
-      <p:bldP build="whole" bldLvl="1" animBg="1" rev="0" advAuto="0" spid="603" grpId="11"/>
-      <p:bldP build="whole" bldLvl="1" animBg="1" rev="0" advAuto="0" spid="594" grpId="3"/>
+      <p:bldP build="whole" bldLvl="1" animBg="1" rev="0" advAuto="0" spid="604" grpId="2"/>
+      <p:bldP build="whole" bldLvl="1" animBg="1" rev="0" advAuto="0" spid="616" grpId="8"/>
+      <p:bldP build="whole" bldLvl="1" animBg="1" rev="0" advAuto="0" spid="608" grpId="3"/>
+      <p:bldP build="whole" bldLvl="1" animBg="1" rev="0" advAuto="0" spid="605" grpId="5"/>
+      <p:bldP build="whole" bldLvl="1" animBg="1" rev="0" advAuto="0" spid="610" grpId="12"/>
+      <p:bldP build="whole" bldLvl="1" animBg="1" rev="0" advAuto="0" spid="606" grpId="7"/>
+      <p:bldP build="whole" bldLvl="1" animBg="1" rev="0" advAuto="0" spid="617" grpId="11"/>
+      <p:bldP build="whole" bldLvl="1" animBg="1" rev="0" advAuto="0" spid="600" grpId="14"/>
+      <p:bldP build="whole" bldLvl="1" animBg="1" rev="0" advAuto="0" spid="598" grpId="4"/>
+      <p:bldP build="whole" bldLvl="1" animBg="1" rev="0" advAuto="0" spid="597" grpId="1"/>
+      <p:bldP build="whole" bldLvl="1" animBg="1" rev="0" advAuto="0" spid="612" grpId="6"/>
+      <p:bldP build="whole" bldLvl="1" animBg="1" rev="0" advAuto="0" spid="614" grpId="9"/>
+      <p:bldP build="whole" bldLvl="1" animBg="1" rev="0" advAuto="0" spid="599" grpId="13"/>
+      <p:bldP build="whole" bldLvl="1" animBg="1" rev="0" advAuto="0" spid="607" grpId="10"/>
     </p:bldLst>
   </p:timing>
 </p:sld>
@@ -9424,8 +9424,8 @@
       </p:par>
     </p:tnLst>
     <p:bldLst>
+      <p:bldP build="whole" bldLvl="1" animBg="1" rev="0" advAuto="0" spid="187" grpId="2"/>
       <p:bldP build="whole" bldLvl="1" animBg="1" rev="0" advAuto="0" spid="188" grpId="3"/>
-      <p:bldP build="whole" bldLvl="1" animBg="1" rev="0" advAuto="0" spid="187" grpId="2"/>
       <p:bldP build="whole" bldLvl="1" animBg="1" rev="0" advAuto="0" spid="186" grpId="1"/>
     </p:bldLst>
   </p:timing>
@@ -11105,14 +11105,14 @@
       </p:par>
     </p:tnLst>
     <p:bldLst>
+      <p:bldP build="whole" bldLvl="1" animBg="1" rev="0" advAuto="0" spid="194" grpId="5"/>
+      <p:bldP build="whole" bldLvl="1" animBg="1" rev="0" advAuto="0" spid="197" grpId="6"/>
+      <p:bldP build="whole" bldLvl="1" animBg="1" rev="0" advAuto="0" spid="206" grpId="1"/>
+      <p:bldP build="whole" bldLvl="1" animBg="1" rev="0" advAuto="0" spid="203" grpId="8"/>
+      <p:bldP build="whole" bldLvl="1" animBg="1" rev="0" advAuto="0" spid="212" grpId="4"/>
+      <p:bldP build="whole" bldLvl="1" animBg="1" rev="0" advAuto="0" spid="215" grpId="3"/>
       <p:bldP build="whole" bldLvl="1" animBg="1" rev="0" advAuto="0" spid="209" grpId="2"/>
       <p:bldP build="whole" bldLvl="1" animBg="1" rev="0" advAuto="0" spid="200" grpId="7"/>
-      <p:bldP build="whole" bldLvl="1" animBg="1" rev="0" advAuto="0" spid="203" grpId="8"/>
-      <p:bldP build="whole" bldLvl="1" animBg="1" rev="0" advAuto="0" spid="206" grpId="1"/>
-      <p:bldP build="whole" bldLvl="1" animBg="1" rev="0" advAuto="0" spid="194" grpId="5"/>
-      <p:bldP build="whole" bldLvl="1" animBg="1" rev="0" advAuto="0" spid="212" grpId="4"/>
-      <p:bldP build="whole" bldLvl="1" animBg="1" rev="0" advAuto="0" spid="197" grpId="6"/>
-      <p:bldP build="whole" bldLvl="1" animBg="1" rev="0" advAuto="0" spid="215" grpId="3"/>
     </p:bldLst>
   </p:timing>
 </p:sld>
@@ -11938,7 +11938,7 @@
         <p:grpSpPr>
           <a:xfrm>
             <a:off x="9538916" y="6109779"/>
-            <a:ext cx="5306168" cy="1496442"/>
+            <a:ext cx="5306169" cy="1496442"/>
             <a:chOff x="0" y="0"/>
             <a:chExt cx="5306167" cy="1496441"/>
           </a:xfrm>
@@ -12441,11 +12441,11 @@
       </p:par>
     </p:tnLst>
     <p:bldLst>
+      <p:bldP build="whole" bldLvl="1" animBg="1" rev="0" advAuto="0" spid="236" grpId="5"/>
       <p:bldP build="whole" bldLvl="1" animBg="1" rev="0" advAuto="0" spid="221" grpId="1"/>
-      <p:bldP build="whole" bldLvl="1" animBg="1" rev="0" advAuto="0" spid="224" grpId="4"/>
       <p:bldP build="whole" bldLvl="1" animBg="1" rev="0" advAuto="0" spid="232" grpId="3"/>
       <p:bldP build="whole" bldLvl="1" animBg="1" rev="0" advAuto="0" spid="228" grpId="2"/>
-      <p:bldP build="whole" bldLvl="1" animBg="1" rev="0" advAuto="0" spid="236" grpId="5"/>
+      <p:bldP build="whole" bldLvl="1" animBg="1" rev="0" advAuto="0" spid="224" grpId="4"/>
     </p:bldLst>
   </p:timing>
 </p:sld>
@@ -14576,6 +14576,510 @@
           </p:txBody>
         </p:sp>
       </p:grpSp>
+      <p:pic>
+        <p:nvPicPr>
+          <p:cNvPr id="305" name="checked copy.png" descr="checked copy.png"/>
+          <p:cNvPicPr>
+            <a:picLocks noChangeAspect="1"/>
+          </p:cNvPicPr>
+          <p:nvPr/>
+        </p:nvPicPr>
+        <p:blipFill>
+          <a:blip r:embed="rId5">
+            <a:extLst/>
+          </a:blip>
+          <a:stretch>
+            <a:fillRect/>
+          </a:stretch>
+        </p:blipFill>
+        <p:spPr>
+          <a:xfrm>
+            <a:off x="13174682" y="9784684"/>
+            <a:ext cx="1016001" cy="1016001"/>
+          </a:xfrm>
+          <a:prstGeom prst="rect">
+            <a:avLst/>
+          </a:prstGeom>
+          <a:ln w="12700">
+            <a:miter lim="400000"/>
+          </a:ln>
+        </p:spPr>
+      </p:pic>
+      <p:grpSp>
+        <p:nvGrpSpPr>
+          <p:cNvPr id="318" name="Group"/>
+          <p:cNvGrpSpPr/>
+          <p:nvPr/>
+        </p:nvGrpSpPr>
+        <p:grpSpPr>
+          <a:xfrm>
+            <a:off x="8095854" y="8945381"/>
+            <a:ext cx="4090936" cy="4748497"/>
+            <a:chOff x="0" y="0"/>
+            <a:chExt cx="4090934" cy="4748495"/>
+          </a:xfrm>
+        </p:grpSpPr>
+        <p:grpSp>
+          <p:nvGrpSpPr>
+            <p:cNvPr id="308" name="Group"/>
+            <p:cNvGrpSpPr/>
+            <p:nvPr/>
+          </p:nvGrpSpPr>
+          <p:grpSpPr>
+            <a:xfrm>
+              <a:off x="4929" y="905985"/>
+              <a:ext cx="4086006" cy="1711319"/>
+              <a:chOff x="0" y="0"/>
+              <a:chExt cx="4086005" cy="1711317"/>
+            </a:xfrm>
+          </p:grpSpPr>
+          <p:sp>
+            <p:nvSpPr>
+              <p:cNvPr id="306" name="Rectangle"/>
+              <p:cNvSpPr/>
+              <p:nvPr/>
+            </p:nvSpPr>
+            <p:spPr>
+              <a:xfrm>
+                <a:off x="0" y="0"/>
+                <a:ext cx="4086006" cy="882636"/>
+              </a:xfrm>
+              <a:prstGeom prst="rect">
+                <a:avLst/>
+              </a:prstGeom>
+              <a:solidFill>
+                <a:srgbClr val="03A9F4"/>
+              </a:solidFill>
+              <a:ln w="12700" cap="flat">
+                <a:noFill/>
+                <a:miter lim="400000"/>
+              </a:ln>
+              <a:effectLst/>
+            </p:spPr>
+            <p:txBody>
+              <a:bodyPr wrap="square" lIns="71437" tIns="71437" rIns="71437" bIns="71437" numCol="1" anchor="ctr">
+                <a:noAutofit/>
+              </a:bodyPr>
+              <a:lstStyle/>
+              <a:p>
+                <a:pPr algn="ctr">
+                  <a:lnSpc>
+                    <a:spcPct val="80000"/>
+                  </a:lnSpc>
+                  <a:spcBef>
+                    <a:spcPts val="0"/>
+                  </a:spcBef>
+                  <a:defRPr cap="all" sz="3800">
+                    <a:solidFill>
+                      <a:srgbClr val="FFFFFF"/>
+                    </a:solidFill>
+                    <a:latin typeface="+mn-lt"/>
+                    <a:ea typeface="+mn-ea"/>
+                    <a:cs typeface="+mn-cs"/>
+                    <a:sym typeface="DIN Condensed"/>
+                  </a:defRPr>
+                </a:pPr>
+              </a:p>
+            </p:txBody>
+          </p:sp>
+          <p:sp>
+            <p:nvSpPr>
+              <p:cNvPr id="307" name="package main"/>
+              <p:cNvSpPr/>
+              <p:nvPr/>
+            </p:nvSpPr>
+            <p:spPr>
+              <a:xfrm>
+                <a:off x="359545" y="441317"/>
+                <a:ext cx="1270001" cy="1270001"/>
+              </a:xfrm>
+              <a:prstGeom prst="line">
+                <a:avLst/>
+              </a:prstGeom>
+              <a:noFill/>
+              <a:ln w="12700" cap="flat">
+                <a:noFill/>
+                <a:miter lim="400000"/>
+              </a:ln>
+              <a:effectLst/>
+              <a:extLst>
+                <a:ext uri="{C572A759-6A51-4108-AA02-DFA0A04FC94B}">
+                  <ma14:wrappingTextBoxFlag xmlns:ma14="http://schemas.microsoft.com/office/mac/drawingml/2011/main" val="1"/>
+                </a:ext>
+              </a:extLst>
+            </p:spPr>
+            <p:txBody>
+              <a:bodyPr wrap="none" lIns="71437" tIns="71437" rIns="71437" bIns="71437" numCol="1" anchor="ctr">
+                <a:spAutoFit/>
+              </a:bodyPr>
+              <a:lstStyle/>
+              <a:p>
+                <a:pPr>
+                  <a:defRPr>
+                    <a:solidFill>
+                      <a:srgbClr val="FFFFFF"/>
+                    </a:solidFill>
+                    <a:latin typeface="Meslo LG M for Powerline"/>
+                    <a:ea typeface="Meslo LG M for Powerline"/>
+                    <a:cs typeface="Meslo LG M for Powerline"/>
+                    <a:sym typeface="Meslo LG M for Powerline"/>
+                  </a:defRPr>
+                </a:pPr>
+                <a:r>
+                  <a:rPr>
+                    <a:solidFill>
+                      <a:srgbClr val="673AB7"/>
+                    </a:solidFill>
+                  </a:rPr>
+                  <a:t>package</a:t>
+                </a:r>
+                <a:r>
+                  <a:t> main</a:t>
+                </a:r>
+              </a:p>
+            </p:txBody>
+          </p:sp>
+        </p:grpSp>
+        <p:grpSp>
+          <p:nvGrpSpPr>
+            <p:cNvPr id="311" name="Group"/>
+            <p:cNvGrpSpPr/>
+            <p:nvPr/>
+          </p:nvGrpSpPr>
+          <p:grpSpPr>
+            <a:xfrm>
+              <a:off x="0" y="0"/>
+              <a:ext cx="2160530" cy="1631513"/>
+              <a:chOff x="0" y="0"/>
+              <a:chExt cx="2160529" cy="1631512"/>
+            </a:xfrm>
+          </p:grpSpPr>
+          <p:pic>
+            <p:nvPicPr>
+              <p:cNvPr id="309" name="folder.png" descr="folder.png"/>
+              <p:cNvPicPr>
+                <a:picLocks noChangeAspect="1"/>
+              </p:cNvPicPr>
+              <p:nvPr/>
+            </p:nvPicPr>
+            <p:blipFill>
+              <a:blip r:embed="rId4">
+                <a:extLst/>
+              </a:blip>
+              <a:stretch>
+                <a:fillRect/>
+              </a:stretch>
+            </p:blipFill>
+            <p:spPr>
+              <a:xfrm>
+                <a:off x="0" y="0"/>
+                <a:ext cx="723026" cy="723026"/>
+              </a:xfrm>
+              <a:prstGeom prst="rect">
+                <a:avLst/>
+              </a:prstGeom>
+              <a:ln w="12700" cap="flat">
+                <a:noFill/>
+                <a:miter lim="400000"/>
+              </a:ln>
+              <a:effectLst/>
+            </p:spPr>
+          </p:pic>
+          <p:sp>
+            <p:nvSpPr>
+              <p:cNvPr id="310" name="src/pkg"/>
+              <p:cNvSpPr/>
+              <p:nvPr/>
+            </p:nvSpPr>
+            <p:spPr>
+              <a:xfrm>
+                <a:off x="890529" y="361512"/>
+                <a:ext cx="1270001" cy="1270001"/>
+              </a:xfrm>
+              <a:prstGeom prst="line">
+                <a:avLst/>
+              </a:prstGeom>
+              <a:noFill/>
+              <a:ln w="12700" cap="flat">
+                <a:noFill/>
+                <a:miter lim="400000"/>
+              </a:ln>
+              <a:effectLst/>
+              <a:extLst>
+                <a:ext uri="{C572A759-6A51-4108-AA02-DFA0A04FC94B}">
+                  <ma14:wrappingTextBoxFlag xmlns:ma14="http://schemas.microsoft.com/office/mac/drawingml/2011/main" val="1"/>
+                </a:ext>
+              </a:extLst>
+            </p:spPr>
+            <p:txBody>
+              <a:bodyPr wrap="none" lIns="71437" tIns="71437" rIns="71437" bIns="71437" numCol="1" anchor="ctr">
+                <a:spAutoFit/>
+              </a:bodyPr>
+              <a:lstStyle>
+                <a:lvl1pPr>
+                  <a:defRPr>
+                    <a:solidFill>
+                      <a:srgbClr val="FFFFFF"/>
+                    </a:solidFill>
+                    <a:latin typeface="Meslo LG M for Powerline"/>
+                    <a:ea typeface="Meslo LG M for Powerline"/>
+                    <a:cs typeface="Meslo LG M for Powerline"/>
+                    <a:sym typeface="Meslo LG M for Powerline"/>
+                  </a:defRPr>
+                </a:lvl1pPr>
+              </a:lstStyle>
+              <a:p>
+                <a:pPr/>
+                <a:r>
+                  <a:t>src/pkg</a:t>
+                </a:r>
+              </a:p>
+            </p:txBody>
+          </p:sp>
+        </p:grpSp>
+        <p:grpSp>
+          <p:nvGrpSpPr>
+            <p:cNvPr id="314" name="Group"/>
+            <p:cNvGrpSpPr/>
+            <p:nvPr/>
+          </p:nvGrpSpPr>
+          <p:grpSpPr>
+            <a:xfrm>
+              <a:off x="4929" y="1971581"/>
+              <a:ext cx="4086006" cy="1711319"/>
+              <a:chOff x="0" y="0"/>
+              <a:chExt cx="4086005" cy="1711317"/>
+            </a:xfrm>
+          </p:grpSpPr>
+          <p:sp>
+            <p:nvSpPr>
+              <p:cNvPr id="312" name="Rectangle"/>
+              <p:cNvSpPr/>
+              <p:nvPr/>
+            </p:nvSpPr>
+            <p:spPr>
+              <a:xfrm>
+                <a:off x="0" y="0"/>
+                <a:ext cx="4086006" cy="882636"/>
+              </a:xfrm>
+              <a:prstGeom prst="rect">
+                <a:avLst/>
+              </a:prstGeom>
+              <a:solidFill>
+                <a:srgbClr val="03A9F4"/>
+              </a:solidFill>
+              <a:ln w="12700" cap="flat">
+                <a:noFill/>
+                <a:miter lim="400000"/>
+              </a:ln>
+              <a:effectLst/>
+            </p:spPr>
+            <p:txBody>
+              <a:bodyPr wrap="square" lIns="71437" tIns="71437" rIns="71437" bIns="71437" numCol="1" anchor="ctr">
+                <a:noAutofit/>
+              </a:bodyPr>
+              <a:lstStyle/>
+              <a:p>
+                <a:pPr algn="ctr">
+                  <a:lnSpc>
+                    <a:spcPct val="80000"/>
+                  </a:lnSpc>
+                  <a:spcBef>
+                    <a:spcPts val="0"/>
+                  </a:spcBef>
+                  <a:defRPr cap="all" sz="3800">
+                    <a:solidFill>
+                      <a:srgbClr val="FFFFFF"/>
+                    </a:solidFill>
+                    <a:latin typeface="+mn-lt"/>
+                    <a:ea typeface="+mn-ea"/>
+                    <a:cs typeface="+mn-cs"/>
+                    <a:sym typeface="DIN Condensed"/>
+                  </a:defRPr>
+                </a:pPr>
+              </a:p>
+            </p:txBody>
+          </p:sp>
+          <p:sp>
+            <p:nvSpPr>
+              <p:cNvPr id="313" name="package pkgA"/>
+              <p:cNvSpPr/>
+              <p:nvPr/>
+            </p:nvSpPr>
+            <p:spPr>
+              <a:xfrm>
+                <a:off x="359545" y="441317"/>
+                <a:ext cx="1270001" cy="1270001"/>
+              </a:xfrm>
+              <a:prstGeom prst="line">
+                <a:avLst/>
+              </a:prstGeom>
+              <a:noFill/>
+              <a:ln w="12700" cap="flat">
+                <a:noFill/>
+                <a:miter lim="400000"/>
+              </a:ln>
+              <a:effectLst/>
+              <a:extLst>
+                <a:ext uri="{C572A759-6A51-4108-AA02-DFA0A04FC94B}">
+                  <ma14:wrappingTextBoxFlag xmlns:ma14="http://schemas.microsoft.com/office/mac/drawingml/2011/main" val="1"/>
+                </a:ext>
+              </a:extLst>
+            </p:spPr>
+            <p:txBody>
+              <a:bodyPr wrap="none" lIns="71437" tIns="71437" rIns="71437" bIns="71437" numCol="1" anchor="ctr">
+                <a:spAutoFit/>
+              </a:bodyPr>
+              <a:lstStyle/>
+              <a:p>
+                <a:pPr>
+                  <a:defRPr>
+                    <a:solidFill>
+                      <a:srgbClr val="FFFFFF"/>
+                    </a:solidFill>
+                    <a:latin typeface="Meslo LG M for Powerline"/>
+                    <a:ea typeface="Meslo LG M for Powerline"/>
+                    <a:cs typeface="Meslo LG M for Powerline"/>
+                    <a:sym typeface="Meslo LG M for Powerline"/>
+                  </a:defRPr>
+                </a:pPr>
+                <a:r>
+                  <a:rPr>
+                    <a:solidFill>
+                      <a:srgbClr val="673AB7"/>
+                    </a:solidFill>
+                  </a:rPr>
+                  <a:t>package</a:t>
+                </a:r>
+                <a:r>
+                  <a:t> pkgA</a:t>
+                </a:r>
+              </a:p>
+            </p:txBody>
+          </p:sp>
+        </p:grpSp>
+        <p:grpSp>
+          <p:nvGrpSpPr>
+            <p:cNvPr id="317" name="Group"/>
+            <p:cNvGrpSpPr/>
+            <p:nvPr/>
+          </p:nvGrpSpPr>
+          <p:grpSpPr>
+            <a:xfrm>
+              <a:off x="4929" y="3037177"/>
+              <a:ext cx="4086006" cy="1711319"/>
+              <a:chOff x="0" y="0"/>
+              <a:chExt cx="4086005" cy="1711317"/>
+            </a:xfrm>
+          </p:grpSpPr>
+          <p:sp>
+            <p:nvSpPr>
+              <p:cNvPr id="315" name="Rectangle"/>
+              <p:cNvSpPr/>
+              <p:nvPr/>
+            </p:nvSpPr>
+            <p:spPr>
+              <a:xfrm>
+                <a:off x="0" y="0"/>
+                <a:ext cx="4086006" cy="882636"/>
+              </a:xfrm>
+              <a:prstGeom prst="rect">
+                <a:avLst/>
+              </a:prstGeom>
+              <a:solidFill>
+                <a:srgbClr val="03A9F4"/>
+              </a:solidFill>
+              <a:ln w="12700" cap="flat">
+                <a:noFill/>
+                <a:miter lim="400000"/>
+              </a:ln>
+              <a:effectLst/>
+            </p:spPr>
+            <p:txBody>
+              <a:bodyPr wrap="square" lIns="71437" tIns="71437" rIns="71437" bIns="71437" numCol="1" anchor="ctr">
+                <a:noAutofit/>
+              </a:bodyPr>
+              <a:lstStyle/>
+              <a:p>
+                <a:pPr algn="ctr">
+                  <a:lnSpc>
+                    <a:spcPct val="80000"/>
+                  </a:lnSpc>
+                  <a:spcBef>
+                    <a:spcPts val="0"/>
+                  </a:spcBef>
+                  <a:defRPr cap="all" sz="3800">
+                    <a:solidFill>
+                      <a:srgbClr val="FFFFFF"/>
+                    </a:solidFill>
+                    <a:latin typeface="+mn-lt"/>
+                    <a:ea typeface="+mn-ea"/>
+                    <a:cs typeface="+mn-cs"/>
+                    <a:sym typeface="DIN Condensed"/>
+                  </a:defRPr>
+                </a:pPr>
+              </a:p>
+            </p:txBody>
+          </p:sp>
+          <p:sp>
+            <p:nvSpPr>
+              <p:cNvPr id="316" name="package pkgB"/>
+              <p:cNvSpPr/>
+              <p:nvPr/>
+            </p:nvSpPr>
+            <p:spPr>
+              <a:xfrm>
+                <a:off x="359545" y="441317"/>
+                <a:ext cx="1270001" cy="1270001"/>
+              </a:xfrm>
+              <a:prstGeom prst="line">
+                <a:avLst/>
+              </a:prstGeom>
+              <a:noFill/>
+              <a:ln w="12700" cap="flat">
+                <a:noFill/>
+                <a:miter lim="400000"/>
+              </a:ln>
+              <a:effectLst/>
+              <a:extLst>
+                <a:ext uri="{C572A759-6A51-4108-AA02-DFA0A04FC94B}">
+                  <ma14:wrappingTextBoxFlag xmlns:ma14="http://schemas.microsoft.com/office/mac/drawingml/2011/main" val="1"/>
+                </a:ext>
+              </a:extLst>
+            </p:spPr>
+            <p:txBody>
+              <a:bodyPr wrap="none" lIns="71437" tIns="71437" rIns="71437" bIns="71437" numCol="1" anchor="ctr">
+                <a:spAutoFit/>
+              </a:bodyPr>
+              <a:lstStyle/>
+              <a:p>
+                <a:pPr>
+                  <a:defRPr>
+                    <a:solidFill>
+                      <a:srgbClr val="FFFFFF"/>
+                    </a:solidFill>
+                    <a:latin typeface="Meslo LG M for Powerline"/>
+                    <a:ea typeface="Meslo LG M for Powerline"/>
+                    <a:cs typeface="Meslo LG M for Powerline"/>
+                    <a:sym typeface="Meslo LG M for Powerline"/>
+                  </a:defRPr>
+                </a:pPr>
+                <a:r>
+                  <a:rPr>
+                    <a:solidFill>
+                      <a:srgbClr val="673AB7"/>
+                    </a:solidFill>
+                  </a:rPr>
+                  <a:t>package</a:t>
+                </a:r>
+                <a:r>
+                  <a:t> pkgB</a:t>
+                </a:r>
+              </a:p>
+            </p:txBody>
+          </p:sp>
+        </p:grpSp>
+      </p:grpSp>
     </p:spTree>
   </p:cSld>
   <p:clrMapOvr>
@@ -15602,6 +16106,134 @@
                       </p:childTnLst>
                     </p:cTn>
                   </p:par>
+                  <p:par>
+                    <p:cTn id="82" fill="hold">
+                      <p:stCondLst>
+                        <p:cond delay="indefinite"/>
+                      </p:stCondLst>
+                      <p:childTnLst>
+                        <p:par>
+                          <p:cTn id="83" fill="hold">
+                            <p:stCondLst>
+                              <p:cond delay="0"/>
+                            </p:stCondLst>
+                            <p:childTnLst>
+                              <p:par>
+                                <p:cTn id="84" presetClass="entr" nodeType="clickEffect" presetSubtype="8" presetID="22" grpId="20" fill="hold">
+                                  <p:stCondLst>
+                                    <p:cond delay="0"/>
+                                  </p:stCondLst>
+                                  <p:iterate type="el" backwards="0">
+                                    <p:tmAbs val="0"/>
+                                  </p:iterate>
+                                  <p:childTnLst>
+                                    <p:set>
+                                      <p:cBhvr>
+                                        <p:cTn id="85" fill="hold"/>
+                                        <p:tgtEl>
+                                          <p:spTgt spid="318"/>
+                                        </p:tgtEl>
+                                        <p:attrNameLst>
+                                          <p:attrName>style.visibility</p:attrName>
+                                        </p:attrNameLst>
+                                      </p:cBhvr>
+                                      <p:to>
+                                        <p:strVal val="visible"/>
+                                      </p:to>
+                                    </p:set>
+                                    <p:animEffect filter="wipe(left)" transition="in">
+                                      <p:cBhvr>
+                                        <p:cTn id="86" dur="700"/>
+                                        <p:tgtEl>
+                                          <p:spTgt spid="318"/>
+                                        </p:tgtEl>
+                                      </p:cBhvr>
+                                    </p:animEffect>
+                                  </p:childTnLst>
+                                </p:cTn>
+                              </p:par>
+                            </p:childTnLst>
+                          </p:cTn>
+                        </p:par>
+                        <p:par>
+                          <p:cTn id="87" fill="hold">
+                            <p:stCondLst>
+                              <p:cond delay="700"/>
+                            </p:stCondLst>
+                            <p:childTnLst>
+                              <p:par>
+                                <p:cTn id="88" presetClass="entr" nodeType="afterEffect" presetSubtype="0" presetID="1" grpId="21" fill="hold">
+                                  <p:stCondLst>
+                                    <p:cond delay="0"/>
+                                  </p:stCondLst>
+                                  <p:iterate type="el" backwards="0">
+                                    <p:tmAbs val="0"/>
+                                  </p:iterate>
+                                  <p:childTnLst>
+                                    <p:set>
+                                      <p:cBhvr>
+                                        <p:cTn id="89" fill="hold"/>
+                                        <p:tgtEl>
+                                          <p:spTgt spid="305"/>
+                                        </p:tgtEl>
+                                        <p:attrNameLst>
+                                          <p:attrName>style.visibility</p:attrName>
+                                        </p:attrNameLst>
+                                      </p:cBhvr>
+                                      <p:to>
+                                        <p:strVal val="visible"/>
+                                      </p:to>
+                                    </p:set>
+                                  </p:childTnLst>
+                                </p:cTn>
+                              </p:par>
+                            </p:childTnLst>
+                          </p:cTn>
+                        </p:par>
+                        <p:par>
+                          <p:cTn id="90" fill="hold">
+                            <p:stCondLst>
+                              <p:cond delay="0"/>
+                            </p:stCondLst>
+                            <p:childTnLst>
+                              <p:par>
+                                <p:cTn id="91" presetClass="emph" nodeType="afterEffect" presetSubtype="0" presetID="35" grpId="22" repeatCount="3000" fill="hold">
+                                  <p:stCondLst>
+                                    <p:cond delay="0"/>
+                                  </p:stCondLst>
+                                  <p:childTnLst>
+                                    <p:anim calcmode="discrete" valueType="str">
+                                      <p:cBhvr>
+                                        <p:cTn id="92" dur="700" fill="hold"/>
+                                        <p:tgtEl>
+                                          <p:spTgt spid="305"/>
+                                        </p:tgtEl>
+                                        <p:attrNameLst>
+                                          <p:attrName>style.visibility</p:attrName>
+                                        </p:attrNameLst>
+                                      </p:cBhvr>
+                                      <p:tavLst>
+                                        <p:tav tm="0">
+                                          <p:val>
+                                            <p:strVal val="hidden"/>
+                                          </p:val>
+                                        </p:tav>
+                                        <p:tav tm="50000">
+                                          <p:val>
+                                            <p:strVal val="visible"/>
+                                          </p:val>
+                                        </p:tav>
+                                      </p:tavLst>
+                                    </p:anim>
+                                  </p:childTnLst>
+                                </p:cTn>
+                              </p:par>
+                            </p:childTnLst>
+                          </p:cTn>
+                        </p:par>
+                      </p:childTnLst>
+                    </p:cTn>
+                  </p:par>
                 </p:childTnLst>
               </p:cTn>
               <p:prevCondLst>
@@ -15624,25 +16256,28 @@
       </p:par>
     </p:tnLst>
     <p:bldLst>
+      <p:bldP build="whole" bldLvl="1" animBg="1" rev="0" advAuto="0" spid="296" grpId="16"/>
       <p:bldP build="whole" bldLvl="1" animBg="1" rev="0" advAuto="0" spid="297" grpId="19"/>
+      <p:bldP build="whole" bldLvl="1" animBg="1" rev="0" advAuto="0" spid="296" grpId="17"/>
+      <p:bldP build="whole" bldLvl="1" animBg="1" rev="0" advAuto="0" spid="251" grpId="4"/>
+      <p:bldP build="whole" bldLvl="1" animBg="1" rev="0" advAuto="0" spid="251" grpId="5"/>
       <p:bldP build="whole" bldLvl="1" animBg="1" rev="0" advAuto="0" spid="282" grpId="12"/>
+      <p:bldP build="whole" bldLvl="1" animBg="1" rev="0" advAuto="0" spid="243" grpId="2"/>
+      <p:bldP build="whole" bldLvl="1" animBg="1" rev="0" advAuto="0" spid="267" grpId="10"/>
+      <p:bldP build="whole" bldLvl="1" animBg="1" rev="0" advAuto="0" spid="274" grpId="9"/>
+      <p:bldP build="whole" bldLvl="1" animBg="1" rev="0" advAuto="0" spid="258" grpId="3"/>
+      <p:bldP build="whole" bldLvl="1" animBg="1" rev="0" advAuto="0" spid="267" grpId="11"/>
+      <p:bldP build="whole" bldLvl="1" animBg="1" rev="0" advAuto="0" spid="250" grpId="1"/>
+      <p:bldP build="whole" bldLvl="1" animBg="1" rev="0" advAuto="0" spid="318" grpId="20"/>
+      <p:bldP build="whole" bldLvl="1" animBg="1" rev="0" advAuto="0" spid="304" grpId="18"/>
+      <p:bldP build="whole" bldLvl="1" animBg="1" rev="0" advAuto="0" spid="305" grpId="21"/>
+      <p:bldP build="whole" bldLvl="1" animBg="1" rev="0" advAuto="0" spid="259" grpId="7"/>
+      <p:bldP build="whole" bldLvl="1" animBg="1" rev="0" advAuto="0" spid="259" grpId="8"/>
+      <p:bldP build="whole" bldLvl="1" animBg="1" rev="0" advAuto="0" spid="305" grpId="22"/>
+      <p:bldP build="whole" bldLvl="1" animBg="1" rev="0" advAuto="0" spid="266" grpId="6"/>
+      <p:bldP build="whole" bldLvl="1" animBg="1" rev="0" advAuto="0" spid="295" grpId="15"/>
       <p:bldP build="whole" bldLvl="1" animBg="1" rev="0" advAuto="0" spid="275" grpId="13"/>
       <p:bldP build="whole" bldLvl="1" animBg="1" rev="0" advAuto="0" spid="275" grpId="14"/>
-      <p:bldP build="whole" bldLvl="1" animBg="1" rev="0" advAuto="0" spid="259" grpId="7"/>
-      <p:bldP build="whole" bldLvl="1" animBg="1" rev="0" advAuto="0" spid="274" grpId="9"/>
-      <p:bldP build="whole" bldLvl="1" animBg="1" rev="0" advAuto="0" spid="259" grpId="8"/>
-      <p:bldP build="whole" bldLvl="1" animBg="1" rev="0" advAuto="0" spid="296" grpId="16"/>
-      <p:bldP build="whole" bldLvl="1" animBg="1" rev="0" advAuto="0" spid="296" grpId="17"/>
-      <p:bldP build="whole" bldLvl="1" animBg="1" rev="0" advAuto="0" spid="250" grpId="1"/>
-      <p:bldP build="whole" bldLvl="1" animBg="1" rev="0" advAuto="0" spid="266" grpId="6"/>
-      <p:bldP build="whole" bldLvl="1" animBg="1" rev="0" advAuto="0" spid="251" grpId="4"/>
-      <p:bldP build="whole" bldLvl="1" animBg="1" rev="0" advAuto="0" spid="267" grpId="10"/>
-      <p:bldP build="whole" bldLvl="1" animBg="1" rev="0" advAuto="0" spid="267" grpId="11"/>
-      <p:bldP build="whole" bldLvl="1" animBg="1" rev="0" advAuto="0" spid="243" grpId="2"/>
-      <p:bldP build="whole" bldLvl="1" animBg="1" rev="0" advAuto="0" spid="258" grpId="3"/>
-      <p:bldP build="whole" bldLvl="1" animBg="1" rev="0" advAuto="0" spid="251" grpId="5"/>
-      <p:bldP build="whole" bldLvl="1" animBg="1" rev="0" advAuto="0" spid="295" grpId="15"/>
-      <p:bldP build="whole" bldLvl="1" animBg="1" rev="0" advAuto="0" spid="304" grpId="18"/>
     </p:bldLst>
   </p:timing>
 </p:sld>
@@ -15674,7 +16309,7 @@
       </p:grpSpPr>
       <p:sp>
         <p:nvSpPr>
-          <p:cNvPr id="306" name="Title 6"/>
+          <p:cNvPr id="320" name="Title 6"/>
           <p:cNvSpPr txBox="1"/>
           <p:nvPr>
             <p:ph type="title"/>
@@ -15710,7 +16345,7 @@
       </p:sp>
       <p:pic>
         <p:nvPicPr>
-          <p:cNvPr id="307" name="cubes.png" descr="cubes.png"/>
+          <p:cNvPr id="321" name="cubes.png" descr="cubes.png"/>
           <p:cNvPicPr>
             <a:picLocks noChangeAspect="1"/>
           </p:cNvPicPr>
@@ -15739,7 +16374,7 @@
       </p:pic>
       <p:grpSp>
         <p:nvGrpSpPr>
-          <p:cNvPr id="311" name="Group"/>
+          <p:cNvPr id="325" name="Group"/>
           <p:cNvGrpSpPr/>
           <p:nvPr/>
         </p:nvGrpSpPr>
@@ -15753,7 +16388,7 @@
         </p:grpSpPr>
         <p:sp>
           <p:nvSpPr>
-            <p:cNvPr id="308" name="Rectangle"/>
+            <p:cNvPr id="322" name="Rectangle"/>
             <p:cNvSpPr/>
             <p:nvPr/>
           </p:nvSpPr>
@@ -15802,7 +16437,7 @@
         </p:sp>
         <p:sp>
           <p:nvSpPr>
-            <p:cNvPr id="309" name="package pkg"/>
+            <p:cNvPr id="323" name="package pkg"/>
             <p:cNvSpPr/>
             <p:nvPr/>
           </p:nvSpPr>
@@ -15859,7 +16494,7 @@
         </p:sp>
         <p:sp>
           <p:nvSpPr>
-            <p:cNvPr id="310" name="import &quot;github.com/gophertuts/go-basics/net&quot;"/>
+            <p:cNvPr id="324" name="import &quot;github.com/gophertuts/go-basics/net&quot;"/>
             <p:cNvSpPr/>
             <p:nvPr/>
           </p:nvSpPr>
@@ -15949,7 +16584,7 @@
       </p:grpSp>
       <p:pic>
         <p:nvPicPr>
-          <p:cNvPr id="312" name="Line Line" descr="Line Line"/>
+          <p:cNvPr id="326" name="Line Line" descr="Line Line"/>
           <p:cNvPicPr>
             <a:picLocks noChangeAspect="0"/>
           </p:cNvPicPr>
@@ -15975,7 +16610,7 @@
       </p:pic>
       <p:pic>
         <p:nvPicPr>
-          <p:cNvPr id="314" name="Line Line" descr="Line Line"/>
+          <p:cNvPr id="328" name="Line Line" descr="Line Line"/>
           <p:cNvPicPr>
             <a:picLocks noChangeAspect="0"/>
           </p:cNvPicPr>
@@ -16001,7 +16636,7 @@
       </p:pic>
       <p:pic>
         <p:nvPicPr>
-          <p:cNvPr id="316" name="Line Line" descr="Line Line"/>
+          <p:cNvPr id="330" name="Line Line" descr="Line Line"/>
           <p:cNvPicPr>
             <a:picLocks noChangeAspect="0"/>
           </p:cNvPicPr>
@@ -16027,7 +16662,7 @@
       </p:pic>
       <p:pic>
         <p:nvPicPr>
-          <p:cNvPr id="318" name="Line Line" descr="Line Line"/>
+          <p:cNvPr id="332" name="Line Line" descr="Line Line"/>
           <p:cNvPicPr>
             <a:picLocks noChangeAspect="0"/>
           </p:cNvPicPr>
@@ -16053,7 +16688,7 @@
       </p:pic>
       <p:sp>
         <p:nvSpPr>
-          <p:cNvPr id="320" name="Rectangle"/>
+          <p:cNvPr id="334" name="Rectangle"/>
           <p:cNvSpPr/>
           <p:nvPr/>
         </p:nvSpPr>
@@ -16098,7 +16733,7 @@
       </p:sp>
       <p:sp>
         <p:nvSpPr>
-          <p:cNvPr id="321" name="Rectangle"/>
+          <p:cNvPr id="335" name="Rectangle"/>
           <p:cNvSpPr/>
           <p:nvPr/>
         </p:nvSpPr>
@@ -16143,7 +16778,7 @@
       </p:sp>
       <p:sp>
         <p:nvSpPr>
-          <p:cNvPr id="322" name="Rectangle"/>
+          <p:cNvPr id="336" name="Rectangle"/>
           <p:cNvSpPr/>
           <p:nvPr/>
         </p:nvSpPr>
@@ -16188,7 +16823,7 @@
       </p:sp>
       <p:sp>
         <p:nvSpPr>
-          <p:cNvPr id="323" name="Rectangle"/>
+          <p:cNvPr id="337" name="Rectangle"/>
           <p:cNvSpPr/>
           <p:nvPr/>
         </p:nvSpPr>
@@ -16233,7 +16868,7 @@
       </p:sp>
       <p:grpSp>
         <p:nvGrpSpPr>
-          <p:cNvPr id="327" name="Group"/>
+          <p:cNvPr id="341" name="Group"/>
           <p:cNvGrpSpPr/>
           <p:nvPr/>
         </p:nvGrpSpPr>
@@ -16247,7 +16882,7 @@
         </p:grpSpPr>
         <p:sp>
           <p:nvSpPr>
-            <p:cNvPr id="324" name="Rectangle"/>
+            <p:cNvPr id="338" name="Rectangle"/>
             <p:cNvSpPr/>
             <p:nvPr/>
           </p:nvSpPr>
@@ -16296,7 +16931,7 @@
         </p:sp>
         <p:sp>
           <p:nvSpPr>
-            <p:cNvPr id="325" name="HOST"/>
+            <p:cNvPr id="339" name="HOST"/>
             <p:cNvSpPr/>
             <p:nvPr/>
           </p:nvSpPr>
@@ -16347,7 +16982,7 @@
         </p:sp>
         <p:sp>
           <p:nvSpPr>
-            <p:cNvPr id="326" name="Rectangle"/>
+            <p:cNvPr id="340" name="Rectangle"/>
             <p:cNvSpPr/>
             <p:nvPr/>
           </p:nvSpPr>
@@ -16397,7 +17032,7 @@
       </p:grpSp>
       <p:grpSp>
         <p:nvGrpSpPr>
-          <p:cNvPr id="331" name="Group"/>
+          <p:cNvPr id="345" name="Group"/>
           <p:cNvGrpSpPr/>
           <p:nvPr/>
         </p:nvGrpSpPr>
@@ -16411,7 +17046,7 @@
         </p:grpSpPr>
         <p:sp>
           <p:nvSpPr>
-            <p:cNvPr id="328" name="Rectangle"/>
+            <p:cNvPr id="342" name="Rectangle"/>
             <p:cNvSpPr/>
             <p:nvPr/>
           </p:nvSpPr>
@@ -16460,7 +17095,7 @@
         </p:sp>
         <p:sp>
           <p:nvSpPr>
-            <p:cNvPr id="329" name="PROJECT/REPO"/>
+            <p:cNvPr id="343" name="PROJECT/REPO"/>
             <p:cNvSpPr/>
             <p:nvPr/>
           </p:nvSpPr>
@@ -16511,7 +17146,7 @@
         </p:sp>
         <p:sp>
           <p:nvSpPr>
-            <p:cNvPr id="330" name="Rectangle"/>
+            <p:cNvPr id="344" name="Rectangle"/>
             <p:cNvSpPr/>
             <p:nvPr/>
           </p:nvSpPr>
@@ -16561,7 +17196,7 @@
       </p:grpSp>
       <p:grpSp>
         <p:nvGrpSpPr>
-          <p:cNvPr id="335" name="Group"/>
+          <p:cNvPr id="349" name="Group"/>
           <p:cNvGrpSpPr/>
           <p:nvPr/>
         </p:nvGrpSpPr>
@@ -16575,7 +17210,7 @@
         </p:grpSpPr>
         <p:sp>
           <p:nvSpPr>
-            <p:cNvPr id="332" name="Rectangle"/>
+            <p:cNvPr id="346" name="Rectangle"/>
             <p:cNvSpPr/>
             <p:nvPr/>
           </p:nvSpPr>
@@ -16624,7 +17259,7 @@
         </p:sp>
         <p:sp>
           <p:nvSpPr>
-            <p:cNvPr id="333" name="USER/ORGANIZATION"/>
+            <p:cNvPr id="347" name="USER/ORGANIZATION"/>
             <p:cNvSpPr txBox="1"/>
             <p:nvPr/>
           </p:nvSpPr>
@@ -16675,7 +17310,7 @@
         </p:sp>
         <p:sp>
           <p:nvSpPr>
-            <p:cNvPr id="334" name="Rectangle"/>
+            <p:cNvPr id="348" name="Rectangle"/>
             <p:cNvSpPr/>
             <p:nvPr/>
           </p:nvSpPr>
@@ -16725,7 +17360,7 @@
       </p:grpSp>
       <p:grpSp>
         <p:nvGrpSpPr>
-          <p:cNvPr id="339" name="Group"/>
+          <p:cNvPr id="353" name="Group"/>
           <p:cNvGrpSpPr/>
           <p:nvPr/>
         </p:nvGrpSpPr>
@@ -16739,7 +17374,7 @@
         </p:grpSpPr>
         <p:sp>
           <p:nvSpPr>
-            <p:cNvPr id="336" name="Rectangle"/>
+            <p:cNvPr id="350" name="Rectangle"/>
             <p:cNvSpPr/>
             <p:nvPr/>
           </p:nvSpPr>
@@ -16788,7 +17423,7 @@
         </p:sp>
         <p:sp>
           <p:nvSpPr>
-            <p:cNvPr id="337" name="PACKAGE"/>
+            <p:cNvPr id="351" name="PACKAGE"/>
             <p:cNvSpPr/>
             <p:nvPr/>
           </p:nvSpPr>
@@ -16839,7 +17474,7 @@
         </p:sp>
         <p:sp>
           <p:nvSpPr>
-            <p:cNvPr id="338" name="Rectangle"/>
+            <p:cNvPr id="352" name="Rectangle"/>
             <p:cNvSpPr/>
             <p:nvPr/>
           </p:nvSpPr>
@@ -16940,7 +17575,7 @@
                                       <p:cBhvr>
                                         <p:cTn id="6" fill="hold"/>
                                         <p:tgtEl>
-                                          <p:spTgt spid="311"/>
+                                          <p:spTgt spid="325"/>
                                         </p:tgtEl>
                                         <p:attrNameLst>
                                           <p:attrName>style.visibility</p:attrName>
@@ -16954,7 +17589,7 @@
                                       <p:cBhvr>
                                         <p:cTn id="7" dur="700"/>
                                         <p:tgtEl>
-                                          <p:spTgt spid="311"/>
+                                          <p:spTgt spid="325"/>
                                         </p:tgtEl>
                                       </p:cBhvr>
                                     </p:animEffect>
@@ -16983,7 +17618,7 @@
                                       <p:cBhvr>
                                         <p:cTn id="10" fill="hold"/>
                                         <p:tgtEl>
-                                          <p:spTgt spid="320"/>
+                                          <p:spTgt spid="334"/>
                                         </p:tgtEl>
                                         <p:attrNameLst>
                                           <p:attrName>style.visibility</p:attrName>
@@ -16997,7 +17632,7 @@
                                       <p:cBhvr>
                                         <p:cTn id="11" dur="500"/>
                                         <p:tgtEl>
-                                          <p:spTgt spid="320"/>
+                                          <p:spTgt spid="334"/>
                                         </p:tgtEl>
                                       </p:cBhvr>
                                     </p:animEffect>
@@ -17026,7 +17661,7 @@
                                       <p:cBhvr>
                                         <p:cTn id="14" fill="hold"/>
                                         <p:tgtEl>
-                                          <p:spTgt spid="312"/>
+                                          <p:spTgt spid="326"/>
                                         </p:tgtEl>
                                         <p:attrNameLst>
                                           <p:attrName>style.visibility</p:attrName>
@@ -17040,7 +17675,7 @@
                                       <p:cBhvr>
                                         <p:cTn id="15" dur="500"/>
                                         <p:tgtEl>
-                                          <p:spTgt spid="312"/>
+                                          <p:spTgt spid="326"/>
                                         </p:tgtEl>
                                       </p:cBhvr>
                                     </p:animEffect>
@@ -17069,7 +17704,7 @@
                                       <p:cBhvr>
                                         <p:cTn id="18" fill="hold"/>
                                         <p:tgtEl>
-                                          <p:spTgt spid="327"/>
+                                          <p:spTgt spid="341"/>
                                         </p:tgtEl>
                                         <p:attrNameLst>
                                           <p:attrName>style.visibility</p:attrName>
@@ -17083,7 +17718,7 @@
                                       <p:cBhvr>
                                         <p:cTn id="19" dur="700" fill="hold"/>
                                         <p:tgtEl>
-                                          <p:spTgt spid="327"/>
+                                          <p:spTgt spid="341"/>
                                         </p:tgtEl>
                                         <p:attrNameLst>
                                           <p:attrName>ppt_x</p:attrName>
@@ -17106,7 +17741,7 @@
                                       <p:cBhvr>
                                         <p:cTn id="20" dur="700" fill="hold"/>
                                         <p:tgtEl>
-                                          <p:spTgt spid="327"/>
+                                          <p:spTgt spid="341"/>
                                         </p:tgtEl>
                                         <p:attrNameLst>
                                           <p:attrName>ppt_y</p:attrName>
@@ -17150,7 +17785,7 @@
                                       <p:cBhvr>
                                         <p:cTn id="23" fill="hold"/>
                                         <p:tgtEl>
-                                          <p:spTgt spid="321"/>
+                                          <p:spTgt spid="335"/>
                                         </p:tgtEl>
                                         <p:attrNameLst>
                                           <p:attrName>style.visibility</p:attrName>
@@ -17164,7 +17799,7 @@
                                       <p:cBhvr>
                                         <p:cTn id="24" dur="500"/>
                                         <p:tgtEl>
-                                          <p:spTgt spid="321"/>
+                                          <p:spTgt spid="335"/>
                                         </p:tgtEl>
                                       </p:cBhvr>
                                     </p:animEffect>
@@ -17193,7 +17828,7 @@
                                       <p:cBhvr>
                                         <p:cTn id="27" fill="hold"/>
                                         <p:tgtEl>
-                                          <p:spTgt spid="314"/>
+                                          <p:spTgt spid="328"/>
                                         </p:tgtEl>
                                         <p:attrNameLst>
                                           <p:attrName>style.visibility</p:attrName>
@@ -17207,7 +17842,7 @@
                                       <p:cBhvr>
                                         <p:cTn id="28" dur="500"/>
                                         <p:tgtEl>
-                                          <p:spTgt spid="314"/>
+                                          <p:spTgt spid="328"/>
                                         </p:tgtEl>
                                       </p:cBhvr>
                                     </p:animEffect>
@@ -17236,7 +17871,7 @@
                                       <p:cBhvr>
                                         <p:cTn id="31" fill="hold"/>
                                         <p:tgtEl>
-                                          <p:spTgt spid="335"/>
+                                          <p:spTgt spid="349"/>
                                         </p:tgtEl>
                                         <p:attrNameLst>
                                           <p:attrName>style.visibility</p:attrName>
@@ -17250,7 +17885,7 @@
                                       <p:cBhvr>
                                         <p:cTn id="32" dur="700" fill="hold"/>
                                         <p:tgtEl>
-                                          <p:spTgt spid="335"/>
+                                          <p:spTgt spid="349"/>
                                         </p:tgtEl>
                                         <p:attrNameLst>
                                           <p:attrName>ppt_x</p:attrName>
@@ -17273,7 +17908,7 @@
                                       <p:cBhvr>
                                         <p:cTn id="33" dur="700" fill="hold"/>
                                         <p:tgtEl>
-                                          <p:spTgt spid="335"/>
+                                          <p:spTgt spid="349"/>
                                         </p:tgtEl>
                                         <p:attrNameLst>
                                           <p:attrName>ppt_y</p:attrName>
@@ -17317,7 +17952,7 @@
                                       <p:cBhvr>
                                         <p:cTn id="36" fill="hold"/>
                                         <p:tgtEl>
-                                          <p:spTgt spid="322"/>
+                                          <p:spTgt spid="336"/>
                                         </p:tgtEl>
                                         <p:attrNameLst>
                                           <p:attrName>style.visibility</p:attrName>
@@ -17331,7 +17966,7 @@
                                       <p:cBhvr>
                                         <p:cTn id="37" dur="500"/>
                                         <p:tgtEl>
-                                          <p:spTgt spid="322"/>
+                                          <p:spTgt spid="336"/>
                                         </p:tgtEl>
                                       </p:cBhvr>
                                     </p:animEffect>
@@ -17360,7 +17995,7 @@
                                       <p:cBhvr>
                                         <p:cTn id="40" fill="hold"/>
                                         <p:tgtEl>
-                                          <p:spTgt spid="316"/>
+                                          <p:spTgt spid="330"/>
                                         </p:tgtEl>
                                         <p:attrNameLst>
                                           <p:attrName>style.visibility</p:attrName>
@@ -17374,7 +18009,7 @@
                                       <p:cBhvr>
                                         <p:cTn id="41" dur="500"/>
                                         <p:tgtEl>
-                                          <p:spTgt spid="316"/>
+                                          <p:spTgt spid="330"/>
                                         </p:tgtEl>
                                       </p:cBhvr>
                                     </p:animEffect>
@@ -17403,7 +18038,7 @@
                                       <p:cBhvr>
                                         <p:cTn id="44" fill="hold"/>
                                         <p:tgtEl>
-                                          <p:spTgt spid="331"/>
+                                          <p:spTgt spid="345"/>
                                         </p:tgtEl>
                                         <p:attrNameLst>
                                           <p:attrName>style.visibility</p:attrName>
@@ -17417,7 +18052,7 @@
                                       <p:cBhvr>
                                         <p:cTn id="45" dur="700" fill="hold"/>
                                         <p:tgtEl>
-                                          <p:spTgt spid="331"/>
+                                          <p:spTgt spid="345"/>
                                         </p:tgtEl>
                                         <p:attrNameLst>
                                           <p:attrName>ppt_x</p:attrName>
@@ -17440,7 +18075,7 @@
                                       <p:cBhvr>
                                         <p:cTn id="46" dur="700" fill="hold"/>
                                         <p:tgtEl>
-                                          <p:spTgt spid="331"/>
+                                          <p:spTgt spid="345"/>
                                         </p:tgtEl>
                                         <p:attrNameLst>
                                           <p:attrName>ppt_y</p:attrName>
@@ -17484,7 +18119,7 @@
                                       <p:cBhvr>
                                         <p:cTn id="49" fill="hold"/>
                                         <p:tgtEl>
-                                          <p:spTgt spid="323"/>
+                                          <p:spTgt spid="337"/>
                                         </p:tgtEl>
                                         <p:attrNameLst>
                                           <p:attrName>style.visibility</p:attrName>
@@ -17498,7 +18133,7 @@
                                       <p:cBhvr>
                                         <p:cTn id="50" dur="500"/>
                                         <p:tgtEl>
-                                          <p:spTgt spid="323"/>
+                                          <p:spTgt spid="337"/>
                                         </p:tgtEl>
                                       </p:cBhvr>
                                     </p:animEffect>
@@ -17527,7 +18162,7 @@
                                       <p:cBhvr>
                                         <p:cTn id="53" fill="hold"/>
                                         <p:tgtEl>
-                                          <p:spTgt spid="318"/>
+                                          <p:spTgt spid="332"/>
                                         </p:tgtEl>
                                         <p:attrNameLst>
                                           <p:attrName>style.visibility</p:attrName>
@@ -17541,7 +18176,7 @@
                                       <p:cBhvr>
                                         <p:cTn id="54" dur="500"/>
                                         <p:tgtEl>
-                                          <p:spTgt spid="318"/>
+                                          <p:spTgt spid="332"/>
                                         </p:tgtEl>
                                       </p:cBhvr>
                                     </p:animEffect>
@@ -17570,7 +18205,7 @@
                                       <p:cBhvr>
                                         <p:cTn id="57" fill="hold"/>
                                         <p:tgtEl>
-                                          <p:spTgt spid="339"/>
+                                          <p:spTgt spid="353"/>
                                         </p:tgtEl>
                                         <p:attrNameLst>
                                           <p:attrName>style.visibility</p:attrName>
@@ -17584,7 +18219,7 @@
                                       <p:cBhvr>
                                         <p:cTn id="58" dur="700" fill="hold"/>
                                         <p:tgtEl>
-                                          <p:spTgt spid="339"/>
+                                          <p:spTgt spid="353"/>
                                         </p:tgtEl>
                                         <p:attrNameLst>
                                           <p:attrName>ppt_x</p:attrName>
@@ -17607,7 +18242,7 @@
                                       <p:cBhvr>
                                         <p:cTn id="59" dur="700" fill="hold"/>
                                         <p:tgtEl>
-                                          <p:spTgt spid="339"/>
+                                          <p:spTgt spid="353"/>
                                         </p:tgtEl>
                                         <p:attrNameLst>
                                           <p:attrName>ppt_y</p:attrName>
@@ -17657,19 +18292,19 @@
       </p:par>
     </p:tnLst>
     <p:bldLst>
-      <p:bldP build="whole" bldLvl="1" animBg="1" rev="0" advAuto="0" spid="327" grpId="4"/>
-      <p:bldP build="whole" bldLvl="1" animBg="1" rev="0" advAuto="0" spid="314" grpId="6"/>
-      <p:bldP build="whole" bldLvl="1" animBg="1" rev="0" advAuto="0" spid="318" grpId="12"/>
-      <p:bldP build="whole" bldLvl="1" animBg="1" rev="0" advAuto="0" spid="339" grpId="13"/>
-      <p:bldP build="whole" bldLvl="1" animBg="1" rev="0" advAuto="0" spid="331" grpId="10"/>
-      <p:bldP build="whole" bldLvl="1" animBg="1" rev="0" advAuto="0" spid="316" grpId="9"/>
-      <p:bldP build="whole" bldLvl="1" animBg="1" rev="0" advAuto="0" spid="322" grpId="8"/>
-      <p:bldP build="whole" bldLvl="1" animBg="1" rev="0" advAuto="0" spid="323" grpId="11"/>
-      <p:bldP build="whole" bldLvl="1" animBg="1" rev="0" advAuto="0" spid="312" grpId="3"/>
-      <p:bldP build="whole" bldLvl="1" animBg="1" rev="0" advAuto="0" spid="311" grpId="1"/>
-      <p:bldP build="whole" bldLvl="1" animBg="1" rev="0" advAuto="0" spid="320" grpId="2"/>
-      <p:bldP build="whole" bldLvl="1" animBg="1" rev="0" advAuto="0" spid="321" grpId="5"/>
-      <p:bldP build="whole" bldLvl="1" animBg="1" rev="0" advAuto="0" spid="335" grpId="7"/>
+      <p:bldP build="whole" bldLvl="1" animBg="1" rev="0" advAuto="0" spid="325" grpId="1"/>
+      <p:bldP build="whole" bldLvl="1" animBg="1" rev="0" advAuto="0" spid="332" grpId="12"/>
+      <p:bldP build="whole" bldLvl="1" animBg="1" rev="0" advAuto="0" spid="349" grpId="7"/>
+      <p:bldP build="whole" bldLvl="1" animBg="1" rev="0" advAuto="0" spid="334" grpId="2"/>
+      <p:bldP build="whole" bldLvl="1" animBg="1" rev="0" advAuto="0" spid="336" grpId="8"/>
+      <p:bldP build="whole" bldLvl="1" animBg="1" rev="0" advAuto="0" spid="328" grpId="6"/>
+      <p:bldP build="whole" bldLvl="1" animBg="1" rev="0" advAuto="0" spid="341" grpId="4"/>
+      <p:bldP build="whole" bldLvl="1" animBg="1" rev="0" advAuto="0" spid="330" grpId="9"/>
+      <p:bldP build="whole" bldLvl="1" animBg="1" rev="0" advAuto="0" spid="335" grpId="5"/>
+      <p:bldP build="whole" bldLvl="1" animBg="1" rev="0" advAuto="0" spid="353" grpId="13"/>
+      <p:bldP build="whole" bldLvl="1" animBg="1" rev="0" advAuto="0" spid="326" grpId="3"/>
+      <p:bldP build="whole" bldLvl="1" animBg="1" rev="0" advAuto="0" spid="345" grpId="10"/>
+      <p:bldP build="whole" bldLvl="1" animBg="1" rev="0" advAuto="0" spid="337" grpId="11"/>
     </p:bldLst>
   </p:timing>
 </p:sld>
@@ -17701,7 +18336,7 @@
       </p:grpSpPr>
       <p:sp>
         <p:nvSpPr>
-          <p:cNvPr id="341" name="Title 6"/>
+          <p:cNvPr id="355" name="Title 6"/>
           <p:cNvSpPr txBox="1"/>
           <p:nvPr>
             <p:ph type="title"/>
@@ -17737,7 +18372,7 @@
       </p:sp>
       <p:pic>
         <p:nvPicPr>
-          <p:cNvPr id="342" name="cubes.png" descr="cubes.png"/>
+          <p:cNvPr id="356" name="cubes.png" descr="cubes.png"/>
           <p:cNvPicPr>
             <a:picLocks noChangeAspect="1"/>
           </p:cNvPicPr>
@@ -17766,7 +18401,7 @@
       </p:pic>
       <p:sp>
         <p:nvSpPr>
-          <p:cNvPr id="343" name="Rectangle"/>
+          <p:cNvPr id="357" name="Rectangle"/>
           <p:cNvSpPr/>
           <p:nvPr/>
         </p:nvSpPr>
@@ -17811,7 +18446,7 @@
       </p:sp>
       <p:grpSp>
         <p:nvGrpSpPr>
-          <p:cNvPr id="346" name="Group"/>
+          <p:cNvPr id="360" name="Group"/>
           <p:cNvGrpSpPr/>
           <p:nvPr/>
         </p:nvGrpSpPr>
@@ -17825,7 +18460,7 @@
         </p:grpSpPr>
         <p:sp>
           <p:nvSpPr>
-            <p:cNvPr id="344" name="Rectangle"/>
+            <p:cNvPr id="358" name="Rectangle"/>
             <p:cNvSpPr/>
             <p:nvPr/>
           </p:nvSpPr>
@@ -17874,7 +18509,7 @@
         </p:sp>
         <p:sp>
           <p:nvSpPr>
-            <p:cNvPr id="345" name="$GOPATH"/>
+            <p:cNvPr id="359" name="$GOPATH"/>
             <p:cNvSpPr txBox="1"/>
             <p:nvPr/>
           </p:nvSpPr>
@@ -17926,7 +18561,7 @@
       </p:grpSp>
       <p:grpSp>
         <p:nvGrpSpPr>
-          <p:cNvPr id="349" name="Group"/>
+          <p:cNvPr id="363" name="Group"/>
           <p:cNvGrpSpPr/>
           <p:nvPr/>
         </p:nvGrpSpPr>
@@ -17940,7 +18575,7 @@
         </p:grpSpPr>
         <p:sp>
           <p:nvSpPr>
-            <p:cNvPr id="347" name="Rectangle"/>
+            <p:cNvPr id="361" name="Rectangle"/>
             <p:cNvSpPr/>
             <p:nvPr/>
           </p:nvSpPr>
@@ -17989,7 +18624,7 @@
         </p:sp>
         <p:sp>
           <p:nvSpPr>
-            <p:cNvPr id="348" name="bin"/>
+            <p:cNvPr id="362" name="bin"/>
             <p:cNvSpPr txBox="1"/>
             <p:nvPr/>
           </p:nvSpPr>
@@ -18041,7 +18676,7 @@
       </p:grpSp>
       <p:grpSp>
         <p:nvGrpSpPr>
-          <p:cNvPr id="352" name="Group"/>
+          <p:cNvPr id="366" name="Group"/>
           <p:cNvGrpSpPr/>
           <p:nvPr/>
         </p:nvGrpSpPr>
@@ -18055,7 +18690,7 @@
         </p:grpSpPr>
         <p:sp>
           <p:nvSpPr>
-            <p:cNvPr id="350" name="Rectangle"/>
+            <p:cNvPr id="364" name="Rectangle"/>
             <p:cNvSpPr/>
             <p:nvPr/>
           </p:nvSpPr>
@@ -18104,7 +18739,7 @@
         </p:sp>
         <p:sp>
           <p:nvSpPr>
-            <p:cNvPr id="351" name="src"/>
+            <p:cNvPr id="365" name="src"/>
             <p:cNvSpPr txBox="1"/>
             <p:nvPr/>
           </p:nvSpPr>
@@ -18156,7 +18791,7 @@
       </p:grpSp>
       <p:grpSp>
         <p:nvGrpSpPr>
-          <p:cNvPr id="355" name="Group"/>
+          <p:cNvPr id="369" name="Group"/>
           <p:cNvGrpSpPr/>
           <p:nvPr/>
         </p:nvGrpSpPr>
@@ -18170,7 +18805,7 @@
         </p:grpSpPr>
         <p:sp>
           <p:nvSpPr>
-            <p:cNvPr id="353" name="Rectangle"/>
+            <p:cNvPr id="367" name="Rectangle"/>
             <p:cNvSpPr/>
             <p:nvPr/>
           </p:nvSpPr>
@@ -18219,7 +18854,7 @@
         </p:sp>
         <p:sp>
           <p:nvSpPr>
-            <p:cNvPr id="354" name="pkg"/>
+            <p:cNvPr id="368" name="pkg"/>
             <p:cNvSpPr txBox="1"/>
             <p:nvPr/>
           </p:nvSpPr>
@@ -18271,7 +18906,7 @@
       </p:grpSp>
       <p:grpSp>
         <p:nvGrpSpPr>
-          <p:cNvPr id="358" name="Group"/>
+          <p:cNvPr id="372" name="Group"/>
           <p:cNvGrpSpPr/>
           <p:nvPr/>
         </p:nvGrpSpPr>
@@ -18285,7 +18920,7 @@
         </p:grpSpPr>
         <p:sp>
           <p:nvSpPr>
-            <p:cNvPr id="356" name="Rectangle"/>
+            <p:cNvPr id="370" name="Rectangle"/>
             <p:cNvSpPr/>
             <p:nvPr/>
           </p:nvSpPr>
@@ -18334,7 +18969,7 @@
         </p:sp>
         <p:sp>
           <p:nvSpPr>
-            <p:cNvPr id="357" name="mod"/>
+            <p:cNvPr id="371" name="mod"/>
             <p:cNvSpPr txBox="1"/>
             <p:nvPr/>
           </p:nvSpPr>
@@ -18386,7 +19021,7 @@
       </p:grpSp>
       <p:grpSp>
         <p:nvGrpSpPr>
-          <p:cNvPr id="361" name="Group"/>
+          <p:cNvPr id="375" name="Group"/>
           <p:cNvGrpSpPr/>
           <p:nvPr/>
         </p:nvGrpSpPr>
@@ -18400,7 +19035,7 @@
         </p:grpSpPr>
         <p:sp>
           <p:nvSpPr>
-            <p:cNvPr id="359" name="Rectangle"/>
+            <p:cNvPr id="373" name="Rectangle"/>
             <p:cNvSpPr/>
             <p:nvPr/>
           </p:nvSpPr>
@@ -18449,7 +19084,7 @@
         </p:sp>
         <p:sp>
           <p:nvSpPr>
-            <p:cNvPr id="360" name="darwin_amd64"/>
+            <p:cNvPr id="374" name="darwin_amd64"/>
             <p:cNvSpPr txBox="1"/>
             <p:nvPr/>
           </p:nvSpPr>
@@ -18501,7 +19136,7 @@
       </p:grpSp>
       <p:grpSp>
         <p:nvGrpSpPr>
-          <p:cNvPr id="364" name="Group"/>
+          <p:cNvPr id="378" name="Group"/>
           <p:cNvGrpSpPr/>
           <p:nvPr/>
         </p:nvGrpSpPr>
@@ -18515,7 +19150,7 @@
         </p:grpSpPr>
         <p:sp>
           <p:nvSpPr>
-            <p:cNvPr id="362" name="Rectangle"/>
+            <p:cNvPr id="376" name="Rectangle"/>
             <p:cNvSpPr/>
             <p:nvPr/>
           </p:nvSpPr>
@@ -18564,7 +19199,7 @@
         </p:sp>
         <p:sp>
           <p:nvSpPr>
-            <p:cNvPr id="363" name="dep"/>
+            <p:cNvPr id="377" name="dep"/>
             <p:cNvSpPr txBox="1"/>
             <p:nvPr/>
           </p:nvSpPr>
@@ -18616,7 +19251,7 @@
       </p:grpSp>
       <p:grpSp>
         <p:nvGrpSpPr>
-          <p:cNvPr id="367" name="Group"/>
+          <p:cNvPr id="381" name="Group"/>
           <p:cNvGrpSpPr/>
           <p:nvPr/>
         </p:nvGrpSpPr>
@@ -18630,7 +19265,7 @@
         </p:grpSpPr>
         <p:sp>
           <p:nvSpPr>
-            <p:cNvPr id="365" name="Rectangle"/>
+            <p:cNvPr id="379" name="Rectangle"/>
             <p:cNvSpPr/>
             <p:nvPr/>
           </p:nvSpPr>
@@ -18679,7 +19314,7 @@
         </p:sp>
         <p:sp>
           <p:nvSpPr>
-            <p:cNvPr id="366" name="bin1"/>
+            <p:cNvPr id="380" name="bin1"/>
             <p:cNvSpPr txBox="1"/>
             <p:nvPr/>
           </p:nvSpPr>
@@ -18731,7 +19366,7 @@
       </p:grpSp>
       <p:grpSp>
         <p:nvGrpSpPr>
-          <p:cNvPr id="370" name="Group"/>
+          <p:cNvPr id="384" name="Group"/>
           <p:cNvGrpSpPr/>
           <p:nvPr/>
         </p:nvGrpSpPr>
@@ -18745,7 +19380,7 @@
         </p:grpSpPr>
         <p:sp>
           <p:nvSpPr>
-            <p:cNvPr id="368" name="Rectangle"/>
+            <p:cNvPr id="382" name="Rectangle"/>
             <p:cNvSpPr/>
             <p:nvPr/>
           </p:nvSpPr>
@@ -18794,7 +19429,7 @@
         </p:sp>
         <p:sp>
           <p:nvSpPr>
-            <p:cNvPr id="369" name="gitlab.com"/>
+            <p:cNvPr id="383" name="gitlab.com"/>
             <p:cNvSpPr/>
             <p:nvPr/>
           </p:nvSpPr>
@@ -18846,7 +19481,7 @@
       </p:grpSp>
       <p:grpSp>
         <p:nvGrpSpPr>
-          <p:cNvPr id="373" name="Group"/>
+          <p:cNvPr id="387" name="Group"/>
           <p:cNvGrpSpPr/>
           <p:nvPr/>
         </p:nvGrpSpPr>
@@ -18860,7 +19495,7 @@
         </p:grpSpPr>
         <p:sp>
           <p:nvSpPr>
-            <p:cNvPr id="371" name="Rectangle"/>
+            <p:cNvPr id="385" name="Rectangle"/>
             <p:cNvSpPr/>
             <p:nvPr/>
           </p:nvSpPr>
@@ -18909,7 +19544,7 @@
         </p:sp>
         <p:sp>
           <p:nvSpPr>
-            <p:cNvPr id="372" name="github.com"/>
+            <p:cNvPr id="386" name="github.com"/>
             <p:cNvSpPr/>
             <p:nvPr/>
           </p:nvSpPr>
@@ -18961,7 +19596,7 @@
       </p:grpSp>
       <p:grpSp>
         <p:nvGrpSpPr>
-          <p:cNvPr id="376" name="Group"/>
+          <p:cNvPr id="390" name="Group"/>
           <p:cNvGrpSpPr/>
           <p:nvPr/>
         </p:nvGrpSpPr>
@@ -18975,7 +19610,7 @@
         </p:grpSpPr>
         <p:sp>
           <p:nvSpPr>
-            <p:cNvPr id="374" name="Rectangle"/>
+            <p:cNvPr id="388" name="Rectangle"/>
             <p:cNvSpPr/>
             <p:nvPr/>
           </p:nvSpPr>
@@ -19024,7 +19659,7 @@
         </p:sp>
         <p:sp>
           <p:nvSpPr>
-            <p:cNvPr id="375" name="user1"/>
+            <p:cNvPr id="389" name="user1"/>
             <p:cNvSpPr/>
             <p:nvPr/>
           </p:nvSpPr>
@@ -19076,7 +19711,7 @@
       </p:grpSp>
       <p:grpSp>
         <p:nvGrpSpPr>
-          <p:cNvPr id="379" name="Group"/>
+          <p:cNvPr id="393" name="Group"/>
           <p:cNvGrpSpPr/>
           <p:nvPr/>
         </p:nvGrpSpPr>
@@ -19090,7 +19725,7 @@
         </p:grpSpPr>
         <p:sp>
           <p:nvSpPr>
-            <p:cNvPr id="377" name="Rectangle"/>
+            <p:cNvPr id="391" name="Rectangle"/>
             <p:cNvSpPr/>
             <p:nvPr/>
           </p:nvSpPr>
@@ -19139,7 +19774,7 @@
         </p:sp>
         <p:sp>
           <p:nvSpPr>
-            <p:cNvPr id="378" name="user2"/>
+            <p:cNvPr id="392" name="user2"/>
             <p:cNvSpPr/>
             <p:nvPr/>
           </p:nvSpPr>
@@ -19191,7 +19826,7 @@
       </p:grpSp>
       <p:grpSp>
         <p:nvGrpSpPr>
-          <p:cNvPr id="382" name="Group"/>
+          <p:cNvPr id="396" name="Group"/>
           <p:cNvGrpSpPr/>
           <p:nvPr/>
         </p:nvGrpSpPr>
@@ -19205,7 +19840,7 @@
         </p:grpSpPr>
         <p:sp>
           <p:nvSpPr>
-            <p:cNvPr id="380" name="Rectangle"/>
+            <p:cNvPr id="394" name="Rectangle"/>
             <p:cNvSpPr/>
             <p:nvPr/>
           </p:nvSpPr>
@@ -19254,7 +19889,7 @@
         </p:sp>
         <p:sp>
           <p:nvSpPr>
-            <p:cNvPr id="381" name="pkg1"/>
+            <p:cNvPr id="395" name="pkg1"/>
             <p:cNvSpPr/>
             <p:nvPr/>
           </p:nvSpPr>
@@ -19306,7 +19941,7 @@
       </p:grpSp>
       <p:grpSp>
         <p:nvGrpSpPr>
-          <p:cNvPr id="385" name="Group"/>
+          <p:cNvPr id="399" name="Group"/>
           <p:cNvGrpSpPr/>
           <p:nvPr/>
         </p:nvGrpSpPr>
@@ -19320,7 +19955,7 @@
         </p:grpSpPr>
         <p:sp>
           <p:nvSpPr>
-            <p:cNvPr id="383" name="Rectangle"/>
+            <p:cNvPr id="397" name="Rectangle"/>
             <p:cNvSpPr/>
             <p:nvPr/>
           </p:nvSpPr>
@@ -19369,7 +20004,7 @@
         </p:sp>
         <p:sp>
           <p:nvSpPr>
-            <p:cNvPr id="384" name="pkg2"/>
+            <p:cNvPr id="398" name="pkg2"/>
             <p:cNvSpPr txBox="1"/>
             <p:nvPr/>
           </p:nvSpPr>
@@ -19421,7 +20056,7 @@
       </p:grpSp>
       <p:grpSp>
         <p:nvGrpSpPr>
-          <p:cNvPr id="388" name="Group"/>
+          <p:cNvPr id="402" name="Group"/>
           <p:cNvGrpSpPr/>
           <p:nvPr/>
         </p:nvGrpSpPr>
@@ -19435,7 +20070,7 @@
         </p:grpSpPr>
         <p:sp>
           <p:nvSpPr>
-            <p:cNvPr id="386" name="Rectangle"/>
+            <p:cNvPr id="400" name="Rectangle"/>
             <p:cNvSpPr/>
             <p:nvPr/>
           </p:nvSpPr>
@@ -19484,7 +20119,7 @@
         </p:sp>
         <p:sp>
           <p:nvSpPr>
-            <p:cNvPr id="387" name="pkg1"/>
+            <p:cNvPr id="401" name="pkg1"/>
             <p:cNvSpPr/>
             <p:nvPr/>
           </p:nvSpPr>
@@ -19536,7 +20171,7 @@
       </p:grpSp>
       <p:grpSp>
         <p:nvGrpSpPr>
-          <p:cNvPr id="391" name="Group"/>
+          <p:cNvPr id="405" name="Group"/>
           <p:cNvGrpSpPr/>
           <p:nvPr/>
         </p:nvGrpSpPr>
@@ -19550,7 +20185,7 @@
         </p:grpSpPr>
         <p:sp>
           <p:nvSpPr>
-            <p:cNvPr id="389" name="Rectangle"/>
+            <p:cNvPr id="403" name="Rectangle"/>
             <p:cNvSpPr/>
             <p:nvPr/>
           </p:nvSpPr>
@@ -19599,7 +20234,7 @@
         </p:sp>
         <p:sp>
           <p:nvSpPr>
-            <p:cNvPr id="390" name="lib1@v1"/>
+            <p:cNvPr id="404" name="lib1@v1"/>
             <p:cNvSpPr txBox="1"/>
             <p:nvPr/>
           </p:nvSpPr>
@@ -19651,7 +20286,7 @@
       </p:grpSp>
       <p:grpSp>
         <p:nvGrpSpPr>
-          <p:cNvPr id="394" name="Group"/>
+          <p:cNvPr id="408" name="Group"/>
           <p:cNvGrpSpPr/>
           <p:nvPr/>
         </p:nvGrpSpPr>
@@ -19665,7 +20300,7 @@
         </p:grpSpPr>
         <p:sp>
           <p:nvSpPr>
-            <p:cNvPr id="392" name="Rectangle"/>
+            <p:cNvPr id="406" name="Rectangle"/>
             <p:cNvSpPr/>
             <p:nvPr/>
           </p:nvSpPr>
@@ -19714,7 +20349,7 @@
         </p:sp>
         <p:sp>
           <p:nvSpPr>
-            <p:cNvPr id="393" name="lib1@v1"/>
+            <p:cNvPr id="407" name="lib1@v1"/>
             <p:cNvSpPr txBox="1"/>
             <p:nvPr/>
           </p:nvSpPr>
@@ -19766,7 +20401,7 @@
       </p:grpSp>
       <p:grpSp>
         <p:nvGrpSpPr>
-          <p:cNvPr id="397" name="Group"/>
+          <p:cNvPr id="411" name="Group"/>
           <p:cNvGrpSpPr/>
           <p:nvPr/>
         </p:nvGrpSpPr>
@@ -19780,7 +20415,7 @@
         </p:grpSpPr>
         <p:sp>
           <p:nvSpPr>
-            <p:cNvPr id="395" name="Rectangle"/>
+            <p:cNvPr id="409" name="Rectangle"/>
             <p:cNvSpPr/>
             <p:nvPr/>
           </p:nvSpPr>
@@ -19829,7 +20464,7 @@
         </p:sp>
         <p:sp>
           <p:nvSpPr>
-            <p:cNvPr id="396" name="lib1@v2"/>
+            <p:cNvPr id="410" name="lib1@v2"/>
             <p:cNvSpPr txBox="1"/>
             <p:nvPr/>
           </p:nvSpPr>
@@ -19881,7 +20516,7 @@
       </p:grpSp>
       <p:grpSp>
         <p:nvGrpSpPr>
-          <p:cNvPr id="400" name="Group"/>
+          <p:cNvPr id="414" name="Group"/>
           <p:cNvGrpSpPr/>
           <p:nvPr/>
         </p:nvGrpSpPr>
@@ -19895,7 +20530,7 @@
         </p:grpSpPr>
         <p:sp>
           <p:nvSpPr>
-            <p:cNvPr id="398" name="Rectangle"/>
+            <p:cNvPr id="412" name="Rectangle"/>
             <p:cNvSpPr/>
             <p:nvPr/>
           </p:nvSpPr>
@@ -19944,7 +20579,7 @@
         </p:sp>
         <p:sp>
           <p:nvSpPr>
-            <p:cNvPr id="399" name="bin2"/>
+            <p:cNvPr id="413" name="bin2"/>
             <p:cNvSpPr txBox="1"/>
             <p:nvPr/>
           </p:nvSpPr>
@@ -19996,7 +20631,7 @@
       </p:grpSp>
       <p:grpSp>
         <p:nvGrpSpPr>
-          <p:cNvPr id="403" name="Group"/>
+          <p:cNvPr id="417" name="Group"/>
           <p:cNvGrpSpPr/>
           <p:nvPr/>
         </p:nvGrpSpPr>
@@ -20010,7 +20645,7 @@
         </p:grpSpPr>
         <p:sp>
           <p:nvSpPr>
-            <p:cNvPr id="401" name="Rectangle"/>
+            <p:cNvPr id="415" name="Rectangle"/>
             <p:cNvSpPr/>
             <p:nvPr/>
           </p:nvSpPr>
@@ -20059,7 +20694,7 @@
         </p:sp>
         <p:sp>
           <p:nvSpPr>
-            <p:cNvPr id="402" name="bin3"/>
+            <p:cNvPr id="416" name="bin3"/>
             <p:cNvSpPr txBox="1"/>
             <p:nvPr/>
           </p:nvSpPr>
@@ -20111,7 +20746,7 @@
       </p:grpSp>
       <p:grpSp>
         <p:nvGrpSpPr>
-          <p:cNvPr id="406" name="Group"/>
+          <p:cNvPr id="420" name="Group"/>
           <p:cNvGrpSpPr/>
           <p:nvPr/>
         </p:nvGrpSpPr>
@@ -20125,7 +20760,7 @@
         </p:grpSpPr>
         <p:sp>
           <p:nvSpPr>
-            <p:cNvPr id="404" name="Rectangle"/>
+            <p:cNvPr id="418" name="Rectangle"/>
             <p:cNvSpPr/>
             <p:nvPr/>
           </p:nvSpPr>
@@ -20174,7 +20809,7 @@
         </p:sp>
         <p:sp>
           <p:nvSpPr>
-            <p:cNvPr id="405" name="user1"/>
+            <p:cNvPr id="419" name="user1"/>
             <p:cNvSpPr/>
             <p:nvPr/>
           </p:nvSpPr>
@@ -20226,7 +20861,7 @@
       </p:grpSp>
       <p:grpSp>
         <p:nvGrpSpPr>
-          <p:cNvPr id="409" name="Group"/>
+          <p:cNvPr id="423" name="Group"/>
           <p:cNvGrpSpPr/>
           <p:nvPr/>
         </p:nvGrpSpPr>
@@ -20240,7 +20875,7 @@
         </p:grpSpPr>
         <p:sp>
           <p:nvSpPr>
-            <p:cNvPr id="407" name="Rectangle"/>
+            <p:cNvPr id="421" name="Rectangle"/>
             <p:cNvSpPr/>
             <p:nvPr/>
           </p:nvSpPr>
@@ -20289,7 +20924,7 @@
         </p:sp>
         <p:sp>
           <p:nvSpPr>
-            <p:cNvPr id="408" name="pkg1"/>
+            <p:cNvPr id="422" name="pkg1"/>
             <p:cNvSpPr/>
             <p:nvPr/>
           </p:nvSpPr>
@@ -20341,7 +20976,7 @@
       </p:grpSp>
       <p:grpSp>
         <p:nvGrpSpPr>
-          <p:cNvPr id="412" name="Group"/>
+          <p:cNvPr id="426" name="Group"/>
           <p:cNvGrpSpPr/>
           <p:nvPr/>
         </p:nvGrpSpPr>
@@ -20355,7 +20990,7 @@
         </p:grpSpPr>
         <p:sp>
           <p:nvSpPr>
-            <p:cNvPr id="410" name="Rectangle"/>
+            <p:cNvPr id="424" name="Rectangle"/>
             <p:cNvSpPr/>
             <p:nvPr/>
           </p:nvSpPr>
@@ -20404,7 +21039,7 @@
         </p:sp>
         <p:sp>
           <p:nvSpPr>
-            <p:cNvPr id="411" name="github.com"/>
+            <p:cNvPr id="425" name="github.com"/>
             <p:cNvSpPr txBox="1"/>
             <p:nvPr/>
           </p:nvSpPr>
@@ -20456,7 +21091,7 @@
       </p:grpSp>
       <p:grpSp>
         <p:nvGrpSpPr>
-          <p:cNvPr id="415" name="Group"/>
+          <p:cNvPr id="429" name="Group"/>
           <p:cNvGrpSpPr/>
           <p:nvPr/>
         </p:nvGrpSpPr>
@@ -20470,7 +21105,7 @@
         </p:grpSpPr>
         <p:sp>
           <p:nvSpPr>
-            <p:cNvPr id="413" name="Rectangle"/>
+            <p:cNvPr id="427" name="Rectangle"/>
             <p:cNvSpPr/>
             <p:nvPr/>
           </p:nvSpPr>
@@ -20519,7 +21154,7 @@
         </p:sp>
         <p:sp>
           <p:nvSpPr>
-            <p:cNvPr id="414" name="user2"/>
+            <p:cNvPr id="428" name="user2"/>
             <p:cNvSpPr txBox="1"/>
             <p:nvPr/>
           </p:nvSpPr>
@@ -20571,7 +21206,7 @@
       </p:grpSp>
       <p:grpSp>
         <p:nvGrpSpPr>
-          <p:cNvPr id="418" name="Group"/>
+          <p:cNvPr id="432" name="Group"/>
           <p:cNvGrpSpPr/>
           <p:nvPr/>
         </p:nvGrpSpPr>
@@ -20585,7 +21220,7 @@
         </p:grpSpPr>
         <p:sp>
           <p:nvSpPr>
-            <p:cNvPr id="416" name="Rectangle"/>
+            <p:cNvPr id="430" name="Rectangle"/>
             <p:cNvSpPr/>
             <p:nvPr/>
           </p:nvSpPr>
@@ -20634,7 +21269,7 @@
         </p:sp>
         <p:sp>
           <p:nvSpPr>
-            <p:cNvPr id="417" name="pkg1"/>
+            <p:cNvPr id="431" name="pkg1"/>
             <p:cNvSpPr txBox="1"/>
             <p:nvPr/>
           </p:nvSpPr>
@@ -20686,7 +21321,7 @@
       </p:grpSp>
       <p:grpSp>
         <p:nvGrpSpPr>
-          <p:cNvPr id="421" name="Group"/>
+          <p:cNvPr id="435" name="Group"/>
           <p:cNvGrpSpPr/>
           <p:nvPr/>
         </p:nvGrpSpPr>
@@ -20700,7 +21335,7 @@
         </p:grpSpPr>
         <p:sp>
           <p:nvSpPr>
-            <p:cNvPr id="419" name="Rectangle"/>
+            <p:cNvPr id="433" name="Rectangle"/>
             <p:cNvSpPr/>
             <p:nvPr/>
           </p:nvSpPr>
@@ -20749,7 +21384,7 @@
         </p:sp>
         <p:sp>
           <p:nvSpPr>
-            <p:cNvPr id="420" name="subpkg.a"/>
+            <p:cNvPr id="434" name="subpkg.a"/>
             <p:cNvSpPr txBox="1"/>
             <p:nvPr/>
           </p:nvSpPr>
@@ -20801,7 +21436,7 @@
       </p:grpSp>
       <p:grpSp>
         <p:nvGrpSpPr>
-          <p:cNvPr id="424" name="Group"/>
+          <p:cNvPr id="438" name="Group"/>
           <p:cNvGrpSpPr/>
           <p:nvPr/>
         </p:nvGrpSpPr>
@@ -20815,7 +21450,7 @@
         </p:grpSpPr>
         <p:sp>
           <p:nvSpPr>
-            <p:cNvPr id="422" name="Rectangle"/>
+            <p:cNvPr id="436" name="Rectangle"/>
             <p:cNvSpPr/>
             <p:nvPr/>
           </p:nvSpPr>
@@ -20864,7 +21499,7 @@
         </p:sp>
         <p:sp>
           <p:nvSpPr>
-            <p:cNvPr id="423" name="file.go"/>
+            <p:cNvPr id="437" name="file.go"/>
             <p:cNvSpPr/>
             <p:nvPr/>
           </p:nvSpPr>
@@ -20916,7 +21551,7 @@
       </p:grpSp>
       <p:pic>
         <p:nvPicPr>
-          <p:cNvPr id="425" name="Line Line" descr="Line Line"/>
+          <p:cNvPr id="439" name="Line Line" descr="Line Line"/>
           <p:cNvPicPr>
             <a:picLocks noChangeAspect="0"/>
           </p:cNvPicPr>
@@ -20942,7 +21577,7 @@
       </p:pic>
       <p:pic>
         <p:nvPicPr>
-          <p:cNvPr id="427" name="Line Line" descr="Line Line"/>
+          <p:cNvPr id="441" name="Line Line" descr="Line Line"/>
           <p:cNvPicPr>
             <a:picLocks noChangeAspect="0"/>
           </p:cNvPicPr>
@@ -20968,7 +21603,7 @@
       </p:pic>
       <p:pic>
         <p:nvPicPr>
-          <p:cNvPr id="429" name="Line Line" descr="Line Line"/>
+          <p:cNvPr id="443" name="Line Line" descr="Line Line"/>
           <p:cNvPicPr>
             <a:picLocks noChangeAspect="0"/>
           </p:cNvPicPr>
@@ -20994,7 +21629,7 @@
       </p:pic>
       <p:pic>
         <p:nvPicPr>
-          <p:cNvPr id="431" name="Line Line" descr="Line Line"/>
+          <p:cNvPr id="445" name="Line Line" descr="Line Line"/>
           <p:cNvPicPr>
             <a:picLocks noChangeAspect="0"/>
           </p:cNvPicPr>
@@ -21020,7 +21655,7 @@
       </p:pic>
       <p:pic>
         <p:nvPicPr>
-          <p:cNvPr id="433" name="Line Line" descr="Line Line"/>
+          <p:cNvPr id="447" name="Line Line" descr="Line Line"/>
           <p:cNvPicPr>
             <a:picLocks noChangeAspect="0"/>
           </p:cNvPicPr>
@@ -21046,7 +21681,7 @@
       </p:pic>
       <p:pic>
         <p:nvPicPr>
-          <p:cNvPr id="435" name="Line Line" descr="Line Line"/>
+          <p:cNvPr id="449" name="Line Line" descr="Line Line"/>
           <p:cNvPicPr>
             <a:picLocks noChangeAspect="0"/>
           </p:cNvPicPr>
@@ -21072,7 +21707,7 @@
       </p:pic>
       <p:pic>
         <p:nvPicPr>
-          <p:cNvPr id="437" name="Line Line" descr="Line Line"/>
+          <p:cNvPr id="451" name="Line Line" descr="Line Line"/>
           <p:cNvPicPr>
             <a:picLocks noChangeAspect="0"/>
           </p:cNvPicPr>
@@ -21098,7 +21733,7 @@
       </p:pic>
       <p:pic>
         <p:nvPicPr>
-          <p:cNvPr id="439" name="Line Line" descr="Line Line"/>
+          <p:cNvPr id="453" name="Line Line" descr="Line Line"/>
           <p:cNvPicPr>
             <a:picLocks noChangeAspect="0"/>
           </p:cNvPicPr>
@@ -21124,7 +21759,7 @@
       </p:pic>
       <p:pic>
         <p:nvPicPr>
-          <p:cNvPr id="441" name="Line Line" descr="Line Line"/>
+          <p:cNvPr id="455" name="Line Line" descr="Line Line"/>
           <p:cNvPicPr>
             <a:picLocks noChangeAspect="0"/>
           </p:cNvPicPr>
@@ -21150,7 +21785,7 @@
       </p:pic>
       <p:pic>
         <p:nvPicPr>
-          <p:cNvPr id="443" name="Line Line" descr="Line Line"/>
+          <p:cNvPr id="457" name="Line Line" descr="Line Line"/>
           <p:cNvPicPr>
             <a:picLocks noChangeAspect="0"/>
           </p:cNvPicPr>
@@ -21176,7 +21811,7 @@
       </p:pic>
       <p:pic>
         <p:nvPicPr>
-          <p:cNvPr id="445" name="Line Line" descr="Line Line"/>
+          <p:cNvPr id="459" name="Line Line" descr="Line Line"/>
           <p:cNvPicPr>
             <a:picLocks noChangeAspect="0"/>
           </p:cNvPicPr>
@@ -21202,7 +21837,7 @@
       </p:pic>
       <p:pic>
         <p:nvPicPr>
-          <p:cNvPr id="447" name="Line Line" descr="Line Line"/>
+          <p:cNvPr id="461" name="Line Line" descr="Line Line"/>
           <p:cNvPicPr>
             <a:picLocks noChangeAspect="0"/>
           </p:cNvPicPr>
@@ -21228,7 +21863,7 @@
       </p:pic>
       <p:pic>
         <p:nvPicPr>
-          <p:cNvPr id="449" name="Line Line" descr="Line Line"/>
+          <p:cNvPr id="463" name="Line Line" descr="Line Line"/>
           <p:cNvPicPr>
             <a:picLocks noChangeAspect="0"/>
           </p:cNvPicPr>
@@ -21254,7 +21889,7 @@
       </p:pic>
       <p:pic>
         <p:nvPicPr>
-          <p:cNvPr id="451" name="Line Line" descr="Line Line"/>
+          <p:cNvPr id="465" name="Line Line" descr="Line Line"/>
           <p:cNvPicPr>
             <a:picLocks noChangeAspect="0"/>
           </p:cNvPicPr>
@@ -21280,7 +21915,7 @@
       </p:pic>
       <p:pic>
         <p:nvPicPr>
-          <p:cNvPr id="453" name="Line Line" descr="Line Line"/>
+          <p:cNvPr id="467" name="Line Line" descr="Line Line"/>
           <p:cNvPicPr>
             <a:picLocks noChangeAspect="0"/>
           </p:cNvPicPr>
@@ -21306,7 +21941,7 @@
       </p:pic>
       <p:pic>
         <p:nvPicPr>
-          <p:cNvPr id="455" name="Line Line" descr="Line Line"/>
+          <p:cNvPr id="469" name="Line Line" descr="Line Line"/>
           <p:cNvPicPr>
             <a:picLocks noChangeAspect="0"/>
           </p:cNvPicPr>
@@ -21332,7 +21967,7 @@
       </p:pic>
       <p:pic>
         <p:nvPicPr>
-          <p:cNvPr id="457" name="Line Line" descr="Line Line"/>
+          <p:cNvPr id="471" name="Line Line" descr="Line Line"/>
           <p:cNvPicPr>
             <a:picLocks noChangeAspect="0"/>
           </p:cNvPicPr>
@@ -21358,7 +21993,7 @@
       </p:pic>
       <p:pic>
         <p:nvPicPr>
-          <p:cNvPr id="459" name="Line Line" descr="Line Line"/>
+          <p:cNvPr id="473" name="Line Line" descr="Line Line"/>
           <p:cNvPicPr>
             <a:picLocks noChangeAspect="0"/>
           </p:cNvPicPr>
@@ -21384,7 +22019,7 @@
       </p:pic>
       <p:pic>
         <p:nvPicPr>
-          <p:cNvPr id="461" name="Line Line" descr="Line Line"/>
+          <p:cNvPr id="475" name="Line Line" descr="Line Line"/>
           <p:cNvPicPr>
             <a:picLocks noChangeAspect="0"/>
           </p:cNvPicPr>
@@ -21410,7 +22045,7 @@
       </p:pic>
       <p:pic>
         <p:nvPicPr>
-          <p:cNvPr id="463" name="Line Line" descr="Line Line"/>
+          <p:cNvPr id="477" name="Line Line" descr="Line Line"/>
           <p:cNvPicPr>
             <a:picLocks noChangeAspect="0"/>
           </p:cNvPicPr>
@@ -21436,7 +22071,7 @@
       </p:pic>
       <p:pic>
         <p:nvPicPr>
-          <p:cNvPr id="465" name="Line Line" descr="Line Line"/>
+          <p:cNvPr id="479" name="Line Line" descr="Line Line"/>
           <p:cNvPicPr>
             <a:picLocks noChangeAspect="0"/>
           </p:cNvPicPr>
@@ -21462,7 +22097,7 @@
       </p:pic>
       <p:pic>
         <p:nvPicPr>
-          <p:cNvPr id="467" name="Line Line" descr="Line Line"/>
+          <p:cNvPr id="481" name="Line Line" descr="Line Line"/>
           <p:cNvPicPr>
             <a:picLocks noChangeAspect="0"/>
           </p:cNvPicPr>
@@ -21488,7 +22123,7 @@
       </p:pic>
       <p:pic>
         <p:nvPicPr>
-          <p:cNvPr id="469" name="Line Line" descr="Line Line"/>
+          <p:cNvPr id="483" name="Line Line" descr="Line Line"/>
           <p:cNvPicPr>
             <a:picLocks noChangeAspect="0"/>
           </p:cNvPicPr>
@@ -21514,7 +22149,7 @@
       </p:pic>
       <p:pic>
         <p:nvPicPr>
-          <p:cNvPr id="471" name="Line Line" descr="Line Line"/>
+          <p:cNvPr id="485" name="Line Line" descr="Line Line"/>
           <p:cNvPicPr>
             <a:picLocks noChangeAspect="0"/>
           </p:cNvPicPr>
@@ -21540,7 +22175,7 @@
       </p:pic>
       <p:pic>
         <p:nvPicPr>
-          <p:cNvPr id="473" name="Line Line" descr="Line Line"/>
+          <p:cNvPr id="487" name="Line Line" descr="Line Line"/>
           <p:cNvPicPr>
             <a:picLocks noChangeAspect="0"/>
           </p:cNvPicPr>
@@ -21566,7 +22201,7 @@
       </p:pic>
       <p:pic>
         <p:nvPicPr>
-          <p:cNvPr id="475" name="Line Line" descr="Line Line"/>
+          <p:cNvPr id="489" name="Line Line" descr="Line Line"/>
           <p:cNvPicPr>
             <a:picLocks noChangeAspect="0"/>
           </p:cNvPicPr>
@@ -21592,7 +22227,7 @@
       </p:pic>
       <p:pic>
         <p:nvPicPr>
-          <p:cNvPr id="477" name="Line Line" descr="Line Line"/>
+          <p:cNvPr id="491" name="Line Line" descr="Line Line"/>
           <p:cNvPicPr>
             <a:picLocks noChangeAspect="0"/>
           </p:cNvPicPr>
@@ -21618,7 +22253,7 @@
       </p:pic>
       <p:pic>
         <p:nvPicPr>
-          <p:cNvPr id="479" name="Line Line" descr="Line Line"/>
+          <p:cNvPr id="493" name="Line Line" descr="Line Line"/>
           <p:cNvPicPr>
             <a:picLocks noChangeAspect="0"/>
           </p:cNvPicPr>
@@ -21644,7 +22279,7 @@
       </p:pic>
       <p:pic>
         <p:nvPicPr>
-          <p:cNvPr id="481" name="Line Line" descr="Line Line"/>
+          <p:cNvPr id="495" name="Line Line" descr="Line Line"/>
           <p:cNvPicPr>
             <a:picLocks noChangeAspect="0"/>
           </p:cNvPicPr>
@@ -21670,7 +22305,7 @@
       </p:pic>
       <p:pic>
         <p:nvPicPr>
-          <p:cNvPr id="483" name="Line Line" descr="Line Line"/>
+          <p:cNvPr id="497" name="Line Line" descr="Line Line"/>
           <p:cNvPicPr>
             <a:picLocks noChangeAspect="0"/>
           </p:cNvPicPr>
@@ -21696,7 +22331,7 @@
       </p:pic>
       <p:pic>
         <p:nvPicPr>
-          <p:cNvPr id="485" name="Line Line" descr="Line Line"/>
+          <p:cNvPr id="499" name="Line Line" descr="Line Line"/>
           <p:cNvPicPr>
             <a:picLocks noChangeAspect="0"/>
           </p:cNvPicPr>
@@ -21722,7 +22357,7 @@
       </p:pic>
       <p:pic>
         <p:nvPicPr>
-          <p:cNvPr id="487" name="Line Line" descr="Line Line"/>
+          <p:cNvPr id="501" name="Line Line" descr="Line Line"/>
           <p:cNvPicPr>
             <a:picLocks noChangeAspect="0"/>
           </p:cNvPicPr>
@@ -21748,7 +22383,7 @@
       </p:pic>
       <p:pic>
         <p:nvPicPr>
-          <p:cNvPr id="489" name="Line Line" descr="Line Line"/>
+          <p:cNvPr id="503" name="Line Line" descr="Line Line"/>
           <p:cNvPicPr>
             <a:picLocks noChangeAspect="0"/>
           </p:cNvPicPr>
@@ -21774,7 +22409,7 @@
       </p:pic>
       <p:pic>
         <p:nvPicPr>
-          <p:cNvPr id="491" name="Line Line" descr="Line Line"/>
+          <p:cNvPr id="505" name="Line Line" descr="Line Line"/>
           <p:cNvPicPr>
             <a:picLocks noChangeAspect="0"/>
           </p:cNvPicPr>
@@ -21800,7 +22435,7 @@
       </p:pic>
       <p:pic>
         <p:nvPicPr>
-          <p:cNvPr id="493" name="Line Line" descr="Line Line"/>
+          <p:cNvPr id="507" name="Line Line" descr="Line Line"/>
           <p:cNvPicPr>
             <a:picLocks noChangeAspect="0"/>
           </p:cNvPicPr>
@@ -21826,7 +22461,7 @@
       </p:pic>
       <p:pic>
         <p:nvPicPr>
-          <p:cNvPr id="495" name="Line Line" descr="Line Line"/>
+          <p:cNvPr id="509" name="Line Line" descr="Line Line"/>
           <p:cNvPicPr>
             <a:picLocks noChangeAspect="0"/>
           </p:cNvPicPr>
@@ -21903,7 +22538,7 @@
                                       <p:cBhvr>
                                         <p:cTn id="6" fill="hold"/>
                                         <p:tgtEl>
-                                          <p:spTgt spid="346"/>
+                                          <p:spTgt spid="360"/>
                                         </p:tgtEl>
                                         <p:attrNameLst>
                                           <p:attrName>style.visibility</p:attrName>
@@ -21917,7 +22552,7 @@
                                       <p:cBhvr>
                                         <p:cTn id="7" dur="500" fill="hold"/>
                                         <p:tgtEl>
-                                          <p:spTgt spid="346"/>
+                                          <p:spTgt spid="360"/>
                                         </p:tgtEl>
                                         <p:attrNameLst>
                                           <p:attrName>ppt_w</p:attrName>
@@ -21940,7 +22575,7 @@
                                       <p:cBhvr>
                                         <p:cTn id="8" dur="500" fill="hold"/>
                                         <p:tgtEl>
-                                          <p:spTgt spid="346"/>
+                                          <p:spTgt spid="360"/>
                                         </p:tgtEl>
                                         <p:attrNameLst>
                                           <p:attrName>ppt_h</p:attrName>
@@ -21984,7 +22619,7 @@
                                       <p:cBhvr>
                                         <p:cTn id="11" fill="hold"/>
                                         <p:tgtEl>
-                                          <p:spTgt spid="349"/>
+                                          <p:spTgt spid="363"/>
                                         </p:tgtEl>
                                         <p:attrNameLst>
                                           <p:attrName>style.visibility</p:attrName>
@@ -21998,7 +22633,7 @@
                                       <p:cBhvr>
                                         <p:cTn id="12" dur="400" fill="hold"/>
                                         <p:tgtEl>
-                                          <p:spTgt spid="349"/>
+                                          <p:spTgt spid="363"/>
                                         </p:tgtEl>
                                         <p:attrNameLst>
                                           <p:attrName>ppt_w</p:attrName>
@@ -22021,7 +22656,7 @@
                                       <p:cBhvr>
                                         <p:cTn id="13" dur="400" fill="hold"/>
                                         <p:tgtEl>
-                                          <p:spTgt spid="349"/>
+                                          <p:spTgt spid="363"/>
                                         </p:tgtEl>
                                         <p:attrNameLst>
                                           <p:attrName>ppt_h</p:attrName>
@@ -22065,7 +22700,7 @@
                                       <p:cBhvr>
                                         <p:cTn id="16" fill="hold"/>
                                         <p:tgtEl>
-                                          <p:spTgt spid="352"/>
+                                          <p:spTgt spid="366"/>
                                         </p:tgtEl>
                                         <p:attrNameLst>
                                           <p:attrName>style.visibility</p:attrName>
@@ -22079,7 +22714,7 @@
                                       <p:cBhvr>
                                         <p:cTn id="17" dur="400" fill="hold"/>
                                         <p:tgtEl>
-                                          <p:spTgt spid="352"/>
+                                          <p:spTgt spid="366"/>
                                         </p:tgtEl>
                                         <p:attrNameLst>
                                           <p:attrName>ppt_w</p:attrName>
@@ -22102,7 +22737,7 @@
                                       <p:cBhvr>
                                         <p:cTn id="18" dur="400" fill="hold"/>
                                         <p:tgtEl>
-                                          <p:spTgt spid="352"/>
+                                          <p:spTgt spid="366"/>
                                         </p:tgtEl>
                                         <p:attrNameLst>
                                           <p:attrName>ppt_h</p:attrName>
@@ -22146,7 +22781,7 @@
                                       <p:cBhvr>
                                         <p:cTn id="21" fill="hold"/>
                                         <p:tgtEl>
-                                          <p:spTgt spid="355"/>
+                                          <p:spTgt spid="369"/>
                                         </p:tgtEl>
                                         <p:attrNameLst>
                                           <p:attrName>style.visibility</p:attrName>
@@ -22160,7 +22795,7 @@
                                       <p:cBhvr>
                                         <p:cTn id="22" dur="400" fill="hold"/>
                                         <p:tgtEl>
-                                          <p:spTgt spid="355"/>
+                                          <p:spTgt spid="369"/>
                                         </p:tgtEl>
                                         <p:attrNameLst>
                                           <p:attrName>ppt_w</p:attrName>
@@ -22183,7 +22818,7 @@
                                       <p:cBhvr>
                                         <p:cTn id="23" dur="400" fill="hold"/>
                                         <p:tgtEl>
-                                          <p:spTgt spid="355"/>
+                                          <p:spTgt spid="369"/>
                                         </p:tgtEl>
                                         <p:attrNameLst>
                                           <p:attrName>ppt_h</p:attrName>
@@ -22227,7 +22862,7 @@
                                       <p:cBhvr>
                                         <p:cTn id="26" fill="hold"/>
                                         <p:tgtEl>
-                                          <p:spTgt spid="429"/>
+                                          <p:spTgt spid="443"/>
                                         </p:tgtEl>
                                         <p:attrNameLst>
                                           <p:attrName>style.visibility</p:attrName>
@@ -22241,7 +22876,7 @@
                                       <p:cBhvr>
                                         <p:cTn id="27" dur="300"/>
                                         <p:tgtEl>
-                                          <p:spTgt spid="429"/>
+                                          <p:spTgt spid="443"/>
                                         </p:tgtEl>
                                       </p:cBhvr>
                                     </p:animEffect>
@@ -22270,7 +22905,7 @@
                                       <p:cBhvr>
                                         <p:cTn id="30" fill="hold"/>
                                         <p:tgtEl>
-                                          <p:spTgt spid="425"/>
+                                          <p:spTgt spid="439"/>
                                         </p:tgtEl>
                                         <p:attrNameLst>
                                           <p:attrName>style.visibility</p:attrName>
@@ -22284,7 +22919,7 @@
                                       <p:cBhvr>
                                         <p:cTn id="31" dur="300"/>
                                         <p:tgtEl>
-                                          <p:spTgt spid="425"/>
+                                          <p:spTgt spid="439"/>
                                         </p:tgtEl>
                                       </p:cBhvr>
                                     </p:animEffect>
@@ -22313,7 +22948,7 @@
                                       <p:cBhvr>
                                         <p:cTn id="34" fill="hold"/>
                                         <p:tgtEl>
-                                          <p:spTgt spid="427"/>
+                                          <p:spTgt spid="441"/>
                                         </p:tgtEl>
                                         <p:attrNameLst>
                                           <p:attrName>style.visibility</p:attrName>
@@ -22327,7 +22962,7 @@
                                       <p:cBhvr>
                                         <p:cTn id="35" dur="300"/>
                                         <p:tgtEl>
-                                          <p:spTgt spid="427"/>
+                                          <p:spTgt spid="441"/>
                                         </p:tgtEl>
                                       </p:cBhvr>
                                     </p:animEffect>
@@ -22356,7 +22991,7 @@
                                       <p:cBhvr>
                                         <p:cTn id="38" fill="hold"/>
                                         <p:tgtEl>
-                                          <p:spTgt spid="433"/>
+                                          <p:spTgt spid="447"/>
                                         </p:tgtEl>
                                         <p:attrNameLst>
                                           <p:attrName>style.visibility</p:attrName>
@@ -22370,7 +23005,7 @@
                                       <p:cBhvr>
                                         <p:cTn id="39" dur="300"/>
                                         <p:tgtEl>
-                                          <p:spTgt spid="433"/>
+                                          <p:spTgt spid="447"/>
                                         </p:tgtEl>
                                       </p:cBhvr>
                                     </p:animEffect>
@@ -22399,7 +23034,7 @@
                                       <p:cBhvr>
                                         <p:cTn id="42" fill="hold"/>
                                         <p:tgtEl>
-                                          <p:spTgt spid="431"/>
+                                          <p:spTgt spid="445"/>
                                         </p:tgtEl>
                                         <p:attrNameLst>
                                           <p:attrName>style.visibility</p:attrName>
@@ -22413,7 +23048,7 @@
                                       <p:cBhvr>
                                         <p:cTn id="43" dur="300"/>
                                         <p:tgtEl>
-                                          <p:spTgt spid="431"/>
+                                          <p:spTgt spid="445"/>
                                         </p:tgtEl>
                                       </p:cBhvr>
                                     </p:animEffect>
@@ -22442,7 +23077,7 @@
                                       <p:cBhvr>
                                         <p:cTn id="46" fill="hold"/>
                                         <p:tgtEl>
-                                          <p:spTgt spid="435"/>
+                                          <p:spTgt spid="449"/>
                                         </p:tgtEl>
                                         <p:attrNameLst>
                                           <p:attrName>style.visibility</p:attrName>
@@ -22456,7 +23091,7 @@
                                       <p:cBhvr>
                                         <p:cTn id="47" dur="300"/>
                                         <p:tgtEl>
-                                          <p:spTgt spid="435"/>
+                                          <p:spTgt spid="449"/>
                                         </p:tgtEl>
                                       </p:cBhvr>
                                     </p:animEffect>
@@ -22485,7 +23120,7 @@
                                       <p:cBhvr>
                                         <p:cTn id="50" fill="hold"/>
                                         <p:tgtEl>
-                                          <p:spTgt spid="437"/>
+                                          <p:spTgt spid="451"/>
                                         </p:tgtEl>
                                         <p:attrNameLst>
                                           <p:attrName>style.visibility</p:attrName>
@@ -22499,7 +23134,7 @@
                                       <p:cBhvr>
                                         <p:cTn id="51" dur="300"/>
                                         <p:tgtEl>
-                                          <p:spTgt spid="437"/>
+                                          <p:spTgt spid="451"/>
                                         </p:tgtEl>
                                       </p:cBhvr>
                                     </p:animEffect>
@@ -22528,7 +23163,7 @@
                                       <p:cBhvr>
                                         <p:cTn id="54" fill="hold"/>
                                         <p:tgtEl>
-                                          <p:spTgt spid="439"/>
+                                          <p:spTgt spid="453"/>
                                         </p:tgtEl>
                                         <p:attrNameLst>
                                           <p:attrName>style.visibility</p:attrName>
@@ -22542,7 +23177,7 @@
                                       <p:cBhvr>
                                         <p:cTn id="55" dur="300"/>
                                         <p:tgtEl>
-                                          <p:spTgt spid="439"/>
+                                          <p:spTgt spid="453"/>
                                         </p:tgtEl>
                                       </p:cBhvr>
                                     </p:animEffect>
@@ -22580,7 +23215,7 @@
                                       <p:cBhvr>
                                         <p:cTn id="59" fill="hold"/>
                                         <p:tgtEl>
-                                          <p:spTgt spid="370"/>
+                                          <p:spTgt spid="384"/>
                                         </p:tgtEl>
                                         <p:attrNameLst>
                                           <p:attrName>style.visibility</p:attrName>
@@ -22594,7 +23229,7 @@
                                       <p:cBhvr>
                                         <p:cTn id="60" dur="400" fill="hold"/>
                                         <p:tgtEl>
-                                          <p:spTgt spid="370"/>
+                                          <p:spTgt spid="384"/>
                                         </p:tgtEl>
                                         <p:attrNameLst>
                                           <p:attrName>ppt_w</p:attrName>
@@ -22617,7 +23252,7 @@
                                       <p:cBhvr>
                                         <p:cTn id="61" dur="400" fill="hold"/>
                                         <p:tgtEl>
-                                          <p:spTgt spid="370"/>
+                                          <p:spTgt spid="384"/>
                                         </p:tgtEl>
                                         <p:attrNameLst>
                                           <p:attrName>ppt_h</p:attrName>
@@ -22661,7 +23296,7 @@
                                       <p:cBhvr>
                                         <p:cTn id="64" fill="hold"/>
                                         <p:tgtEl>
-                                          <p:spTgt spid="406"/>
+                                          <p:spTgt spid="420"/>
                                         </p:tgtEl>
                                         <p:attrNameLst>
                                           <p:attrName>style.visibility</p:attrName>
@@ -22675,7 +23310,7 @@
                                       <p:cBhvr>
                                         <p:cTn id="65" dur="400" fill="hold"/>
                                         <p:tgtEl>
-                                          <p:spTgt spid="406"/>
+                                          <p:spTgt spid="420"/>
                                         </p:tgtEl>
                                         <p:attrNameLst>
                                           <p:attrName>ppt_w</p:attrName>
@@ -22698,7 +23333,7 @@
                                       <p:cBhvr>
                                         <p:cTn id="66" dur="400" fill="hold"/>
                                         <p:tgtEl>
-                                          <p:spTgt spid="406"/>
+                                          <p:spTgt spid="420"/>
                                         </p:tgtEl>
                                         <p:attrNameLst>
                                           <p:attrName>ppt_h</p:attrName>
@@ -22742,7 +23377,7 @@
                                       <p:cBhvr>
                                         <p:cTn id="69" fill="hold"/>
                                         <p:tgtEl>
-                                          <p:spTgt spid="409"/>
+                                          <p:spTgt spid="423"/>
                                         </p:tgtEl>
                                         <p:attrNameLst>
                                           <p:attrName>style.visibility</p:attrName>
@@ -22756,7 +23391,7 @@
                                       <p:cBhvr>
                                         <p:cTn id="70" dur="400" fill="hold"/>
                                         <p:tgtEl>
-                                          <p:spTgt spid="409"/>
+                                          <p:spTgt spid="423"/>
                                         </p:tgtEl>
                                         <p:attrNameLst>
                                           <p:attrName>ppt_w</p:attrName>
@@ -22779,7 +23414,7 @@
                                       <p:cBhvr>
                                         <p:cTn id="71" dur="400" fill="hold"/>
                                         <p:tgtEl>
-                                          <p:spTgt spid="409"/>
+                                          <p:spTgt spid="423"/>
                                         </p:tgtEl>
                                         <p:attrNameLst>
                                           <p:attrName>ppt_h</p:attrName>
@@ -22823,7 +23458,7 @@
                                       <p:cBhvr>
                                         <p:cTn id="74" fill="hold"/>
                                         <p:tgtEl>
-                                          <p:spTgt spid="379"/>
+                                          <p:spTgt spid="393"/>
                                         </p:tgtEl>
                                         <p:attrNameLst>
                                           <p:attrName>style.visibility</p:attrName>
@@ -22837,7 +23472,7 @@
                                       <p:cBhvr>
                                         <p:cTn id="75" dur="400" fill="hold"/>
                                         <p:tgtEl>
-                                          <p:spTgt spid="379"/>
+                                          <p:spTgt spid="393"/>
                                         </p:tgtEl>
                                         <p:attrNameLst>
                                           <p:attrName>ppt_w</p:attrName>
@@ -22860,7 +23495,7 @@
                                       <p:cBhvr>
                                         <p:cTn id="76" dur="400" fill="hold"/>
                                         <p:tgtEl>
-                                          <p:spTgt spid="379"/>
+                                          <p:spTgt spid="393"/>
                                         </p:tgtEl>
                                         <p:attrNameLst>
                                           <p:attrName>ppt_h</p:attrName>
@@ -22904,7 +23539,7 @@
                                       <p:cBhvr>
                                         <p:cTn id="79" fill="hold"/>
                                         <p:tgtEl>
-                                          <p:spTgt spid="388"/>
+                                          <p:spTgt spid="402"/>
                                         </p:tgtEl>
                                         <p:attrNameLst>
                                           <p:attrName>style.visibility</p:attrName>
@@ -22918,7 +23553,7 @@
                                       <p:cBhvr>
                                         <p:cTn id="80" dur="400" fill="hold"/>
                                         <p:tgtEl>
-                                          <p:spTgt spid="388"/>
+                                          <p:spTgt spid="402"/>
                                         </p:tgtEl>
                                         <p:attrNameLst>
                                           <p:attrName>ppt_w</p:attrName>
@@ -22941,7 +23576,7 @@
                                       <p:cBhvr>
                                         <p:cTn id="81" dur="400" fill="hold"/>
                                         <p:tgtEl>
-                                          <p:spTgt spid="388"/>
+                                          <p:spTgt spid="402"/>
                                         </p:tgtEl>
                                         <p:attrNameLst>
                                           <p:attrName>ppt_h</p:attrName>
@@ -22985,7 +23620,7 @@
                                       <p:cBhvr>
                                         <p:cTn id="84" fill="hold"/>
                                         <p:tgtEl>
-                                          <p:spTgt spid="373"/>
+                                          <p:spTgt spid="387"/>
                                         </p:tgtEl>
                                         <p:attrNameLst>
                                           <p:attrName>style.visibility</p:attrName>
@@ -22999,7 +23634,7 @@
                                       <p:cBhvr>
                                         <p:cTn id="85" dur="400" fill="hold"/>
                                         <p:tgtEl>
-                                          <p:spTgt spid="373"/>
+                                          <p:spTgt spid="387"/>
                                         </p:tgtEl>
                                         <p:attrNameLst>
                                           <p:attrName>ppt_w</p:attrName>
@@ -23022,7 +23657,7 @@
                                       <p:cBhvr>
                                         <p:cTn id="86" dur="400" fill="hold"/>
                                         <p:tgtEl>
-                                          <p:spTgt spid="373"/>
+                                          <p:spTgt spid="387"/>
                                         </p:tgtEl>
                                         <p:attrNameLst>
                                           <p:attrName>ppt_h</p:attrName>
@@ -23066,7 +23701,7 @@
                                       <p:cBhvr>
                                         <p:cTn id="89" fill="hold"/>
                                         <p:tgtEl>
-                                          <p:spTgt spid="376"/>
+                                          <p:spTgt spid="390"/>
                                         </p:tgtEl>
                                         <p:attrNameLst>
                                           <p:attrName>style.visibility</p:attrName>
@@ -23080,7 +23715,7 @@
                                       <p:cBhvr>
                                         <p:cTn id="90" dur="400" fill="hold"/>
                                         <p:tgtEl>
-                                          <p:spTgt spid="376"/>
+                                          <p:spTgt spid="390"/>
                                         </p:tgtEl>
                                         <p:attrNameLst>
                                           <p:attrName>ppt_w</p:attrName>
@@ -23103,7 +23738,7 @@
                                       <p:cBhvr>
                                         <p:cTn id="91" dur="400" fill="hold"/>
                                         <p:tgtEl>
-                                          <p:spTgt spid="376"/>
+                                          <p:spTgt spid="390"/>
                                         </p:tgtEl>
                                         <p:attrNameLst>
                                           <p:attrName>ppt_h</p:attrName>
@@ -23147,7 +23782,7 @@
                                       <p:cBhvr>
                                         <p:cTn id="94" fill="hold"/>
                                         <p:tgtEl>
-                                          <p:spTgt spid="382"/>
+                                          <p:spTgt spid="396"/>
                                         </p:tgtEl>
                                         <p:attrNameLst>
                                           <p:attrName>style.visibility</p:attrName>
@@ -23161,7 +23796,7 @@
                                       <p:cBhvr>
                                         <p:cTn id="95" dur="400" fill="hold"/>
                                         <p:tgtEl>
-                                          <p:spTgt spid="382"/>
+                                          <p:spTgt spid="396"/>
                                         </p:tgtEl>
                                         <p:attrNameLst>
                                           <p:attrName>ppt_w</p:attrName>
@@ -23184,7 +23819,7 @@
                                       <p:cBhvr>
                                         <p:cTn id="96" dur="400" fill="hold"/>
                                         <p:tgtEl>
-                                          <p:spTgt spid="382"/>
+                                          <p:spTgt spid="396"/>
                                         </p:tgtEl>
                                         <p:attrNameLst>
                                           <p:attrName>ppt_h</p:attrName>
@@ -23228,7 +23863,7 @@
                                       <p:cBhvr>
                                         <p:cTn id="99" fill="hold"/>
                                         <p:tgtEl>
-                                          <p:spTgt spid="424"/>
+                                          <p:spTgt spid="438"/>
                                         </p:tgtEl>
                                         <p:attrNameLst>
                                           <p:attrName>style.visibility</p:attrName>
@@ -23242,7 +23877,7 @@
                                       <p:cBhvr>
                                         <p:cTn id="100" dur="400" fill="hold"/>
                                         <p:tgtEl>
-                                          <p:spTgt spid="424"/>
+                                          <p:spTgt spid="438"/>
                                         </p:tgtEl>
                                         <p:attrNameLst>
                                           <p:attrName>ppt_w</p:attrName>
@@ -23265,7 +23900,7 @@
                                       <p:cBhvr>
                                         <p:cTn id="101" dur="400" fill="hold"/>
                                         <p:tgtEl>
-                                          <p:spTgt spid="424"/>
+                                          <p:spTgt spid="438"/>
                                         </p:tgtEl>
                                         <p:attrNameLst>
                                           <p:attrName>ppt_h</p:attrName>
@@ -23309,7 +23944,7 @@
                                       <p:cBhvr>
                                         <p:cTn id="104" fill="hold"/>
                                         <p:tgtEl>
-                                          <p:spTgt spid="459"/>
+                                          <p:spTgt spid="473"/>
                                         </p:tgtEl>
                                         <p:attrNameLst>
                                           <p:attrName>style.visibility</p:attrName>
@@ -23323,7 +23958,7 @@
                                       <p:cBhvr>
                                         <p:cTn id="105" dur="300"/>
                                         <p:tgtEl>
-                                          <p:spTgt spid="459"/>
+                                          <p:spTgt spid="473"/>
                                         </p:tgtEl>
                                       </p:cBhvr>
                                     </p:animEffect>
@@ -23352,7 +23987,7 @@
                                       <p:cBhvr>
                                         <p:cTn id="108" fill="hold"/>
                                         <p:tgtEl>
-                                          <p:spTgt spid="455"/>
+                                          <p:spTgt spid="469"/>
                                         </p:tgtEl>
                                         <p:attrNameLst>
                                           <p:attrName>style.visibility</p:attrName>
@@ -23366,7 +24001,7 @@
                                       <p:cBhvr>
                                         <p:cTn id="109" dur="300"/>
                                         <p:tgtEl>
-                                          <p:spTgt spid="455"/>
+                                          <p:spTgt spid="469"/>
                                         </p:tgtEl>
                                       </p:cBhvr>
                                     </p:animEffect>
@@ -23395,7 +24030,7 @@
                                       <p:cBhvr>
                                         <p:cTn id="112" fill="hold"/>
                                         <p:tgtEl>
-                                          <p:spTgt spid="453"/>
+                                          <p:spTgt spid="467"/>
                                         </p:tgtEl>
                                         <p:attrNameLst>
                                           <p:attrName>style.visibility</p:attrName>
@@ -23409,7 +24044,7 @@
                                       <p:cBhvr>
                                         <p:cTn id="113" dur="300"/>
                                         <p:tgtEl>
-                                          <p:spTgt spid="453"/>
+                                          <p:spTgt spid="467"/>
                                         </p:tgtEl>
                                       </p:cBhvr>
                                     </p:animEffect>
@@ -23438,7 +24073,7 @@
                                       <p:cBhvr>
                                         <p:cTn id="116" fill="hold"/>
                                         <p:tgtEl>
-                                          <p:spTgt spid="449"/>
+                                          <p:spTgt spid="463"/>
                                         </p:tgtEl>
                                         <p:attrNameLst>
                                           <p:attrName>style.visibility</p:attrName>
@@ -23452,7 +24087,7 @@
                                       <p:cBhvr>
                                         <p:cTn id="117" dur="300"/>
                                         <p:tgtEl>
-                                          <p:spTgt spid="449"/>
+                                          <p:spTgt spid="463"/>
                                         </p:tgtEl>
                                       </p:cBhvr>
                                     </p:animEffect>
@@ -23481,7 +24116,7 @@
                                       <p:cBhvr>
                                         <p:cTn id="120" fill="hold"/>
                                         <p:tgtEl>
-                                          <p:spTgt spid="451"/>
+                                          <p:spTgt spid="465"/>
                                         </p:tgtEl>
                                         <p:attrNameLst>
                                           <p:attrName>style.visibility</p:attrName>
@@ -23495,7 +24130,7 @@
                                       <p:cBhvr>
                                         <p:cTn id="121" dur="300"/>
                                         <p:tgtEl>
-                                          <p:spTgt spid="451"/>
+                                          <p:spTgt spid="465"/>
                                         </p:tgtEl>
                                       </p:cBhvr>
                                     </p:animEffect>
@@ -23524,7 +24159,7 @@
                                       <p:cBhvr>
                                         <p:cTn id="124" fill="hold"/>
                                         <p:tgtEl>
-                                          <p:spTgt spid="457"/>
+                                          <p:spTgt spid="471"/>
                                         </p:tgtEl>
                                         <p:attrNameLst>
                                           <p:attrName>style.visibility</p:attrName>
@@ -23538,7 +24173,7 @@
                                       <p:cBhvr>
                                         <p:cTn id="125" dur="300"/>
                                         <p:tgtEl>
-                                          <p:spTgt spid="457"/>
+                                          <p:spTgt spid="471"/>
                                         </p:tgtEl>
                                       </p:cBhvr>
                                     </p:animEffect>
@@ -23567,7 +24202,7 @@
                                       <p:cBhvr>
                                         <p:cTn id="128" fill="hold"/>
                                         <p:tgtEl>
-                                          <p:spTgt spid="469"/>
+                                          <p:spTgt spid="483"/>
                                         </p:tgtEl>
                                         <p:attrNameLst>
                                           <p:attrName>style.visibility</p:attrName>
@@ -23581,7 +24216,7 @@
                                       <p:cBhvr>
                                         <p:cTn id="129" dur="300"/>
                                         <p:tgtEl>
-                                          <p:spTgt spid="469"/>
+                                          <p:spTgt spid="483"/>
                                         </p:tgtEl>
                                       </p:cBhvr>
                                     </p:animEffect>
@@ -23610,7 +24245,7 @@
                                       <p:cBhvr>
                                         <p:cTn id="132" fill="hold"/>
                                         <p:tgtEl>
-                                          <p:spTgt spid="471"/>
+                                          <p:spTgt spid="485"/>
                                         </p:tgtEl>
                                         <p:attrNameLst>
                                           <p:attrName>style.visibility</p:attrName>
@@ -23624,7 +24259,7 @@
                                       <p:cBhvr>
                                         <p:cTn id="133" dur="300"/>
                                         <p:tgtEl>
-                                          <p:spTgt spid="471"/>
+                                          <p:spTgt spid="485"/>
                                         </p:tgtEl>
                                       </p:cBhvr>
                                     </p:animEffect>
@@ -23653,7 +24288,7 @@
                                       <p:cBhvr>
                                         <p:cTn id="136" fill="hold"/>
                                         <p:tgtEl>
-                                          <p:spTgt spid="473"/>
+                                          <p:spTgt spid="487"/>
                                         </p:tgtEl>
                                         <p:attrNameLst>
                                           <p:attrName>style.visibility</p:attrName>
@@ -23667,7 +24302,7 @@
                                       <p:cBhvr>
                                         <p:cTn id="137" dur="300"/>
                                         <p:tgtEl>
-                                          <p:spTgt spid="473"/>
+                                          <p:spTgt spid="487"/>
                                         </p:tgtEl>
                                       </p:cBhvr>
                                     </p:animEffect>
@@ -23696,7 +24331,7 @@
                                       <p:cBhvr>
                                         <p:cTn id="140" fill="hold"/>
                                         <p:tgtEl>
-                                          <p:spTgt spid="475"/>
+                                          <p:spTgt spid="489"/>
                                         </p:tgtEl>
                                         <p:attrNameLst>
                                           <p:attrName>style.visibility</p:attrName>
@@ -23710,7 +24345,7 @@
                                       <p:cBhvr>
                                         <p:cTn id="141" dur="300"/>
                                         <p:tgtEl>
-                                          <p:spTgt spid="475"/>
+                                          <p:spTgt spid="489"/>
                                         </p:tgtEl>
                                       </p:cBhvr>
                                     </p:animEffect>
@@ -23748,7 +24383,7 @@
                                       <p:cBhvr>
                                         <p:cTn id="145" fill="hold"/>
                                         <p:tgtEl>
-                                          <p:spTgt spid="343"/>
+                                          <p:spTgt spid="357"/>
                                         </p:tgtEl>
                                         <p:attrNameLst>
                                           <p:attrName>style.visibility</p:attrName>
@@ -23762,7 +24397,7 @@
                                       <p:cBhvr>
                                         <p:cTn id="146" dur="400" fill="hold"/>
                                         <p:tgtEl>
-                                          <p:spTgt spid="343"/>
+                                          <p:spTgt spid="357"/>
                                         </p:tgtEl>
                                         <p:attrNameLst>
                                           <p:attrName>ppt_w</p:attrName>
@@ -23785,7 +24420,7 @@
                                       <p:cBhvr>
                                         <p:cTn id="147" dur="400" fill="hold"/>
                                         <p:tgtEl>
-                                          <p:spTgt spid="343"/>
+                                          <p:spTgt spid="357"/>
                                         </p:tgtEl>
                                         <p:attrNameLst>
                                           <p:attrName>ppt_h</p:attrName>
@@ -23829,7 +24464,7 @@
                                       <p:cBhvr>
                                         <p:cTn id="150" fill="hold"/>
                                         <p:tgtEl>
-                                          <p:spTgt spid="367"/>
+                                          <p:spTgt spid="381"/>
                                         </p:tgtEl>
                                         <p:attrNameLst>
                                           <p:attrName>style.visibility</p:attrName>
@@ -23843,7 +24478,7 @@
                                       <p:cBhvr>
                                         <p:cTn id="151" dur="400" fill="hold"/>
                                         <p:tgtEl>
-                                          <p:spTgt spid="367"/>
+                                          <p:spTgt spid="381"/>
                                         </p:tgtEl>
                                         <p:attrNameLst>
                                           <p:attrName>ppt_w</p:attrName>
@@ -23866,7 +24501,7 @@
                                       <p:cBhvr>
                                         <p:cTn id="152" dur="400" fill="hold"/>
                                         <p:tgtEl>
-                                          <p:spTgt spid="367"/>
+                                          <p:spTgt spid="381"/>
                                         </p:tgtEl>
                                         <p:attrNameLst>
                                           <p:attrName>ppt_h</p:attrName>
@@ -23910,7 +24545,7 @@
                                       <p:cBhvr>
                                         <p:cTn id="155" fill="hold"/>
                                         <p:tgtEl>
-                                          <p:spTgt spid="400"/>
+                                          <p:spTgt spid="414"/>
                                         </p:tgtEl>
                                         <p:attrNameLst>
                                           <p:attrName>style.visibility</p:attrName>
@@ -23924,7 +24559,7 @@
                                       <p:cBhvr>
                                         <p:cTn id="156" dur="400" fill="hold"/>
                                         <p:tgtEl>
-                                          <p:spTgt spid="400"/>
+                                          <p:spTgt spid="414"/>
                                         </p:tgtEl>
                                         <p:attrNameLst>
                                           <p:attrName>ppt_w</p:attrName>
@@ -23947,7 +24582,7 @@
                                       <p:cBhvr>
                                         <p:cTn id="157" dur="400" fill="hold"/>
                                         <p:tgtEl>
-                                          <p:spTgt spid="400"/>
+                                          <p:spTgt spid="414"/>
                                         </p:tgtEl>
                                         <p:attrNameLst>
                                           <p:attrName>ppt_h</p:attrName>
@@ -23991,7 +24626,7 @@
                                       <p:cBhvr>
                                         <p:cTn id="160" fill="hold"/>
                                         <p:tgtEl>
-                                          <p:spTgt spid="403"/>
+                                          <p:spTgt spid="417"/>
                                         </p:tgtEl>
                                         <p:attrNameLst>
                                           <p:attrName>style.visibility</p:attrName>
@@ -24005,7 +24640,7 @@
                                       <p:cBhvr>
                                         <p:cTn id="161" dur="400" fill="hold"/>
                                         <p:tgtEl>
-                                          <p:spTgt spid="403"/>
+                                          <p:spTgt spid="417"/>
                                         </p:tgtEl>
                                         <p:attrNameLst>
                                           <p:attrName>ppt_w</p:attrName>
@@ -24028,7 +24663,7 @@
                                       <p:cBhvr>
                                         <p:cTn id="162" dur="400" fill="hold"/>
                                         <p:tgtEl>
-                                          <p:spTgt spid="403"/>
+                                          <p:spTgt spid="417"/>
                                         </p:tgtEl>
                                         <p:attrNameLst>
                                           <p:attrName>ppt_h</p:attrName>
@@ -24072,7 +24707,7 @@
                                       <p:cBhvr>
                                         <p:cTn id="165" fill="hold"/>
                                         <p:tgtEl>
-                                          <p:spTgt spid="463"/>
+                                          <p:spTgt spid="477"/>
                                         </p:tgtEl>
                                         <p:attrNameLst>
                                           <p:attrName>style.visibility</p:attrName>
@@ -24086,7 +24721,7 @@
                                       <p:cBhvr>
                                         <p:cTn id="166" dur="300"/>
                                         <p:tgtEl>
-                                          <p:spTgt spid="463"/>
+                                          <p:spTgt spid="477"/>
                                         </p:tgtEl>
                                       </p:cBhvr>
                                     </p:animEffect>
@@ -24115,7 +24750,7 @@
                                       <p:cBhvr>
                                         <p:cTn id="169" fill="hold"/>
                                         <p:tgtEl>
-                                          <p:spTgt spid="467"/>
+                                          <p:spTgt spid="481"/>
                                         </p:tgtEl>
                                         <p:attrNameLst>
                                           <p:attrName>style.visibility</p:attrName>
@@ -24129,7 +24764,7 @@
                                       <p:cBhvr>
                                         <p:cTn id="170" dur="300"/>
                                         <p:tgtEl>
-                                          <p:spTgt spid="467"/>
+                                          <p:spTgt spid="481"/>
                                         </p:tgtEl>
                                       </p:cBhvr>
                                     </p:animEffect>
@@ -24158,7 +24793,7 @@
                                       <p:cBhvr>
                                         <p:cTn id="173" fill="hold"/>
                                         <p:tgtEl>
-                                          <p:spTgt spid="465"/>
+                                          <p:spTgt spid="479"/>
                                         </p:tgtEl>
                                         <p:attrNameLst>
                                           <p:attrName>style.visibility</p:attrName>
@@ -24172,7 +24807,7 @@
                                       <p:cBhvr>
                                         <p:cTn id="174" dur="300"/>
                                         <p:tgtEl>
-                                          <p:spTgt spid="465"/>
+                                          <p:spTgt spid="479"/>
                                         </p:tgtEl>
                                       </p:cBhvr>
                                     </p:animEffect>
@@ -24201,7 +24836,7 @@
                                       <p:cBhvr>
                                         <p:cTn id="177" fill="hold"/>
                                         <p:tgtEl>
-                                          <p:spTgt spid="461"/>
+                                          <p:spTgt spid="475"/>
                                         </p:tgtEl>
                                         <p:attrNameLst>
                                           <p:attrName>style.visibility</p:attrName>
@@ -24215,7 +24850,7 @@
                                       <p:cBhvr>
                                         <p:cTn id="178" dur="300"/>
                                         <p:tgtEl>
-                                          <p:spTgt spid="461"/>
+                                          <p:spTgt spid="475"/>
                                         </p:tgtEl>
                                       </p:cBhvr>
                                     </p:animEffect>
@@ -24244,7 +24879,7 @@
                                       <p:cBhvr>
                                         <p:cTn id="181" fill="hold"/>
                                         <p:tgtEl>
-                                          <p:spTgt spid="445"/>
+                                          <p:spTgt spid="459"/>
                                         </p:tgtEl>
                                         <p:attrNameLst>
                                           <p:attrName>style.visibility</p:attrName>
@@ -24258,7 +24893,7 @@
                                       <p:cBhvr>
                                         <p:cTn id="182" dur="300"/>
                                         <p:tgtEl>
-                                          <p:spTgt spid="445"/>
+                                          <p:spTgt spid="459"/>
                                         </p:tgtEl>
                                       </p:cBhvr>
                                     </p:animEffect>
@@ -24287,7 +24922,7 @@
                                       <p:cBhvr>
                                         <p:cTn id="185" fill="hold"/>
                                         <p:tgtEl>
-                                          <p:spTgt spid="441"/>
+                                          <p:spTgt spid="455"/>
                                         </p:tgtEl>
                                         <p:attrNameLst>
                                           <p:attrName>style.visibility</p:attrName>
@@ -24301,7 +24936,7 @@
                                       <p:cBhvr>
                                         <p:cTn id="186" dur="300"/>
                                         <p:tgtEl>
-                                          <p:spTgt spid="441"/>
+                                          <p:spTgt spid="455"/>
                                         </p:tgtEl>
                                       </p:cBhvr>
                                     </p:animEffect>
@@ -24330,7 +24965,7 @@
                                       <p:cBhvr>
                                         <p:cTn id="189" fill="hold"/>
                                         <p:tgtEl>
-                                          <p:spTgt spid="443"/>
+                                          <p:spTgt spid="457"/>
                                         </p:tgtEl>
                                         <p:attrNameLst>
                                           <p:attrName>style.visibility</p:attrName>
@@ -24344,7 +24979,7 @@
                                       <p:cBhvr>
                                         <p:cTn id="190" dur="300"/>
                                         <p:tgtEl>
-                                          <p:spTgt spid="443"/>
+                                          <p:spTgt spid="457"/>
                                         </p:tgtEl>
                                       </p:cBhvr>
                                     </p:animEffect>
@@ -24373,7 +25008,7 @@
                                       <p:cBhvr>
                                         <p:cTn id="193" fill="hold"/>
                                         <p:tgtEl>
-                                          <p:spTgt spid="447"/>
+                                          <p:spTgt spid="461"/>
                                         </p:tgtEl>
                                         <p:attrNameLst>
                                           <p:attrName>style.visibility</p:attrName>
@@ -24387,7 +25022,7 @@
                                       <p:cBhvr>
                                         <p:cTn id="194" dur="300"/>
                                         <p:tgtEl>
-                                          <p:spTgt spid="447"/>
+                                          <p:spTgt spid="461"/>
                                         </p:tgtEl>
                                       </p:cBhvr>
                                     </p:animEffect>
@@ -24425,7 +25060,7 @@
                                       <p:cBhvr>
                                         <p:cTn id="198" fill="hold"/>
                                         <p:tgtEl>
-                                          <p:spTgt spid="364"/>
+                                          <p:spTgt spid="378"/>
                                         </p:tgtEl>
                                         <p:attrNameLst>
                                           <p:attrName>style.visibility</p:attrName>
@@ -24439,7 +25074,7 @@
                                       <p:cBhvr>
                                         <p:cTn id="199" dur="400" fill="hold"/>
                                         <p:tgtEl>
-                                          <p:spTgt spid="364"/>
+                                          <p:spTgt spid="378"/>
                                         </p:tgtEl>
                                         <p:attrNameLst>
                                           <p:attrName>ppt_w</p:attrName>
@@ -24462,7 +25097,7 @@
                                       <p:cBhvr>
                                         <p:cTn id="200" dur="400" fill="hold"/>
                                         <p:tgtEl>
-                                          <p:spTgt spid="364"/>
+                                          <p:spTgt spid="378"/>
                                         </p:tgtEl>
                                         <p:attrNameLst>
                                           <p:attrName>ppt_h</p:attrName>
@@ -24506,7 +25141,7 @@
                                       <p:cBhvr>
                                         <p:cTn id="203" fill="hold"/>
                                         <p:tgtEl>
-                                          <p:spTgt spid="391"/>
+                                          <p:spTgt spid="405"/>
                                         </p:tgtEl>
                                         <p:attrNameLst>
                                           <p:attrName>style.visibility</p:attrName>
@@ -24520,7 +25155,7 @@
                                       <p:cBhvr>
                                         <p:cTn id="204" dur="400" fill="hold"/>
                                         <p:tgtEl>
-                                          <p:spTgt spid="391"/>
+                                          <p:spTgt spid="405"/>
                                         </p:tgtEl>
                                         <p:attrNameLst>
                                           <p:attrName>ppt_w</p:attrName>
@@ -24543,7 +25178,7 @@
                                       <p:cBhvr>
                                         <p:cTn id="205" dur="400" fill="hold"/>
                                         <p:tgtEl>
-                                          <p:spTgt spid="391"/>
+                                          <p:spTgt spid="405"/>
                                         </p:tgtEl>
                                         <p:attrNameLst>
                                           <p:attrName>ppt_h</p:attrName>
@@ -24587,7 +25222,7 @@
                                       <p:cBhvr>
                                         <p:cTn id="208" fill="hold"/>
                                         <p:tgtEl>
-                                          <p:spTgt spid="385"/>
+                                          <p:spTgt spid="399"/>
                                         </p:tgtEl>
                                         <p:attrNameLst>
                                           <p:attrName>style.visibility</p:attrName>
@@ -24601,7 +25236,7 @@
                                       <p:cBhvr>
                                         <p:cTn id="209" dur="400" fill="hold"/>
                                         <p:tgtEl>
-                                          <p:spTgt spid="385"/>
+                                          <p:spTgt spid="399"/>
                                         </p:tgtEl>
                                         <p:attrNameLst>
                                           <p:attrName>ppt_w</p:attrName>
@@ -24624,7 +25259,7 @@
                                       <p:cBhvr>
                                         <p:cTn id="210" dur="400" fill="hold"/>
                                         <p:tgtEl>
-                                          <p:spTgt spid="385"/>
+                                          <p:spTgt spid="399"/>
                                         </p:tgtEl>
                                         <p:attrNameLst>
                                           <p:attrName>ppt_h</p:attrName>
@@ -24668,7 +25303,7 @@
                                       <p:cBhvr>
                                         <p:cTn id="213" fill="hold"/>
                                         <p:tgtEl>
-                                          <p:spTgt spid="358"/>
+                                          <p:spTgt spid="372"/>
                                         </p:tgtEl>
                                         <p:attrNameLst>
                                           <p:attrName>style.visibility</p:attrName>
@@ -24682,7 +25317,7 @@
                                       <p:cBhvr>
                                         <p:cTn id="214" dur="400" fill="hold"/>
                                         <p:tgtEl>
-                                          <p:spTgt spid="358"/>
+                                          <p:spTgt spid="372"/>
                                         </p:tgtEl>
                                         <p:attrNameLst>
                                           <p:attrName>ppt_w</p:attrName>
@@ -24705,7 +25340,7 @@
                                       <p:cBhvr>
                                         <p:cTn id="215" dur="400" fill="hold"/>
                                         <p:tgtEl>
-                                          <p:spTgt spid="358"/>
+                                          <p:spTgt spid="372"/>
                                         </p:tgtEl>
                                         <p:attrNameLst>
                                           <p:attrName>ppt_h</p:attrName>
@@ -24749,7 +25384,7 @@
                                       <p:cBhvr>
                                         <p:cTn id="218" fill="hold"/>
                                         <p:tgtEl>
-                                          <p:spTgt spid="394"/>
+                                          <p:spTgt spid="408"/>
                                         </p:tgtEl>
                                         <p:attrNameLst>
                                           <p:attrName>style.visibility</p:attrName>
@@ -24763,7 +25398,7 @@
                                       <p:cBhvr>
                                         <p:cTn id="219" dur="400" fill="hold"/>
                                         <p:tgtEl>
-                                          <p:spTgt spid="394"/>
+                                          <p:spTgt spid="408"/>
                                         </p:tgtEl>
                                         <p:attrNameLst>
                                           <p:attrName>ppt_w</p:attrName>
@@ -24786,7 +25421,7 @@
                                       <p:cBhvr>
                                         <p:cTn id="220" dur="400" fill="hold"/>
                                         <p:tgtEl>
-                                          <p:spTgt spid="394"/>
+                                          <p:spTgt spid="408"/>
                                         </p:tgtEl>
                                         <p:attrNameLst>
                                           <p:attrName>ppt_h</p:attrName>
@@ -24830,7 +25465,7 @@
                                       <p:cBhvr>
                                         <p:cTn id="223" fill="hold"/>
                                         <p:tgtEl>
-                                          <p:spTgt spid="397"/>
+                                          <p:spTgt spid="411"/>
                                         </p:tgtEl>
                                         <p:attrNameLst>
                                           <p:attrName>style.visibility</p:attrName>
@@ -24844,7 +25479,7 @@
                                       <p:cBhvr>
                                         <p:cTn id="224" dur="400" fill="hold"/>
                                         <p:tgtEl>
-                                          <p:spTgt spid="397"/>
+                                          <p:spTgt spid="411"/>
                                         </p:tgtEl>
                                         <p:attrNameLst>
                                           <p:attrName>ppt_w</p:attrName>
@@ -24867,7 +25502,7 @@
                                       <p:cBhvr>
                                         <p:cTn id="225" dur="400" fill="hold"/>
                                         <p:tgtEl>
-                                          <p:spTgt spid="397"/>
+                                          <p:spTgt spid="411"/>
                                         </p:tgtEl>
                                         <p:attrNameLst>
                                           <p:attrName>ppt_h</p:attrName>
@@ -24911,7 +25546,7 @@
                                       <p:cBhvr>
                                         <p:cTn id="228" fill="hold"/>
                                         <p:tgtEl>
-                                          <p:spTgt spid="361"/>
+                                          <p:spTgt spid="375"/>
                                         </p:tgtEl>
                                         <p:attrNameLst>
                                           <p:attrName>style.visibility</p:attrName>
@@ -24925,7 +25560,7 @@
                                       <p:cBhvr>
                                         <p:cTn id="229" dur="400" fill="hold"/>
                                         <p:tgtEl>
-                                          <p:spTgt spid="361"/>
+                                          <p:spTgt spid="375"/>
                                         </p:tgtEl>
                                         <p:attrNameLst>
                                           <p:attrName>ppt_w</p:attrName>
@@ -24948,7 +25583,7 @@
                                       <p:cBhvr>
                                         <p:cTn id="230" dur="400" fill="hold"/>
                                         <p:tgtEl>
-                                          <p:spTgt spid="361"/>
+                                          <p:spTgt spid="375"/>
                                         </p:tgtEl>
                                         <p:attrNameLst>
                                           <p:attrName>ppt_h</p:attrName>
@@ -24992,7 +25627,7 @@
                                       <p:cBhvr>
                                         <p:cTn id="233" fill="hold"/>
                                         <p:tgtEl>
-                                          <p:spTgt spid="412"/>
+                                          <p:spTgt spid="426"/>
                                         </p:tgtEl>
                                         <p:attrNameLst>
                                           <p:attrName>style.visibility</p:attrName>
@@ -25006,7 +25641,7 @@
                                       <p:cBhvr>
                                         <p:cTn id="234" dur="400" fill="hold"/>
                                         <p:tgtEl>
-                                          <p:spTgt spid="412"/>
+                                          <p:spTgt spid="426"/>
                                         </p:tgtEl>
                                         <p:attrNameLst>
                                           <p:attrName>ppt_w</p:attrName>
@@ -25029,7 +25664,7 @@
                                       <p:cBhvr>
                                         <p:cTn id="235" dur="400" fill="hold"/>
                                         <p:tgtEl>
-                                          <p:spTgt spid="412"/>
+                                          <p:spTgt spid="426"/>
                                         </p:tgtEl>
                                         <p:attrNameLst>
                                           <p:attrName>ppt_h</p:attrName>
@@ -25073,7 +25708,7 @@
                                       <p:cBhvr>
                                         <p:cTn id="238" fill="hold"/>
                                         <p:tgtEl>
-                                          <p:spTgt spid="415"/>
+                                          <p:spTgt spid="429"/>
                                         </p:tgtEl>
                                         <p:attrNameLst>
                                           <p:attrName>style.visibility</p:attrName>
@@ -25087,7 +25722,7 @@
                                       <p:cBhvr>
                                         <p:cTn id="239" dur="400" fill="hold"/>
                                         <p:tgtEl>
-                                          <p:spTgt spid="415"/>
+                                          <p:spTgt spid="429"/>
                                         </p:tgtEl>
                                         <p:attrNameLst>
                                           <p:attrName>ppt_w</p:attrName>
@@ -25110,7 +25745,7 @@
                                       <p:cBhvr>
                                         <p:cTn id="240" dur="400" fill="hold"/>
                                         <p:tgtEl>
-                                          <p:spTgt spid="415"/>
+                                          <p:spTgt spid="429"/>
                                         </p:tgtEl>
                                         <p:attrNameLst>
                                           <p:attrName>ppt_h</p:attrName>
@@ -25154,7 +25789,7 @@
                                       <p:cBhvr>
                                         <p:cTn id="243" fill="hold"/>
                                         <p:tgtEl>
-                                          <p:spTgt spid="418"/>
+                                          <p:spTgt spid="432"/>
                                         </p:tgtEl>
                                         <p:attrNameLst>
                                           <p:attrName>style.visibility</p:attrName>
@@ -25168,7 +25803,7 @@
                                       <p:cBhvr>
                                         <p:cTn id="244" dur="400" fill="hold"/>
                                         <p:tgtEl>
-                                          <p:spTgt spid="418"/>
+                                          <p:spTgt spid="432"/>
                                         </p:tgtEl>
                                         <p:attrNameLst>
                                           <p:attrName>ppt_w</p:attrName>
@@ -25191,7 +25826,7 @@
                                       <p:cBhvr>
                                         <p:cTn id="245" dur="400" fill="hold"/>
                                         <p:tgtEl>
-                                          <p:spTgt spid="418"/>
+                                          <p:spTgt spid="432"/>
                                         </p:tgtEl>
                                         <p:attrNameLst>
                                           <p:attrName>ppt_h</p:attrName>
@@ -25235,7 +25870,7 @@
                                       <p:cBhvr>
                                         <p:cTn id="248" fill="hold"/>
                                         <p:tgtEl>
-                                          <p:spTgt spid="421"/>
+                                          <p:spTgt spid="435"/>
                                         </p:tgtEl>
                                         <p:attrNameLst>
                                           <p:attrName>style.visibility</p:attrName>
@@ -25249,7 +25884,7 @@
                                       <p:cBhvr>
                                         <p:cTn id="249" dur="400" fill="hold"/>
                                         <p:tgtEl>
-                                          <p:spTgt spid="421"/>
+                                          <p:spTgt spid="435"/>
                                         </p:tgtEl>
                                         <p:attrNameLst>
                                           <p:attrName>ppt_w</p:attrName>
@@ -25272,7 +25907,7 @@
                                       <p:cBhvr>
                                         <p:cTn id="250" dur="400" fill="hold"/>
                                         <p:tgtEl>
-                                          <p:spTgt spid="421"/>
+                                          <p:spTgt spid="435"/>
                                         </p:tgtEl>
                                         <p:attrNameLst>
                                           <p:attrName>ppt_h</p:attrName>
@@ -25316,7 +25951,7 @@
                                       <p:cBhvr>
                                         <p:cTn id="253" fill="hold"/>
                                         <p:tgtEl>
-                                          <p:spTgt spid="481"/>
+                                          <p:spTgt spid="495"/>
                                         </p:tgtEl>
                                         <p:attrNameLst>
                                           <p:attrName>style.visibility</p:attrName>
@@ -25330,7 +25965,7 @@
                                       <p:cBhvr>
                                         <p:cTn id="254" dur="300"/>
                                         <p:tgtEl>
-                                          <p:spTgt spid="481"/>
+                                          <p:spTgt spid="495"/>
                                         </p:tgtEl>
                                       </p:cBhvr>
                                     </p:animEffect>
@@ -25359,7 +25994,7 @@
                                       <p:cBhvr>
                                         <p:cTn id="257" fill="hold"/>
                                         <p:tgtEl>
-                                          <p:spTgt spid="483"/>
+                                          <p:spTgt spid="497"/>
                                         </p:tgtEl>
                                         <p:attrNameLst>
                                           <p:attrName>style.visibility</p:attrName>
@@ -25373,7 +26008,7 @@
                                       <p:cBhvr>
                                         <p:cTn id="258" dur="300"/>
                                         <p:tgtEl>
-                                          <p:spTgt spid="483"/>
+                                          <p:spTgt spid="497"/>
                                         </p:tgtEl>
                                       </p:cBhvr>
                                     </p:animEffect>
@@ -25402,7 +26037,7 @@
                                       <p:cBhvr>
                                         <p:cTn id="261" fill="hold"/>
                                         <p:tgtEl>
-                                          <p:spTgt spid="485"/>
+                                          <p:spTgt spid="499"/>
                                         </p:tgtEl>
                                         <p:attrNameLst>
                                           <p:attrName>style.visibility</p:attrName>
@@ -25416,7 +26051,7 @@
                                       <p:cBhvr>
                                         <p:cTn id="262" dur="300"/>
                                         <p:tgtEl>
-                                          <p:spTgt spid="485"/>
+                                          <p:spTgt spid="499"/>
                                         </p:tgtEl>
                                       </p:cBhvr>
                                     </p:animEffect>
@@ -25445,7 +26080,7 @@
                                       <p:cBhvr>
                                         <p:cTn id="265" fill="hold"/>
                                         <p:tgtEl>
-                                          <p:spTgt spid="477"/>
+                                          <p:spTgt spid="491"/>
                                         </p:tgtEl>
                                         <p:attrNameLst>
                                           <p:attrName>style.visibility</p:attrName>
@@ -25459,7 +26094,7 @@
                                       <p:cBhvr>
                                         <p:cTn id="266" dur="300"/>
                                         <p:tgtEl>
-                                          <p:spTgt spid="477"/>
+                                          <p:spTgt spid="491"/>
                                         </p:tgtEl>
                                       </p:cBhvr>
                                     </p:animEffect>
@@ -25488,7 +26123,7 @@
                                       <p:cBhvr>
                                         <p:cTn id="269" fill="hold"/>
                                         <p:tgtEl>
-                                          <p:spTgt spid="487"/>
+                                          <p:spTgt spid="501"/>
                                         </p:tgtEl>
                                         <p:attrNameLst>
                                           <p:attrName>style.visibility</p:attrName>
@@ -25502,7 +26137,7 @@
                                       <p:cBhvr>
                                         <p:cTn id="270" dur="300"/>
                                         <p:tgtEl>
-                                          <p:spTgt spid="487"/>
+                                          <p:spTgt spid="501"/>
                                         </p:tgtEl>
                                       </p:cBhvr>
                                     </p:animEffect>
@@ -25531,7 +26166,7 @@
                                       <p:cBhvr>
                                         <p:cTn id="273" fill="hold"/>
                                         <p:tgtEl>
-                                          <p:spTgt spid="493"/>
+                                          <p:spTgt spid="507"/>
                                         </p:tgtEl>
                                         <p:attrNameLst>
                                           <p:attrName>style.visibility</p:attrName>
@@ -25545,7 +26180,7 @@
                                       <p:cBhvr>
                                         <p:cTn id="274" dur="300"/>
                                         <p:tgtEl>
-                                          <p:spTgt spid="493"/>
+                                          <p:spTgt spid="507"/>
                                         </p:tgtEl>
                                       </p:cBhvr>
                                     </p:animEffect>
@@ -25574,7 +26209,7 @@
                                       <p:cBhvr>
                                         <p:cTn id="277" fill="hold"/>
                                         <p:tgtEl>
-                                          <p:spTgt spid="489"/>
+                                          <p:spTgt spid="503"/>
                                         </p:tgtEl>
                                         <p:attrNameLst>
                                           <p:attrName>style.visibility</p:attrName>
@@ -25588,7 +26223,7 @@
                                       <p:cBhvr>
                                         <p:cTn id="278" dur="300"/>
                                         <p:tgtEl>
-                                          <p:spTgt spid="489"/>
+                                          <p:spTgt spid="503"/>
                                         </p:tgtEl>
                                       </p:cBhvr>
                                     </p:animEffect>
@@ -25617,7 +26252,7 @@
                                       <p:cBhvr>
                                         <p:cTn id="281" fill="hold"/>
                                         <p:tgtEl>
-                                          <p:spTgt spid="491"/>
+                                          <p:spTgt spid="505"/>
                                         </p:tgtEl>
                                         <p:attrNameLst>
                                           <p:attrName>style.visibility</p:attrName>
@@ -25631,7 +26266,7 @@
                                       <p:cBhvr>
                                         <p:cTn id="282" dur="300"/>
                                         <p:tgtEl>
-                                          <p:spTgt spid="491"/>
+                                          <p:spTgt spid="505"/>
                                         </p:tgtEl>
                                       </p:cBhvr>
                                     </p:animEffect>
@@ -25660,7 +26295,7 @@
                                       <p:cBhvr>
                                         <p:cTn id="285" fill="hold"/>
                                         <p:tgtEl>
-                                          <p:spTgt spid="479"/>
+                                          <p:spTgt spid="493"/>
                                         </p:tgtEl>
                                         <p:attrNameLst>
                                           <p:attrName>style.visibility</p:attrName>
@@ -25674,7 +26309,7 @@
                                       <p:cBhvr>
                                         <p:cTn id="286" dur="300"/>
                                         <p:tgtEl>
-                                          <p:spTgt spid="479"/>
+                                          <p:spTgt spid="493"/>
                                         </p:tgtEl>
                                       </p:cBhvr>
                                     </p:animEffect>
@@ -25703,7 +26338,7 @@
                                       <p:cBhvr>
                                         <p:cTn id="289" fill="hold"/>
                                         <p:tgtEl>
-                                          <p:spTgt spid="495"/>
+                                          <p:spTgt spid="509"/>
                                         </p:tgtEl>
                                         <p:attrNameLst>
                                           <p:attrName>style.visibility</p:attrName>
@@ -25717,7 +26352,7 @@
                                       <p:cBhvr>
                                         <p:cTn id="290" dur="300"/>
                                         <p:tgtEl>
-                                          <p:spTgt spid="495"/>
+                                          <p:spTgt spid="509"/>
                                         </p:tgtEl>
                                       </p:cBhvr>
                                     </p:animEffect>
@@ -25752,70 +26387,70 @@
       </p:par>
     </p:tnLst>
     <p:bldLst>
-      <p:bldP build="whole" bldLvl="1" animBg="1" rev="0" advAuto="0" spid="445" grpId="40"/>
-      <p:bldP build="whole" bldLvl="1" animBg="1" rev="0" advAuto="0" spid="367" grpId="33"/>
-      <p:bldP build="whole" bldLvl="1" animBg="1" rev="0" advAuto="0" spid="394" grpId="48"/>
-      <p:bldP build="whole" bldLvl="1" animBg="1" rev="0" advAuto="0" spid="453" grpId="24"/>
-      <p:bldP build="whole" bldLvl="1" animBg="1" rev="0" advAuto="0" spid="443" grpId="42"/>
-      <p:bldP build="whole" bldLvl="1" animBg="1" rev="0" advAuto="0" spid="376" grpId="19"/>
-      <p:bldP build="whole" bldLvl="1" animBg="1" rev="0" advAuto="0" spid="481" grpId="55"/>
-      <p:bldP build="whole" bldLvl="1" animBg="1" rev="0" advAuto="0" spid="491" grpId="62"/>
-      <p:bldP build="whole" bldLvl="1" animBg="1" rev="0" advAuto="0" spid="355" grpId="4"/>
-      <p:bldP build="whole" bldLvl="1" animBg="1" rev="0" advAuto="0" spid="385" grpId="46"/>
-      <p:bldP build="whole" bldLvl="1" animBg="1" rev="0" advAuto="0" spid="370" grpId="13"/>
-      <p:bldP build="whole" bldLvl="1" animBg="1" rev="0" advAuto="0" spid="431" grpId="9"/>
-      <p:bldP build="whole" bldLvl="1" animBg="1" rev="0" advAuto="0" spid="412" grpId="51"/>
-      <p:bldP build="whole" bldLvl="1" animBg="1" rev="0" advAuto="0" spid="451" grpId="26"/>
-      <p:bldP build="whole" bldLvl="1" animBg="1" rev="0" advAuto="0" spid="388" grpId="17"/>
-      <p:bldP build="whole" bldLvl="1" animBg="1" rev="0" advAuto="0" spid="409" grpId="15"/>
-      <p:bldP build="whole" bldLvl="1" animBg="1" rev="0" advAuto="0" spid="477" grpId="58"/>
-      <p:bldP build="whole" bldLvl="1" animBg="1" rev="0" advAuto="0" spid="425" grpId="6"/>
-      <p:bldP build="whole" bldLvl="1" animBg="1" rev="0" advAuto="0" spid="358" grpId="47"/>
-      <p:bldP build="whole" bldLvl="1" animBg="1" rev="0" advAuto="0" spid="459" grpId="22"/>
-      <p:bldP build="whole" bldLvl="1" animBg="1" rev="0" advAuto="0" spid="346" grpId="1"/>
-      <p:bldP build="whole" bldLvl="1" animBg="1" rev="0" advAuto="0" spid="379" grpId="16"/>
-      <p:bldP build="whole" bldLvl="1" animBg="1" rev="0" advAuto="0" spid="461" grpId="39"/>
-      <p:bldP build="whole" bldLvl="1" animBg="1" rev="0" advAuto="0" spid="397" grpId="49"/>
-      <p:bldP build="whole" bldLvl="1" animBg="1" rev="0" advAuto="0" spid="495" grpId="64"/>
-      <p:bldP build="whole" bldLvl="1" animBg="1" rev="0" advAuto="0" spid="469" grpId="28"/>
-      <p:bldP build="whole" bldLvl="1" animBg="1" rev="0" advAuto="0" spid="421" grpId="54"/>
-      <p:bldP build="whole" bldLvl="1" animBg="1" rev="0" advAuto="0" spid="433" grpId="8"/>
-      <p:bldP build="whole" bldLvl="1" animBg="1" rev="0" advAuto="0" spid="424" grpId="21"/>
-      <p:bldP build="whole" bldLvl="1" animBg="1" rev="0" advAuto="0" spid="439" grpId="12"/>
-      <p:bldP build="whole" bldLvl="1" animBg="1" rev="0" advAuto="0" spid="352" grpId="3"/>
-      <p:bldP build="whole" bldLvl="1" animBg="1" rev="0" advAuto="0" spid="447" grpId="43"/>
-      <p:bldP build="whole" bldLvl="1" animBg="1" rev="0" advAuto="0" spid="473" grpId="30"/>
-      <p:bldP build="whole" bldLvl="1" animBg="1" rev="0" advAuto="0" spid="483" grpId="56"/>
-      <p:bldP build="whole" bldLvl="1" animBg="1" rev="0" advAuto="0" spid="441" grpId="41"/>
-      <p:bldP build="whole" bldLvl="1" animBg="1" rev="0" advAuto="0" spid="343" grpId="32"/>
-      <p:bldP build="whole" bldLvl="1" animBg="1" rev="0" advAuto="0" spid="373" grpId="18"/>
-      <p:bldP build="whole" bldLvl="1" animBg="1" rev="0" advAuto="0" spid="400" grpId="34"/>
-      <p:bldP build="whole" bldLvl="1" animBg="1" rev="0" advAuto="0" spid="465" grpId="38"/>
-      <p:bldP build="whole" bldLvl="1" animBg="1" rev="0" advAuto="0" spid="415" grpId="52"/>
-      <p:bldP build="whole" bldLvl="1" animBg="1" rev="0" advAuto="0" spid="435" grpId="10"/>
-      <p:bldP build="whole" bldLvl="1" animBg="1" rev="0" advAuto="0" spid="349" grpId="2"/>
-      <p:bldP build="whole" bldLvl="1" animBg="1" rev="0" advAuto="0" spid="361" grpId="50"/>
-      <p:bldP build="whole" bldLvl="1" animBg="1" rev="0" advAuto="0" spid="455" grpId="23"/>
-      <p:bldP build="whole" bldLvl="1" animBg="1" rev="0" advAuto="0" spid="427" grpId="7"/>
-      <p:bldP build="whole" bldLvl="1" animBg="1" rev="0" advAuto="0" spid="382" grpId="20"/>
-      <p:bldP build="whole" bldLvl="1" animBg="1" rev="0" advAuto="0" spid="487" grpId="59"/>
-      <p:bldP build="whole" bldLvl="1" animBg="1" rev="0" advAuto="0" spid="479" grpId="63"/>
-      <p:bldP build="whole" bldLvl="1" animBg="1" rev="0" advAuto="0" spid="457" grpId="27"/>
-      <p:bldP build="whole" bldLvl="1" animBg="1" rev="0" advAuto="0" spid="391" grpId="45"/>
-      <p:bldP build="whole" bldLvl="1" animBg="1" rev="0" advAuto="0" spid="463" grpId="36"/>
-      <p:bldP build="whole" bldLvl="1" animBg="1" rev="0" advAuto="0" spid="475" grpId="31"/>
-      <p:bldP build="whole" bldLvl="1" animBg="1" rev="0" advAuto="0" spid="467" grpId="37"/>
-      <p:bldP build="whole" bldLvl="1" animBg="1" rev="0" advAuto="0" spid="485" grpId="57"/>
-      <p:bldP build="whole" bldLvl="1" animBg="1" rev="0" advAuto="0" spid="403" grpId="35"/>
-      <p:bldP build="whole" bldLvl="1" animBg="1" rev="0" advAuto="0" spid="364" grpId="44"/>
-      <p:bldP build="whole" bldLvl="1" animBg="1" rev="0" advAuto="0" spid="418" grpId="53"/>
-      <p:bldP build="whole" bldLvl="1" animBg="1" rev="0" advAuto="0" spid="449" grpId="25"/>
-      <p:bldP build="whole" bldLvl="1" animBg="1" rev="0" advAuto="0" spid="493" grpId="60"/>
-      <p:bldP build="whole" bldLvl="1" animBg="1" rev="0" advAuto="0" spid="429" grpId="5"/>
-      <p:bldP build="whole" bldLvl="1" animBg="1" rev="0" advAuto="0" spid="406" grpId="14"/>
-      <p:bldP build="whole" bldLvl="1" animBg="1" rev="0" advAuto="0" spid="489" grpId="61"/>
-      <p:bldP build="whole" bldLvl="1" animBg="1" rev="0" advAuto="0" spid="471" grpId="29"/>
-      <p:bldP build="whole" bldLvl="1" animBg="1" rev="0" advAuto="0" spid="437" grpId="11"/>
+      <p:bldP build="whole" bldLvl="1" animBg="1" rev="0" advAuto="0" spid="439" grpId="6"/>
+      <p:bldP build="whole" bldLvl="1" animBg="1" rev="0" advAuto="0" spid="384" grpId="13"/>
+      <p:bldP build="whole" bldLvl="1" animBg="1" rev="0" advAuto="0" spid="417" grpId="35"/>
+      <p:bldP build="whole" bldLvl="1" animBg="1" rev="0" advAuto="0" spid="503" grpId="61"/>
+      <p:bldP build="whole" bldLvl="1" animBg="1" rev="0" advAuto="0" spid="501" grpId="59"/>
+      <p:bldP build="whole" bldLvl="1" animBg="1" rev="0" advAuto="0" spid="465" grpId="26"/>
+      <p:bldP build="whole" bldLvl="1" animBg="1" rev="0" advAuto="0" spid="491" grpId="58"/>
+      <p:bldP build="whole" bldLvl="1" animBg="1" rev="0" advAuto="0" spid="507" grpId="60"/>
+      <p:bldP build="whole" bldLvl="1" animBg="1" rev="0" advAuto="0" spid="455" grpId="41"/>
+      <p:bldP build="whole" bldLvl="1" animBg="1" rev="0" advAuto="0" spid="489" grpId="31"/>
+      <p:bldP build="whole" bldLvl="1" animBg="1" rev="0" advAuto="0" spid="378" grpId="44"/>
+      <p:bldP build="whole" bldLvl="1" animBg="1" rev="0" advAuto="0" spid="414" grpId="34"/>
+      <p:bldP build="whole" bldLvl="1" animBg="1" rev="0" advAuto="0" spid="453" grpId="12"/>
+      <p:bldP build="whole" bldLvl="1" animBg="1" rev="0" advAuto="0" spid="363" grpId="2"/>
+      <p:bldP build="whole" bldLvl="1" animBg="1" rev="0" advAuto="0" spid="426" grpId="51"/>
+      <p:bldP build="whole" bldLvl="1" animBg="1" rev="0" advAuto="0" spid="461" grpId="43"/>
+      <p:bldP build="whole" bldLvl="1" animBg="1" rev="0" advAuto="0" spid="449" grpId="10"/>
+      <p:bldP build="whole" bldLvl="1" animBg="1" rev="0" advAuto="0" spid="372" grpId="47"/>
+      <p:bldP build="whole" bldLvl="1" animBg="1" rev="0" advAuto="0" spid="473" grpId="22"/>
+      <p:bldP build="whole" bldLvl="1" animBg="1" rev="0" advAuto="0" spid="435" grpId="54"/>
+      <p:bldP build="whole" bldLvl="1" animBg="1" rev="0" advAuto="0" spid="457" grpId="42"/>
+      <p:bldP build="whole" bldLvl="1" animBg="1" rev="0" advAuto="0" spid="447" grpId="8"/>
+      <p:bldP build="whole" bldLvl="1" animBg="1" rev="0" advAuto="0" spid="411" grpId="49"/>
+      <p:bldP build="whole" bldLvl="1" animBg="1" rev="0" advAuto="0" spid="441" grpId="7"/>
+      <p:bldP build="whole" bldLvl="1" animBg="1" rev="0" advAuto="0" spid="497" grpId="56"/>
+      <p:bldP build="whole" bldLvl="1" animBg="1" rev="0" advAuto="0" spid="479" grpId="38"/>
+      <p:bldP build="whole" bldLvl="1" animBg="1" rev="0" advAuto="0" spid="487" grpId="30"/>
+      <p:bldP build="whole" bldLvl="1" animBg="1" rev="0" advAuto="0" spid="493" grpId="63"/>
+      <p:bldP build="whole" bldLvl="1" animBg="1" rev="0" advAuto="0" spid="381" grpId="33"/>
+      <p:bldP build="whole" bldLvl="1" animBg="1" rev="0" advAuto="0" spid="420" grpId="14"/>
+      <p:bldP build="whole" bldLvl="1" animBg="1" rev="0" advAuto="0" spid="375" grpId="50"/>
+      <p:bldP build="whole" bldLvl="1" animBg="1" rev="0" advAuto="0" spid="405" grpId="45"/>
+      <p:bldP build="whole" bldLvl="1" animBg="1" rev="0" advAuto="0" spid="469" grpId="23"/>
+      <p:bldP build="whole" bldLvl="1" animBg="1" rev="0" advAuto="0" spid="459" grpId="40"/>
+      <p:bldP build="whole" bldLvl="1" animBg="1" rev="0" advAuto="0" spid="451" grpId="11"/>
+      <p:bldP build="whole" bldLvl="1" animBg="1" rev="0" advAuto="0" spid="471" grpId="27"/>
+      <p:bldP build="whole" bldLvl="1" animBg="1" rev="0" advAuto="0" spid="357" grpId="32"/>
+      <p:bldP build="whole" bldLvl="1" animBg="1" rev="0" advAuto="0" spid="387" grpId="18"/>
+      <p:bldP build="whole" bldLvl="1" animBg="1" rev="0" advAuto="0" spid="475" grpId="39"/>
+      <p:bldP build="whole" bldLvl="1" animBg="1" rev="0" advAuto="0" spid="505" grpId="62"/>
+      <p:bldP build="whole" bldLvl="1" animBg="1" rev="0" advAuto="0" spid="429" grpId="52"/>
+      <p:bldP build="whole" bldLvl="1" animBg="1" rev="0" advAuto="0" spid="432" grpId="53"/>
+      <p:bldP build="whole" bldLvl="1" animBg="1" rev="0" advAuto="0" spid="499" grpId="57"/>
+      <p:bldP build="whole" bldLvl="1" animBg="1" rev="0" advAuto="0" spid="408" grpId="48"/>
+      <p:bldP build="whole" bldLvl="1" animBg="1" rev="0" advAuto="0" spid="509" grpId="64"/>
+      <p:bldP build="whole" bldLvl="1" animBg="1" rev="0" advAuto="0" spid="463" grpId="25"/>
+      <p:bldP build="whole" bldLvl="1" animBg="1" rev="0" advAuto="0" spid="485" grpId="29"/>
+      <p:bldP build="whole" bldLvl="1" animBg="1" rev="0" advAuto="0" spid="366" grpId="3"/>
+      <p:bldP build="whole" bldLvl="1" animBg="1" rev="0" advAuto="0" spid="443" grpId="5"/>
+      <p:bldP build="whole" bldLvl="1" animBg="1" rev="0" advAuto="0" spid="477" grpId="36"/>
+      <p:bldP build="whole" bldLvl="1" animBg="1" rev="0" advAuto="0" spid="402" grpId="17"/>
+      <p:bldP build="whole" bldLvl="1" animBg="1" rev="0" advAuto="0" spid="393" grpId="16"/>
+      <p:bldP build="whole" bldLvl="1" animBg="1" rev="0" advAuto="0" spid="423" grpId="15"/>
+      <p:bldP build="whole" bldLvl="1" animBg="1" rev="0" advAuto="0" spid="483" grpId="28"/>
+      <p:bldP build="whole" bldLvl="1" animBg="1" rev="0" advAuto="0" spid="390" grpId="19"/>
+      <p:bldP build="whole" bldLvl="1" animBg="1" rev="0" advAuto="0" spid="445" grpId="9"/>
+      <p:bldP build="whole" bldLvl="1" animBg="1" rev="0" advAuto="0" spid="360" grpId="1"/>
+      <p:bldP build="whole" bldLvl="1" animBg="1" rev="0" advAuto="0" spid="369" grpId="4"/>
+      <p:bldP build="whole" bldLvl="1" animBg="1" rev="0" advAuto="0" spid="467" grpId="24"/>
+      <p:bldP build="whole" bldLvl="1" animBg="1" rev="0" advAuto="0" spid="495" grpId="55"/>
+      <p:bldP build="whole" bldLvl="1" animBg="1" rev="0" advAuto="0" spid="438" grpId="21"/>
+      <p:bldP build="whole" bldLvl="1" animBg="1" rev="0" advAuto="0" spid="396" grpId="20"/>
+      <p:bldP build="whole" bldLvl="1" animBg="1" rev="0" advAuto="0" spid="399" grpId="46"/>
+      <p:bldP build="whole" bldLvl="1" animBg="1" rev="0" advAuto="0" spid="481" grpId="37"/>
     </p:bldLst>
   </p:timing>
 </p:sld>
@@ -25847,7 +26482,7 @@
       </p:grpSpPr>
       <p:sp>
         <p:nvSpPr>
-          <p:cNvPr id="498" name="Title 6"/>
+          <p:cNvPr id="512" name="Title 6"/>
           <p:cNvSpPr txBox="1"/>
           <p:nvPr>
             <p:ph type="title"/>
@@ -25883,7 +26518,7 @@
       </p:sp>
       <p:pic>
         <p:nvPicPr>
-          <p:cNvPr id="499" name="cubes.png" descr="cubes.png"/>
+          <p:cNvPr id="513" name="cubes.png" descr="cubes.png"/>
           <p:cNvPicPr>
             <a:picLocks noChangeAspect="1"/>
           </p:cNvPicPr>
@@ -25912,7 +26547,7 @@
       </p:pic>
       <p:grpSp>
         <p:nvGrpSpPr>
-          <p:cNvPr id="502" name="Group"/>
+          <p:cNvPr id="516" name="Group"/>
           <p:cNvGrpSpPr/>
           <p:nvPr/>
         </p:nvGrpSpPr>
@@ -25926,7 +26561,7 @@
         </p:grpSpPr>
         <p:sp>
           <p:nvSpPr>
-            <p:cNvPr id="500" name="Rectangle"/>
+            <p:cNvPr id="514" name="Rectangle"/>
             <p:cNvSpPr/>
             <p:nvPr/>
           </p:nvSpPr>
@@ -25981,7 +26616,7 @@
         </p:sp>
         <p:sp>
           <p:nvSpPr>
-            <p:cNvPr id="501" name="package p2"/>
+            <p:cNvPr id="515" name="package p2"/>
             <p:cNvSpPr/>
             <p:nvPr/>
           </p:nvSpPr>
@@ -26039,7 +26674,7 @@
       </p:grpSp>
       <p:grpSp>
         <p:nvGrpSpPr>
-          <p:cNvPr id="505" name="Group"/>
+          <p:cNvPr id="519" name="Group"/>
           <p:cNvGrpSpPr/>
           <p:nvPr/>
         </p:nvGrpSpPr>
@@ -26053,7 +26688,7 @@
         </p:grpSpPr>
         <p:sp>
           <p:nvSpPr>
-            <p:cNvPr id="503" name="Rectangle"/>
+            <p:cNvPr id="517" name="Rectangle"/>
             <p:cNvSpPr/>
             <p:nvPr/>
           </p:nvSpPr>
@@ -26108,7 +26743,7 @@
         </p:sp>
         <p:sp>
           <p:nvSpPr>
-            <p:cNvPr id="504" name="package p1"/>
+            <p:cNvPr id="518" name="package p1"/>
             <p:cNvSpPr/>
             <p:nvPr/>
           </p:nvSpPr>
@@ -26166,7 +26801,7 @@
       </p:grpSp>
       <p:grpSp>
         <p:nvGrpSpPr>
-          <p:cNvPr id="508" name="Group"/>
+          <p:cNvPr id="522" name="Group"/>
           <p:cNvGrpSpPr/>
           <p:nvPr/>
         </p:nvGrpSpPr>
@@ -26180,7 +26815,7 @@
         </p:grpSpPr>
         <p:sp>
           <p:nvSpPr>
-            <p:cNvPr id="506" name="Rectangle"/>
+            <p:cNvPr id="520" name="Rectangle"/>
             <p:cNvSpPr/>
             <p:nvPr/>
           </p:nvSpPr>
@@ -26235,7 +26870,7 @@
         </p:sp>
         <p:sp>
           <p:nvSpPr>
-            <p:cNvPr id="507" name="package main"/>
+            <p:cNvPr id="521" name="package main"/>
             <p:cNvSpPr/>
             <p:nvPr/>
           </p:nvSpPr>
@@ -26293,7 +26928,7 @@
       </p:grpSp>
       <p:pic>
         <p:nvPicPr>
-          <p:cNvPr id="513" name="Connection Line" descr="Connection Line"/>
+          <p:cNvPr id="527" name="Connection Line" descr="Connection Line"/>
           <p:cNvPicPr>
             <a:picLocks noChangeAspect="0"/>
           </p:cNvPicPr>
@@ -26319,7 +26954,7 @@
       </p:pic>
       <p:pic>
         <p:nvPicPr>
-          <p:cNvPr id="515" name="Connection Line" descr="Connection Line"/>
+          <p:cNvPr id="529" name="Connection Line" descr="Connection Line"/>
           <p:cNvPicPr>
             <a:picLocks noChangeAspect="0"/>
           </p:cNvPicPr>
@@ -26345,7 +26980,7 @@
       </p:pic>
       <p:pic>
         <p:nvPicPr>
-          <p:cNvPr id="517" name="Connection Line" descr="Connection Line"/>
+          <p:cNvPr id="531" name="Connection Line" descr="Connection Line"/>
           <p:cNvPicPr>
             <a:picLocks noChangeAspect="0"/>
           </p:cNvPicPr>
@@ -26371,7 +27006,7 @@
       </p:pic>
       <p:pic>
         <p:nvPicPr>
-          <p:cNvPr id="512" name="checked copy.png" descr="checked copy.png"/>
+          <p:cNvPr id="526" name="checked copy.png" descr="checked copy.png"/>
           <p:cNvPicPr>
             <a:picLocks noChangeAspect="1"/>
           </p:cNvPicPr>
@@ -26451,7 +27086,7 @@
                                       <p:cBhvr>
                                         <p:cTn id="6" fill="hold"/>
                                         <p:tgtEl>
-                                          <p:spTgt spid="508"/>
+                                          <p:spTgt spid="522"/>
                                         </p:tgtEl>
                                         <p:attrNameLst>
                                           <p:attrName>style.visibility</p:attrName>
@@ -26465,7 +27100,7 @@
                                       <p:cBhvr>
                                         <p:cTn id="7" dur="700"/>
                                         <p:tgtEl>
-                                          <p:spTgt spid="508"/>
+                                          <p:spTgt spid="522"/>
                                         </p:tgtEl>
                                       </p:cBhvr>
                                     </p:animEffect>
@@ -26494,7 +27129,7 @@
                                       <p:cBhvr>
                                         <p:cTn id="10" fill="hold"/>
                                         <p:tgtEl>
-                                          <p:spTgt spid="517"/>
+                                          <p:spTgt spid="531"/>
                                         </p:tgtEl>
                                         <p:attrNameLst>
                                           <p:attrName>style.visibility</p:attrName>
@@ -26508,7 +27143,7 @@
                                       <p:cBhvr>
                                         <p:cTn id="11" dur="600"/>
                                         <p:tgtEl>
-                                          <p:spTgt spid="517"/>
+                                          <p:spTgt spid="531"/>
                                         </p:tgtEl>
                                       </p:cBhvr>
                                     </p:animEffect>
@@ -26537,7 +27172,7 @@
                                       <p:cBhvr>
                                         <p:cTn id="14" fill="hold"/>
                                         <p:tgtEl>
-                                          <p:spTgt spid="505"/>
+                                          <p:spTgt spid="519"/>
                                         </p:tgtEl>
                                         <p:attrNameLst>
                                           <p:attrName>style.visibility</p:attrName>
@@ -26551,7 +27186,7 @@
                                       <p:cBhvr>
                                         <p:cTn id="15" dur="700"/>
                                         <p:tgtEl>
-                                          <p:spTgt spid="505"/>
+                                          <p:spTgt spid="519"/>
                                         </p:tgtEl>
                                       </p:cBhvr>
                                     </p:animEffect>
@@ -26580,7 +27215,7 @@
                                       <p:cBhvr>
                                         <p:cTn id="18" fill="hold"/>
                                         <p:tgtEl>
-                                          <p:spTgt spid="513"/>
+                                          <p:spTgt spid="527"/>
                                         </p:tgtEl>
                                         <p:attrNameLst>
                                           <p:attrName>style.visibility</p:attrName>
@@ -26594,7 +27229,7 @@
                                       <p:cBhvr>
                                         <p:cTn id="19" dur="600"/>
                                         <p:tgtEl>
-                                          <p:spTgt spid="513"/>
+                                          <p:spTgt spid="527"/>
                                         </p:tgtEl>
                                       </p:cBhvr>
                                     </p:animEffect>
@@ -26623,7 +27258,7 @@
                                       <p:cBhvr>
                                         <p:cTn id="22" fill="hold"/>
                                         <p:tgtEl>
-                                          <p:spTgt spid="502"/>
+                                          <p:spTgt spid="516"/>
                                         </p:tgtEl>
                                         <p:attrNameLst>
                                           <p:attrName>style.visibility</p:attrName>
@@ -26637,7 +27272,7 @@
                                       <p:cBhvr>
                                         <p:cTn id="23" dur="700"/>
                                         <p:tgtEl>
-                                          <p:spTgt spid="502"/>
+                                          <p:spTgt spid="516"/>
                                         </p:tgtEl>
                                       </p:cBhvr>
                                     </p:animEffect>
@@ -26666,7 +27301,7 @@
                                       <p:cBhvr>
                                         <p:cTn id="26" fill="hold"/>
                                         <p:tgtEl>
-                                          <p:spTgt spid="515"/>
+                                          <p:spTgt spid="529"/>
                                         </p:tgtEl>
                                         <p:attrNameLst>
                                           <p:attrName>style.visibility</p:attrName>
@@ -26680,7 +27315,7 @@
                                       <p:cBhvr>
                                         <p:cTn id="27" dur="600"/>
                                         <p:tgtEl>
-                                          <p:spTgt spid="515"/>
+                                          <p:spTgt spid="529"/>
                                         </p:tgtEl>
                                       </p:cBhvr>
                                     </p:animEffect>
@@ -26709,7 +27344,7 @@
                                       <p:cBhvr>
                                         <p:cTn id="30" fill="hold"/>
                                         <p:tgtEl>
-                                          <p:spTgt spid="512"/>
+                                          <p:spTgt spid="526"/>
                                         </p:tgtEl>
                                         <p:attrNameLst>
                                           <p:attrName>style.visibility</p:attrName>
@@ -26741,7 +27376,7 @@
                                       <p:cBhvr>
                                         <p:cTn id="33" dur="700" fill="hold"/>
                                         <p:tgtEl>
-                                          <p:spTgt spid="512"/>
+                                          <p:spTgt spid="526"/>
                                         </p:tgtEl>
                                         <p:attrNameLst>
                                           <p:attrName>style.visibility</p:attrName>
@@ -26791,14 +27426,14 @@
       </p:par>
     </p:tnLst>
     <p:bldLst>
-      <p:bldP build="whole" bldLvl="1" animBg="1" rev="0" advAuto="0" spid="508" grpId="1"/>
-      <p:bldP build="whole" bldLvl="1" animBg="1" rev="0" advAuto="0" spid="512" grpId="7"/>
-      <p:bldP build="whole" bldLvl="1" animBg="1" rev="0" advAuto="0" spid="513" grpId="4"/>
-      <p:bldP build="whole" bldLvl="1" animBg="1" rev="0" advAuto="0" spid="515" grpId="6"/>
-      <p:bldP build="whole" bldLvl="1" animBg="1" rev="0" advAuto="0" spid="502" grpId="5"/>
-      <p:bldP build="whole" bldLvl="1" animBg="1" rev="0" advAuto="0" spid="512" grpId="8"/>
-      <p:bldP build="whole" bldLvl="1" animBg="1" rev="0" advAuto="0" spid="517" grpId="2"/>
-      <p:bldP build="whole" bldLvl="1" animBg="1" rev="0" advAuto="0" spid="505" grpId="3"/>
+      <p:bldP build="whole" bldLvl="1" animBg="1" rev="0" advAuto="0" spid="522" grpId="1"/>
+      <p:bldP build="whole" bldLvl="1" animBg="1" rev="0" advAuto="0" spid="519" grpId="3"/>
+      <p:bldP build="whole" bldLvl="1" animBg="1" rev="0" advAuto="0" spid="529" grpId="6"/>
+      <p:bldP build="whole" bldLvl="1" animBg="1" rev="0" advAuto="0" spid="531" grpId="2"/>
+      <p:bldP build="whole" bldLvl="1" animBg="1" rev="0" advAuto="0" spid="526" grpId="7"/>
+      <p:bldP build="whole" bldLvl="1" animBg="1" rev="0" advAuto="0" spid="526" grpId="8"/>
+      <p:bldP build="whole" bldLvl="1" animBg="1" rev="0" advAuto="0" spid="527" grpId="4"/>
+      <p:bldP build="whole" bldLvl="1" animBg="1" rev="0" advAuto="0" spid="516" grpId="5"/>
     </p:bldLst>
   </p:timing>
 </p:sld>
@@ -26830,7 +27465,7 @@
       </p:grpSpPr>
       <p:sp>
         <p:nvSpPr>
-          <p:cNvPr id="520" name="Title 6"/>
+          <p:cNvPr id="534" name="Title 6"/>
           <p:cNvSpPr txBox="1"/>
           <p:nvPr>
             <p:ph type="title"/>
@@ -26866,7 +27501,7 @@
       </p:sp>
       <p:pic>
         <p:nvPicPr>
-          <p:cNvPr id="521" name="cubes.png" descr="cubes.png"/>
+          <p:cNvPr id="535" name="cubes.png" descr="cubes.png"/>
           <p:cNvPicPr>
             <a:picLocks noChangeAspect="1"/>
           </p:cNvPicPr>
@@ -26895,7 +27530,7 @@
       </p:pic>
       <p:grpSp>
         <p:nvGrpSpPr>
-          <p:cNvPr id="525" name="Group"/>
+          <p:cNvPr id="539" name="Group"/>
           <p:cNvGrpSpPr/>
           <p:nvPr/>
         </p:nvGrpSpPr>
@@ -26909,7 +27544,7 @@
         </p:grpSpPr>
         <p:sp>
           <p:nvSpPr>
-            <p:cNvPr id="522" name="Rectangle"/>
+            <p:cNvPr id="536" name="Rectangle"/>
             <p:cNvSpPr/>
             <p:nvPr/>
           </p:nvSpPr>
@@ -26958,7 +27593,7 @@
         </p:sp>
         <p:sp>
           <p:nvSpPr>
-            <p:cNvPr id="523" name="package name"/>
+            <p:cNvPr id="537" name="package name"/>
             <p:cNvSpPr/>
             <p:nvPr/>
           </p:nvSpPr>
@@ -27009,7 +27644,7 @@
         </p:sp>
         <p:sp>
           <p:nvSpPr>
-            <p:cNvPr id="524" name="Rectangle"/>
+            <p:cNvPr id="538" name="Rectangle"/>
             <p:cNvSpPr/>
             <p:nvPr/>
           </p:nvSpPr>
@@ -27059,7 +27694,7 @@
       </p:grpSp>
       <p:grpSp>
         <p:nvGrpSpPr>
-          <p:cNvPr id="529" name="Group"/>
+          <p:cNvPr id="543" name="Group"/>
           <p:cNvGrpSpPr/>
           <p:nvPr/>
         </p:nvGrpSpPr>
@@ -27073,7 +27708,7 @@
         </p:grpSpPr>
         <p:sp>
           <p:nvSpPr>
-            <p:cNvPr id="526" name="Rectangle"/>
+            <p:cNvPr id="540" name="Rectangle"/>
             <p:cNvSpPr/>
             <p:nvPr/>
           </p:nvSpPr>
@@ -27122,7 +27757,7 @@
         </p:sp>
         <p:sp>
           <p:nvSpPr>
-            <p:cNvPr id="527" name="imports"/>
+            <p:cNvPr id="541" name="imports"/>
             <p:cNvSpPr/>
             <p:nvPr/>
           </p:nvSpPr>
@@ -27173,7 +27808,7 @@
         </p:sp>
         <p:sp>
           <p:nvSpPr>
-            <p:cNvPr id="528" name="Rectangle"/>
+            <p:cNvPr id="542" name="Rectangle"/>
             <p:cNvSpPr/>
             <p:nvPr/>
           </p:nvSpPr>
@@ -27223,7 +27858,7 @@
       </p:grpSp>
       <p:grpSp>
         <p:nvGrpSpPr>
-          <p:cNvPr id="533" name="Group"/>
+          <p:cNvPr id="547" name="Group"/>
           <p:cNvGrpSpPr/>
           <p:nvPr/>
         </p:nvGrpSpPr>
@@ -27237,7 +27872,7 @@
         </p:grpSpPr>
         <p:sp>
           <p:nvSpPr>
-            <p:cNvPr id="530" name="Rectangle"/>
+            <p:cNvPr id="544" name="Rectangle"/>
             <p:cNvSpPr/>
             <p:nvPr/>
           </p:nvSpPr>
@@ -27286,7 +27921,7 @@
         </p:sp>
         <p:sp>
           <p:nvSpPr>
-            <p:cNvPr id="531" name="constants"/>
+            <p:cNvPr id="545" name="constants"/>
             <p:cNvSpPr/>
             <p:nvPr/>
           </p:nvSpPr>
@@ -27337,7 +27972,7 @@
         </p:sp>
         <p:sp>
           <p:nvSpPr>
-            <p:cNvPr id="532" name="Rectangle"/>
+            <p:cNvPr id="546" name="Rectangle"/>
             <p:cNvSpPr/>
             <p:nvPr/>
           </p:nvSpPr>
@@ -27387,7 +28022,7 @@
       </p:grpSp>
       <p:grpSp>
         <p:nvGrpSpPr>
-          <p:cNvPr id="537" name="Group"/>
+          <p:cNvPr id="551" name="Group"/>
           <p:cNvGrpSpPr/>
           <p:nvPr/>
         </p:nvGrpSpPr>
@@ -27401,7 +28036,7 @@
         </p:grpSpPr>
         <p:sp>
           <p:nvSpPr>
-            <p:cNvPr id="534" name="Rectangle"/>
+            <p:cNvPr id="548" name="Rectangle"/>
             <p:cNvSpPr/>
             <p:nvPr/>
           </p:nvSpPr>
@@ -27450,7 +28085,7 @@
         </p:sp>
         <p:sp>
           <p:nvSpPr>
-            <p:cNvPr id="535" name="variables"/>
+            <p:cNvPr id="549" name="variables"/>
             <p:cNvSpPr/>
             <p:nvPr/>
           </p:nvSpPr>
@@ -27501,7 +28136,7 @@
         </p:sp>
         <p:sp>
           <p:nvSpPr>
-            <p:cNvPr id="536" name="Rectangle"/>
+            <p:cNvPr id="550" name="Rectangle"/>
             <p:cNvSpPr/>
             <p:nvPr/>
           </p:nvSpPr>
@@ -27551,7 +28186,7 @@
       </p:grpSp>
       <p:grpSp>
         <p:nvGrpSpPr>
-          <p:cNvPr id="541" name="Group"/>
+          <p:cNvPr id="555" name="Group"/>
           <p:cNvGrpSpPr/>
           <p:nvPr/>
         </p:nvGrpSpPr>
@@ -27565,7 +28200,7 @@
         </p:grpSpPr>
         <p:sp>
           <p:nvSpPr>
-            <p:cNvPr id="538" name="Rectangle"/>
+            <p:cNvPr id="552" name="Rectangle"/>
             <p:cNvSpPr/>
             <p:nvPr/>
           </p:nvSpPr>
@@ -27614,7 +28249,7 @@
         </p:sp>
         <p:sp>
           <p:nvSpPr>
-            <p:cNvPr id="539" name="functions"/>
+            <p:cNvPr id="553" name="functions"/>
             <p:cNvSpPr/>
             <p:nvPr/>
           </p:nvSpPr>
@@ -27665,7 +28300,7 @@
         </p:sp>
         <p:sp>
           <p:nvSpPr>
-            <p:cNvPr id="540" name="Rectangle"/>
+            <p:cNvPr id="554" name="Rectangle"/>
             <p:cNvSpPr/>
             <p:nvPr/>
           </p:nvSpPr>
@@ -27715,7 +28350,7 @@
       </p:grpSp>
       <p:grpSp>
         <p:nvGrpSpPr>
-          <p:cNvPr id="544" name="Group"/>
+          <p:cNvPr id="558" name="Group"/>
           <p:cNvGrpSpPr/>
           <p:nvPr/>
         </p:nvGrpSpPr>
@@ -27729,7 +28364,7 @@
         </p:grpSpPr>
         <p:sp>
           <p:nvSpPr>
-            <p:cNvPr id="542" name="Locals"/>
+            <p:cNvPr id="556" name="Locals"/>
             <p:cNvSpPr/>
             <p:nvPr/>
           </p:nvSpPr>
@@ -27780,7 +28415,7 @@
         </p:sp>
         <p:sp>
           <p:nvSpPr>
-            <p:cNvPr id="543" name="Rectangle"/>
+            <p:cNvPr id="557" name="Rectangle"/>
             <p:cNvSpPr/>
             <p:nvPr/>
           </p:nvSpPr>
@@ -27830,7 +28465,7 @@
       </p:grpSp>
       <p:grpSp>
         <p:nvGrpSpPr>
-          <p:cNvPr id="547" name="Group"/>
+          <p:cNvPr id="561" name="Group"/>
           <p:cNvGrpSpPr/>
           <p:nvPr/>
         </p:nvGrpSpPr>
@@ -27844,7 +28479,7 @@
         </p:grpSpPr>
         <p:sp>
           <p:nvSpPr>
-            <p:cNvPr id="545" name="Globals"/>
+            <p:cNvPr id="559" name="Globals"/>
             <p:cNvSpPr/>
             <p:nvPr/>
           </p:nvSpPr>
@@ -27895,7 +28530,7 @@
         </p:sp>
         <p:sp>
           <p:nvSpPr>
-            <p:cNvPr id="546" name="Rectangle"/>
+            <p:cNvPr id="560" name="Rectangle"/>
             <p:cNvSpPr/>
             <p:nvPr/>
           </p:nvSpPr>
@@ -27996,7 +28631,7 @@
                                       <p:cBhvr>
                                         <p:cTn id="6" fill="hold"/>
                                         <p:tgtEl>
-                                          <p:spTgt spid="544"/>
+                                          <p:spTgt spid="558"/>
                                         </p:tgtEl>
                                         <p:attrNameLst>
                                           <p:attrName>style.visibility</p:attrName>
@@ -28010,7 +28645,7 @@
                                       <p:cBhvr>
                                         <p:cTn id="7" dur="700"/>
                                         <p:tgtEl>
-                                          <p:spTgt spid="544"/>
+                                          <p:spTgt spid="558"/>
                                         </p:tgtEl>
                                       </p:cBhvr>
                                     </p:animEffect>
@@ -28039,7 +28674,7 @@
                                       <p:cBhvr>
                                         <p:cTn id="10" fill="hold"/>
                                         <p:tgtEl>
-                                          <p:spTgt spid="525"/>
+                                          <p:spTgt spid="539"/>
                                         </p:tgtEl>
                                         <p:attrNameLst>
                                           <p:attrName>style.visibility</p:attrName>
@@ -28053,7 +28688,7 @@
                                       <p:cBhvr>
                                         <p:cTn id="11" dur="700" fill="hold"/>
                                         <p:tgtEl>
-                                          <p:spTgt spid="525"/>
+                                          <p:spTgt spid="539"/>
                                         </p:tgtEl>
                                         <p:attrNameLst>
                                           <p:attrName>ppt_x</p:attrName>
@@ -28076,7 +28711,7 @@
                                       <p:cBhvr>
                                         <p:cTn id="12" dur="700" fill="hold"/>
                                         <p:tgtEl>
-                                          <p:spTgt spid="525"/>
+                                          <p:spTgt spid="539"/>
                                         </p:tgtEl>
                                         <p:attrNameLst>
                                           <p:attrName>ppt_y</p:attrName>
@@ -28120,7 +28755,7 @@
                                       <p:cBhvr>
                                         <p:cTn id="15" fill="hold"/>
                                         <p:tgtEl>
-                                          <p:spTgt spid="529"/>
+                                          <p:spTgt spid="543"/>
                                         </p:tgtEl>
                                         <p:attrNameLst>
                                           <p:attrName>style.visibility</p:attrName>
@@ -28134,7 +28769,7 @@
                                       <p:cBhvr>
                                         <p:cTn id="16" dur="700" fill="hold"/>
                                         <p:tgtEl>
-                                          <p:spTgt spid="529"/>
+                                          <p:spTgt spid="543"/>
                                         </p:tgtEl>
                                         <p:attrNameLst>
                                           <p:attrName>ppt_x</p:attrName>
@@ -28157,7 +28792,7 @@
                                       <p:cBhvr>
                                         <p:cTn id="17" dur="700" fill="hold"/>
                                         <p:tgtEl>
-                                          <p:spTgt spid="529"/>
+                                          <p:spTgt spid="543"/>
                                         </p:tgtEl>
                                         <p:attrNameLst>
                                           <p:attrName>ppt_y</p:attrName>
@@ -28210,7 +28845,7 @@
                                       <p:cBhvr>
                                         <p:cTn id="21" fill="hold"/>
                                         <p:tgtEl>
-                                          <p:spTgt spid="547"/>
+                                          <p:spTgt spid="561"/>
                                         </p:tgtEl>
                                         <p:attrNameLst>
                                           <p:attrName>style.visibility</p:attrName>
@@ -28224,7 +28859,7 @@
                                       <p:cBhvr>
                                         <p:cTn id="22" dur="700"/>
                                         <p:tgtEl>
-                                          <p:spTgt spid="547"/>
+                                          <p:spTgt spid="561"/>
                                         </p:tgtEl>
                                       </p:cBhvr>
                                     </p:animEffect>
@@ -28253,7 +28888,7 @@
                                       <p:cBhvr>
                                         <p:cTn id="25" fill="hold"/>
                                         <p:tgtEl>
-                                          <p:spTgt spid="533"/>
+                                          <p:spTgt spid="547"/>
                                         </p:tgtEl>
                                         <p:attrNameLst>
                                           <p:attrName>style.visibility</p:attrName>
@@ -28267,7 +28902,7 @@
                                       <p:cBhvr>
                                         <p:cTn id="26" dur="700" fill="hold"/>
                                         <p:tgtEl>
-                                          <p:spTgt spid="533"/>
+                                          <p:spTgt spid="547"/>
                                         </p:tgtEl>
                                         <p:attrNameLst>
                                           <p:attrName>ppt_x</p:attrName>
@@ -28290,7 +28925,7 @@
                                       <p:cBhvr>
                                         <p:cTn id="27" dur="700" fill="hold"/>
                                         <p:tgtEl>
-                                          <p:spTgt spid="533"/>
+                                          <p:spTgt spid="547"/>
                                         </p:tgtEl>
                                         <p:attrNameLst>
                                           <p:attrName>ppt_y</p:attrName>
@@ -28334,7 +28969,7 @@
                                       <p:cBhvr>
                                         <p:cTn id="30" fill="hold"/>
                                         <p:tgtEl>
-                                          <p:spTgt spid="537"/>
+                                          <p:spTgt spid="551"/>
                                         </p:tgtEl>
                                         <p:attrNameLst>
                                           <p:attrName>style.visibility</p:attrName>
@@ -28348,7 +28983,7 @@
                                       <p:cBhvr>
                                         <p:cTn id="31" dur="700" fill="hold"/>
                                         <p:tgtEl>
-                                          <p:spTgt spid="537"/>
+                                          <p:spTgt spid="551"/>
                                         </p:tgtEl>
                                         <p:attrNameLst>
                                           <p:attrName>ppt_x</p:attrName>
@@ -28371,7 +29006,7 @@
                                       <p:cBhvr>
                                         <p:cTn id="32" dur="700" fill="hold"/>
                                         <p:tgtEl>
-                                          <p:spTgt spid="537"/>
+                                          <p:spTgt spid="551"/>
                                         </p:tgtEl>
                                         <p:attrNameLst>
                                           <p:attrName>ppt_y</p:attrName>
@@ -28415,7 +29050,7 @@
                                       <p:cBhvr>
                                         <p:cTn id="35" fill="hold"/>
                                         <p:tgtEl>
-                                          <p:spTgt spid="541"/>
+                                          <p:spTgt spid="555"/>
                                         </p:tgtEl>
                                         <p:attrNameLst>
                                           <p:attrName>style.visibility</p:attrName>
@@ -28429,7 +29064,7 @@
                                       <p:cBhvr>
                                         <p:cTn id="36" dur="700" fill="hold"/>
                                         <p:tgtEl>
-                                          <p:spTgt spid="541"/>
+                                          <p:spTgt spid="555"/>
                                         </p:tgtEl>
                                         <p:attrNameLst>
                                           <p:attrName>ppt_x</p:attrName>
@@ -28452,7 +29087,7 @@
                                       <p:cBhvr>
                                         <p:cTn id="37" dur="700" fill="hold"/>
                                         <p:tgtEl>
-                                          <p:spTgt spid="541"/>
+                                          <p:spTgt spid="555"/>
                                         </p:tgtEl>
                                         <p:attrNameLst>
                                           <p:attrName>ppt_y</p:attrName>
@@ -28502,13 +29137,13 @@
       </p:par>
     </p:tnLst>
     <p:bldLst>
-      <p:bldP build="whole" bldLvl="1" animBg="1" rev="0" advAuto="0" spid="529" grpId="3"/>
-      <p:bldP build="whole" bldLvl="1" animBg="1" rev="0" advAuto="0" spid="547" grpId="4"/>
-      <p:bldP build="whole" bldLvl="1" animBg="1" rev="0" advAuto="0" spid="533" grpId="5"/>
-      <p:bldP build="whole" bldLvl="1" animBg="1" rev="0" advAuto="0" spid="525" grpId="2"/>
-      <p:bldP build="whole" bldLvl="1" animBg="1" rev="0" advAuto="0" spid="541" grpId="7"/>
-      <p:bldP build="whole" bldLvl="1" animBg="1" rev="0" advAuto="0" spid="544" grpId="1"/>
-      <p:bldP build="whole" bldLvl="1" animBg="1" rev="0" advAuto="0" spid="537" grpId="6"/>
+      <p:bldP build="whole" bldLvl="1" animBg="1" rev="0" advAuto="0" spid="555" grpId="7"/>
+      <p:bldP build="whole" bldLvl="1" animBg="1" rev="0" advAuto="0" spid="558" grpId="1"/>
+      <p:bldP build="whole" bldLvl="1" animBg="1" rev="0" advAuto="0" spid="543" grpId="3"/>
+      <p:bldP build="whole" bldLvl="1" animBg="1" rev="0" advAuto="0" spid="547" grpId="5"/>
+      <p:bldP build="whole" bldLvl="1" animBg="1" rev="0" advAuto="0" spid="539" grpId="2"/>
+      <p:bldP build="whole" bldLvl="1" animBg="1" rev="0" advAuto="0" spid="561" grpId="4"/>
+      <p:bldP build="whole" bldLvl="1" animBg="1" rev="0" advAuto="0" spid="551" grpId="6"/>
     </p:bldLst>
   </p:timing>
 </p:sld>

--- a/packages/Packages.pptx
+++ b/packages/Packages.pptx
@@ -6517,12 +6517,12 @@
     </p:tnLst>
     <p:bldLst>
       <p:bldP build="whole" bldLvl="1" animBg="1" rev="0" advAuto="0" spid="579" grpId="6"/>
+      <p:bldP build="whole" bldLvl="1" animBg="1" rev="0" advAuto="0" spid="577" grpId="5"/>
+      <p:bldP build="whole" bldLvl="1" animBg="1" rev="0" advAuto="0" spid="567" grpId="2"/>
       <p:bldP build="whole" bldLvl="1" animBg="1" rev="0" advAuto="0" spid="579" grpId="7"/>
+      <p:bldP build="whole" bldLvl="1" animBg="1" rev="0" advAuto="0" spid="573" grpId="1"/>
+      <p:bldP build="whole" bldLvl="1" animBg="1" rev="0" advAuto="0" spid="576" grpId="3"/>
       <p:bldP build="whole" bldLvl="1" animBg="1" rev="0" advAuto="0" spid="570" grpId="4"/>
-      <p:bldP build="whole" bldLvl="1" animBg="1" rev="0" advAuto="0" spid="577" grpId="5"/>
-      <p:bldP build="whole" bldLvl="1" animBg="1" rev="0" advAuto="0" spid="576" grpId="3"/>
-      <p:bldP build="whole" bldLvl="1" animBg="1" rev="0" advAuto="0" spid="567" grpId="2"/>
-      <p:bldP build="whole" bldLvl="1" animBg="1" rev="0" advAuto="0" spid="573" grpId="1"/>
     </p:bldLst>
   </p:timing>
 </p:sld>
@@ -7392,12 +7392,12 @@
       </p:par>
     </p:tnLst>
     <p:bldLst>
-      <p:bldP build="whole" bldLvl="1" animBg="1" rev="0" advAuto="0" spid="586" grpId="6"/>
-      <p:bldP build="whole" bldLvl="1" animBg="1" rev="0" advAuto="0" spid="583" grpId="1"/>
       <p:bldP build="whole" bldLvl="1" animBg="1" rev="0" advAuto="0" spid="585" grpId="3"/>
       <p:bldP build="whole" bldLvl="1" animBg="1" rev="0" advAuto="0" spid="587" grpId="2"/>
       <p:bldP build="whole" bldLvl="1" animBg="1" rev="0" advAuto="0" spid="584" grpId="4"/>
       <p:bldP build="whole" bldLvl="1" animBg="1" rev="0" advAuto="0" spid="588" grpId="5"/>
+      <p:bldP build="whole" bldLvl="1" animBg="1" rev="0" advAuto="0" spid="586" grpId="6"/>
+      <p:bldP build="whole" bldLvl="1" animBg="1" rev="0" advAuto="0" spid="583" grpId="1"/>
     </p:bldLst>
   </p:timing>
 </p:sld>
@@ -8997,20 +8997,20 @@
       </p:par>
     </p:tnLst>
     <p:bldLst>
+      <p:bldP build="whole" bldLvl="1" animBg="1" rev="0" advAuto="0" spid="597" grpId="1"/>
+      <p:bldP build="whole" bldLvl="1" animBg="1" rev="0" advAuto="0" spid="600" grpId="14"/>
+      <p:bldP build="whole" bldLvl="1" animBg="1" rev="0" advAuto="0" spid="606" grpId="7"/>
+      <p:bldP build="whole" bldLvl="1" animBg="1" rev="0" advAuto="0" spid="598" grpId="4"/>
+      <p:bldP build="whole" bldLvl="1" animBg="1" rev="0" advAuto="0" spid="616" grpId="8"/>
+      <p:bldP build="whole" bldLvl="1" animBg="1" rev="0" advAuto="0" spid="607" grpId="10"/>
+      <p:bldP build="whole" bldLvl="1" animBg="1" rev="0" advAuto="0" spid="617" grpId="11"/>
+      <p:bldP build="whole" bldLvl="1" animBg="1" rev="0" advAuto="0" spid="608" grpId="3"/>
+      <p:bldP build="whole" bldLvl="1" animBg="1" rev="0" advAuto="0" spid="610" grpId="12"/>
+      <p:bldP build="whole" bldLvl="1" animBg="1" rev="0" advAuto="0" spid="612" grpId="6"/>
+      <p:bldP build="whole" bldLvl="1" animBg="1" rev="0" advAuto="0" spid="599" grpId="13"/>
       <p:bldP build="whole" bldLvl="1" animBg="1" rev="0" advAuto="0" spid="604" grpId="2"/>
-      <p:bldP build="whole" bldLvl="1" animBg="1" rev="0" advAuto="0" spid="616" grpId="8"/>
-      <p:bldP build="whole" bldLvl="1" animBg="1" rev="0" advAuto="0" spid="608" grpId="3"/>
       <p:bldP build="whole" bldLvl="1" animBg="1" rev="0" advAuto="0" spid="605" grpId="5"/>
-      <p:bldP build="whole" bldLvl="1" animBg="1" rev="0" advAuto="0" spid="610" grpId="12"/>
-      <p:bldP build="whole" bldLvl="1" animBg="1" rev="0" advAuto="0" spid="606" grpId="7"/>
-      <p:bldP build="whole" bldLvl="1" animBg="1" rev="0" advAuto="0" spid="617" grpId="11"/>
-      <p:bldP build="whole" bldLvl="1" animBg="1" rev="0" advAuto="0" spid="600" grpId="14"/>
-      <p:bldP build="whole" bldLvl="1" animBg="1" rev="0" advAuto="0" spid="598" grpId="4"/>
-      <p:bldP build="whole" bldLvl="1" animBg="1" rev="0" advAuto="0" spid="597" grpId="1"/>
-      <p:bldP build="whole" bldLvl="1" animBg="1" rev="0" advAuto="0" spid="612" grpId="6"/>
       <p:bldP build="whole" bldLvl="1" animBg="1" rev="0" advAuto="0" spid="614" grpId="9"/>
-      <p:bldP build="whole" bldLvl="1" animBg="1" rev="0" advAuto="0" spid="599" grpId="13"/>
-      <p:bldP build="whole" bldLvl="1" animBg="1" rev="0" advAuto="0" spid="607" grpId="10"/>
     </p:bldLst>
   </p:timing>
 </p:sld>
@@ -9424,9 +9424,9 @@
       </p:par>
     </p:tnLst>
     <p:bldLst>
-      <p:bldP build="whole" bldLvl="1" animBg="1" rev="0" advAuto="0" spid="187" grpId="2"/>
       <p:bldP build="whole" bldLvl="1" animBg="1" rev="0" advAuto="0" spid="188" grpId="3"/>
       <p:bldP build="whole" bldLvl="1" animBg="1" rev="0" advAuto="0" spid="186" grpId="1"/>
+      <p:bldP build="whole" bldLvl="1" animBg="1" rev="0" advAuto="0" spid="187" grpId="2"/>
     </p:bldLst>
   </p:timing>
 </p:sld>
@@ -11105,14 +11105,14 @@
       </p:par>
     </p:tnLst>
     <p:bldLst>
+      <p:bldP build="whole" bldLvl="1" animBg="1" rev="0" advAuto="0" spid="200" grpId="7"/>
+      <p:bldP build="whole" bldLvl="1" animBg="1" rev="0" advAuto="0" spid="212" grpId="4"/>
       <p:bldP build="whole" bldLvl="1" animBg="1" rev="0" advAuto="0" spid="194" grpId="5"/>
+      <p:bldP build="whole" bldLvl="1" animBg="1" rev="0" advAuto="0" spid="215" grpId="3"/>
+      <p:bldP build="whole" bldLvl="1" animBg="1" rev="0" advAuto="0" spid="203" grpId="8"/>
+      <p:bldP build="whole" bldLvl="1" animBg="1" rev="0" advAuto="0" spid="206" grpId="1"/>
+      <p:bldP build="whole" bldLvl="1" animBg="1" rev="0" advAuto="0" spid="209" grpId="2"/>
       <p:bldP build="whole" bldLvl="1" animBg="1" rev="0" advAuto="0" spid="197" grpId="6"/>
-      <p:bldP build="whole" bldLvl="1" animBg="1" rev="0" advAuto="0" spid="206" grpId="1"/>
-      <p:bldP build="whole" bldLvl="1" animBg="1" rev="0" advAuto="0" spid="203" grpId="8"/>
-      <p:bldP build="whole" bldLvl="1" animBg="1" rev="0" advAuto="0" spid="212" grpId="4"/>
-      <p:bldP build="whole" bldLvl="1" animBg="1" rev="0" advAuto="0" spid="215" grpId="3"/>
-      <p:bldP build="whole" bldLvl="1" animBg="1" rev="0" advAuto="0" spid="209" grpId="2"/>
-      <p:bldP build="whole" bldLvl="1" animBg="1" rev="0" advAuto="0" spid="200" grpId="7"/>
     </p:bldLst>
   </p:timing>
 </p:sld>
@@ -11830,7 +11830,7 @@
         </p:sp>
         <p:sp>
           <p:nvSpPr>
-            <p:cNvPr id="234" name="import “github.com/gophertuts/go-basics/pkg&quot;"/>
+            <p:cNvPr id="234" name="import &quot;github.com/gophertuts/go-basics/pkg&quot;"/>
             <p:cNvSpPr/>
             <p:nvPr/>
           </p:nvSpPr>
@@ -11874,7 +11874,7 @@
             <a:p>
               <a:pPr/>
               <a:r>
-                <a:t>import “github.com/gophertuts/go-basics/pkg"</a:t>
+                <a:t>import "github.com/gophertuts/go-basics/pkg"</a:t>
               </a:r>
             </a:p>
           </p:txBody>
@@ -12283,23 +12283,14 @@
                             </p:childTnLst>
                           </p:cTn>
                         </p:par>
-                      </p:childTnLst>
-                    </p:cTn>
-                  </p:par>
-                  <p:par>
-                    <p:cTn id="18" fill="hold">
-                      <p:stCondLst>
-                        <p:cond delay="indefinite"/>
-                      </p:stCondLst>
-                      <p:childTnLst>
                         <p:par>
-                          <p:cTn id="19" fill="hold">
+                          <p:cTn id="18" fill="hold">
                             <p:stCondLst>
-                              <p:cond delay="0"/>
+                              <p:cond delay="2100"/>
                             </p:stCondLst>
                             <p:childTnLst>
                               <p:par>
-                                <p:cTn id="20" presetClass="entr" nodeType="clickEffect" presetSubtype="32" presetID="4" grpId="4" fill="hold">
+                                <p:cTn id="19" presetClass="entr" nodeType="afterEffect" presetSubtype="10" presetID="19" grpId="4" fill="hold">
                                   <p:stCondLst>
                                     <p:cond delay="0"/>
                                   </p:stCondLst>
@@ -12309,7 +12300,97 @@
                                   <p:childTnLst>
                                     <p:set>
                                       <p:cBhvr>
-                                        <p:cTn id="21" fill="hold"/>
+                                        <p:cTn id="20" fill="hold"/>
+                                        <p:tgtEl>
+                                          <p:spTgt spid="239"/>
+                                        </p:tgtEl>
+                                        <p:attrNameLst>
+                                          <p:attrName>style.visibility</p:attrName>
+                                        </p:attrNameLst>
+                                      </p:cBhvr>
+                                      <p:to>
+                                        <p:strVal val="visible"/>
+                                      </p:to>
+                                    </p:set>
+                                    <p:anim calcmode="lin" valueType="num">
+                                      <p:cBhvr>
+                                        <p:cTn id="21" dur="800" fill="hold"/>
+                                        <p:tgtEl>
+                                          <p:spTgt spid="239"/>
+                                        </p:tgtEl>
+                                        <p:attrNameLst>
+                                          <p:attrName>ppt_w</p:attrName>
+                                        </p:attrNameLst>
+                                      </p:cBhvr>
+                                      <p:tavLst>
+                                        <p:tav tm="0" fmla="#ppt_w*sin(2.5*pi*$)">
+                                          <p:val>
+                                            <p:fltVal val="0"/>
+                                          </p:val>
+                                        </p:tav>
+                                        <p:tav tm="100000">
+                                          <p:val>
+                                            <p:fltVal val="1"/>
+                                          </p:val>
+                                        </p:tav>
+                                      </p:tavLst>
+                                    </p:anim>
+                                    <p:anim calcmode="lin" valueType="num">
+                                      <p:cBhvr>
+                                        <p:cTn id="22" dur="800" fill="hold"/>
+                                        <p:tgtEl>
+                                          <p:spTgt spid="239"/>
+                                        </p:tgtEl>
+                                        <p:attrNameLst>
+                                          <p:attrName>ppt_h</p:attrName>
+                                        </p:attrNameLst>
+                                      </p:cBhvr>
+                                      <p:tavLst>
+                                        <p:tav tm="0">
+                                          <p:val>
+                                            <p:strVal val="#ppt_h"/>
+                                          </p:val>
+                                        </p:tav>
+                                        <p:tav tm="100000">
+                                          <p:val>
+                                            <p:strVal val="#ppt_h"/>
+                                          </p:val>
+                                        </p:tav>
+                                      </p:tavLst>
+                                    </p:anim>
+                                  </p:childTnLst>
+                                </p:cTn>
+                              </p:par>
+                            </p:childTnLst>
+                          </p:cTn>
+                        </p:par>
+                      </p:childTnLst>
+                    </p:cTn>
+                  </p:par>
+                  <p:par>
+                    <p:cTn id="23" fill="hold">
+                      <p:stCondLst>
+                        <p:cond delay="indefinite"/>
+                      </p:stCondLst>
+                      <p:childTnLst>
+                        <p:par>
+                          <p:cTn id="24" fill="hold">
+                            <p:stCondLst>
+                              <p:cond delay="0"/>
+                            </p:stCondLst>
+                            <p:childTnLst>
+                              <p:par>
+                                <p:cTn id="25" presetClass="entr" nodeType="clickEffect" presetSubtype="32" presetID="4" grpId="5" fill="hold">
+                                  <p:stCondLst>
+                                    <p:cond delay="0"/>
+                                  </p:stCondLst>
+                                  <p:iterate type="el" backwards="0">
+                                    <p:tmAbs val="0"/>
+                                  </p:iterate>
+                                  <p:childTnLst>
+                                    <p:set>
+                                      <p:cBhvr>
+                                        <p:cTn id="26" fill="hold"/>
                                         <p:tgtEl>
                                           <p:spTgt spid="224"/>
                                         </p:tgtEl>
@@ -12323,7 +12404,7 @@
                                     </p:set>
                                     <p:animEffect filter="box(out)" transition="in">
                                       <p:cBhvr>
-                                        <p:cTn id="22" dur="700"/>
+                                        <p:cTn id="27" dur="700"/>
                                         <p:tgtEl>
                                           <p:spTgt spid="224"/>
                                         </p:tgtEl>
@@ -12336,13 +12417,13 @@
                           </p:cTn>
                         </p:par>
                         <p:par>
-                          <p:cTn id="23" fill="hold">
+                          <p:cTn id="28" fill="hold">
                             <p:stCondLst>
                               <p:cond delay="700"/>
                             </p:stCondLst>
                             <p:childTnLst>
                               <p:par>
-                                <p:cTn id="24" presetClass="entr" nodeType="afterEffect" presetSubtype="8" presetID="2" grpId="5" fill="hold">
+                                <p:cTn id="29" presetClass="entr" nodeType="afterEffect" presetSubtype="8" presetID="2" grpId="6" fill="hold">
                                   <p:stCondLst>
                                     <p:cond delay="0"/>
                                   </p:stCondLst>
@@ -12352,7 +12433,7 @@
                                   <p:childTnLst>
                                     <p:set>
                                       <p:cBhvr>
-                                        <p:cTn id="25" fill="hold"/>
+                                        <p:cTn id="30" fill="hold"/>
                                         <p:tgtEl>
                                           <p:spTgt spid="236"/>
                                         </p:tgtEl>
@@ -12366,7 +12447,7 @@
                                     </p:set>
                                     <p:anim calcmode="lin" valueType="num">
                                       <p:cBhvr>
-                                        <p:cTn id="26" dur="700" fill="hold"/>
+                                        <p:cTn id="31" dur="700" fill="hold"/>
                                         <p:tgtEl>
                                           <p:spTgt spid="236"/>
                                         </p:tgtEl>
@@ -12389,7 +12470,7 @@
                                     </p:anim>
                                     <p:anim calcmode="lin" valueType="num">
                                       <p:cBhvr>
-                                        <p:cTn id="27" dur="700" fill="hold"/>
+                                        <p:cTn id="32" dur="700" fill="hold"/>
                                         <p:tgtEl>
                                           <p:spTgt spid="236"/>
                                         </p:tgtEl>
@@ -12441,11 +12522,12 @@
       </p:par>
     </p:tnLst>
     <p:bldLst>
-      <p:bldP build="whole" bldLvl="1" animBg="1" rev="0" advAuto="0" spid="236" grpId="5"/>
       <p:bldP build="whole" bldLvl="1" animBg="1" rev="0" advAuto="0" spid="221" grpId="1"/>
+      <p:bldP build="whole" bldLvl="1" animBg="1" rev="0" advAuto="0" spid="224" grpId="5"/>
+      <p:bldP build="whole" bldLvl="1" animBg="1" rev="0" advAuto="0" spid="236" grpId="6"/>
+      <p:bldP build="whole" bldLvl="1" animBg="1" rev="0" advAuto="0" spid="228" grpId="2"/>
       <p:bldP build="whole" bldLvl="1" animBg="1" rev="0" advAuto="0" spid="232" grpId="3"/>
-      <p:bldP build="whole" bldLvl="1" animBg="1" rev="0" advAuto="0" spid="228" grpId="2"/>
-      <p:bldP build="whole" bldLvl="1" animBg="1" rev="0" advAuto="0" spid="224" grpId="4"/>
+      <p:bldP build="whole" bldLvl="1" animBg="1" rev="0" advAuto="0" spid="239" grpId="4"/>
     </p:bldLst>
   </p:timing>
 </p:sld>
@@ -16256,28 +16338,28 @@
       </p:par>
     </p:tnLst>
     <p:bldLst>
-      <p:bldP build="whole" bldLvl="1" animBg="1" rev="0" advAuto="0" spid="296" grpId="16"/>
-      <p:bldP build="whole" bldLvl="1" animBg="1" rev="0" advAuto="0" spid="297" grpId="19"/>
-      <p:bldP build="whole" bldLvl="1" animBg="1" rev="0" advAuto="0" spid="296" grpId="17"/>
-      <p:bldP build="whole" bldLvl="1" animBg="1" rev="0" advAuto="0" spid="251" grpId="4"/>
-      <p:bldP build="whole" bldLvl="1" animBg="1" rev="0" advAuto="0" spid="251" grpId="5"/>
-      <p:bldP build="whole" bldLvl="1" animBg="1" rev="0" advAuto="0" spid="282" grpId="12"/>
-      <p:bldP build="whole" bldLvl="1" animBg="1" rev="0" advAuto="0" spid="243" grpId="2"/>
-      <p:bldP build="whole" bldLvl="1" animBg="1" rev="0" advAuto="0" spid="267" grpId="10"/>
-      <p:bldP build="whole" bldLvl="1" animBg="1" rev="0" advAuto="0" spid="274" grpId="9"/>
-      <p:bldP build="whole" bldLvl="1" animBg="1" rev="0" advAuto="0" spid="258" grpId="3"/>
-      <p:bldP build="whole" bldLvl="1" animBg="1" rev="0" advAuto="0" spid="267" grpId="11"/>
-      <p:bldP build="whole" bldLvl="1" animBg="1" rev="0" advAuto="0" spid="250" grpId="1"/>
-      <p:bldP build="whole" bldLvl="1" animBg="1" rev="0" advAuto="0" spid="318" grpId="20"/>
+      <p:bldP build="whole" bldLvl="1" animBg="1" rev="0" advAuto="0" spid="259" grpId="8"/>
       <p:bldP build="whole" bldLvl="1" animBg="1" rev="0" advAuto="0" spid="304" grpId="18"/>
-      <p:bldP build="whole" bldLvl="1" animBg="1" rev="0" advAuto="0" spid="305" grpId="21"/>
-      <p:bldP build="whole" bldLvl="1" animBg="1" rev="0" advAuto="0" spid="259" grpId="7"/>
-      <p:bldP build="whole" bldLvl="1" animBg="1" rev="0" advAuto="0" spid="259" grpId="8"/>
-      <p:bldP build="whole" bldLvl="1" animBg="1" rev="0" advAuto="0" spid="305" grpId="22"/>
       <p:bldP build="whole" bldLvl="1" animBg="1" rev="0" advAuto="0" spid="266" grpId="6"/>
       <p:bldP build="whole" bldLvl="1" animBg="1" rev="0" advAuto="0" spid="295" grpId="15"/>
       <p:bldP build="whole" bldLvl="1" animBg="1" rev="0" advAuto="0" spid="275" grpId="13"/>
       <p:bldP build="whole" bldLvl="1" animBg="1" rev="0" advAuto="0" spid="275" grpId="14"/>
+      <p:bldP build="whole" bldLvl="1" animBg="1" rev="0" advAuto="0" spid="296" grpId="16"/>
+      <p:bldP build="whole" bldLvl="1" animBg="1" rev="0" advAuto="0" spid="296" grpId="17"/>
+      <p:bldP build="whole" bldLvl="1" animBg="1" rev="0" advAuto="0" spid="274" grpId="9"/>
+      <p:bldP build="whole" bldLvl="1" animBg="1" rev="0" advAuto="0" spid="251" grpId="4"/>
+      <p:bldP build="whole" bldLvl="1" animBg="1" rev="0" advAuto="0" spid="251" grpId="5"/>
+      <p:bldP build="whole" bldLvl="1" animBg="1" rev="0" advAuto="0" spid="297" grpId="19"/>
+      <p:bldP build="whole" bldLvl="1" animBg="1" rev="0" advAuto="0" spid="243" grpId="2"/>
+      <p:bldP build="whole" bldLvl="1" animBg="1" rev="0" advAuto="0" spid="282" grpId="12"/>
+      <p:bldP build="whole" bldLvl="1" animBg="1" rev="0" advAuto="0" spid="267" grpId="10"/>
+      <p:bldP build="whole" bldLvl="1" animBg="1" rev="0" advAuto="0" spid="267" grpId="11"/>
+      <p:bldP build="whole" bldLvl="1" animBg="1" rev="0" advAuto="0" spid="318" grpId="20"/>
+      <p:bldP build="whole" bldLvl="1" animBg="1" rev="0" advAuto="0" spid="250" grpId="1"/>
+      <p:bldP build="whole" bldLvl="1" animBg="1" rev="0" advAuto="0" spid="305" grpId="21"/>
+      <p:bldP build="whole" bldLvl="1" animBg="1" rev="0" advAuto="0" spid="305" grpId="22"/>
+      <p:bldP build="whole" bldLvl="1" animBg="1" rev="0" advAuto="0" spid="258" grpId="3"/>
+      <p:bldP build="whole" bldLvl="1" animBg="1" rev="0" advAuto="0" spid="259" grpId="7"/>
     </p:bldLst>
   </p:timing>
 </p:sld>
@@ -16380,7 +16462,7 @@
         </p:nvGrpSpPr>
         <p:grpSpPr>
           <a:xfrm>
-            <a:off x="1269999" y="3669150"/>
+            <a:off x="761999" y="3669150"/>
             <a:ext cx="17974306" cy="3437533"/>
             <a:chOff x="0" y="0"/>
             <a:chExt cx="17974304" cy="3437532"/>
@@ -16600,7 +16682,7 @@
         </p:blipFill>
         <p:spPr>
           <a:xfrm rot="5400000">
-            <a:off x="4574906" y="6753592"/>
+            <a:off x="4066906" y="6753592"/>
             <a:ext cx="1062508" cy="405592"/>
           </a:xfrm>
           <a:prstGeom prst="rect">
@@ -16626,7 +16708,7 @@
         </p:blipFill>
         <p:spPr>
           <a:xfrm rot="5400000">
-            <a:off x="8207162" y="7318364"/>
+            <a:off x="7699162" y="7318364"/>
             <a:ext cx="2192051" cy="405591"/>
           </a:xfrm>
           <a:prstGeom prst="rect">
@@ -16652,7 +16734,7 @@
         </p:blipFill>
         <p:spPr>
           <a:xfrm rot="5400000">
-            <a:off x="11765906" y="7956647"/>
+            <a:off x="11257906" y="7956647"/>
             <a:ext cx="3468617" cy="405591"/>
           </a:xfrm>
           <a:prstGeom prst="rect">
@@ -16678,7 +16760,7 @@
         </p:blipFill>
         <p:spPr>
           <a:xfrm rot="5400000">
-            <a:off x="14982243" y="8598628"/>
+            <a:off x="14474243" y="8598628"/>
             <a:ext cx="4752581" cy="405592"/>
           </a:xfrm>
           <a:prstGeom prst="rect">
@@ -16694,7 +16776,7 @@
         </p:nvSpPr>
         <p:spPr>
           <a:xfrm>
-            <a:off x="4866618" y="5514468"/>
+            <a:off x="4358618" y="5514468"/>
             <a:ext cx="3902941" cy="735376"/>
           </a:xfrm>
           <a:prstGeom prst="rect">
@@ -16739,7 +16821,7 @@
         </p:nvSpPr>
         <p:spPr>
           <a:xfrm>
-            <a:off x="9078390" y="5514468"/>
+            <a:off x="8570390" y="5514468"/>
             <a:ext cx="3902941" cy="735376"/>
           </a:xfrm>
           <a:prstGeom prst="rect">
@@ -16784,7 +16866,7 @@
         </p:nvSpPr>
         <p:spPr>
           <a:xfrm>
-            <a:off x="13290162" y="5514468"/>
+            <a:off x="12782162" y="5514468"/>
             <a:ext cx="3478531" cy="735376"/>
           </a:xfrm>
           <a:prstGeom prst="rect">
@@ -16829,7 +16911,7 @@
         </p:nvSpPr>
         <p:spPr>
           <a:xfrm>
-            <a:off x="17077525" y="5514468"/>
+            <a:off x="16569525" y="5514468"/>
             <a:ext cx="1182571" cy="735376"/>
           </a:xfrm>
           <a:prstGeom prst="rect">
@@ -16874,7 +16956,7 @@
         </p:nvGrpSpPr>
         <p:grpSpPr>
           <a:xfrm>
-            <a:off x="3815691" y="7563574"/>
+            <a:off x="3307691" y="7563574"/>
             <a:ext cx="2580938" cy="1765653"/>
             <a:chOff x="0" y="0"/>
             <a:chExt cx="2580937" cy="1765651"/>
@@ -17038,7 +17120,7 @@
         </p:nvGrpSpPr>
         <p:grpSpPr>
           <a:xfrm>
-            <a:off x="10932692" y="10131501"/>
+            <a:off x="10424692" y="10131501"/>
             <a:ext cx="5135044" cy="1765653"/>
             <a:chOff x="0" y="0"/>
             <a:chExt cx="5135043" cy="1765651"/>
@@ -17202,7 +17284,7 @@
         </p:nvGrpSpPr>
         <p:grpSpPr>
           <a:xfrm>
-            <a:off x="5928746" y="8847538"/>
+            <a:off x="5420746" y="8847538"/>
             <a:ext cx="6748882" cy="991305"/>
             <a:chOff x="0" y="0"/>
             <a:chExt cx="6748881" cy="991303"/>
@@ -17366,7 +17448,7 @@
         </p:nvGrpSpPr>
         <p:grpSpPr>
           <a:xfrm>
-            <a:off x="15591592" y="11415465"/>
+            <a:off x="15083592" y="11415465"/>
             <a:ext cx="3533883" cy="1765653"/>
             <a:chOff x="0" y="0"/>
             <a:chExt cx="3533881" cy="1765651"/>
@@ -18293,18 +18375,18 @@
     </p:tnLst>
     <p:bldLst>
       <p:bldP build="whole" bldLvl="1" animBg="1" rev="0" advAuto="0" spid="325" grpId="1"/>
+      <p:bldP build="whole" bldLvl="1" animBg="1" rev="0" advAuto="0" spid="330" grpId="9"/>
+      <p:bldP build="whole" bldLvl="1" animBg="1" rev="0" advAuto="0" spid="345" grpId="10"/>
+      <p:bldP build="whole" bldLvl="1" animBg="1" rev="0" advAuto="0" spid="349" grpId="7"/>
+      <p:bldP build="whole" bldLvl="1" animBg="1" rev="0" advAuto="0" spid="353" grpId="13"/>
+      <p:bldP build="whole" bldLvl="1" animBg="1" rev="0" advAuto="0" spid="328" grpId="6"/>
+      <p:bldP build="whole" bldLvl="1" animBg="1" rev="0" advAuto="0" spid="326" grpId="3"/>
+      <p:bldP build="whole" bldLvl="1" animBg="1" rev="0" advAuto="0" spid="336" grpId="8"/>
+      <p:bldP build="whole" bldLvl="1" animBg="1" rev="0" advAuto="0" spid="334" grpId="2"/>
+      <p:bldP build="whole" bldLvl="1" animBg="1" rev="0" advAuto="0" spid="337" grpId="11"/>
+      <p:bldP build="whole" bldLvl="1" animBg="1" rev="0" advAuto="0" spid="341" grpId="4"/>
       <p:bldP build="whole" bldLvl="1" animBg="1" rev="0" advAuto="0" spid="332" grpId="12"/>
-      <p:bldP build="whole" bldLvl="1" animBg="1" rev="0" advAuto="0" spid="349" grpId="7"/>
-      <p:bldP build="whole" bldLvl="1" animBg="1" rev="0" advAuto="0" spid="334" grpId="2"/>
-      <p:bldP build="whole" bldLvl="1" animBg="1" rev="0" advAuto="0" spid="336" grpId="8"/>
-      <p:bldP build="whole" bldLvl="1" animBg="1" rev="0" advAuto="0" spid="328" grpId="6"/>
-      <p:bldP build="whole" bldLvl="1" animBg="1" rev="0" advAuto="0" spid="341" grpId="4"/>
-      <p:bldP build="whole" bldLvl="1" animBg="1" rev="0" advAuto="0" spid="330" grpId="9"/>
       <p:bldP build="whole" bldLvl="1" animBg="1" rev="0" advAuto="0" spid="335" grpId="5"/>
-      <p:bldP build="whole" bldLvl="1" animBg="1" rev="0" advAuto="0" spid="353" grpId="13"/>
-      <p:bldP build="whole" bldLvl="1" animBg="1" rev="0" advAuto="0" spid="326" grpId="3"/>
-      <p:bldP build="whole" bldLvl="1" animBg="1" rev="0" advAuto="0" spid="345" grpId="10"/>
-      <p:bldP build="whole" bldLvl="1" animBg="1" rev="0" advAuto="0" spid="337" grpId="11"/>
     </p:bldLst>
   </p:timing>
 </p:sld>
@@ -26387,70 +26469,70 @@
       </p:par>
     </p:tnLst>
     <p:bldLst>
+      <p:bldP build="whole" bldLvl="1" animBg="1" rev="0" advAuto="0" spid="477" grpId="36"/>
+      <p:bldP build="whole" bldLvl="1" animBg="1" rev="0" advAuto="0" spid="408" grpId="48"/>
+      <p:bldP build="whole" bldLvl="1" animBg="1" rev="0" advAuto="0" spid="390" grpId="19"/>
+      <p:bldP build="whole" bldLvl="1" animBg="1" rev="0" advAuto="0" spid="378" grpId="44"/>
+      <p:bldP build="whole" bldLvl="1" animBg="1" rev="0" advAuto="0" spid="455" grpId="41"/>
+      <p:bldP build="whole" bldLvl="1" animBg="1" rev="0" advAuto="0" spid="429" grpId="52"/>
+      <p:bldP build="whole" bldLvl="1" animBg="1" rev="0" advAuto="0" spid="438" grpId="21"/>
+      <p:bldP build="whole" bldLvl="1" animBg="1" rev="0" advAuto="0" spid="503" grpId="61"/>
+      <p:bldP build="whole" bldLvl="1" animBg="1" rev="0" advAuto="0" spid="491" grpId="58"/>
+      <p:bldP build="whole" bldLvl="1" animBg="1" rev="0" advAuto="0" spid="399" grpId="46"/>
+      <p:bldP build="whole" bldLvl="1" animBg="1" rev="0" advAuto="0" spid="443" grpId="5"/>
+      <p:bldP build="whole" bldLvl="1" animBg="1" rev="0" advAuto="0" spid="402" grpId="17"/>
+      <p:bldP build="whole" bldLvl="1" animBg="1" rev="0" advAuto="0" spid="487" grpId="30"/>
+      <p:bldP build="whole" bldLvl="1" animBg="1" rev="0" advAuto="0" spid="483" grpId="28"/>
+      <p:bldP build="whole" bldLvl="1" animBg="1" rev="0" advAuto="0" spid="423" grpId="15"/>
+      <p:bldP build="whole" bldLvl="1" animBg="1" rev="0" advAuto="0" spid="495" grpId="55"/>
+      <p:bldP build="whole" bldLvl="1" animBg="1" rev="0" advAuto="0" spid="357" grpId="32"/>
+      <p:bldP build="whole" bldLvl="1" animBg="1" rev="0" advAuto="0" spid="471" grpId="27"/>
+      <p:bldP build="whole" bldLvl="1" animBg="1" rev="0" advAuto="0" spid="381" grpId="33"/>
+      <p:bldP build="whole" bldLvl="1" animBg="1" rev="0" advAuto="0" spid="453" grpId="12"/>
+      <p:bldP build="whole" bldLvl="1" animBg="1" rev="0" advAuto="0" spid="393" grpId="16"/>
+      <p:bldP build="whole" bldLvl="1" animBg="1" rev="0" advAuto="0" spid="411" grpId="49"/>
       <p:bldP build="whole" bldLvl="1" animBg="1" rev="0" advAuto="0" spid="439" grpId="6"/>
+      <p:bldP build="whole" bldLvl="1" animBg="1" rev="0" advAuto="0" spid="493" grpId="63"/>
+      <p:bldP build="whole" bldLvl="1" animBg="1" rev="0" advAuto="0" spid="465" grpId="26"/>
+      <p:bldP build="whole" bldLvl="1" animBg="1" rev="0" advAuto="0" spid="432" grpId="53"/>
       <p:bldP build="whole" bldLvl="1" animBg="1" rev="0" advAuto="0" spid="384" grpId="13"/>
-      <p:bldP build="whole" bldLvl="1" animBg="1" rev="0" advAuto="0" spid="417" grpId="35"/>
-      <p:bldP build="whole" bldLvl="1" animBg="1" rev="0" advAuto="0" spid="503" grpId="61"/>
       <p:bldP build="whole" bldLvl="1" animBg="1" rev="0" advAuto="0" spid="501" grpId="59"/>
-      <p:bldP build="whole" bldLvl="1" animBg="1" rev="0" advAuto="0" spid="465" grpId="26"/>
-      <p:bldP build="whole" bldLvl="1" animBg="1" rev="0" advAuto="0" spid="491" grpId="58"/>
-      <p:bldP build="whole" bldLvl="1" animBg="1" rev="0" advAuto="0" spid="507" grpId="60"/>
-      <p:bldP build="whole" bldLvl="1" animBg="1" rev="0" advAuto="0" spid="455" grpId="41"/>
+      <p:bldP build="whole" bldLvl="1" animBg="1" rev="0" advAuto="0" spid="360" grpId="1"/>
+      <p:bldP build="whole" bldLvl="1" animBg="1" rev="0" advAuto="0" spid="414" grpId="34"/>
+      <p:bldP build="whole" bldLvl="1" animBg="1" rev="0" advAuto="0" spid="372" grpId="47"/>
+      <p:bldP build="whole" bldLvl="1" animBg="1" rev="0" advAuto="0" spid="505" grpId="62"/>
+      <p:bldP build="whole" bldLvl="1" animBg="1" rev="0" advAuto="0" spid="366" grpId="3"/>
+      <p:bldP build="whole" bldLvl="1" animBg="1" rev="0" advAuto="0" spid="445" grpId="9"/>
+      <p:bldP build="whole" bldLvl="1" animBg="1" rev="0" advAuto="0" spid="475" grpId="39"/>
+      <p:bldP build="whole" bldLvl="1" animBg="1" rev="0" advAuto="0" spid="473" grpId="22"/>
+      <p:bldP build="whole" bldLvl="1" animBg="1" rev="0" advAuto="0" spid="485" grpId="29"/>
+      <p:bldP build="whole" bldLvl="1" animBg="1" rev="0" advAuto="0" spid="396" grpId="20"/>
+      <p:bldP build="whole" bldLvl="1" animBg="1" rev="0" advAuto="0" spid="457" grpId="42"/>
+      <p:bldP build="whole" bldLvl="1" animBg="1" rev="0" advAuto="0" spid="497" grpId="56"/>
+      <p:bldP build="whole" bldLvl="1" animBg="1" rev="0" advAuto="0" spid="459" grpId="40"/>
+      <p:bldP build="whole" bldLvl="1" animBg="1" rev="0" advAuto="0" spid="461" grpId="43"/>
+      <p:bldP build="whole" bldLvl="1" animBg="1" rev="0" advAuto="0" spid="435" grpId="54"/>
+      <p:bldP build="whole" bldLvl="1" animBg="1" rev="0" advAuto="0" spid="481" grpId="37"/>
+      <p:bldP build="whole" bldLvl="1" animBg="1" rev="0" advAuto="0" spid="405" grpId="45"/>
+      <p:bldP build="whole" bldLvl="1" animBg="1" rev="0" advAuto="0" spid="499" grpId="57"/>
+      <p:bldP build="whole" bldLvl="1" animBg="1" rev="0" advAuto="0" spid="387" grpId="18"/>
       <p:bldP build="whole" bldLvl="1" animBg="1" rev="0" advAuto="0" spid="489" grpId="31"/>
-      <p:bldP build="whole" bldLvl="1" animBg="1" rev="0" advAuto="0" spid="378" grpId="44"/>
-      <p:bldP build="whole" bldLvl="1" animBg="1" rev="0" advAuto="0" spid="414" grpId="34"/>
-      <p:bldP build="whole" bldLvl="1" animBg="1" rev="0" advAuto="0" spid="453" grpId="12"/>
+      <p:bldP build="whole" bldLvl="1" animBg="1" rev="0" advAuto="0" spid="479" grpId="38"/>
       <p:bldP build="whole" bldLvl="1" animBg="1" rev="0" advAuto="0" spid="363" grpId="2"/>
       <p:bldP build="whole" bldLvl="1" animBg="1" rev="0" advAuto="0" spid="426" grpId="51"/>
-      <p:bldP build="whole" bldLvl="1" animBg="1" rev="0" advAuto="0" spid="461" grpId="43"/>
-      <p:bldP build="whole" bldLvl="1" animBg="1" rev="0" advAuto="0" spid="449" grpId="10"/>
-      <p:bldP build="whole" bldLvl="1" animBg="1" rev="0" advAuto="0" spid="372" grpId="47"/>
-      <p:bldP build="whole" bldLvl="1" animBg="1" rev="0" advAuto="0" spid="473" grpId="22"/>
-      <p:bldP build="whole" bldLvl="1" animBg="1" rev="0" advAuto="0" spid="435" grpId="54"/>
-      <p:bldP build="whole" bldLvl="1" animBg="1" rev="0" advAuto="0" spid="457" grpId="42"/>
-      <p:bldP build="whole" bldLvl="1" animBg="1" rev="0" advAuto="0" spid="447" grpId="8"/>
-      <p:bldP build="whole" bldLvl="1" animBg="1" rev="0" advAuto="0" spid="411" grpId="49"/>
-      <p:bldP build="whole" bldLvl="1" animBg="1" rev="0" advAuto="0" spid="441" grpId="7"/>
-      <p:bldP build="whole" bldLvl="1" animBg="1" rev="0" advAuto="0" spid="497" grpId="56"/>
-      <p:bldP build="whole" bldLvl="1" animBg="1" rev="0" advAuto="0" spid="479" grpId="38"/>
-      <p:bldP build="whole" bldLvl="1" animBg="1" rev="0" advAuto="0" spid="487" grpId="30"/>
-      <p:bldP build="whole" bldLvl="1" animBg="1" rev="0" advAuto="0" spid="493" grpId="63"/>
-      <p:bldP build="whole" bldLvl="1" animBg="1" rev="0" advAuto="0" spid="381" grpId="33"/>
-      <p:bldP build="whole" bldLvl="1" animBg="1" rev="0" advAuto="0" spid="420" grpId="14"/>
-      <p:bldP build="whole" bldLvl="1" animBg="1" rev="0" advAuto="0" spid="375" grpId="50"/>
-      <p:bldP build="whole" bldLvl="1" animBg="1" rev="0" advAuto="0" spid="405" grpId="45"/>
-      <p:bldP build="whole" bldLvl="1" animBg="1" rev="0" advAuto="0" spid="469" grpId="23"/>
-      <p:bldP build="whole" bldLvl="1" animBg="1" rev="0" advAuto="0" spid="459" grpId="40"/>
-      <p:bldP build="whole" bldLvl="1" animBg="1" rev="0" advAuto="0" spid="451" grpId="11"/>
-      <p:bldP build="whole" bldLvl="1" animBg="1" rev="0" advAuto="0" spid="471" grpId="27"/>
-      <p:bldP build="whole" bldLvl="1" animBg="1" rev="0" advAuto="0" spid="357" grpId="32"/>
-      <p:bldP build="whole" bldLvl="1" animBg="1" rev="0" advAuto="0" spid="387" grpId="18"/>
-      <p:bldP build="whole" bldLvl="1" animBg="1" rev="0" advAuto="0" spid="475" grpId="39"/>
-      <p:bldP build="whole" bldLvl="1" animBg="1" rev="0" advAuto="0" spid="505" grpId="62"/>
-      <p:bldP build="whole" bldLvl="1" animBg="1" rev="0" advAuto="0" spid="429" grpId="52"/>
-      <p:bldP build="whole" bldLvl="1" animBg="1" rev="0" advAuto="0" spid="432" grpId="53"/>
-      <p:bldP build="whole" bldLvl="1" animBg="1" rev="0" advAuto="0" spid="499" grpId="57"/>
-      <p:bldP build="whole" bldLvl="1" animBg="1" rev="0" advAuto="0" spid="408" grpId="48"/>
+      <p:bldP build="whole" bldLvl="1" animBg="1" rev="0" advAuto="0" spid="417" grpId="35"/>
       <p:bldP build="whole" bldLvl="1" animBg="1" rev="0" advAuto="0" spid="509" grpId="64"/>
       <p:bldP build="whole" bldLvl="1" animBg="1" rev="0" advAuto="0" spid="463" grpId="25"/>
-      <p:bldP build="whole" bldLvl="1" animBg="1" rev="0" advAuto="0" spid="485" grpId="29"/>
-      <p:bldP build="whole" bldLvl="1" animBg="1" rev="0" advAuto="0" spid="366" grpId="3"/>
-      <p:bldP build="whole" bldLvl="1" animBg="1" rev="0" advAuto="0" spid="443" grpId="5"/>
-      <p:bldP build="whole" bldLvl="1" animBg="1" rev="0" advAuto="0" spid="477" grpId="36"/>
-      <p:bldP build="whole" bldLvl="1" animBg="1" rev="0" advAuto="0" spid="402" grpId="17"/>
-      <p:bldP build="whole" bldLvl="1" animBg="1" rev="0" advAuto="0" spid="393" grpId="16"/>
-      <p:bldP build="whole" bldLvl="1" animBg="1" rev="0" advAuto="0" spid="423" grpId="15"/>
-      <p:bldP build="whole" bldLvl="1" animBg="1" rev="0" advAuto="0" spid="483" grpId="28"/>
-      <p:bldP build="whole" bldLvl="1" animBg="1" rev="0" advAuto="0" spid="390" grpId="19"/>
-      <p:bldP build="whole" bldLvl="1" animBg="1" rev="0" advAuto="0" spid="445" grpId="9"/>
-      <p:bldP build="whole" bldLvl="1" animBg="1" rev="0" advAuto="0" spid="360" grpId="1"/>
+      <p:bldP build="whole" bldLvl="1" animBg="1" rev="0" advAuto="0" spid="507" grpId="60"/>
+      <p:bldP build="whole" bldLvl="1" animBg="1" rev="0" advAuto="0" spid="375" grpId="50"/>
+      <p:bldP build="whole" bldLvl="1" animBg="1" rev="0" advAuto="0" spid="467" grpId="24"/>
+      <p:bldP build="whole" bldLvl="1" animBg="1" rev="0" advAuto="0" spid="449" grpId="10"/>
+      <p:bldP build="whole" bldLvl="1" animBg="1" rev="0" advAuto="0" spid="447" grpId="8"/>
+      <p:bldP build="whole" bldLvl="1" animBg="1" rev="0" advAuto="0" spid="441" grpId="7"/>
       <p:bldP build="whole" bldLvl="1" animBg="1" rev="0" advAuto="0" spid="369" grpId="4"/>
-      <p:bldP build="whole" bldLvl="1" animBg="1" rev="0" advAuto="0" spid="467" grpId="24"/>
-      <p:bldP build="whole" bldLvl="1" animBg="1" rev="0" advAuto="0" spid="495" grpId="55"/>
-      <p:bldP build="whole" bldLvl="1" animBg="1" rev="0" advAuto="0" spid="438" grpId="21"/>
-      <p:bldP build="whole" bldLvl="1" animBg="1" rev="0" advAuto="0" spid="396" grpId="20"/>
-      <p:bldP build="whole" bldLvl="1" animBg="1" rev="0" advAuto="0" spid="399" grpId="46"/>
-      <p:bldP build="whole" bldLvl="1" animBg="1" rev="0" advAuto="0" spid="481" grpId="37"/>
+      <p:bldP build="whole" bldLvl="1" animBg="1" rev="0" advAuto="0" spid="420" grpId="14"/>
+      <p:bldP build="whole" bldLvl="1" animBg="1" rev="0" advAuto="0" spid="469" grpId="23"/>
+      <p:bldP build="whole" bldLvl="1" animBg="1" rev="0" advAuto="0" spid="451" grpId="11"/>
     </p:bldLst>
   </p:timing>
 </p:sld>
@@ -27426,14 +27508,14 @@
       </p:par>
     </p:tnLst>
     <p:bldLst>
+      <p:bldP build="whole" bldLvl="1" animBg="1" rev="0" advAuto="0" spid="529" grpId="6"/>
+      <p:bldP build="whole" bldLvl="1" animBg="1" rev="0" advAuto="0" spid="526" grpId="8"/>
+      <p:bldP build="whole" bldLvl="1" animBg="1" rev="0" advAuto="0" spid="519" grpId="3"/>
+      <p:bldP build="whole" bldLvl="1" animBg="1" rev="0" advAuto="0" spid="527" grpId="4"/>
       <p:bldP build="whole" bldLvl="1" animBg="1" rev="0" advAuto="0" spid="522" grpId="1"/>
-      <p:bldP build="whole" bldLvl="1" animBg="1" rev="0" advAuto="0" spid="519" grpId="3"/>
-      <p:bldP build="whole" bldLvl="1" animBg="1" rev="0" advAuto="0" spid="529" grpId="6"/>
       <p:bldP build="whole" bldLvl="1" animBg="1" rev="0" advAuto="0" spid="531" grpId="2"/>
+      <p:bldP build="whole" bldLvl="1" animBg="1" rev="0" advAuto="0" spid="516" grpId="5"/>
       <p:bldP build="whole" bldLvl="1" animBg="1" rev="0" advAuto="0" spid="526" grpId="7"/>
-      <p:bldP build="whole" bldLvl="1" animBg="1" rev="0" advAuto="0" spid="526" grpId="8"/>
-      <p:bldP build="whole" bldLvl="1" animBg="1" rev="0" advAuto="0" spid="527" grpId="4"/>
-      <p:bldP build="whole" bldLvl="1" animBg="1" rev="0" advAuto="0" spid="516" grpId="5"/>
     </p:bldLst>
   </p:timing>
 </p:sld>
@@ -29137,13 +29219,13 @@
       </p:par>
     </p:tnLst>
     <p:bldLst>
+      <p:bldP build="whole" bldLvl="1" animBg="1" rev="0" advAuto="0" spid="543" grpId="3"/>
+      <p:bldP build="whole" bldLvl="1" animBg="1" rev="0" advAuto="0" spid="551" grpId="6"/>
+      <p:bldP build="whole" bldLvl="1" animBg="1" rev="0" advAuto="0" spid="547" grpId="5"/>
+      <p:bldP build="whole" bldLvl="1" animBg="1" rev="0" advAuto="0" spid="558" grpId="1"/>
       <p:bldP build="whole" bldLvl="1" animBg="1" rev="0" advAuto="0" spid="555" grpId="7"/>
-      <p:bldP build="whole" bldLvl="1" animBg="1" rev="0" advAuto="0" spid="558" grpId="1"/>
-      <p:bldP build="whole" bldLvl="1" animBg="1" rev="0" advAuto="0" spid="543" grpId="3"/>
-      <p:bldP build="whole" bldLvl="1" animBg="1" rev="0" advAuto="0" spid="547" grpId="5"/>
+      <p:bldP build="whole" bldLvl="1" animBg="1" rev="0" advAuto="0" spid="561" grpId="4"/>
       <p:bldP build="whole" bldLvl="1" animBg="1" rev="0" advAuto="0" spid="539" grpId="2"/>
-      <p:bldP build="whole" bldLvl="1" animBg="1" rev="0" advAuto="0" spid="561" grpId="4"/>
-      <p:bldP build="whole" bldLvl="1" animBg="1" rev="0" advAuto="0" spid="551" grpId="6"/>
     </p:bldLst>
   </p:timing>
 </p:sld>

--- a/packages/Packages.pptx
+++ b/packages/Packages.pptx
@@ -20,6 +20,7 @@
     <p:sldId id="265" r:id="rId17"/>
     <p:sldId id="266" r:id="rId18"/>
     <p:sldId id="267" r:id="rId19"/>
+    <p:sldId id="268" r:id="rId20"/>
   </p:sldIdLst>
   <p:sldSz cx="24384000" cy="13716000"/>
   <p:notesSz cx="6858000" cy="9144000"/>
@@ -6516,13 +6517,13 @@
       </p:par>
     </p:tnLst>
     <p:bldLst>
+      <p:bldP build="whole" bldLvl="1" animBg="1" rev="0" advAuto="0" spid="577" grpId="5"/>
+      <p:bldP build="whole" bldLvl="1" animBg="1" rev="0" advAuto="0" spid="570" grpId="4"/>
       <p:bldP build="whole" bldLvl="1" animBg="1" rev="0" advAuto="0" spid="579" grpId="6"/>
-      <p:bldP build="whole" bldLvl="1" animBg="1" rev="0" advAuto="0" spid="577" grpId="5"/>
+      <p:bldP build="whole" bldLvl="1" animBg="1" rev="0" advAuto="0" spid="579" grpId="7"/>
       <p:bldP build="whole" bldLvl="1" animBg="1" rev="0" advAuto="0" spid="567" grpId="2"/>
-      <p:bldP build="whole" bldLvl="1" animBg="1" rev="0" advAuto="0" spid="579" grpId="7"/>
+      <p:bldP build="whole" bldLvl="1" animBg="1" rev="0" advAuto="0" spid="576" grpId="3"/>
       <p:bldP build="whole" bldLvl="1" animBg="1" rev="0" advAuto="0" spid="573" grpId="1"/>
-      <p:bldP build="whole" bldLvl="1" animBg="1" rev="0" advAuto="0" spid="576" grpId="3"/>
-      <p:bldP build="whole" bldLvl="1" animBg="1" rev="0" advAuto="0" spid="570" grpId="4"/>
     </p:bldLst>
   </p:timing>
 </p:sld>
@@ -6722,7 +6723,7 @@
         <p:spPr>
           <a:xfrm>
             <a:off x="2198371" y="5872162"/>
-            <a:ext cx="9411374" cy="1971676"/>
+            <a:ext cx="13713829" cy="1971676"/>
           </a:xfrm>
           <a:prstGeom prst="rect">
             <a:avLst/>
@@ -6768,21 +6769,21 @@
               </a:defRPr>
             </a:pPr>
             <a:r>
-              <a:t>of the same package</a:t>
+              <a:t>of the same package &amp; outside the package</a:t>
             </a:r>
           </a:p>
         </p:txBody>
       </p:sp>
       <p:sp>
         <p:nvSpPr>
-          <p:cNvPr id="586" name="Visible &amp; accessible inside the package, and…"/>
+          <p:cNvPr id="586" name="Visible &amp; accessible inside all files of the…"/>
           <p:cNvSpPr txBox="1"/>
           <p:nvPr/>
         </p:nvSpPr>
         <p:spPr>
           <a:xfrm>
             <a:off x="2198371" y="10117210"/>
-            <a:ext cx="14063168" cy="1971676"/>
+            <a:ext cx="13884796" cy="1971676"/>
           </a:xfrm>
           <a:prstGeom prst="rect">
             <a:avLst/>
@@ -6813,7 +6814,7 @@
               </a:defRPr>
             </a:pPr>
             <a:r>
-              <a:t>Visible &amp; accessible inside the package, and </a:t>
+              <a:t>Visible &amp; accessible inside all files of the</a:t>
             </a:r>
           </a:p>
           <a:p>
@@ -6828,7 +6829,7 @@
               </a:defRPr>
             </a:pPr>
             <a:r>
-              <a:t>inaccessible outside of it</a:t>
+              <a:t>same package, and inaccessible outside of it</a:t>
             </a:r>
           </a:p>
         </p:txBody>
@@ -6842,7 +6843,7 @@
         <p:spPr>
           <a:xfrm>
             <a:off x="2243566" y="5729320"/>
-            <a:ext cx="9411375" cy="204964"/>
+            <a:ext cx="14081836" cy="204964"/>
           </a:xfrm>
           <a:prstGeom prst="rect">
             <a:avLst/>
@@ -6887,7 +6888,7 @@
         <p:spPr>
           <a:xfrm>
             <a:off x="2243566" y="9874636"/>
-            <a:ext cx="13972778" cy="204965"/>
+            <a:ext cx="14081836" cy="204965"/>
           </a:xfrm>
           <a:prstGeom prst="rect">
             <a:avLst/>
@@ -7392,12 +7393,12 @@
       </p:par>
     </p:tnLst>
     <p:bldLst>
+      <p:bldP build="whole" bldLvl="1" animBg="1" rev="0" advAuto="0" spid="587" grpId="2"/>
+      <p:bldP build="whole" bldLvl="1" animBg="1" rev="0" advAuto="0" spid="583" grpId="1"/>
       <p:bldP build="whole" bldLvl="1" animBg="1" rev="0" advAuto="0" spid="585" grpId="3"/>
-      <p:bldP build="whole" bldLvl="1" animBg="1" rev="0" advAuto="0" spid="587" grpId="2"/>
       <p:bldP build="whole" bldLvl="1" animBg="1" rev="0" advAuto="0" spid="584" grpId="4"/>
+      <p:bldP build="whole" bldLvl="1" animBg="1" rev="0" advAuto="0" spid="586" grpId="6"/>
       <p:bldP build="whole" bldLvl="1" animBg="1" rev="0" advAuto="0" spid="588" grpId="5"/>
-      <p:bldP build="whole" bldLvl="1" animBg="1" rev="0" advAuto="0" spid="586" grpId="6"/>
-      <p:bldP build="whole" bldLvl="1" animBg="1" rev="0" advAuto="0" spid="583" grpId="1"/>
     </p:bldLst>
   </p:timing>
 </p:sld>
@@ -8997,20 +8998,1426 @@
       </p:par>
     </p:tnLst>
     <p:bldLst>
+      <p:bldP build="whole" bldLvl="1" animBg="1" rev="0" advAuto="0" spid="605" grpId="5"/>
+      <p:bldP build="whole" bldLvl="1" animBg="1" rev="0" advAuto="0" spid="608" grpId="3"/>
+      <p:bldP build="whole" bldLvl="1" animBg="1" rev="0" advAuto="0" spid="607" grpId="10"/>
+      <p:bldP build="whole" bldLvl="1" animBg="1" rev="0" advAuto="0" spid="600" grpId="14"/>
+      <p:bldP build="whole" bldLvl="1" animBg="1" rev="0" advAuto="0" spid="604" grpId="2"/>
+      <p:bldP build="whole" bldLvl="1" animBg="1" rev="0" advAuto="0" spid="598" grpId="4"/>
+      <p:bldP build="whole" bldLvl="1" animBg="1" rev="0" advAuto="0" spid="612" grpId="6"/>
+      <p:bldP build="whole" bldLvl="1" animBg="1" rev="0" advAuto="0" spid="614" grpId="9"/>
       <p:bldP build="whole" bldLvl="1" animBg="1" rev="0" advAuto="0" spid="597" grpId="1"/>
-      <p:bldP build="whole" bldLvl="1" animBg="1" rev="0" advAuto="0" spid="600" grpId="14"/>
       <p:bldP build="whole" bldLvl="1" animBg="1" rev="0" advAuto="0" spid="606" grpId="7"/>
-      <p:bldP build="whole" bldLvl="1" animBg="1" rev="0" advAuto="0" spid="598" grpId="4"/>
+      <p:bldP build="whole" bldLvl="1" animBg="1" rev="0" advAuto="0" spid="610" grpId="12"/>
+      <p:bldP build="whole" bldLvl="1" animBg="1" rev="0" advAuto="0" spid="599" grpId="13"/>
       <p:bldP build="whole" bldLvl="1" animBg="1" rev="0" advAuto="0" spid="616" grpId="8"/>
-      <p:bldP build="whole" bldLvl="1" animBg="1" rev="0" advAuto="0" spid="607" grpId="10"/>
       <p:bldP build="whole" bldLvl="1" animBg="1" rev="0" advAuto="0" spid="617" grpId="11"/>
-      <p:bldP build="whole" bldLvl="1" animBg="1" rev="0" advAuto="0" spid="608" grpId="3"/>
-      <p:bldP build="whole" bldLvl="1" animBg="1" rev="0" advAuto="0" spid="610" grpId="12"/>
-      <p:bldP build="whole" bldLvl="1" animBg="1" rev="0" advAuto="0" spid="612" grpId="6"/>
-      <p:bldP build="whole" bldLvl="1" animBg="1" rev="0" advAuto="0" spid="599" grpId="13"/>
-      <p:bldP build="whole" bldLvl="1" animBg="1" rev="0" advAuto="0" spid="604" grpId="2"/>
-      <p:bldP build="whole" bldLvl="1" animBg="1" rev="0" advAuto="0" spid="605" grpId="5"/>
-      <p:bldP build="whole" bldLvl="1" animBg="1" rev="0" advAuto="0" spid="614" grpId="9"/>
+    </p:bldLst>
+  </p:timing>
+</p:sld>
+</file>
+
+<file path=ppt/slides/slide13.xml><?xml version="1.0" encoding="utf-8"?>
+<p:sld xmlns:a="http://schemas.openxmlformats.org/drawingml/2006/main" xmlns:r="http://schemas.openxmlformats.org/officeDocument/2006/relationships" xmlns:p="http://schemas.openxmlformats.org/presentationml/2006/main" xmlns:m="http://schemas.openxmlformats.org/officeDocument/2006/math" xmlns:a14="http://schemas.microsoft.com/office/drawing/2010/main" showMasterSp="1" showMasterPhAnim="1">
+  <p:cSld>
+    <p:bg>
+      <p:bgPr>
+        <a:solidFill>
+          <a:srgbClr val="002833"/>
+        </a:solidFill>
+      </p:bgPr>
+    </p:bg>
+    <p:spTree>
+      <p:nvGrpSpPr>
+        <p:cNvPr id="1" name=""/>
+        <p:cNvGrpSpPr/>
+        <p:nvPr/>
+      </p:nvGrpSpPr>
+      <p:grpSpPr>
+        <a:xfrm>
+          <a:off x="0" y="0"/>
+          <a:ext cx="0" cy="0"/>
+          <a:chOff x="0" y="0"/>
+          <a:chExt cx="0" cy="0"/>
+        </a:xfrm>
+      </p:grpSpPr>
+      <p:sp>
+        <p:nvSpPr>
+          <p:cNvPr id="619" name="Title 6"/>
+          <p:cNvSpPr txBox="1"/>
+          <p:nvPr>
+            <p:ph type="title"/>
+          </p:nvPr>
+        </p:nvSpPr>
+        <p:spPr>
+          <a:xfrm>
+            <a:off x="7106129" y="1119893"/>
+            <a:ext cx="10171742" cy="1288881"/>
+          </a:xfrm>
+          <a:prstGeom prst="rect">
+            <a:avLst/>
+          </a:prstGeom>
+        </p:spPr>
+        <p:txBody>
+          <a:bodyPr/>
+          <a:lstStyle>
+            <a:lvl1pPr algn="ctr">
+              <a:defRPr sz="8000">
+                <a:solidFill>
+                  <a:srgbClr val="66C2FF"/>
+                </a:solidFill>
+              </a:defRPr>
+            </a:lvl1pPr>
+          </a:lstStyle>
+          <a:p>
+            <a:pPr/>
+            <a:r>
+              <a:t>Special directories</a:t>
+            </a:r>
+          </a:p>
+        </p:txBody>
+      </p:sp>
+      <p:pic>
+        <p:nvPicPr>
+          <p:cNvPr id="620" name="cubes.png" descr="cubes.png"/>
+          <p:cNvPicPr>
+            <a:picLocks noChangeAspect="1"/>
+          </p:cNvPicPr>
+          <p:nvPr/>
+        </p:nvPicPr>
+        <p:blipFill>
+          <a:blip r:embed="rId2">
+            <a:extLst/>
+          </a:blip>
+          <a:stretch>
+            <a:fillRect/>
+          </a:stretch>
+        </p:blipFill>
+        <p:spPr>
+          <a:xfrm>
+            <a:off x="20320000" y="3175000"/>
+            <a:ext cx="1905000" cy="1905000"/>
+          </a:xfrm>
+          <a:prstGeom prst="rect">
+            <a:avLst/>
+          </a:prstGeom>
+          <a:ln w="12700">
+            <a:miter lim="400000"/>
+          </a:ln>
+        </p:spPr>
+      </p:pic>
+      <p:grpSp>
+        <p:nvGrpSpPr>
+          <p:cNvPr id="623" name="Group"/>
+          <p:cNvGrpSpPr/>
+          <p:nvPr/>
+        </p:nvGrpSpPr>
+        <p:grpSpPr>
+          <a:xfrm>
+            <a:off x="1270000" y="3030639"/>
+            <a:ext cx="2160530" cy="1631514"/>
+            <a:chOff x="0" y="0"/>
+            <a:chExt cx="2160529" cy="1631512"/>
+          </a:xfrm>
+        </p:grpSpPr>
+        <p:pic>
+          <p:nvPicPr>
+            <p:cNvPr id="621" name="folder.png" descr="folder.png"/>
+            <p:cNvPicPr>
+              <a:picLocks noChangeAspect="1"/>
+            </p:cNvPicPr>
+            <p:nvPr/>
+          </p:nvPicPr>
+          <p:blipFill>
+            <a:blip r:embed="rId3">
+              <a:extLst/>
+            </a:blip>
+            <a:stretch>
+              <a:fillRect/>
+            </a:stretch>
+          </p:blipFill>
+          <p:spPr>
+            <a:xfrm>
+              <a:off x="0" y="0"/>
+              <a:ext cx="723026" cy="723026"/>
+            </a:xfrm>
+            <a:prstGeom prst="rect">
+              <a:avLst/>
+            </a:prstGeom>
+            <a:ln w="12700" cap="flat">
+              <a:noFill/>
+              <a:miter lim="400000"/>
+            </a:ln>
+            <a:effectLst/>
+          </p:spPr>
+        </p:pic>
+        <p:sp>
+          <p:nvSpPr>
+            <p:cNvPr id="622" name="vendor"/>
+            <p:cNvSpPr/>
+            <p:nvPr/>
+          </p:nvSpPr>
+          <p:spPr>
+            <a:xfrm>
+              <a:off x="890529" y="361512"/>
+              <a:ext cx="1270001" cy="1270001"/>
+            </a:xfrm>
+            <a:prstGeom prst="line">
+              <a:avLst/>
+            </a:prstGeom>
+            <a:noFill/>
+            <a:ln w="12700" cap="flat">
+              <a:noFill/>
+              <a:miter lim="400000"/>
+            </a:ln>
+            <a:effectLst/>
+            <a:extLst>
+              <a:ext uri="{C572A759-6A51-4108-AA02-DFA0A04FC94B}">
+                <ma14:wrappingTextBoxFlag xmlns:ma14="http://schemas.microsoft.com/office/mac/drawingml/2011/main" val="1"/>
+              </a:ext>
+            </a:extLst>
+          </p:spPr>
+          <p:txBody>
+            <a:bodyPr wrap="none" lIns="71437" tIns="71437" rIns="71437" bIns="71437" numCol="1" anchor="ctr">
+              <a:spAutoFit/>
+            </a:bodyPr>
+            <a:lstStyle>
+              <a:lvl1pPr>
+                <a:defRPr>
+                  <a:solidFill>
+                    <a:srgbClr val="FFFFFF"/>
+                  </a:solidFill>
+                  <a:latin typeface="Meslo LG M for Powerline"/>
+                  <a:ea typeface="Meslo LG M for Powerline"/>
+                  <a:cs typeface="Meslo LG M for Powerline"/>
+                  <a:sym typeface="Meslo LG M for Powerline"/>
+                </a:defRPr>
+              </a:lvl1pPr>
+            </a:lstStyle>
+            <a:p>
+              <a:pPr/>
+              <a:r>
+                <a:t>vendor</a:t>
+              </a:r>
+            </a:p>
+          </p:txBody>
+        </p:sp>
+      </p:grpSp>
+      <p:grpSp>
+        <p:nvGrpSpPr>
+          <p:cNvPr id="626" name="Group"/>
+          <p:cNvGrpSpPr/>
+          <p:nvPr/>
+        </p:nvGrpSpPr>
+        <p:grpSpPr>
+          <a:xfrm>
+            <a:off x="1270000" y="6591338"/>
+            <a:ext cx="2160530" cy="1631513"/>
+            <a:chOff x="0" y="0"/>
+            <a:chExt cx="2160529" cy="1631512"/>
+          </a:xfrm>
+        </p:grpSpPr>
+        <p:pic>
+          <p:nvPicPr>
+            <p:cNvPr id="624" name="folder.png" descr="folder.png"/>
+            <p:cNvPicPr>
+              <a:picLocks noChangeAspect="1"/>
+            </p:cNvPicPr>
+            <p:nvPr/>
+          </p:nvPicPr>
+          <p:blipFill>
+            <a:blip r:embed="rId3">
+              <a:extLst/>
+            </a:blip>
+            <a:stretch>
+              <a:fillRect/>
+            </a:stretch>
+          </p:blipFill>
+          <p:spPr>
+            <a:xfrm>
+              <a:off x="0" y="0"/>
+              <a:ext cx="723026" cy="723026"/>
+            </a:xfrm>
+            <a:prstGeom prst="rect">
+              <a:avLst/>
+            </a:prstGeom>
+            <a:ln w="12700" cap="flat">
+              <a:noFill/>
+              <a:miter lim="400000"/>
+            </a:ln>
+            <a:effectLst/>
+          </p:spPr>
+        </p:pic>
+        <p:sp>
+          <p:nvSpPr>
+            <p:cNvPr id="625" name="pkg"/>
+            <p:cNvSpPr/>
+            <p:nvPr/>
+          </p:nvSpPr>
+          <p:spPr>
+            <a:xfrm>
+              <a:off x="890529" y="361512"/>
+              <a:ext cx="1270001" cy="1270001"/>
+            </a:xfrm>
+            <a:prstGeom prst="line">
+              <a:avLst/>
+            </a:prstGeom>
+            <a:noFill/>
+            <a:ln w="12700" cap="flat">
+              <a:noFill/>
+              <a:miter lim="400000"/>
+            </a:ln>
+            <a:effectLst/>
+            <a:extLst>
+              <a:ext uri="{C572A759-6A51-4108-AA02-DFA0A04FC94B}">
+                <ma14:wrappingTextBoxFlag xmlns:ma14="http://schemas.microsoft.com/office/mac/drawingml/2011/main" val="1"/>
+              </a:ext>
+            </a:extLst>
+          </p:spPr>
+          <p:txBody>
+            <a:bodyPr wrap="none" lIns="71437" tIns="71437" rIns="71437" bIns="71437" numCol="1" anchor="ctr">
+              <a:spAutoFit/>
+            </a:bodyPr>
+            <a:lstStyle>
+              <a:lvl1pPr>
+                <a:defRPr>
+                  <a:solidFill>
+                    <a:srgbClr val="FFFFFF"/>
+                  </a:solidFill>
+                  <a:latin typeface="Meslo LG M for Powerline"/>
+                  <a:ea typeface="Meslo LG M for Powerline"/>
+                  <a:cs typeface="Meslo LG M for Powerline"/>
+                  <a:sym typeface="Meslo LG M for Powerline"/>
+                </a:defRPr>
+              </a:lvl1pPr>
+            </a:lstStyle>
+            <a:p>
+              <a:pPr/>
+              <a:r>
+                <a:t>pkg</a:t>
+              </a:r>
+            </a:p>
+          </p:txBody>
+        </p:sp>
+      </p:grpSp>
+      <p:grpSp>
+        <p:nvGrpSpPr>
+          <p:cNvPr id="629" name="Group"/>
+          <p:cNvGrpSpPr/>
+          <p:nvPr/>
+        </p:nvGrpSpPr>
+        <p:grpSpPr>
+          <a:xfrm>
+            <a:off x="1269999" y="4053066"/>
+            <a:ext cx="2160531" cy="1631514"/>
+            <a:chOff x="0" y="0"/>
+            <a:chExt cx="2160529" cy="1631512"/>
+          </a:xfrm>
+        </p:grpSpPr>
+        <p:pic>
+          <p:nvPicPr>
+            <p:cNvPr id="627" name="folder.png" descr="folder.png"/>
+            <p:cNvPicPr>
+              <a:picLocks noChangeAspect="1"/>
+            </p:cNvPicPr>
+            <p:nvPr/>
+          </p:nvPicPr>
+          <p:blipFill>
+            <a:blip r:embed="rId3">
+              <a:extLst/>
+            </a:blip>
+            <a:stretch>
+              <a:fillRect/>
+            </a:stretch>
+          </p:blipFill>
+          <p:spPr>
+            <a:xfrm>
+              <a:off x="0" y="0"/>
+              <a:ext cx="723026" cy="723026"/>
+            </a:xfrm>
+            <a:prstGeom prst="rect">
+              <a:avLst/>
+            </a:prstGeom>
+            <a:ln w="12700" cap="flat">
+              <a:noFill/>
+              <a:miter lim="400000"/>
+            </a:ln>
+            <a:effectLst/>
+          </p:spPr>
+        </p:pic>
+        <p:sp>
+          <p:nvSpPr>
+            <p:cNvPr id="628" name="internal"/>
+            <p:cNvSpPr/>
+            <p:nvPr/>
+          </p:nvSpPr>
+          <p:spPr>
+            <a:xfrm>
+              <a:off x="890529" y="361512"/>
+              <a:ext cx="1270001" cy="1270001"/>
+            </a:xfrm>
+            <a:prstGeom prst="line">
+              <a:avLst/>
+            </a:prstGeom>
+            <a:noFill/>
+            <a:ln w="12700" cap="flat">
+              <a:noFill/>
+              <a:miter lim="400000"/>
+            </a:ln>
+            <a:effectLst/>
+            <a:extLst>
+              <a:ext uri="{C572A759-6A51-4108-AA02-DFA0A04FC94B}">
+                <ma14:wrappingTextBoxFlag xmlns:ma14="http://schemas.microsoft.com/office/mac/drawingml/2011/main" val="1"/>
+              </a:ext>
+            </a:extLst>
+          </p:spPr>
+          <p:txBody>
+            <a:bodyPr wrap="none" lIns="71437" tIns="71437" rIns="71437" bIns="71437" numCol="1" anchor="ctr">
+              <a:spAutoFit/>
+            </a:bodyPr>
+            <a:lstStyle>
+              <a:lvl1pPr>
+                <a:defRPr>
+                  <a:solidFill>
+                    <a:srgbClr val="FFFFFF"/>
+                  </a:solidFill>
+                  <a:latin typeface="Meslo LG M for Powerline"/>
+                  <a:ea typeface="Meslo LG M for Powerline"/>
+                  <a:cs typeface="Meslo LG M for Powerline"/>
+                  <a:sym typeface="Meslo LG M for Powerline"/>
+                </a:defRPr>
+              </a:lvl1pPr>
+            </a:lstStyle>
+            <a:p>
+              <a:pPr/>
+              <a:r>
+                <a:t>internal</a:t>
+              </a:r>
+            </a:p>
+          </p:txBody>
+        </p:sp>
+      </p:grpSp>
+      <p:grpSp>
+        <p:nvGrpSpPr>
+          <p:cNvPr id="632" name="Group"/>
+          <p:cNvGrpSpPr/>
+          <p:nvPr/>
+        </p:nvGrpSpPr>
+        <p:grpSpPr>
+          <a:xfrm>
+            <a:off x="1270000" y="7700543"/>
+            <a:ext cx="2160530" cy="1631514"/>
+            <a:chOff x="0" y="0"/>
+            <a:chExt cx="2160529" cy="1631512"/>
+          </a:xfrm>
+        </p:grpSpPr>
+        <p:pic>
+          <p:nvPicPr>
+            <p:cNvPr id="630" name="folder.png" descr="folder.png"/>
+            <p:cNvPicPr>
+              <a:picLocks noChangeAspect="1"/>
+            </p:cNvPicPr>
+            <p:nvPr/>
+          </p:nvPicPr>
+          <p:blipFill>
+            <a:blip r:embed="rId3">
+              <a:extLst/>
+            </a:blip>
+            <a:stretch>
+              <a:fillRect/>
+            </a:stretch>
+          </p:blipFill>
+          <p:spPr>
+            <a:xfrm>
+              <a:off x="0" y="0"/>
+              <a:ext cx="723026" cy="723026"/>
+            </a:xfrm>
+            <a:prstGeom prst="rect">
+              <a:avLst/>
+            </a:prstGeom>
+            <a:ln w="12700" cap="flat">
+              <a:noFill/>
+              <a:miter lim="400000"/>
+            </a:ln>
+            <a:effectLst/>
+          </p:spPr>
+        </p:pic>
+        <p:sp>
+          <p:nvSpPr>
+            <p:cNvPr id="631" name="cmd"/>
+            <p:cNvSpPr/>
+            <p:nvPr/>
+          </p:nvSpPr>
+          <p:spPr>
+            <a:xfrm>
+              <a:off x="890529" y="361512"/>
+              <a:ext cx="1270001" cy="1270001"/>
+            </a:xfrm>
+            <a:prstGeom prst="line">
+              <a:avLst/>
+            </a:prstGeom>
+            <a:noFill/>
+            <a:ln w="12700" cap="flat">
+              <a:noFill/>
+              <a:miter lim="400000"/>
+            </a:ln>
+            <a:effectLst/>
+            <a:extLst>
+              <a:ext uri="{C572A759-6A51-4108-AA02-DFA0A04FC94B}">
+                <ma14:wrappingTextBoxFlag xmlns:ma14="http://schemas.microsoft.com/office/mac/drawingml/2011/main" val="1"/>
+              </a:ext>
+            </a:extLst>
+          </p:spPr>
+          <p:txBody>
+            <a:bodyPr wrap="none" lIns="71437" tIns="71437" rIns="71437" bIns="71437" numCol="1" anchor="ctr">
+              <a:spAutoFit/>
+            </a:bodyPr>
+            <a:lstStyle>
+              <a:lvl1pPr>
+                <a:defRPr>
+                  <a:solidFill>
+                    <a:srgbClr val="FFFFFF"/>
+                  </a:solidFill>
+                  <a:latin typeface="Meslo LG M for Powerline"/>
+                  <a:ea typeface="Meslo LG M for Powerline"/>
+                  <a:cs typeface="Meslo LG M for Powerline"/>
+                  <a:sym typeface="Meslo LG M for Powerline"/>
+                </a:defRPr>
+              </a:lvl1pPr>
+            </a:lstStyle>
+            <a:p>
+              <a:pPr/>
+              <a:r>
+                <a:t>cmd</a:t>
+              </a:r>
+            </a:p>
+          </p:txBody>
+        </p:sp>
+      </p:grpSp>
+      <p:grpSp>
+        <p:nvGrpSpPr>
+          <p:cNvPr id="635" name="Group"/>
+          <p:cNvGrpSpPr/>
+          <p:nvPr/>
+        </p:nvGrpSpPr>
+        <p:grpSpPr>
+          <a:xfrm>
+            <a:off x="1269999" y="8809749"/>
+            <a:ext cx="2160531" cy="1631513"/>
+            <a:chOff x="0" y="0"/>
+            <a:chExt cx="2160529" cy="1631512"/>
+          </a:xfrm>
+        </p:grpSpPr>
+        <p:pic>
+          <p:nvPicPr>
+            <p:cNvPr id="633" name="folder.png" descr="folder.png"/>
+            <p:cNvPicPr>
+              <a:picLocks noChangeAspect="1"/>
+            </p:cNvPicPr>
+            <p:nvPr/>
+          </p:nvPicPr>
+          <p:blipFill>
+            <a:blip r:embed="rId3">
+              <a:extLst/>
+            </a:blip>
+            <a:stretch>
+              <a:fillRect/>
+            </a:stretch>
+          </p:blipFill>
+          <p:spPr>
+            <a:xfrm>
+              <a:off x="0" y="0"/>
+              <a:ext cx="723026" cy="723026"/>
+            </a:xfrm>
+            <a:prstGeom prst="rect">
+              <a:avLst/>
+            </a:prstGeom>
+            <a:ln w="12700" cap="flat">
+              <a:noFill/>
+              <a:miter lim="400000"/>
+            </a:ln>
+            <a:effectLst/>
+          </p:spPr>
+        </p:pic>
+        <p:sp>
+          <p:nvSpPr>
+            <p:cNvPr id="634" name=".dir"/>
+            <p:cNvSpPr/>
+            <p:nvPr/>
+          </p:nvSpPr>
+          <p:spPr>
+            <a:xfrm>
+              <a:off x="890529" y="361512"/>
+              <a:ext cx="1270001" cy="1270001"/>
+            </a:xfrm>
+            <a:prstGeom prst="line">
+              <a:avLst/>
+            </a:prstGeom>
+            <a:noFill/>
+            <a:ln w="12700" cap="flat">
+              <a:noFill/>
+              <a:miter lim="400000"/>
+            </a:ln>
+            <a:effectLst/>
+            <a:extLst>
+              <a:ext uri="{C572A759-6A51-4108-AA02-DFA0A04FC94B}">
+                <ma14:wrappingTextBoxFlag xmlns:ma14="http://schemas.microsoft.com/office/mac/drawingml/2011/main" val="1"/>
+              </a:ext>
+            </a:extLst>
+          </p:spPr>
+          <p:txBody>
+            <a:bodyPr wrap="none" lIns="71437" tIns="71437" rIns="71437" bIns="71437" numCol="1" anchor="ctr">
+              <a:spAutoFit/>
+            </a:bodyPr>
+            <a:lstStyle>
+              <a:lvl1pPr>
+                <a:defRPr>
+                  <a:solidFill>
+                    <a:srgbClr val="FFFFFF"/>
+                  </a:solidFill>
+                  <a:latin typeface="Meslo LG M for Powerline"/>
+                  <a:ea typeface="Meslo LG M for Powerline"/>
+                  <a:cs typeface="Meslo LG M for Powerline"/>
+                  <a:sym typeface="Meslo LG M for Powerline"/>
+                </a:defRPr>
+              </a:lvl1pPr>
+            </a:lstStyle>
+            <a:p>
+              <a:pPr/>
+              <a:r>
+                <a:t>.dir</a:t>
+              </a:r>
+            </a:p>
+          </p:txBody>
+        </p:sp>
+      </p:grpSp>
+      <p:grpSp>
+        <p:nvGrpSpPr>
+          <p:cNvPr id="638" name="Group"/>
+          <p:cNvGrpSpPr/>
+          <p:nvPr/>
+        </p:nvGrpSpPr>
+        <p:grpSpPr>
+          <a:xfrm>
+            <a:off x="3522148" y="8809749"/>
+            <a:ext cx="2160530" cy="1631513"/>
+            <a:chOff x="0" y="0"/>
+            <a:chExt cx="2160529" cy="1631512"/>
+          </a:xfrm>
+        </p:grpSpPr>
+        <p:pic>
+          <p:nvPicPr>
+            <p:cNvPr id="636" name="folder.png" descr="folder.png"/>
+            <p:cNvPicPr>
+              <a:picLocks noChangeAspect="1"/>
+            </p:cNvPicPr>
+            <p:nvPr/>
+          </p:nvPicPr>
+          <p:blipFill>
+            <a:blip r:embed="rId3">
+              <a:extLst/>
+            </a:blip>
+            <a:stretch>
+              <a:fillRect/>
+            </a:stretch>
+          </p:blipFill>
+          <p:spPr>
+            <a:xfrm>
+              <a:off x="0" y="0"/>
+              <a:ext cx="723026" cy="723026"/>
+            </a:xfrm>
+            <a:prstGeom prst="rect">
+              <a:avLst/>
+            </a:prstGeom>
+            <a:ln w="12700" cap="flat">
+              <a:noFill/>
+              <a:miter lim="400000"/>
+            </a:ln>
+            <a:effectLst/>
+          </p:spPr>
+        </p:pic>
+        <p:sp>
+          <p:nvSpPr>
+            <p:cNvPr id="637" name="_dir"/>
+            <p:cNvSpPr/>
+            <p:nvPr/>
+          </p:nvSpPr>
+          <p:spPr>
+            <a:xfrm>
+              <a:off x="890529" y="361512"/>
+              <a:ext cx="1270001" cy="1270001"/>
+            </a:xfrm>
+            <a:prstGeom prst="line">
+              <a:avLst/>
+            </a:prstGeom>
+            <a:noFill/>
+            <a:ln w="12700" cap="flat">
+              <a:noFill/>
+              <a:miter lim="400000"/>
+            </a:ln>
+            <a:effectLst/>
+            <a:extLst>
+              <a:ext uri="{C572A759-6A51-4108-AA02-DFA0A04FC94B}">
+                <ma14:wrappingTextBoxFlag xmlns:ma14="http://schemas.microsoft.com/office/mac/drawingml/2011/main" val="1"/>
+              </a:ext>
+            </a:extLst>
+          </p:spPr>
+          <p:txBody>
+            <a:bodyPr wrap="none" lIns="71437" tIns="71437" rIns="71437" bIns="71437" numCol="1" anchor="ctr">
+              <a:spAutoFit/>
+            </a:bodyPr>
+            <a:lstStyle>
+              <a:lvl1pPr>
+                <a:defRPr>
+                  <a:solidFill>
+                    <a:srgbClr val="FFFFFF"/>
+                  </a:solidFill>
+                  <a:latin typeface="Meslo LG M for Powerline"/>
+                  <a:ea typeface="Meslo LG M for Powerline"/>
+                  <a:cs typeface="Meslo LG M for Powerline"/>
+                  <a:sym typeface="Meslo LG M for Powerline"/>
+                </a:defRPr>
+              </a:lvl1pPr>
+            </a:lstStyle>
+            <a:p>
+              <a:pPr/>
+              <a:r>
+                <a:t>_dir</a:t>
+              </a:r>
+            </a:p>
+          </p:txBody>
+        </p:sp>
+      </p:grpSp>
+      <p:grpSp>
+        <p:nvGrpSpPr>
+          <p:cNvPr id="641" name="Group"/>
+          <p:cNvGrpSpPr/>
+          <p:nvPr/>
+        </p:nvGrpSpPr>
+        <p:grpSpPr>
+          <a:xfrm>
+            <a:off x="1270000" y="9918954"/>
+            <a:ext cx="2160530" cy="1631514"/>
+            <a:chOff x="0" y="0"/>
+            <a:chExt cx="2160529" cy="1631512"/>
+          </a:xfrm>
+        </p:grpSpPr>
+        <p:pic>
+          <p:nvPicPr>
+            <p:cNvPr id="639" name="folder.png" descr="folder.png"/>
+            <p:cNvPicPr>
+              <a:picLocks noChangeAspect="1"/>
+            </p:cNvPicPr>
+            <p:nvPr/>
+          </p:nvPicPr>
+          <p:blipFill>
+            <a:blip r:embed="rId3">
+              <a:extLst/>
+            </a:blip>
+            <a:stretch>
+              <a:fillRect/>
+            </a:stretch>
+          </p:blipFill>
+          <p:spPr>
+            <a:xfrm>
+              <a:off x="0" y="0"/>
+              <a:ext cx="723026" cy="723026"/>
+            </a:xfrm>
+            <a:prstGeom prst="rect">
+              <a:avLst/>
+            </a:prstGeom>
+            <a:ln w="12700" cap="flat">
+              <a:noFill/>
+              <a:miter lim="400000"/>
+            </a:ln>
+            <a:effectLst/>
+          </p:spPr>
+        </p:pic>
+        <p:sp>
+          <p:nvSpPr>
+            <p:cNvPr id="640" name="testdata"/>
+            <p:cNvSpPr/>
+            <p:nvPr/>
+          </p:nvSpPr>
+          <p:spPr>
+            <a:xfrm>
+              <a:off x="890529" y="361512"/>
+              <a:ext cx="1270001" cy="1270001"/>
+            </a:xfrm>
+            <a:prstGeom prst="line">
+              <a:avLst/>
+            </a:prstGeom>
+            <a:noFill/>
+            <a:ln w="12700" cap="flat">
+              <a:noFill/>
+              <a:miter lim="400000"/>
+            </a:ln>
+            <a:effectLst/>
+            <a:extLst>
+              <a:ext uri="{C572A759-6A51-4108-AA02-DFA0A04FC94B}">
+                <ma14:wrappingTextBoxFlag xmlns:ma14="http://schemas.microsoft.com/office/mac/drawingml/2011/main" val="1"/>
+              </a:ext>
+            </a:extLst>
+          </p:spPr>
+          <p:txBody>
+            <a:bodyPr wrap="none" lIns="71437" tIns="71437" rIns="71437" bIns="71437" numCol="1" anchor="ctr">
+              <a:spAutoFit/>
+            </a:bodyPr>
+            <a:lstStyle>
+              <a:lvl1pPr>
+                <a:defRPr>
+                  <a:solidFill>
+                    <a:srgbClr val="FFFFFF"/>
+                  </a:solidFill>
+                  <a:latin typeface="Meslo LG M for Powerline"/>
+                  <a:ea typeface="Meslo LG M for Powerline"/>
+                  <a:cs typeface="Meslo LG M for Powerline"/>
+                  <a:sym typeface="Meslo LG M for Powerline"/>
+                </a:defRPr>
+              </a:lvl1pPr>
+            </a:lstStyle>
+            <a:p>
+              <a:pPr/>
+              <a:r>
+                <a:t>testdata</a:t>
+              </a:r>
+            </a:p>
+          </p:txBody>
+        </p:sp>
+      </p:grpSp>
+    </p:spTree>
+  </p:cSld>
+  <p:clrMapOvr>
+    <a:masterClrMapping/>
+  </p:clrMapOvr>
+  <mc:AlternateContent xmlns:mc="http://schemas.openxmlformats.org/markup-compatibility/2006">
+    <mc:Choice xmlns:p14="http://schemas.microsoft.com/office/powerpoint/2010/main" Requires="p14">
+      <p:transition spd="fast" advClick="1" p14:dur="699">
+        <p:push dir="u"/>
+      </p:transition>
+    </mc:Choice>
+    <mc:Fallback>
+      <p:transition spd="fast">
+        <p:fade/>
+      </p:transition>
+    </mc:Fallback>
+  </mc:AlternateContent>
+  <p:timing>
+    <p:tnLst>
+      <p:par>
+        <p:cTn id="1" nodeType="tmRoot" restart="never" dur="indefinite" fill="hold">
+          <p:childTnLst>
+            <p:seq concurrent="1" prevAc="none" nextAc="seek">
+              <p:cTn id="2" nodeType="mainSeq" dur="indefinite" fill="hold">
+                <p:childTnLst>
+                  <p:par>
+                    <p:cTn id="3" fill="hold">
+                      <p:stCondLst>
+                        <p:cond delay="indefinite"/>
+                        <p:cond evt="onBegin">
+                          <p:tn val="2"/>
+                        </p:cond>
+                      </p:stCondLst>
+                      <p:childTnLst>
+                        <p:par>
+                          <p:cTn id="4" fill="hold">
+                            <p:stCondLst>
+                              <p:cond delay="0"/>
+                            </p:stCondLst>
+                            <p:childTnLst>
+                              <p:par>
+                                <p:cTn id="5" presetClass="entr" nodeType="afterEffect" presetSubtype="16" presetID="23" grpId="1" fill="hold">
+                                  <p:stCondLst>
+                                    <p:cond delay="0"/>
+                                  </p:stCondLst>
+                                  <p:iterate type="el" backwards="0">
+                                    <p:tmAbs val="0"/>
+                                  </p:iterate>
+                                  <p:childTnLst>
+                                    <p:set>
+                                      <p:cBhvr>
+                                        <p:cTn id="6" fill="hold"/>
+                                        <p:tgtEl>
+                                          <p:spTgt spid="623"/>
+                                        </p:tgtEl>
+                                        <p:attrNameLst>
+                                          <p:attrName>style.visibility</p:attrName>
+                                        </p:attrNameLst>
+                                      </p:cBhvr>
+                                      <p:to>
+                                        <p:strVal val="visible"/>
+                                      </p:to>
+                                    </p:set>
+                                    <p:anim calcmode="lin" valueType="num">
+                                      <p:cBhvr>
+                                        <p:cTn id="7" dur="600" fill="hold"/>
+                                        <p:tgtEl>
+                                          <p:spTgt spid="623"/>
+                                        </p:tgtEl>
+                                        <p:attrNameLst>
+                                          <p:attrName>ppt_w</p:attrName>
+                                        </p:attrNameLst>
+                                      </p:cBhvr>
+                                      <p:tavLst>
+                                        <p:tav tm="0">
+                                          <p:val>
+                                            <p:fltVal val="0"/>
+                                          </p:val>
+                                        </p:tav>
+                                        <p:tav tm="100000">
+                                          <p:val>
+                                            <p:strVal val="#ppt_w"/>
+                                          </p:val>
+                                        </p:tav>
+                                      </p:tavLst>
+                                    </p:anim>
+                                    <p:anim calcmode="lin" valueType="num">
+                                      <p:cBhvr>
+                                        <p:cTn id="8" dur="600" fill="hold"/>
+                                        <p:tgtEl>
+                                          <p:spTgt spid="623"/>
+                                        </p:tgtEl>
+                                        <p:attrNameLst>
+                                          <p:attrName>ppt_h</p:attrName>
+                                        </p:attrNameLst>
+                                      </p:cBhvr>
+                                      <p:tavLst>
+                                        <p:tav tm="0">
+                                          <p:val>
+                                            <p:fltVal val="0"/>
+                                          </p:val>
+                                        </p:tav>
+                                        <p:tav tm="100000">
+                                          <p:val>
+                                            <p:strVal val="#ppt_h"/>
+                                          </p:val>
+                                        </p:tav>
+                                      </p:tavLst>
+                                    </p:anim>
+                                  </p:childTnLst>
+                                </p:cTn>
+                              </p:par>
+                            </p:childTnLst>
+                          </p:cTn>
+                        </p:par>
+                        <p:par>
+                          <p:cTn id="9" fill="hold">
+                            <p:stCondLst>
+                              <p:cond delay="600"/>
+                            </p:stCondLst>
+                            <p:childTnLst>
+                              <p:par>
+                                <p:cTn id="10" presetClass="entr" nodeType="afterEffect" presetSubtype="16" presetID="23" grpId="2" fill="hold">
+                                  <p:stCondLst>
+                                    <p:cond delay="0"/>
+                                  </p:stCondLst>
+                                  <p:iterate type="el" backwards="0">
+                                    <p:tmAbs val="0"/>
+                                  </p:iterate>
+                                  <p:childTnLst>
+                                    <p:set>
+                                      <p:cBhvr>
+                                        <p:cTn id="11" fill="hold"/>
+                                        <p:tgtEl>
+                                          <p:spTgt spid="629"/>
+                                        </p:tgtEl>
+                                        <p:attrNameLst>
+                                          <p:attrName>style.visibility</p:attrName>
+                                        </p:attrNameLst>
+                                      </p:cBhvr>
+                                      <p:to>
+                                        <p:strVal val="visible"/>
+                                      </p:to>
+                                    </p:set>
+                                    <p:anim calcmode="lin" valueType="num">
+                                      <p:cBhvr>
+                                        <p:cTn id="12" dur="600" fill="hold"/>
+                                        <p:tgtEl>
+                                          <p:spTgt spid="629"/>
+                                        </p:tgtEl>
+                                        <p:attrNameLst>
+                                          <p:attrName>ppt_w</p:attrName>
+                                        </p:attrNameLst>
+                                      </p:cBhvr>
+                                      <p:tavLst>
+                                        <p:tav tm="0">
+                                          <p:val>
+                                            <p:fltVal val="0"/>
+                                          </p:val>
+                                        </p:tav>
+                                        <p:tav tm="100000">
+                                          <p:val>
+                                            <p:strVal val="#ppt_w"/>
+                                          </p:val>
+                                        </p:tav>
+                                      </p:tavLst>
+                                    </p:anim>
+                                    <p:anim calcmode="lin" valueType="num">
+                                      <p:cBhvr>
+                                        <p:cTn id="13" dur="600" fill="hold"/>
+                                        <p:tgtEl>
+                                          <p:spTgt spid="629"/>
+                                        </p:tgtEl>
+                                        <p:attrNameLst>
+                                          <p:attrName>ppt_h</p:attrName>
+                                        </p:attrNameLst>
+                                      </p:cBhvr>
+                                      <p:tavLst>
+                                        <p:tav tm="0">
+                                          <p:val>
+                                            <p:fltVal val="0"/>
+                                          </p:val>
+                                        </p:tav>
+                                        <p:tav tm="100000">
+                                          <p:val>
+                                            <p:strVal val="#ppt_h"/>
+                                          </p:val>
+                                        </p:tav>
+                                      </p:tavLst>
+                                    </p:anim>
+                                  </p:childTnLst>
+                                </p:cTn>
+                              </p:par>
+                            </p:childTnLst>
+                          </p:cTn>
+                        </p:par>
+                        <p:par>
+                          <p:cTn id="14" fill="hold">
+                            <p:stCondLst>
+                              <p:cond delay="1200"/>
+                            </p:stCondLst>
+                            <p:childTnLst>
+                              <p:par>
+                                <p:cTn id="15" presetClass="entr" nodeType="afterEffect" presetSubtype="16" presetID="23" grpId="3" fill="hold">
+                                  <p:stCondLst>
+                                    <p:cond delay="0"/>
+                                  </p:stCondLst>
+                                  <p:iterate type="el" backwards="0">
+                                    <p:tmAbs val="0"/>
+                                  </p:iterate>
+                                  <p:childTnLst>
+                                    <p:set>
+                                      <p:cBhvr>
+                                        <p:cTn id="16" fill="hold"/>
+                                        <p:tgtEl>
+                                          <p:spTgt spid="626"/>
+                                        </p:tgtEl>
+                                        <p:attrNameLst>
+                                          <p:attrName>style.visibility</p:attrName>
+                                        </p:attrNameLst>
+                                      </p:cBhvr>
+                                      <p:to>
+                                        <p:strVal val="visible"/>
+                                      </p:to>
+                                    </p:set>
+                                    <p:anim calcmode="lin" valueType="num">
+                                      <p:cBhvr>
+                                        <p:cTn id="17" dur="600" fill="hold"/>
+                                        <p:tgtEl>
+                                          <p:spTgt spid="626"/>
+                                        </p:tgtEl>
+                                        <p:attrNameLst>
+                                          <p:attrName>ppt_w</p:attrName>
+                                        </p:attrNameLst>
+                                      </p:cBhvr>
+                                      <p:tavLst>
+                                        <p:tav tm="0">
+                                          <p:val>
+                                            <p:fltVal val="0"/>
+                                          </p:val>
+                                        </p:tav>
+                                        <p:tav tm="100000">
+                                          <p:val>
+                                            <p:strVal val="#ppt_w"/>
+                                          </p:val>
+                                        </p:tav>
+                                      </p:tavLst>
+                                    </p:anim>
+                                    <p:anim calcmode="lin" valueType="num">
+                                      <p:cBhvr>
+                                        <p:cTn id="18" dur="600" fill="hold"/>
+                                        <p:tgtEl>
+                                          <p:spTgt spid="626"/>
+                                        </p:tgtEl>
+                                        <p:attrNameLst>
+                                          <p:attrName>ppt_h</p:attrName>
+                                        </p:attrNameLst>
+                                      </p:cBhvr>
+                                      <p:tavLst>
+                                        <p:tav tm="0">
+                                          <p:val>
+                                            <p:fltVal val="0"/>
+                                          </p:val>
+                                        </p:tav>
+                                        <p:tav tm="100000">
+                                          <p:val>
+                                            <p:strVal val="#ppt_h"/>
+                                          </p:val>
+                                        </p:tav>
+                                      </p:tavLst>
+                                    </p:anim>
+                                  </p:childTnLst>
+                                </p:cTn>
+                              </p:par>
+                            </p:childTnLst>
+                          </p:cTn>
+                        </p:par>
+                        <p:par>
+                          <p:cTn id="19" fill="hold">
+                            <p:stCondLst>
+                              <p:cond delay="1800"/>
+                            </p:stCondLst>
+                            <p:childTnLst>
+                              <p:par>
+                                <p:cTn id="20" presetClass="entr" nodeType="afterEffect" presetSubtype="16" presetID="23" grpId="4" fill="hold">
+                                  <p:stCondLst>
+                                    <p:cond delay="0"/>
+                                  </p:stCondLst>
+                                  <p:iterate type="el" backwards="0">
+                                    <p:tmAbs val="0"/>
+                                  </p:iterate>
+                                  <p:childTnLst>
+                                    <p:set>
+                                      <p:cBhvr>
+                                        <p:cTn id="21" fill="hold"/>
+                                        <p:tgtEl>
+                                          <p:spTgt spid="632"/>
+                                        </p:tgtEl>
+                                        <p:attrNameLst>
+                                          <p:attrName>style.visibility</p:attrName>
+                                        </p:attrNameLst>
+                                      </p:cBhvr>
+                                      <p:to>
+                                        <p:strVal val="visible"/>
+                                      </p:to>
+                                    </p:set>
+                                    <p:anim calcmode="lin" valueType="num">
+                                      <p:cBhvr>
+                                        <p:cTn id="22" dur="600" fill="hold"/>
+                                        <p:tgtEl>
+                                          <p:spTgt spid="632"/>
+                                        </p:tgtEl>
+                                        <p:attrNameLst>
+                                          <p:attrName>ppt_w</p:attrName>
+                                        </p:attrNameLst>
+                                      </p:cBhvr>
+                                      <p:tavLst>
+                                        <p:tav tm="0">
+                                          <p:val>
+                                            <p:fltVal val="0"/>
+                                          </p:val>
+                                        </p:tav>
+                                        <p:tav tm="100000">
+                                          <p:val>
+                                            <p:strVal val="#ppt_w"/>
+                                          </p:val>
+                                        </p:tav>
+                                      </p:tavLst>
+                                    </p:anim>
+                                    <p:anim calcmode="lin" valueType="num">
+                                      <p:cBhvr>
+                                        <p:cTn id="23" dur="600" fill="hold"/>
+                                        <p:tgtEl>
+                                          <p:spTgt spid="632"/>
+                                        </p:tgtEl>
+                                        <p:attrNameLst>
+                                          <p:attrName>ppt_h</p:attrName>
+                                        </p:attrNameLst>
+                                      </p:cBhvr>
+                                      <p:tavLst>
+                                        <p:tav tm="0">
+                                          <p:val>
+                                            <p:fltVal val="0"/>
+                                          </p:val>
+                                        </p:tav>
+                                        <p:tav tm="100000">
+                                          <p:val>
+                                            <p:strVal val="#ppt_h"/>
+                                          </p:val>
+                                        </p:tav>
+                                      </p:tavLst>
+                                    </p:anim>
+                                  </p:childTnLst>
+                                </p:cTn>
+                              </p:par>
+                            </p:childTnLst>
+                          </p:cTn>
+                        </p:par>
+                        <p:par>
+                          <p:cTn id="24" fill="hold">
+                            <p:stCondLst>
+                              <p:cond delay="2400"/>
+                            </p:stCondLst>
+                            <p:childTnLst>
+                              <p:par>
+                                <p:cTn id="25" presetClass="entr" nodeType="afterEffect" presetSubtype="16" presetID="23" grpId="5" fill="hold">
+                                  <p:stCondLst>
+                                    <p:cond delay="0"/>
+                                  </p:stCondLst>
+                                  <p:iterate type="el" backwards="0">
+                                    <p:tmAbs val="0"/>
+                                  </p:iterate>
+                                  <p:childTnLst>
+                                    <p:set>
+                                      <p:cBhvr>
+                                        <p:cTn id="26" fill="hold"/>
+                                        <p:tgtEl>
+                                          <p:spTgt spid="635"/>
+                                        </p:tgtEl>
+                                        <p:attrNameLst>
+                                          <p:attrName>style.visibility</p:attrName>
+                                        </p:attrNameLst>
+                                      </p:cBhvr>
+                                      <p:to>
+                                        <p:strVal val="visible"/>
+                                      </p:to>
+                                    </p:set>
+                                    <p:anim calcmode="lin" valueType="num">
+                                      <p:cBhvr>
+                                        <p:cTn id="27" dur="600" fill="hold"/>
+                                        <p:tgtEl>
+                                          <p:spTgt spid="635"/>
+                                        </p:tgtEl>
+                                        <p:attrNameLst>
+                                          <p:attrName>ppt_w</p:attrName>
+                                        </p:attrNameLst>
+                                      </p:cBhvr>
+                                      <p:tavLst>
+                                        <p:tav tm="0">
+                                          <p:val>
+                                            <p:fltVal val="0"/>
+                                          </p:val>
+                                        </p:tav>
+                                        <p:tav tm="100000">
+                                          <p:val>
+                                            <p:strVal val="#ppt_w"/>
+                                          </p:val>
+                                        </p:tav>
+                                      </p:tavLst>
+                                    </p:anim>
+                                    <p:anim calcmode="lin" valueType="num">
+                                      <p:cBhvr>
+                                        <p:cTn id="28" dur="600" fill="hold"/>
+                                        <p:tgtEl>
+                                          <p:spTgt spid="635"/>
+                                        </p:tgtEl>
+                                        <p:attrNameLst>
+                                          <p:attrName>ppt_h</p:attrName>
+                                        </p:attrNameLst>
+                                      </p:cBhvr>
+                                      <p:tavLst>
+                                        <p:tav tm="0">
+                                          <p:val>
+                                            <p:fltVal val="0"/>
+                                          </p:val>
+                                        </p:tav>
+                                        <p:tav tm="100000">
+                                          <p:val>
+                                            <p:strVal val="#ppt_h"/>
+                                          </p:val>
+                                        </p:tav>
+                                      </p:tavLst>
+                                    </p:anim>
+                                  </p:childTnLst>
+                                </p:cTn>
+                              </p:par>
+                            </p:childTnLst>
+                          </p:cTn>
+                        </p:par>
+                        <p:par>
+                          <p:cTn id="29" fill="hold">
+                            <p:stCondLst>
+                              <p:cond delay="3000"/>
+                            </p:stCondLst>
+                            <p:childTnLst>
+                              <p:par>
+                                <p:cTn id="30" presetClass="entr" nodeType="afterEffect" presetSubtype="16" presetID="23" grpId="6" fill="hold">
+                                  <p:stCondLst>
+                                    <p:cond delay="0"/>
+                                  </p:stCondLst>
+                                  <p:iterate type="el" backwards="0">
+                                    <p:tmAbs val="0"/>
+                                  </p:iterate>
+                                  <p:childTnLst>
+                                    <p:set>
+                                      <p:cBhvr>
+                                        <p:cTn id="31" fill="hold"/>
+                                        <p:tgtEl>
+                                          <p:spTgt spid="638"/>
+                                        </p:tgtEl>
+                                        <p:attrNameLst>
+                                          <p:attrName>style.visibility</p:attrName>
+                                        </p:attrNameLst>
+                                      </p:cBhvr>
+                                      <p:to>
+                                        <p:strVal val="visible"/>
+                                      </p:to>
+                                    </p:set>
+                                    <p:anim calcmode="lin" valueType="num">
+                                      <p:cBhvr>
+                                        <p:cTn id="32" dur="600" fill="hold"/>
+                                        <p:tgtEl>
+                                          <p:spTgt spid="638"/>
+                                        </p:tgtEl>
+                                        <p:attrNameLst>
+                                          <p:attrName>ppt_w</p:attrName>
+                                        </p:attrNameLst>
+                                      </p:cBhvr>
+                                      <p:tavLst>
+                                        <p:tav tm="0">
+                                          <p:val>
+                                            <p:fltVal val="0"/>
+                                          </p:val>
+                                        </p:tav>
+                                        <p:tav tm="100000">
+                                          <p:val>
+                                            <p:strVal val="#ppt_w"/>
+                                          </p:val>
+                                        </p:tav>
+                                      </p:tavLst>
+                                    </p:anim>
+                                    <p:anim calcmode="lin" valueType="num">
+                                      <p:cBhvr>
+                                        <p:cTn id="33" dur="600" fill="hold"/>
+                                        <p:tgtEl>
+                                          <p:spTgt spid="638"/>
+                                        </p:tgtEl>
+                                        <p:attrNameLst>
+                                          <p:attrName>ppt_h</p:attrName>
+                                        </p:attrNameLst>
+                                      </p:cBhvr>
+                                      <p:tavLst>
+                                        <p:tav tm="0">
+                                          <p:val>
+                                            <p:fltVal val="0"/>
+                                          </p:val>
+                                        </p:tav>
+                                        <p:tav tm="100000">
+                                          <p:val>
+                                            <p:strVal val="#ppt_h"/>
+                                          </p:val>
+                                        </p:tav>
+                                      </p:tavLst>
+                                    </p:anim>
+                                  </p:childTnLst>
+                                </p:cTn>
+                              </p:par>
+                            </p:childTnLst>
+                          </p:cTn>
+                        </p:par>
+                        <p:par>
+                          <p:cTn id="34" fill="hold">
+                            <p:stCondLst>
+                              <p:cond delay="3600"/>
+                            </p:stCondLst>
+                            <p:childTnLst>
+                              <p:par>
+                                <p:cTn id="35" presetClass="entr" nodeType="afterEffect" presetSubtype="16" presetID="23" grpId="7" fill="hold">
+                                  <p:stCondLst>
+                                    <p:cond delay="0"/>
+                                  </p:stCondLst>
+                                  <p:iterate type="el" backwards="0">
+                                    <p:tmAbs val="0"/>
+                                  </p:iterate>
+                                  <p:childTnLst>
+                                    <p:set>
+                                      <p:cBhvr>
+                                        <p:cTn id="36" fill="hold"/>
+                                        <p:tgtEl>
+                                          <p:spTgt spid="641"/>
+                                        </p:tgtEl>
+                                        <p:attrNameLst>
+                                          <p:attrName>style.visibility</p:attrName>
+                                        </p:attrNameLst>
+                                      </p:cBhvr>
+                                      <p:to>
+                                        <p:strVal val="visible"/>
+                                      </p:to>
+                                    </p:set>
+                                    <p:anim calcmode="lin" valueType="num">
+                                      <p:cBhvr>
+                                        <p:cTn id="37" dur="600" fill="hold"/>
+                                        <p:tgtEl>
+                                          <p:spTgt spid="641"/>
+                                        </p:tgtEl>
+                                        <p:attrNameLst>
+                                          <p:attrName>ppt_w</p:attrName>
+                                        </p:attrNameLst>
+                                      </p:cBhvr>
+                                      <p:tavLst>
+                                        <p:tav tm="0">
+                                          <p:val>
+                                            <p:fltVal val="0"/>
+                                          </p:val>
+                                        </p:tav>
+                                        <p:tav tm="100000">
+                                          <p:val>
+                                            <p:strVal val="#ppt_w"/>
+                                          </p:val>
+                                        </p:tav>
+                                      </p:tavLst>
+                                    </p:anim>
+                                    <p:anim calcmode="lin" valueType="num">
+                                      <p:cBhvr>
+                                        <p:cTn id="38" dur="600" fill="hold"/>
+                                        <p:tgtEl>
+                                          <p:spTgt spid="641"/>
+                                        </p:tgtEl>
+                                        <p:attrNameLst>
+                                          <p:attrName>ppt_h</p:attrName>
+                                        </p:attrNameLst>
+                                      </p:cBhvr>
+                                      <p:tavLst>
+                                        <p:tav tm="0">
+                                          <p:val>
+                                            <p:fltVal val="0"/>
+                                          </p:val>
+                                        </p:tav>
+                                        <p:tav tm="100000">
+                                          <p:val>
+                                            <p:strVal val="#ppt_h"/>
+                                          </p:val>
+                                        </p:tav>
+                                      </p:tavLst>
+                                    </p:anim>
+                                  </p:childTnLst>
+                                </p:cTn>
+                              </p:par>
+                            </p:childTnLst>
+                          </p:cTn>
+                        </p:par>
+                      </p:childTnLst>
+                    </p:cTn>
+                  </p:par>
+                </p:childTnLst>
+              </p:cTn>
+              <p:prevCondLst>
+                <p:cond evt="onPrev">
+                  <p:tgtEl>
+                    <p:sldTgt/>
+                  </p:tgtEl>
+                </p:cond>
+              </p:prevCondLst>
+              <p:nextCondLst>
+                <p:cond evt="onNext">
+                  <p:tgtEl>
+                    <p:sldTgt/>
+                  </p:tgtEl>
+                </p:cond>
+              </p:nextCondLst>
+            </p:seq>
+          </p:childTnLst>
+        </p:cTn>
+      </p:par>
+    </p:tnLst>
+    <p:bldLst>
+      <p:bldP build="whole" bldLvl="1" animBg="1" rev="0" advAuto="0" spid="635" grpId="5"/>
+      <p:bldP build="whole" bldLvl="1" animBg="1" rev="0" advAuto="0" spid="638" grpId="6"/>
+      <p:bldP build="whole" bldLvl="1" animBg="1" rev="0" advAuto="0" spid="641" grpId="7"/>
+      <p:bldP build="whole" bldLvl="1" animBg="1" rev="0" advAuto="0" spid="629" grpId="2"/>
+      <p:bldP build="whole" bldLvl="1" animBg="1" rev="0" advAuto="0" spid="623" grpId="1"/>
+      <p:bldP build="whole" bldLvl="1" animBg="1" rev="0" advAuto="0" spid="626" grpId="3"/>
+      <p:bldP build="whole" bldLvl="1" animBg="1" rev="0" advAuto="0" spid="632" grpId="4"/>
     </p:bldLst>
   </p:timing>
 </p:sld>
@@ -9424,9 +10831,9 @@
       </p:par>
     </p:tnLst>
     <p:bldLst>
-      <p:bldP build="whole" bldLvl="1" animBg="1" rev="0" advAuto="0" spid="188" grpId="3"/>
       <p:bldP build="whole" bldLvl="1" animBg="1" rev="0" advAuto="0" spid="186" grpId="1"/>
       <p:bldP build="whole" bldLvl="1" animBg="1" rev="0" advAuto="0" spid="187" grpId="2"/>
+      <p:bldP build="whole" bldLvl="1" animBg="1" rev="0" advAuto="0" spid="188" grpId="3"/>
     </p:bldLst>
   </p:timing>
 </p:sld>
@@ -11106,13 +12513,13 @@
     </p:tnLst>
     <p:bldLst>
       <p:bldP build="whole" bldLvl="1" animBg="1" rev="0" advAuto="0" spid="200" grpId="7"/>
+      <p:bldP build="whole" bldLvl="1" animBg="1" rev="0" advAuto="0" spid="206" grpId="1"/>
+      <p:bldP build="whole" bldLvl="1" animBg="1" rev="0" advAuto="0" spid="215" grpId="3"/>
       <p:bldP build="whole" bldLvl="1" animBg="1" rev="0" advAuto="0" spid="212" grpId="4"/>
       <p:bldP build="whole" bldLvl="1" animBg="1" rev="0" advAuto="0" spid="194" grpId="5"/>
-      <p:bldP build="whole" bldLvl="1" animBg="1" rev="0" advAuto="0" spid="215" grpId="3"/>
+      <p:bldP build="whole" bldLvl="1" animBg="1" rev="0" advAuto="0" spid="197" grpId="6"/>
+      <p:bldP build="whole" bldLvl="1" animBg="1" rev="0" advAuto="0" spid="209" grpId="2"/>
       <p:bldP build="whole" bldLvl="1" animBg="1" rev="0" advAuto="0" spid="203" grpId="8"/>
-      <p:bldP build="whole" bldLvl="1" animBg="1" rev="0" advAuto="0" spid="206" grpId="1"/>
-      <p:bldP build="whole" bldLvl="1" animBg="1" rev="0" advAuto="0" spid="209" grpId="2"/>
-      <p:bldP build="whole" bldLvl="1" animBg="1" rev="0" advAuto="0" spid="197" grpId="6"/>
     </p:bldLst>
   </p:timing>
 </p:sld>
@@ -12522,12 +13929,12 @@
       </p:par>
     </p:tnLst>
     <p:bldLst>
+      <p:bldP build="whole" bldLvl="1" animBg="1" rev="0" advAuto="0" spid="224" grpId="5"/>
+      <p:bldP build="whole" bldLvl="1" animBg="1" rev="0" advAuto="0" spid="228" grpId="2"/>
+      <p:bldP build="whole" bldLvl="1" animBg="1" rev="0" advAuto="0" spid="236" grpId="6"/>
       <p:bldP build="whole" bldLvl="1" animBg="1" rev="0" advAuto="0" spid="221" grpId="1"/>
-      <p:bldP build="whole" bldLvl="1" animBg="1" rev="0" advAuto="0" spid="224" grpId="5"/>
-      <p:bldP build="whole" bldLvl="1" animBg="1" rev="0" advAuto="0" spid="236" grpId="6"/>
-      <p:bldP build="whole" bldLvl="1" animBg="1" rev="0" advAuto="0" spid="228" grpId="2"/>
+      <p:bldP build="whole" bldLvl="1" animBg="1" rev="0" advAuto="0" spid="239" grpId="4"/>
       <p:bldP build="whole" bldLvl="1" animBg="1" rev="0" advAuto="0" spid="232" grpId="3"/>
-      <p:bldP build="whole" bldLvl="1" animBg="1" rev="0" advAuto="0" spid="239" grpId="4"/>
     </p:bldLst>
   </p:timing>
 </p:sld>
@@ -12833,7 +14240,7 @@
           </p:pic>
           <p:sp>
             <p:nvSpPr>
-              <p:cNvPr id="248" name="src/network"/>
+              <p:cNvPr id="248" name="app/network"/>
               <p:cNvSpPr txBox="1"/>
               <p:nvPr/>
             </p:nvSpPr>
@@ -12877,7 +14284,7 @@
               <a:p>
                 <a:pPr/>
                 <a:r>
-                  <a:t>src/network</a:t>
+                  <a:t>app/network</a:t>
                 </a:r>
               </a:p>
             </p:txBody>
@@ -13095,7 +14502,7 @@
           </p:pic>
           <p:sp>
             <p:nvSpPr>
-              <p:cNvPr id="256" name="src/net"/>
+              <p:cNvPr id="256" name="app/net"/>
               <p:cNvSpPr/>
               <p:nvPr/>
             </p:nvSpPr>
@@ -13139,7 +14546,7 @@
               <a:p>
                 <a:pPr/>
                 <a:r>
-                  <a:t>src/net</a:t>
+                  <a:t>app/net</a:t>
                 </a:r>
               </a:p>
             </p:txBody>
@@ -13357,7 +14764,7 @@
           </p:pic>
           <p:sp>
             <p:nvSpPr>
-              <p:cNvPr id="264" name="src/net_err"/>
+              <p:cNvPr id="264" name="app/net_err"/>
               <p:cNvSpPr txBox="1"/>
               <p:nvPr/>
             </p:nvSpPr>
@@ -13401,7 +14808,7 @@
               <a:p>
                 <a:pPr/>
                 <a:r>
-                  <a:t>src/net_err</a:t>
+                  <a:t>app/net_err</a:t>
                 </a:r>
               </a:p>
             </p:txBody>
@@ -13619,7 +15026,7 @@
           </p:pic>
           <p:sp>
             <p:nvSpPr>
-              <p:cNvPr id="272" name="src/netErr"/>
+              <p:cNvPr id="272" name="app/netErr"/>
               <p:cNvSpPr/>
               <p:nvPr/>
             </p:nvSpPr>
@@ -13663,7 +15070,7 @@
               <a:p>
                 <a:pPr/>
                 <a:r>
-                  <a:t>src/netErr</a:t>
+                  <a:t>app/netErr</a:t>
                 </a:r>
               </a:p>
             </p:txBody>
@@ -13881,7 +15288,7 @@
           </p:pic>
           <p:sp>
             <p:nvSpPr>
-              <p:cNvPr id="280" name="src/utils"/>
+              <p:cNvPr id="280" name="app/utils"/>
               <p:cNvSpPr/>
               <p:nvPr/>
             </p:nvSpPr>
@@ -13925,7 +15332,7 @@
               <a:p>
                 <a:pPr/>
                 <a:r>
-                  <a:t>src/utils</a:t>
+                  <a:t>app/utils</a:t>
                 </a:r>
               </a:p>
             </p:txBody>
@@ -13993,7 +15400,7 @@
           </p:pic>
           <p:sp>
             <p:nvSpPr>
-              <p:cNvPr id="284" name="src/pkg"/>
+              <p:cNvPr id="284" name="app/pkg"/>
               <p:cNvSpPr/>
               <p:nvPr/>
             </p:nvSpPr>
@@ -14037,7 +15444,7 @@
               <a:p>
                 <a:pPr/>
                 <a:r>
-                  <a:t>src/pkg</a:t>
+                  <a:t>app/pkg</a:t>
                 </a:r>
               </a:p>
             </p:txBody>
@@ -14090,7 +15497,7 @@
           </p:pic>
           <p:sp>
             <p:nvSpPr>
-              <p:cNvPr id="287" name="src/sub_pkg"/>
+              <p:cNvPr id="287" name="app/sub_pkg"/>
               <p:cNvSpPr txBox="1"/>
               <p:nvPr/>
             </p:nvSpPr>
@@ -14134,7 +15541,7 @@
               <a:p>
                 <a:pPr/>
                 <a:r>
-                  <a:t>src/sub_pkg</a:t>
+                  <a:t>app/sub_pkg</a:t>
                 </a:r>
               </a:p>
             </p:txBody>
@@ -14187,7 +15594,7 @@
           </p:pic>
           <p:sp>
             <p:nvSpPr>
-              <p:cNvPr id="290" name="src/sub_pkg"/>
+              <p:cNvPr id="290" name="app/sub_pkg"/>
               <p:cNvSpPr txBox="1"/>
               <p:nvPr/>
             </p:nvSpPr>
@@ -14231,7 +15638,7 @@
               <a:p>
                 <a:pPr/>
                 <a:r>
-                  <a:t>src/sub_pkg</a:t>
+                  <a:t>app/sub_pkg</a:t>
                 </a:r>
               </a:p>
             </p:txBody>
@@ -14284,7 +15691,7 @@
           </p:pic>
           <p:sp>
             <p:nvSpPr>
-              <p:cNvPr id="293" name="src/sub_pkg"/>
+              <p:cNvPr id="293" name="app/sub_pkg"/>
               <p:cNvSpPr txBox="1"/>
               <p:nvPr/>
             </p:nvSpPr>
@@ -14328,7 +15735,7 @@
               <a:p>
                 <a:pPr/>
                 <a:r>
-                  <a:t>src/sub_pkg</a:t>
+                  <a:t>app/sub_pkg</a:t>
                 </a:r>
               </a:p>
             </p:txBody>
@@ -14454,7 +15861,7 @@
           </p:pic>
           <p:sp>
             <p:nvSpPr>
-              <p:cNvPr id="299" name="src/network"/>
+              <p:cNvPr id="299" name="app/network"/>
               <p:cNvSpPr txBox="1"/>
               <p:nvPr/>
             </p:nvSpPr>
@@ -14498,7 +15905,7 @@
               <a:p>
                 <a:pPr/>
                 <a:r>
-                  <a:t>src/network</a:t>
+                  <a:t>app/network</a:t>
                 </a:r>
               </a:p>
             </p:txBody>
@@ -14869,7 +16276,7 @@
           </p:pic>
           <p:sp>
             <p:nvSpPr>
-              <p:cNvPr id="310" name="src/pkg"/>
+              <p:cNvPr id="310" name="app/pkg"/>
               <p:cNvSpPr/>
               <p:nvPr/>
             </p:nvSpPr>
@@ -14913,7 +16320,7 @@
               <a:p>
                 <a:pPr/>
                 <a:r>
-                  <a:t>src/pkg</a:t>
+                  <a:t>app/pkg</a:t>
                 </a:r>
               </a:p>
             </p:txBody>
@@ -15553,7 +16960,7 @@
                             </p:stCondLst>
                             <p:childTnLst>
                               <p:par>
-                                <p:cTn id="32" presetClass="entr" nodeType="afterEffect" presetSubtype="0" presetID="1" grpId="7" fill="hold">
+                                <p:cTn id="32" presetClass="entr" nodeType="afterEffect" presetSubtype="8" presetID="22" grpId="7" fill="hold">
                                   <p:stCondLst>
                                     <p:cond delay="0"/>
                                   </p:stCondLst>
@@ -15564,6 +16971,49 @@
                                     <p:set>
                                       <p:cBhvr>
                                         <p:cTn id="33" fill="hold"/>
+                                        <p:tgtEl>
+                                          <p:spTgt spid="274"/>
+                                        </p:tgtEl>
+                                        <p:attrNameLst>
+                                          <p:attrName>style.visibility</p:attrName>
+                                        </p:attrNameLst>
+                                      </p:cBhvr>
+                                      <p:to>
+                                        <p:strVal val="visible"/>
+                                      </p:to>
+                                    </p:set>
+                                    <p:animEffect filter="wipe(left)" transition="in">
+                                      <p:cBhvr>
+                                        <p:cTn id="34" dur="700"/>
+                                        <p:tgtEl>
+                                          <p:spTgt spid="274"/>
+                                        </p:tgtEl>
+                                      </p:cBhvr>
+                                    </p:animEffect>
+                                  </p:childTnLst>
+                                </p:cTn>
+                              </p:par>
+                            </p:childTnLst>
+                          </p:cTn>
+                        </p:par>
+                        <p:par>
+                          <p:cTn id="35" fill="hold">
+                            <p:stCondLst>
+                              <p:cond delay="1400"/>
+                            </p:stCondLst>
+                            <p:childTnLst>
+                              <p:par>
+                                <p:cTn id="36" presetClass="entr" nodeType="afterEffect" presetSubtype="0" presetID="1" grpId="8" fill="hold">
+                                  <p:stCondLst>
+                                    <p:cond delay="0"/>
+                                  </p:stCondLst>
+                                  <p:iterate type="el" backwards="0">
+                                    <p:tmAbs val="0"/>
+                                  </p:iterate>
+                                  <p:childTnLst>
+                                    <p:set>
+                                      <p:cBhvr>
+                                        <p:cTn id="37" fill="hold"/>
                                         <p:tgtEl>
                                           <p:spTgt spid="259"/>
                                         </p:tgtEl>
@@ -15582,22 +17032,98 @@
                           </p:cTn>
                         </p:par>
                         <p:par>
-                          <p:cTn id="34" fill="hold">
+                          <p:cTn id="38" fill="hold">
+                            <p:stCondLst>
+                              <p:cond delay="1400"/>
+                            </p:stCondLst>
+                            <p:childTnLst>
+                              <p:par>
+                                <p:cTn id="39" presetClass="entr" nodeType="afterEffect" presetSubtype="0" presetID="1" grpId="9" fill="hold">
+                                  <p:stCondLst>
+                                    <p:cond delay="0"/>
+                                  </p:stCondLst>
+                                  <p:iterate type="el" backwards="0">
+                                    <p:tmAbs val="0"/>
+                                  </p:iterate>
+                                  <p:childTnLst>
+                                    <p:set>
+                                      <p:cBhvr>
+                                        <p:cTn id="40" fill="hold"/>
+                                        <p:tgtEl>
+                                          <p:spTgt spid="267"/>
+                                        </p:tgtEl>
+                                        <p:attrNameLst>
+                                          <p:attrName>style.visibility</p:attrName>
+                                        </p:attrNameLst>
+                                      </p:cBhvr>
+                                      <p:to>
+                                        <p:strVal val="visible"/>
+                                      </p:to>
+                                    </p:set>
+                                  </p:childTnLst>
+                                </p:cTn>
+                              </p:par>
+                            </p:childTnLst>
+                          </p:cTn>
+                        </p:par>
+                        <p:par>
+                          <p:cTn id="41" fill="hold">
                             <p:stCondLst>
                               <p:cond delay="0"/>
                             </p:stCondLst>
                             <p:childTnLst>
                               <p:par>
-                                <p:cTn id="35" presetClass="emph" nodeType="afterEffect" presetSubtype="0" presetID="35" grpId="8" repeatCount="3000" fill="hold">
+                                <p:cTn id="42" presetClass="emph" nodeType="afterEffect" presetSubtype="0" presetID="35" grpId="10" repeatCount="3000" fill="hold">
                                   <p:stCondLst>
                                     <p:cond delay="0"/>
                                   </p:stCondLst>
                                   <p:childTnLst>
                                     <p:anim calcmode="discrete" valueType="str">
                                       <p:cBhvr>
-                                        <p:cTn id="36" dur="700" fill="hold"/>
+                                        <p:cTn id="43" dur="700" fill="hold"/>
                                         <p:tgtEl>
                                           <p:spTgt spid="259"/>
+                                        </p:tgtEl>
+                                        <p:attrNameLst>
+                                          <p:attrName>style.visibility</p:attrName>
+                                        </p:attrNameLst>
+                                      </p:cBhvr>
+                                      <p:tavLst>
+                                        <p:tav tm="0">
+                                          <p:val>
+                                            <p:strVal val="hidden"/>
+                                          </p:val>
+                                        </p:tav>
+                                        <p:tav tm="50000">
+                                          <p:val>
+                                            <p:strVal val="visible"/>
+                                          </p:val>
+                                        </p:tav>
+                                      </p:tavLst>
+                                    </p:anim>
+                                  </p:childTnLst>
+                                </p:cTn>
+                              </p:par>
+                            </p:childTnLst>
+                          </p:cTn>
+                        </p:par>
+                        <p:par>
+                          <p:cTn id="44" fill="hold">
+                            <p:stCondLst>
+                              <p:cond delay="0"/>
+                            </p:stCondLst>
+                            <p:childTnLst>
+                              <p:par>
+                                <p:cTn id="45" presetClass="emph" nodeType="withEffect" presetSubtype="0" presetID="35" grpId="11" repeatCount="3000" fill="hold">
+                                  <p:stCondLst>
+                                    <p:cond delay="0"/>
+                                  </p:stCondLst>
+                                  <p:childTnLst>
+                                    <p:anim calcmode="discrete" valueType="str">
+                                      <p:cBhvr>
+                                        <p:cTn id="46" dur="700" fill="hold"/>
+                                        <p:tgtEl>
+                                          <p:spTgt spid="267"/>
                                         </p:tgtEl>
                                         <p:attrNameLst>
                                           <p:attrName>style.visibility</p:attrName>
@@ -15626,19 +17152,19 @@
                     </p:cTn>
                   </p:par>
                   <p:par>
-                    <p:cTn id="37" fill="hold">
+                    <p:cTn id="47" fill="hold">
                       <p:stCondLst>
                         <p:cond delay="indefinite"/>
                       </p:stCondLst>
                       <p:childTnLst>
                         <p:par>
-                          <p:cTn id="38" fill="hold">
+                          <p:cTn id="48" fill="hold">
                             <p:stCondLst>
                               <p:cond delay="0"/>
                             </p:stCondLst>
                             <p:childTnLst>
                               <p:par>
-                                <p:cTn id="39" presetClass="entr" nodeType="clickEffect" presetSubtype="8" presetID="22" grpId="9" fill="hold">
+                                <p:cTn id="49" presetClass="entr" nodeType="clickEffect" presetSubtype="8" presetID="22" grpId="12" fill="hold">
                                   <p:stCondLst>
                                     <p:cond delay="0"/>
                                   </p:stCondLst>
@@ -15648,9 +17174,9 @@
                                   <p:childTnLst>
                                     <p:set>
                                       <p:cBhvr>
-                                        <p:cTn id="40" fill="hold"/>
-                                        <p:tgtEl>
-                                          <p:spTgt spid="274"/>
+                                        <p:cTn id="50" fill="hold"/>
+                                        <p:tgtEl>
+                                          <p:spTgt spid="282"/>
                                         </p:tgtEl>
                                         <p:attrNameLst>
                                           <p:attrName>style.visibility</p:attrName>
@@ -15662,9 +17188,9 @@
                                     </p:set>
                                     <p:animEffect filter="wipe(left)" transition="in">
                                       <p:cBhvr>
-                                        <p:cTn id="41" dur="700"/>
-                                        <p:tgtEl>
-                                          <p:spTgt spid="274"/>
+                                        <p:cTn id="51" dur="700"/>
+                                        <p:tgtEl>
+                                          <p:spTgt spid="282"/>
                                         </p:tgtEl>
                                       </p:cBhvr>
                                     </p:animEffect>
@@ -15675,13 +17201,13 @@
                           </p:cTn>
                         </p:par>
                         <p:par>
-                          <p:cTn id="42" fill="hold">
+                          <p:cTn id="52" fill="hold">
                             <p:stCondLst>
                               <p:cond delay="700"/>
                             </p:stCondLst>
                             <p:childTnLst>
                               <p:par>
-                                <p:cTn id="43" presetClass="entr" nodeType="afterEffect" presetSubtype="0" presetID="1" grpId="10" fill="hold">
+                                <p:cTn id="53" presetClass="entr" nodeType="afterEffect" presetSubtype="0" presetID="1" grpId="13" fill="hold">
                                   <p:stCondLst>
                                     <p:cond delay="0"/>
                                   </p:stCondLst>
@@ -15691,9 +17217,9 @@
                                   <p:childTnLst>
                                     <p:set>
                                       <p:cBhvr>
-                                        <p:cTn id="44" fill="hold"/>
-                                        <p:tgtEl>
-                                          <p:spTgt spid="267"/>
+                                        <p:cTn id="54" fill="hold"/>
+                                        <p:tgtEl>
+                                          <p:spTgt spid="275"/>
                                         </p:tgtEl>
                                         <p:attrNameLst>
                                           <p:attrName>style.visibility</p:attrName>
@@ -15710,22 +17236,22 @@
                           </p:cTn>
                         </p:par>
                         <p:par>
-                          <p:cTn id="45" fill="hold">
+                          <p:cTn id="55" fill="hold">
                             <p:stCondLst>
                               <p:cond delay="0"/>
                             </p:stCondLst>
                             <p:childTnLst>
                               <p:par>
-                                <p:cTn id="46" presetClass="emph" nodeType="afterEffect" presetSubtype="0" presetID="35" grpId="11" repeatCount="3000" fill="hold">
+                                <p:cTn id="56" presetClass="emph" nodeType="afterEffect" presetSubtype="0" presetID="35" grpId="14" repeatCount="3000" fill="hold">
                                   <p:stCondLst>
                                     <p:cond delay="0"/>
                                   </p:stCondLst>
                                   <p:childTnLst>
                                     <p:anim calcmode="discrete" valueType="str">
                                       <p:cBhvr>
-                                        <p:cTn id="47" dur="700" fill="hold"/>
-                                        <p:tgtEl>
-                                          <p:spTgt spid="267"/>
+                                        <p:cTn id="57" dur="700" fill="hold"/>
+                                        <p:tgtEl>
+                                          <p:spTgt spid="275"/>
                                         </p:tgtEl>
                                         <p:attrNameLst>
                                           <p:attrName>style.visibility</p:attrName>
@@ -15754,19 +17280,19 @@
                     </p:cTn>
                   </p:par>
                   <p:par>
-                    <p:cTn id="48" fill="hold">
+                    <p:cTn id="58" fill="hold">
                       <p:stCondLst>
                         <p:cond delay="indefinite"/>
                       </p:stCondLst>
                       <p:childTnLst>
                         <p:par>
-                          <p:cTn id="49" fill="hold">
+                          <p:cTn id="59" fill="hold">
                             <p:stCondLst>
                               <p:cond delay="0"/>
                             </p:stCondLst>
                             <p:childTnLst>
                               <p:par>
-                                <p:cTn id="50" presetClass="entr" nodeType="clickEffect" presetSubtype="8" presetID="22" grpId="12" fill="hold">
+                                <p:cTn id="60" presetClass="entr" nodeType="clickEffect" presetSubtype="8" presetID="22" grpId="15" fill="hold">
                                   <p:stCondLst>
                                     <p:cond delay="0"/>
                                   </p:stCondLst>
@@ -15776,9 +17302,9 @@
                                   <p:childTnLst>
                                     <p:set>
                                       <p:cBhvr>
-                                        <p:cTn id="51" fill="hold"/>
-                                        <p:tgtEl>
-                                          <p:spTgt spid="282"/>
+                                        <p:cTn id="61" fill="hold"/>
+                                        <p:tgtEl>
+                                          <p:spTgt spid="295"/>
                                         </p:tgtEl>
                                         <p:attrNameLst>
                                           <p:attrName>style.visibility</p:attrName>
@@ -15790,9 +17316,9 @@
                                     </p:set>
                                     <p:animEffect filter="wipe(left)" transition="in">
                                       <p:cBhvr>
-                                        <p:cTn id="52" dur="700"/>
-                                        <p:tgtEl>
-                                          <p:spTgt spid="282"/>
+                                        <p:cTn id="62" dur="700"/>
+                                        <p:tgtEl>
+                                          <p:spTgt spid="295"/>
                                         </p:tgtEl>
                                       </p:cBhvr>
                                     </p:animEffect>
@@ -15803,13 +17329,13 @@
                           </p:cTn>
                         </p:par>
                         <p:par>
-                          <p:cTn id="53" fill="hold">
+                          <p:cTn id="63" fill="hold">
                             <p:stCondLst>
                               <p:cond delay="700"/>
                             </p:stCondLst>
                             <p:childTnLst>
                               <p:par>
-                                <p:cTn id="54" presetClass="entr" nodeType="afterEffect" presetSubtype="0" presetID="1" grpId="13" fill="hold">
+                                <p:cTn id="64" presetClass="entr" nodeType="afterEffect" presetSubtype="0" presetID="1" grpId="16" fill="hold">
                                   <p:stCondLst>
                                     <p:cond delay="0"/>
                                   </p:stCondLst>
@@ -15819,9 +17345,9 @@
                                   <p:childTnLst>
                                     <p:set>
                                       <p:cBhvr>
-                                        <p:cTn id="55" fill="hold"/>
-                                        <p:tgtEl>
-                                          <p:spTgt spid="275"/>
+                                        <p:cTn id="65" fill="hold"/>
+                                        <p:tgtEl>
+                                          <p:spTgt spid="296"/>
                                         </p:tgtEl>
                                         <p:attrNameLst>
                                           <p:attrName>style.visibility</p:attrName>
@@ -15838,22 +17364,22 @@
                           </p:cTn>
                         </p:par>
                         <p:par>
-                          <p:cTn id="56" fill="hold">
+                          <p:cTn id="66" fill="hold">
                             <p:stCondLst>
                               <p:cond delay="0"/>
                             </p:stCondLst>
                             <p:childTnLst>
                               <p:par>
-                                <p:cTn id="57" presetClass="emph" nodeType="afterEffect" presetSubtype="0" presetID="35" grpId="14" repeatCount="3000" fill="hold">
+                                <p:cTn id="67" presetClass="emph" nodeType="afterEffect" presetSubtype="0" presetID="35" grpId="17" repeatCount="3000" fill="hold">
                                   <p:stCondLst>
                                     <p:cond delay="0"/>
                                   </p:stCondLst>
                                   <p:childTnLst>
                                     <p:anim calcmode="discrete" valueType="str">
                                       <p:cBhvr>
-                                        <p:cTn id="58" dur="700" fill="hold"/>
-                                        <p:tgtEl>
-                                          <p:spTgt spid="275"/>
+                                        <p:cTn id="68" dur="700" fill="hold"/>
+                                        <p:tgtEl>
+                                          <p:spTgt spid="296"/>
                                         </p:tgtEl>
                                         <p:attrNameLst>
                                           <p:attrName>style.visibility</p:attrName>
@@ -15882,19 +17408,19 @@
                     </p:cTn>
                   </p:par>
                   <p:par>
-                    <p:cTn id="59" fill="hold">
+                    <p:cTn id="69" fill="hold">
                       <p:stCondLst>
                         <p:cond delay="indefinite"/>
                       </p:stCondLst>
                       <p:childTnLst>
                         <p:par>
-                          <p:cTn id="60" fill="hold">
+                          <p:cTn id="70" fill="hold">
                             <p:stCondLst>
                               <p:cond delay="0"/>
                             </p:stCondLst>
                             <p:childTnLst>
                               <p:par>
-                                <p:cTn id="61" presetClass="entr" nodeType="clickEffect" presetSubtype="8" presetID="22" grpId="15" fill="hold">
+                                <p:cTn id="71" presetClass="entr" nodeType="clickEffect" presetSubtype="8" presetID="22" grpId="18" fill="hold">
                                   <p:stCondLst>
                                     <p:cond delay="0"/>
                                   </p:stCondLst>
@@ -15904,9 +17430,9 @@
                                   <p:childTnLst>
                                     <p:set>
                                       <p:cBhvr>
-                                        <p:cTn id="62" fill="hold"/>
-                                        <p:tgtEl>
-                                          <p:spTgt spid="295"/>
+                                        <p:cTn id="72" fill="hold"/>
+                                        <p:tgtEl>
+                                          <p:spTgt spid="304"/>
                                         </p:tgtEl>
                                         <p:attrNameLst>
                                           <p:attrName>style.visibility</p:attrName>
@@ -15918,9 +17444,9 @@
                                     </p:set>
                                     <p:animEffect filter="wipe(left)" transition="in">
                                       <p:cBhvr>
-                                        <p:cTn id="63" dur="700"/>
-                                        <p:tgtEl>
-                                          <p:spTgt spid="295"/>
+                                        <p:cTn id="73" dur="700"/>
+                                        <p:tgtEl>
+                                          <p:spTgt spid="304"/>
                                         </p:tgtEl>
                                       </p:cBhvr>
                                     </p:animEffect>
@@ -15931,13 +17457,13 @@
                           </p:cTn>
                         </p:par>
                         <p:par>
-                          <p:cTn id="64" fill="hold">
+                          <p:cTn id="74" fill="hold">
                             <p:stCondLst>
                               <p:cond delay="700"/>
                             </p:stCondLst>
                             <p:childTnLst>
                               <p:par>
-                                <p:cTn id="65" presetClass="entr" nodeType="afterEffect" presetSubtype="0" presetID="1" grpId="16" fill="hold">
+                                <p:cTn id="75" presetClass="entr" nodeType="afterEffect" presetSubtype="0" presetID="15" grpId="19" fill="hold">
                                   <p:stCondLst>
                                     <p:cond delay="0"/>
                                   </p:stCondLst>
@@ -15947,135 +17473,7 @@
                                   <p:childTnLst>
                                     <p:set>
                                       <p:cBhvr>
-                                        <p:cTn id="66" fill="hold"/>
-                                        <p:tgtEl>
-                                          <p:spTgt spid="296"/>
-                                        </p:tgtEl>
-                                        <p:attrNameLst>
-                                          <p:attrName>style.visibility</p:attrName>
-                                        </p:attrNameLst>
-                                      </p:cBhvr>
-                                      <p:to>
-                                        <p:strVal val="visible"/>
-                                      </p:to>
-                                    </p:set>
-                                  </p:childTnLst>
-                                </p:cTn>
-                              </p:par>
-                            </p:childTnLst>
-                          </p:cTn>
-                        </p:par>
-                        <p:par>
-                          <p:cTn id="67" fill="hold">
-                            <p:stCondLst>
-                              <p:cond delay="0"/>
-                            </p:stCondLst>
-                            <p:childTnLst>
-                              <p:par>
-                                <p:cTn id="68" presetClass="emph" nodeType="afterEffect" presetSubtype="0" presetID="35" grpId="17" repeatCount="3000" fill="hold">
-                                  <p:stCondLst>
-                                    <p:cond delay="0"/>
-                                  </p:stCondLst>
-                                  <p:childTnLst>
-                                    <p:anim calcmode="discrete" valueType="str">
-                                      <p:cBhvr>
-                                        <p:cTn id="69" dur="700" fill="hold"/>
-                                        <p:tgtEl>
-                                          <p:spTgt spid="296"/>
-                                        </p:tgtEl>
-                                        <p:attrNameLst>
-                                          <p:attrName>style.visibility</p:attrName>
-                                        </p:attrNameLst>
-                                      </p:cBhvr>
-                                      <p:tavLst>
-                                        <p:tav tm="0">
-                                          <p:val>
-                                            <p:strVal val="hidden"/>
-                                          </p:val>
-                                        </p:tav>
-                                        <p:tav tm="50000">
-                                          <p:val>
-                                            <p:strVal val="visible"/>
-                                          </p:val>
-                                        </p:tav>
-                                      </p:tavLst>
-                                    </p:anim>
-                                  </p:childTnLst>
-                                </p:cTn>
-                              </p:par>
-                            </p:childTnLst>
-                          </p:cTn>
-                        </p:par>
-                      </p:childTnLst>
-                    </p:cTn>
-                  </p:par>
-                  <p:par>
-                    <p:cTn id="70" fill="hold">
-                      <p:stCondLst>
-                        <p:cond delay="indefinite"/>
-                      </p:stCondLst>
-                      <p:childTnLst>
-                        <p:par>
-                          <p:cTn id="71" fill="hold">
-                            <p:stCondLst>
-                              <p:cond delay="0"/>
-                            </p:stCondLst>
-                            <p:childTnLst>
-                              <p:par>
-                                <p:cTn id="72" presetClass="entr" nodeType="clickEffect" presetSubtype="8" presetID="22" grpId="18" fill="hold">
-                                  <p:stCondLst>
-                                    <p:cond delay="0"/>
-                                  </p:stCondLst>
-                                  <p:iterate type="el" backwards="0">
-                                    <p:tmAbs val="0"/>
-                                  </p:iterate>
-                                  <p:childTnLst>
-                                    <p:set>
-                                      <p:cBhvr>
-                                        <p:cTn id="73" fill="hold"/>
-                                        <p:tgtEl>
-                                          <p:spTgt spid="304"/>
-                                        </p:tgtEl>
-                                        <p:attrNameLst>
-                                          <p:attrName>style.visibility</p:attrName>
-                                        </p:attrNameLst>
-                                      </p:cBhvr>
-                                      <p:to>
-                                        <p:strVal val="visible"/>
-                                      </p:to>
-                                    </p:set>
-                                    <p:animEffect filter="wipe(left)" transition="in">
-                                      <p:cBhvr>
-                                        <p:cTn id="74" dur="700"/>
-                                        <p:tgtEl>
-                                          <p:spTgt spid="304"/>
-                                        </p:tgtEl>
-                                      </p:cBhvr>
-                                    </p:animEffect>
-                                  </p:childTnLst>
-                                </p:cTn>
-                              </p:par>
-                            </p:childTnLst>
-                          </p:cTn>
-                        </p:par>
-                        <p:par>
-                          <p:cTn id="75" fill="hold">
-                            <p:stCondLst>
-                              <p:cond delay="700"/>
-                            </p:stCondLst>
-                            <p:childTnLst>
-                              <p:par>
-                                <p:cTn id="76" presetClass="entr" nodeType="afterEffect" presetSubtype="0" presetID="15" grpId="19" fill="hold">
-                                  <p:stCondLst>
-                                    <p:cond delay="0"/>
-                                  </p:stCondLst>
-                                  <p:iterate type="el" backwards="0">
-                                    <p:tmAbs val="0"/>
-                                  </p:iterate>
-                                  <p:childTnLst>
-                                    <p:set>
-                                      <p:cBhvr>
-                                        <p:cTn id="77" fill="hold"/>
+                                        <p:cTn id="76" fill="hold"/>
                                         <p:tgtEl>
                                           <p:spTgt spid="297"/>
                                         </p:tgtEl>
@@ -16089,7 +17487,7 @@
                                     </p:set>
                                     <p:anim calcmode="lin" valueType="num">
                                       <p:cBhvr>
-                                        <p:cTn id="78" dur="500" fill="hold"/>
+                                        <p:cTn id="77" dur="500" fill="hold"/>
                                         <p:tgtEl>
                                           <p:spTgt spid="297"/>
                                         </p:tgtEl>
@@ -16112,7 +17510,7 @@
                                     </p:anim>
                                     <p:anim calcmode="lin" valueType="num">
                                       <p:cBhvr>
-                                        <p:cTn id="79" dur="500" fill="hold"/>
+                                        <p:cTn id="78" dur="500" fill="hold"/>
                                         <p:tgtEl>
                                           <p:spTgt spid="297"/>
                                         </p:tgtEl>
@@ -16135,7 +17533,7 @@
                                     </p:anim>
                                     <p:anim calcmode="lin" valueType="num">
                                       <p:cBhvr>
-                                        <p:cTn id="80" dur="500" fill="hold"/>
+                                        <p:cTn id="79" dur="500" fill="hold"/>
                                         <p:tgtEl>
                                           <p:spTgt spid="297"/>
                                         </p:tgtEl>
@@ -16158,7 +17556,7 @@
                                     </p:anim>
                                     <p:anim calcmode="lin" valueType="num">
                                       <p:cBhvr>
-                                        <p:cTn id="81" dur="500" fill="hold"/>
+                                        <p:cTn id="80" dur="500" fill="hold"/>
                                         <p:tgtEl>
                                           <p:spTgt spid="297"/>
                                         </p:tgtEl>
@@ -16189,19 +17587,19 @@
                     </p:cTn>
                   </p:par>
                   <p:par>
-                    <p:cTn id="82" fill="hold">
+                    <p:cTn id="81" fill="hold">
                       <p:stCondLst>
                         <p:cond delay="indefinite"/>
                       </p:stCondLst>
                       <p:childTnLst>
                         <p:par>
-                          <p:cTn id="83" fill="hold">
+                          <p:cTn id="82" fill="hold">
                             <p:stCondLst>
                               <p:cond delay="0"/>
                             </p:stCondLst>
                             <p:childTnLst>
                               <p:par>
-                                <p:cTn id="84" presetClass="entr" nodeType="clickEffect" presetSubtype="8" presetID="22" grpId="20" fill="hold">
+                                <p:cTn id="83" presetClass="entr" nodeType="clickEffect" presetSubtype="8" presetID="22" grpId="20" fill="hold">
                                   <p:stCondLst>
                                     <p:cond delay="0"/>
                                   </p:stCondLst>
@@ -16211,7 +17609,7 @@
                                   <p:childTnLst>
                                     <p:set>
                                       <p:cBhvr>
-                                        <p:cTn id="85" fill="hold"/>
+                                        <p:cTn id="84" fill="hold"/>
                                         <p:tgtEl>
                                           <p:spTgt spid="318"/>
                                         </p:tgtEl>
@@ -16225,7 +17623,7 @@
                                     </p:set>
                                     <p:animEffect filter="wipe(left)" transition="in">
                                       <p:cBhvr>
-                                        <p:cTn id="86" dur="700"/>
+                                        <p:cTn id="85" dur="700"/>
                                         <p:tgtEl>
                                           <p:spTgt spid="318"/>
                                         </p:tgtEl>
@@ -16238,13 +17636,13 @@
                           </p:cTn>
                         </p:par>
                         <p:par>
-                          <p:cTn id="87" fill="hold">
+                          <p:cTn id="86" fill="hold">
                             <p:stCondLst>
                               <p:cond delay="700"/>
                             </p:stCondLst>
                             <p:childTnLst>
                               <p:par>
-                                <p:cTn id="88" presetClass="entr" nodeType="afterEffect" presetSubtype="0" presetID="1" grpId="21" fill="hold">
+                                <p:cTn id="87" presetClass="entr" nodeType="afterEffect" presetSubtype="0" presetID="1" grpId="21" fill="hold">
                                   <p:stCondLst>
                                     <p:cond delay="0"/>
                                   </p:stCondLst>
@@ -16254,7 +17652,7 @@
                                   <p:childTnLst>
                                     <p:set>
                                       <p:cBhvr>
-                                        <p:cTn id="89" fill="hold"/>
+                                        <p:cTn id="88" fill="hold"/>
                                         <p:tgtEl>
                                           <p:spTgt spid="305"/>
                                         </p:tgtEl>
@@ -16273,20 +17671,20 @@
                           </p:cTn>
                         </p:par>
                         <p:par>
-                          <p:cTn id="90" fill="hold">
+                          <p:cTn id="89" fill="hold">
                             <p:stCondLst>
                               <p:cond delay="0"/>
                             </p:stCondLst>
                             <p:childTnLst>
                               <p:par>
-                                <p:cTn id="91" presetClass="emph" nodeType="afterEffect" presetSubtype="0" presetID="35" grpId="22" repeatCount="3000" fill="hold">
+                                <p:cTn id="90" presetClass="emph" nodeType="afterEffect" presetSubtype="0" presetID="35" grpId="22" repeatCount="3000" fill="hold">
                                   <p:stCondLst>
                                     <p:cond delay="0"/>
                                   </p:stCondLst>
                                   <p:childTnLst>
                                     <p:anim calcmode="discrete" valueType="str">
                                       <p:cBhvr>
-                                        <p:cTn id="92" dur="700" fill="hold"/>
+                                        <p:cTn id="91" dur="700" fill="hold"/>
                                         <p:tgtEl>
                                           <p:spTgt spid="305"/>
                                         </p:tgtEl>
@@ -16338,28 +17736,28 @@
       </p:par>
     </p:tnLst>
     <p:bldLst>
+      <p:bldP build="whole" bldLvl="1" animBg="1" rev="0" advAuto="0" spid="318" grpId="20"/>
+      <p:bldP build="whole" bldLvl="1" animBg="1" rev="0" advAuto="0" spid="266" grpId="6"/>
+      <p:bldP build="whole" bldLvl="1" animBg="1" rev="0" advAuto="0" spid="267" grpId="9"/>
+      <p:bldP build="whole" bldLvl="1" animBg="1" rev="0" advAuto="0" spid="267" grpId="11"/>
+      <p:bldP build="whole" bldLvl="1" animBg="1" rev="0" advAuto="0" spid="243" grpId="2"/>
+      <p:bldP build="whole" bldLvl="1" animBg="1" rev="0" advAuto="0" spid="296" grpId="16"/>
+      <p:bldP build="whole" bldLvl="1" animBg="1" rev="0" advAuto="0" spid="250" grpId="1"/>
+      <p:bldP build="whole" bldLvl="1" animBg="1" rev="0" advAuto="0" spid="296" grpId="17"/>
+      <p:bldP build="whole" bldLvl="1" animBg="1" rev="0" advAuto="0" spid="297" grpId="19"/>
+      <p:bldP build="whole" bldLvl="1" animBg="1" rev="0" advAuto="0" spid="258" grpId="3"/>
+      <p:bldP build="whole" bldLvl="1" animBg="1" rev="0" advAuto="0" spid="274" grpId="7"/>
+      <p:bldP build="whole" bldLvl="1" animBg="1" rev="0" advAuto="0" spid="251" grpId="4"/>
+      <p:bldP build="whole" bldLvl="1" animBg="1" rev="0" advAuto="0" spid="251" grpId="5"/>
       <p:bldP build="whole" bldLvl="1" animBg="1" rev="0" advAuto="0" spid="259" grpId="8"/>
-      <p:bldP build="whole" bldLvl="1" animBg="1" rev="0" advAuto="0" spid="304" grpId="18"/>
-      <p:bldP build="whole" bldLvl="1" animBg="1" rev="0" advAuto="0" spid="266" grpId="6"/>
+      <p:bldP build="whole" bldLvl="1" animBg="1" rev="0" advAuto="0" spid="259" grpId="10"/>
       <p:bldP build="whole" bldLvl="1" animBg="1" rev="0" advAuto="0" spid="295" grpId="15"/>
       <p:bldP build="whole" bldLvl="1" animBg="1" rev="0" advAuto="0" spid="275" grpId="13"/>
       <p:bldP build="whole" bldLvl="1" animBg="1" rev="0" advAuto="0" spid="275" grpId="14"/>
-      <p:bldP build="whole" bldLvl="1" animBg="1" rev="0" advAuto="0" spid="296" grpId="16"/>
-      <p:bldP build="whole" bldLvl="1" animBg="1" rev="0" advAuto="0" spid="296" grpId="17"/>
-      <p:bldP build="whole" bldLvl="1" animBg="1" rev="0" advAuto="0" spid="274" grpId="9"/>
-      <p:bldP build="whole" bldLvl="1" animBg="1" rev="0" advAuto="0" spid="251" grpId="4"/>
-      <p:bldP build="whole" bldLvl="1" animBg="1" rev="0" advAuto="0" spid="251" grpId="5"/>
-      <p:bldP build="whole" bldLvl="1" animBg="1" rev="0" advAuto="0" spid="297" grpId="19"/>
-      <p:bldP build="whole" bldLvl="1" animBg="1" rev="0" advAuto="0" spid="243" grpId="2"/>
       <p:bldP build="whole" bldLvl="1" animBg="1" rev="0" advAuto="0" spid="282" grpId="12"/>
-      <p:bldP build="whole" bldLvl="1" animBg="1" rev="0" advAuto="0" spid="267" grpId="10"/>
-      <p:bldP build="whole" bldLvl="1" animBg="1" rev="0" advAuto="0" spid="267" grpId="11"/>
-      <p:bldP build="whole" bldLvl="1" animBg="1" rev="0" advAuto="0" spid="318" grpId="20"/>
-      <p:bldP build="whole" bldLvl="1" animBg="1" rev="0" advAuto="0" spid="250" grpId="1"/>
+      <p:bldP build="whole" bldLvl="1" animBg="1" rev="0" advAuto="0" spid="304" grpId="18"/>
       <p:bldP build="whole" bldLvl="1" animBg="1" rev="0" advAuto="0" spid="305" grpId="21"/>
       <p:bldP build="whole" bldLvl="1" animBg="1" rev="0" advAuto="0" spid="305" grpId="22"/>
-      <p:bldP build="whole" bldLvl="1" animBg="1" rev="0" advAuto="0" spid="258" grpId="3"/>
-      <p:bldP build="whole" bldLvl="1" animBg="1" rev="0" advAuto="0" spid="259" grpId="7"/>
     </p:bldLst>
   </p:timing>
 </p:sld>
@@ -18374,19 +19772,19 @@
       </p:par>
     </p:tnLst>
     <p:bldLst>
+      <p:bldP build="whole" bldLvl="1" animBg="1" rev="0" advAuto="0" spid="345" grpId="10"/>
+      <p:bldP build="whole" bldLvl="1" animBg="1" rev="0" advAuto="0" spid="330" grpId="9"/>
+      <p:bldP build="whole" bldLvl="1" animBg="1" rev="0" advAuto="0" spid="326" grpId="3"/>
+      <p:bldP build="whole" bldLvl="1" animBg="1" rev="0" advAuto="0" spid="349" grpId="7"/>
+      <p:bldP build="whole" bldLvl="1" animBg="1" rev="0" advAuto="0" spid="332" grpId="12"/>
+      <p:bldP build="whole" bldLvl="1" animBg="1" rev="0" advAuto="0" spid="336" grpId="8"/>
+      <p:bldP build="whole" bldLvl="1" animBg="1" rev="0" advAuto="0" spid="341" grpId="4"/>
+      <p:bldP build="whole" bldLvl="1" animBg="1" rev="0" advAuto="0" spid="328" grpId="6"/>
+      <p:bldP build="whole" bldLvl="1" animBg="1" rev="0" advAuto="0" spid="334" grpId="2"/>
+      <p:bldP build="whole" bldLvl="1" animBg="1" rev="0" advAuto="0" spid="335" grpId="5"/>
       <p:bldP build="whole" bldLvl="1" animBg="1" rev="0" advAuto="0" spid="325" grpId="1"/>
-      <p:bldP build="whole" bldLvl="1" animBg="1" rev="0" advAuto="0" spid="330" grpId="9"/>
-      <p:bldP build="whole" bldLvl="1" animBg="1" rev="0" advAuto="0" spid="345" grpId="10"/>
-      <p:bldP build="whole" bldLvl="1" animBg="1" rev="0" advAuto="0" spid="349" grpId="7"/>
+      <p:bldP build="whole" bldLvl="1" animBg="1" rev="0" advAuto="0" spid="337" grpId="11"/>
       <p:bldP build="whole" bldLvl="1" animBg="1" rev="0" advAuto="0" spid="353" grpId="13"/>
-      <p:bldP build="whole" bldLvl="1" animBg="1" rev="0" advAuto="0" spid="328" grpId="6"/>
-      <p:bldP build="whole" bldLvl="1" animBg="1" rev="0" advAuto="0" spid="326" grpId="3"/>
-      <p:bldP build="whole" bldLvl="1" animBg="1" rev="0" advAuto="0" spid="336" grpId="8"/>
-      <p:bldP build="whole" bldLvl="1" animBg="1" rev="0" advAuto="0" spid="334" grpId="2"/>
-      <p:bldP build="whole" bldLvl="1" animBg="1" rev="0" advAuto="0" spid="337" grpId="11"/>
-      <p:bldP build="whole" bldLvl="1" animBg="1" rev="0" advAuto="0" spid="341" grpId="4"/>
-      <p:bldP build="whole" bldLvl="1" animBg="1" rev="0" advAuto="0" spid="332" grpId="12"/>
-      <p:bldP build="whole" bldLvl="1" animBg="1" rev="0" advAuto="0" spid="335" grpId="5"/>
     </p:bldLst>
   </p:timing>
 </p:sld>
@@ -26469,70 +27867,70 @@
       </p:par>
     </p:tnLst>
     <p:bldLst>
-      <p:bldP build="whole" bldLvl="1" animBg="1" rev="0" advAuto="0" spid="477" grpId="36"/>
-      <p:bldP build="whole" bldLvl="1" animBg="1" rev="0" advAuto="0" spid="408" grpId="48"/>
+      <p:bldP build="whole" bldLvl="1" animBg="1" rev="0" advAuto="0" spid="489" grpId="31"/>
       <p:bldP build="whole" bldLvl="1" animBg="1" rev="0" advAuto="0" spid="390" grpId="19"/>
+      <p:bldP build="whole" bldLvl="1" animBg="1" rev="0" advAuto="0" spid="443" grpId="5"/>
       <p:bldP build="whole" bldLvl="1" animBg="1" rev="0" advAuto="0" spid="378" grpId="44"/>
+      <p:bldP build="whole" bldLvl="1" animBg="1" rev="0" advAuto="0" spid="366" grpId="3"/>
+      <p:bldP build="whole" bldLvl="1" animBg="1" rev="0" advAuto="0" spid="399" grpId="46"/>
+      <p:bldP build="whole" bldLvl="1" animBg="1" rev="0" advAuto="0" spid="499" grpId="57"/>
+      <p:bldP build="whole" bldLvl="1" animBg="1" rev="0" advAuto="0" spid="505" grpId="62"/>
+      <p:bldP build="whole" bldLvl="1" animBg="1" rev="0" advAuto="0" spid="509" grpId="64"/>
       <p:bldP build="whole" bldLvl="1" animBg="1" rev="0" advAuto="0" spid="455" grpId="41"/>
-      <p:bldP build="whole" bldLvl="1" animBg="1" rev="0" advAuto="0" spid="429" grpId="52"/>
-      <p:bldP build="whole" bldLvl="1" animBg="1" rev="0" advAuto="0" spid="438" grpId="21"/>
-      <p:bldP build="whole" bldLvl="1" animBg="1" rev="0" advAuto="0" spid="503" grpId="61"/>
-      <p:bldP build="whole" bldLvl="1" animBg="1" rev="0" advAuto="0" spid="491" grpId="58"/>
-      <p:bldP build="whole" bldLvl="1" animBg="1" rev="0" advAuto="0" spid="399" grpId="46"/>
-      <p:bldP build="whole" bldLvl="1" animBg="1" rev="0" advAuto="0" spid="443" grpId="5"/>
+      <p:bldP build="whole" bldLvl="1" animBg="1" rev="0" advAuto="0" spid="471" grpId="27"/>
       <p:bldP build="whole" bldLvl="1" animBg="1" rev="0" advAuto="0" spid="402" grpId="17"/>
-      <p:bldP build="whole" bldLvl="1" animBg="1" rev="0" advAuto="0" spid="487" grpId="30"/>
-      <p:bldP build="whole" bldLvl="1" animBg="1" rev="0" advAuto="0" spid="483" grpId="28"/>
       <p:bldP build="whole" bldLvl="1" animBg="1" rev="0" advAuto="0" spid="423" grpId="15"/>
-      <p:bldP build="whole" bldLvl="1" animBg="1" rev="0" advAuto="0" spid="495" grpId="55"/>
       <p:bldP build="whole" bldLvl="1" animBg="1" rev="0" advAuto="0" spid="357" grpId="32"/>
-      <p:bldP build="whole" bldLvl="1" animBg="1" rev="0" advAuto="0" spid="471" grpId="27"/>
+      <p:bldP build="whole" bldLvl="1" animBg="1" rev="0" advAuto="0" spid="461" grpId="43"/>
+      <p:bldP build="whole" bldLvl="1" animBg="1" rev="0" advAuto="0" spid="479" grpId="38"/>
       <p:bldP build="whole" bldLvl="1" animBg="1" rev="0" advAuto="0" spid="381" grpId="33"/>
-      <p:bldP build="whole" bldLvl="1" animBg="1" rev="0" advAuto="0" spid="453" grpId="12"/>
       <p:bldP build="whole" bldLvl="1" animBg="1" rev="0" advAuto="0" spid="393" grpId="16"/>
       <p:bldP build="whole" bldLvl="1" animBg="1" rev="0" advAuto="0" spid="411" grpId="49"/>
-      <p:bldP build="whole" bldLvl="1" animBg="1" rev="0" advAuto="0" spid="439" grpId="6"/>
-      <p:bldP build="whole" bldLvl="1" animBg="1" rev="0" advAuto="0" spid="493" grpId="63"/>
       <p:bldP build="whole" bldLvl="1" animBg="1" rev="0" advAuto="0" spid="465" grpId="26"/>
+      <p:bldP build="whole" bldLvl="1" animBg="1" rev="0" advAuto="0" spid="375" grpId="50"/>
+      <p:bldP build="whole" bldLvl="1" animBg="1" rev="0" advAuto="0" spid="449" grpId="10"/>
       <p:bldP build="whole" bldLvl="1" animBg="1" rev="0" advAuto="0" spid="432" grpId="53"/>
+      <p:bldP build="whole" bldLvl="1" animBg="1" rev="0" advAuto="0" spid="469" grpId="23"/>
+      <p:bldP build="whole" bldLvl="1" animBg="1" rev="0" advAuto="0" spid="369" grpId="4"/>
+      <p:bldP build="whole" bldLvl="1" animBg="1" rev="0" advAuto="0" spid="457" grpId="42"/>
       <p:bldP build="whole" bldLvl="1" animBg="1" rev="0" advAuto="0" spid="384" grpId="13"/>
-      <p:bldP build="whole" bldLvl="1" animBg="1" rev="0" advAuto="0" spid="501" grpId="59"/>
+      <p:bldP build="whole" bldLvl="1" animBg="1" rev="0" advAuto="0" spid="435" grpId="54"/>
+      <p:bldP build="whole" bldLvl="1" animBg="1" rev="0" advAuto="0" spid="453" grpId="12"/>
+      <p:bldP build="whole" bldLvl="1" animBg="1" rev="0" advAuto="0" spid="495" grpId="55"/>
       <p:bldP build="whole" bldLvl="1" animBg="1" rev="0" advAuto="0" spid="360" grpId="1"/>
       <p:bldP build="whole" bldLvl="1" animBg="1" rev="0" advAuto="0" spid="414" grpId="34"/>
-      <p:bldP build="whole" bldLvl="1" animBg="1" rev="0" advAuto="0" spid="372" grpId="47"/>
-      <p:bldP build="whole" bldLvl="1" animBg="1" rev="0" advAuto="0" spid="505" grpId="62"/>
-      <p:bldP build="whole" bldLvl="1" animBg="1" rev="0" advAuto="0" spid="366" grpId="3"/>
       <p:bldP build="whole" bldLvl="1" animBg="1" rev="0" advAuto="0" spid="445" grpId="9"/>
+      <p:bldP build="whole" bldLvl="1" animBg="1" rev="0" advAuto="0" spid="463" grpId="25"/>
+      <p:bldP build="whole" bldLvl="1" animBg="1" rev="0" advAuto="0" spid="438" grpId="21"/>
+      <p:bldP build="whole" bldLvl="1" animBg="1" rev="0" advAuto="0" spid="491" grpId="58"/>
+      <p:bldP build="whole" bldLvl="1" animBg="1" rev="0" advAuto="0" spid="501" grpId="59"/>
+      <p:bldP build="whole" bldLvl="1" animBg="1" rev="0" advAuto="0" spid="503" grpId="61"/>
       <p:bldP build="whole" bldLvl="1" animBg="1" rev="0" advAuto="0" spid="475" grpId="39"/>
+      <p:bldP build="whole" bldLvl="1" animBg="1" rev="0" advAuto="0" spid="396" grpId="20"/>
       <p:bldP build="whole" bldLvl="1" animBg="1" rev="0" advAuto="0" spid="473" grpId="22"/>
-      <p:bldP build="whole" bldLvl="1" animBg="1" rev="0" advAuto="0" spid="485" grpId="29"/>
-      <p:bldP build="whole" bldLvl="1" animBg="1" rev="0" advAuto="0" spid="396" grpId="20"/>
-      <p:bldP build="whole" bldLvl="1" animBg="1" rev="0" advAuto="0" spid="457" grpId="42"/>
+      <p:bldP build="whole" bldLvl="1" animBg="1" rev="0" advAuto="0" spid="483" grpId="28"/>
+      <p:bldP build="whole" bldLvl="1" animBg="1" rev="0" advAuto="0" spid="405" grpId="45"/>
+      <p:bldP build="whole" bldLvl="1" animBg="1" rev="0" advAuto="0" spid="481" grpId="37"/>
       <p:bldP build="whole" bldLvl="1" animBg="1" rev="0" advAuto="0" spid="497" grpId="56"/>
-      <p:bldP build="whole" bldLvl="1" animBg="1" rev="0" advAuto="0" spid="459" grpId="40"/>
-      <p:bldP build="whole" bldLvl="1" animBg="1" rev="0" advAuto="0" spid="461" grpId="43"/>
-      <p:bldP build="whole" bldLvl="1" animBg="1" rev="0" advAuto="0" spid="435" grpId="54"/>
-      <p:bldP build="whole" bldLvl="1" animBg="1" rev="0" advAuto="0" spid="481" grpId="37"/>
-      <p:bldP build="whole" bldLvl="1" animBg="1" rev="0" advAuto="0" spid="405" grpId="45"/>
-      <p:bldP build="whole" bldLvl="1" animBg="1" rev="0" advAuto="0" spid="499" grpId="57"/>
       <p:bldP build="whole" bldLvl="1" animBg="1" rev="0" advAuto="0" spid="387" grpId="18"/>
-      <p:bldP build="whole" bldLvl="1" animBg="1" rev="0" advAuto="0" spid="489" grpId="31"/>
-      <p:bldP build="whole" bldLvl="1" animBg="1" rev="0" advAuto="0" spid="479" grpId="38"/>
+      <p:bldP build="whole" bldLvl="1" animBg="1" rev="0" advAuto="0" spid="451" grpId="11"/>
+      <p:bldP build="whole" bldLvl="1" animBg="1" rev="0" advAuto="0" spid="439" grpId="6"/>
       <p:bldP build="whole" bldLvl="1" animBg="1" rev="0" advAuto="0" spid="363" grpId="2"/>
       <p:bldP build="whole" bldLvl="1" animBg="1" rev="0" advAuto="0" spid="426" grpId="51"/>
       <p:bldP build="whole" bldLvl="1" animBg="1" rev="0" advAuto="0" spid="417" grpId="35"/>
-      <p:bldP build="whole" bldLvl="1" animBg="1" rev="0" advAuto="0" spid="509" grpId="64"/>
-      <p:bldP build="whole" bldLvl="1" animBg="1" rev="0" advAuto="0" spid="463" grpId="25"/>
+      <p:bldP build="whole" bldLvl="1" animBg="1" rev="0" advAuto="0" spid="441" grpId="7"/>
+      <p:bldP build="whole" bldLvl="1" animBg="1" rev="0" advAuto="0" spid="477" grpId="36"/>
       <p:bldP build="whole" bldLvl="1" animBg="1" rev="0" advAuto="0" spid="507" grpId="60"/>
-      <p:bldP build="whole" bldLvl="1" animBg="1" rev="0" advAuto="0" spid="375" grpId="50"/>
       <p:bldP build="whole" bldLvl="1" animBg="1" rev="0" advAuto="0" spid="467" grpId="24"/>
-      <p:bldP build="whole" bldLvl="1" animBg="1" rev="0" advAuto="0" spid="449" grpId="10"/>
+      <p:bldP build="whole" bldLvl="1" animBg="1" rev="0" advAuto="0" spid="487" grpId="30"/>
       <p:bldP build="whole" bldLvl="1" animBg="1" rev="0" advAuto="0" spid="447" grpId="8"/>
-      <p:bldP build="whole" bldLvl="1" animBg="1" rev="0" advAuto="0" spid="441" grpId="7"/>
-      <p:bldP build="whole" bldLvl="1" animBg="1" rev="0" advAuto="0" spid="369" grpId="4"/>
       <p:bldP build="whole" bldLvl="1" animBg="1" rev="0" advAuto="0" spid="420" grpId="14"/>
-      <p:bldP build="whole" bldLvl="1" animBg="1" rev="0" advAuto="0" spid="469" grpId="23"/>
-      <p:bldP build="whole" bldLvl="1" animBg="1" rev="0" advAuto="0" spid="451" grpId="11"/>
+      <p:bldP build="whole" bldLvl="1" animBg="1" rev="0" advAuto="0" spid="459" grpId="40"/>
+      <p:bldP build="whole" bldLvl="1" animBg="1" rev="0" advAuto="0" spid="485" grpId="29"/>
+      <p:bldP build="whole" bldLvl="1" animBg="1" rev="0" advAuto="0" spid="493" grpId="63"/>
+      <p:bldP build="whole" bldLvl="1" animBg="1" rev="0" advAuto="0" spid="429" grpId="52"/>
+      <p:bldP build="whole" bldLvl="1" animBg="1" rev="0" advAuto="0" spid="372" grpId="47"/>
+      <p:bldP build="whole" bldLvl="1" animBg="1" rev="0" advAuto="0" spid="408" grpId="48"/>
     </p:bldLst>
   </p:timing>
 </p:sld>
@@ -27508,14 +28906,14 @@
       </p:par>
     </p:tnLst>
     <p:bldLst>
+      <p:bldP build="whole" bldLvl="1" animBg="1" rev="0" advAuto="0" spid="531" grpId="2"/>
       <p:bldP build="whole" bldLvl="1" animBg="1" rev="0" advAuto="0" spid="529" grpId="6"/>
+      <p:bldP build="whole" bldLvl="1" animBg="1" rev="0" advAuto="0" spid="527" grpId="4"/>
+      <p:bldP build="whole" bldLvl="1" animBg="1" rev="0" advAuto="0" spid="516" grpId="5"/>
+      <p:bldP build="whole" bldLvl="1" animBg="1" rev="0" advAuto="0" spid="519" grpId="3"/>
+      <p:bldP build="whole" bldLvl="1" animBg="1" rev="0" advAuto="0" spid="526" grpId="7"/>
+      <p:bldP build="whole" bldLvl="1" animBg="1" rev="0" advAuto="0" spid="522" grpId="1"/>
       <p:bldP build="whole" bldLvl="1" animBg="1" rev="0" advAuto="0" spid="526" grpId="8"/>
-      <p:bldP build="whole" bldLvl="1" animBg="1" rev="0" advAuto="0" spid="519" grpId="3"/>
-      <p:bldP build="whole" bldLvl="1" animBg="1" rev="0" advAuto="0" spid="527" grpId="4"/>
-      <p:bldP build="whole" bldLvl="1" animBg="1" rev="0" advAuto="0" spid="522" grpId="1"/>
-      <p:bldP build="whole" bldLvl="1" animBg="1" rev="0" advAuto="0" spid="531" grpId="2"/>
-      <p:bldP build="whole" bldLvl="1" animBg="1" rev="0" advAuto="0" spid="516" grpId="5"/>
-      <p:bldP build="whole" bldLvl="1" animBg="1" rev="0" advAuto="0" spid="526" grpId="7"/>
     </p:bldLst>
   </p:timing>
 </p:sld>
@@ -29219,13 +30617,13 @@
       </p:par>
     </p:tnLst>
     <p:bldLst>
+      <p:bldP build="whole" bldLvl="1" animBg="1" rev="0" advAuto="0" spid="561" grpId="4"/>
+      <p:bldP build="whole" bldLvl="1" animBg="1" rev="0" advAuto="0" spid="558" grpId="1"/>
       <p:bldP build="whole" bldLvl="1" animBg="1" rev="0" advAuto="0" spid="543" grpId="3"/>
+      <p:bldP build="whole" bldLvl="1" animBg="1" rev="0" advAuto="0" spid="539" grpId="2"/>
+      <p:bldP build="whole" bldLvl="1" animBg="1" rev="0" advAuto="0" spid="547" grpId="5"/>
       <p:bldP build="whole" bldLvl="1" animBg="1" rev="0" advAuto="0" spid="551" grpId="6"/>
-      <p:bldP build="whole" bldLvl="1" animBg="1" rev="0" advAuto="0" spid="547" grpId="5"/>
-      <p:bldP build="whole" bldLvl="1" animBg="1" rev="0" advAuto="0" spid="558" grpId="1"/>
       <p:bldP build="whole" bldLvl="1" animBg="1" rev="0" advAuto="0" spid="555" grpId="7"/>
-      <p:bldP build="whole" bldLvl="1" animBg="1" rev="0" advAuto="0" spid="561" grpId="4"/>
-      <p:bldP build="whole" bldLvl="1" animBg="1" rev="0" advAuto="0" spid="539" grpId="2"/>
     </p:bldLst>
   </p:timing>
 </p:sld>

--- a/packages/Packages.pptx
+++ b/packages/Packages.pptx
@@ -5489,7 +5489,7 @@
       </p:grpSpPr>
       <p:sp>
         <p:nvSpPr>
-          <p:cNvPr id="563" name="Title 6"/>
+          <p:cNvPr id="567" name="Title 6"/>
           <p:cNvSpPr txBox="1"/>
           <p:nvPr>
             <p:ph type="title"/>
@@ -5525,7 +5525,7 @@
       </p:sp>
       <p:pic>
         <p:nvPicPr>
-          <p:cNvPr id="564" name="cubes.png" descr="cubes.png"/>
+          <p:cNvPr id="568" name="cubes.png" descr="cubes.png"/>
           <p:cNvPicPr>
             <a:picLocks noChangeAspect="1"/>
           </p:cNvPicPr>
@@ -5554,7 +5554,7 @@
       </p:pic>
       <p:grpSp>
         <p:nvGrpSpPr>
-          <p:cNvPr id="567" name="Group"/>
+          <p:cNvPr id="571" name="Group"/>
           <p:cNvGrpSpPr/>
           <p:nvPr/>
         </p:nvGrpSpPr>
@@ -5568,7 +5568,7 @@
         </p:grpSpPr>
         <p:sp>
           <p:nvSpPr>
-            <p:cNvPr id="565" name="Rectangle"/>
+            <p:cNvPr id="569" name="Rectangle"/>
             <p:cNvSpPr/>
             <p:nvPr/>
           </p:nvSpPr>
@@ -5623,7 +5623,7 @@
         </p:sp>
         <p:sp>
           <p:nvSpPr>
-            <p:cNvPr id="566" name="package p1"/>
+            <p:cNvPr id="570" name="package p1"/>
             <p:cNvSpPr/>
             <p:nvPr/>
           </p:nvSpPr>
@@ -5681,7 +5681,7 @@
       </p:grpSp>
       <p:grpSp>
         <p:nvGrpSpPr>
-          <p:cNvPr id="570" name="Group"/>
+          <p:cNvPr id="574" name="Group"/>
           <p:cNvGrpSpPr/>
           <p:nvPr/>
         </p:nvGrpSpPr>
@@ -5695,7 +5695,7 @@
         </p:grpSpPr>
         <p:sp>
           <p:nvSpPr>
-            <p:cNvPr id="568" name="Rectangle"/>
+            <p:cNvPr id="572" name="Rectangle"/>
             <p:cNvSpPr/>
             <p:nvPr/>
           </p:nvSpPr>
@@ -5750,7 +5750,7 @@
         </p:sp>
         <p:sp>
           <p:nvSpPr>
-            <p:cNvPr id="569" name="package p2"/>
+            <p:cNvPr id="573" name="package p2"/>
             <p:cNvSpPr/>
             <p:nvPr/>
           </p:nvSpPr>
@@ -5808,7 +5808,7 @@
       </p:grpSp>
       <p:grpSp>
         <p:nvGrpSpPr>
-          <p:cNvPr id="573" name="Group"/>
+          <p:cNvPr id="577" name="Group"/>
           <p:cNvGrpSpPr/>
           <p:nvPr/>
         </p:nvGrpSpPr>
@@ -5822,7 +5822,7 @@
         </p:grpSpPr>
         <p:sp>
           <p:nvSpPr>
-            <p:cNvPr id="571" name="p1_test.go"/>
+            <p:cNvPr id="575" name="p1_test.go"/>
             <p:cNvSpPr/>
             <p:nvPr/>
           </p:nvSpPr>
@@ -5873,7 +5873,7 @@
         </p:sp>
         <p:sp>
           <p:nvSpPr>
-            <p:cNvPr id="572" name="Rectangle"/>
+            <p:cNvPr id="576" name="Rectangle"/>
             <p:cNvSpPr/>
             <p:nvPr/>
           </p:nvSpPr>
@@ -5923,7 +5923,7 @@
       </p:grpSp>
       <p:grpSp>
         <p:nvGrpSpPr>
-          <p:cNvPr id="576" name="Group"/>
+          <p:cNvPr id="580" name="Group"/>
           <p:cNvGrpSpPr/>
           <p:nvPr/>
         </p:nvGrpSpPr>
@@ -5937,7 +5937,7 @@
         </p:grpSpPr>
         <p:sp>
           <p:nvSpPr>
-            <p:cNvPr id="574" name="p2_test.go"/>
+            <p:cNvPr id="578" name="p2_test.go"/>
             <p:cNvSpPr/>
             <p:nvPr/>
           </p:nvSpPr>
@@ -5988,7 +5988,7 @@
         </p:sp>
         <p:sp>
           <p:nvSpPr>
-            <p:cNvPr id="575" name="Rectangle"/>
+            <p:cNvPr id="579" name="Rectangle"/>
             <p:cNvSpPr/>
             <p:nvPr/>
           </p:nvSpPr>
@@ -6038,7 +6038,7 @@
       </p:grpSp>
       <p:pic>
         <p:nvPicPr>
-          <p:cNvPr id="577" name="Line Line" descr="Line Line"/>
+          <p:cNvPr id="581" name="Line Line" descr="Line Line"/>
           <p:cNvPicPr>
             <a:picLocks noChangeAspect="0"/>
           </p:cNvPicPr>
@@ -6064,7 +6064,7 @@
       </p:pic>
       <p:pic>
         <p:nvPicPr>
-          <p:cNvPr id="579" name="no-entry.png" descr="no-entry.png"/>
+          <p:cNvPr id="583" name="no-entry.png" descr="no-entry.png"/>
           <p:cNvPicPr>
             <a:picLocks noChangeAspect="1"/>
           </p:cNvPicPr>
@@ -6144,7 +6144,7 @@
                                       <p:cBhvr>
                                         <p:cTn id="6" fill="hold"/>
                                         <p:tgtEl>
-                                          <p:spTgt spid="573"/>
+                                          <p:spTgt spid="577"/>
                                         </p:tgtEl>
                                         <p:attrNameLst>
                                           <p:attrName>style.visibility</p:attrName>
@@ -6158,7 +6158,7 @@
                                       <p:cBhvr>
                                         <p:cTn id="7" dur="700" fill="hold"/>
                                         <p:tgtEl>
-                                          <p:spTgt spid="573"/>
+                                          <p:spTgt spid="577"/>
                                         </p:tgtEl>
                                         <p:attrNameLst>
                                           <p:attrName>ppt_x</p:attrName>
@@ -6181,7 +6181,7 @@
                                       <p:cBhvr>
                                         <p:cTn id="8" dur="700" fill="hold"/>
                                         <p:tgtEl>
-                                          <p:spTgt spid="573"/>
+                                          <p:spTgt spid="577"/>
                                         </p:tgtEl>
                                         <p:attrNameLst>
                                           <p:attrName>ppt_y</p:attrName>
@@ -6225,7 +6225,7 @@
                                       <p:cBhvr>
                                         <p:cTn id="11" fill="hold"/>
                                         <p:tgtEl>
-                                          <p:spTgt spid="567"/>
+                                          <p:spTgt spid="571"/>
                                         </p:tgtEl>
                                         <p:attrNameLst>
                                           <p:attrName>style.visibility</p:attrName>
@@ -6239,7 +6239,7 @@
                                       <p:cBhvr>
                                         <p:cTn id="12" dur="700"/>
                                         <p:tgtEl>
-                                          <p:spTgt spid="567"/>
+                                          <p:spTgt spid="571"/>
                                         </p:tgtEl>
                                       </p:cBhvr>
                                     </p:animEffect>
@@ -6268,7 +6268,7 @@
                                       <p:cBhvr>
                                         <p:cTn id="15" fill="hold"/>
                                         <p:tgtEl>
-                                          <p:spTgt spid="576"/>
+                                          <p:spTgt spid="580"/>
                                         </p:tgtEl>
                                         <p:attrNameLst>
                                           <p:attrName>style.visibility</p:attrName>
@@ -6282,7 +6282,7 @@
                                       <p:cBhvr>
                                         <p:cTn id="16" dur="700" fill="hold"/>
                                         <p:tgtEl>
-                                          <p:spTgt spid="576"/>
+                                          <p:spTgt spid="580"/>
                                         </p:tgtEl>
                                         <p:attrNameLst>
                                           <p:attrName>ppt_x</p:attrName>
@@ -6305,7 +6305,7 @@
                                       <p:cBhvr>
                                         <p:cTn id="17" dur="700" fill="hold"/>
                                         <p:tgtEl>
-                                          <p:spTgt spid="576"/>
+                                          <p:spTgt spid="580"/>
                                         </p:tgtEl>
                                         <p:attrNameLst>
                                           <p:attrName>ppt_y</p:attrName>
@@ -6349,7 +6349,7 @@
                                       <p:cBhvr>
                                         <p:cTn id="20" fill="hold"/>
                                         <p:tgtEl>
-                                          <p:spTgt spid="570"/>
+                                          <p:spTgt spid="574"/>
                                         </p:tgtEl>
                                         <p:attrNameLst>
                                           <p:attrName>style.visibility</p:attrName>
@@ -6363,7 +6363,7 @@
                                       <p:cBhvr>
                                         <p:cTn id="21" dur="700"/>
                                         <p:tgtEl>
-                                          <p:spTgt spid="570"/>
+                                          <p:spTgt spid="574"/>
                                         </p:tgtEl>
                                       </p:cBhvr>
                                     </p:animEffect>
@@ -6392,7 +6392,7 @@
                                       <p:cBhvr>
                                         <p:cTn id="24" fill="hold"/>
                                         <p:tgtEl>
-                                          <p:spTgt spid="577"/>
+                                          <p:spTgt spid="581"/>
                                         </p:tgtEl>
                                         <p:attrNameLst>
                                           <p:attrName>style.visibility</p:attrName>
@@ -6406,7 +6406,7 @@
                                       <p:cBhvr>
                                         <p:cTn id="25" dur="500"/>
                                         <p:tgtEl>
-                                          <p:spTgt spid="577"/>
+                                          <p:spTgt spid="581"/>
                                         </p:tgtEl>
                                       </p:cBhvr>
                                     </p:animEffect>
@@ -6435,7 +6435,7 @@
                                       <p:cBhvr>
                                         <p:cTn id="28" fill="hold"/>
                                         <p:tgtEl>
-                                          <p:spTgt spid="579"/>
+                                          <p:spTgt spid="583"/>
                                         </p:tgtEl>
                                         <p:attrNameLst>
                                           <p:attrName>style.visibility</p:attrName>
@@ -6467,7 +6467,7 @@
                                       <p:cBhvr>
                                         <p:cTn id="31" dur="700" fill="hold"/>
                                         <p:tgtEl>
-                                          <p:spTgt spid="579"/>
+                                          <p:spTgt spid="583"/>
                                         </p:tgtEl>
                                         <p:attrNameLst>
                                           <p:attrName>style.visibility</p:attrName>
@@ -6517,13 +6517,13 @@
       </p:par>
     </p:tnLst>
     <p:bldLst>
-      <p:bldP build="whole" bldLvl="1" animBg="1" rev="0" advAuto="0" spid="577" grpId="5"/>
-      <p:bldP build="whole" bldLvl="1" animBg="1" rev="0" advAuto="0" spid="570" grpId="4"/>
-      <p:bldP build="whole" bldLvl="1" animBg="1" rev="0" advAuto="0" spid="579" grpId="6"/>
-      <p:bldP build="whole" bldLvl="1" animBg="1" rev="0" advAuto="0" spid="579" grpId="7"/>
-      <p:bldP build="whole" bldLvl="1" animBg="1" rev="0" advAuto="0" spid="567" grpId="2"/>
-      <p:bldP build="whole" bldLvl="1" animBg="1" rev="0" advAuto="0" spid="576" grpId="3"/>
-      <p:bldP build="whole" bldLvl="1" animBg="1" rev="0" advAuto="0" spid="573" grpId="1"/>
+      <p:bldP build="whole" bldLvl="1" animBg="1" rev="0" advAuto="0" spid="581" grpId="5"/>
+      <p:bldP build="whole" bldLvl="1" animBg="1" rev="0" advAuto="0" spid="574" grpId="4"/>
+      <p:bldP build="whole" bldLvl="1" animBg="1" rev="0" advAuto="0" spid="583" grpId="6"/>
+      <p:bldP build="whole" bldLvl="1" animBg="1" rev="0" advAuto="0" spid="583" grpId="7"/>
+      <p:bldP build="whole" bldLvl="1" animBg="1" rev="0" advAuto="0" spid="571" grpId="2"/>
+      <p:bldP build="whole" bldLvl="1" animBg="1" rev="0" advAuto="0" spid="577" grpId="1"/>
+      <p:bldP build="whole" bldLvl="1" animBg="1" rev="0" advAuto="0" spid="580" grpId="3"/>
     </p:bldLst>
   </p:timing>
 </p:sld>
@@ -6555,7 +6555,7 @@
       </p:grpSpPr>
       <p:sp>
         <p:nvSpPr>
-          <p:cNvPr id="581" name="Title 6"/>
+          <p:cNvPr id="585" name="Title 6"/>
           <p:cNvSpPr txBox="1"/>
           <p:nvPr>
             <p:ph type="title"/>
@@ -6591,7 +6591,7 @@
       </p:sp>
       <p:pic>
         <p:nvPicPr>
-          <p:cNvPr id="582" name="cubes.png" descr="cubes.png"/>
+          <p:cNvPr id="586" name="cubes.png" descr="cubes.png"/>
           <p:cNvPicPr>
             <a:picLocks noChangeAspect="1"/>
           </p:cNvPicPr>
@@ -6620,7 +6620,7 @@
       </p:pic>
       <p:sp>
         <p:nvSpPr>
-          <p:cNvPr id="583" name="Exported"/>
+          <p:cNvPr id="587" name="Exported"/>
           <p:cNvSpPr txBox="1"/>
           <p:nvPr/>
         </p:nvSpPr>
@@ -6668,7 +6668,7 @@
       </p:sp>
       <p:sp>
         <p:nvSpPr>
-          <p:cNvPr id="584" name="unExported"/>
+          <p:cNvPr id="588" name="unExported"/>
           <p:cNvSpPr txBox="1"/>
           <p:nvPr/>
         </p:nvSpPr>
@@ -6716,7 +6716,7 @@
       </p:sp>
       <p:sp>
         <p:nvSpPr>
-          <p:cNvPr id="585" name="Visible &amp; accessible in all files…"/>
+          <p:cNvPr id="589" name="Visible &amp; accessible in all files…"/>
           <p:cNvSpPr txBox="1"/>
           <p:nvPr/>
         </p:nvSpPr>
@@ -6776,7 +6776,7 @@
       </p:sp>
       <p:sp>
         <p:nvSpPr>
-          <p:cNvPr id="586" name="Visible &amp; accessible inside all files of the…"/>
+          <p:cNvPr id="590" name="Visible &amp; accessible inside all files of the…"/>
           <p:cNvSpPr txBox="1"/>
           <p:nvPr/>
         </p:nvSpPr>
@@ -6836,7 +6836,7 @@
       </p:sp>
       <p:sp>
         <p:nvSpPr>
-          <p:cNvPr id="587" name="Rectangle"/>
+          <p:cNvPr id="591" name="Rectangle"/>
           <p:cNvSpPr/>
           <p:nvPr/>
         </p:nvSpPr>
@@ -6881,7 +6881,7 @@
       </p:sp>
       <p:sp>
         <p:nvSpPr>
-          <p:cNvPr id="588" name="Rectangle"/>
+          <p:cNvPr id="592" name="Rectangle"/>
           <p:cNvSpPr/>
           <p:nvPr/>
         </p:nvSpPr>
@@ -6977,7 +6977,7 @@
                                       <p:cBhvr>
                                         <p:cTn id="6" fill="hold"/>
                                         <p:tgtEl>
-                                          <p:spTgt spid="583"/>
+                                          <p:spTgt spid="587"/>
                                         </p:tgtEl>
                                         <p:attrNameLst>
                                           <p:attrName>style.visibility</p:attrName>
@@ -6991,7 +6991,7 @@
                                       <p:cBhvr>
                                         <p:cTn id="7" dur="800" fill="hold"/>
                                         <p:tgtEl>
-                                          <p:spTgt spid="583"/>
+                                          <p:spTgt spid="587"/>
                                         </p:tgtEl>
                                         <p:attrNameLst>
                                           <p:attrName>ppt_x</p:attrName>
@@ -7014,7 +7014,7 @@
                                       <p:cBhvr>
                                         <p:cTn id="8" dur="800" fill="hold"/>
                                         <p:tgtEl>
-                                          <p:spTgt spid="583"/>
+                                          <p:spTgt spid="587"/>
                                         </p:tgtEl>
                                         <p:attrNameLst>
                                           <p:attrName>ppt_y</p:attrName>
@@ -7058,7 +7058,7 @@
                                       <p:cBhvr>
                                         <p:cTn id="11" fill="hold"/>
                                         <p:tgtEl>
-                                          <p:spTgt spid="587"/>
+                                          <p:spTgt spid="591"/>
                                         </p:tgtEl>
                                         <p:attrNameLst>
                                           <p:attrName>style.visibility</p:attrName>
@@ -7072,7 +7072,7 @@
                                       <p:cBhvr>
                                         <p:cTn id="12" dur="700" fill="hold"/>
                                         <p:tgtEl>
-                                          <p:spTgt spid="587"/>
+                                          <p:spTgt spid="591"/>
                                         </p:tgtEl>
                                         <p:attrNameLst>
                                           <p:attrName>ppt_x</p:attrName>
@@ -7095,7 +7095,7 @@
                                       <p:cBhvr>
                                         <p:cTn id="13" dur="700" fill="hold"/>
                                         <p:tgtEl>
-                                          <p:spTgt spid="587"/>
+                                          <p:spTgt spid="591"/>
                                         </p:tgtEl>
                                         <p:attrNameLst>
                                           <p:attrName>ppt_y</p:attrName>
@@ -7139,7 +7139,7 @@
                                       <p:cBhvr>
                                         <p:cTn id="16" fill="hold"/>
                                         <p:tgtEl>
-                                          <p:spTgt spid="585"/>
+                                          <p:spTgt spid="589"/>
                                         </p:tgtEl>
                                         <p:attrNameLst>
                                           <p:attrName>style.visibility</p:attrName>
@@ -7153,7 +7153,7 @@
                                       <p:cBhvr>
                                         <p:cTn id="17" dur="700"/>
                                         <p:tgtEl>
-                                          <p:spTgt spid="585"/>
+                                          <p:spTgt spid="589"/>
                                         </p:tgtEl>
                                       </p:cBhvr>
                                     </p:animEffect>
@@ -7182,7 +7182,7 @@
                                       <p:cBhvr>
                                         <p:cTn id="20" fill="hold"/>
                                         <p:tgtEl>
-                                          <p:spTgt spid="584"/>
+                                          <p:spTgt spid="588"/>
                                         </p:tgtEl>
                                         <p:attrNameLst>
                                           <p:attrName>style.visibility</p:attrName>
@@ -7196,7 +7196,7 @@
                                       <p:cBhvr>
                                         <p:cTn id="21" dur="800" fill="hold"/>
                                         <p:tgtEl>
-                                          <p:spTgt spid="584"/>
+                                          <p:spTgt spid="588"/>
                                         </p:tgtEl>
                                         <p:attrNameLst>
                                           <p:attrName>ppt_x</p:attrName>
@@ -7219,7 +7219,7 @@
                                       <p:cBhvr>
                                         <p:cTn id="22" dur="800" fill="hold"/>
                                         <p:tgtEl>
-                                          <p:spTgt spid="584"/>
+                                          <p:spTgt spid="588"/>
                                         </p:tgtEl>
                                         <p:attrNameLst>
                                           <p:attrName>ppt_y</p:attrName>
@@ -7263,7 +7263,7 @@
                                       <p:cBhvr>
                                         <p:cTn id="25" fill="hold"/>
                                         <p:tgtEl>
-                                          <p:spTgt spid="588"/>
+                                          <p:spTgt spid="592"/>
                                         </p:tgtEl>
                                         <p:attrNameLst>
                                           <p:attrName>style.visibility</p:attrName>
@@ -7277,7 +7277,7 @@
                                       <p:cBhvr>
                                         <p:cTn id="26" dur="700" fill="hold"/>
                                         <p:tgtEl>
-                                          <p:spTgt spid="588"/>
+                                          <p:spTgt spid="592"/>
                                         </p:tgtEl>
                                         <p:attrNameLst>
                                           <p:attrName>ppt_x</p:attrName>
@@ -7300,7 +7300,7 @@
                                       <p:cBhvr>
                                         <p:cTn id="27" dur="700" fill="hold"/>
                                         <p:tgtEl>
-                                          <p:spTgt spid="588"/>
+                                          <p:spTgt spid="592"/>
                                         </p:tgtEl>
                                         <p:attrNameLst>
                                           <p:attrName>ppt_y</p:attrName>
@@ -7344,7 +7344,7 @@
                                       <p:cBhvr>
                                         <p:cTn id="30" fill="hold"/>
                                         <p:tgtEl>
-                                          <p:spTgt spid="586"/>
+                                          <p:spTgt spid="590"/>
                                         </p:tgtEl>
                                         <p:attrNameLst>
                                           <p:attrName>style.visibility</p:attrName>
@@ -7358,7 +7358,7 @@
                                       <p:cBhvr>
                                         <p:cTn id="31" dur="700"/>
                                         <p:tgtEl>
-                                          <p:spTgt spid="586"/>
+                                          <p:spTgt spid="590"/>
                                         </p:tgtEl>
                                       </p:cBhvr>
                                     </p:animEffect>
@@ -7393,12 +7393,12 @@
       </p:par>
     </p:tnLst>
     <p:bldLst>
-      <p:bldP build="whole" bldLvl="1" animBg="1" rev="0" advAuto="0" spid="587" grpId="2"/>
-      <p:bldP build="whole" bldLvl="1" animBg="1" rev="0" advAuto="0" spid="583" grpId="1"/>
-      <p:bldP build="whole" bldLvl="1" animBg="1" rev="0" advAuto="0" spid="585" grpId="3"/>
-      <p:bldP build="whole" bldLvl="1" animBg="1" rev="0" advAuto="0" spid="584" grpId="4"/>
-      <p:bldP build="whole" bldLvl="1" animBg="1" rev="0" advAuto="0" spid="586" grpId="6"/>
-      <p:bldP build="whole" bldLvl="1" animBg="1" rev="0" advAuto="0" spid="588" grpId="5"/>
+      <p:bldP build="whole" bldLvl="1" animBg="1" rev="0" advAuto="0" spid="590" grpId="6"/>
+      <p:bldP build="whole" bldLvl="1" animBg="1" rev="0" advAuto="0" spid="589" grpId="3"/>
+      <p:bldP build="whole" bldLvl="1" animBg="1" rev="0" advAuto="0" spid="587" grpId="1"/>
+      <p:bldP build="whole" bldLvl="1" animBg="1" rev="0" advAuto="0" spid="588" grpId="4"/>
+      <p:bldP build="whole" bldLvl="1" animBg="1" rev="0" advAuto="0" spid="592" grpId="5"/>
+      <p:bldP build="whole" bldLvl="1" animBg="1" rev="0" advAuto="0" spid="591" grpId="2"/>
     </p:bldLst>
   </p:timing>
 </p:sld>
@@ -7430,7 +7430,7 @@
       </p:grpSpPr>
       <p:sp>
         <p:nvSpPr>
-          <p:cNvPr id="590" name="Title 6"/>
+          <p:cNvPr id="594" name="Title 6"/>
           <p:cNvSpPr txBox="1"/>
           <p:nvPr>
             <p:ph type="title"/>
@@ -7466,7 +7466,7 @@
       </p:sp>
       <p:pic>
         <p:nvPicPr>
-          <p:cNvPr id="591" name="cubes.png" descr="cubes.png"/>
+          <p:cNvPr id="595" name="cubes.png" descr="cubes.png"/>
           <p:cNvPicPr>
             <a:picLocks noChangeAspect="1"/>
           </p:cNvPicPr>
@@ -7495,7 +7495,7 @@
       </p:pic>
       <p:grpSp>
         <p:nvGrpSpPr>
-          <p:cNvPr id="597" name="Group"/>
+          <p:cNvPr id="601" name="Group"/>
           <p:cNvGrpSpPr/>
           <p:nvPr/>
         </p:nvGrpSpPr>
@@ -7509,7 +7509,7 @@
         </p:grpSpPr>
         <p:sp>
           <p:nvSpPr>
-            <p:cNvPr id="592" name="Rounded Rectangle"/>
+            <p:cNvPr id="596" name="Rounded Rectangle"/>
             <p:cNvSpPr/>
             <p:nvPr/>
           </p:nvSpPr>
@@ -7560,7 +7560,7 @@
         </p:sp>
         <p:sp>
           <p:nvSpPr>
-            <p:cNvPr id="593" name="Circle"/>
+            <p:cNvPr id="597" name="Circle"/>
             <p:cNvSpPr/>
             <p:nvPr/>
           </p:nvSpPr>
@@ -7609,7 +7609,7 @@
         </p:sp>
         <p:sp>
           <p:nvSpPr>
-            <p:cNvPr id="594" name="Circle"/>
+            <p:cNvPr id="598" name="Circle"/>
             <p:cNvSpPr/>
             <p:nvPr/>
           </p:nvSpPr>
@@ -7658,7 +7658,7 @@
         </p:sp>
         <p:sp>
           <p:nvSpPr>
-            <p:cNvPr id="595" name="Circle"/>
+            <p:cNvPr id="599" name="Circle"/>
             <p:cNvSpPr/>
             <p:nvPr/>
           </p:nvSpPr>
@@ -7707,7 +7707,7 @@
         </p:sp>
         <p:sp>
           <p:nvSpPr>
-            <p:cNvPr id="596" name="Rectangle"/>
+            <p:cNvPr id="600" name="Rectangle"/>
             <p:cNvSpPr/>
             <p:nvPr/>
           </p:nvSpPr>
@@ -7757,7 +7757,7 @@
       </p:grpSp>
       <p:pic>
         <p:nvPicPr>
-          <p:cNvPr id="598" name="server.png" descr="server.png"/>
+          <p:cNvPr id="602" name="server.png" descr="server.png"/>
           <p:cNvPicPr>
             <a:picLocks noChangeAspect="1"/>
           </p:cNvPicPr>
@@ -7786,7 +7786,7 @@
       </p:pic>
       <p:pic>
         <p:nvPicPr>
-          <p:cNvPr id="599" name="folder.png" descr="folder.png"/>
+          <p:cNvPr id="603" name="folder.png" descr="folder.png"/>
           <p:cNvPicPr>
             <a:picLocks noChangeAspect="1"/>
           </p:cNvPicPr>
@@ -7815,7 +7815,7 @@
       </p:pic>
       <p:sp>
         <p:nvSpPr>
-          <p:cNvPr id="600" name="$GOPATH/src"/>
+          <p:cNvPr id="604" name="$GOPATH/src"/>
           <p:cNvSpPr txBox="1"/>
           <p:nvPr/>
         </p:nvSpPr>
@@ -7863,7 +7863,7 @@
       </p:sp>
       <p:grpSp>
         <p:nvGrpSpPr>
-          <p:cNvPr id="604" name="Group"/>
+          <p:cNvPr id="608" name="Group"/>
           <p:cNvGrpSpPr/>
           <p:nvPr/>
         </p:nvGrpSpPr>
@@ -7877,7 +7877,7 @@
         </p:grpSpPr>
         <p:sp>
           <p:nvSpPr>
-            <p:cNvPr id="601" name="Rectangle"/>
+            <p:cNvPr id="605" name="Rectangle"/>
             <p:cNvSpPr/>
             <p:nvPr/>
           </p:nvSpPr>
@@ -7926,7 +7926,7 @@
         </p:sp>
         <p:sp>
           <p:nvSpPr>
-            <p:cNvPr id="602" name="go get ./..."/>
+            <p:cNvPr id="606" name="go get ./..."/>
             <p:cNvSpPr/>
             <p:nvPr/>
           </p:nvSpPr>
@@ -7977,7 +7977,7 @@
         </p:sp>
         <p:sp>
           <p:nvSpPr>
-            <p:cNvPr id="603" name="Rectangle"/>
+            <p:cNvPr id="607" name="Rectangle"/>
             <p:cNvSpPr/>
             <p:nvPr/>
           </p:nvSpPr>
@@ -8027,7 +8027,7 @@
       </p:grpSp>
       <p:sp>
         <p:nvSpPr>
-          <p:cNvPr id="605" name="github.com"/>
+          <p:cNvPr id="609" name="github.com"/>
           <p:cNvSpPr txBox="1"/>
           <p:nvPr/>
         </p:nvSpPr>
@@ -8075,7 +8075,7 @@
       </p:sp>
       <p:pic>
         <p:nvPicPr>
-          <p:cNvPr id="606" name="man.png" descr="man.png"/>
+          <p:cNvPr id="610" name="man.png" descr="man.png"/>
           <p:cNvPicPr>
             <a:picLocks noChangeAspect="1"/>
           </p:cNvPicPr>
@@ -8104,7 +8104,7 @@
       </p:pic>
       <p:pic>
         <p:nvPicPr>
-          <p:cNvPr id="607" name="cloud.png" descr="cloud.png"/>
+          <p:cNvPr id="611" name="cloud.png" descr="cloud.png"/>
           <p:cNvPicPr>
             <a:picLocks noChangeAspect="1"/>
           </p:cNvPicPr>
@@ -8133,7 +8133,7 @@
       </p:pic>
       <p:pic>
         <p:nvPicPr>
-          <p:cNvPr id="608" name="Line Line" descr="Line Line"/>
+          <p:cNvPr id="612" name="Line Line" descr="Line Line"/>
           <p:cNvPicPr>
             <a:picLocks noChangeAspect="0"/>
           </p:cNvPicPr>
@@ -8159,7 +8159,7 @@
       </p:pic>
       <p:pic>
         <p:nvPicPr>
-          <p:cNvPr id="610" name="Line Line" descr="Line Line"/>
+          <p:cNvPr id="614" name="Line Line" descr="Line Line"/>
           <p:cNvPicPr>
             <a:picLocks noChangeAspect="0"/>
           </p:cNvPicPr>
@@ -8185,7 +8185,7 @@
       </p:pic>
       <p:pic>
         <p:nvPicPr>
-          <p:cNvPr id="612" name="Line Line" descr="Line Line"/>
+          <p:cNvPr id="616" name="Line Line" descr="Line Line"/>
           <p:cNvPicPr>
             <a:picLocks noChangeAspect="0"/>
           </p:cNvPicPr>
@@ -8211,7 +8211,7 @@
       </p:pic>
       <p:pic>
         <p:nvPicPr>
-          <p:cNvPr id="614" name="Line Line" descr="Line Line"/>
+          <p:cNvPr id="618" name="Line Line" descr="Line Line"/>
           <p:cNvPicPr>
             <a:picLocks noChangeAspect="0"/>
           </p:cNvPicPr>
@@ -8237,7 +8237,7 @@
       </p:pic>
       <p:sp>
         <p:nvSpPr>
-          <p:cNvPr id="616" name="steevehook"/>
+          <p:cNvPr id="620" name="steevehook"/>
           <p:cNvSpPr txBox="1"/>
           <p:nvPr/>
         </p:nvSpPr>
@@ -8285,7 +8285,7 @@
       </p:sp>
       <p:sp>
         <p:nvSpPr>
-          <p:cNvPr id="617" name="repo"/>
+          <p:cNvPr id="621" name="repo"/>
           <p:cNvSpPr txBox="1"/>
           <p:nvPr/>
         </p:nvSpPr>
@@ -8384,7 +8384,7 @@
                                       <p:cBhvr>
                                         <p:cTn id="6" fill="hold"/>
                                         <p:tgtEl>
-                                          <p:spTgt spid="597"/>
+                                          <p:spTgt spid="601"/>
                                         </p:tgtEl>
                                         <p:attrNameLst>
                                           <p:attrName>style.visibility</p:attrName>
@@ -8398,7 +8398,7 @@
                                       <p:cBhvr>
                                         <p:cTn id="7" dur="700"/>
                                         <p:tgtEl>
-                                          <p:spTgt spid="597"/>
+                                          <p:spTgt spid="601"/>
                                         </p:tgtEl>
                                       </p:cBhvr>
                                     </p:animEffect>
@@ -8427,7 +8427,7 @@
                                       <p:cBhvr>
                                         <p:cTn id="10" fill="hold"/>
                                         <p:tgtEl>
-                                          <p:spTgt spid="604"/>
+                                          <p:spTgt spid="608"/>
                                         </p:tgtEl>
                                         <p:attrNameLst>
                                           <p:attrName>style.visibility</p:attrName>
@@ -8441,7 +8441,7 @@
                                       <p:cBhvr>
                                         <p:cTn id="11" dur="700" fill="hold"/>
                                         <p:tgtEl>
-                                          <p:spTgt spid="604"/>
+                                          <p:spTgt spid="608"/>
                                         </p:tgtEl>
                                         <p:attrNameLst>
                                           <p:attrName>ppt_x</p:attrName>
@@ -8464,7 +8464,7 @@
                                       <p:cBhvr>
                                         <p:cTn id="12" dur="700" fill="hold"/>
                                         <p:tgtEl>
-                                          <p:spTgt spid="604"/>
+                                          <p:spTgt spid="608"/>
                                         </p:tgtEl>
                                         <p:attrNameLst>
                                           <p:attrName>ppt_y</p:attrName>
@@ -8508,7 +8508,7 @@
                                       <p:cBhvr>
                                         <p:cTn id="15" fill="hold"/>
                                         <p:tgtEl>
-                                          <p:spTgt spid="608"/>
+                                          <p:spTgt spid="612"/>
                                         </p:tgtEl>
                                         <p:attrNameLst>
                                           <p:attrName>style.visibility</p:attrName>
@@ -8522,7 +8522,7 @@
                                       <p:cBhvr>
                                         <p:cTn id="16" dur="500"/>
                                         <p:tgtEl>
-                                          <p:spTgt spid="608"/>
+                                          <p:spTgt spid="612"/>
                                         </p:tgtEl>
                                       </p:cBhvr>
                                     </p:animEffect>
@@ -8551,7 +8551,7 @@
                                       <p:cBhvr>
                                         <p:cTn id="19" fill="hold"/>
                                         <p:tgtEl>
-                                          <p:spTgt spid="598"/>
+                                          <p:spTgt spid="602"/>
                                         </p:tgtEl>
                                         <p:attrNameLst>
                                           <p:attrName>style.visibility</p:attrName>
@@ -8565,7 +8565,7 @@
                                       <p:cBhvr>
                                         <p:cTn id="20" dur="700"/>
                                         <p:tgtEl>
-                                          <p:spTgt spid="598"/>
+                                          <p:spTgt spid="602"/>
                                         </p:tgtEl>
                                       </p:cBhvr>
                                     </p:animEffect>
@@ -8594,7 +8594,7 @@
                                       <p:cBhvr>
                                         <p:cTn id="23" fill="hold"/>
                                         <p:tgtEl>
-                                          <p:spTgt spid="605"/>
+                                          <p:spTgt spid="609"/>
                                         </p:tgtEl>
                                         <p:attrNameLst>
                                           <p:attrName>style.visibility</p:attrName>
@@ -8629,7 +8629,7 @@
                                       <p:cBhvr>
                                         <p:cTn id="26" fill="hold"/>
                                         <p:tgtEl>
-                                          <p:spTgt spid="612"/>
+                                          <p:spTgt spid="616"/>
                                         </p:tgtEl>
                                         <p:attrNameLst>
                                           <p:attrName>style.visibility</p:attrName>
@@ -8643,7 +8643,7 @@
                                       <p:cBhvr>
                                         <p:cTn id="27" dur="500"/>
                                         <p:tgtEl>
-                                          <p:spTgt spid="612"/>
+                                          <p:spTgt spid="616"/>
                                         </p:tgtEl>
                                       </p:cBhvr>
                                     </p:animEffect>
@@ -8672,7 +8672,7 @@
                                       <p:cBhvr>
                                         <p:cTn id="30" fill="hold"/>
                                         <p:tgtEl>
-                                          <p:spTgt spid="606"/>
+                                          <p:spTgt spid="610"/>
                                         </p:tgtEl>
                                         <p:attrNameLst>
                                           <p:attrName>style.visibility</p:attrName>
@@ -8686,7 +8686,7 @@
                                       <p:cBhvr>
                                         <p:cTn id="31" dur="700"/>
                                         <p:tgtEl>
-                                          <p:spTgt spid="606"/>
+                                          <p:spTgt spid="610"/>
                                         </p:tgtEl>
                                       </p:cBhvr>
                                     </p:animEffect>
@@ -8715,7 +8715,7 @@
                                       <p:cBhvr>
                                         <p:cTn id="34" fill="hold"/>
                                         <p:tgtEl>
-                                          <p:spTgt spid="616"/>
+                                          <p:spTgt spid="620"/>
                                         </p:tgtEl>
                                         <p:attrNameLst>
                                           <p:attrName>style.visibility</p:attrName>
@@ -8750,7 +8750,7 @@
                                       <p:cBhvr>
                                         <p:cTn id="37" fill="hold"/>
                                         <p:tgtEl>
-                                          <p:spTgt spid="614"/>
+                                          <p:spTgt spid="618"/>
                                         </p:tgtEl>
                                         <p:attrNameLst>
                                           <p:attrName>style.visibility</p:attrName>
@@ -8764,7 +8764,7 @@
                                       <p:cBhvr>
                                         <p:cTn id="38" dur="500"/>
                                         <p:tgtEl>
-                                          <p:spTgt spid="614"/>
+                                          <p:spTgt spid="618"/>
                                         </p:tgtEl>
                                       </p:cBhvr>
                                     </p:animEffect>
@@ -8793,7 +8793,7 @@
                                       <p:cBhvr>
                                         <p:cTn id="41" fill="hold"/>
                                         <p:tgtEl>
-                                          <p:spTgt spid="607"/>
+                                          <p:spTgt spid="611"/>
                                         </p:tgtEl>
                                         <p:attrNameLst>
                                           <p:attrName>style.visibility</p:attrName>
@@ -8807,7 +8807,7 @@
                                       <p:cBhvr>
                                         <p:cTn id="42" dur="700"/>
                                         <p:tgtEl>
-                                          <p:spTgt spid="607"/>
+                                          <p:spTgt spid="611"/>
                                         </p:tgtEl>
                                       </p:cBhvr>
                                     </p:animEffect>
@@ -8836,7 +8836,7 @@
                                       <p:cBhvr>
                                         <p:cTn id="45" fill="hold"/>
                                         <p:tgtEl>
-                                          <p:spTgt spid="617"/>
+                                          <p:spTgt spid="621"/>
                                         </p:tgtEl>
                                         <p:attrNameLst>
                                           <p:attrName>style.visibility</p:attrName>
@@ -8871,7 +8871,7 @@
                                       <p:cBhvr>
                                         <p:cTn id="48" fill="hold"/>
                                         <p:tgtEl>
-                                          <p:spTgt spid="610"/>
+                                          <p:spTgt spid="614"/>
                                         </p:tgtEl>
                                         <p:attrNameLst>
                                           <p:attrName>style.visibility</p:attrName>
@@ -8885,7 +8885,7 @@
                                       <p:cBhvr>
                                         <p:cTn id="49" dur="500"/>
                                         <p:tgtEl>
-                                          <p:spTgt spid="610"/>
+                                          <p:spTgt spid="614"/>
                                         </p:tgtEl>
                                       </p:cBhvr>
                                     </p:animEffect>
@@ -8914,7 +8914,7 @@
                                       <p:cBhvr>
                                         <p:cTn id="52" fill="hold"/>
                                         <p:tgtEl>
-                                          <p:spTgt spid="599"/>
+                                          <p:spTgt spid="603"/>
                                         </p:tgtEl>
                                         <p:attrNameLst>
                                           <p:attrName>style.visibility</p:attrName>
@@ -8928,7 +8928,7 @@
                                       <p:cBhvr>
                                         <p:cTn id="53" dur="700"/>
                                         <p:tgtEl>
-                                          <p:spTgt spid="599"/>
+                                          <p:spTgt spid="603"/>
                                         </p:tgtEl>
                                       </p:cBhvr>
                                     </p:animEffect>
@@ -8957,7 +8957,7 @@
                                       <p:cBhvr>
                                         <p:cTn id="56" fill="hold"/>
                                         <p:tgtEl>
-                                          <p:spTgt spid="600"/>
+                                          <p:spTgt spid="604"/>
                                         </p:tgtEl>
                                         <p:attrNameLst>
                                           <p:attrName>style.visibility</p:attrName>
@@ -8998,20 +8998,20 @@
       </p:par>
     </p:tnLst>
     <p:bldLst>
-      <p:bldP build="whole" bldLvl="1" animBg="1" rev="0" advAuto="0" spid="605" grpId="5"/>
-      <p:bldP build="whole" bldLvl="1" animBg="1" rev="0" advAuto="0" spid="608" grpId="3"/>
-      <p:bldP build="whole" bldLvl="1" animBg="1" rev="0" advAuto="0" spid="607" grpId="10"/>
-      <p:bldP build="whole" bldLvl="1" animBg="1" rev="0" advAuto="0" spid="600" grpId="14"/>
-      <p:bldP build="whole" bldLvl="1" animBg="1" rev="0" advAuto="0" spid="604" grpId="2"/>
-      <p:bldP build="whole" bldLvl="1" animBg="1" rev="0" advAuto="0" spid="598" grpId="4"/>
-      <p:bldP build="whole" bldLvl="1" animBg="1" rev="0" advAuto="0" spid="612" grpId="6"/>
-      <p:bldP build="whole" bldLvl="1" animBg="1" rev="0" advAuto="0" spid="614" grpId="9"/>
-      <p:bldP build="whole" bldLvl="1" animBg="1" rev="0" advAuto="0" spid="597" grpId="1"/>
-      <p:bldP build="whole" bldLvl="1" animBg="1" rev="0" advAuto="0" spid="606" grpId="7"/>
-      <p:bldP build="whole" bldLvl="1" animBg="1" rev="0" advAuto="0" spid="610" grpId="12"/>
-      <p:bldP build="whole" bldLvl="1" animBg="1" rev="0" advAuto="0" spid="599" grpId="13"/>
-      <p:bldP build="whole" bldLvl="1" animBg="1" rev="0" advAuto="0" spid="616" grpId="8"/>
-      <p:bldP build="whole" bldLvl="1" animBg="1" rev="0" advAuto="0" spid="617" grpId="11"/>
+      <p:bldP build="whole" bldLvl="1" animBg="1" rev="0" advAuto="0" spid="620" grpId="8"/>
+      <p:bldP build="whole" bldLvl="1" animBg="1" rev="0" advAuto="0" spid="608" grpId="2"/>
+      <p:bldP build="whole" bldLvl="1" animBg="1" rev="0" advAuto="0" spid="621" grpId="11"/>
+      <p:bldP build="whole" bldLvl="1" animBg="1" rev="0" advAuto="0" spid="616" grpId="6"/>
+      <p:bldP build="whole" bldLvl="1" animBg="1" rev="0" advAuto="0" spid="609" grpId="5"/>
+      <p:bldP build="whole" bldLvl="1" animBg="1" rev="0" advAuto="0" spid="611" grpId="10"/>
+      <p:bldP build="whole" bldLvl="1" animBg="1" rev="0" advAuto="0" spid="614" grpId="12"/>
+      <p:bldP build="whole" bldLvl="1" animBg="1" rev="0" advAuto="0" spid="603" grpId="13"/>
+      <p:bldP build="whole" bldLvl="1" animBg="1" rev="0" advAuto="0" spid="602" grpId="4"/>
+      <p:bldP build="whole" bldLvl="1" animBg="1" rev="0" advAuto="0" spid="618" grpId="9"/>
+      <p:bldP build="whole" bldLvl="1" animBg="1" rev="0" advAuto="0" spid="610" grpId="7"/>
+      <p:bldP build="whole" bldLvl="1" animBg="1" rev="0" advAuto="0" spid="601" grpId="1"/>
+      <p:bldP build="whole" bldLvl="1" animBg="1" rev="0" advAuto="0" spid="604" grpId="14"/>
+      <p:bldP build="whole" bldLvl="1" animBg="1" rev="0" advAuto="0" spid="612" grpId="3"/>
     </p:bldLst>
   </p:timing>
 </p:sld>
@@ -9043,7 +9043,7 @@
       </p:grpSpPr>
       <p:sp>
         <p:nvSpPr>
-          <p:cNvPr id="619" name="Title 6"/>
+          <p:cNvPr id="623" name="Title 6"/>
           <p:cNvSpPr txBox="1"/>
           <p:nvPr>
             <p:ph type="title"/>
@@ -9079,7 +9079,7 @@
       </p:sp>
       <p:pic>
         <p:nvPicPr>
-          <p:cNvPr id="620" name="cubes.png" descr="cubes.png"/>
+          <p:cNvPr id="624" name="cubes.png" descr="cubes.png"/>
           <p:cNvPicPr>
             <a:picLocks noChangeAspect="1"/>
           </p:cNvPicPr>
@@ -9108,7 +9108,7 @@
       </p:pic>
       <p:grpSp>
         <p:nvGrpSpPr>
-          <p:cNvPr id="623" name="Group"/>
+          <p:cNvPr id="627" name="Group"/>
           <p:cNvGrpSpPr/>
           <p:nvPr/>
         </p:nvGrpSpPr>
@@ -9122,7 +9122,7 @@
         </p:grpSpPr>
         <p:pic>
           <p:nvPicPr>
-            <p:cNvPr id="621" name="folder.png" descr="folder.png"/>
+            <p:cNvPr id="625" name="folder.png" descr="folder.png"/>
             <p:cNvPicPr>
               <a:picLocks noChangeAspect="1"/>
             </p:cNvPicPr>
@@ -9153,7 +9153,7 @@
         </p:pic>
         <p:sp>
           <p:nvSpPr>
-            <p:cNvPr id="622" name="vendor"/>
+            <p:cNvPr id="626" name="vendor"/>
             <p:cNvSpPr/>
             <p:nvPr/>
           </p:nvSpPr>
@@ -9205,21 +9205,21 @@
       </p:grpSp>
       <p:grpSp>
         <p:nvGrpSpPr>
-          <p:cNvPr id="626" name="Group"/>
+          <p:cNvPr id="630" name="Group"/>
           <p:cNvGrpSpPr/>
           <p:nvPr/>
         </p:nvGrpSpPr>
         <p:grpSpPr>
           <a:xfrm>
-            <a:off x="1270000" y="6591338"/>
-            <a:ext cx="2160530" cy="1631513"/>
+            <a:off x="1270000" y="6591337"/>
+            <a:ext cx="2160530" cy="1631514"/>
             <a:chOff x="0" y="0"/>
             <a:chExt cx="2160529" cy="1631512"/>
           </a:xfrm>
         </p:grpSpPr>
         <p:pic>
           <p:nvPicPr>
-            <p:cNvPr id="624" name="folder.png" descr="folder.png"/>
+            <p:cNvPr id="628" name="folder.png" descr="folder.png"/>
             <p:cNvPicPr>
               <a:picLocks noChangeAspect="1"/>
             </p:cNvPicPr>
@@ -9250,7 +9250,7 @@
         </p:pic>
         <p:sp>
           <p:nvSpPr>
-            <p:cNvPr id="625" name="pkg"/>
+            <p:cNvPr id="629" name="pkg"/>
             <p:cNvSpPr/>
             <p:nvPr/>
           </p:nvSpPr>
@@ -9302,21 +9302,21 @@
       </p:grpSp>
       <p:grpSp>
         <p:nvGrpSpPr>
-          <p:cNvPr id="629" name="Group"/>
+          <p:cNvPr id="633" name="Group"/>
           <p:cNvGrpSpPr/>
           <p:nvPr/>
         </p:nvGrpSpPr>
         <p:grpSpPr>
           <a:xfrm>
-            <a:off x="1269999" y="4053066"/>
-            <a:ext cx="2160531" cy="1631514"/>
+            <a:off x="1270000" y="4053066"/>
+            <a:ext cx="2160530" cy="1631514"/>
             <a:chOff x="0" y="0"/>
             <a:chExt cx="2160529" cy="1631512"/>
           </a:xfrm>
         </p:grpSpPr>
         <p:pic>
           <p:nvPicPr>
-            <p:cNvPr id="627" name="folder.png" descr="folder.png"/>
+            <p:cNvPr id="631" name="folder.png" descr="folder.png"/>
             <p:cNvPicPr>
               <a:picLocks noChangeAspect="1"/>
             </p:cNvPicPr>
@@ -9347,7 +9347,7 @@
         </p:pic>
         <p:sp>
           <p:nvSpPr>
-            <p:cNvPr id="628" name="internal"/>
+            <p:cNvPr id="632" name="internal"/>
             <p:cNvSpPr/>
             <p:nvPr/>
           </p:nvSpPr>
@@ -9399,7 +9399,7 @@
       </p:grpSp>
       <p:grpSp>
         <p:nvGrpSpPr>
-          <p:cNvPr id="632" name="Group"/>
+          <p:cNvPr id="636" name="Group"/>
           <p:cNvGrpSpPr/>
           <p:nvPr/>
         </p:nvGrpSpPr>
@@ -9413,7 +9413,7 @@
         </p:grpSpPr>
         <p:pic>
           <p:nvPicPr>
-            <p:cNvPr id="630" name="folder.png" descr="folder.png"/>
+            <p:cNvPr id="634" name="folder.png" descr="folder.png"/>
             <p:cNvPicPr>
               <a:picLocks noChangeAspect="1"/>
             </p:cNvPicPr>
@@ -9444,7 +9444,7 @@
         </p:pic>
         <p:sp>
           <p:nvSpPr>
-            <p:cNvPr id="631" name="cmd"/>
+            <p:cNvPr id="635" name="cmd"/>
             <p:cNvSpPr/>
             <p:nvPr/>
           </p:nvSpPr>
@@ -9496,21 +9496,21 @@
       </p:grpSp>
       <p:grpSp>
         <p:nvGrpSpPr>
-          <p:cNvPr id="635" name="Group"/>
+          <p:cNvPr id="639" name="Group"/>
           <p:cNvGrpSpPr/>
           <p:nvPr/>
         </p:nvGrpSpPr>
         <p:grpSpPr>
           <a:xfrm>
-            <a:off x="1269999" y="8809749"/>
-            <a:ext cx="2160531" cy="1631513"/>
+            <a:off x="1270000" y="8809749"/>
+            <a:ext cx="2160530" cy="1631513"/>
             <a:chOff x="0" y="0"/>
             <a:chExt cx="2160529" cy="1631512"/>
           </a:xfrm>
         </p:grpSpPr>
         <p:pic>
           <p:nvPicPr>
-            <p:cNvPr id="633" name="folder.png" descr="folder.png"/>
+            <p:cNvPr id="637" name="folder.png" descr="folder.png"/>
             <p:cNvPicPr>
               <a:picLocks noChangeAspect="1"/>
             </p:cNvPicPr>
@@ -9541,7 +9541,7 @@
         </p:pic>
         <p:sp>
           <p:nvSpPr>
-            <p:cNvPr id="634" name=".dir"/>
+            <p:cNvPr id="638" name=".dir"/>
             <p:cNvSpPr/>
             <p:nvPr/>
           </p:nvSpPr>
@@ -9593,7 +9593,7 @@
       </p:grpSp>
       <p:grpSp>
         <p:nvGrpSpPr>
-          <p:cNvPr id="638" name="Group"/>
+          <p:cNvPr id="642" name="Group"/>
           <p:cNvGrpSpPr/>
           <p:nvPr/>
         </p:nvGrpSpPr>
@@ -9607,7 +9607,7 @@
         </p:grpSpPr>
         <p:pic>
           <p:nvPicPr>
-            <p:cNvPr id="636" name="folder.png" descr="folder.png"/>
+            <p:cNvPr id="640" name="folder.png" descr="folder.png"/>
             <p:cNvPicPr>
               <a:picLocks noChangeAspect="1"/>
             </p:cNvPicPr>
@@ -9638,7 +9638,7 @@
         </p:pic>
         <p:sp>
           <p:nvSpPr>
-            <p:cNvPr id="637" name="_dir"/>
+            <p:cNvPr id="641" name="_dir"/>
             <p:cNvSpPr/>
             <p:nvPr/>
           </p:nvSpPr>
@@ -9690,21 +9690,21 @@
       </p:grpSp>
       <p:grpSp>
         <p:nvGrpSpPr>
-          <p:cNvPr id="641" name="Group"/>
+          <p:cNvPr id="645" name="Group"/>
           <p:cNvGrpSpPr/>
           <p:nvPr/>
         </p:nvGrpSpPr>
         <p:grpSpPr>
           <a:xfrm>
-            <a:off x="1270000" y="9918954"/>
-            <a:ext cx="2160530" cy="1631514"/>
+            <a:off x="1270000" y="9918955"/>
+            <a:ext cx="2160530" cy="1631513"/>
             <a:chOff x="0" y="0"/>
             <a:chExt cx="2160529" cy="1631512"/>
           </a:xfrm>
         </p:grpSpPr>
         <p:pic>
           <p:nvPicPr>
-            <p:cNvPr id="639" name="folder.png" descr="folder.png"/>
+            <p:cNvPr id="643" name="folder.png" descr="folder.png"/>
             <p:cNvPicPr>
               <a:picLocks noChangeAspect="1"/>
             </p:cNvPicPr>
@@ -9735,7 +9735,7 @@
         </p:pic>
         <p:sp>
           <p:nvSpPr>
-            <p:cNvPr id="640" name="testdata"/>
+            <p:cNvPr id="644" name="testdata"/>
             <p:cNvSpPr/>
             <p:nvPr/>
           </p:nvSpPr>
@@ -9838,7 +9838,7 @@
                                       <p:cBhvr>
                                         <p:cTn id="6" fill="hold"/>
                                         <p:tgtEl>
-                                          <p:spTgt spid="623"/>
+                                          <p:spTgt spid="627"/>
                                         </p:tgtEl>
                                         <p:attrNameLst>
                                           <p:attrName>style.visibility</p:attrName>
@@ -9852,7 +9852,7 @@
                                       <p:cBhvr>
                                         <p:cTn id="7" dur="600" fill="hold"/>
                                         <p:tgtEl>
-                                          <p:spTgt spid="623"/>
+                                          <p:spTgt spid="627"/>
                                         </p:tgtEl>
                                         <p:attrNameLst>
                                           <p:attrName>ppt_w</p:attrName>
@@ -9875,7 +9875,7 @@
                                       <p:cBhvr>
                                         <p:cTn id="8" dur="600" fill="hold"/>
                                         <p:tgtEl>
-                                          <p:spTgt spid="623"/>
+                                          <p:spTgt spid="627"/>
                                         </p:tgtEl>
                                         <p:attrNameLst>
                                           <p:attrName>ppt_h</p:attrName>
@@ -9919,7 +9919,7 @@
                                       <p:cBhvr>
                                         <p:cTn id="11" fill="hold"/>
                                         <p:tgtEl>
-                                          <p:spTgt spid="629"/>
+                                          <p:spTgt spid="633"/>
                                         </p:tgtEl>
                                         <p:attrNameLst>
                                           <p:attrName>style.visibility</p:attrName>
@@ -9933,7 +9933,7 @@
                                       <p:cBhvr>
                                         <p:cTn id="12" dur="600" fill="hold"/>
                                         <p:tgtEl>
-                                          <p:spTgt spid="629"/>
+                                          <p:spTgt spid="633"/>
                                         </p:tgtEl>
                                         <p:attrNameLst>
                                           <p:attrName>ppt_w</p:attrName>
@@ -9956,7 +9956,7 @@
                                       <p:cBhvr>
                                         <p:cTn id="13" dur="600" fill="hold"/>
                                         <p:tgtEl>
-                                          <p:spTgt spid="629"/>
+                                          <p:spTgt spid="633"/>
                                         </p:tgtEl>
                                         <p:attrNameLst>
                                           <p:attrName>ppt_h</p:attrName>
@@ -10000,7 +10000,7 @@
                                       <p:cBhvr>
                                         <p:cTn id="16" fill="hold"/>
                                         <p:tgtEl>
-                                          <p:spTgt spid="626"/>
+                                          <p:spTgt spid="630"/>
                                         </p:tgtEl>
                                         <p:attrNameLst>
                                           <p:attrName>style.visibility</p:attrName>
@@ -10014,7 +10014,7 @@
                                       <p:cBhvr>
                                         <p:cTn id="17" dur="600" fill="hold"/>
                                         <p:tgtEl>
-                                          <p:spTgt spid="626"/>
+                                          <p:spTgt spid="630"/>
                                         </p:tgtEl>
                                         <p:attrNameLst>
                                           <p:attrName>ppt_w</p:attrName>
@@ -10037,7 +10037,7 @@
                                       <p:cBhvr>
                                         <p:cTn id="18" dur="600" fill="hold"/>
                                         <p:tgtEl>
-                                          <p:spTgt spid="626"/>
+                                          <p:spTgt spid="630"/>
                                         </p:tgtEl>
                                         <p:attrNameLst>
                                           <p:attrName>ppt_h</p:attrName>
@@ -10081,7 +10081,7 @@
                                       <p:cBhvr>
                                         <p:cTn id="21" fill="hold"/>
                                         <p:tgtEl>
-                                          <p:spTgt spid="632"/>
+                                          <p:spTgt spid="636"/>
                                         </p:tgtEl>
                                         <p:attrNameLst>
                                           <p:attrName>style.visibility</p:attrName>
@@ -10095,7 +10095,7 @@
                                       <p:cBhvr>
                                         <p:cTn id="22" dur="600" fill="hold"/>
                                         <p:tgtEl>
-                                          <p:spTgt spid="632"/>
+                                          <p:spTgt spid="636"/>
                                         </p:tgtEl>
                                         <p:attrNameLst>
                                           <p:attrName>ppt_w</p:attrName>
@@ -10118,7 +10118,7 @@
                                       <p:cBhvr>
                                         <p:cTn id="23" dur="600" fill="hold"/>
                                         <p:tgtEl>
-                                          <p:spTgt spid="632"/>
+                                          <p:spTgt spid="636"/>
                                         </p:tgtEl>
                                         <p:attrNameLst>
                                           <p:attrName>ppt_h</p:attrName>
@@ -10162,7 +10162,7 @@
                                       <p:cBhvr>
                                         <p:cTn id="26" fill="hold"/>
                                         <p:tgtEl>
-                                          <p:spTgt spid="635"/>
+                                          <p:spTgt spid="639"/>
                                         </p:tgtEl>
                                         <p:attrNameLst>
                                           <p:attrName>style.visibility</p:attrName>
@@ -10176,7 +10176,7 @@
                                       <p:cBhvr>
                                         <p:cTn id="27" dur="600" fill="hold"/>
                                         <p:tgtEl>
-                                          <p:spTgt spid="635"/>
+                                          <p:spTgt spid="639"/>
                                         </p:tgtEl>
                                         <p:attrNameLst>
                                           <p:attrName>ppt_w</p:attrName>
@@ -10199,7 +10199,7 @@
                                       <p:cBhvr>
                                         <p:cTn id="28" dur="600" fill="hold"/>
                                         <p:tgtEl>
-                                          <p:spTgt spid="635"/>
+                                          <p:spTgt spid="639"/>
                                         </p:tgtEl>
                                         <p:attrNameLst>
                                           <p:attrName>ppt_h</p:attrName>
@@ -10243,7 +10243,7 @@
                                       <p:cBhvr>
                                         <p:cTn id="31" fill="hold"/>
                                         <p:tgtEl>
-                                          <p:spTgt spid="638"/>
+                                          <p:spTgt spid="642"/>
                                         </p:tgtEl>
                                         <p:attrNameLst>
                                           <p:attrName>style.visibility</p:attrName>
@@ -10257,7 +10257,7 @@
                                       <p:cBhvr>
                                         <p:cTn id="32" dur="600" fill="hold"/>
                                         <p:tgtEl>
-                                          <p:spTgt spid="638"/>
+                                          <p:spTgt spid="642"/>
                                         </p:tgtEl>
                                         <p:attrNameLst>
                                           <p:attrName>ppt_w</p:attrName>
@@ -10280,7 +10280,7 @@
                                       <p:cBhvr>
                                         <p:cTn id="33" dur="600" fill="hold"/>
                                         <p:tgtEl>
-                                          <p:spTgt spid="638"/>
+                                          <p:spTgt spid="642"/>
                                         </p:tgtEl>
                                         <p:attrNameLst>
                                           <p:attrName>ppt_h</p:attrName>
@@ -10324,7 +10324,7 @@
                                       <p:cBhvr>
                                         <p:cTn id="36" fill="hold"/>
                                         <p:tgtEl>
-                                          <p:spTgt spid="641"/>
+                                          <p:spTgt spid="645"/>
                                         </p:tgtEl>
                                         <p:attrNameLst>
                                           <p:attrName>style.visibility</p:attrName>
@@ -10338,7 +10338,7 @@
                                       <p:cBhvr>
                                         <p:cTn id="37" dur="600" fill="hold"/>
                                         <p:tgtEl>
-                                          <p:spTgt spid="641"/>
+                                          <p:spTgt spid="645"/>
                                         </p:tgtEl>
                                         <p:attrNameLst>
                                           <p:attrName>ppt_w</p:attrName>
@@ -10361,7 +10361,7 @@
                                       <p:cBhvr>
                                         <p:cTn id="38" dur="600" fill="hold"/>
                                         <p:tgtEl>
-                                          <p:spTgt spid="641"/>
+                                          <p:spTgt spid="645"/>
                                         </p:tgtEl>
                                         <p:attrNameLst>
                                           <p:attrName>ppt_h</p:attrName>
@@ -10411,13 +10411,13 @@
       </p:par>
     </p:tnLst>
     <p:bldLst>
-      <p:bldP build="whole" bldLvl="1" animBg="1" rev="0" advAuto="0" spid="635" grpId="5"/>
-      <p:bldP build="whole" bldLvl="1" animBg="1" rev="0" advAuto="0" spid="638" grpId="6"/>
-      <p:bldP build="whole" bldLvl="1" animBg="1" rev="0" advAuto="0" spid="641" grpId="7"/>
-      <p:bldP build="whole" bldLvl="1" animBg="1" rev="0" advAuto="0" spid="629" grpId="2"/>
-      <p:bldP build="whole" bldLvl="1" animBg="1" rev="0" advAuto="0" spid="623" grpId="1"/>
-      <p:bldP build="whole" bldLvl="1" animBg="1" rev="0" advAuto="0" spid="626" grpId="3"/>
-      <p:bldP build="whole" bldLvl="1" animBg="1" rev="0" advAuto="0" spid="632" grpId="4"/>
+      <p:bldP build="whole" bldLvl="1" animBg="1" rev="0" advAuto="0" spid="630" grpId="3"/>
+      <p:bldP build="whole" bldLvl="1" animBg="1" rev="0" advAuto="0" spid="627" grpId="1"/>
+      <p:bldP build="whole" bldLvl="1" animBg="1" rev="0" advAuto="0" spid="636" grpId="4"/>
+      <p:bldP build="whole" bldLvl="1" animBg="1" rev="0" advAuto="0" spid="639" grpId="5"/>
+      <p:bldP build="whole" bldLvl="1" animBg="1" rev="0" advAuto="0" spid="645" grpId="7"/>
+      <p:bldP build="whole" bldLvl="1" animBg="1" rev="0" advAuto="0" spid="633" grpId="2"/>
+      <p:bldP build="whole" bldLvl="1" animBg="1" rev="0" advAuto="0" spid="642" grpId="6"/>
     </p:bldLst>
   </p:timing>
 </p:sld>
@@ -10831,9 +10831,9 @@
       </p:par>
     </p:tnLst>
     <p:bldLst>
-      <p:bldP build="whole" bldLvl="1" animBg="1" rev="0" advAuto="0" spid="186" grpId="1"/>
       <p:bldP build="whole" bldLvl="1" animBg="1" rev="0" advAuto="0" spid="187" grpId="2"/>
       <p:bldP build="whole" bldLvl="1" animBg="1" rev="0" advAuto="0" spid="188" grpId="3"/>
+      <p:bldP build="whole" bldLvl="1" animBg="1" rev="0" advAuto="0" spid="186" grpId="1"/>
     </p:bldLst>
   </p:timing>
 </p:sld>
@@ -12512,14 +12512,14 @@
       </p:par>
     </p:tnLst>
     <p:bldLst>
-      <p:bldP build="whole" bldLvl="1" animBg="1" rev="0" advAuto="0" spid="200" grpId="7"/>
-      <p:bldP build="whole" bldLvl="1" animBg="1" rev="0" advAuto="0" spid="206" grpId="1"/>
-      <p:bldP build="whole" bldLvl="1" animBg="1" rev="0" advAuto="0" spid="215" grpId="3"/>
+      <p:bldP build="whole" bldLvl="1" animBg="1" rev="0" advAuto="0" spid="197" grpId="6"/>
       <p:bldP build="whole" bldLvl="1" animBg="1" rev="0" advAuto="0" spid="212" grpId="4"/>
       <p:bldP build="whole" bldLvl="1" animBg="1" rev="0" advAuto="0" spid="194" grpId="5"/>
-      <p:bldP build="whole" bldLvl="1" animBg="1" rev="0" advAuto="0" spid="197" grpId="6"/>
       <p:bldP build="whole" bldLvl="1" animBg="1" rev="0" advAuto="0" spid="209" grpId="2"/>
+      <p:bldP build="whole" bldLvl="1" animBg="1" rev="0" advAuto="0" spid="206" grpId="1"/>
       <p:bldP build="whole" bldLvl="1" animBg="1" rev="0" advAuto="0" spid="203" grpId="8"/>
+      <p:bldP build="whole" bldLvl="1" animBg="1" rev="0" advAuto="0" spid="215" grpId="3"/>
+      <p:bldP build="whole" bldLvl="1" animBg="1" rev="0" advAuto="0" spid="200" grpId="7"/>
     </p:bldLst>
   </p:timing>
 </p:sld>
@@ -13929,12 +13929,12 @@
       </p:par>
     </p:tnLst>
     <p:bldLst>
+      <p:bldP build="whole" bldLvl="1" animBg="1" rev="0" advAuto="0" spid="228" grpId="2"/>
+      <p:bldP build="whole" bldLvl="1" animBg="1" rev="0" advAuto="0" spid="232" grpId="3"/>
+      <p:bldP build="whole" bldLvl="1" animBg="1" rev="0" advAuto="0" spid="221" grpId="1"/>
       <p:bldP build="whole" bldLvl="1" animBg="1" rev="0" advAuto="0" spid="224" grpId="5"/>
-      <p:bldP build="whole" bldLvl="1" animBg="1" rev="0" advAuto="0" spid="228" grpId="2"/>
       <p:bldP build="whole" bldLvl="1" animBg="1" rev="0" advAuto="0" spid="236" grpId="6"/>
-      <p:bldP build="whole" bldLvl="1" animBg="1" rev="0" advAuto="0" spid="221" grpId="1"/>
       <p:bldP build="whole" bldLvl="1" animBg="1" rev="0" advAuto="0" spid="239" grpId="4"/>
-      <p:bldP build="whole" bldLvl="1" animBg="1" rev="0" advAuto="0" spid="232" grpId="3"/>
     </p:bldLst>
   </p:timing>
 </p:sld>
@@ -17736,28 +17736,28 @@
       </p:par>
     </p:tnLst>
     <p:bldLst>
-      <p:bldP build="whole" bldLvl="1" animBg="1" rev="0" advAuto="0" spid="318" grpId="20"/>
-      <p:bldP build="whole" bldLvl="1" animBg="1" rev="0" advAuto="0" spid="266" grpId="6"/>
-      <p:bldP build="whole" bldLvl="1" animBg="1" rev="0" advAuto="0" spid="267" grpId="9"/>
-      <p:bldP build="whole" bldLvl="1" animBg="1" rev="0" advAuto="0" spid="267" grpId="11"/>
-      <p:bldP build="whole" bldLvl="1" animBg="1" rev="0" advAuto="0" spid="243" grpId="2"/>
-      <p:bldP build="whole" bldLvl="1" animBg="1" rev="0" advAuto="0" spid="296" grpId="16"/>
-      <p:bldP build="whole" bldLvl="1" animBg="1" rev="0" advAuto="0" spid="250" grpId="1"/>
-      <p:bldP build="whole" bldLvl="1" animBg="1" rev="0" advAuto="0" spid="296" grpId="17"/>
-      <p:bldP build="whole" bldLvl="1" animBg="1" rev="0" advAuto="0" spid="297" grpId="19"/>
-      <p:bldP build="whole" bldLvl="1" animBg="1" rev="0" advAuto="0" spid="258" grpId="3"/>
-      <p:bldP build="whole" bldLvl="1" animBg="1" rev="0" advAuto="0" spid="274" grpId="7"/>
-      <p:bldP build="whole" bldLvl="1" animBg="1" rev="0" advAuto="0" spid="251" grpId="4"/>
-      <p:bldP build="whole" bldLvl="1" animBg="1" rev="0" advAuto="0" spid="251" grpId="5"/>
-      <p:bldP build="whole" bldLvl="1" animBg="1" rev="0" advAuto="0" spid="259" grpId="8"/>
-      <p:bldP build="whole" bldLvl="1" animBg="1" rev="0" advAuto="0" spid="259" grpId="10"/>
-      <p:bldP build="whole" bldLvl="1" animBg="1" rev="0" advAuto="0" spid="295" grpId="15"/>
       <p:bldP build="whole" bldLvl="1" animBg="1" rev="0" advAuto="0" spid="275" grpId="13"/>
       <p:bldP build="whole" bldLvl="1" animBg="1" rev="0" advAuto="0" spid="275" grpId="14"/>
+      <p:bldP build="whole" bldLvl="1" animBg="1" rev="0" advAuto="0" spid="296" grpId="16"/>
+      <p:bldP build="whole" bldLvl="1" animBg="1" rev="0" advAuto="0" spid="296" grpId="17"/>
+      <p:bldP build="whole" bldLvl="1" animBg="1" rev="0" advAuto="0" spid="266" grpId="6"/>
+      <p:bldP build="whole" bldLvl="1" animBg="1" rev="0" advAuto="0" spid="297" grpId="19"/>
+      <p:bldP build="whole" bldLvl="1" animBg="1" rev="0" advAuto="0" spid="250" grpId="1"/>
+      <p:bldP build="whole" bldLvl="1" animBg="1" rev="0" advAuto="0" spid="274" grpId="7"/>
+      <p:bldP build="whole" bldLvl="1" animBg="1" rev="0" advAuto="0" spid="267" grpId="9"/>
+      <p:bldP build="whole" bldLvl="1" animBg="1" rev="0" advAuto="0" spid="251" grpId="4"/>
+      <p:bldP build="whole" bldLvl="1" animBg="1" rev="0" advAuto="0" spid="243" grpId="2"/>
+      <p:bldP build="whole" bldLvl="1" animBg="1" rev="0" advAuto="0" spid="267" grpId="11"/>
+      <p:bldP build="whole" bldLvl="1" animBg="1" rev="0" advAuto="0" spid="251" grpId="5"/>
+      <p:bldP build="whole" bldLvl="1" animBg="1" rev="0" advAuto="0" spid="258" grpId="3"/>
       <p:bldP build="whole" bldLvl="1" animBg="1" rev="0" advAuto="0" spid="282" grpId="12"/>
+      <p:bldP build="whole" bldLvl="1" animBg="1" rev="0" advAuto="0" spid="318" grpId="20"/>
       <p:bldP build="whole" bldLvl="1" animBg="1" rev="0" advAuto="0" spid="304" grpId="18"/>
       <p:bldP build="whole" bldLvl="1" animBg="1" rev="0" advAuto="0" spid="305" grpId="21"/>
       <p:bldP build="whole" bldLvl="1" animBg="1" rev="0" advAuto="0" spid="305" grpId="22"/>
+      <p:bldP build="whole" bldLvl="1" animBg="1" rev="0" advAuto="0" spid="295" grpId="15"/>
+      <p:bldP build="whole" bldLvl="1" animBg="1" rev="0" advAuto="0" spid="259" grpId="8"/>
+      <p:bldP build="whole" bldLvl="1" animBg="1" rev="0" advAuto="0" spid="259" grpId="10"/>
     </p:bldLst>
   </p:timing>
 </p:sld>
@@ -19772,19 +19772,19 @@
       </p:par>
     </p:tnLst>
     <p:bldLst>
-      <p:bldP build="whole" bldLvl="1" animBg="1" rev="0" advAuto="0" spid="345" grpId="10"/>
-      <p:bldP build="whole" bldLvl="1" animBg="1" rev="0" advAuto="0" spid="330" grpId="9"/>
+      <p:bldP build="whole" bldLvl="1" animBg="1" rev="0" advAuto="0" spid="337" grpId="11"/>
       <p:bldP build="whole" bldLvl="1" animBg="1" rev="0" advAuto="0" spid="326" grpId="3"/>
       <p:bldP build="whole" bldLvl="1" animBg="1" rev="0" advAuto="0" spid="349" grpId="7"/>
+      <p:bldP build="whole" bldLvl="1" animBg="1" rev="0" advAuto="0" spid="341" grpId="4"/>
+      <p:bldP build="whole" bldLvl="1" animBg="1" rev="0" advAuto="0" spid="336" grpId="8"/>
+      <p:bldP build="whole" bldLvl="1" animBg="1" rev="0" advAuto="0" spid="330" grpId="9"/>
+      <p:bldP build="whole" bldLvl="1" animBg="1" rev="0" advAuto="0" spid="353" grpId="13"/>
+      <p:bldP build="whole" bldLvl="1" animBg="1" rev="0" advAuto="0" spid="334" grpId="2"/>
+      <p:bldP build="whole" bldLvl="1" animBg="1" rev="0" advAuto="0" spid="325" grpId="1"/>
+      <p:bldP build="whole" bldLvl="1" animBg="1" rev="0" advAuto="0" spid="335" grpId="5"/>
+      <p:bldP build="whole" bldLvl="1" animBg="1" rev="0" advAuto="0" spid="345" grpId="10"/>
       <p:bldP build="whole" bldLvl="1" animBg="1" rev="0" advAuto="0" spid="332" grpId="12"/>
-      <p:bldP build="whole" bldLvl="1" animBg="1" rev="0" advAuto="0" spid="336" grpId="8"/>
-      <p:bldP build="whole" bldLvl="1" animBg="1" rev="0" advAuto="0" spid="341" grpId="4"/>
       <p:bldP build="whole" bldLvl="1" animBg="1" rev="0" advAuto="0" spid="328" grpId="6"/>
-      <p:bldP build="whole" bldLvl="1" animBg="1" rev="0" advAuto="0" spid="334" grpId="2"/>
-      <p:bldP build="whole" bldLvl="1" animBg="1" rev="0" advAuto="0" spid="335" grpId="5"/>
-      <p:bldP build="whole" bldLvl="1" animBg="1" rev="0" advAuto="0" spid="325" grpId="1"/>
-      <p:bldP build="whole" bldLvl="1" animBg="1" rev="0" advAuto="0" spid="337" grpId="11"/>
-      <p:bldP build="whole" bldLvl="1" animBg="1" rev="0" advAuto="0" spid="353" grpId="13"/>
     </p:bldLst>
   </p:timing>
 </p:sld>
@@ -27867,70 +27867,70 @@
       </p:par>
     </p:tnLst>
     <p:bldLst>
-      <p:bldP build="whole" bldLvl="1" animBg="1" rev="0" advAuto="0" spid="489" grpId="31"/>
-      <p:bldP build="whole" bldLvl="1" animBg="1" rev="0" advAuto="0" spid="390" grpId="19"/>
-      <p:bldP build="whole" bldLvl="1" animBg="1" rev="0" advAuto="0" spid="443" grpId="5"/>
-      <p:bldP build="whole" bldLvl="1" animBg="1" rev="0" advAuto="0" spid="378" grpId="44"/>
-      <p:bldP build="whole" bldLvl="1" animBg="1" rev="0" advAuto="0" spid="366" grpId="3"/>
-      <p:bldP build="whole" bldLvl="1" animBg="1" rev="0" advAuto="0" spid="399" grpId="46"/>
-      <p:bldP build="whole" bldLvl="1" animBg="1" rev="0" advAuto="0" spid="499" grpId="57"/>
-      <p:bldP build="whole" bldLvl="1" animBg="1" rev="0" advAuto="0" spid="505" grpId="62"/>
+      <p:bldP build="whole" bldLvl="1" animBg="1" rev="0" advAuto="0" spid="414" grpId="34"/>
+      <p:bldP build="whole" bldLvl="1" animBg="1" rev="0" advAuto="0" spid="372" grpId="47"/>
+      <p:bldP build="whole" bldLvl="1" animBg="1" rev="0" advAuto="0" spid="473" grpId="22"/>
+      <p:bldP build="whole" bldLvl="1" animBg="1" rev="0" advAuto="0" spid="447" grpId="8"/>
+      <p:bldP build="whole" bldLvl="1" animBg="1" rev="0" advAuto="0" spid="471" grpId="27"/>
+      <p:bldP build="whole" bldLvl="1" animBg="1" rev="0" advAuto="0" spid="396" grpId="20"/>
+      <p:bldP build="whole" bldLvl="1" animBg="1" rev="0" advAuto="0" spid="445" grpId="9"/>
+      <p:bldP build="whole" bldLvl="1" animBg="1" rev="0" advAuto="0" spid="495" grpId="55"/>
+      <p:bldP build="whole" bldLvl="1" animBg="1" rev="0" advAuto="0" spid="435" grpId="54"/>
+      <p:bldP build="whole" bldLvl="1" animBg="1" rev="0" advAuto="0" spid="405" grpId="45"/>
+      <p:bldP build="whole" bldLvl="1" animBg="1" rev="0" advAuto="0" spid="491" grpId="58"/>
+      <p:bldP build="whole" bldLvl="1" animBg="1" rev="0" advAuto="0" spid="438" grpId="21"/>
       <p:bldP build="whole" bldLvl="1" animBg="1" rev="0" advAuto="0" spid="509" grpId="64"/>
-      <p:bldP build="whole" bldLvl="1" animBg="1" rev="0" advAuto="0" spid="455" grpId="41"/>
-      <p:bldP build="whole" bldLvl="1" animBg="1" rev="0" advAuto="0" spid="471" grpId="27"/>
-      <p:bldP build="whole" bldLvl="1" animBg="1" rev="0" advAuto="0" spid="402" grpId="17"/>
-      <p:bldP build="whole" bldLvl="1" animBg="1" rev="0" advAuto="0" spid="423" grpId="15"/>
-      <p:bldP build="whole" bldLvl="1" animBg="1" rev="0" advAuto="0" spid="357" grpId="32"/>
+      <p:bldP build="whole" bldLvl="1" animBg="1" rev="0" advAuto="0" spid="441" grpId="7"/>
+      <p:bldP build="whole" bldLvl="1" animBg="1" rev="0" advAuto="0" spid="453" grpId="12"/>
+      <p:bldP build="whole" bldLvl="1" animBg="1" rev="0" advAuto="0" spid="387" grpId="18"/>
       <p:bldP build="whole" bldLvl="1" animBg="1" rev="0" advAuto="0" spid="461" grpId="43"/>
-      <p:bldP build="whole" bldLvl="1" animBg="1" rev="0" advAuto="0" spid="479" grpId="38"/>
-      <p:bldP build="whole" bldLvl="1" animBg="1" rev="0" advAuto="0" spid="381" grpId="33"/>
-      <p:bldP build="whole" bldLvl="1" animBg="1" rev="0" advAuto="0" spid="393" grpId="16"/>
-      <p:bldP build="whole" bldLvl="1" animBg="1" rev="0" advAuto="0" spid="411" grpId="49"/>
-      <p:bldP build="whole" bldLvl="1" animBg="1" rev="0" advAuto="0" spid="465" grpId="26"/>
-      <p:bldP build="whole" bldLvl="1" animBg="1" rev="0" advAuto="0" spid="375" grpId="50"/>
-      <p:bldP build="whole" bldLvl="1" animBg="1" rev="0" advAuto="0" spid="449" grpId="10"/>
-      <p:bldP build="whole" bldLvl="1" animBg="1" rev="0" advAuto="0" spid="432" grpId="53"/>
-      <p:bldP build="whole" bldLvl="1" animBg="1" rev="0" advAuto="0" spid="469" grpId="23"/>
-      <p:bldP build="whole" bldLvl="1" animBg="1" rev="0" advAuto="0" spid="369" grpId="4"/>
-      <p:bldP build="whole" bldLvl="1" animBg="1" rev="0" advAuto="0" spid="457" grpId="42"/>
-      <p:bldP build="whole" bldLvl="1" animBg="1" rev="0" advAuto="0" spid="384" grpId="13"/>
-      <p:bldP build="whole" bldLvl="1" animBg="1" rev="0" advAuto="0" spid="435" grpId="54"/>
-      <p:bldP build="whole" bldLvl="1" animBg="1" rev="0" advAuto="0" spid="453" grpId="12"/>
-      <p:bldP build="whole" bldLvl="1" animBg="1" rev="0" advAuto="0" spid="495" grpId="55"/>
-      <p:bldP build="whole" bldLvl="1" animBg="1" rev="0" advAuto="0" spid="360" grpId="1"/>
-      <p:bldP build="whole" bldLvl="1" animBg="1" rev="0" advAuto="0" spid="414" grpId="34"/>
-      <p:bldP build="whole" bldLvl="1" animBg="1" rev="0" advAuto="0" spid="445" grpId="9"/>
-      <p:bldP build="whole" bldLvl="1" animBg="1" rev="0" advAuto="0" spid="463" grpId="25"/>
-      <p:bldP build="whole" bldLvl="1" animBg="1" rev="0" advAuto="0" spid="438" grpId="21"/>
-      <p:bldP build="whole" bldLvl="1" animBg="1" rev="0" advAuto="0" spid="491" grpId="58"/>
-      <p:bldP build="whole" bldLvl="1" animBg="1" rev="0" advAuto="0" spid="501" grpId="59"/>
-      <p:bldP build="whole" bldLvl="1" animBg="1" rev="0" advAuto="0" spid="503" grpId="61"/>
-      <p:bldP build="whole" bldLvl="1" animBg="1" rev="0" advAuto="0" spid="475" grpId="39"/>
-      <p:bldP build="whole" bldLvl="1" animBg="1" rev="0" advAuto="0" spid="396" grpId="20"/>
-      <p:bldP build="whole" bldLvl="1" animBg="1" rev="0" advAuto="0" spid="473" grpId="22"/>
-      <p:bldP build="whole" bldLvl="1" animBg="1" rev="0" advAuto="0" spid="483" grpId="28"/>
-      <p:bldP build="whole" bldLvl="1" animBg="1" rev="0" advAuto="0" spid="405" grpId="45"/>
-      <p:bldP build="whole" bldLvl="1" animBg="1" rev="0" advAuto="0" spid="481" grpId="37"/>
-      <p:bldP build="whole" bldLvl="1" animBg="1" rev="0" advAuto="0" spid="497" grpId="56"/>
-      <p:bldP build="whole" bldLvl="1" animBg="1" rev="0" advAuto="0" spid="387" grpId="18"/>
-      <p:bldP build="whole" bldLvl="1" animBg="1" rev="0" advAuto="0" spid="451" grpId="11"/>
-      <p:bldP build="whole" bldLvl="1" animBg="1" rev="0" advAuto="0" spid="439" grpId="6"/>
       <p:bldP build="whole" bldLvl="1" animBg="1" rev="0" advAuto="0" spid="363" grpId="2"/>
       <p:bldP build="whole" bldLvl="1" animBg="1" rev="0" advAuto="0" spid="426" grpId="51"/>
       <p:bldP build="whole" bldLvl="1" animBg="1" rev="0" advAuto="0" spid="417" grpId="35"/>
-      <p:bldP build="whole" bldLvl="1" animBg="1" rev="0" advAuto="0" spid="441" grpId="7"/>
+      <p:bldP build="whole" bldLvl="1" animBg="1" rev="0" advAuto="0" spid="357" grpId="32"/>
+      <p:bldP build="whole" bldLvl="1" animBg="1" rev="0" advAuto="0" spid="375" grpId="50"/>
+      <p:bldP build="whole" bldLvl="1" animBg="1" rev="0" advAuto="0" spid="489" grpId="31"/>
+      <p:bldP build="whole" bldLvl="1" animBg="1" rev="0" advAuto="0" spid="439" grpId="6"/>
       <p:bldP build="whole" bldLvl="1" animBg="1" rev="0" advAuto="0" spid="477" grpId="36"/>
+      <p:bldP build="whole" bldLvl="1" animBg="1" rev="0" advAuto="0" spid="369" grpId="4"/>
+      <p:bldP build="whole" bldLvl="1" animBg="1" rev="0" advAuto="0" spid="503" grpId="61"/>
+      <p:bldP build="whole" bldLvl="1" animBg="1" rev="0" advAuto="0" spid="420" grpId="14"/>
+      <p:bldP build="whole" bldLvl="1" animBg="1" rev="0" advAuto="0" spid="501" grpId="59"/>
+      <p:bldP build="whole" bldLvl="1" animBg="1" rev="0" advAuto="0" spid="455" grpId="41"/>
+      <p:bldP build="whole" bldLvl="1" animBg="1" rev="0" advAuto="0" spid="465" grpId="26"/>
+      <p:bldP build="whole" bldLvl="1" animBg="1" rev="0" advAuto="0" spid="479" grpId="38"/>
+      <p:bldP build="whole" bldLvl="1" animBg="1" rev="0" advAuto="0" spid="408" grpId="48"/>
+      <p:bldP build="whole" bldLvl="1" animBg="1" rev="0" advAuto="0" spid="390" grpId="19"/>
+      <p:bldP build="whole" bldLvl="1" animBg="1" rev="0" advAuto="0" spid="449" grpId="10"/>
+      <p:bldP build="whole" bldLvl="1" animBg="1" rev="0" advAuto="0" spid="483" grpId="28"/>
+      <p:bldP build="whole" bldLvl="1" animBg="1" rev="0" advAuto="0" spid="481" grpId="37"/>
+      <p:bldP build="whole" bldLvl="1" animBg="1" rev="0" advAuto="0" spid="378" grpId="44"/>
+      <p:bldP build="whole" bldLvl="1" animBg="1" rev="0" advAuto="0" spid="366" grpId="3"/>
+      <p:bldP build="whole" bldLvl="1" animBg="1" rev="0" advAuto="0" spid="429" grpId="52"/>
+      <p:bldP build="whole" bldLvl="1" animBg="1" rev="0" advAuto="0" spid="443" grpId="5"/>
+      <p:bldP build="whole" bldLvl="1" animBg="1" rev="0" advAuto="0" spid="485" grpId="29"/>
+      <p:bldP build="whole" bldLvl="1" animBg="1" rev="0" advAuto="0" spid="399" grpId="46"/>
+      <p:bldP build="whole" bldLvl="1" animBg="1" rev="0" advAuto="0" spid="505" grpId="62"/>
+      <p:bldP build="whole" bldLvl="1" animBg="1" rev="0" advAuto="0" spid="493" grpId="63"/>
+      <p:bldP build="whole" bldLvl="1" animBg="1" rev="0" advAuto="0" spid="463" grpId="25"/>
+      <p:bldP build="whole" bldLvl="1" animBg="1" rev="0" advAuto="0" spid="402" grpId="17"/>
+      <p:bldP build="whole" bldLvl="1" animBg="1" rev="0" advAuto="0" spid="467" grpId="24"/>
+      <p:bldP build="whole" bldLvl="1" animBg="1" rev="0" advAuto="0" spid="423" grpId="15"/>
+      <p:bldP build="whole" bldLvl="1" animBg="1" rev="0" advAuto="0" spid="381" grpId="33"/>
+      <p:bldP build="whole" bldLvl="1" animBg="1" rev="0" advAuto="0" spid="497" grpId="56"/>
       <p:bldP build="whole" bldLvl="1" animBg="1" rev="0" advAuto="0" spid="507" grpId="60"/>
-      <p:bldP build="whole" bldLvl="1" animBg="1" rev="0" advAuto="0" spid="467" grpId="24"/>
+      <p:bldP build="whole" bldLvl="1" animBg="1" rev="0" advAuto="0" spid="451" grpId="11"/>
+      <p:bldP build="whole" bldLvl="1" animBg="1" rev="0" advAuto="0" spid="393" grpId="16"/>
+      <p:bldP build="whole" bldLvl="1" animBg="1" rev="0" advAuto="0" spid="411" grpId="49"/>
+      <p:bldP build="whole" bldLvl="1" animBg="1" rev="0" advAuto="0" spid="459" grpId="40"/>
+      <p:bldP build="whole" bldLvl="1" animBg="1" rev="0" advAuto="0" spid="499" grpId="57"/>
+      <p:bldP build="whole" bldLvl="1" animBg="1" rev="0" advAuto="0" spid="432" grpId="53"/>
       <p:bldP build="whole" bldLvl="1" animBg="1" rev="0" advAuto="0" spid="487" grpId="30"/>
-      <p:bldP build="whole" bldLvl="1" animBg="1" rev="0" advAuto="0" spid="447" grpId="8"/>
-      <p:bldP build="whole" bldLvl="1" animBg="1" rev="0" advAuto="0" spid="420" grpId="14"/>
-      <p:bldP build="whole" bldLvl="1" animBg="1" rev="0" advAuto="0" spid="459" grpId="40"/>
-      <p:bldP build="whole" bldLvl="1" animBg="1" rev="0" advAuto="0" spid="485" grpId="29"/>
-      <p:bldP build="whole" bldLvl="1" animBg="1" rev="0" advAuto="0" spid="493" grpId="63"/>
-      <p:bldP build="whole" bldLvl="1" animBg="1" rev="0" advAuto="0" spid="429" grpId="52"/>
-      <p:bldP build="whole" bldLvl="1" animBg="1" rev="0" advAuto="0" spid="372" grpId="47"/>
-      <p:bldP build="whole" bldLvl="1" animBg="1" rev="0" advAuto="0" spid="408" grpId="48"/>
+      <p:bldP build="whole" bldLvl="1" animBg="1" rev="0" advAuto="0" spid="384" grpId="13"/>
+      <p:bldP build="whole" bldLvl="1" animBg="1" rev="0" advAuto="0" spid="457" grpId="42"/>
+      <p:bldP build="whole" bldLvl="1" animBg="1" rev="0" advAuto="0" spid="360" grpId="1"/>
+      <p:bldP build="whole" bldLvl="1" animBg="1" rev="0" advAuto="0" spid="475" grpId="39"/>
+      <p:bldP build="whole" bldLvl="1" animBg="1" rev="0" advAuto="0" spid="469" grpId="23"/>
     </p:bldLst>
   </p:timing>
 </p:sld>
@@ -28906,14 +28906,14 @@
       </p:par>
     </p:tnLst>
     <p:bldLst>
+      <p:bldP build="whole" bldLvl="1" animBg="1" rev="0" advAuto="0" spid="516" grpId="5"/>
+      <p:bldP build="whole" bldLvl="1" animBg="1" rev="0" advAuto="0" spid="522" grpId="1"/>
       <p:bldP build="whole" bldLvl="1" animBg="1" rev="0" advAuto="0" spid="531" grpId="2"/>
+      <p:bldP build="whole" bldLvl="1" animBg="1" rev="0" advAuto="0" spid="527" grpId="4"/>
+      <p:bldP build="whole" bldLvl="1" animBg="1" rev="0" advAuto="0" spid="526" grpId="7"/>
+      <p:bldP build="whole" bldLvl="1" animBg="1" rev="0" advAuto="0" spid="526" grpId="8"/>
       <p:bldP build="whole" bldLvl="1" animBg="1" rev="0" advAuto="0" spid="529" grpId="6"/>
-      <p:bldP build="whole" bldLvl="1" animBg="1" rev="0" advAuto="0" spid="527" grpId="4"/>
-      <p:bldP build="whole" bldLvl="1" animBg="1" rev="0" advAuto="0" spid="516" grpId="5"/>
       <p:bldP build="whole" bldLvl="1" animBg="1" rev="0" advAuto="0" spid="519" grpId="3"/>
-      <p:bldP build="whole" bldLvl="1" animBg="1" rev="0" advAuto="0" spid="526" grpId="7"/>
-      <p:bldP build="whole" bldLvl="1" animBg="1" rev="0" advAuto="0" spid="522" grpId="1"/>
-      <p:bldP build="whole" bldLvl="1" animBg="1" rev="0" advAuto="0" spid="526" grpId="8"/>
     </p:bldLst>
   </p:timing>
 </p:sld>
@@ -29016,7 +29016,7 @@
         </p:nvGrpSpPr>
         <p:grpSpPr>
           <a:xfrm>
-            <a:off x="1270000" y="4317293"/>
+            <a:off x="1270000" y="3936293"/>
             <a:ext cx="5071915" cy="1765652"/>
             <a:chOff x="0" y="0"/>
             <a:chExt cx="5071914" cy="1765651"/>
@@ -29180,7 +29180,7 @@
         </p:nvGrpSpPr>
         <p:grpSpPr>
           <a:xfrm>
-            <a:off x="1270000" y="5586610"/>
+            <a:off x="1270000" y="5205610"/>
             <a:ext cx="5071915" cy="1765653"/>
             <a:chOff x="0" y="0"/>
             <a:chExt cx="5071914" cy="1765651"/>
@@ -29344,7 +29344,7 @@
         </p:nvGrpSpPr>
         <p:grpSpPr>
           <a:xfrm>
-            <a:off x="1270000" y="8969566"/>
+            <a:off x="1270000" y="8207566"/>
             <a:ext cx="5071915" cy="1765653"/>
             <a:chOff x="0" y="0"/>
             <a:chExt cx="5071914" cy="1765651"/>
@@ -29508,7 +29508,7 @@
         </p:nvGrpSpPr>
         <p:grpSpPr>
           <a:xfrm>
-            <a:off x="1270000" y="10257829"/>
+            <a:off x="1270000" y="9495829"/>
             <a:ext cx="5071915" cy="1765653"/>
             <a:chOff x="0" y="0"/>
             <a:chExt cx="5071914" cy="1765651"/>
@@ -29672,7 +29672,7 @@
         </p:nvGrpSpPr>
         <p:grpSpPr>
           <a:xfrm>
-            <a:off x="1270000" y="11546092"/>
+            <a:off x="1270000" y="10784092"/>
             <a:ext cx="5071915" cy="1765653"/>
             <a:chOff x="0" y="0"/>
             <a:chExt cx="5071914" cy="1765651"/>
@@ -29836,7 +29836,7 @@
         </p:nvGrpSpPr>
         <p:grpSpPr>
           <a:xfrm>
-            <a:off x="1139726" y="3536041"/>
+            <a:off x="1139726" y="3155041"/>
             <a:ext cx="2579838" cy="1270001"/>
             <a:chOff x="0" y="503237"/>
             <a:chExt cx="2579837" cy="1270000"/>
@@ -29951,7 +29951,7 @@
         </p:nvGrpSpPr>
         <p:grpSpPr>
           <a:xfrm>
-            <a:off x="1139726" y="8169370"/>
+            <a:off x="1139726" y="7407370"/>
             <a:ext cx="2991990" cy="1270001"/>
             <a:chOff x="0" y="503237"/>
             <a:chExt cx="2991989" cy="1270000"/>
@@ -30058,6 +30058,170 @@
           </p:txBody>
         </p:sp>
       </p:grpSp>
+      <p:grpSp>
+        <p:nvGrpSpPr>
+          <p:cNvPr id="565" name="Group"/>
+          <p:cNvGrpSpPr/>
+          <p:nvPr/>
+        </p:nvGrpSpPr>
+        <p:grpSpPr>
+          <a:xfrm>
+            <a:off x="1270000" y="12072354"/>
+            <a:ext cx="5071915" cy="1765653"/>
+            <a:chOff x="0" y="0"/>
+            <a:chExt cx="5071914" cy="1765651"/>
+          </a:xfrm>
+        </p:grpSpPr>
+        <p:sp>
+          <p:nvSpPr>
+            <p:cNvPr id="562" name="Rectangle"/>
+            <p:cNvSpPr/>
+            <p:nvPr/>
+          </p:nvSpPr>
+          <p:spPr>
+            <a:xfrm>
+              <a:off x="1038" y="-1"/>
+              <a:ext cx="5070877" cy="991305"/>
+            </a:xfrm>
+            <a:prstGeom prst="rect">
+              <a:avLst/>
+            </a:prstGeom>
+            <a:solidFill>
+              <a:srgbClr val="263238"/>
+            </a:solidFill>
+            <a:ln w="12700" cap="flat">
+              <a:noFill/>
+              <a:miter lim="400000"/>
+            </a:ln>
+            <a:effectLst/>
+          </p:spPr>
+          <p:txBody>
+            <a:bodyPr wrap="square" lIns="71437" tIns="71437" rIns="71437" bIns="71437" numCol="1" anchor="ctr">
+              <a:noAutofit/>
+            </a:bodyPr>
+            <a:lstStyle/>
+            <a:p>
+              <a:pPr algn="ctr">
+                <a:lnSpc>
+                  <a:spcPct val="80000"/>
+                </a:lnSpc>
+                <a:spcBef>
+                  <a:spcPts val="0"/>
+                </a:spcBef>
+                <a:defRPr cap="all" sz="3800">
+                  <a:solidFill>
+                    <a:srgbClr val="263238"/>
+                  </a:solidFill>
+                  <a:latin typeface="+mn-lt"/>
+                  <a:ea typeface="+mn-ea"/>
+                  <a:cs typeface="+mn-cs"/>
+                  <a:sym typeface="DIN Condensed"/>
+                </a:defRPr>
+              </a:pPr>
+            </a:p>
+          </p:txBody>
+        </p:sp>
+        <p:sp>
+          <p:nvSpPr>
+            <p:cNvPr id="563" name="types"/>
+            <p:cNvSpPr/>
+            <p:nvPr/>
+          </p:nvSpPr>
+          <p:spPr>
+            <a:xfrm>
+              <a:off x="844184" y="495651"/>
+              <a:ext cx="1270001" cy="1270001"/>
+            </a:xfrm>
+            <a:prstGeom prst="line">
+              <a:avLst/>
+            </a:prstGeom>
+            <a:noFill/>
+            <a:ln w="12700" cap="flat">
+              <a:noFill/>
+              <a:miter lim="400000"/>
+            </a:ln>
+            <a:effectLst/>
+            <a:extLst>
+              <a:ext uri="{C572A759-6A51-4108-AA02-DFA0A04FC94B}">
+                <ma14:wrappingTextBoxFlag xmlns:ma14="http://schemas.microsoft.com/office/mac/drawingml/2011/main" val="1"/>
+              </a:ext>
+            </a:extLst>
+          </p:spPr>
+          <p:txBody>
+            <a:bodyPr wrap="none" lIns="71437" tIns="71437" rIns="71437" bIns="71437" numCol="1" anchor="ctr">
+              <a:spAutoFit/>
+            </a:bodyPr>
+            <a:lstStyle>
+              <a:lvl1pPr>
+                <a:defRPr sz="4200">
+                  <a:solidFill>
+                    <a:srgbClr val="FFFFFF"/>
+                  </a:solidFill>
+                  <a:latin typeface="Meslo LG M for Powerline"/>
+                  <a:ea typeface="Meslo LG M for Powerline"/>
+                  <a:cs typeface="Meslo LG M for Powerline"/>
+                  <a:sym typeface="Meslo LG M for Powerline"/>
+                </a:defRPr>
+              </a:lvl1pPr>
+            </a:lstStyle>
+            <a:p>
+              <a:pPr/>
+              <a:r>
+                <a:t>types</a:t>
+              </a:r>
+            </a:p>
+          </p:txBody>
+        </p:sp>
+        <p:sp>
+          <p:nvSpPr>
+            <p:cNvPr id="564" name="Rectangle"/>
+            <p:cNvSpPr/>
+            <p:nvPr/>
+          </p:nvSpPr>
+          <p:spPr>
+            <a:xfrm>
+              <a:off x="0" y="0"/>
+              <a:ext cx="530148" cy="991304"/>
+            </a:xfrm>
+            <a:prstGeom prst="rect">
+              <a:avLst/>
+            </a:prstGeom>
+            <a:solidFill>
+              <a:srgbClr val="03A9F4"/>
+            </a:solidFill>
+            <a:ln w="12700" cap="flat">
+              <a:noFill/>
+              <a:miter lim="400000"/>
+            </a:ln>
+            <a:effectLst/>
+          </p:spPr>
+          <p:txBody>
+            <a:bodyPr wrap="square" lIns="71437" tIns="71437" rIns="71437" bIns="71437" numCol="1" anchor="ctr">
+              <a:noAutofit/>
+            </a:bodyPr>
+            <a:lstStyle/>
+            <a:p>
+              <a:pPr algn="ctr">
+                <a:lnSpc>
+                  <a:spcPct val="80000"/>
+                </a:lnSpc>
+                <a:spcBef>
+                  <a:spcPts val="0"/>
+                </a:spcBef>
+                <a:defRPr cap="all" sz="3800">
+                  <a:solidFill>
+                    <a:srgbClr val="FFFFFF"/>
+                  </a:solidFill>
+                  <a:latin typeface="+mn-lt"/>
+                  <a:ea typeface="+mn-ea"/>
+                  <a:cs typeface="+mn-cs"/>
+                  <a:sym typeface="DIN Condensed"/>
+                </a:defRPr>
+              </a:pPr>
+            </a:p>
+          </p:txBody>
+        </p:sp>
+      </p:grpSp>
     </p:spTree>
   </p:cSld>
   <p:clrMapOvr>
@@ -30592,6 +30756,87 @@
                             </p:childTnLst>
                           </p:cTn>
                         </p:par>
+                        <p:par>
+                          <p:cTn id="38" fill="hold">
+                            <p:stCondLst>
+                              <p:cond delay="2800"/>
+                            </p:stCondLst>
+                            <p:childTnLst>
+                              <p:par>
+                                <p:cTn id="39" presetClass="entr" nodeType="afterEffect" presetSubtype="8" presetID="2" grpId="8" fill="hold">
+                                  <p:stCondLst>
+                                    <p:cond delay="0"/>
+                                  </p:stCondLst>
+                                  <p:iterate type="el" backwards="0">
+                                    <p:tmAbs val="0"/>
+                                  </p:iterate>
+                                  <p:childTnLst>
+                                    <p:set>
+                                      <p:cBhvr>
+                                        <p:cTn id="40" fill="hold"/>
+                                        <p:tgtEl>
+                                          <p:spTgt spid="565"/>
+                                        </p:tgtEl>
+                                        <p:attrNameLst>
+                                          <p:attrName>style.visibility</p:attrName>
+                                        </p:attrNameLst>
+                                      </p:cBhvr>
+                                      <p:to>
+                                        <p:strVal val="visible"/>
+                                      </p:to>
+                                    </p:set>
+                                    <p:anim calcmode="lin" valueType="num">
+                                      <p:cBhvr>
+                                        <p:cTn id="41" dur="700" fill="hold"/>
+                                        <p:tgtEl>
+                                          <p:spTgt spid="565"/>
+                                        </p:tgtEl>
+                                        <p:attrNameLst>
+                                          <p:attrName>ppt_x</p:attrName>
+                                        </p:attrNameLst>
+                                      </p:cBhvr>
+                                      <p:tavLst>
+                                        <p:tav tm="0">
+                                          <p:val>
+                                            <p:strVal val="0-#ppt_w/2"/>
+                                          </p:val>
+                                        </p:tav>
+                                        <p:tav tm="100000">
+                                          <p:val>
+                                            <p:strVal val="#ppt_x"/>
+                                          </p:val>
+                                        </p:tav>
+                                      </p:tavLst>
+                                    </p:anim>
+                                    <p:anim calcmode="lin" valueType="num">
+                                      <p:cBhvr>
+                                        <p:cTn id="42" dur="700" fill="hold"/>
+                                        <p:tgtEl>
+                                          <p:spTgt spid="565"/>
+                                        </p:tgtEl>
+                                        <p:attrNameLst>
+                                          <p:attrName>ppt_y</p:attrName>
+                                        </p:attrNameLst>
+                                      </p:cBhvr>
+                                      <p:tavLst>
+                                        <p:tav tm="0">
+                                          <p:val>
+                                            <p:strVal val="#ppt_y"/>
+                                          </p:val>
+                                        </p:tav>
+                                        <p:tav tm="100000">
+                                          <p:val>
+                                            <p:strVal val="#ppt_y"/>
+                                          </p:val>
+                                        </p:tav>
+                                      </p:tavLst>
+                                    </p:anim>
+                                  </p:childTnLst>
+                                </p:cTn>
+                              </p:par>
+                            </p:childTnLst>
+                          </p:cTn>
+                        </p:par>
                       </p:childTnLst>
                     </p:cTn>
                   </p:par>
@@ -30617,13 +30862,14 @@
       </p:par>
     </p:tnLst>
     <p:bldLst>
+      <p:bldP build="whole" bldLvl="1" animBg="1" rev="0" advAuto="0" spid="543" grpId="3"/>
+      <p:bldP build="whole" bldLvl="1" animBg="1" rev="0" advAuto="0" spid="539" grpId="2"/>
+      <p:bldP build="whole" bldLvl="1" animBg="1" rev="0" advAuto="0" spid="565" grpId="8"/>
+      <p:bldP build="whole" bldLvl="1" animBg="1" rev="0" advAuto="0" spid="555" grpId="7"/>
+      <p:bldP build="whole" bldLvl="1" animBg="1" rev="0" advAuto="0" spid="551" grpId="6"/>
       <p:bldP build="whole" bldLvl="1" animBg="1" rev="0" advAuto="0" spid="561" grpId="4"/>
       <p:bldP build="whole" bldLvl="1" animBg="1" rev="0" advAuto="0" spid="558" grpId="1"/>
-      <p:bldP build="whole" bldLvl="1" animBg="1" rev="0" advAuto="0" spid="543" grpId="3"/>
-      <p:bldP build="whole" bldLvl="1" animBg="1" rev="0" advAuto="0" spid="539" grpId="2"/>
       <p:bldP build="whole" bldLvl="1" animBg="1" rev="0" advAuto="0" spid="547" grpId="5"/>
-      <p:bldP build="whole" bldLvl="1" animBg="1" rev="0" advAuto="0" spid="551" grpId="6"/>
-      <p:bldP build="whole" bldLvl="1" animBg="1" rev="0" advAuto="0" spid="555" grpId="7"/>
     </p:bldLst>
   </p:timing>
 </p:sld>
